--- a/doc/cheatsheet/Pandas_Cheat_Sheet.pptx
+++ b/doc/cheatsheet/Pandas_Cheat_Sheet.pptx
@@ -244,7 +244,7 @@
           <a:p>
             <a:fld id="{79278B33-2949-49BE-B3B0-3F16CAF906FE}" type="datetimeFigureOut">
               <a:rPr lang="en-US" smtClean="0"/>
-              <a:t>12/21/2016</a:t>
+              <a:t>12/22/2016</a:t>
             </a:fld>
             <a:endParaRPr lang="en-US"/>
           </a:p>
@@ -414,7 +414,7 @@
           <a:p>
             <a:fld id="{79278B33-2949-49BE-B3B0-3F16CAF906FE}" type="datetimeFigureOut">
               <a:rPr lang="en-US" smtClean="0"/>
-              <a:t>12/21/2016</a:t>
+              <a:t>12/22/2016</a:t>
             </a:fld>
             <a:endParaRPr lang="en-US"/>
           </a:p>
@@ -594,7 +594,7 @@
           <a:p>
             <a:fld id="{79278B33-2949-49BE-B3B0-3F16CAF906FE}" type="datetimeFigureOut">
               <a:rPr lang="en-US" smtClean="0"/>
-              <a:t>12/21/2016</a:t>
+              <a:t>12/22/2016</a:t>
             </a:fld>
             <a:endParaRPr lang="en-US"/>
           </a:p>
@@ -764,7 +764,7 @@
           <a:p>
             <a:fld id="{79278B33-2949-49BE-B3B0-3F16CAF906FE}" type="datetimeFigureOut">
               <a:rPr lang="en-US" smtClean="0"/>
-              <a:t>12/21/2016</a:t>
+              <a:t>12/22/2016</a:t>
             </a:fld>
             <a:endParaRPr lang="en-US"/>
           </a:p>
@@ -1008,7 +1008,7 @@
           <a:p>
             <a:fld id="{79278B33-2949-49BE-B3B0-3F16CAF906FE}" type="datetimeFigureOut">
               <a:rPr lang="en-US" smtClean="0"/>
-              <a:t>12/21/2016</a:t>
+              <a:t>12/22/2016</a:t>
             </a:fld>
             <a:endParaRPr lang="en-US"/>
           </a:p>
@@ -1240,7 +1240,7 @@
           <a:p>
             <a:fld id="{79278B33-2949-49BE-B3B0-3F16CAF906FE}" type="datetimeFigureOut">
               <a:rPr lang="en-US" smtClean="0"/>
-              <a:t>12/21/2016</a:t>
+              <a:t>12/22/2016</a:t>
             </a:fld>
             <a:endParaRPr lang="en-US"/>
           </a:p>
@@ -1607,7 +1607,7 @@
           <a:p>
             <a:fld id="{79278B33-2949-49BE-B3B0-3F16CAF906FE}" type="datetimeFigureOut">
               <a:rPr lang="en-US" smtClean="0"/>
-              <a:t>12/21/2016</a:t>
+              <a:t>12/22/2016</a:t>
             </a:fld>
             <a:endParaRPr lang="en-US"/>
           </a:p>
@@ -1725,7 +1725,7 @@
           <a:p>
             <a:fld id="{79278B33-2949-49BE-B3B0-3F16CAF906FE}" type="datetimeFigureOut">
               <a:rPr lang="en-US" smtClean="0"/>
-              <a:t>12/21/2016</a:t>
+              <a:t>12/22/2016</a:t>
             </a:fld>
             <a:endParaRPr lang="en-US"/>
           </a:p>
@@ -1820,7 +1820,7 @@
           <a:p>
             <a:fld id="{79278B33-2949-49BE-B3B0-3F16CAF906FE}" type="datetimeFigureOut">
               <a:rPr lang="en-US" smtClean="0"/>
-              <a:t>12/21/2016</a:t>
+              <a:t>12/22/2016</a:t>
             </a:fld>
             <a:endParaRPr lang="en-US"/>
           </a:p>
@@ -2097,7 +2097,7 @@
           <a:p>
             <a:fld id="{79278B33-2949-49BE-B3B0-3F16CAF906FE}" type="datetimeFigureOut">
               <a:rPr lang="en-US" smtClean="0"/>
-              <a:t>12/21/2016</a:t>
+              <a:t>12/22/2016</a:t>
             </a:fld>
             <a:endParaRPr lang="en-US"/>
           </a:p>
@@ -2354,7 +2354,7 @@
           <a:p>
             <a:fld id="{79278B33-2949-49BE-B3B0-3F16CAF906FE}" type="datetimeFigureOut">
               <a:rPr lang="en-US" smtClean="0"/>
-              <a:t>12/21/2016</a:t>
+              <a:t>12/22/2016</a:t>
             </a:fld>
             <a:endParaRPr lang="en-US"/>
           </a:p>
@@ -2567,7 +2567,7 @@
           <a:p>
             <a:fld id="{79278B33-2949-49BE-B3B0-3F16CAF906FE}" type="datetimeFigureOut">
               <a:rPr lang="en-US" smtClean="0"/>
-              <a:t>12/21/2016</a:t>
+              <a:t>12/22/2016</a:t>
             </a:fld>
             <a:endParaRPr lang="en-US"/>
           </a:p>
@@ -12515,8 +12515,8 @@
         </p:nvSpPr>
         <p:spPr>
           <a:xfrm>
-            <a:off x="3958595" y="6980115"/>
-            <a:ext cx="4504529" cy="2308324"/>
+            <a:off x="3958595" y="7063240"/>
+            <a:ext cx="2468370" cy="1938992"/>
           </a:xfrm>
           <a:prstGeom prst="rect">
             <a:avLst/>
@@ -12558,160 +12558,108 @@
             </a:endParaRPr>
           </a:p>
           <a:p>
+            <a:pPr marL="174625"/>
+            <a:r>
+              <a:rPr lang="en-US" sz="1200" dirty="0" smtClean="0"/>
+              <a:t>Extract </a:t>
+            </a:r>
+            <a:r>
+              <a:rPr lang="en-US" sz="1200" dirty="0" smtClean="0"/>
+              <a:t>rows that meet logical criteria.</a:t>
+            </a:r>
+          </a:p>
+          <a:p>
+            <a:r>
+              <a:rPr lang="en-US" sz="1200" b="1" dirty="0" err="1">
+                <a:latin typeface="Consolas" panose="020B0609020204030204" pitchFamily="49" charset="0"/>
+              </a:rPr>
+              <a:t>d</a:t>
+            </a:r>
+            <a:r>
+              <a:rPr lang="en-US" sz="1200" b="1" dirty="0" err="1" smtClean="0">
+                <a:latin typeface="Consolas" panose="020B0609020204030204" pitchFamily="49" charset="0"/>
+              </a:rPr>
+              <a:t>f.drop_duplicates</a:t>
+            </a:r>
+            <a:r>
+              <a:rPr lang="en-US" sz="1200" b="1" dirty="0" smtClean="0">
+                <a:latin typeface="Consolas" panose="020B0609020204030204" pitchFamily="49" charset="0"/>
+              </a:rPr>
+              <a:t>()</a:t>
+            </a:r>
+          </a:p>
+          <a:p>
+            <a:pPr marL="174625"/>
+            <a:r>
+              <a:rPr lang="en-US" sz="1200" dirty="0" smtClean="0"/>
+              <a:t>Remove </a:t>
+            </a:r>
             <a:r>
               <a:rPr lang="en-US" sz="1200" dirty="0"/>
-              <a:t> </a:t>
-            </a:r>
-            <a:r>
-              <a:rPr lang="en-US" sz="1200" dirty="0" smtClean="0"/>
-              <a:t>    Extract rows that meet logical criteria.</a:t>
-            </a:r>
-          </a:p>
-          <a:p>
-            <a:r>
-              <a:rPr lang="en-US" sz="1200" b="1" dirty="0" err="1">
-                <a:latin typeface="Consolas" panose="020B0609020204030204" pitchFamily="49" charset="0"/>
-              </a:rPr>
-              <a:t>d</a:t>
-            </a:r>
+              <a:t>duplicate rows (only considers columns).</a:t>
+            </a:r>
+          </a:p>
+          <a:p>
             <a:r>
               <a:rPr lang="en-US" sz="1200" b="1" dirty="0" err="1" smtClean="0">
                 <a:latin typeface="Consolas" panose="020B0609020204030204" pitchFamily="49" charset="0"/>
               </a:rPr>
-              <a:t>f.drop_duplicates</a:t>
+              <a:t>df.head</a:t>
             </a:r>
             <a:r>
               <a:rPr lang="en-US" sz="1200" b="1" dirty="0" smtClean="0">
                 <a:latin typeface="Consolas" panose="020B0609020204030204" pitchFamily="49" charset="0"/>
               </a:rPr>
-              <a:t>()</a:t>
-            </a:r>
-          </a:p>
-          <a:p>
-            <a:r>
-              <a:rPr lang="en-US" sz="1200" dirty="0"/>
-              <a:t> </a:t>
-            </a:r>
-            <a:r>
-              <a:rPr lang="en-US" sz="1200" dirty="0" smtClean="0"/>
-              <a:t>    Remove duplicate rows (only considers columns).</a:t>
-            </a:r>
-          </a:p>
-          <a:p>
-            <a:r>
-              <a:rPr lang="en-US" sz="1200" b="1" dirty="0" err="1" smtClean="0">
-                <a:latin typeface="Consolas" panose="020B0609020204030204" pitchFamily="49" charset="0"/>
-              </a:rPr>
-              <a:t>df.sample</a:t>
-            </a:r>
-            <a:r>
-              <a:rPr lang="en-US" sz="1200" b="1" dirty="0" smtClean="0">
-                <a:latin typeface="Consolas" panose="020B0609020204030204" pitchFamily="49" charset="0"/>
-              </a:rPr>
-              <a:t>(</a:t>
-            </a:r>
-            <a:r>
-              <a:rPr lang="en-US" sz="1200" b="1" dirty="0" err="1" smtClean="0">
-                <a:latin typeface="Consolas" panose="020B0609020204030204" pitchFamily="49" charset="0"/>
-              </a:rPr>
-              <a:t>frac</a:t>
-            </a:r>
-            <a:r>
-              <a:rPr lang="en-US" sz="1200" b="1" dirty="0" smtClean="0">
-                <a:latin typeface="Consolas" panose="020B0609020204030204" pitchFamily="49" charset="0"/>
-              </a:rPr>
-              <a:t>=0.5)</a:t>
-            </a:r>
-          </a:p>
-          <a:p>
-            <a:r>
-              <a:rPr lang="en-US" sz="1200" dirty="0"/>
-              <a:t> </a:t>
-            </a:r>
-            <a:r>
-              <a:rPr lang="en-US" sz="1200" dirty="0" smtClean="0"/>
-              <a:t>    Randomly select fraction of rows.</a:t>
-            </a:r>
-          </a:p>
-          <a:p>
-            <a:r>
-              <a:rPr lang="en-US" sz="1200" b="1" dirty="0" err="1" smtClean="0">
-                <a:latin typeface="Consolas" panose="020B0609020204030204" pitchFamily="49" charset="0"/>
-              </a:rPr>
-              <a:t>df.sample</a:t>
-            </a:r>
-            <a:r>
-              <a:rPr lang="en-US" sz="1200" b="1" dirty="0" smtClean="0">
-                <a:latin typeface="Consolas" panose="020B0609020204030204" pitchFamily="49" charset="0"/>
-              </a:rPr>
-              <a:t>(n=10)</a:t>
+              <a:t>(n)</a:t>
             </a:r>
             <a:endParaRPr lang="en-US" sz="1200" b="1" dirty="0">
               <a:latin typeface="Consolas" panose="020B0609020204030204" pitchFamily="49" charset="0"/>
             </a:endParaRPr>
           </a:p>
           <a:p>
+            <a:pPr marL="174625"/>
             <a:r>
               <a:rPr lang="en-US" sz="1200" dirty="0" smtClean="0"/>
-              <a:t>     Randomly </a:t>
-            </a:r>
+              <a:t>Select first n rows.</a:t>
+            </a:r>
+          </a:p>
+          <a:p>
+            <a:r>
+              <a:rPr lang="en-US" sz="1200" b="1" dirty="0" err="1" smtClean="0">
+                <a:latin typeface="Consolas" panose="020B0609020204030204" pitchFamily="49" charset="0"/>
+              </a:rPr>
+              <a:t>df.tail</a:t>
+            </a:r>
+            <a:r>
+              <a:rPr lang="en-US" sz="1200" b="1" dirty="0" smtClean="0">
+                <a:latin typeface="Consolas" panose="020B0609020204030204" pitchFamily="49" charset="0"/>
+              </a:rPr>
+              <a:t>(n</a:t>
+            </a:r>
+            <a:r>
+              <a:rPr lang="en-US" sz="1200" b="1" dirty="0">
+                <a:latin typeface="Consolas" panose="020B0609020204030204" pitchFamily="49" charset="0"/>
+              </a:rPr>
+              <a:t>)</a:t>
+            </a:r>
+          </a:p>
+          <a:p>
+            <a:pPr marL="174625"/>
             <a:r>
               <a:rPr lang="en-US" sz="1200" dirty="0"/>
-              <a:t>select </a:t>
+              <a:t>Select </a:t>
             </a:r>
             <a:r>
               <a:rPr lang="en-US" sz="1200" dirty="0" smtClean="0"/>
-              <a:t>n rows.</a:t>
-            </a:r>
-            <a:endParaRPr lang="en-US" sz="1200" dirty="0"/>
-          </a:p>
-          <a:p>
-            <a:r>
-              <a:rPr lang="en-US" sz="1200" b="1" dirty="0" err="1" smtClean="0">
-                <a:latin typeface="Consolas" panose="020B0609020204030204" pitchFamily="49" charset="0"/>
-              </a:rPr>
-              <a:t>df.iloc</a:t>
-            </a:r>
-            <a:r>
-              <a:rPr lang="en-US" sz="1200" b="1" dirty="0" smtClean="0">
-                <a:latin typeface="Consolas" panose="020B0609020204030204" pitchFamily="49" charset="0"/>
-              </a:rPr>
-              <a:t>[10:20]</a:t>
-            </a:r>
-          </a:p>
-          <a:p>
+              <a:t>last n </a:t>
+            </a:r>
             <a:r>
               <a:rPr lang="en-US" sz="1200" dirty="0"/>
-              <a:t> </a:t>
+              <a:t>rows</a:t>
             </a:r>
             <a:r>
               <a:rPr lang="en-US" sz="1200" dirty="0" smtClean="0"/>
-              <a:t>    Select rows by position.</a:t>
-            </a:r>
-            <a:endParaRPr lang="en-US" sz="1200" dirty="0"/>
-          </a:p>
-          <a:p>
-            <a:r>
-              <a:rPr lang="en-US" sz="1200" b="1" dirty="0" err="1" smtClean="0">
-                <a:latin typeface="Consolas" panose="020B0609020204030204" pitchFamily="49" charset="0"/>
-              </a:rPr>
-              <a:t>df.nlargest</a:t>
-            </a:r>
-            <a:r>
-              <a:rPr lang="en-US" sz="1200" b="1" dirty="0" smtClean="0">
-                <a:latin typeface="Consolas" panose="020B0609020204030204" pitchFamily="49" charset="0"/>
-              </a:rPr>
-              <a:t>(10, 'value')</a:t>
-            </a:r>
-          </a:p>
-          <a:p>
-            <a:r>
-              <a:rPr lang="en-US" sz="1200" dirty="0"/>
-              <a:t> </a:t>
-            </a:r>
-            <a:r>
-              <a:rPr lang="en-US" sz="1200" dirty="0" smtClean="0"/>
-              <a:t>    Select and order top n entries.</a:t>
+              <a:t>.</a:t>
             </a:r>
             <a:endParaRPr lang="en-US" sz="1200" dirty="0"/>
           </a:p>
@@ -14292,11 +14240,7 @@
             </a:r>
             <a:r>
               <a:rPr lang="en-US" sz="800" dirty="0" smtClean="0"/>
-              <a:t>) </a:t>
-            </a:r>
-            <a:r>
-              <a:rPr lang="en-US" sz="800" dirty="0" smtClean="0"/>
-              <a:t> Written by Irv Lustig, </a:t>
+              <a:t>)  Written by Irv Lustig, </a:t>
             </a:r>
             <a:r>
               <a:rPr lang="en-US" sz="800" dirty="0" smtClean="0">
@@ -16284,6 +16228,208 @@
           </a:graphicData>
         </a:graphic>
       </p:graphicFrame>
+      <p:sp>
+        <p:nvSpPr>
+          <p:cNvPr id="89" name="TextBox 88"/>
+          <p:cNvSpPr txBox="1"/>
+          <p:nvPr/>
+        </p:nvSpPr>
+        <p:spPr>
+          <a:xfrm>
+            <a:off x="6331165" y="7063240"/>
+            <a:ext cx="2492075" cy="1938992"/>
+          </a:xfrm>
+          <a:prstGeom prst="rect">
+            <a:avLst/>
+          </a:prstGeom>
+          <a:noFill/>
+        </p:spPr>
+        <p:txBody>
+          <a:bodyPr wrap="square" rtlCol="0">
+            <a:spAutoFit/>
+          </a:bodyPr>
+          <a:lstStyle/>
+          <a:p>
+            <a:r>
+              <a:rPr lang="en-US" sz="1200" b="1" dirty="0" err="1">
+                <a:latin typeface="Consolas" panose="020B0609020204030204" pitchFamily="49" charset="0"/>
+              </a:rPr>
+              <a:t>df.sample</a:t>
+            </a:r>
+            <a:r>
+              <a:rPr lang="en-US" sz="1200" b="1" dirty="0">
+                <a:latin typeface="Consolas" panose="020B0609020204030204" pitchFamily="49" charset="0"/>
+              </a:rPr>
+              <a:t>(</a:t>
+            </a:r>
+            <a:r>
+              <a:rPr lang="en-US" sz="1200" b="1" dirty="0" err="1">
+                <a:latin typeface="Consolas" panose="020B0609020204030204" pitchFamily="49" charset="0"/>
+              </a:rPr>
+              <a:t>frac</a:t>
+            </a:r>
+            <a:r>
+              <a:rPr lang="en-US" sz="1200" b="1" dirty="0">
+                <a:latin typeface="Consolas" panose="020B0609020204030204" pitchFamily="49" charset="0"/>
+              </a:rPr>
+              <a:t>=0.5)</a:t>
+            </a:r>
+          </a:p>
+          <a:p>
+            <a:pPr marL="174625"/>
+            <a:r>
+              <a:rPr lang="en-US" sz="1200" dirty="0" smtClean="0"/>
+              <a:t>Randomly </a:t>
+            </a:r>
+            <a:r>
+              <a:rPr lang="en-US" sz="1200" dirty="0"/>
+              <a:t>select fraction of rows. </a:t>
+            </a:r>
+            <a:endParaRPr lang="en-US" sz="1200" dirty="0"/>
+          </a:p>
+          <a:p>
+            <a:r>
+              <a:rPr lang="en-US" sz="1200" b="1" dirty="0" err="1" smtClean="0">
+                <a:latin typeface="Consolas" panose="020B0609020204030204" pitchFamily="49" charset="0"/>
+              </a:rPr>
+              <a:t>df.sample</a:t>
+            </a:r>
+            <a:r>
+              <a:rPr lang="en-US" sz="1200" b="1" dirty="0" smtClean="0">
+                <a:latin typeface="Consolas" panose="020B0609020204030204" pitchFamily="49" charset="0"/>
+              </a:rPr>
+              <a:t>(n=10</a:t>
+            </a:r>
+            <a:r>
+              <a:rPr lang="en-US" sz="1200" b="1" dirty="0" smtClean="0">
+                <a:latin typeface="Consolas" panose="020B0609020204030204" pitchFamily="49" charset="0"/>
+              </a:rPr>
+              <a:t>)</a:t>
+            </a:r>
+            <a:endParaRPr lang="en-US" sz="1200" b="1" dirty="0">
+              <a:latin typeface="Consolas" panose="020B0609020204030204" pitchFamily="49" charset="0"/>
+            </a:endParaRPr>
+          </a:p>
+          <a:p>
+            <a:r>
+              <a:rPr lang="en-US" sz="1200" dirty="0" smtClean="0"/>
+              <a:t>     Randomly </a:t>
+            </a:r>
+            <a:r>
+              <a:rPr lang="en-US" sz="1200" dirty="0"/>
+              <a:t>select </a:t>
+            </a:r>
+            <a:r>
+              <a:rPr lang="en-US" sz="1200" dirty="0" smtClean="0"/>
+              <a:t>n rows.</a:t>
+            </a:r>
+            <a:endParaRPr lang="en-US" sz="1200" dirty="0"/>
+          </a:p>
+          <a:p>
+            <a:r>
+              <a:rPr lang="en-US" sz="1200" b="1" dirty="0" err="1" smtClean="0">
+                <a:latin typeface="Consolas" panose="020B0609020204030204" pitchFamily="49" charset="0"/>
+              </a:rPr>
+              <a:t>df.iloc</a:t>
+            </a:r>
+            <a:r>
+              <a:rPr lang="en-US" sz="1200" b="1" dirty="0" smtClean="0">
+                <a:latin typeface="Consolas" panose="020B0609020204030204" pitchFamily="49" charset="0"/>
+              </a:rPr>
+              <a:t>[10:20]</a:t>
+            </a:r>
+          </a:p>
+          <a:p>
+            <a:r>
+              <a:rPr lang="en-US" sz="1200" dirty="0"/>
+              <a:t> </a:t>
+            </a:r>
+            <a:r>
+              <a:rPr lang="en-US" sz="1200" dirty="0" smtClean="0"/>
+              <a:t>    Select rows by position.</a:t>
+            </a:r>
+            <a:endParaRPr lang="en-US" sz="1200" dirty="0"/>
+          </a:p>
+          <a:p>
+            <a:r>
+              <a:rPr lang="en-US" sz="1200" b="1" dirty="0" err="1" smtClean="0">
+                <a:latin typeface="Consolas" panose="020B0609020204030204" pitchFamily="49" charset="0"/>
+              </a:rPr>
+              <a:t>df.nlargest</a:t>
+            </a:r>
+            <a:r>
+              <a:rPr lang="en-US" sz="1200" b="1" dirty="0" smtClean="0">
+                <a:latin typeface="Consolas" panose="020B0609020204030204" pitchFamily="49" charset="0"/>
+              </a:rPr>
+              <a:t>(n, </a:t>
+            </a:r>
+            <a:r>
+              <a:rPr lang="en-US" sz="1200" b="1" dirty="0" smtClean="0">
+                <a:latin typeface="Consolas" panose="020B0609020204030204" pitchFamily="49" charset="0"/>
+              </a:rPr>
+              <a:t>'value')</a:t>
+            </a:r>
+          </a:p>
+          <a:p>
+            <a:r>
+              <a:rPr lang="en-US" sz="1200" dirty="0"/>
+              <a:t> </a:t>
+            </a:r>
+            <a:r>
+              <a:rPr lang="en-US" sz="1200" dirty="0" smtClean="0"/>
+              <a:t>    Select and order top n entries</a:t>
+            </a:r>
+            <a:r>
+              <a:rPr lang="en-US" sz="1200" dirty="0" smtClean="0"/>
+              <a:t>.</a:t>
+            </a:r>
+          </a:p>
+          <a:p>
+            <a:r>
+              <a:rPr lang="en-US" sz="1200" b="1" dirty="0" err="1" smtClean="0">
+                <a:latin typeface="Consolas" panose="020B0609020204030204" pitchFamily="49" charset="0"/>
+              </a:rPr>
+              <a:t>df.nsmallest</a:t>
+            </a:r>
+            <a:r>
+              <a:rPr lang="en-US" sz="1200" b="1" dirty="0" smtClean="0">
+                <a:latin typeface="Consolas" panose="020B0609020204030204" pitchFamily="49" charset="0"/>
+              </a:rPr>
+              <a:t>(n, </a:t>
+            </a:r>
+            <a:r>
+              <a:rPr lang="en-US" sz="1200" b="1" dirty="0">
+                <a:latin typeface="Consolas" panose="020B0609020204030204" pitchFamily="49" charset="0"/>
+              </a:rPr>
+              <a:t>'value')</a:t>
+            </a:r>
+          </a:p>
+          <a:p>
+            <a:pPr marL="174625"/>
+            <a:r>
+              <a:rPr lang="en-US" sz="1200" dirty="0" smtClean="0"/>
+              <a:t>Select </a:t>
+            </a:r>
+            <a:r>
+              <a:rPr lang="en-US" sz="1200" dirty="0"/>
+              <a:t>and order </a:t>
+            </a:r>
+            <a:r>
+              <a:rPr lang="en-US" sz="1200" dirty="0"/>
+              <a:t>bottom n </a:t>
+            </a:r>
+            <a:r>
+              <a:rPr lang="en-US" sz="1200" dirty="0"/>
+              <a:t>entries</a:t>
+            </a:r>
+            <a:r>
+              <a:rPr lang="en-US" sz="1200" dirty="0"/>
+              <a:t>.</a:t>
+            </a:r>
+            <a:endParaRPr lang="en-US" sz="1200" dirty="0"/>
+          </a:p>
+        </p:txBody>
+      </p:sp>
     </p:spTree>
     <p:extLst>
       <p:ext uri="{BB962C8B-B14F-4D97-AF65-F5344CB8AC3E}">
@@ -22336,7 +22482,19 @@
               <a:rPr lang="en-US" sz="1200" b="1" dirty="0">
                 <a:latin typeface="Consolas" panose="020B0609020204030204" pitchFamily="49" charset="0"/>
               </a:rPr>
-              <a:t>         how='inner', on='x1')</a:t>
+              <a:t>         how=</a:t>
+            </a:r>
+            <a:r>
+              <a:rPr lang="en-US" sz="1200" b="1" dirty="0" smtClean="0">
+                <a:latin typeface="Consolas" panose="020B0609020204030204" pitchFamily="49" charset="0"/>
+              </a:rPr>
+              <a:t>'outer</a:t>
+            </a:r>
+            <a:r>
+              <a:rPr lang="en-US" sz="1200" b="1" dirty="0">
+                <a:latin typeface="Consolas" panose="020B0609020204030204" pitchFamily="49" charset="0"/>
+              </a:rPr>
+              <a:t>', on='x1')</a:t>
             </a:r>
           </a:p>
           <a:p>

--- a/doc/cheatsheet/Pandas_Cheat_Sheet.pptx
+++ b/doc/cheatsheet/Pandas_Cheat_Sheet.pptx
@@ -12561,11 +12561,7 @@
             <a:pPr marL="174625"/>
             <a:r>
               <a:rPr lang="en-US" sz="1200" dirty="0" smtClean="0"/>
-              <a:t>Extract </a:t>
-            </a:r>
-            <a:r>
-              <a:rPr lang="en-US" sz="1200" dirty="0" smtClean="0"/>
-              <a:t>rows that meet logical criteria.</a:t>
+              <a:t>Extract rows that meet logical criteria.</a:t>
             </a:r>
           </a:p>
           <a:p>
@@ -12674,14 +12670,14 @@
           <p:nvPr>
             <p:extLst>
               <p:ext uri="{D42A27DB-BD31-4B8C-83A1-F6EECF244321}">
-                <p14:modId xmlns:p14="http://schemas.microsoft.com/office/powerpoint/2010/main" val="2914391951"/>
+                <p14:modId xmlns:p14="http://schemas.microsoft.com/office/powerpoint/2010/main" val="2405697195"/>
               </p:ext>
             </p:extLst>
           </p:nvPr>
         </p:nvGraphicFramePr>
         <p:xfrm>
           <a:off x="3946615" y="9243804"/>
-          <a:ext cx="4706255" cy="1374905"/>
+          <a:ext cx="4814590" cy="1374905"/>
         </p:xfrm>
         <a:graphic>
           <a:graphicData uri="http://schemas.openxmlformats.org/drawingml/2006/table">
@@ -12690,10 +12686,10 @@
                 <a:tableStyleId>{5C22544A-7EE6-4342-B048-85BDC9FD1C3A}</a:tableStyleId>
               </a:tblPr>
               <a:tblGrid>
-                <a:gridCol w="225695"/>
-                <a:gridCol w="1143000"/>
-                <a:gridCol w="1737360"/>
-                <a:gridCol w="1600200"/>
+                <a:gridCol w="230890"/>
+                <a:gridCol w="1175988"/>
+                <a:gridCol w="1770676"/>
+                <a:gridCol w="1637036"/>
               </a:tblGrid>
               <a:tr h="231905">
                 <a:tc gridSpan="4">
@@ -12985,7 +12981,7 @@
                       <a:headEnd type="none" w="med" len="med"/>
                       <a:tailEnd type="none" w="med" len="med"/>
                     </a:lnL>
-                    <a:lnR w="12700" cap="flat" cmpd="sng" algn="ctr">
+                    <a:lnR w="76200" cap="flat" cmpd="sng" algn="ctr">
                       <a:solidFill>
                         <a:schemeClr val="accent5"/>
                       </a:solidFill>
@@ -13036,7 +13032,7 @@
                     </a:p>
                   </a:txBody>
                   <a:tcPr marL="45720" marR="45720">
-                    <a:lnL w="12700" cap="flat" cmpd="sng" algn="ctr">
+                    <a:lnL w="76200" cap="flat" cmpd="sng" algn="ctr">
                       <a:solidFill>
                         <a:schemeClr val="accent5"/>
                       </a:solidFill>
@@ -13219,7 +13215,7 @@
                       <a:headEnd type="none" w="med" len="med"/>
                       <a:tailEnd type="none" w="med" len="med"/>
                     </a:lnL>
-                    <a:lnR w="12700" cap="flat" cmpd="sng" algn="ctr">
+                    <a:lnR w="76200" cap="flat" cmpd="sng" algn="ctr">
                       <a:solidFill>
                         <a:schemeClr val="accent5"/>
                       </a:solidFill>
@@ -13288,7 +13284,7 @@
                     </a:p>
                   </a:txBody>
                   <a:tcPr marL="45720" marR="45720">
-                    <a:lnL w="12700" cap="flat" cmpd="sng" algn="ctr">
+                    <a:lnL w="76200" cap="flat" cmpd="sng" algn="ctr">
                       <a:solidFill>
                         <a:schemeClr val="accent5"/>
                       </a:solidFill>
@@ -13471,7 +13467,7 @@
                       <a:headEnd type="none" w="med" len="med"/>
                       <a:tailEnd type="none" w="med" len="med"/>
                     </a:lnL>
-                    <a:lnR w="12700" cap="flat" cmpd="sng" algn="ctr">
+                    <a:lnR w="76200" cap="flat" cmpd="sng" algn="ctr">
                       <a:solidFill>
                         <a:schemeClr val="accent5"/>
                       </a:solidFill>
@@ -13540,7 +13536,7 @@
                     </a:p>
                   </a:txBody>
                   <a:tcPr marL="45720" marR="45720">
-                    <a:lnL w="12700" cap="flat" cmpd="sng" algn="ctr">
+                    <a:lnL w="76200" cap="flat" cmpd="sng" algn="ctr">
                       <a:solidFill>
                         <a:schemeClr val="accent5"/>
                       </a:solidFill>
@@ -13727,7 +13723,7 @@
                       <a:headEnd type="none" w="med" len="med"/>
                       <a:tailEnd type="none" w="med" len="med"/>
                     </a:lnL>
-                    <a:lnR w="12700" cap="flat" cmpd="sng" algn="ctr">
+                    <a:lnR w="76200" cap="flat" cmpd="sng" algn="ctr">
                       <a:solidFill>
                         <a:schemeClr val="accent5"/>
                       </a:solidFill>
@@ -13796,7 +13792,7 @@
                     </a:p>
                   </a:txBody>
                   <a:tcPr marL="45720" marR="45720">
-                    <a:lnL w="12700" cap="flat" cmpd="sng" algn="ctr">
+                    <a:lnL w="76200" cap="flat" cmpd="sng" algn="ctr">
                       <a:solidFill>
                         <a:schemeClr val="accent5"/>
                       </a:solidFill>
@@ -13983,7 +13979,7 @@
                       <a:headEnd type="none" w="med" len="med"/>
                       <a:tailEnd type="none" w="med" len="med"/>
                     </a:lnL>
-                    <a:lnR w="12700" cap="flat" cmpd="sng" algn="ctr">
+                    <a:lnR w="76200" cap="flat" cmpd="sng" algn="ctr">
                       <a:solidFill>
                         <a:schemeClr val="accent5"/>
                       </a:solidFill>
@@ -14058,7 +14054,7 @@
                     </a:p>
                   </a:txBody>
                   <a:tcPr marL="45720" marR="45720">
-                    <a:lnL w="12700" cap="flat" cmpd="sng" algn="ctr">
+                    <a:lnL w="76200" cap="flat" cmpd="sng" algn="ctr">
                       <a:solidFill>
                         <a:schemeClr val="accent5"/>
                       </a:solidFill>
@@ -16285,7 +16281,6 @@
               <a:rPr lang="en-US" sz="1200" dirty="0"/>
               <a:t>select fraction of rows. </a:t>
             </a:r>
-            <a:endParaRPr lang="en-US" sz="1200" dirty="0"/>
           </a:p>
           <a:p>
             <a:r>
@@ -16298,13 +16293,7 @@
               <a:rPr lang="en-US" sz="1200" b="1" dirty="0" smtClean="0">
                 <a:latin typeface="Consolas" panose="020B0609020204030204" pitchFamily="49" charset="0"/>
               </a:rPr>
-              <a:t>(n=10</a:t>
-            </a:r>
-            <a:r>
-              <a:rPr lang="en-US" sz="1200" b="1" dirty="0" smtClean="0">
-                <a:latin typeface="Consolas" panose="020B0609020204030204" pitchFamily="49" charset="0"/>
-              </a:rPr>
-              <a:t>)</a:t>
+              <a:t>(n=10)</a:t>
             </a:r>
             <a:endParaRPr lang="en-US" sz="1200" b="1" dirty="0">
               <a:latin typeface="Consolas" panose="020B0609020204030204" pitchFamily="49" charset="0"/>
@@ -16361,13 +16350,7 @@
               <a:rPr lang="en-US" sz="1200" b="1" dirty="0" smtClean="0">
                 <a:latin typeface="Consolas" panose="020B0609020204030204" pitchFamily="49" charset="0"/>
               </a:rPr>
-              <a:t>(n, </a:t>
-            </a:r>
-            <a:r>
-              <a:rPr lang="en-US" sz="1200" b="1" dirty="0" smtClean="0">
-                <a:latin typeface="Consolas" panose="020B0609020204030204" pitchFamily="49" charset="0"/>
-              </a:rPr>
-              <a:t>'value')</a:t>
+              <a:t>(n, 'value')</a:t>
             </a:r>
           </a:p>
           <a:p>
@@ -16377,11 +16360,7 @@
             </a:r>
             <a:r>
               <a:rPr lang="en-US" sz="1200" dirty="0" smtClean="0"/>
-              <a:t>    Select and order top n entries</a:t>
-            </a:r>
-            <a:r>
-              <a:rPr lang="en-US" sz="1200" dirty="0" smtClean="0"/>
-              <a:t>.</a:t>
+              <a:t>    Select and order top n entries.</a:t>
             </a:r>
           </a:p>
           <a:p>
@@ -16412,21 +16391,8 @@
             </a:r>
             <a:r>
               <a:rPr lang="en-US" sz="1200" dirty="0"/>
-              <a:t>and order </a:t>
-            </a:r>
-            <a:r>
-              <a:rPr lang="en-US" sz="1200" dirty="0"/>
-              <a:t>bottom n </a:t>
-            </a:r>
-            <a:r>
-              <a:rPr lang="en-US" sz="1200" dirty="0"/>
-              <a:t>entries</a:t>
-            </a:r>
-            <a:r>
-              <a:rPr lang="en-US" sz="1200" dirty="0"/>
-              <a:t>.</a:t>
-            </a:r>
-            <a:endParaRPr lang="en-US" sz="1200" dirty="0"/>
+              <a:t>and order bottom n entries.</a:t>
+            </a:r>
           </a:p>
         </p:txBody>
       </p:sp>

--- a/doc/cheatsheet/Pandas_Cheat_Sheet.pptx
+++ b/doc/cheatsheet/Pandas_Cheat_Sheet.pptx
@@ -255,7 +255,7 @@
           <a:p>
             <a:fld id="{79278B33-2949-49BE-B3B0-3F16CAF906FE}" type="datetimeFigureOut">
               <a:rPr lang="en-US" smtClean="0"/>
-              <a:t>3/15/2018</a:t>
+              <a:t>2/7/2019</a:t>
             </a:fld>
             <a:endParaRPr lang="en-US"/>
           </a:p>
@@ -425,7 +425,7 @@
           <a:p>
             <a:fld id="{79278B33-2949-49BE-B3B0-3F16CAF906FE}" type="datetimeFigureOut">
               <a:rPr lang="en-US" smtClean="0"/>
-              <a:t>3/15/2018</a:t>
+              <a:t>2/7/2019</a:t>
             </a:fld>
             <a:endParaRPr lang="en-US"/>
           </a:p>
@@ -605,7 +605,7 @@
           <a:p>
             <a:fld id="{79278B33-2949-49BE-B3B0-3F16CAF906FE}" type="datetimeFigureOut">
               <a:rPr lang="en-US" smtClean="0"/>
-              <a:t>3/15/2018</a:t>
+              <a:t>2/7/2019</a:t>
             </a:fld>
             <a:endParaRPr lang="en-US"/>
           </a:p>
@@ -775,7 +775,7 @@
           <a:p>
             <a:fld id="{79278B33-2949-49BE-B3B0-3F16CAF906FE}" type="datetimeFigureOut">
               <a:rPr lang="en-US" smtClean="0"/>
-              <a:t>3/15/2018</a:t>
+              <a:t>2/7/2019</a:t>
             </a:fld>
             <a:endParaRPr lang="en-US"/>
           </a:p>
@@ -1019,7 +1019,7 @@
           <a:p>
             <a:fld id="{79278B33-2949-49BE-B3B0-3F16CAF906FE}" type="datetimeFigureOut">
               <a:rPr lang="en-US" smtClean="0"/>
-              <a:t>3/15/2018</a:t>
+              <a:t>2/7/2019</a:t>
             </a:fld>
             <a:endParaRPr lang="en-US"/>
           </a:p>
@@ -1251,7 +1251,7 @@
           <a:p>
             <a:fld id="{79278B33-2949-49BE-B3B0-3F16CAF906FE}" type="datetimeFigureOut">
               <a:rPr lang="en-US" smtClean="0"/>
-              <a:t>3/15/2018</a:t>
+              <a:t>2/7/2019</a:t>
             </a:fld>
             <a:endParaRPr lang="en-US"/>
           </a:p>
@@ -1618,7 +1618,7 @@
           <a:p>
             <a:fld id="{79278B33-2949-49BE-B3B0-3F16CAF906FE}" type="datetimeFigureOut">
               <a:rPr lang="en-US" smtClean="0"/>
-              <a:t>3/15/2018</a:t>
+              <a:t>2/7/2019</a:t>
             </a:fld>
             <a:endParaRPr lang="en-US"/>
           </a:p>
@@ -1736,7 +1736,7 @@
           <a:p>
             <a:fld id="{79278B33-2949-49BE-B3B0-3F16CAF906FE}" type="datetimeFigureOut">
               <a:rPr lang="en-US" smtClean="0"/>
-              <a:t>3/15/2018</a:t>
+              <a:t>2/7/2019</a:t>
             </a:fld>
             <a:endParaRPr lang="en-US"/>
           </a:p>
@@ -1831,7 +1831,7 @@
           <a:p>
             <a:fld id="{79278B33-2949-49BE-B3B0-3F16CAF906FE}" type="datetimeFigureOut">
               <a:rPr lang="en-US" smtClean="0"/>
-              <a:t>3/15/2018</a:t>
+              <a:t>2/7/2019</a:t>
             </a:fld>
             <a:endParaRPr lang="en-US"/>
           </a:p>
@@ -2108,7 +2108,7 @@
           <a:p>
             <a:fld id="{79278B33-2949-49BE-B3B0-3F16CAF906FE}" type="datetimeFigureOut">
               <a:rPr lang="en-US" smtClean="0"/>
-              <a:t>3/15/2018</a:t>
+              <a:t>2/7/2019</a:t>
             </a:fld>
             <a:endParaRPr lang="en-US"/>
           </a:p>
@@ -2365,7 +2365,7 @@
           <a:p>
             <a:fld id="{79278B33-2949-49BE-B3B0-3F16CAF906FE}" type="datetimeFigureOut">
               <a:rPr lang="en-US" smtClean="0"/>
-              <a:t>3/15/2018</a:t>
+              <a:t>2/7/2019</a:t>
             </a:fld>
             <a:endParaRPr lang="en-US"/>
           </a:p>
@@ -2578,7 +2578,7 @@
           <a:p>
             <a:fld id="{79278B33-2949-49BE-B3B0-3F16CAF906FE}" type="datetimeFigureOut">
               <a:rPr lang="en-US" smtClean="0"/>
-              <a:t>3/15/2018</a:t>
+              <a:t>2/7/2019</a:t>
             </a:fld>
             <a:endParaRPr lang="en-US"/>
           </a:p>
@@ -11332,14 +11332,14 @@
           <a:effectLst/>
           <a:extLst>
             <a:ext uri="{909E8E84-426E-40dd-AFC4-6F175D3DCCD1}">
-              <a14:hiddenFill xmlns:a14="http://schemas.microsoft.com/office/drawing/2010/main" xmlns="">
+              <a14:hiddenFill xmlns="" xmlns:a14="http://schemas.microsoft.com/office/drawing/2010/main">
                 <a:solidFill>
                   <a:schemeClr val="accent1"/>
                 </a:solidFill>
               </a14:hiddenFill>
             </a:ext>
             <a:ext uri="{91240B29-F687-4f45-9708-019B960494DF}">
-              <a14:hiddenLine xmlns:a14="http://schemas.microsoft.com/office/drawing/2010/main" xmlns="" w="9525">
+              <a14:hiddenLine xmlns="" xmlns:a14="http://schemas.microsoft.com/office/drawing/2010/main" w="9525">
                 <a:solidFill>
                   <a:schemeClr val="tx1"/>
                 </a:solidFill>
@@ -11349,7 +11349,7 @@
               </a14:hiddenLine>
             </a:ext>
             <a:ext uri="{AF507438-7753-43e0-B8FC-AC1667EBCBE1}">
-              <a14:hiddenEffects xmlns:a14="http://schemas.microsoft.com/office/drawing/2010/main" xmlns="">
+              <a14:hiddenEffects xmlns="" xmlns:a14="http://schemas.microsoft.com/office/drawing/2010/main">
                 <a:effectLst>
                   <a:outerShdw dist="35921" dir="2700000" algn="ctr" rotWithShape="0">
                     <a:schemeClr val="bg2"/>
@@ -15666,7 +15666,7 @@
           <p:nvPr>
             <p:extLst>
               <p:ext uri="{D42A27DB-BD31-4B8C-83A1-F6EECF244321}">
-                <p14:modId xmlns:p14="http://schemas.microsoft.com/office/powerpoint/2010/main" val="1269780901"/>
+                <p14:modId xmlns:p14="http://schemas.microsoft.com/office/powerpoint/2010/main" val="290246856"/>
               </p:ext>
             </p:extLst>
           </p:nvPr>
@@ -16299,7 +16299,7 @@
                         <a:rPr lang="en-US" sz="900" b="1" dirty="0">
                           <a:latin typeface="Consolas" panose="020B0609020204030204" pitchFamily="49" charset="0"/>
                         </a:rPr>
-                        <a:t>''^(?!Species$).*'</a:t>
+                        <a:t>'^(?!Species$).*'</a:t>
                       </a:r>
                     </a:p>
                   </a:txBody>

--- a/doc/cheatsheet/Pandas_Cheat_Sheet.pptx
+++ b/doc/cheatsheet/Pandas_Cheat_Sheet.pptx
@@ -255,7 +255,7 @@
           <a:p>
             <a:fld id="{79278B33-2949-49BE-B3B0-3F16CAF906FE}" type="datetimeFigureOut">
               <a:rPr lang="en-US" smtClean="0"/>
-              <a:t>1/30/2019</a:t>
+              <a:t>3/15/2018</a:t>
             </a:fld>
             <a:endParaRPr lang="en-US"/>
           </a:p>
@@ -425,7 +425,7 @@
           <a:p>
             <a:fld id="{79278B33-2949-49BE-B3B0-3F16CAF906FE}" type="datetimeFigureOut">
               <a:rPr lang="en-US" smtClean="0"/>
-              <a:t>1/30/2019</a:t>
+              <a:t>3/15/2018</a:t>
             </a:fld>
             <a:endParaRPr lang="en-US"/>
           </a:p>
@@ -605,7 +605,7 @@
           <a:p>
             <a:fld id="{79278B33-2949-49BE-B3B0-3F16CAF906FE}" type="datetimeFigureOut">
               <a:rPr lang="en-US" smtClean="0"/>
-              <a:t>1/30/2019</a:t>
+              <a:t>3/15/2018</a:t>
             </a:fld>
             <a:endParaRPr lang="en-US"/>
           </a:p>
@@ -775,7 +775,7 @@
           <a:p>
             <a:fld id="{79278B33-2949-49BE-B3B0-3F16CAF906FE}" type="datetimeFigureOut">
               <a:rPr lang="en-US" smtClean="0"/>
-              <a:t>1/30/2019</a:t>
+              <a:t>3/15/2018</a:t>
             </a:fld>
             <a:endParaRPr lang="en-US"/>
           </a:p>
@@ -1019,7 +1019,7 @@
           <a:p>
             <a:fld id="{79278B33-2949-49BE-B3B0-3F16CAF906FE}" type="datetimeFigureOut">
               <a:rPr lang="en-US" smtClean="0"/>
-              <a:t>1/30/2019</a:t>
+              <a:t>3/15/2018</a:t>
             </a:fld>
             <a:endParaRPr lang="en-US"/>
           </a:p>
@@ -1251,7 +1251,7 @@
           <a:p>
             <a:fld id="{79278B33-2949-49BE-B3B0-3F16CAF906FE}" type="datetimeFigureOut">
               <a:rPr lang="en-US" smtClean="0"/>
-              <a:t>1/30/2019</a:t>
+              <a:t>3/15/2018</a:t>
             </a:fld>
             <a:endParaRPr lang="en-US"/>
           </a:p>
@@ -1618,7 +1618,7 @@
           <a:p>
             <a:fld id="{79278B33-2949-49BE-B3B0-3F16CAF906FE}" type="datetimeFigureOut">
               <a:rPr lang="en-US" smtClean="0"/>
-              <a:t>1/30/2019</a:t>
+              <a:t>3/15/2018</a:t>
             </a:fld>
             <a:endParaRPr lang="en-US"/>
           </a:p>
@@ -1736,7 +1736,7 @@
           <a:p>
             <a:fld id="{79278B33-2949-49BE-B3B0-3F16CAF906FE}" type="datetimeFigureOut">
               <a:rPr lang="en-US" smtClean="0"/>
-              <a:t>1/30/2019</a:t>
+              <a:t>3/15/2018</a:t>
             </a:fld>
             <a:endParaRPr lang="en-US"/>
           </a:p>
@@ -1831,7 +1831,7 @@
           <a:p>
             <a:fld id="{79278B33-2949-49BE-B3B0-3F16CAF906FE}" type="datetimeFigureOut">
               <a:rPr lang="en-US" smtClean="0"/>
-              <a:t>1/30/2019</a:t>
+              <a:t>3/15/2018</a:t>
             </a:fld>
             <a:endParaRPr lang="en-US"/>
           </a:p>
@@ -2108,7 +2108,7 @@
           <a:p>
             <a:fld id="{79278B33-2949-49BE-B3B0-3F16CAF906FE}" type="datetimeFigureOut">
               <a:rPr lang="en-US" smtClean="0"/>
-              <a:t>1/30/2019</a:t>
+              <a:t>3/15/2018</a:t>
             </a:fld>
             <a:endParaRPr lang="en-US"/>
           </a:p>
@@ -2365,7 +2365,7 @@
           <a:p>
             <a:fld id="{79278B33-2949-49BE-B3B0-3F16CAF906FE}" type="datetimeFigureOut">
               <a:rPr lang="en-US" smtClean="0"/>
-              <a:t>1/30/2019</a:t>
+              <a:t>3/15/2018</a:t>
             </a:fld>
             <a:endParaRPr lang="en-US"/>
           </a:p>
@@ -2578,7 +2578,7 @@
           <a:p>
             <a:fld id="{79278B33-2949-49BE-B3B0-3F16CAF906FE}" type="datetimeFigureOut">
               <a:rPr lang="en-US" smtClean="0"/>
-              <a:t>1/30/2019</a:t>
+              <a:t>3/15/2018</a:t>
             </a:fld>
             <a:endParaRPr lang="en-US"/>
           </a:p>
@@ -11332,14 +11332,14 @@
           <a:effectLst/>
           <a:extLst>
             <a:ext uri="{909E8E84-426E-40dd-AFC4-6F175D3DCCD1}">
-              <a14:hiddenFill xmlns="" xmlns:a14="http://schemas.microsoft.com/office/drawing/2010/main">
+              <a14:hiddenFill xmlns:a14="http://schemas.microsoft.com/office/drawing/2010/main" xmlns="">
                 <a:solidFill>
                   <a:schemeClr val="accent1"/>
                 </a:solidFill>
               </a14:hiddenFill>
             </a:ext>
             <a:ext uri="{91240B29-F687-4f45-9708-019B960494DF}">
-              <a14:hiddenLine xmlns="" xmlns:a14="http://schemas.microsoft.com/office/drawing/2010/main" w="9525">
+              <a14:hiddenLine xmlns:a14="http://schemas.microsoft.com/office/drawing/2010/main" xmlns="" w="9525">
                 <a:solidFill>
                   <a:schemeClr val="tx1"/>
                 </a:solidFill>
@@ -11349,7 +11349,7 @@
               </a14:hiddenLine>
             </a:ext>
             <a:ext uri="{AF507438-7753-43e0-B8FC-AC1667EBCBE1}">
-              <a14:hiddenEffects xmlns="" xmlns:a14="http://schemas.microsoft.com/office/drawing/2010/main">
+              <a14:hiddenEffects xmlns:a14="http://schemas.microsoft.com/office/drawing/2010/main" xmlns="">
                 <a:effectLst>
                   <a:outerShdw dist="35921" dir="2700000" algn="ctr" rotWithShape="0">
                     <a:schemeClr val="bg2"/>
@@ -11514,14 +11514,11 @@
               <a:t>n','v</a:t>
             </a:r>
             <a:r>
-              <a:rPr lang="en-US" sz="1200" b="1">
-                <a:latin typeface="Consolas" panose="020B0609020204030204" pitchFamily="49" charset="0"/>
-              </a:rPr>
-              <a:t>']))</a:t>
-            </a:r>
-            <a:endParaRPr lang="en-US" sz="1200" b="1" dirty="0">
-              <a:latin typeface="Consolas" panose="020B0609020204030204" pitchFamily="49" charset="0"/>
-            </a:endParaRPr>
+              <a:rPr lang="en-US" sz="1200" b="1" dirty="0">
+                <a:latin typeface="Consolas" panose="020B0609020204030204" pitchFamily="49" charset="0"/>
+              </a:rPr>
+              <a:t>'])))</a:t>
+            </a:r>
           </a:p>
           <a:p>
             <a:r>

--- a/doc/cheatsheet/Pandas_Cheat_Sheet.pptx
+++ b/doc/cheatsheet/Pandas_Cheat_Sheet.pptx
@@ -124,6 +124,12 @@
 </p:presentation>
 </file>
 
+<file path=ppt/commentAuthors.xml><?xml version="1.0" encoding="utf-8"?>
+<p:cmAuthorLst xmlns:a="http://schemas.openxmlformats.org/drawingml/2006/main" xmlns:r="http://schemas.openxmlformats.org/officeDocument/2006/relationships" xmlns:p="http://schemas.openxmlformats.org/presentationml/2006/main">
+  <p:cmAuthor id="2" name="Autor" initials="A" lastIdx="0" clrIdx="1"/>
+</p:cmAuthorLst>
+</file>
+
 <file path=ppt/slideLayouts/slideLayout1.xml><?xml version="1.0" encoding="utf-8"?>
 <p:sldLayout xmlns:a="http://schemas.openxmlformats.org/drawingml/2006/main" xmlns:r="http://schemas.openxmlformats.org/officeDocument/2006/relationships" xmlns:p="http://schemas.openxmlformats.org/presentationml/2006/main" type="title" preserve="1">
   <p:cSld name="Title Slide">
@@ -255,7 +261,7 @@
           <a:p>
             <a:fld id="{79278B33-2949-49BE-B3B0-3F16CAF906FE}" type="datetimeFigureOut">
               <a:rPr lang="en-US" smtClean="0"/>
-              <a:t>2/9/2021</a:t>
+              <a:t>2/14/2021</a:t>
             </a:fld>
             <a:endParaRPr lang="en-US"/>
           </a:p>
@@ -425,7 +431,7 @@
           <a:p>
             <a:fld id="{79278B33-2949-49BE-B3B0-3F16CAF906FE}" type="datetimeFigureOut">
               <a:rPr lang="en-US" smtClean="0"/>
-              <a:t>2/9/2021</a:t>
+              <a:t>2/14/2021</a:t>
             </a:fld>
             <a:endParaRPr lang="en-US"/>
           </a:p>
@@ -605,7 +611,7 @@
           <a:p>
             <a:fld id="{79278B33-2949-49BE-B3B0-3F16CAF906FE}" type="datetimeFigureOut">
               <a:rPr lang="en-US" smtClean="0"/>
-              <a:t>2/9/2021</a:t>
+              <a:t>2/14/2021</a:t>
             </a:fld>
             <a:endParaRPr lang="en-US"/>
           </a:p>
@@ -775,7 +781,7 @@
           <a:p>
             <a:fld id="{79278B33-2949-49BE-B3B0-3F16CAF906FE}" type="datetimeFigureOut">
               <a:rPr lang="en-US" smtClean="0"/>
-              <a:t>2/9/2021</a:t>
+              <a:t>2/14/2021</a:t>
             </a:fld>
             <a:endParaRPr lang="en-US"/>
           </a:p>
@@ -1019,7 +1025,7 @@
           <a:p>
             <a:fld id="{79278B33-2949-49BE-B3B0-3F16CAF906FE}" type="datetimeFigureOut">
               <a:rPr lang="en-US" smtClean="0"/>
-              <a:t>2/9/2021</a:t>
+              <a:t>2/14/2021</a:t>
             </a:fld>
             <a:endParaRPr lang="en-US"/>
           </a:p>
@@ -1251,7 +1257,7 @@
           <a:p>
             <a:fld id="{79278B33-2949-49BE-B3B0-3F16CAF906FE}" type="datetimeFigureOut">
               <a:rPr lang="en-US" smtClean="0"/>
-              <a:t>2/9/2021</a:t>
+              <a:t>2/14/2021</a:t>
             </a:fld>
             <a:endParaRPr lang="en-US"/>
           </a:p>
@@ -1618,7 +1624,7 @@
           <a:p>
             <a:fld id="{79278B33-2949-49BE-B3B0-3F16CAF906FE}" type="datetimeFigureOut">
               <a:rPr lang="en-US" smtClean="0"/>
-              <a:t>2/9/2021</a:t>
+              <a:t>2/14/2021</a:t>
             </a:fld>
             <a:endParaRPr lang="en-US"/>
           </a:p>
@@ -1736,7 +1742,7 @@
           <a:p>
             <a:fld id="{79278B33-2949-49BE-B3B0-3F16CAF906FE}" type="datetimeFigureOut">
               <a:rPr lang="en-US" smtClean="0"/>
-              <a:t>2/9/2021</a:t>
+              <a:t>2/14/2021</a:t>
             </a:fld>
             <a:endParaRPr lang="en-US"/>
           </a:p>
@@ -1831,7 +1837,7 @@
           <a:p>
             <a:fld id="{79278B33-2949-49BE-B3B0-3F16CAF906FE}" type="datetimeFigureOut">
               <a:rPr lang="en-US" smtClean="0"/>
-              <a:t>2/9/2021</a:t>
+              <a:t>2/14/2021</a:t>
             </a:fld>
             <a:endParaRPr lang="en-US"/>
           </a:p>
@@ -2108,7 +2114,7 @@
           <a:p>
             <a:fld id="{79278B33-2949-49BE-B3B0-3F16CAF906FE}" type="datetimeFigureOut">
               <a:rPr lang="en-US" smtClean="0"/>
-              <a:t>2/9/2021</a:t>
+              <a:t>2/14/2021</a:t>
             </a:fld>
             <a:endParaRPr lang="en-US"/>
           </a:p>
@@ -2365,7 +2371,7 @@
           <a:p>
             <a:fld id="{79278B33-2949-49BE-B3B0-3F16CAF906FE}" type="datetimeFigureOut">
               <a:rPr lang="en-US" smtClean="0"/>
-              <a:t>2/9/2021</a:t>
+              <a:t>2/14/2021</a:t>
             </a:fld>
             <a:endParaRPr lang="en-US"/>
           </a:p>
@@ -2578,7 +2584,7 @@
           <a:p>
             <a:fld id="{79278B33-2949-49BE-B3B0-3F16CAF906FE}" type="datetimeFigureOut">
               <a:rPr lang="en-US" smtClean="0"/>
-              <a:t>2/9/2021</a:t>
+              <a:t>2/14/2021</a:t>
             </a:fld>
             <a:endParaRPr lang="en-US"/>
           </a:p>
@@ -2985,6 +2991,65 @@
       </p:grpSpPr>
       <p:sp>
         <p:nvSpPr>
+          <p:cNvPr id="5" name="Rechteck: abgerundete Ecken 4">
+            <a:extLst>
+              <a:ext uri="{FF2B5EF4-FFF2-40B4-BE49-F238E27FC236}">
+                <a16:creationId xmlns:a16="http://schemas.microsoft.com/office/drawing/2014/main" id="{72D94952-F364-408A-A6EE-02883BBDA36B}"/>
+              </a:ext>
+            </a:extLst>
+          </p:cNvPr>
+          <p:cNvSpPr/>
+          <p:nvPr/>
+        </p:nvSpPr>
+        <p:spPr>
+          <a:xfrm>
+            <a:off x="251102" y="539114"/>
+            <a:ext cx="3441323" cy="749656"/>
+          </a:xfrm>
+          <a:prstGeom prst="roundRect">
+            <a:avLst>
+              <a:gd name="adj" fmla="val 4927"/>
+            </a:avLst>
+          </a:prstGeom>
+          <a:solidFill>
+            <a:schemeClr val="accent2">
+              <a:lumMod val="20000"/>
+              <a:lumOff val="80000"/>
+            </a:schemeClr>
+          </a:solidFill>
+          <a:ln>
+            <a:solidFill>
+              <a:schemeClr val="accent2"/>
+            </a:solidFill>
+          </a:ln>
+        </p:spPr>
+        <p:style>
+          <a:lnRef idx="2">
+            <a:schemeClr val="accent1">
+              <a:shade val="50000"/>
+            </a:schemeClr>
+          </a:lnRef>
+          <a:fillRef idx="1">
+            <a:schemeClr val="accent1"/>
+          </a:fillRef>
+          <a:effectRef idx="0">
+            <a:schemeClr val="accent1"/>
+          </a:effectRef>
+          <a:fontRef idx="minor">
+            <a:schemeClr val="lt1"/>
+          </a:fontRef>
+        </p:style>
+        <p:txBody>
+          <a:bodyPr rtlCol="0" anchor="ctr"/>
+          <a:lstStyle/>
+          <a:p>
+            <a:pPr algn="ctr"/>
+            <a:endParaRPr lang="de-DE"/>
+          </a:p>
+        </p:txBody>
+      </p:sp>
+      <p:sp>
+        <p:nvSpPr>
           <p:cNvPr id="46" name="Rounded Rectangle 45"/>
           <p:cNvSpPr/>
           <p:nvPr/>
@@ -3031,326 +3096,6 @@
           </a:p>
         </p:txBody>
       </p:sp>
-      <p:graphicFrame>
-        <p:nvGraphicFramePr>
-          <p:cNvPr id="33" name="Table 32"/>
-          <p:cNvGraphicFramePr>
-            <a:graphicFrameLocks noGrp="1"/>
-          </p:cNvGraphicFramePr>
-          <p:nvPr>
-            <p:extLst>
-              <p:ext uri="{D42A27DB-BD31-4B8C-83A1-F6EECF244321}">
-                <p14:modId xmlns:p14="http://schemas.microsoft.com/office/powerpoint/2010/main" val="796029542"/>
-              </p:ext>
-            </p:extLst>
-          </p:nvPr>
-        </p:nvGraphicFramePr>
-        <p:xfrm>
-          <a:off x="6813715" y="595345"/>
-          <a:ext cx="1148259" cy="865311"/>
-        </p:xfrm>
-        <a:graphic>
-          <a:graphicData uri="http://schemas.openxmlformats.org/drawingml/2006/table">
-            <a:tbl>
-              <a:tblPr firstRow="1" bandRow="1">
-                <a:tableStyleId>{F5AB1C69-6EDB-4FF4-983F-18BD219EF322}</a:tableStyleId>
-              </a:tblPr>
-              <a:tblGrid>
-                <a:gridCol w="382753">
-                  <a:extLst>
-                    <a:ext uri="{9D8B030D-6E8A-4147-A177-3AD203B41FA5}">
-                      <a16:colId xmlns:a16="http://schemas.microsoft.com/office/drawing/2014/main" val="20000"/>
-                    </a:ext>
-                  </a:extLst>
-                </a:gridCol>
-                <a:gridCol w="382753">
-                  <a:extLst>
-                    <a:ext uri="{9D8B030D-6E8A-4147-A177-3AD203B41FA5}">
-                      <a16:colId xmlns:a16="http://schemas.microsoft.com/office/drawing/2014/main" val="20001"/>
-                    </a:ext>
-                  </a:extLst>
-                </a:gridCol>
-                <a:gridCol w="382753">
-                  <a:extLst>
-                    <a:ext uri="{9D8B030D-6E8A-4147-A177-3AD203B41FA5}">
-                      <a16:colId xmlns:a16="http://schemas.microsoft.com/office/drawing/2014/main" val="20002"/>
-                    </a:ext>
-                  </a:extLst>
-                </a:gridCol>
-              </a:tblGrid>
-              <a:tr h="279432">
-                <a:tc>
-                  <a:txBody>
-                    <a:bodyPr/>
-                    <a:lstStyle/>
-                    <a:p>
-                      <a:pPr algn="ctr"/>
-                      <a:r>
-                        <a:rPr lang="en-US" sz="1100" dirty="0">
-                          <a:latin typeface="Century" panose="02040604050505020304" pitchFamily="18" charset="0"/>
-                        </a:rPr>
-                        <a:t>F</a:t>
-                      </a:r>
-                    </a:p>
-                  </a:txBody>
-                  <a:tcPr marL="104787" marR="104787" marT="52393" marB="52393"/>
-                </a:tc>
-                <a:tc>
-                  <a:txBody>
-                    <a:bodyPr/>
-                    <a:lstStyle/>
-                    <a:p>
-                      <a:pPr algn="ctr"/>
-                      <a:r>
-                        <a:rPr lang="en-US" sz="1100" dirty="0">
-                          <a:latin typeface="Century" panose="02040604050505020304" pitchFamily="18" charset="0"/>
-                        </a:rPr>
-                        <a:t>M</a:t>
-                      </a:r>
-                    </a:p>
-                  </a:txBody>
-                  <a:tcPr marL="104787" marR="104787" marT="52393" marB="52393"/>
-                </a:tc>
-                <a:tc>
-                  <a:txBody>
-                    <a:bodyPr/>
-                    <a:lstStyle/>
-                    <a:p>
-                      <a:pPr algn="ctr"/>
-                      <a:r>
-                        <a:rPr lang="en-US" sz="1100" dirty="0">
-                          <a:latin typeface="Century" panose="02040604050505020304" pitchFamily="18" charset="0"/>
-                        </a:rPr>
-                        <a:t>A</a:t>
-                      </a:r>
-                    </a:p>
-                  </a:txBody>
-                  <a:tcPr marL="104787" marR="104787" marT="52393" marB="52393"/>
-                </a:tc>
-                <a:extLst>
-                  <a:ext uri="{0D108BD9-81ED-4DB2-BD59-A6C34878D82A}">
-                    <a16:rowId xmlns:a16="http://schemas.microsoft.com/office/drawing/2014/main" val="10000"/>
-                  </a:ext>
-                </a:extLst>
-              </a:tr>
-              <a:tr h="195293">
-                <a:tc>
-                  <a:txBody>
-                    <a:bodyPr/>
-                    <a:lstStyle/>
-                    <a:p>
-                      <a:endParaRPr lang="en-US" sz="900" dirty="0"/>
-                    </a:p>
-                  </a:txBody>
-                  <a:tcPr marL="0" marR="0" marT="0" marB="0">
-                    <a:solidFill>
-                      <a:schemeClr val="bg2"/>
-                    </a:solidFill>
-                  </a:tcPr>
-                </a:tc>
-                <a:tc>
-                  <a:txBody>
-                    <a:bodyPr/>
-                    <a:lstStyle/>
-                    <a:p>
-                      <a:endParaRPr lang="en-US" sz="900"/>
-                    </a:p>
-                  </a:txBody>
-                  <a:tcPr marL="0" marR="0" marT="0" marB="0">
-                    <a:solidFill>
-                      <a:schemeClr val="bg2"/>
-                    </a:solidFill>
-                  </a:tcPr>
-                </a:tc>
-                <a:tc>
-                  <a:txBody>
-                    <a:bodyPr/>
-                    <a:lstStyle/>
-                    <a:p>
-                      <a:endParaRPr lang="en-US" sz="900"/>
-                    </a:p>
-                  </a:txBody>
-                  <a:tcPr marL="0" marR="0" marT="0" marB="0">
-                    <a:solidFill>
-                      <a:schemeClr val="bg2"/>
-                    </a:solidFill>
-                  </a:tcPr>
-                </a:tc>
-                <a:extLst>
-                  <a:ext uri="{0D108BD9-81ED-4DB2-BD59-A6C34878D82A}">
-                    <a16:rowId xmlns:a16="http://schemas.microsoft.com/office/drawing/2014/main" val="10001"/>
-                  </a:ext>
-                </a:extLst>
-              </a:tr>
-              <a:tr h="195293">
-                <a:tc>
-                  <a:txBody>
-                    <a:bodyPr/>
-                    <a:lstStyle/>
-                    <a:p>
-                      <a:endParaRPr lang="en-US" sz="900"/>
-                    </a:p>
-                  </a:txBody>
-                  <a:tcPr marL="0" marR="0" marT="0" marB="0">
-                    <a:solidFill>
-                      <a:schemeClr val="bg2"/>
-                    </a:solidFill>
-                  </a:tcPr>
-                </a:tc>
-                <a:tc>
-                  <a:txBody>
-                    <a:bodyPr/>
-                    <a:lstStyle/>
-                    <a:p>
-                      <a:endParaRPr lang="en-US" sz="900"/>
-                    </a:p>
-                  </a:txBody>
-                  <a:tcPr marL="0" marR="0" marT="0" marB="0">
-                    <a:solidFill>
-                      <a:schemeClr val="bg2"/>
-                    </a:solidFill>
-                  </a:tcPr>
-                </a:tc>
-                <a:tc>
-                  <a:txBody>
-                    <a:bodyPr/>
-                    <a:lstStyle/>
-                    <a:p>
-                      <a:endParaRPr lang="en-US" sz="900" dirty="0"/>
-                    </a:p>
-                  </a:txBody>
-                  <a:tcPr marL="0" marR="0" marT="0" marB="0">
-                    <a:solidFill>
-                      <a:schemeClr val="bg2"/>
-                    </a:solidFill>
-                  </a:tcPr>
-                </a:tc>
-                <a:extLst>
-                  <a:ext uri="{0D108BD9-81ED-4DB2-BD59-A6C34878D82A}">
-                    <a16:rowId xmlns:a16="http://schemas.microsoft.com/office/drawing/2014/main" val="10002"/>
-                  </a:ext>
-                </a:extLst>
-              </a:tr>
-              <a:tr h="195293">
-                <a:tc>
-                  <a:txBody>
-                    <a:bodyPr/>
-                    <a:lstStyle/>
-                    <a:p>
-                      <a:endParaRPr lang="en-US" sz="900" dirty="0"/>
-                    </a:p>
-                  </a:txBody>
-                  <a:tcPr marL="0" marR="0" marT="0" marB="0">
-                    <a:solidFill>
-                      <a:schemeClr val="bg2"/>
-                    </a:solidFill>
-                  </a:tcPr>
-                </a:tc>
-                <a:tc>
-                  <a:txBody>
-                    <a:bodyPr/>
-                    <a:lstStyle/>
-                    <a:p>
-                      <a:endParaRPr lang="en-US" sz="900" dirty="0"/>
-                    </a:p>
-                  </a:txBody>
-                  <a:tcPr marL="0" marR="0" marT="0" marB="0">
-                    <a:solidFill>
-                      <a:schemeClr val="bg2"/>
-                    </a:solidFill>
-                  </a:tcPr>
-                </a:tc>
-                <a:tc>
-                  <a:txBody>
-                    <a:bodyPr/>
-                    <a:lstStyle/>
-                    <a:p>
-                      <a:endParaRPr lang="en-US" sz="900" dirty="0"/>
-                    </a:p>
-                  </a:txBody>
-                  <a:tcPr marL="0" marR="0" marT="0" marB="0">
-                    <a:solidFill>
-                      <a:schemeClr val="bg2"/>
-                    </a:solidFill>
-                  </a:tcPr>
-                </a:tc>
-                <a:extLst>
-                  <a:ext uri="{0D108BD9-81ED-4DB2-BD59-A6C34878D82A}">
-                    <a16:rowId xmlns:a16="http://schemas.microsoft.com/office/drawing/2014/main" val="10003"/>
-                  </a:ext>
-                </a:extLst>
-              </a:tr>
-            </a:tbl>
-          </a:graphicData>
-        </a:graphic>
-      </p:graphicFrame>
-      <p:sp>
-        <p:nvSpPr>
-          <p:cNvPr id="5" name="TextBox 4"/>
-          <p:cNvSpPr txBox="1"/>
-          <p:nvPr/>
-        </p:nvSpPr>
-        <p:spPr>
-          <a:xfrm>
-            <a:off x="0" y="0"/>
-            <a:ext cx="3717428" cy="1835118"/>
-          </a:xfrm>
-          <a:prstGeom prst="rect">
-            <a:avLst/>
-          </a:prstGeom>
-          <a:noFill/>
-        </p:spPr>
-        <p:txBody>
-          <a:bodyPr wrap="none" rtlCol="0">
-            <a:spAutoFit/>
-          </a:bodyPr>
-          <a:lstStyle/>
-          <a:p>
-            <a:pPr algn="ctr"/>
-            <a:r>
-              <a:rPr lang="en-US" sz="3209" b="1" dirty="0">
-                <a:solidFill>
-                  <a:schemeClr val="accent1"/>
-                </a:solidFill>
-              </a:rPr>
-              <a:t>Data Wrangling</a:t>
-            </a:r>
-          </a:p>
-          <a:p>
-            <a:pPr algn="ctr"/>
-            <a:r>
-              <a:rPr lang="en-US" sz="2750" dirty="0">
-                <a:solidFill>
-                  <a:schemeClr val="accent1"/>
-                </a:solidFill>
-              </a:rPr>
-              <a:t>with pandas</a:t>
-            </a:r>
-          </a:p>
-          <a:p>
-            <a:pPr algn="ctr"/>
-            <a:r>
-              <a:rPr lang="en-US" sz="2683" dirty="0">
-                <a:solidFill>
-                  <a:schemeClr val="accent1"/>
-                </a:solidFill>
-              </a:rPr>
-              <a:t>Cheat Sheet</a:t>
-            </a:r>
-          </a:p>
-          <a:p>
-            <a:pPr algn="ctr"/>
-            <a:r>
-              <a:rPr lang="en-US" sz="2683" dirty="0">
-                <a:solidFill>
-                  <a:schemeClr val="accent1"/>
-                </a:solidFill>
-              </a:rPr>
-              <a:t>http://pandas.pydata.org</a:t>
-            </a:r>
-          </a:p>
-        </p:txBody>
-      </p:sp>
       <p:sp>
         <p:nvSpPr>
           <p:cNvPr id="6" name="Rounded Rectangle 5"/>
@@ -3359,7 +3104,7 @@
         </p:nvSpPr>
         <p:spPr>
           <a:xfrm>
-            <a:off x="251104" y="2051644"/>
+            <a:off x="251102" y="1374597"/>
             <a:ext cx="3463425" cy="423293"/>
           </a:xfrm>
           <a:prstGeom prst="roundRect">
@@ -3388,7 +3133,7 @@
           <a:p>
             <a:pPr algn="ctr"/>
             <a:r>
-              <a:rPr lang="en-US" sz="2800" b="1" dirty="0">
+              <a:rPr lang="en-US" sz="2800" b="1">
                 <a:solidFill>
                   <a:schemeClr val="bg1"/>
                 </a:solidFill>
@@ -3400,10 +3145,10 @@
                   </a:extLst>
                 </a:hlinkClick>
               </a:rPr>
-              <a:t>Syntax</a:t>
-            </a:r>
-            <a:r>
-              <a:rPr lang="en-US" sz="2683" dirty="0">
+              <a:t>Creating </a:t>
+            </a:r>
+            <a:r>
+              <a:rPr lang="en-US" sz="2800" b="1" dirty="0" err="1">
                 <a:solidFill>
                   <a:schemeClr val="bg1"/>
                 </a:solidFill>
@@ -3415,39 +3160,9 @@
                   </a:extLst>
                 </a:hlinkClick>
               </a:rPr>
-              <a:t> </a:t>
-            </a:r>
-            <a:r>
-              <a:rPr lang="en-US" sz="1800" dirty="0">
-                <a:solidFill>
-                  <a:schemeClr val="bg1"/>
-                </a:solidFill>
-                <a:hlinkClick r:id="rId2">
-                  <a:extLst>
-                    <a:ext uri="{A12FA001-AC4F-418D-AE19-62706E023703}">
-                      <ahyp:hlinkClr xmlns:ahyp="http://schemas.microsoft.com/office/drawing/2018/hyperlinkcolor" val="tx"/>
-                    </a:ext>
-                  </a:extLst>
-                </a:hlinkClick>
-              </a:rPr>
-              <a:t>– Creating </a:t>
-            </a:r>
-            <a:r>
-              <a:rPr lang="en-US" sz="1800" dirty="0" err="1">
-                <a:solidFill>
-                  <a:schemeClr val="bg1"/>
-                </a:solidFill>
-                <a:hlinkClick r:id="rId2">
-                  <a:extLst>
-                    <a:ext uri="{A12FA001-AC4F-418D-AE19-62706E023703}">
-                      <ahyp:hlinkClr xmlns:ahyp="http://schemas.microsoft.com/office/drawing/2018/hyperlinkcolor" val="tx"/>
-                    </a:ext>
-                  </a:extLst>
-                </a:hlinkClick>
-              </a:rPr>
               <a:t>DataFrames</a:t>
             </a:r>
-            <a:endParaRPr lang="en-US" sz="1800" dirty="0">
+            <a:endParaRPr lang="en-US" sz="2800" b="1" dirty="0">
               <a:solidFill>
                 <a:schemeClr val="bg1"/>
               </a:solidFill>
@@ -3463,8 +3178,8 @@
         </p:nvSpPr>
         <p:spPr>
           <a:xfrm>
-            <a:off x="251104" y="2474935"/>
-            <a:ext cx="3463426" cy="6080719"/>
+            <a:off x="251104" y="1797890"/>
+            <a:ext cx="3463426" cy="6757765"/>
           </a:xfrm>
           <a:prstGeom prst="roundRect">
             <a:avLst>
@@ -3500,733 +3215,6 @@
           <a:p>
             <a:pPr algn="ctr"/>
             <a:endParaRPr lang="en-US" sz="2683"/>
-          </a:p>
-        </p:txBody>
-      </p:sp>
-      <p:sp>
-        <p:nvSpPr>
-          <p:cNvPr id="11" name="Rounded Rectangle 10"/>
-          <p:cNvSpPr/>
-          <p:nvPr/>
-        </p:nvSpPr>
-        <p:spPr>
-          <a:xfrm>
-            <a:off x="3825232" y="73847"/>
-            <a:ext cx="10073118" cy="396656"/>
-          </a:xfrm>
-          <a:prstGeom prst="roundRect">
-            <a:avLst/>
-          </a:prstGeom>
-        </p:spPr>
-        <p:style>
-          <a:lnRef idx="2">
-            <a:schemeClr val="accent1">
-              <a:shade val="50000"/>
-            </a:schemeClr>
-          </a:lnRef>
-          <a:fillRef idx="1">
-            <a:schemeClr val="accent1"/>
-          </a:fillRef>
-          <a:effectRef idx="0">
-            <a:schemeClr val="accent1"/>
-          </a:effectRef>
-          <a:fontRef idx="minor">
-            <a:schemeClr val="lt1"/>
-          </a:fontRef>
-        </p:style>
-        <p:txBody>
-          <a:bodyPr rtlCol="0" anchor="ctr"/>
-          <a:lstStyle/>
-          <a:p>
-            <a:pPr algn="ctr"/>
-            <a:r>
-              <a:rPr lang="en-US" sz="2683" b="1" dirty="0"/>
-              <a:t>Tidy Data </a:t>
-            </a:r>
-            <a:r>
-              <a:rPr lang="en-US" sz="1604" dirty="0"/>
-              <a:t>– A foundation for wrangling in pandas</a:t>
-            </a:r>
-            <a:endParaRPr lang="en-US" sz="2683" dirty="0"/>
-          </a:p>
-        </p:txBody>
-      </p:sp>
-      <p:sp>
-        <p:nvSpPr>
-          <p:cNvPr id="12" name="TextBox 11"/>
-          <p:cNvSpPr txBox="1"/>
-          <p:nvPr/>
-        </p:nvSpPr>
-        <p:spPr>
-          <a:xfrm>
-            <a:off x="3855842" y="884777"/>
-            <a:ext cx="840733" cy="515526"/>
-          </a:xfrm>
-          <a:prstGeom prst="rect">
-            <a:avLst/>
-          </a:prstGeom>
-          <a:noFill/>
-        </p:spPr>
-        <p:txBody>
-          <a:bodyPr wrap="square" rtlCol="0">
-            <a:spAutoFit/>
-          </a:bodyPr>
-          <a:lstStyle/>
-          <a:p>
-            <a:r>
-              <a:rPr lang="en-US" sz="1375" dirty="0"/>
-              <a:t>In a tidy data set:</a:t>
-            </a:r>
-          </a:p>
-        </p:txBody>
-      </p:sp>
-      <p:graphicFrame>
-        <p:nvGraphicFramePr>
-          <p:cNvPr id="13" name="Table 12"/>
-          <p:cNvGraphicFramePr>
-            <a:graphicFrameLocks noGrp="1"/>
-          </p:cNvGraphicFramePr>
-          <p:nvPr>
-            <p:extLst>
-              <p:ext uri="{D42A27DB-BD31-4B8C-83A1-F6EECF244321}">
-                <p14:modId xmlns:p14="http://schemas.microsoft.com/office/powerpoint/2010/main" val="3715316956"/>
-              </p:ext>
-            </p:extLst>
-          </p:nvPr>
-        </p:nvGraphicFramePr>
-        <p:xfrm>
-          <a:off x="4734644" y="595345"/>
-          <a:ext cx="1148259" cy="865311"/>
-        </p:xfrm>
-        <a:graphic>
-          <a:graphicData uri="http://schemas.openxmlformats.org/drawingml/2006/table">
-            <a:tbl>
-              <a:tblPr firstRow="1" bandRow="1">
-                <a:tableStyleId>{F5AB1C69-6EDB-4FF4-983F-18BD219EF322}</a:tableStyleId>
-              </a:tblPr>
-              <a:tblGrid>
-                <a:gridCol w="382753">
-                  <a:extLst>
-                    <a:ext uri="{9D8B030D-6E8A-4147-A177-3AD203B41FA5}">
-                      <a16:colId xmlns:a16="http://schemas.microsoft.com/office/drawing/2014/main" val="20000"/>
-                    </a:ext>
-                  </a:extLst>
-                </a:gridCol>
-                <a:gridCol w="382753">
-                  <a:extLst>
-                    <a:ext uri="{9D8B030D-6E8A-4147-A177-3AD203B41FA5}">
-                      <a16:colId xmlns:a16="http://schemas.microsoft.com/office/drawing/2014/main" val="20001"/>
-                    </a:ext>
-                  </a:extLst>
-                </a:gridCol>
-                <a:gridCol w="382753">
-                  <a:extLst>
-                    <a:ext uri="{9D8B030D-6E8A-4147-A177-3AD203B41FA5}">
-                      <a16:colId xmlns:a16="http://schemas.microsoft.com/office/drawing/2014/main" val="20002"/>
-                    </a:ext>
-                  </a:extLst>
-                </a:gridCol>
-              </a:tblGrid>
-              <a:tr h="279432">
-                <a:tc>
-                  <a:txBody>
-                    <a:bodyPr/>
-                    <a:lstStyle/>
-                    <a:p>
-                      <a:pPr algn="ctr"/>
-                      <a:r>
-                        <a:rPr lang="en-US" sz="1100" dirty="0">
-                          <a:latin typeface="Century" panose="02040604050505020304" pitchFamily="18" charset="0"/>
-                        </a:rPr>
-                        <a:t>F</a:t>
-                      </a:r>
-                    </a:p>
-                  </a:txBody>
-                  <a:tcPr marL="104787" marR="104787" marT="52393" marB="52393"/>
-                </a:tc>
-                <a:tc>
-                  <a:txBody>
-                    <a:bodyPr/>
-                    <a:lstStyle/>
-                    <a:p>
-                      <a:pPr algn="ctr"/>
-                      <a:r>
-                        <a:rPr lang="en-US" sz="1100" dirty="0">
-                          <a:latin typeface="Century" panose="02040604050505020304" pitchFamily="18" charset="0"/>
-                        </a:rPr>
-                        <a:t>M</a:t>
-                      </a:r>
-                    </a:p>
-                  </a:txBody>
-                  <a:tcPr marL="104787" marR="104787" marT="52393" marB="52393"/>
-                </a:tc>
-                <a:tc>
-                  <a:txBody>
-                    <a:bodyPr/>
-                    <a:lstStyle/>
-                    <a:p>
-                      <a:pPr algn="ctr"/>
-                      <a:r>
-                        <a:rPr lang="en-US" sz="1100" dirty="0">
-                          <a:latin typeface="Century" panose="02040604050505020304" pitchFamily="18" charset="0"/>
-                        </a:rPr>
-                        <a:t>A</a:t>
-                      </a:r>
-                    </a:p>
-                  </a:txBody>
-                  <a:tcPr marL="104787" marR="104787" marT="52393" marB="52393"/>
-                </a:tc>
-                <a:extLst>
-                  <a:ext uri="{0D108BD9-81ED-4DB2-BD59-A6C34878D82A}">
-                    <a16:rowId xmlns:a16="http://schemas.microsoft.com/office/drawing/2014/main" val="10000"/>
-                  </a:ext>
-                </a:extLst>
-              </a:tr>
-              <a:tr h="195293">
-                <a:tc>
-                  <a:txBody>
-                    <a:bodyPr/>
-                    <a:lstStyle/>
-                    <a:p>
-                      <a:endParaRPr lang="en-US" sz="900" dirty="0"/>
-                    </a:p>
-                  </a:txBody>
-                  <a:tcPr marL="0" marR="0" marT="0" marB="0">
-                    <a:solidFill>
-                      <a:schemeClr val="bg2"/>
-                    </a:solidFill>
-                  </a:tcPr>
-                </a:tc>
-                <a:tc>
-                  <a:txBody>
-                    <a:bodyPr/>
-                    <a:lstStyle/>
-                    <a:p>
-                      <a:endParaRPr lang="en-US" sz="900"/>
-                    </a:p>
-                  </a:txBody>
-                  <a:tcPr marL="0" marR="0" marT="0" marB="0">
-                    <a:solidFill>
-                      <a:schemeClr val="bg2"/>
-                    </a:solidFill>
-                  </a:tcPr>
-                </a:tc>
-                <a:tc>
-                  <a:txBody>
-                    <a:bodyPr/>
-                    <a:lstStyle/>
-                    <a:p>
-                      <a:endParaRPr lang="en-US" sz="900"/>
-                    </a:p>
-                  </a:txBody>
-                  <a:tcPr marL="0" marR="0" marT="0" marB="0">
-                    <a:solidFill>
-                      <a:schemeClr val="bg2"/>
-                    </a:solidFill>
-                  </a:tcPr>
-                </a:tc>
-                <a:extLst>
-                  <a:ext uri="{0D108BD9-81ED-4DB2-BD59-A6C34878D82A}">
-                    <a16:rowId xmlns:a16="http://schemas.microsoft.com/office/drawing/2014/main" val="10001"/>
-                  </a:ext>
-                </a:extLst>
-              </a:tr>
-              <a:tr h="195293">
-                <a:tc>
-                  <a:txBody>
-                    <a:bodyPr/>
-                    <a:lstStyle/>
-                    <a:p>
-                      <a:endParaRPr lang="en-US" sz="900"/>
-                    </a:p>
-                  </a:txBody>
-                  <a:tcPr marL="0" marR="0" marT="0" marB="0">
-                    <a:solidFill>
-                      <a:schemeClr val="bg2"/>
-                    </a:solidFill>
-                  </a:tcPr>
-                </a:tc>
-                <a:tc>
-                  <a:txBody>
-                    <a:bodyPr/>
-                    <a:lstStyle/>
-                    <a:p>
-                      <a:endParaRPr lang="en-US" sz="900"/>
-                    </a:p>
-                  </a:txBody>
-                  <a:tcPr marL="0" marR="0" marT="0" marB="0">
-                    <a:solidFill>
-                      <a:schemeClr val="bg2"/>
-                    </a:solidFill>
-                  </a:tcPr>
-                </a:tc>
-                <a:tc>
-                  <a:txBody>
-                    <a:bodyPr/>
-                    <a:lstStyle/>
-                    <a:p>
-                      <a:endParaRPr lang="en-US" sz="900" dirty="0"/>
-                    </a:p>
-                  </a:txBody>
-                  <a:tcPr marL="0" marR="0" marT="0" marB="0">
-                    <a:solidFill>
-                      <a:schemeClr val="bg2"/>
-                    </a:solidFill>
-                  </a:tcPr>
-                </a:tc>
-                <a:extLst>
-                  <a:ext uri="{0D108BD9-81ED-4DB2-BD59-A6C34878D82A}">
-                    <a16:rowId xmlns:a16="http://schemas.microsoft.com/office/drawing/2014/main" val="10002"/>
-                  </a:ext>
-                </a:extLst>
-              </a:tr>
-              <a:tr h="195293">
-                <a:tc>
-                  <a:txBody>
-                    <a:bodyPr/>
-                    <a:lstStyle/>
-                    <a:p>
-                      <a:endParaRPr lang="en-US" sz="900"/>
-                    </a:p>
-                  </a:txBody>
-                  <a:tcPr marL="0" marR="0" marT="0" marB="0">
-                    <a:solidFill>
-                      <a:schemeClr val="bg2"/>
-                    </a:solidFill>
-                  </a:tcPr>
-                </a:tc>
-                <a:tc>
-                  <a:txBody>
-                    <a:bodyPr/>
-                    <a:lstStyle/>
-                    <a:p>
-                      <a:endParaRPr lang="en-US" sz="900"/>
-                    </a:p>
-                  </a:txBody>
-                  <a:tcPr marL="0" marR="0" marT="0" marB="0">
-                    <a:solidFill>
-                      <a:schemeClr val="bg2"/>
-                    </a:solidFill>
-                  </a:tcPr>
-                </a:tc>
-                <a:tc>
-                  <a:txBody>
-                    <a:bodyPr/>
-                    <a:lstStyle/>
-                    <a:p>
-                      <a:endParaRPr lang="en-US" sz="900" dirty="0"/>
-                    </a:p>
-                  </a:txBody>
-                  <a:tcPr marL="0" marR="0" marT="0" marB="0">
-                    <a:solidFill>
-                      <a:schemeClr val="bg2"/>
-                    </a:solidFill>
-                  </a:tcPr>
-                </a:tc>
-                <a:extLst>
-                  <a:ext uri="{0D108BD9-81ED-4DB2-BD59-A6C34878D82A}">
-                    <a16:rowId xmlns:a16="http://schemas.microsoft.com/office/drawing/2014/main" val="10003"/>
-                  </a:ext>
-                </a:extLst>
-              </a:tr>
-            </a:tbl>
-          </a:graphicData>
-        </a:graphic>
-      </p:graphicFrame>
-      <p:cxnSp>
-        <p:nvCxnSpPr>
-          <p:cNvPr id="15" name="Straight Arrow Connector 14"/>
-          <p:cNvCxnSpPr/>
-          <p:nvPr/>
-        </p:nvCxnSpPr>
-        <p:spPr>
-          <a:xfrm>
-            <a:off x="4919491" y="884776"/>
-            <a:ext cx="13608" cy="681115"/>
-          </a:xfrm>
-          <a:prstGeom prst="straightConnector1">
-            <a:avLst/>
-          </a:prstGeom>
-          <a:ln w="76200">
-            <a:solidFill>
-              <a:schemeClr val="tx1"/>
-            </a:solidFill>
-            <a:headEnd type="stealth"/>
-            <a:tailEnd type="stealth"/>
-          </a:ln>
-        </p:spPr>
-        <p:style>
-          <a:lnRef idx="1">
-            <a:schemeClr val="accent1"/>
-          </a:lnRef>
-          <a:fillRef idx="0">
-            <a:schemeClr val="accent1"/>
-          </a:fillRef>
-          <a:effectRef idx="0">
-            <a:schemeClr val="accent1"/>
-          </a:effectRef>
-          <a:fontRef idx="minor">
-            <a:schemeClr val="tx1"/>
-          </a:fontRef>
-        </p:style>
-      </p:cxnSp>
-      <p:cxnSp>
-        <p:nvCxnSpPr>
-          <p:cNvPr id="16" name="Straight Arrow Connector 15"/>
-          <p:cNvCxnSpPr/>
-          <p:nvPr/>
-        </p:nvCxnSpPr>
-        <p:spPr>
-          <a:xfrm>
-            <a:off x="5297966" y="884776"/>
-            <a:ext cx="13608" cy="681115"/>
-          </a:xfrm>
-          <a:prstGeom prst="straightConnector1">
-            <a:avLst/>
-          </a:prstGeom>
-          <a:ln w="76200">
-            <a:solidFill>
-              <a:schemeClr val="tx1"/>
-            </a:solidFill>
-            <a:headEnd type="stealth"/>
-            <a:tailEnd type="stealth"/>
-          </a:ln>
-        </p:spPr>
-        <p:style>
-          <a:lnRef idx="1">
-            <a:schemeClr val="accent1"/>
-          </a:lnRef>
-          <a:fillRef idx="0">
-            <a:schemeClr val="accent1"/>
-          </a:fillRef>
-          <a:effectRef idx="0">
-            <a:schemeClr val="accent1"/>
-          </a:effectRef>
-          <a:fontRef idx="minor">
-            <a:schemeClr val="tx1"/>
-          </a:fontRef>
-        </p:style>
-      </p:cxnSp>
-      <p:cxnSp>
-        <p:nvCxnSpPr>
-          <p:cNvPr id="17" name="Straight Arrow Connector 16"/>
-          <p:cNvCxnSpPr/>
-          <p:nvPr/>
-        </p:nvCxnSpPr>
-        <p:spPr>
-          <a:xfrm>
-            <a:off x="5676441" y="884776"/>
-            <a:ext cx="13608" cy="681115"/>
-          </a:xfrm>
-          <a:prstGeom prst="straightConnector1">
-            <a:avLst/>
-          </a:prstGeom>
-          <a:ln w="76200">
-            <a:solidFill>
-              <a:schemeClr val="tx1"/>
-            </a:solidFill>
-            <a:headEnd type="stealth"/>
-            <a:tailEnd type="stealth"/>
-          </a:ln>
-        </p:spPr>
-        <p:style>
-          <a:lnRef idx="1">
-            <a:schemeClr val="accent1"/>
-          </a:lnRef>
-          <a:fillRef idx="0">
-            <a:schemeClr val="accent1"/>
-          </a:fillRef>
-          <a:effectRef idx="0">
-            <a:schemeClr val="accent1"/>
-          </a:effectRef>
-          <a:fontRef idx="minor">
-            <a:schemeClr val="tx1"/>
-          </a:fontRef>
-        </p:style>
-      </p:cxnSp>
-      <p:sp>
-        <p:nvSpPr>
-          <p:cNvPr id="18" name="TextBox 17"/>
-          <p:cNvSpPr txBox="1"/>
-          <p:nvPr/>
-        </p:nvSpPr>
-        <p:spPr>
-          <a:xfrm>
-            <a:off x="4380761" y="1565892"/>
-            <a:ext cx="1879664" cy="515526"/>
-          </a:xfrm>
-          <a:prstGeom prst="rect">
-            <a:avLst/>
-          </a:prstGeom>
-          <a:noFill/>
-        </p:spPr>
-        <p:txBody>
-          <a:bodyPr wrap="square" rtlCol="0">
-            <a:spAutoFit/>
-          </a:bodyPr>
-          <a:lstStyle/>
-          <a:p>
-            <a:r>
-              <a:rPr lang="en-US" sz="1375" dirty="0"/>
-              <a:t>Each </a:t>
-            </a:r>
-            <a:r>
-              <a:rPr lang="en-US" sz="1375" b="1" dirty="0"/>
-              <a:t>variable</a:t>
-            </a:r>
-            <a:r>
-              <a:rPr lang="en-US" sz="1375" dirty="0"/>
-              <a:t> is saved in its own </a:t>
-            </a:r>
-            <a:r>
-              <a:rPr lang="en-US" sz="1375" b="1" dirty="0"/>
-              <a:t>column</a:t>
-            </a:r>
-          </a:p>
-        </p:txBody>
-      </p:sp>
-      <p:sp>
-        <p:nvSpPr>
-          <p:cNvPr id="19" name="TextBox 18"/>
-          <p:cNvSpPr txBox="1"/>
-          <p:nvPr/>
-        </p:nvSpPr>
-        <p:spPr>
-          <a:xfrm>
-            <a:off x="5882903" y="513565"/>
-            <a:ext cx="846707" cy="1256370"/>
-          </a:xfrm>
-          <a:prstGeom prst="rect">
-            <a:avLst/>
-          </a:prstGeom>
-          <a:noFill/>
-        </p:spPr>
-        <p:txBody>
-          <a:bodyPr wrap="none" rtlCol="0">
-            <a:spAutoFit/>
-          </a:bodyPr>
-          <a:lstStyle/>
-          <a:p>
-            <a:r>
-              <a:rPr lang="en-US" sz="7564" dirty="0">
-                <a:solidFill>
-                  <a:schemeClr val="bg2">
-                    <a:lumMod val="90000"/>
-                  </a:schemeClr>
-                </a:solidFill>
-              </a:rPr>
-              <a:t>&amp;</a:t>
-            </a:r>
-          </a:p>
-        </p:txBody>
-      </p:sp>
-      <p:cxnSp>
-        <p:nvCxnSpPr>
-          <p:cNvPr id="21" name="Straight Arrow Connector 20"/>
-          <p:cNvCxnSpPr/>
-          <p:nvPr/>
-        </p:nvCxnSpPr>
-        <p:spPr>
-          <a:xfrm>
-            <a:off x="6813714" y="987175"/>
-            <a:ext cx="1148259" cy="0"/>
-          </a:xfrm>
-          <a:prstGeom prst="straightConnector1">
-            <a:avLst/>
-          </a:prstGeom>
-          <a:ln w="76200">
-            <a:solidFill>
-              <a:schemeClr val="tx1"/>
-            </a:solidFill>
-            <a:headEnd type="stealth"/>
-            <a:tailEnd type="stealth"/>
-          </a:ln>
-        </p:spPr>
-        <p:style>
-          <a:lnRef idx="1">
-            <a:schemeClr val="accent1"/>
-          </a:lnRef>
-          <a:fillRef idx="0">
-            <a:schemeClr val="accent1"/>
-          </a:fillRef>
-          <a:effectRef idx="0">
-            <a:schemeClr val="accent1"/>
-          </a:effectRef>
-          <a:fontRef idx="minor">
-            <a:schemeClr val="tx1"/>
-          </a:fontRef>
-        </p:style>
-      </p:cxnSp>
-      <p:cxnSp>
-        <p:nvCxnSpPr>
-          <p:cNvPr id="26" name="Straight Arrow Connector 25"/>
-          <p:cNvCxnSpPr/>
-          <p:nvPr/>
-        </p:nvCxnSpPr>
-        <p:spPr>
-          <a:xfrm>
-            <a:off x="6813713" y="1197380"/>
-            <a:ext cx="1148259" cy="0"/>
-          </a:xfrm>
-          <a:prstGeom prst="straightConnector1">
-            <a:avLst/>
-          </a:prstGeom>
-          <a:ln w="76200">
-            <a:solidFill>
-              <a:schemeClr val="tx1"/>
-            </a:solidFill>
-            <a:headEnd type="stealth"/>
-            <a:tailEnd type="stealth"/>
-          </a:ln>
-        </p:spPr>
-        <p:style>
-          <a:lnRef idx="1">
-            <a:schemeClr val="accent1"/>
-          </a:lnRef>
-          <a:fillRef idx="0">
-            <a:schemeClr val="accent1"/>
-          </a:fillRef>
-          <a:effectRef idx="0">
-            <a:schemeClr val="accent1"/>
-          </a:effectRef>
-          <a:fontRef idx="minor">
-            <a:schemeClr val="tx1"/>
-          </a:fontRef>
-        </p:style>
-      </p:cxnSp>
-      <p:cxnSp>
-        <p:nvCxnSpPr>
-          <p:cNvPr id="27" name="Straight Arrow Connector 26"/>
-          <p:cNvCxnSpPr/>
-          <p:nvPr/>
-        </p:nvCxnSpPr>
-        <p:spPr>
-          <a:xfrm>
-            <a:off x="6813713" y="1373003"/>
-            <a:ext cx="1148259" cy="0"/>
-          </a:xfrm>
-          <a:prstGeom prst="straightConnector1">
-            <a:avLst/>
-          </a:prstGeom>
-          <a:ln w="76200">
-            <a:solidFill>
-              <a:schemeClr val="tx1"/>
-            </a:solidFill>
-            <a:headEnd type="stealth"/>
-            <a:tailEnd type="stealth"/>
-          </a:ln>
-        </p:spPr>
-        <p:style>
-          <a:lnRef idx="1">
-            <a:schemeClr val="accent1"/>
-          </a:lnRef>
-          <a:fillRef idx="0">
-            <a:schemeClr val="accent1"/>
-          </a:fillRef>
-          <a:effectRef idx="0">
-            <a:schemeClr val="accent1"/>
-          </a:effectRef>
-          <a:fontRef idx="minor">
-            <a:schemeClr val="tx1"/>
-          </a:fontRef>
-        </p:style>
-      </p:cxnSp>
-      <p:sp>
-        <p:nvSpPr>
-          <p:cNvPr id="28" name="TextBox 27"/>
-          <p:cNvSpPr txBox="1"/>
-          <p:nvPr/>
-        </p:nvSpPr>
-        <p:spPr>
-          <a:xfrm>
-            <a:off x="6595918" y="1595498"/>
-            <a:ext cx="1879664" cy="515526"/>
-          </a:xfrm>
-          <a:prstGeom prst="rect">
-            <a:avLst/>
-          </a:prstGeom>
-          <a:noFill/>
-        </p:spPr>
-        <p:txBody>
-          <a:bodyPr wrap="square" rtlCol="0">
-            <a:spAutoFit/>
-          </a:bodyPr>
-          <a:lstStyle/>
-          <a:p>
-            <a:r>
-              <a:rPr lang="en-US" sz="1375" dirty="0"/>
-              <a:t>Each </a:t>
-            </a:r>
-            <a:r>
-              <a:rPr lang="en-US" sz="1375" b="1" dirty="0"/>
-              <a:t>observation </a:t>
-            </a:r>
-            <a:r>
-              <a:rPr lang="en-US" sz="1375" dirty="0"/>
-              <a:t>is saved in its own </a:t>
-            </a:r>
-            <a:r>
-              <a:rPr lang="en-US" sz="1375" b="1" dirty="0"/>
-              <a:t>row</a:t>
-            </a:r>
-          </a:p>
-        </p:txBody>
-      </p:sp>
-      <p:sp>
-        <p:nvSpPr>
-          <p:cNvPr id="29" name="TextBox 28"/>
-          <p:cNvSpPr txBox="1"/>
-          <p:nvPr/>
-        </p:nvSpPr>
-        <p:spPr>
-          <a:xfrm>
-            <a:off x="8051649" y="613600"/>
-            <a:ext cx="3552947" cy="938719"/>
-          </a:xfrm>
-          <a:prstGeom prst="rect">
-            <a:avLst/>
-          </a:prstGeom>
-          <a:noFill/>
-        </p:spPr>
-        <p:txBody>
-          <a:bodyPr wrap="square" rtlCol="0">
-            <a:spAutoFit/>
-          </a:bodyPr>
-          <a:lstStyle/>
-          <a:p>
-            <a:r>
-              <a:rPr lang="en-US" sz="1375" dirty="0"/>
-              <a:t>Tidy data complements </a:t>
-            </a:r>
-            <a:r>
-              <a:rPr lang="en-US" sz="1375" dirty="0" err="1"/>
-              <a:t>pandas’s</a:t>
-            </a:r>
-            <a:r>
-              <a:rPr lang="en-US" sz="1375" dirty="0"/>
-              <a:t> </a:t>
-            </a:r>
-            <a:r>
-              <a:rPr lang="en-US" sz="1375" b="1" dirty="0" err="1">
-                <a:solidFill>
-                  <a:schemeClr val="accent6"/>
-                </a:solidFill>
-              </a:rPr>
-              <a:t>vectorized</a:t>
-            </a:r>
-            <a:r>
-              <a:rPr lang="en-US" sz="1375" b="1" dirty="0">
-                <a:solidFill>
-                  <a:schemeClr val="accent6"/>
-                </a:solidFill>
-              </a:rPr>
-              <a:t> operations</a:t>
-            </a:r>
-            <a:r>
-              <a:rPr lang="en-US" sz="1375" dirty="0"/>
-              <a:t>. pandas will automatically preserve observations as you manipulate variables. No other format works as intuitively with pandas.</a:t>
-            </a:r>
-            <a:endParaRPr lang="en-US" sz="1375" b="1" dirty="0"/>
           </a:p>
         </p:txBody>
       </p:sp>
@@ -4267,7 +3255,7 @@
           <a:p>
             <a:pPr algn="ctr"/>
             <a:r>
-              <a:rPr lang="en-US" sz="2800" b="1" dirty="0">
+              <a:rPr lang="en-US" sz="2800" b="1">
                 <a:solidFill>
                   <a:schemeClr val="bg1"/>
                 </a:solidFill>
@@ -4282,11 +3270,23 @@
               <a:t>Reshaping Data</a:t>
             </a:r>
             <a:r>
-              <a:rPr lang="en-US" sz="2800" dirty="0">
+              <a:rPr lang="en-US" sz="2800">
                 <a:solidFill>
                   <a:schemeClr val="bg1"/>
                 </a:solidFill>
-                <a:hlinkClick r:id="rId3">
+              </a:rPr>
+              <a:t> </a:t>
+            </a:r>
+            <a:r>
+              <a:rPr lang="en-US" sz="1800"/>
+              <a:t>– Change layout, </a:t>
+            </a:r>
+            <a:r>
+              <a:rPr lang="en-US" sz="1800">
+                <a:solidFill>
+                  <a:schemeClr val="bg1"/>
+                </a:solidFill>
+                <a:hlinkClick r:id="rId4">
                   <a:extLst>
                     <a:ext uri="{A12FA001-AC4F-418D-AE19-62706E023703}">
                       <ahyp:hlinkClr xmlns:ahyp="http://schemas.microsoft.com/office/drawing/2018/hyperlinkcolor" val="tx"/>
@@ -4294,685 +3294,44 @@
                   </a:extLst>
                 </a:hlinkClick>
               </a:rPr>
-              <a:t> </a:t>
-            </a:r>
-            <a:r>
-              <a:rPr lang="en-US" sz="1800" dirty="0"/>
-              <a:t>– Change the layout of a data set</a:t>
-            </a:r>
-          </a:p>
-        </p:txBody>
-      </p:sp>
-      <p:graphicFrame>
-        <p:nvGraphicFramePr>
-          <p:cNvPr id="35" name="Table 34"/>
-          <p:cNvGraphicFramePr>
-            <a:graphicFrameLocks noGrp="1"/>
-          </p:cNvGraphicFramePr>
-          <p:nvPr>
-            <p:extLst>
-              <p:ext uri="{D42A27DB-BD31-4B8C-83A1-F6EECF244321}">
-                <p14:modId xmlns:p14="http://schemas.microsoft.com/office/powerpoint/2010/main" val="3517847163"/>
-              </p:ext>
-            </p:extLst>
-          </p:nvPr>
-        </p:nvGraphicFramePr>
-        <p:xfrm>
-          <a:off x="11604596" y="601171"/>
-          <a:ext cx="382753" cy="865311"/>
-        </p:xfrm>
-        <a:graphic>
-          <a:graphicData uri="http://schemas.openxmlformats.org/drawingml/2006/table">
-            <a:tbl>
-              <a:tblPr firstRow="1" bandRow="1">
-                <a:tableStyleId>{F5AB1C69-6EDB-4FF4-983F-18BD219EF322}</a:tableStyleId>
-              </a:tblPr>
-              <a:tblGrid>
-                <a:gridCol w="382753">
+              <a:t>sorting</a:t>
+            </a:r>
+            <a:r>
+              <a:rPr lang="en-US" sz="1800">
+                <a:solidFill>
+                  <a:schemeClr val="bg1"/>
+                </a:solidFill>
+              </a:rPr>
+              <a:t>, </a:t>
+            </a:r>
+            <a:r>
+              <a:rPr lang="en-US" sz="1800">
+                <a:solidFill>
+                  <a:schemeClr val="bg1"/>
+                </a:solidFill>
+                <a:hlinkClick r:id="rId5">
                   <a:extLst>
-                    <a:ext uri="{9D8B030D-6E8A-4147-A177-3AD203B41FA5}">
-                      <a16:colId xmlns:a16="http://schemas.microsoft.com/office/drawing/2014/main" val="20000"/>
+                    <a:ext uri="{A12FA001-AC4F-418D-AE19-62706E023703}">
+                      <ahyp:hlinkClr xmlns:ahyp="http://schemas.microsoft.com/office/drawing/2018/hyperlinkcolor" val="tx"/>
                     </a:ext>
                   </a:extLst>
-                </a:gridCol>
-              </a:tblGrid>
-              <a:tr h="279432">
-                <a:tc>
-                  <a:txBody>
-                    <a:bodyPr/>
-                    <a:lstStyle/>
-                    <a:p>
-                      <a:pPr algn="ctr"/>
-                      <a:r>
-                        <a:rPr lang="en-US" sz="1100" dirty="0">
-                          <a:latin typeface="Century" panose="02040604050505020304" pitchFamily="18" charset="0"/>
-                        </a:rPr>
-                        <a:t>M</a:t>
-                      </a:r>
-                    </a:p>
-                  </a:txBody>
-                  <a:tcPr marL="104787" marR="104787" marT="52393" marB="52393"/>
-                </a:tc>
-                <a:extLst>
-                  <a:ext uri="{0D108BD9-81ED-4DB2-BD59-A6C34878D82A}">
-                    <a16:rowId xmlns:a16="http://schemas.microsoft.com/office/drawing/2014/main" val="10000"/>
-                  </a:ext>
-                </a:extLst>
-              </a:tr>
-              <a:tr h="195293">
-                <a:tc>
-                  <a:txBody>
-                    <a:bodyPr/>
-                    <a:lstStyle/>
-                    <a:p>
-                      <a:endParaRPr lang="en-US" sz="900" dirty="0"/>
-                    </a:p>
-                  </a:txBody>
-                  <a:tcPr marL="0" marR="0" marT="0" marB="0">
-                    <a:solidFill>
-                      <a:schemeClr val="bg2"/>
-                    </a:solidFill>
-                  </a:tcPr>
-                </a:tc>
-                <a:extLst>
-                  <a:ext uri="{0D108BD9-81ED-4DB2-BD59-A6C34878D82A}">
-                    <a16:rowId xmlns:a16="http://schemas.microsoft.com/office/drawing/2014/main" val="10001"/>
-                  </a:ext>
-                </a:extLst>
-              </a:tr>
-              <a:tr h="195293">
-                <a:tc>
-                  <a:txBody>
-                    <a:bodyPr/>
-                    <a:lstStyle/>
-                    <a:p>
-                      <a:endParaRPr lang="en-US" sz="900"/>
-                    </a:p>
-                  </a:txBody>
-                  <a:tcPr marL="0" marR="0" marT="0" marB="0">
-                    <a:solidFill>
-                      <a:schemeClr val="bg2"/>
-                    </a:solidFill>
-                  </a:tcPr>
-                </a:tc>
-                <a:extLst>
-                  <a:ext uri="{0D108BD9-81ED-4DB2-BD59-A6C34878D82A}">
-                    <a16:rowId xmlns:a16="http://schemas.microsoft.com/office/drawing/2014/main" val="10002"/>
-                  </a:ext>
-                </a:extLst>
-              </a:tr>
-              <a:tr h="195293">
-                <a:tc>
-                  <a:txBody>
-                    <a:bodyPr/>
-                    <a:lstStyle/>
-                    <a:p>
-                      <a:endParaRPr lang="en-US" sz="900" dirty="0"/>
-                    </a:p>
-                  </a:txBody>
-                  <a:tcPr marL="0" marR="0" marT="0" marB="0">
-                    <a:solidFill>
-                      <a:schemeClr val="bg2"/>
-                    </a:solidFill>
-                  </a:tcPr>
-                </a:tc>
-                <a:extLst>
-                  <a:ext uri="{0D108BD9-81ED-4DB2-BD59-A6C34878D82A}">
-                    <a16:rowId xmlns:a16="http://schemas.microsoft.com/office/drawing/2014/main" val="10003"/>
-                  </a:ext>
-                </a:extLst>
-              </a:tr>
-            </a:tbl>
-          </a:graphicData>
-        </a:graphic>
-      </p:graphicFrame>
-      <p:graphicFrame>
-        <p:nvGraphicFramePr>
-          <p:cNvPr id="36" name="Table 35"/>
-          <p:cNvGraphicFramePr>
-            <a:graphicFrameLocks noGrp="1"/>
-          </p:cNvGraphicFramePr>
-          <p:nvPr>
-            <p:extLst>
-              <p:ext uri="{D42A27DB-BD31-4B8C-83A1-F6EECF244321}">
-                <p14:modId xmlns:p14="http://schemas.microsoft.com/office/powerpoint/2010/main" val="3218902547"/>
-              </p:ext>
-            </p:extLst>
-          </p:nvPr>
-        </p:nvGraphicFramePr>
-        <p:xfrm>
-          <a:off x="12364412" y="601171"/>
-          <a:ext cx="382753" cy="865311"/>
-        </p:xfrm>
-        <a:graphic>
-          <a:graphicData uri="http://schemas.openxmlformats.org/drawingml/2006/table">
-            <a:tbl>
-              <a:tblPr firstRow="1" bandRow="1">
-                <a:tableStyleId>{F5AB1C69-6EDB-4FF4-983F-18BD219EF322}</a:tableStyleId>
-              </a:tblPr>
-              <a:tblGrid>
-                <a:gridCol w="382753">
-                  <a:extLst>
-                    <a:ext uri="{9D8B030D-6E8A-4147-A177-3AD203B41FA5}">
-                      <a16:colId xmlns:a16="http://schemas.microsoft.com/office/drawing/2014/main" val="20000"/>
-                    </a:ext>
-                  </a:extLst>
-                </a:gridCol>
-              </a:tblGrid>
-              <a:tr h="279432">
-                <a:tc>
-                  <a:txBody>
-                    <a:bodyPr/>
-                    <a:lstStyle/>
-                    <a:p>
-                      <a:pPr algn="ctr"/>
-                      <a:r>
-                        <a:rPr lang="en-US" sz="1100" dirty="0">
-                          <a:latin typeface="Century" panose="02040604050505020304" pitchFamily="18" charset="0"/>
-                        </a:rPr>
-                        <a:t>A</a:t>
-                      </a:r>
-                    </a:p>
-                  </a:txBody>
-                  <a:tcPr marL="104787" marR="104787" marT="52393" marB="52393"/>
-                </a:tc>
-                <a:extLst>
-                  <a:ext uri="{0D108BD9-81ED-4DB2-BD59-A6C34878D82A}">
-                    <a16:rowId xmlns:a16="http://schemas.microsoft.com/office/drawing/2014/main" val="10000"/>
-                  </a:ext>
-                </a:extLst>
-              </a:tr>
-              <a:tr h="195293">
-                <a:tc>
-                  <a:txBody>
-                    <a:bodyPr/>
-                    <a:lstStyle/>
-                    <a:p>
-                      <a:endParaRPr lang="en-US" sz="900" dirty="0"/>
-                    </a:p>
-                  </a:txBody>
-                  <a:tcPr marL="0" marR="0" marT="0" marB="0">
-                    <a:solidFill>
-                      <a:schemeClr val="bg2"/>
-                    </a:solidFill>
-                  </a:tcPr>
-                </a:tc>
-                <a:extLst>
-                  <a:ext uri="{0D108BD9-81ED-4DB2-BD59-A6C34878D82A}">
-                    <a16:rowId xmlns:a16="http://schemas.microsoft.com/office/drawing/2014/main" val="10001"/>
-                  </a:ext>
-                </a:extLst>
-              </a:tr>
-              <a:tr h="195293">
-                <a:tc>
-                  <a:txBody>
-                    <a:bodyPr/>
-                    <a:lstStyle/>
-                    <a:p>
-                      <a:endParaRPr lang="en-US" sz="900"/>
-                    </a:p>
-                  </a:txBody>
-                  <a:tcPr marL="0" marR="0" marT="0" marB="0">
-                    <a:solidFill>
-                      <a:schemeClr val="bg2"/>
-                    </a:solidFill>
-                  </a:tcPr>
-                </a:tc>
-                <a:extLst>
-                  <a:ext uri="{0D108BD9-81ED-4DB2-BD59-A6C34878D82A}">
-                    <a16:rowId xmlns:a16="http://schemas.microsoft.com/office/drawing/2014/main" val="10002"/>
-                  </a:ext>
-                </a:extLst>
-              </a:tr>
-              <a:tr h="195293">
-                <a:tc>
-                  <a:txBody>
-                    <a:bodyPr/>
-                    <a:lstStyle/>
-                    <a:p>
-                      <a:endParaRPr lang="en-US" sz="900" dirty="0"/>
-                    </a:p>
-                  </a:txBody>
-                  <a:tcPr marL="0" marR="0" marT="0" marB="0">
-                    <a:solidFill>
-                      <a:schemeClr val="bg2"/>
-                    </a:solidFill>
-                  </a:tcPr>
-                </a:tc>
-                <a:extLst>
-                  <a:ext uri="{0D108BD9-81ED-4DB2-BD59-A6C34878D82A}">
-                    <a16:rowId xmlns:a16="http://schemas.microsoft.com/office/drawing/2014/main" val="10003"/>
-                  </a:ext>
-                </a:extLst>
-              </a:tr>
-            </a:tbl>
-          </a:graphicData>
-        </a:graphic>
-      </p:graphicFrame>
-      <p:graphicFrame>
-        <p:nvGraphicFramePr>
-          <p:cNvPr id="37" name="Table 36"/>
-          <p:cNvGraphicFramePr>
-            <a:graphicFrameLocks noGrp="1"/>
-          </p:cNvGraphicFramePr>
-          <p:nvPr>
-            <p:extLst>
-              <p:ext uri="{D42A27DB-BD31-4B8C-83A1-F6EECF244321}">
-                <p14:modId xmlns:p14="http://schemas.microsoft.com/office/powerpoint/2010/main" val="3634519044"/>
-              </p:ext>
-            </p:extLst>
-          </p:nvPr>
-        </p:nvGraphicFramePr>
-        <p:xfrm>
-          <a:off x="13343682" y="601171"/>
-          <a:ext cx="382753" cy="865311"/>
-        </p:xfrm>
-        <a:graphic>
-          <a:graphicData uri="http://schemas.openxmlformats.org/drawingml/2006/table">
-            <a:tbl>
-              <a:tblPr firstRow="1" bandRow="1">
-                <a:tableStyleId>{F5AB1C69-6EDB-4FF4-983F-18BD219EF322}</a:tableStyleId>
-              </a:tblPr>
-              <a:tblGrid>
-                <a:gridCol w="382753">
-                  <a:extLst>
-                    <a:ext uri="{9D8B030D-6E8A-4147-A177-3AD203B41FA5}">
-                      <a16:colId xmlns:a16="http://schemas.microsoft.com/office/drawing/2014/main" val="20000"/>
-                    </a:ext>
-                  </a:extLst>
-                </a:gridCol>
-              </a:tblGrid>
-              <a:tr h="279432">
-                <a:tc>
-                  <a:txBody>
-                    <a:bodyPr/>
-                    <a:lstStyle/>
-                    <a:p>
-                      <a:pPr algn="ctr"/>
-                      <a:r>
-                        <a:rPr lang="en-US" sz="1100" dirty="0">
-                          <a:latin typeface="Century" panose="02040604050505020304" pitchFamily="18" charset="0"/>
-                        </a:rPr>
-                        <a:t>F</a:t>
-                      </a:r>
-                    </a:p>
-                  </a:txBody>
-                  <a:tcPr marL="104787" marR="104787" marT="52393" marB="52393"/>
-                </a:tc>
-                <a:extLst>
-                  <a:ext uri="{0D108BD9-81ED-4DB2-BD59-A6C34878D82A}">
-                    <a16:rowId xmlns:a16="http://schemas.microsoft.com/office/drawing/2014/main" val="10000"/>
-                  </a:ext>
-                </a:extLst>
-              </a:tr>
-              <a:tr h="195293">
-                <a:tc>
-                  <a:txBody>
-                    <a:bodyPr/>
-                    <a:lstStyle/>
-                    <a:p>
-                      <a:endParaRPr lang="en-US" sz="900" dirty="0"/>
-                    </a:p>
-                  </a:txBody>
-                  <a:tcPr marL="0" marR="0" marT="0" marB="0">
-                    <a:solidFill>
-                      <a:schemeClr val="bg2"/>
-                    </a:solidFill>
-                  </a:tcPr>
-                </a:tc>
-                <a:extLst>
-                  <a:ext uri="{0D108BD9-81ED-4DB2-BD59-A6C34878D82A}">
-                    <a16:rowId xmlns:a16="http://schemas.microsoft.com/office/drawing/2014/main" val="10001"/>
-                  </a:ext>
-                </a:extLst>
-              </a:tr>
-              <a:tr h="195293">
-                <a:tc>
-                  <a:txBody>
-                    <a:bodyPr/>
-                    <a:lstStyle/>
-                    <a:p>
-                      <a:endParaRPr lang="en-US" sz="900"/>
-                    </a:p>
-                  </a:txBody>
-                  <a:tcPr marL="0" marR="0" marT="0" marB="0">
-                    <a:solidFill>
-                      <a:schemeClr val="bg2"/>
-                    </a:solidFill>
-                  </a:tcPr>
-                </a:tc>
-                <a:extLst>
-                  <a:ext uri="{0D108BD9-81ED-4DB2-BD59-A6C34878D82A}">
-                    <a16:rowId xmlns:a16="http://schemas.microsoft.com/office/drawing/2014/main" val="10002"/>
-                  </a:ext>
-                </a:extLst>
-              </a:tr>
-              <a:tr h="195293">
-                <a:tc>
-                  <a:txBody>
-                    <a:bodyPr/>
-                    <a:lstStyle/>
-                    <a:p>
-                      <a:endParaRPr lang="en-US" sz="900" dirty="0"/>
-                    </a:p>
-                  </a:txBody>
-                  <a:tcPr marL="0" marR="0" marT="0" marB="0">
-                    <a:solidFill>
-                      <a:schemeClr val="bg2"/>
-                    </a:solidFill>
-                  </a:tcPr>
-                </a:tc>
-                <a:extLst>
-                  <a:ext uri="{0D108BD9-81ED-4DB2-BD59-A6C34878D82A}">
-                    <a16:rowId xmlns:a16="http://schemas.microsoft.com/office/drawing/2014/main" val="10003"/>
-                  </a:ext>
-                </a:extLst>
-              </a:tr>
-            </a:tbl>
-          </a:graphicData>
-        </a:graphic>
-      </p:graphicFrame>
-      <p:sp>
-        <p:nvSpPr>
-          <p:cNvPr id="38" name="TextBox 37"/>
-          <p:cNvSpPr txBox="1"/>
-          <p:nvPr/>
-        </p:nvSpPr>
-        <p:spPr>
-          <a:xfrm>
-            <a:off x="11924089" y="457446"/>
-            <a:ext cx="474810" cy="727250"/>
-          </a:xfrm>
-          <a:prstGeom prst="rect">
-            <a:avLst/>
-          </a:prstGeom>
-          <a:noFill/>
-        </p:spPr>
-        <p:txBody>
-          <a:bodyPr wrap="none" rtlCol="0">
-            <a:spAutoFit/>
-          </a:bodyPr>
-          <a:lstStyle/>
-          <a:p>
-            <a:r>
-              <a:rPr lang="en-US" sz="4126" dirty="0">
-                <a:latin typeface="Consolas" panose="020B0609020204030204" pitchFamily="49" charset="0"/>
-              </a:rPr>
-              <a:t>*</a:t>
-            </a:r>
-          </a:p>
-        </p:txBody>
-      </p:sp>
-      <p:sp>
-        <p:nvSpPr>
-          <p:cNvPr id="39" name="TextBox 38"/>
-          <p:cNvSpPr txBox="1"/>
-          <p:nvPr/>
-        </p:nvSpPr>
-        <p:spPr>
-          <a:xfrm>
-            <a:off x="11577379" y="1478909"/>
-            <a:ext cx="378630" cy="515526"/>
-          </a:xfrm>
-          <a:prstGeom prst="rect">
-            <a:avLst/>
-          </a:prstGeom>
-          <a:noFill/>
-        </p:spPr>
-        <p:txBody>
-          <a:bodyPr wrap="none" rtlCol="0">
-            <a:spAutoFit/>
-          </a:bodyPr>
-          <a:lstStyle/>
-          <a:p>
-            <a:r>
-              <a:rPr lang="en-US" sz="2750" dirty="0">
-                <a:latin typeface="Consolas" panose="020B0609020204030204" pitchFamily="49" charset="0"/>
-              </a:rPr>
-              <a:t>M</a:t>
-            </a:r>
-          </a:p>
-        </p:txBody>
-      </p:sp>
-      <p:sp>
-        <p:nvSpPr>
-          <p:cNvPr id="40" name="TextBox 39"/>
-          <p:cNvSpPr txBox="1"/>
-          <p:nvPr/>
-        </p:nvSpPr>
-        <p:spPr>
-          <a:xfrm>
-            <a:off x="12364412" y="1478908"/>
-            <a:ext cx="378630" cy="515526"/>
-          </a:xfrm>
-          <a:prstGeom prst="rect">
-            <a:avLst/>
-          </a:prstGeom>
-          <a:noFill/>
-        </p:spPr>
-        <p:txBody>
-          <a:bodyPr wrap="none" rtlCol="0">
-            <a:spAutoFit/>
-          </a:bodyPr>
-          <a:lstStyle/>
-          <a:p>
-            <a:r>
-              <a:rPr lang="en-US" sz="2750" dirty="0">
-                <a:latin typeface="Consolas" panose="020B0609020204030204" pitchFamily="49" charset="0"/>
-              </a:rPr>
-              <a:t>A</a:t>
-            </a:r>
-          </a:p>
-        </p:txBody>
-      </p:sp>
-      <p:sp>
-        <p:nvSpPr>
-          <p:cNvPr id="41" name="TextBox 40"/>
-          <p:cNvSpPr txBox="1"/>
-          <p:nvPr/>
-        </p:nvSpPr>
-        <p:spPr>
-          <a:xfrm>
-            <a:off x="11915677" y="1450128"/>
-            <a:ext cx="474810" cy="727250"/>
-          </a:xfrm>
-          <a:prstGeom prst="rect">
-            <a:avLst/>
-          </a:prstGeom>
-          <a:noFill/>
-        </p:spPr>
-        <p:txBody>
-          <a:bodyPr wrap="none" rtlCol="0">
-            <a:spAutoFit/>
-          </a:bodyPr>
-          <a:lstStyle/>
-          <a:p>
-            <a:r>
-              <a:rPr lang="en-US" sz="4126" dirty="0">
-                <a:latin typeface="Consolas" panose="020B0609020204030204" pitchFamily="49" charset="0"/>
-              </a:rPr>
-              <a:t>*</a:t>
-            </a:r>
-          </a:p>
-        </p:txBody>
-      </p:sp>
-      <p:sp>
-        <p:nvSpPr>
-          <p:cNvPr id="42" name="Right Arrow 41"/>
-          <p:cNvSpPr/>
-          <p:nvPr/>
-        </p:nvSpPr>
-        <p:spPr>
-          <a:xfrm>
-            <a:off x="11612134" y="922970"/>
-            <a:ext cx="1739086" cy="123283"/>
-          </a:xfrm>
-          <a:prstGeom prst="rightArrow">
-            <a:avLst>
-              <a:gd name="adj1" fmla="val 50000"/>
-              <a:gd name="adj2" fmla="val 130855"/>
-            </a:avLst>
-          </a:prstGeom>
-          <a:gradFill>
-            <a:gsLst>
-              <a:gs pos="0">
-                <a:schemeClr val="accent6">
-                  <a:lumMod val="20000"/>
-                  <a:lumOff val="80000"/>
-                </a:schemeClr>
-              </a:gs>
-              <a:gs pos="95575">
-                <a:schemeClr val="accent6"/>
-              </a:gs>
-            </a:gsLst>
-            <a:lin ang="0" scaled="0"/>
-          </a:gradFill>
-          <a:ln>
-            <a:noFill/>
-          </a:ln>
-        </p:spPr>
-        <p:style>
-          <a:lnRef idx="2">
-            <a:schemeClr val="accent1">
-              <a:shade val="50000"/>
-            </a:schemeClr>
-          </a:lnRef>
-          <a:fillRef idx="1">
-            <a:schemeClr val="accent1"/>
-          </a:fillRef>
-          <a:effectRef idx="0">
-            <a:schemeClr val="accent1"/>
-          </a:effectRef>
-          <a:fontRef idx="minor">
-            <a:schemeClr val="lt1"/>
-          </a:fontRef>
-        </p:style>
-        <p:txBody>
-          <a:bodyPr rtlCol="0" anchor="ctr"/>
-          <a:lstStyle/>
-          <a:p>
-            <a:pPr algn="ctr"/>
-            <a:endParaRPr lang="en-US" sz="2683"/>
-          </a:p>
-        </p:txBody>
-      </p:sp>
-      <p:sp>
-        <p:nvSpPr>
-          <p:cNvPr id="43" name="Right Arrow 42"/>
-          <p:cNvSpPr/>
-          <p:nvPr/>
-        </p:nvSpPr>
-        <p:spPr>
-          <a:xfrm>
-            <a:off x="11616657" y="1105662"/>
-            <a:ext cx="1739086" cy="123283"/>
-          </a:xfrm>
-          <a:prstGeom prst="rightArrow">
-            <a:avLst>
-              <a:gd name="adj1" fmla="val 50000"/>
-              <a:gd name="adj2" fmla="val 130855"/>
-            </a:avLst>
-          </a:prstGeom>
-          <a:gradFill>
-            <a:gsLst>
-              <a:gs pos="0">
-                <a:schemeClr val="accent6">
-                  <a:lumMod val="20000"/>
-                  <a:lumOff val="80000"/>
-                </a:schemeClr>
-              </a:gs>
-              <a:gs pos="95575">
-                <a:schemeClr val="accent6"/>
-              </a:gs>
-            </a:gsLst>
-            <a:lin ang="0" scaled="0"/>
-          </a:gradFill>
-          <a:ln>
-            <a:noFill/>
-          </a:ln>
-        </p:spPr>
-        <p:style>
-          <a:lnRef idx="2">
-            <a:schemeClr val="accent1">
-              <a:shade val="50000"/>
-            </a:schemeClr>
-          </a:lnRef>
-          <a:fillRef idx="1">
-            <a:schemeClr val="accent1"/>
-          </a:fillRef>
-          <a:effectRef idx="0">
-            <a:schemeClr val="accent1"/>
-          </a:effectRef>
-          <a:fontRef idx="minor">
-            <a:schemeClr val="lt1"/>
-          </a:fontRef>
-        </p:style>
-        <p:txBody>
-          <a:bodyPr rtlCol="0" anchor="ctr"/>
-          <a:lstStyle/>
-          <a:p>
-            <a:pPr algn="ctr"/>
-            <a:endParaRPr lang="en-US" sz="2683"/>
-          </a:p>
-        </p:txBody>
-      </p:sp>
-      <p:sp>
-        <p:nvSpPr>
-          <p:cNvPr id="44" name="Right Arrow 43"/>
-          <p:cNvSpPr/>
-          <p:nvPr/>
-        </p:nvSpPr>
-        <p:spPr>
-          <a:xfrm>
-            <a:off x="11612134" y="1297972"/>
-            <a:ext cx="1739086" cy="123283"/>
-          </a:xfrm>
-          <a:prstGeom prst="rightArrow">
-            <a:avLst>
-              <a:gd name="adj1" fmla="val 50000"/>
-              <a:gd name="adj2" fmla="val 130855"/>
-            </a:avLst>
-          </a:prstGeom>
-          <a:gradFill>
-            <a:gsLst>
-              <a:gs pos="0">
-                <a:schemeClr val="accent6">
-                  <a:lumMod val="20000"/>
-                  <a:lumOff val="80000"/>
-                </a:schemeClr>
-              </a:gs>
-              <a:gs pos="95575">
-                <a:schemeClr val="accent6"/>
-              </a:gs>
-            </a:gsLst>
-            <a:lin ang="0" scaled="0"/>
-          </a:gradFill>
-          <a:ln>
-            <a:noFill/>
-          </a:ln>
-        </p:spPr>
-        <p:style>
-          <a:lnRef idx="2">
-            <a:schemeClr val="accent1">
-              <a:shade val="50000"/>
-            </a:schemeClr>
-          </a:lnRef>
-          <a:fillRef idx="1">
-            <a:schemeClr val="accent1"/>
-          </a:fillRef>
-          <a:effectRef idx="0">
-            <a:schemeClr val="accent1"/>
-          </a:effectRef>
-          <a:fontRef idx="minor">
-            <a:schemeClr val="lt1"/>
-          </a:fontRef>
-        </p:style>
-        <p:txBody>
-          <a:bodyPr rtlCol="0" anchor="ctr"/>
-          <a:lstStyle/>
-          <a:p>
-            <a:pPr algn="ctr"/>
-            <a:endParaRPr lang="en-US" sz="2683"/>
+                </a:hlinkClick>
+              </a:rPr>
+              <a:t>reindexing</a:t>
+            </a:r>
+            <a:r>
+              <a:rPr lang="en-US" sz="1800">
+                <a:solidFill>
+                  <a:schemeClr val="bg1"/>
+                </a:solidFill>
+              </a:rPr>
+              <a:t>, </a:t>
+            </a:r>
+            <a:r>
+              <a:rPr lang="en-US" sz="1800"/>
+              <a:t>renaming</a:t>
+            </a:r>
+            <a:endParaRPr lang="en-US" sz="1800" dirty="0"/>
           </a:p>
         </p:txBody>
       </p:sp>
@@ -5746,7 +4105,7 @@
             <a:r>
               <a:rPr lang="en-US" sz="1200" b="1" dirty="0" err="1">
                 <a:latin typeface="Consolas" panose="020B0609020204030204" pitchFamily="49" charset="0"/>
-                <a:hlinkClick r:id="rId4"/>
+                <a:hlinkClick r:id="rId6"/>
               </a:rPr>
               <a:t>melt</a:t>
             </a:r>
@@ -6547,7 +4906,7 @@
             <a:r>
               <a:rPr lang="en-US" sz="1200" b="1" dirty="0" err="1">
                 <a:latin typeface="Consolas" panose="020B0609020204030204" pitchFamily="49" charset="0"/>
-                <a:hlinkClick r:id="rId5"/>
+                <a:hlinkClick r:id="rId7"/>
               </a:rPr>
               <a:t>pivot</a:t>
             </a:r>
@@ -7151,7 +5510,7 @@
             <a:r>
               <a:rPr lang="en-US" sz="1200" b="1" dirty="0" err="1">
                 <a:latin typeface="Consolas" panose="020B0609020204030204" pitchFamily="49" charset="0"/>
-                <a:hlinkClick r:id="rId6"/>
+                <a:hlinkClick r:id="rId8"/>
               </a:rPr>
               <a:t>concat</a:t>
             </a:r>
@@ -8270,7 +6629,7 @@
             <a:r>
               <a:rPr lang="en-US" sz="1200" b="1" dirty="0" err="1">
                 <a:latin typeface="Consolas" panose="020B0609020204030204" pitchFamily="49" charset="0"/>
-                <a:hlinkClick r:id="rId6"/>
+                <a:hlinkClick r:id="rId8"/>
               </a:rPr>
               <a:t>concat</a:t>
             </a:r>
@@ -8509,7 +6868,7 @@
             <a:r>
               <a:rPr lang="en-US" sz="1200" b="1" dirty="0" err="1">
                 <a:latin typeface="Consolas" panose="020B0609020204030204" pitchFamily="49" charset="0"/>
-                <a:hlinkClick r:id="rId7"/>
+                <a:hlinkClick r:id="rId9"/>
               </a:rPr>
               <a:t>sort_values</a:t>
             </a:r>
@@ -8540,7 +6899,7 @@
             <a:r>
               <a:rPr lang="en-US" sz="1200" b="1" dirty="0" err="1">
                 <a:latin typeface="Consolas" panose="020B0609020204030204" pitchFamily="49" charset="0"/>
-                <a:hlinkClick r:id="rId7"/>
+                <a:hlinkClick r:id="rId9"/>
               </a:rPr>
               <a:t>sort_values</a:t>
             </a:r>
@@ -8583,7 +6942,7 @@
             <a:r>
               <a:rPr lang="en-US" sz="1200" b="1" dirty="0" err="1">
                 <a:latin typeface="Consolas" panose="020B0609020204030204" pitchFamily="49" charset="0"/>
-                <a:hlinkClick r:id="rId8"/>
+                <a:hlinkClick r:id="rId10"/>
               </a:rPr>
               <a:t>rename</a:t>
             </a:r>
@@ -8631,7 +6990,7 @@
             <a:r>
               <a:rPr lang="en-US" sz="1200" b="1" dirty="0" err="1">
                 <a:latin typeface="Consolas" panose="020B0609020204030204" pitchFamily="49" charset="0"/>
-                <a:hlinkClick r:id="rId9"/>
+                <a:hlinkClick r:id="rId11"/>
               </a:rPr>
               <a:t>sort_index</a:t>
             </a:r>
@@ -8667,7 +7026,7 @@
             <a:r>
               <a:rPr lang="en-US" sz="1200" b="1" dirty="0" err="1">
                 <a:latin typeface="Consolas" panose="020B0609020204030204" pitchFamily="49" charset="0"/>
-                <a:hlinkClick r:id="rId10"/>
+                <a:hlinkClick r:id="rId12"/>
               </a:rPr>
               <a:t>reset_index</a:t>
             </a:r>
@@ -8707,7 +7066,7 @@
             <a:r>
               <a:rPr lang="en-US" sz="1200" b="1" dirty="0" err="1">
                 <a:latin typeface="Consolas" panose="020B0609020204030204" pitchFamily="49" charset="0"/>
-                <a:hlinkClick r:id="rId11"/>
+                <a:hlinkClick r:id="rId13"/>
               </a:rPr>
               <a:t>drop</a:t>
             </a:r>
@@ -8752,7 +7111,7 @@
         <p:spPr>
           <a:xfrm>
             <a:off x="3855840" y="5840778"/>
-            <a:ext cx="4897635" cy="423293"/>
+            <a:ext cx="10032294" cy="423293"/>
           </a:xfrm>
           <a:prstGeom prst="roundRect">
             <a:avLst/>
@@ -8780,11 +7139,27 @@
           <a:p>
             <a:pPr algn="ctr"/>
             <a:r>
-              <a:rPr lang="en-US" sz="2800" b="1" dirty="0">
+              <a:rPr lang="en-US" sz="2800" b="1">
                 <a:solidFill>
                   <a:schemeClr val="bg1"/>
                 </a:solidFill>
-                <a:hlinkClick r:id="rId12">
+              </a:rPr>
+              <a:t>Subset Observations </a:t>
+            </a:r>
+            <a:r>
+              <a:rPr lang="en-US" sz="1800">
+                <a:solidFill>
+                  <a:schemeClr val="bg1"/>
+                </a:solidFill>
+              </a:rPr>
+              <a:t>–  </a:t>
+            </a:r>
+            <a:r>
+              <a:rPr lang="en-US" sz="1800">
+                <a:solidFill>
+                  <a:schemeClr val="bg1"/>
+                </a:solidFill>
+                <a:hlinkClick r:id="rId3">
                   <a:extLst>
                     <a:ext uri="{A12FA001-AC4F-418D-AE19-62706E023703}">
                       <ahyp:hlinkClr xmlns:ahyp="http://schemas.microsoft.com/office/drawing/2018/hyperlinkcolor" val="tx"/>
@@ -8792,70 +7167,15 @@
                   </a:extLst>
                 </a:hlinkClick>
               </a:rPr>
-              <a:t>Subset Observations </a:t>
-            </a:r>
-            <a:r>
-              <a:rPr lang="en-US" sz="2800" dirty="0"/>
-              <a:t>(Rows)</a:t>
-            </a:r>
-            <a:endParaRPr lang="en-US" sz="2683" dirty="0"/>
-          </a:p>
-        </p:txBody>
-      </p:sp>
-      <p:sp>
-        <p:nvSpPr>
-          <p:cNvPr id="79" name="Rounded Rectangle 78"/>
-          <p:cNvSpPr/>
-          <p:nvPr/>
-        </p:nvSpPr>
-        <p:spPr>
-          <a:xfrm>
-            <a:off x="8963024" y="5840778"/>
-            <a:ext cx="4935325" cy="423293"/>
-          </a:xfrm>
-          <a:prstGeom prst="roundRect">
-            <a:avLst/>
-          </a:prstGeom>
-        </p:spPr>
-        <p:style>
-          <a:lnRef idx="2">
-            <a:schemeClr val="accent1">
-              <a:shade val="50000"/>
-            </a:schemeClr>
-          </a:lnRef>
-          <a:fillRef idx="1">
-            <a:schemeClr val="accent1"/>
-          </a:fillRef>
-          <a:effectRef idx="0">
-            <a:schemeClr val="accent1"/>
-          </a:effectRef>
-          <a:fontRef idx="minor">
-            <a:schemeClr val="lt1"/>
-          </a:fontRef>
-        </p:style>
-        <p:txBody>
-          <a:bodyPr rtlCol="0" anchor="ctr"/>
-          <a:lstStyle/>
-          <a:p>
-            <a:pPr algn="ctr"/>
-            <a:r>
-              <a:rPr lang="en-US" sz="2800" b="1" dirty="0">
+              <a:t>Selecting Data</a:t>
+            </a:r>
+            <a:r>
+              <a:rPr lang="en-US" sz="1800">
                 <a:solidFill>
                   <a:schemeClr val="bg1"/>
                 </a:solidFill>
-                <a:hlinkClick r:id="rId12">
-                  <a:extLst>
-                    <a:ext uri="{A12FA001-AC4F-418D-AE19-62706E023703}">
-                      <ahyp:hlinkClr xmlns:ahyp="http://schemas.microsoft.com/office/drawing/2018/hyperlinkcolor" val="tx"/>
-                    </a:ext>
-                  </a:extLst>
-                </a:hlinkClick>
-              </a:rPr>
-              <a:t>Subset Variables </a:t>
-            </a:r>
-            <a:r>
-              <a:rPr lang="en-US" sz="2800" dirty="0"/>
-              <a:t>(Columns)</a:t>
+              </a:rPr>
+              <a:t>: rows or columns</a:t>
             </a:r>
             <a:endParaRPr lang="en-US" sz="2683" dirty="0"/>
           </a:p>
@@ -8870,13 +7190,13 @@
           <p:nvPr>
             <p:extLst>
               <p:ext uri="{D42A27DB-BD31-4B8C-83A1-F6EECF244321}">
-                <p14:modId xmlns:p14="http://schemas.microsoft.com/office/powerpoint/2010/main" val="291422691"/>
+                <p14:modId xmlns:p14="http://schemas.microsoft.com/office/powerpoint/2010/main" val="3213816621"/>
               </p:ext>
             </p:extLst>
           </p:nvPr>
         </p:nvGraphicFramePr>
         <p:xfrm>
-          <a:off x="1033995" y="2571561"/>
+          <a:off x="1043829" y="1904121"/>
           <a:ext cx="1787024" cy="792480"/>
         </p:xfrm>
         <a:graphic>
@@ -9875,8 +8195,8 @@
         </p:nvSpPr>
         <p:spPr>
           <a:xfrm>
-            <a:off x="315179" y="3357213"/>
-            <a:ext cx="3291069" cy="2677656"/>
+            <a:off x="370160" y="2778705"/>
+            <a:ext cx="3291069" cy="3170099"/>
           </a:xfrm>
           <a:prstGeom prst="rect">
             <a:avLst/>
@@ -9890,15 +8210,91 @@
           <a:lstStyle/>
           <a:p>
             <a:r>
+              <a:rPr lang="en-US" sz="1200">
+                <a:latin typeface="Consolas" panose="020B0609020204030204" pitchFamily="49" charset="0"/>
+              </a:rPr>
+              <a:t>use</a:t>
+            </a:r>
+            <a:r>
+              <a:rPr lang="en-US" sz="1200" b="1">
+                <a:latin typeface="Consolas" panose="020B0609020204030204" pitchFamily="49" charset="0"/>
+              </a:rPr>
+              <a:t> </a:t>
+            </a:r>
+            <a:r>
+              <a:rPr lang="en-US" sz="1200" b="1">
+                <a:latin typeface="Consolas" panose="020B0609020204030204" pitchFamily="49" charset="0"/>
+                <a:hlinkClick r:id="rId2"/>
+              </a:rPr>
+              <a:t>IO-Tools</a:t>
+            </a:r>
+            <a:r>
+              <a:rPr lang="en-US" sz="1200" b="1"/>
+              <a:t> </a:t>
+            </a:r>
+            <a:r>
+              <a:rPr lang="en-US" sz="1200"/>
+              <a:t>to import from files</a:t>
+            </a:r>
+            <a:br>
+              <a:rPr lang="en-US" sz="1200" b="1">
+                <a:latin typeface="Consolas" panose="020B0609020204030204" pitchFamily="49" charset="0"/>
+              </a:rPr>
+            </a:br>
+            <a:r>
+              <a:rPr lang="en-US" sz="1200" b="1">
+                <a:latin typeface="Consolas" panose="020B0609020204030204" pitchFamily="49" charset="0"/>
+              </a:rPr>
+              <a:t>df = pd.</a:t>
+            </a:r>
+            <a:r>
+              <a:rPr lang="en-US" sz="1200" b="1">
+                <a:latin typeface="Consolas" panose="020B0609020204030204" pitchFamily="49" charset="0"/>
+                <a:hlinkClick r:id="rId14"/>
+              </a:rPr>
+              <a:t>read_csv</a:t>
+            </a:r>
+            <a:r>
+              <a:rPr lang="en-US" sz="1200" b="1">
+                <a:latin typeface="Consolas" panose="020B0609020204030204" pitchFamily="49" charset="0"/>
+              </a:rPr>
+              <a:t>(“</a:t>
+            </a:r>
+            <a:r>
+              <a:rPr lang="en-US" sz="1200" b="1" i="1">
+                <a:latin typeface="Consolas" panose="020B0609020204030204" pitchFamily="49" charset="0"/>
+              </a:rPr>
+              <a:t>filepath</a:t>
+            </a:r>
+            <a:r>
+              <a:rPr lang="en-US" sz="1200" b="1">
+                <a:latin typeface="Consolas" panose="020B0609020204030204" pitchFamily="49" charset="0"/>
+              </a:rPr>
+              <a:t>”)</a:t>
+            </a:r>
+          </a:p>
+          <a:p>
+            <a:endParaRPr lang="en-US" sz="1200" b="1">
+              <a:latin typeface="Consolas" panose="020B0609020204030204" pitchFamily="49" charset="0"/>
+            </a:endParaRPr>
+          </a:p>
+          <a:p>
+            <a:r>
+              <a:rPr lang="en-US" sz="1200" b="1">
+                <a:latin typeface="Consolas" panose="020B0609020204030204" pitchFamily="49" charset="0"/>
+              </a:rPr>
+              <a:t>df </a:t>
+            </a:r>
+            <a:r>
               <a:rPr lang="en-US" sz="1200" b="1" dirty="0">
                 <a:latin typeface="Consolas" panose="020B0609020204030204" pitchFamily="49" charset="0"/>
               </a:rPr>
-              <a:t>df = </a:t>
+              <a:t>= </a:t>
             </a:r>
             <a:r>
               <a:rPr lang="en-US" sz="1200" b="1" dirty="0" err="1">
                 <a:latin typeface="Consolas" panose="020B0609020204030204" pitchFamily="49" charset="0"/>
-                <a:hlinkClick r:id="rId13"/>
+                <a:hlinkClick r:id="rId15"/>
               </a:rPr>
               <a:t>pd.DataFrame</a:t>
             </a:r>
@@ -9966,7 +8362,7 @@
             <a:r>
               <a:rPr lang="en-US" sz="1200" b="1" dirty="0" err="1">
                 <a:latin typeface="Consolas" panose="020B0609020204030204" pitchFamily="49" charset="0"/>
-                <a:hlinkClick r:id="rId13"/>
+                <a:hlinkClick r:id="rId15"/>
               </a:rPr>
               <a:t>pd.DataFrame</a:t>
             </a:r>
@@ -10034,13 +8430,13 @@
           <p:nvPr>
             <p:extLst>
               <p:ext uri="{D42A27DB-BD31-4B8C-83A1-F6EECF244321}">
-                <p14:modId xmlns:p14="http://schemas.microsoft.com/office/powerpoint/2010/main" val="3795066715"/>
+                <p14:modId xmlns:p14="http://schemas.microsoft.com/office/powerpoint/2010/main" val="1345065916"/>
               </p:ext>
             </p:extLst>
           </p:nvPr>
         </p:nvGraphicFramePr>
         <p:xfrm>
-          <a:off x="1033995" y="6016377"/>
+          <a:off x="1033995" y="5940177"/>
           <a:ext cx="1691240" cy="990600"/>
         </p:xfrm>
         <a:graphic>
@@ -11598,7 +9994,7 @@
             <a:r>
               <a:rPr lang="en-US" sz="1200" b="1" dirty="0" err="1">
                 <a:latin typeface="Consolas" panose="020B0609020204030204" pitchFamily="49" charset="0"/>
-                <a:hlinkClick r:id="rId13"/>
+                <a:hlinkClick r:id="rId15"/>
               </a:rPr>
               <a:t>pd.DataFrame</a:t>
             </a:r>
@@ -11641,7 +10037,7 @@
             <a:r>
               <a:rPr lang="en-US" sz="1200" b="1" dirty="0" err="1">
                 <a:latin typeface="Consolas" panose="020B0609020204030204" pitchFamily="49" charset="0"/>
-                <a:hlinkClick r:id="rId14"/>
+                <a:hlinkClick r:id="rId16"/>
               </a:rPr>
               <a:t>MultiIndex.from_tuples</a:t>
             </a:r>
@@ -11802,7 +10198,7 @@
         <p:spPr>
           <a:xfrm>
             <a:off x="281972" y="9015820"/>
-            <a:ext cx="3291069" cy="1754326"/>
+            <a:ext cx="3454610" cy="1569660"/>
           </a:xfrm>
           <a:prstGeom prst="rect">
             <a:avLst/>
@@ -11825,129 +10221,128 @@
             </a:r>
             <a:r>
               <a:rPr lang="en-US" sz="1200" dirty="0"/>
-              <a:t> so that another pandas method can be applied to the result.  This improves readability of code.</a:t>
-            </a:r>
-            <a:endParaRPr lang="en-US" sz="1200" b="1" dirty="0">
-              <a:latin typeface="Consolas" panose="020B0609020204030204" pitchFamily="49" charset="0"/>
-            </a:endParaRPr>
-          </a:p>
-          <a:p>
+              <a:t> so that another pandas method can be applied to the result</a:t>
+            </a:r>
+            <a:r>
+              <a:rPr lang="en-US" sz="1200"/>
+              <a:t>. </a:t>
+            </a:r>
+            <a:r>
+              <a:rPr lang="en-US" sz="1200" b="1">
+                <a:latin typeface="Consolas" panose="020B0609020204030204" pitchFamily="49" charset="0"/>
+              </a:rPr>
+              <a:t>df </a:t>
+            </a:r>
+            <a:r>
+              <a:rPr lang="en-US" sz="1200" b="1" dirty="0">
+                <a:latin typeface="Consolas" panose="020B0609020204030204" pitchFamily="49" charset="0"/>
+              </a:rPr>
+              <a:t>= (</a:t>
+            </a:r>
             <a:r>
               <a:rPr lang="en-US" sz="1200" b="1" dirty="0" err="1">
                 <a:latin typeface="Consolas" panose="020B0609020204030204" pitchFamily="49" charset="0"/>
               </a:rPr>
+              <a:t>pd.</a:t>
+            </a:r>
+            <a:r>
+              <a:rPr lang="en-US" sz="1200" b="1" dirty="0" err="1">
+                <a:latin typeface="Consolas" panose="020B0609020204030204" pitchFamily="49" charset="0"/>
+                <a:hlinkClick r:id="rId6"/>
+              </a:rPr>
+              <a:t>melt</a:t>
+            </a:r>
+            <a:r>
+              <a:rPr lang="en-US" sz="1200" b="1" dirty="0">
+                <a:latin typeface="Consolas" panose="020B0609020204030204" pitchFamily="49" charset="0"/>
+              </a:rPr>
+              <a:t>(</a:t>
+            </a:r>
+            <a:r>
+              <a:rPr lang="en-US" sz="1200" b="1" dirty="0" err="1">
+                <a:latin typeface="Consolas" panose="020B0609020204030204" pitchFamily="49" charset="0"/>
+              </a:rPr>
               <a:t>df</a:t>
             </a:r>
             <a:r>
               <a:rPr lang="en-US" sz="1200" b="1" dirty="0">
                 <a:latin typeface="Consolas" panose="020B0609020204030204" pitchFamily="49" charset="0"/>
               </a:rPr>
-              <a:t> = (</a:t>
+              <a:t>)</a:t>
+            </a:r>
+          </a:p>
+          <a:p>
+            <a:r>
+              <a:rPr lang="en-US" sz="1200" b="1" dirty="0">
+                <a:latin typeface="Consolas" panose="020B0609020204030204" pitchFamily="49" charset="0"/>
+              </a:rPr>
+              <a:t>        .</a:t>
+            </a:r>
+            <a:r>
+              <a:rPr lang="en-US" sz="1200" b="1" dirty="0">
+                <a:latin typeface="Consolas" panose="020B0609020204030204" pitchFamily="49" charset="0"/>
+                <a:hlinkClick r:id="rId10"/>
+              </a:rPr>
+              <a:t>rename</a:t>
+            </a:r>
+            <a:r>
+              <a:rPr lang="en-US" sz="1200" b="1" dirty="0">
+                <a:latin typeface="Consolas" panose="020B0609020204030204" pitchFamily="49" charset="0"/>
+              </a:rPr>
+              <a:t>(columns={</a:t>
+            </a:r>
+          </a:p>
+          <a:p>
+            <a:r>
+              <a:rPr lang="en-US" sz="1200" b="1" dirty="0">
+                <a:latin typeface="Consolas" panose="020B0609020204030204" pitchFamily="49" charset="0"/>
+              </a:rPr>
+              <a:t>                'variable' : '</a:t>
             </a:r>
             <a:r>
               <a:rPr lang="en-US" sz="1200" b="1" dirty="0" err="1">
                 <a:latin typeface="Consolas" panose="020B0609020204030204" pitchFamily="49" charset="0"/>
               </a:rPr>
-              <a:t>pd.</a:t>
+              <a:t>var</a:t>
+            </a:r>
+            <a:r>
+              <a:rPr lang="en-US" sz="1200" b="1" dirty="0">
+                <a:latin typeface="Consolas" panose="020B0609020204030204" pitchFamily="49" charset="0"/>
+              </a:rPr>
+              <a:t>',  </a:t>
+            </a:r>
+          </a:p>
+          <a:p>
+            <a:r>
+              <a:rPr lang="en-US" sz="1200" b="1" dirty="0">
+                <a:latin typeface="Consolas" panose="020B0609020204030204" pitchFamily="49" charset="0"/>
+              </a:rPr>
+              <a:t>                'value' : '</a:t>
             </a:r>
             <a:r>
               <a:rPr lang="en-US" sz="1200" b="1" dirty="0" err="1">
                 <a:latin typeface="Consolas" panose="020B0609020204030204" pitchFamily="49" charset="0"/>
-                <a:hlinkClick r:id="rId4"/>
-              </a:rPr>
-              <a:t>melt</a:t>
+              </a:rPr>
+              <a:t>val</a:t>
             </a:r>
             <a:r>
               <a:rPr lang="en-US" sz="1200" b="1" dirty="0">
                 <a:latin typeface="Consolas" panose="020B0609020204030204" pitchFamily="49" charset="0"/>
               </a:rPr>
-              <a:t>(</a:t>
-            </a:r>
-            <a:r>
-              <a:rPr lang="en-US" sz="1200" b="1" dirty="0" err="1">
-                <a:latin typeface="Consolas" panose="020B0609020204030204" pitchFamily="49" charset="0"/>
-              </a:rPr>
-              <a:t>df</a:t>
-            </a:r>
+              <a:t>'})</a:t>
+            </a:r>
+          </a:p>
+          <a:p>
             <a:r>
               <a:rPr lang="en-US" sz="1200" b="1" dirty="0">
                 <a:latin typeface="Consolas" panose="020B0609020204030204" pitchFamily="49" charset="0"/>
               </a:rPr>
-              <a:t>)</a:t>
-            </a:r>
-          </a:p>
-          <a:p>
+              <a:t>        .</a:t>
+            </a:r>
             <a:r>
               <a:rPr lang="en-US" sz="1200" b="1" dirty="0">
                 <a:latin typeface="Consolas" panose="020B0609020204030204" pitchFamily="49" charset="0"/>
-              </a:rPr>
-              <a:t>        .</a:t>
-            </a:r>
-            <a:r>
-              <a:rPr lang="en-US" sz="1200" b="1" dirty="0">
-                <a:latin typeface="Consolas" panose="020B0609020204030204" pitchFamily="49" charset="0"/>
-                <a:hlinkClick r:id="rId8"/>
-              </a:rPr>
-              <a:t>rename</a:t>
-            </a:r>
-            <a:r>
-              <a:rPr lang="en-US" sz="1200" b="1" dirty="0">
-                <a:latin typeface="Consolas" panose="020B0609020204030204" pitchFamily="49" charset="0"/>
-              </a:rPr>
-              <a:t>(columns={</a:t>
-            </a:r>
-          </a:p>
-          <a:p>
-            <a:r>
-              <a:rPr lang="en-US" sz="1200" b="1" dirty="0">
-                <a:latin typeface="Consolas" panose="020B0609020204030204" pitchFamily="49" charset="0"/>
-              </a:rPr>
-              <a:t>                'variable' : '</a:t>
-            </a:r>
-            <a:r>
-              <a:rPr lang="en-US" sz="1200" b="1" dirty="0" err="1">
-                <a:latin typeface="Consolas" panose="020B0609020204030204" pitchFamily="49" charset="0"/>
-              </a:rPr>
-              <a:t>var</a:t>
-            </a:r>
-            <a:r>
-              <a:rPr lang="en-US" sz="1200" b="1" dirty="0">
-                <a:latin typeface="Consolas" panose="020B0609020204030204" pitchFamily="49" charset="0"/>
-              </a:rPr>
-              <a:t>',  </a:t>
-            </a:r>
-          </a:p>
-          <a:p>
-            <a:r>
-              <a:rPr lang="en-US" sz="1200" b="1" dirty="0">
-                <a:latin typeface="Consolas" panose="020B0609020204030204" pitchFamily="49" charset="0"/>
-              </a:rPr>
-              <a:t>                'value' : '</a:t>
-            </a:r>
-            <a:r>
-              <a:rPr lang="en-US" sz="1200" b="1" dirty="0" err="1">
-                <a:latin typeface="Consolas" panose="020B0609020204030204" pitchFamily="49" charset="0"/>
-              </a:rPr>
-              <a:t>val</a:t>
-            </a:r>
-            <a:r>
-              <a:rPr lang="en-US" sz="1200" b="1" dirty="0">
-                <a:latin typeface="Consolas" panose="020B0609020204030204" pitchFamily="49" charset="0"/>
-              </a:rPr>
-              <a:t>'})</a:t>
-            </a:r>
-          </a:p>
-          <a:p>
-            <a:r>
-              <a:rPr lang="en-US" sz="1200" b="1" dirty="0">
-                <a:latin typeface="Consolas" panose="020B0609020204030204" pitchFamily="49" charset="0"/>
-              </a:rPr>
-              <a:t>        .</a:t>
-            </a:r>
-            <a:r>
-              <a:rPr lang="en-US" sz="1200" b="1" dirty="0">
-                <a:latin typeface="Consolas" panose="020B0609020204030204" pitchFamily="49" charset="0"/>
-                <a:hlinkClick r:id="rId15"/>
+                <a:hlinkClick r:id="rId17"/>
               </a:rPr>
               <a:t>query</a:t>
             </a:r>
@@ -11980,868 +10375,6 @@
           </a:p>
         </p:txBody>
       </p:sp>
-      <p:graphicFrame>
-        <p:nvGraphicFramePr>
-          <p:cNvPr id="10" name="Table 9"/>
-          <p:cNvGraphicFramePr>
-            <a:graphicFrameLocks noGrp="1"/>
-          </p:cNvGraphicFramePr>
-          <p:nvPr>
-            <p:extLst>
-              <p:ext uri="{D42A27DB-BD31-4B8C-83A1-F6EECF244321}">
-                <p14:modId xmlns:p14="http://schemas.microsoft.com/office/powerpoint/2010/main" val="2647408493"/>
-              </p:ext>
-            </p:extLst>
-          </p:nvPr>
-        </p:nvGraphicFramePr>
-        <p:xfrm>
-          <a:off x="4607118" y="6353439"/>
-          <a:ext cx="1381695" cy="609600"/>
-        </p:xfrm>
-        <a:graphic>
-          <a:graphicData uri="http://schemas.openxmlformats.org/drawingml/2006/table">
-            <a:tbl>
-              <a:tblPr>
-                <a:tableStyleId>{5C22544A-7EE6-4342-B048-85BDC9FD1C3A}</a:tableStyleId>
-              </a:tblPr>
-              <a:tblGrid>
-                <a:gridCol w="276339">
-                  <a:extLst>
-                    <a:ext uri="{9D8B030D-6E8A-4147-A177-3AD203B41FA5}">
-                      <a16:colId xmlns:a16="http://schemas.microsoft.com/office/drawing/2014/main" val="20000"/>
-                    </a:ext>
-                  </a:extLst>
-                </a:gridCol>
-                <a:gridCol w="276339">
-                  <a:extLst>
-                    <a:ext uri="{9D8B030D-6E8A-4147-A177-3AD203B41FA5}">
-                      <a16:colId xmlns:a16="http://schemas.microsoft.com/office/drawing/2014/main" val="20001"/>
-                    </a:ext>
-                  </a:extLst>
-                </a:gridCol>
-                <a:gridCol w="276339">
-                  <a:extLst>
-                    <a:ext uri="{9D8B030D-6E8A-4147-A177-3AD203B41FA5}">
-                      <a16:colId xmlns:a16="http://schemas.microsoft.com/office/drawing/2014/main" val="20002"/>
-                    </a:ext>
-                  </a:extLst>
-                </a:gridCol>
-                <a:gridCol w="276339">
-                  <a:extLst>
-                    <a:ext uri="{9D8B030D-6E8A-4147-A177-3AD203B41FA5}">
-                      <a16:colId xmlns:a16="http://schemas.microsoft.com/office/drawing/2014/main" val="20003"/>
-                    </a:ext>
-                  </a:extLst>
-                </a:gridCol>
-                <a:gridCol w="276339">
-                  <a:extLst>
-                    <a:ext uri="{9D8B030D-6E8A-4147-A177-3AD203B41FA5}">
-                      <a16:colId xmlns:a16="http://schemas.microsoft.com/office/drawing/2014/main" val="20004"/>
-                    </a:ext>
-                  </a:extLst>
-                </a:gridCol>
-              </a:tblGrid>
-              <a:tr h="95979">
-                <a:tc>
-                  <a:txBody>
-                    <a:bodyPr/>
-                    <a:lstStyle/>
-                    <a:p>
-                      <a:endParaRPr lang="en-US" sz="800" dirty="0"/>
-                    </a:p>
-                  </a:txBody>
-                  <a:tcPr marL="0" marR="0" marT="0" marB="0">
-                    <a:solidFill>
-                      <a:schemeClr val="accent5"/>
-                    </a:solidFill>
-                  </a:tcPr>
-                </a:tc>
-                <a:tc>
-                  <a:txBody>
-                    <a:bodyPr/>
-                    <a:lstStyle/>
-                    <a:p>
-                      <a:endParaRPr lang="en-US" sz="800"/>
-                    </a:p>
-                  </a:txBody>
-                  <a:tcPr marL="0" marR="0" marT="0" marB="0">
-                    <a:solidFill>
-                      <a:schemeClr val="accent5"/>
-                    </a:solidFill>
-                  </a:tcPr>
-                </a:tc>
-                <a:tc>
-                  <a:txBody>
-                    <a:bodyPr/>
-                    <a:lstStyle/>
-                    <a:p>
-                      <a:endParaRPr lang="en-US" sz="800"/>
-                    </a:p>
-                  </a:txBody>
-                  <a:tcPr marL="0" marR="0" marT="0" marB="0">
-                    <a:solidFill>
-                      <a:schemeClr val="accent5"/>
-                    </a:solidFill>
-                  </a:tcPr>
-                </a:tc>
-                <a:tc>
-                  <a:txBody>
-                    <a:bodyPr/>
-                    <a:lstStyle/>
-                    <a:p>
-                      <a:endParaRPr lang="en-US" sz="800"/>
-                    </a:p>
-                  </a:txBody>
-                  <a:tcPr marL="0" marR="0" marT="0" marB="0">
-                    <a:solidFill>
-                      <a:schemeClr val="accent5"/>
-                    </a:solidFill>
-                  </a:tcPr>
-                </a:tc>
-                <a:tc>
-                  <a:txBody>
-                    <a:bodyPr/>
-                    <a:lstStyle/>
-                    <a:p>
-                      <a:endParaRPr lang="en-US" sz="800" dirty="0"/>
-                    </a:p>
-                  </a:txBody>
-                  <a:tcPr marL="0" marR="0" marT="0" marB="0">
-                    <a:solidFill>
-                      <a:schemeClr val="accent5"/>
-                    </a:solidFill>
-                  </a:tcPr>
-                </a:tc>
-                <a:extLst>
-                  <a:ext uri="{0D108BD9-81ED-4DB2-BD59-A6C34878D82A}">
-                    <a16:rowId xmlns:a16="http://schemas.microsoft.com/office/drawing/2014/main" val="10000"/>
-                  </a:ext>
-                </a:extLst>
-              </a:tr>
-              <a:tr h="95979">
-                <a:tc>
-                  <a:txBody>
-                    <a:bodyPr/>
-                    <a:lstStyle/>
-                    <a:p>
-                      <a:endParaRPr lang="en-US" sz="800" dirty="0"/>
-                    </a:p>
-                  </a:txBody>
-                  <a:tcPr marL="0" marR="0" marT="0" marB="0">
-                    <a:solidFill>
-                      <a:schemeClr val="bg2">
-                        <a:lumMod val="90000"/>
-                      </a:schemeClr>
-                    </a:solidFill>
-                  </a:tcPr>
-                </a:tc>
-                <a:tc>
-                  <a:txBody>
-                    <a:bodyPr/>
-                    <a:lstStyle/>
-                    <a:p>
-                      <a:endParaRPr lang="en-US" sz="800" dirty="0"/>
-                    </a:p>
-                  </a:txBody>
-                  <a:tcPr marL="0" marR="0" marT="0" marB="0">
-                    <a:solidFill>
-                      <a:schemeClr val="bg2">
-                        <a:lumMod val="90000"/>
-                      </a:schemeClr>
-                    </a:solidFill>
-                  </a:tcPr>
-                </a:tc>
-                <a:tc>
-                  <a:txBody>
-                    <a:bodyPr/>
-                    <a:lstStyle/>
-                    <a:p>
-                      <a:endParaRPr lang="en-US" sz="800"/>
-                    </a:p>
-                  </a:txBody>
-                  <a:tcPr marL="0" marR="0" marT="0" marB="0">
-                    <a:solidFill>
-                      <a:schemeClr val="bg2">
-                        <a:lumMod val="90000"/>
-                      </a:schemeClr>
-                    </a:solidFill>
-                  </a:tcPr>
-                </a:tc>
-                <a:tc>
-                  <a:txBody>
-                    <a:bodyPr/>
-                    <a:lstStyle/>
-                    <a:p>
-                      <a:endParaRPr lang="en-US" sz="800"/>
-                    </a:p>
-                  </a:txBody>
-                  <a:tcPr marL="0" marR="0" marT="0" marB="0">
-                    <a:solidFill>
-                      <a:schemeClr val="bg2">
-                        <a:lumMod val="90000"/>
-                      </a:schemeClr>
-                    </a:solidFill>
-                  </a:tcPr>
-                </a:tc>
-                <a:tc>
-                  <a:txBody>
-                    <a:bodyPr/>
-                    <a:lstStyle/>
-                    <a:p>
-                      <a:endParaRPr lang="en-US" sz="800" dirty="0"/>
-                    </a:p>
-                  </a:txBody>
-                  <a:tcPr marL="0" marR="0" marT="0" marB="0">
-                    <a:solidFill>
-                      <a:schemeClr val="bg2">
-                        <a:lumMod val="90000"/>
-                      </a:schemeClr>
-                    </a:solidFill>
-                  </a:tcPr>
-                </a:tc>
-                <a:extLst>
-                  <a:ext uri="{0D108BD9-81ED-4DB2-BD59-A6C34878D82A}">
-                    <a16:rowId xmlns:a16="http://schemas.microsoft.com/office/drawing/2014/main" val="10001"/>
-                  </a:ext>
-                </a:extLst>
-              </a:tr>
-              <a:tr h="95979">
-                <a:tc>
-                  <a:txBody>
-                    <a:bodyPr/>
-                    <a:lstStyle/>
-                    <a:p>
-                      <a:endParaRPr lang="en-US" sz="800" dirty="0"/>
-                    </a:p>
-                  </a:txBody>
-                  <a:tcPr marL="0" marR="0" marT="0" marB="0">
-                    <a:solidFill>
-                      <a:schemeClr val="accent5">
-                        <a:lumMod val="60000"/>
-                        <a:lumOff val="40000"/>
-                      </a:schemeClr>
-                    </a:solidFill>
-                  </a:tcPr>
-                </a:tc>
-                <a:tc>
-                  <a:txBody>
-                    <a:bodyPr/>
-                    <a:lstStyle/>
-                    <a:p>
-                      <a:endParaRPr lang="en-US" sz="800"/>
-                    </a:p>
-                  </a:txBody>
-                  <a:tcPr marL="0" marR="0" marT="0" marB="0">
-                    <a:solidFill>
-                      <a:schemeClr val="accent5">
-                        <a:lumMod val="60000"/>
-                        <a:lumOff val="40000"/>
-                      </a:schemeClr>
-                    </a:solidFill>
-                  </a:tcPr>
-                </a:tc>
-                <a:tc>
-                  <a:txBody>
-                    <a:bodyPr/>
-                    <a:lstStyle/>
-                    <a:p>
-                      <a:endParaRPr lang="en-US" sz="800"/>
-                    </a:p>
-                  </a:txBody>
-                  <a:tcPr marL="0" marR="0" marT="0" marB="0">
-                    <a:solidFill>
-                      <a:schemeClr val="accent5">
-                        <a:lumMod val="60000"/>
-                        <a:lumOff val="40000"/>
-                      </a:schemeClr>
-                    </a:solidFill>
-                  </a:tcPr>
-                </a:tc>
-                <a:tc>
-                  <a:txBody>
-                    <a:bodyPr/>
-                    <a:lstStyle/>
-                    <a:p>
-                      <a:endParaRPr lang="en-US" sz="800"/>
-                    </a:p>
-                  </a:txBody>
-                  <a:tcPr marL="0" marR="0" marT="0" marB="0">
-                    <a:solidFill>
-                      <a:schemeClr val="accent5">
-                        <a:lumMod val="60000"/>
-                        <a:lumOff val="40000"/>
-                      </a:schemeClr>
-                    </a:solidFill>
-                  </a:tcPr>
-                </a:tc>
-                <a:tc>
-                  <a:txBody>
-                    <a:bodyPr/>
-                    <a:lstStyle/>
-                    <a:p>
-                      <a:endParaRPr lang="en-US" sz="800" dirty="0"/>
-                    </a:p>
-                  </a:txBody>
-                  <a:tcPr marL="0" marR="0" marT="0" marB="0">
-                    <a:solidFill>
-                      <a:schemeClr val="accent5">
-                        <a:lumMod val="60000"/>
-                        <a:lumOff val="40000"/>
-                      </a:schemeClr>
-                    </a:solidFill>
-                  </a:tcPr>
-                </a:tc>
-                <a:extLst>
-                  <a:ext uri="{0D108BD9-81ED-4DB2-BD59-A6C34878D82A}">
-                    <a16:rowId xmlns:a16="http://schemas.microsoft.com/office/drawing/2014/main" val="10002"/>
-                  </a:ext>
-                </a:extLst>
-              </a:tr>
-              <a:tr h="95979">
-                <a:tc>
-                  <a:txBody>
-                    <a:bodyPr/>
-                    <a:lstStyle/>
-                    <a:p>
-                      <a:endParaRPr lang="en-US" sz="800"/>
-                    </a:p>
-                  </a:txBody>
-                  <a:tcPr marL="0" marR="0" marT="0" marB="0">
-                    <a:solidFill>
-                      <a:schemeClr val="accent5">
-                        <a:lumMod val="60000"/>
-                        <a:lumOff val="40000"/>
-                      </a:schemeClr>
-                    </a:solidFill>
-                  </a:tcPr>
-                </a:tc>
-                <a:tc>
-                  <a:txBody>
-                    <a:bodyPr/>
-                    <a:lstStyle/>
-                    <a:p>
-                      <a:endParaRPr lang="en-US" sz="800"/>
-                    </a:p>
-                  </a:txBody>
-                  <a:tcPr marL="0" marR="0" marT="0" marB="0">
-                    <a:solidFill>
-                      <a:schemeClr val="accent5">
-                        <a:lumMod val="60000"/>
-                        <a:lumOff val="40000"/>
-                      </a:schemeClr>
-                    </a:solidFill>
-                  </a:tcPr>
-                </a:tc>
-                <a:tc>
-                  <a:txBody>
-                    <a:bodyPr/>
-                    <a:lstStyle/>
-                    <a:p>
-                      <a:endParaRPr lang="en-US" sz="800"/>
-                    </a:p>
-                  </a:txBody>
-                  <a:tcPr marL="0" marR="0" marT="0" marB="0">
-                    <a:solidFill>
-                      <a:schemeClr val="accent5">
-                        <a:lumMod val="60000"/>
-                        <a:lumOff val="40000"/>
-                      </a:schemeClr>
-                    </a:solidFill>
-                  </a:tcPr>
-                </a:tc>
-                <a:tc>
-                  <a:txBody>
-                    <a:bodyPr/>
-                    <a:lstStyle/>
-                    <a:p>
-                      <a:endParaRPr lang="en-US" sz="800"/>
-                    </a:p>
-                  </a:txBody>
-                  <a:tcPr marL="0" marR="0" marT="0" marB="0">
-                    <a:solidFill>
-                      <a:schemeClr val="accent5">
-                        <a:lumMod val="60000"/>
-                        <a:lumOff val="40000"/>
-                      </a:schemeClr>
-                    </a:solidFill>
-                  </a:tcPr>
-                </a:tc>
-                <a:tc>
-                  <a:txBody>
-                    <a:bodyPr/>
-                    <a:lstStyle/>
-                    <a:p>
-                      <a:endParaRPr lang="en-US" sz="800" dirty="0"/>
-                    </a:p>
-                  </a:txBody>
-                  <a:tcPr marL="0" marR="0" marT="0" marB="0">
-                    <a:solidFill>
-                      <a:schemeClr val="accent5">
-                        <a:lumMod val="60000"/>
-                        <a:lumOff val="40000"/>
-                      </a:schemeClr>
-                    </a:solidFill>
-                  </a:tcPr>
-                </a:tc>
-                <a:extLst>
-                  <a:ext uri="{0D108BD9-81ED-4DB2-BD59-A6C34878D82A}">
-                    <a16:rowId xmlns:a16="http://schemas.microsoft.com/office/drawing/2014/main" val="10003"/>
-                  </a:ext>
-                </a:extLst>
-              </a:tr>
-              <a:tr h="95979">
-                <a:tc>
-                  <a:txBody>
-                    <a:bodyPr/>
-                    <a:lstStyle/>
-                    <a:p>
-                      <a:endParaRPr lang="en-US" sz="800" dirty="0"/>
-                    </a:p>
-                  </a:txBody>
-                  <a:tcPr marL="0" marR="0" marT="0" marB="0">
-                    <a:solidFill>
-                      <a:schemeClr val="bg2">
-                        <a:lumMod val="90000"/>
-                      </a:schemeClr>
-                    </a:solidFill>
-                  </a:tcPr>
-                </a:tc>
-                <a:tc>
-                  <a:txBody>
-                    <a:bodyPr/>
-                    <a:lstStyle/>
-                    <a:p>
-                      <a:endParaRPr lang="en-US" sz="800"/>
-                    </a:p>
-                  </a:txBody>
-                  <a:tcPr marL="0" marR="0" marT="0" marB="0">
-                    <a:solidFill>
-                      <a:schemeClr val="bg2">
-                        <a:lumMod val="90000"/>
-                      </a:schemeClr>
-                    </a:solidFill>
-                  </a:tcPr>
-                </a:tc>
-                <a:tc>
-                  <a:txBody>
-                    <a:bodyPr/>
-                    <a:lstStyle/>
-                    <a:p>
-                      <a:endParaRPr lang="en-US" sz="800"/>
-                    </a:p>
-                  </a:txBody>
-                  <a:tcPr marL="0" marR="0" marT="0" marB="0">
-                    <a:solidFill>
-                      <a:schemeClr val="bg2">
-                        <a:lumMod val="90000"/>
-                      </a:schemeClr>
-                    </a:solidFill>
-                  </a:tcPr>
-                </a:tc>
-                <a:tc>
-                  <a:txBody>
-                    <a:bodyPr/>
-                    <a:lstStyle/>
-                    <a:p>
-                      <a:endParaRPr lang="en-US" sz="800"/>
-                    </a:p>
-                  </a:txBody>
-                  <a:tcPr marL="0" marR="0" marT="0" marB="0">
-                    <a:solidFill>
-                      <a:schemeClr val="bg2">
-                        <a:lumMod val="90000"/>
-                      </a:schemeClr>
-                    </a:solidFill>
-                  </a:tcPr>
-                </a:tc>
-                <a:tc>
-                  <a:txBody>
-                    <a:bodyPr/>
-                    <a:lstStyle/>
-                    <a:p>
-                      <a:endParaRPr lang="en-US" sz="800" dirty="0"/>
-                    </a:p>
-                  </a:txBody>
-                  <a:tcPr marL="0" marR="0" marT="0" marB="0">
-                    <a:solidFill>
-                      <a:schemeClr val="bg2">
-                        <a:lumMod val="90000"/>
-                      </a:schemeClr>
-                    </a:solidFill>
-                  </a:tcPr>
-                </a:tc>
-                <a:extLst>
-                  <a:ext uri="{0D108BD9-81ED-4DB2-BD59-A6C34878D82A}">
-                    <a16:rowId xmlns:a16="http://schemas.microsoft.com/office/drawing/2014/main" val="10004"/>
-                  </a:ext>
-                </a:extLst>
-              </a:tr>
-            </a:tbl>
-          </a:graphicData>
-        </a:graphic>
-      </p:graphicFrame>
-      <p:cxnSp>
-        <p:nvCxnSpPr>
-          <p:cNvPr id="81" name="Straight Arrow Connector 80"/>
-          <p:cNvCxnSpPr/>
-          <p:nvPr/>
-        </p:nvCxnSpPr>
-        <p:spPr>
-          <a:xfrm>
-            <a:off x="6041749" y="6658239"/>
-            <a:ext cx="363152" cy="0"/>
-          </a:xfrm>
-          <a:prstGeom prst="straightConnector1">
-            <a:avLst/>
-          </a:prstGeom>
-          <a:ln w="63500">
-            <a:solidFill>
-              <a:schemeClr val="tx1"/>
-            </a:solidFill>
-            <a:tailEnd type="stealth"/>
-          </a:ln>
-        </p:spPr>
-        <p:style>
-          <a:lnRef idx="1">
-            <a:schemeClr val="accent1"/>
-          </a:lnRef>
-          <a:fillRef idx="0">
-            <a:schemeClr val="accent1"/>
-          </a:fillRef>
-          <a:effectRef idx="0">
-            <a:schemeClr val="accent1"/>
-          </a:effectRef>
-          <a:fontRef idx="minor">
-            <a:schemeClr val="tx1"/>
-          </a:fontRef>
-        </p:style>
-      </p:cxnSp>
-      <p:graphicFrame>
-        <p:nvGraphicFramePr>
-          <p:cNvPr id="82" name="Table 81"/>
-          <p:cNvGraphicFramePr>
-            <a:graphicFrameLocks noGrp="1"/>
-          </p:cNvGraphicFramePr>
-          <p:nvPr>
-            <p:extLst>
-              <p:ext uri="{D42A27DB-BD31-4B8C-83A1-F6EECF244321}">
-                <p14:modId xmlns:p14="http://schemas.microsoft.com/office/powerpoint/2010/main" val="168455551"/>
-              </p:ext>
-            </p:extLst>
-          </p:nvPr>
-        </p:nvGraphicFramePr>
-        <p:xfrm>
-          <a:off x="6498188" y="6475359"/>
-          <a:ext cx="1381695" cy="365760"/>
-        </p:xfrm>
-        <a:graphic>
-          <a:graphicData uri="http://schemas.openxmlformats.org/drawingml/2006/table">
-            <a:tbl>
-              <a:tblPr>
-                <a:tableStyleId>{5C22544A-7EE6-4342-B048-85BDC9FD1C3A}</a:tableStyleId>
-              </a:tblPr>
-              <a:tblGrid>
-                <a:gridCol w="276339">
-                  <a:extLst>
-                    <a:ext uri="{9D8B030D-6E8A-4147-A177-3AD203B41FA5}">
-                      <a16:colId xmlns:a16="http://schemas.microsoft.com/office/drawing/2014/main" val="20000"/>
-                    </a:ext>
-                  </a:extLst>
-                </a:gridCol>
-                <a:gridCol w="276339">
-                  <a:extLst>
-                    <a:ext uri="{9D8B030D-6E8A-4147-A177-3AD203B41FA5}">
-                      <a16:colId xmlns:a16="http://schemas.microsoft.com/office/drawing/2014/main" val="20001"/>
-                    </a:ext>
-                  </a:extLst>
-                </a:gridCol>
-                <a:gridCol w="276339">
-                  <a:extLst>
-                    <a:ext uri="{9D8B030D-6E8A-4147-A177-3AD203B41FA5}">
-                      <a16:colId xmlns:a16="http://schemas.microsoft.com/office/drawing/2014/main" val="20002"/>
-                    </a:ext>
-                  </a:extLst>
-                </a:gridCol>
-                <a:gridCol w="276339">
-                  <a:extLst>
-                    <a:ext uri="{9D8B030D-6E8A-4147-A177-3AD203B41FA5}">
-                      <a16:colId xmlns:a16="http://schemas.microsoft.com/office/drawing/2014/main" val="20003"/>
-                    </a:ext>
-                  </a:extLst>
-                </a:gridCol>
-                <a:gridCol w="276339">
-                  <a:extLst>
-                    <a:ext uri="{9D8B030D-6E8A-4147-A177-3AD203B41FA5}">
-                      <a16:colId xmlns:a16="http://schemas.microsoft.com/office/drawing/2014/main" val="20004"/>
-                    </a:ext>
-                  </a:extLst>
-                </a:gridCol>
-              </a:tblGrid>
-              <a:tr h="95979">
-                <a:tc>
-                  <a:txBody>
-                    <a:bodyPr/>
-                    <a:lstStyle/>
-                    <a:p>
-                      <a:endParaRPr lang="en-US" sz="800" dirty="0"/>
-                    </a:p>
-                  </a:txBody>
-                  <a:tcPr marL="0" marR="0" marT="0" marB="0">
-                    <a:solidFill>
-                      <a:schemeClr val="accent5"/>
-                    </a:solidFill>
-                  </a:tcPr>
-                </a:tc>
-                <a:tc>
-                  <a:txBody>
-                    <a:bodyPr/>
-                    <a:lstStyle/>
-                    <a:p>
-                      <a:endParaRPr lang="en-US" sz="800"/>
-                    </a:p>
-                  </a:txBody>
-                  <a:tcPr marL="0" marR="0" marT="0" marB="0">
-                    <a:solidFill>
-                      <a:schemeClr val="accent5"/>
-                    </a:solidFill>
-                  </a:tcPr>
-                </a:tc>
-                <a:tc>
-                  <a:txBody>
-                    <a:bodyPr/>
-                    <a:lstStyle/>
-                    <a:p>
-                      <a:endParaRPr lang="en-US" sz="800"/>
-                    </a:p>
-                  </a:txBody>
-                  <a:tcPr marL="0" marR="0" marT="0" marB="0">
-                    <a:solidFill>
-                      <a:schemeClr val="accent5"/>
-                    </a:solidFill>
-                  </a:tcPr>
-                </a:tc>
-                <a:tc>
-                  <a:txBody>
-                    <a:bodyPr/>
-                    <a:lstStyle/>
-                    <a:p>
-                      <a:endParaRPr lang="en-US" sz="800"/>
-                    </a:p>
-                  </a:txBody>
-                  <a:tcPr marL="0" marR="0" marT="0" marB="0">
-                    <a:solidFill>
-                      <a:schemeClr val="accent5"/>
-                    </a:solidFill>
-                  </a:tcPr>
-                </a:tc>
-                <a:tc>
-                  <a:txBody>
-                    <a:bodyPr/>
-                    <a:lstStyle/>
-                    <a:p>
-                      <a:endParaRPr lang="en-US" sz="800" dirty="0"/>
-                    </a:p>
-                  </a:txBody>
-                  <a:tcPr marL="0" marR="0" marT="0" marB="0">
-                    <a:solidFill>
-                      <a:schemeClr val="accent5"/>
-                    </a:solidFill>
-                  </a:tcPr>
-                </a:tc>
-                <a:extLst>
-                  <a:ext uri="{0D108BD9-81ED-4DB2-BD59-A6C34878D82A}">
-                    <a16:rowId xmlns:a16="http://schemas.microsoft.com/office/drawing/2014/main" val="10000"/>
-                  </a:ext>
-                </a:extLst>
-              </a:tr>
-              <a:tr h="95979">
-                <a:tc>
-                  <a:txBody>
-                    <a:bodyPr/>
-                    <a:lstStyle/>
-                    <a:p>
-                      <a:endParaRPr lang="en-US" sz="800" dirty="0"/>
-                    </a:p>
-                  </a:txBody>
-                  <a:tcPr marL="0" marR="0" marT="0" marB="0">
-                    <a:solidFill>
-                      <a:schemeClr val="accent5">
-                        <a:lumMod val="60000"/>
-                        <a:lumOff val="40000"/>
-                      </a:schemeClr>
-                    </a:solidFill>
-                  </a:tcPr>
-                </a:tc>
-                <a:tc>
-                  <a:txBody>
-                    <a:bodyPr/>
-                    <a:lstStyle/>
-                    <a:p>
-                      <a:endParaRPr lang="en-US" sz="800"/>
-                    </a:p>
-                  </a:txBody>
-                  <a:tcPr marL="0" marR="0" marT="0" marB="0">
-                    <a:solidFill>
-                      <a:schemeClr val="accent5">
-                        <a:lumMod val="60000"/>
-                        <a:lumOff val="40000"/>
-                      </a:schemeClr>
-                    </a:solidFill>
-                  </a:tcPr>
-                </a:tc>
-                <a:tc>
-                  <a:txBody>
-                    <a:bodyPr/>
-                    <a:lstStyle/>
-                    <a:p>
-                      <a:endParaRPr lang="en-US" sz="800"/>
-                    </a:p>
-                  </a:txBody>
-                  <a:tcPr marL="0" marR="0" marT="0" marB="0">
-                    <a:solidFill>
-                      <a:schemeClr val="accent5">
-                        <a:lumMod val="60000"/>
-                        <a:lumOff val="40000"/>
-                      </a:schemeClr>
-                    </a:solidFill>
-                  </a:tcPr>
-                </a:tc>
-                <a:tc>
-                  <a:txBody>
-                    <a:bodyPr/>
-                    <a:lstStyle/>
-                    <a:p>
-                      <a:endParaRPr lang="en-US" sz="800"/>
-                    </a:p>
-                  </a:txBody>
-                  <a:tcPr marL="0" marR="0" marT="0" marB="0">
-                    <a:solidFill>
-                      <a:schemeClr val="accent5">
-                        <a:lumMod val="60000"/>
-                        <a:lumOff val="40000"/>
-                      </a:schemeClr>
-                    </a:solidFill>
-                  </a:tcPr>
-                </a:tc>
-                <a:tc>
-                  <a:txBody>
-                    <a:bodyPr/>
-                    <a:lstStyle/>
-                    <a:p>
-                      <a:endParaRPr lang="en-US" sz="800" dirty="0"/>
-                    </a:p>
-                  </a:txBody>
-                  <a:tcPr marL="0" marR="0" marT="0" marB="0">
-                    <a:solidFill>
-                      <a:schemeClr val="accent5">
-                        <a:lumMod val="60000"/>
-                        <a:lumOff val="40000"/>
-                      </a:schemeClr>
-                    </a:solidFill>
-                  </a:tcPr>
-                </a:tc>
-                <a:extLst>
-                  <a:ext uri="{0D108BD9-81ED-4DB2-BD59-A6C34878D82A}">
-                    <a16:rowId xmlns:a16="http://schemas.microsoft.com/office/drawing/2014/main" val="10001"/>
-                  </a:ext>
-                </a:extLst>
-              </a:tr>
-              <a:tr h="95979">
-                <a:tc>
-                  <a:txBody>
-                    <a:bodyPr/>
-                    <a:lstStyle/>
-                    <a:p>
-                      <a:endParaRPr lang="en-US" sz="800"/>
-                    </a:p>
-                  </a:txBody>
-                  <a:tcPr marL="0" marR="0" marT="0" marB="0">
-                    <a:solidFill>
-                      <a:schemeClr val="accent5">
-                        <a:lumMod val="60000"/>
-                        <a:lumOff val="40000"/>
-                      </a:schemeClr>
-                    </a:solidFill>
-                  </a:tcPr>
-                </a:tc>
-                <a:tc>
-                  <a:txBody>
-                    <a:bodyPr/>
-                    <a:lstStyle/>
-                    <a:p>
-                      <a:endParaRPr lang="en-US" sz="800"/>
-                    </a:p>
-                  </a:txBody>
-                  <a:tcPr marL="0" marR="0" marT="0" marB="0">
-                    <a:solidFill>
-                      <a:schemeClr val="accent5">
-                        <a:lumMod val="60000"/>
-                        <a:lumOff val="40000"/>
-                      </a:schemeClr>
-                    </a:solidFill>
-                  </a:tcPr>
-                </a:tc>
-                <a:tc>
-                  <a:txBody>
-                    <a:bodyPr/>
-                    <a:lstStyle/>
-                    <a:p>
-                      <a:endParaRPr lang="en-US" sz="800"/>
-                    </a:p>
-                  </a:txBody>
-                  <a:tcPr marL="0" marR="0" marT="0" marB="0">
-                    <a:solidFill>
-                      <a:schemeClr val="accent5">
-                        <a:lumMod val="60000"/>
-                        <a:lumOff val="40000"/>
-                      </a:schemeClr>
-                    </a:solidFill>
-                  </a:tcPr>
-                </a:tc>
-                <a:tc>
-                  <a:txBody>
-                    <a:bodyPr/>
-                    <a:lstStyle/>
-                    <a:p>
-                      <a:endParaRPr lang="en-US" sz="800"/>
-                    </a:p>
-                  </a:txBody>
-                  <a:tcPr marL="0" marR="0" marT="0" marB="0">
-                    <a:solidFill>
-                      <a:schemeClr val="accent5">
-                        <a:lumMod val="60000"/>
-                        <a:lumOff val="40000"/>
-                      </a:schemeClr>
-                    </a:solidFill>
-                  </a:tcPr>
-                </a:tc>
-                <a:tc>
-                  <a:txBody>
-                    <a:bodyPr/>
-                    <a:lstStyle/>
-                    <a:p>
-                      <a:endParaRPr lang="en-US" sz="800" dirty="0"/>
-                    </a:p>
-                  </a:txBody>
-                  <a:tcPr marL="0" marR="0" marT="0" marB="0">
-                    <a:solidFill>
-                      <a:schemeClr val="accent5">
-                        <a:lumMod val="60000"/>
-                        <a:lumOff val="40000"/>
-                      </a:schemeClr>
-                    </a:solidFill>
-                  </a:tcPr>
-                </a:tc>
-                <a:extLst>
-                  <a:ext uri="{0D108BD9-81ED-4DB2-BD59-A6C34878D82A}">
-                    <a16:rowId xmlns:a16="http://schemas.microsoft.com/office/drawing/2014/main" val="10002"/>
-                  </a:ext>
-                </a:extLst>
-              </a:tr>
-            </a:tbl>
-          </a:graphicData>
-        </a:graphic>
-      </p:graphicFrame>
       <p:sp>
         <p:nvSpPr>
           <p:cNvPr id="83" name="TextBox 82"/>
@@ -12850,8 +10383,8 @@
         </p:nvSpPr>
         <p:spPr>
           <a:xfrm>
-            <a:off x="3958595" y="7063240"/>
-            <a:ext cx="2468370" cy="1938992"/>
+            <a:off x="3933889" y="6335856"/>
+            <a:ext cx="2468370" cy="2862322"/>
           </a:xfrm>
           <a:prstGeom prst="rect">
             <a:avLst/>
@@ -12906,7 +10439,7 @@
             <a:r>
               <a:rPr lang="en-US" sz="1200" b="1" dirty="0" err="1">
                 <a:latin typeface="Consolas" panose="020B0609020204030204" pitchFamily="49" charset="0"/>
-                <a:hlinkClick r:id="rId16"/>
+                <a:hlinkClick r:id="rId18"/>
               </a:rPr>
               <a:t>drop_duplicates</a:t>
             </a:r>
@@ -12934,7 +10467,7 @@
             <a:r>
               <a:rPr lang="en-US" sz="1200" b="1" dirty="0" err="1">
                 <a:latin typeface="Consolas" panose="020B0609020204030204" pitchFamily="49" charset="0"/>
-                <a:hlinkClick r:id="rId17"/>
+                <a:hlinkClick r:id="rId19"/>
               </a:rPr>
               <a:t>head</a:t>
             </a:r>
@@ -12962,7 +10495,7 @@
             <a:r>
               <a:rPr lang="en-US" sz="1200" b="1" dirty="0" err="1">
                 <a:latin typeface="Consolas" panose="020B0609020204030204" pitchFamily="49" charset="0"/>
-                <a:hlinkClick r:id="rId18"/>
+                <a:hlinkClick r:id="rId20"/>
               </a:rPr>
               <a:t>tail</a:t>
             </a:r>
@@ -12977,8 +10510,71 @@
             <a:pPr marL="174625"/>
             <a:r>
               <a:rPr lang="en-US" sz="1200" dirty="0"/>
-              <a:t>Select last n rows.</a:t>
-            </a:r>
+              <a:t>Select last n </a:t>
+            </a:r>
+            <a:r>
+              <a:rPr lang="en-US" sz="1200"/>
+              <a:t>rows.</a:t>
+            </a:r>
+            <a:endParaRPr lang="en-US" sz="1200" dirty="0"/>
+          </a:p>
+          <a:p>
+            <a:r>
+              <a:rPr lang="en-US" sz="1200" b="1">
+                <a:latin typeface="Consolas" panose="020B0609020204030204" pitchFamily="49" charset="0"/>
+              </a:rPr>
+              <a:t>df.</a:t>
+            </a:r>
+            <a:r>
+              <a:rPr lang="en-US" sz="1200" b="1">
+                <a:latin typeface="Consolas" panose="020B0609020204030204" pitchFamily="49" charset="0"/>
+                <a:hlinkClick r:id="rId21"/>
+              </a:rPr>
+              <a:t>sample</a:t>
+            </a:r>
+            <a:r>
+              <a:rPr lang="en-US" sz="1200" b="1">
+                <a:latin typeface="Consolas" panose="020B0609020204030204" pitchFamily="49" charset="0"/>
+              </a:rPr>
+              <a:t>(frac=0.5)</a:t>
+            </a:r>
+          </a:p>
+          <a:p>
+            <a:pPr marL="174625"/>
+            <a:r>
+              <a:rPr lang="en-US" sz="1200"/>
+              <a:t>Randomly select fraction of rows. </a:t>
+            </a:r>
+          </a:p>
+          <a:p>
+            <a:r>
+              <a:rPr lang="en-US" sz="1200" b="1">
+                <a:latin typeface="Consolas" panose="020B0609020204030204" pitchFamily="49" charset="0"/>
+              </a:rPr>
+              <a:t>df.</a:t>
+            </a:r>
+            <a:r>
+              <a:rPr lang="en-US" sz="1200" b="1">
+                <a:latin typeface="Consolas" panose="020B0609020204030204" pitchFamily="49" charset="0"/>
+                <a:hlinkClick r:id="rId21"/>
+              </a:rPr>
+              <a:t>sample</a:t>
+            </a:r>
+            <a:r>
+              <a:rPr lang="en-US" sz="1200" b="1">
+                <a:latin typeface="Consolas" panose="020B0609020204030204" pitchFamily="49" charset="0"/>
+              </a:rPr>
+              <a:t>(n=10)</a:t>
+            </a:r>
+          </a:p>
+          <a:p>
+            <a:r>
+              <a:rPr lang="en-US" sz="1200"/>
+              <a:t>     Randomly select n rows.</a:t>
+            </a:r>
+          </a:p>
+          <a:p>
+            <a:endParaRPr lang="en-US" sz="1200"/>
           </a:p>
         </p:txBody>
       </p:sp>
@@ -14509,14 +12105,14 @@
       </p:graphicFrame>
       <p:sp>
         <p:nvSpPr>
-          <p:cNvPr id="20" name="TextBox 19"/>
+          <p:cNvPr id="88" name="TextBox 87"/>
           <p:cNvSpPr txBox="1"/>
           <p:nvPr/>
         </p:nvSpPr>
         <p:spPr>
           <a:xfrm>
-            <a:off x="3770347" y="10629429"/>
-            <a:ext cx="9815024" cy="215444"/>
+            <a:off x="9715500" y="6335856"/>
+            <a:ext cx="4272322" cy="2123658"/>
           </a:xfrm>
           <a:prstGeom prst="rect">
             <a:avLst/>
@@ -14530,1126 +12126,6 @@
           <a:lstStyle/>
           <a:p>
             <a:r>
-              <a:rPr lang="en-US" sz="800" dirty="0">
-                <a:hlinkClick r:id="rId19"/>
-              </a:rPr>
-              <a:t>http://pandas.pydata.org/</a:t>
-            </a:r>
-            <a:r>
-              <a:rPr lang="en-US" sz="800" dirty="0"/>
-              <a:t>  This cheat sheet inspired by </a:t>
-            </a:r>
-            <a:r>
-              <a:rPr lang="en-US" sz="800" dirty="0" err="1"/>
-              <a:t>Rstudio</a:t>
-            </a:r>
-            <a:r>
-              <a:rPr lang="en-US" sz="800" dirty="0"/>
-              <a:t> Data Wrangling </a:t>
-            </a:r>
-            <a:r>
-              <a:rPr lang="en-US" sz="800" dirty="0" err="1"/>
-              <a:t>Cheatsheet</a:t>
-            </a:r>
-            <a:r>
-              <a:rPr lang="en-US" sz="800" dirty="0"/>
-              <a:t> (</a:t>
-            </a:r>
-            <a:r>
-              <a:rPr lang="en-US" sz="800" dirty="0">
-                <a:hlinkClick r:id="rId20"/>
-              </a:rPr>
-              <a:t>https://www.rstudio.com/wp-content/uploads/2015/02/data-wrangling-cheatsheet.pdf</a:t>
-            </a:r>
-            <a:r>
-              <a:rPr lang="en-US" sz="800" dirty="0"/>
-              <a:t>)  Written by Irv Lustig, </a:t>
-            </a:r>
-            <a:r>
-              <a:rPr lang="en-US" sz="800" dirty="0">
-                <a:hlinkClick r:id="rId21"/>
-              </a:rPr>
-              <a:t>Princeton Consultants</a:t>
-            </a:r>
-            <a:endParaRPr lang="en-US" sz="800" dirty="0"/>
-          </a:p>
-        </p:txBody>
-      </p:sp>
-      <p:graphicFrame>
-        <p:nvGraphicFramePr>
-          <p:cNvPr id="84" name="Table 83"/>
-          <p:cNvGraphicFramePr>
-            <a:graphicFrameLocks noGrp="1"/>
-          </p:cNvGraphicFramePr>
-          <p:nvPr>
-            <p:extLst>
-              <p:ext uri="{D42A27DB-BD31-4B8C-83A1-F6EECF244321}">
-                <p14:modId xmlns:p14="http://schemas.microsoft.com/office/powerpoint/2010/main" val="3474268856"/>
-              </p:ext>
-            </p:extLst>
-          </p:nvPr>
-        </p:nvGraphicFramePr>
-        <p:xfrm>
-          <a:off x="9759542" y="6354269"/>
-          <a:ext cx="1381698" cy="609600"/>
-        </p:xfrm>
-        <a:graphic>
-          <a:graphicData uri="http://schemas.openxmlformats.org/drawingml/2006/table">
-            <a:tbl>
-              <a:tblPr>
-                <a:tableStyleId>{5C22544A-7EE6-4342-B048-85BDC9FD1C3A}</a:tableStyleId>
-              </a:tblPr>
-              <a:tblGrid>
-                <a:gridCol w="230283">
-                  <a:extLst>
-                    <a:ext uri="{9D8B030D-6E8A-4147-A177-3AD203B41FA5}">
-                      <a16:colId xmlns:a16="http://schemas.microsoft.com/office/drawing/2014/main" val="20000"/>
-                    </a:ext>
-                  </a:extLst>
-                </a:gridCol>
-                <a:gridCol w="230283">
-                  <a:extLst>
-                    <a:ext uri="{9D8B030D-6E8A-4147-A177-3AD203B41FA5}">
-                      <a16:colId xmlns:a16="http://schemas.microsoft.com/office/drawing/2014/main" val="20001"/>
-                    </a:ext>
-                  </a:extLst>
-                </a:gridCol>
-                <a:gridCol w="230283">
-                  <a:extLst>
-                    <a:ext uri="{9D8B030D-6E8A-4147-A177-3AD203B41FA5}">
-                      <a16:colId xmlns:a16="http://schemas.microsoft.com/office/drawing/2014/main" val="20002"/>
-                    </a:ext>
-                  </a:extLst>
-                </a:gridCol>
-                <a:gridCol w="230283">
-                  <a:extLst>
-                    <a:ext uri="{9D8B030D-6E8A-4147-A177-3AD203B41FA5}">
-                      <a16:colId xmlns:a16="http://schemas.microsoft.com/office/drawing/2014/main" val="20003"/>
-                    </a:ext>
-                  </a:extLst>
-                </a:gridCol>
-                <a:gridCol w="230283">
-                  <a:extLst>
-                    <a:ext uri="{9D8B030D-6E8A-4147-A177-3AD203B41FA5}">
-                      <a16:colId xmlns:a16="http://schemas.microsoft.com/office/drawing/2014/main" val="20004"/>
-                    </a:ext>
-                  </a:extLst>
-                </a:gridCol>
-                <a:gridCol w="230283">
-                  <a:extLst>
-                    <a:ext uri="{9D8B030D-6E8A-4147-A177-3AD203B41FA5}">
-                      <a16:colId xmlns:a16="http://schemas.microsoft.com/office/drawing/2014/main" val="20005"/>
-                    </a:ext>
-                  </a:extLst>
-                </a:gridCol>
-              </a:tblGrid>
-              <a:tr h="95979">
-                <a:tc>
-                  <a:txBody>
-                    <a:bodyPr/>
-                    <a:lstStyle/>
-                    <a:p>
-                      <a:endParaRPr lang="en-US" sz="800" dirty="0"/>
-                    </a:p>
-                  </a:txBody>
-                  <a:tcPr marL="0" marR="0" marT="0" marB="0">
-                    <a:solidFill>
-                      <a:schemeClr val="bg2">
-                        <a:lumMod val="75000"/>
-                      </a:schemeClr>
-                    </a:solidFill>
-                  </a:tcPr>
-                </a:tc>
-                <a:tc>
-                  <a:txBody>
-                    <a:bodyPr/>
-                    <a:lstStyle/>
-                    <a:p>
-                      <a:endParaRPr lang="en-US" sz="800" dirty="0">
-                        <a:solidFill>
-                          <a:schemeClr val="accent6"/>
-                        </a:solidFill>
-                      </a:endParaRPr>
-                    </a:p>
-                  </a:txBody>
-                  <a:tcPr marL="0" marR="0" marT="0" marB="0">
-                    <a:solidFill>
-                      <a:schemeClr val="accent6"/>
-                    </a:solidFill>
-                  </a:tcPr>
-                </a:tc>
-                <a:tc>
-                  <a:txBody>
-                    <a:bodyPr/>
-                    <a:lstStyle/>
-                    <a:p>
-                      <a:endParaRPr lang="en-US" sz="800"/>
-                    </a:p>
-                  </a:txBody>
-                  <a:tcPr marL="0" marR="0" marT="0" marB="0">
-                    <a:solidFill>
-                      <a:schemeClr val="accent5"/>
-                    </a:solidFill>
-                  </a:tcPr>
-                </a:tc>
-                <a:tc>
-                  <a:txBody>
-                    <a:bodyPr/>
-                    <a:lstStyle/>
-                    <a:p>
-                      <a:endParaRPr lang="en-US" sz="800"/>
-                    </a:p>
-                  </a:txBody>
-                  <a:tcPr marL="0" marR="0" marT="0" marB="0">
-                    <a:solidFill>
-                      <a:schemeClr val="accent5"/>
-                    </a:solidFill>
-                  </a:tcPr>
-                </a:tc>
-                <a:tc>
-                  <a:txBody>
-                    <a:bodyPr/>
-                    <a:lstStyle/>
-                    <a:p>
-                      <a:endParaRPr lang="en-US" sz="800" dirty="0">
-                        <a:solidFill>
-                          <a:schemeClr val="accent6"/>
-                        </a:solidFill>
-                      </a:endParaRPr>
-                    </a:p>
-                  </a:txBody>
-                  <a:tcPr marL="0" marR="0" marT="0" marB="0">
-                    <a:solidFill>
-                      <a:schemeClr val="accent6"/>
-                    </a:solidFill>
-                  </a:tcPr>
-                </a:tc>
-                <a:tc>
-                  <a:txBody>
-                    <a:bodyPr/>
-                    <a:lstStyle/>
-                    <a:p>
-                      <a:endParaRPr lang="en-US" sz="800" dirty="0">
-                        <a:solidFill>
-                          <a:schemeClr val="accent6"/>
-                        </a:solidFill>
-                      </a:endParaRPr>
-                    </a:p>
-                  </a:txBody>
-                  <a:tcPr marL="0" marR="0" marT="0" marB="0">
-                    <a:solidFill>
-                      <a:schemeClr val="accent5"/>
-                    </a:solidFill>
-                  </a:tcPr>
-                </a:tc>
-                <a:extLst>
-                  <a:ext uri="{0D108BD9-81ED-4DB2-BD59-A6C34878D82A}">
-                    <a16:rowId xmlns:a16="http://schemas.microsoft.com/office/drawing/2014/main" val="10000"/>
-                  </a:ext>
-                </a:extLst>
-              </a:tr>
-              <a:tr h="95979">
-                <a:tc>
-                  <a:txBody>
-                    <a:bodyPr/>
-                    <a:lstStyle/>
-                    <a:p>
-                      <a:endParaRPr lang="en-US" sz="800" dirty="0"/>
-                    </a:p>
-                  </a:txBody>
-                  <a:tcPr marL="0" marR="0" marT="0" marB="0">
-                    <a:solidFill>
-                      <a:schemeClr val="bg2"/>
-                    </a:solidFill>
-                  </a:tcPr>
-                </a:tc>
-                <a:tc>
-                  <a:txBody>
-                    <a:bodyPr/>
-                    <a:lstStyle/>
-                    <a:p>
-                      <a:endParaRPr lang="en-US" sz="800" dirty="0"/>
-                    </a:p>
-                  </a:txBody>
-                  <a:tcPr marL="0" marR="0" marT="0" marB="0">
-                    <a:solidFill>
-                      <a:schemeClr val="accent6">
-                        <a:lumMod val="40000"/>
-                        <a:lumOff val="60000"/>
-                      </a:schemeClr>
-                    </a:solidFill>
-                  </a:tcPr>
-                </a:tc>
-                <a:tc>
-                  <a:txBody>
-                    <a:bodyPr/>
-                    <a:lstStyle/>
-                    <a:p>
-                      <a:endParaRPr lang="en-US" sz="800" dirty="0"/>
-                    </a:p>
-                  </a:txBody>
-                  <a:tcPr marL="0" marR="0" marT="0" marB="0">
-                    <a:solidFill>
-                      <a:schemeClr val="accent5">
-                        <a:lumMod val="60000"/>
-                        <a:lumOff val="40000"/>
-                      </a:schemeClr>
-                    </a:solidFill>
-                  </a:tcPr>
-                </a:tc>
-                <a:tc>
-                  <a:txBody>
-                    <a:bodyPr/>
-                    <a:lstStyle/>
-                    <a:p>
-                      <a:endParaRPr lang="en-US" sz="800"/>
-                    </a:p>
-                  </a:txBody>
-                  <a:tcPr marL="0" marR="0" marT="0" marB="0">
-                    <a:solidFill>
-                      <a:schemeClr val="accent5">
-                        <a:lumMod val="60000"/>
-                        <a:lumOff val="40000"/>
-                      </a:schemeClr>
-                    </a:solidFill>
-                  </a:tcPr>
-                </a:tc>
-                <a:tc>
-                  <a:txBody>
-                    <a:bodyPr/>
-                    <a:lstStyle/>
-                    <a:p>
-                      <a:endParaRPr lang="en-US" sz="800" dirty="0"/>
-                    </a:p>
-                  </a:txBody>
-                  <a:tcPr marL="0" marR="0" marT="0" marB="0">
-                    <a:solidFill>
-                      <a:schemeClr val="accent6">
-                        <a:lumMod val="40000"/>
-                        <a:lumOff val="60000"/>
-                      </a:schemeClr>
-                    </a:solidFill>
-                  </a:tcPr>
-                </a:tc>
-                <a:tc>
-                  <a:txBody>
-                    <a:bodyPr/>
-                    <a:lstStyle/>
-                    <a:p>
-                      <a:endParaRPr lang="en-US" sz="800" dirty="0"/>
-                    </a:p>
-                  </a:txBody>
-                  <a:tcPr marL="0" marR="0" marT="0" marB="0">
-                    <a:solidFill>
-                      <a:schemeClr val="accent5">
-                        <a:lumMod val="60000"/>
-                        <a:lumOff val="40000"/>
-                      </a:schemeClr>
-                    </a:solidFill>
-                  </a:tcPr>
-                </a:tc>
-                <a:extLst>
-                  <a:ext uri="{0D108BD9-81ED-4DB2-BD59-A6C34878D82A}">
-                    <a16:rowId xmlns:a16="http://schemas.microsoft.com/office/drawing/2014/main" val="10001"/>
-                  </a:ext>
-                </a:extLst>
-              </a:tr>
-              <a:tr h="95979">
-                <a:tc>
-                  <a:txBody>
-                    <a:bodyPr/>
-                    <a:lstStyle/>
-                    <a:p>
-                      <a:endParaRPr lang="en-US" sz="800" dirty="0"/>
-                    </a:p>
-                  </a:txBody>
-                  <a:tcPr marL="0" marR="0" marT="0" marB="0">
-                    <a:solidFill>
-                      <a:schemeClr val="bg2"/>
-                    </a:solidFill>
-                  </a:tcPr>
-                </a:tc>
-                <a:tc>
-                  <a:txBody>
-                    <a:bodyPr/>
-                    <a:lstStyle/>
-                    <a:p>
-                      <a:endParaRPr lang="en-US" sz="800"/>
-                    </a:p>
-                  </a:txBody>
-                  <a:tcPr marL="0" marR="0" marT="0" marB="0">
-                    <a:solidFill>
-                      <a:schemeClr val="accent6">
-                        <a:lumMod val="40000"/>
-                        <a:lumOff val="60000"/>
-                      </a:schemeClr>
-                    </a:solidFill>
-                  </a:tcPr>
-                </a:tc>
-                <a:tc>
-                  <a:txBody>
-                    <a:bodyPr/>
-                    <a:lstStyle/>
-                    <a:p>
-                      <a:endParaRPr lang="en-US" sz="800"/>
-                    </a:p>
-                  </a:txBody>
-                  <a:tcPr marL="0" marR="0" marT="0" marB="0">
-                    <a:solidFill>
-                      <a:schemeClr val="accent5">
-                        <a:lumMod val="60000"/>
-                        <a:lumOff val="40000"/>
-                      </a:schemeClr>
-                    </a:solidFill>
-                  </a:tcPr>
-                </a:tc>
-                <a:tc>
-                  <a:txBody>
-                    <a:bodyPr/>
-                    <a:lstStyle/>
-                    <a:p>
-                      <a:endParaRPr lang="en-US" sz="800"/>
-                    </a:p>
-                  </a:txBody>
-                  <a:tcPr marL="0" marR="0" marT="0" marB="0">
-                    <a:solidFill>
-                      <a:schemeClr val="accent5">
-                        <a:lumMod val="60000"/>
-                        <a:lumOff val="40000"/>
-                      </a:schemeClr>
-                    </a:solidFill>
-                  </a:tcPr>
-                </a:tc>
-                <a:tc>
-                  <a:txBody>
-                    <a:bodyPr/>
-                    <a:lstStyle/>
-                    <a:p>
-                      <a:endParaRPr lang="en-US" sz="800"/>
-                    </a:p>
-                  </a:txBody>
-                  <a:tcPr marL="0" marR="0" marT="0" marB="0">
-                    <a:solidFill>
-                      <a:schemeClr val="accent6">
-                        <a:lumMod val="40000"/>
-                        <a:lumOff val="60000"/>
-                      </a:schemeClr>
-                    </a:solidFill>
-                  </a:tcPr>
-                </a:tc>
-                <a:tc>
-                  <a:txBody>
-                    <a:bodyPr/>
-                    <a:lstStyle/>
-                    <a:p>
-                      <a:endParaRPr lang="en-US" sz="800"/>
-                    </a:p>
-                  </a:txBody>
-                  <a:tcPr marL="0" marR="0" marT="0" marB="0">
-                    <a:solidFill>
-                      <a:schemeClr val="accent5">
-                        <a:lumMod val="60000"/>
-                        <a:lumOff val="40000"/>
-                      </a:schemeClr>
-                    </a:solidFill>
-                  </a:tcPr>
-                </a:tc>
-                <a:extLst>
-                  <a:ext uri="{0D108BD9-81ED-4DB2-BD59-A6C34878D82A}">
-                    <a16:rowId xmlns:a16="http://schemas.microsoft.com/office/drawing/2014/main" val="10002"/>
-                  </a:ext>
-                </a:extLst>
-              </a:tr>
-              <a:tr h="95979">
-                <a:tc>
-                  <a:txBody>
-                    <a:bodyPr/>
-                    <a:lstStyle/>
-                    <a:p>
-                      <a:endParaRPr lang="en-US" sz="800"/>
-                    </a:p>
-                  </a:txBody>
-                  <a:tcPr marL="0" marR="0" marT="0" marB="0">
-                    <a:solidFill>
-                      <a:schemeClr val="bg2"/>
-                    </a:solidFill>
-                  </a:tcPr>
-                </a:tc>
-                <a:tc>
-                  <a:txBody>
-                    <a:bodyPr/>
-                    <a:lstStyle/>
-                    <a:p>
-                      <a:endParaRPr lang="en-US" sz="800"/>
-                    </a:p>
-                  </a:txBody>
-                  <a:tcPr marL="0" marR="0" marT="0" marB="0">
-                    <a:solidFill>
-                      <a:schemeClr val="accent6">
-                        <a:lumMod val="40000"/>
-                        <a:lumOff val="60000"/>
-                      </a:schemeClr>
-                    </a:solidFill>
-                  </a:tcPr>
-                </a:tc>
-                <a:tc>
-                  <a:txBody>
-                    <a:bodyPr/>
-                    <a:lstStyle/>
-                    <a:p>
-                      <a:endParaRPr lang="en-US" sz="800"/>
-                    </a:p>
-                  </a:txBody>
-                  <a:tcPr marL="0" marR="0" marT="0" marB="0">
-                    <a:solidFill>
-                      <a:schemeClr val="accent5">
-                        <a:lumMod val="60000"/>
-                        <a:lumOff val="40000"/>
-                      </a:schemeClr>
-                    </a:solidFill>
-                  </a:tcPr>
-                </a:tc>
-                <a:tc>
-                  <a:txBody>
-                    <a:bodyPr/>
-                    <a:lstStyle/>
-                    <a:p>
-                      <a:endParaRPr lang="en-US" sz="800"/>
-                    </a:p>
-                  </a:txBody>
-                  <a:tcPr marL="0" marR="0" marT="0" marB="0">
-                    <a:solidFill>
-                      <a:schemeClr val="accent5">
-                        <a:lumMod val="60000"/>
-                        <a:lumOff val="40000"/>
-                      </a:schemeClr>
-                    </a:solidFill>
-                  </a:tcPr>
-                </a:tc>
-                <a:tc>
-                  <a:txBody>
-                    <a:bodyPr/>
-                    <a:lstStyle/>
-                    <a:p>
-                      <a:endParaRPr lang="en-US" sz="800"/>
-                    </a:p>
-                  </a:txBody>
-                  <a:tcPr marL="0" marR="0" marT="0" marB="0">
-                    <a:solidFill>
-                      <a:schemeClr val="accent6">
-                        <a:lumMod val="40000"/>
-                        <a:lumOff val="60000"/>
-                      </a:schemeClr>
-                    </a:solidFill>
-                  </a:tcPr>
-                </a:tc>
-                <a:tc>
-                  <a:txBody>
-                    <a:bodyPr/>
-                    <a:lstStyle/>
-                    <a:p>
-                      <a:endParaRPr lang="en-US" sz="800"/>
-                    </a:p>
-                  </a:txBody>
-                  <a:tcPr marL="0" marR="0" marT="0" marB="0">
-                    <a:solidFill>
-                      <a:schemeClr val="accent5">
-                        <a:lumMod val="60000"/>
-                        <a:lumOff val="40000"/>
-                      </a:schemeClr>
-                    </a:solidFill>
-                  </a:tcPr>
-                </a:tc>
-                <a:extLst>
-                  <a:ext uri="{0D108BD9-81ED-4DB2-BD59-A6C34878D82A}">
-                    <a16:rowId xmlns:a16="http://schemas.microsoft.com/office/drawing/2014/main" val="10003"/>
-                  </a:ext>
-                </a:extLst>
-              </a:tr>
-              <a:tr h="95979">
-                <a:tc>
-                  <a:txBody>
-                    <a:bodyPr/>
-                    <a:lstStyle/>
-                    <a:p>
-                      <a:endParaRPr lang="en-US" sz="800" dirty="0"/>
-                    </a:p>
-                  </a:txBody>
-                  <a:tcPr marL="0" marR="0" marT="0" marB="0">
-                    <a:solidFill>
-                      <a:schemeClr val="bg2"/>
-                    </a:solidFill>
-                  </a:tcPr>
-                </a:tc>
-                <a:tc>
-                  <a:txBody>
-                    <a:bodyPr/>
-                    <a:lstStyle/>
-                    <a:p>
-                      <a:endParaRPr lang="en-US" sz="800" dirty="0"/>
-                    </a:p>
-                  </a:txBody>
-                  <a:tcPr marL="0" marR="0" marT="0" marB="0">
-                    <a:solidFill>
-                      <a:schemeClr val="accent6">
-                        <a:lumMod val="40000"/>
-                        <a:lumOff val="60000"/>
-                      </a:schemeClr>
-                    </a:solidFill>
-                  </a:tcPr>
-                </a:tc>
-                <a:tc>
-                  <a:txBody>
-                    <a:bodyPr/>
-                    <a:lstStyle/>
-                    <a:p>
-                      <a:endParaRPr lang="en-US" sz="800"/>
-                    </a:p>
-                  </a:txBody>
-                  <a:tcPr marL="0" marR="0" marT="0" marB="0">
-                    <a:solidFill>
-                      <a:schemeClr val="accent5">
-                        <a:lumMod val="60000"/>
-                        <a:lumOff val="40000"/>
-                      </a:schemeClr>
-                    </a:solidFill>
-                  </a:tcPr>
-                </a:tc>
-                <a:tc>
-                  <a:txBody>
-                    <a:bodyPr/>
-                    <a:lstStyle/>
-                    <a:p>
-                      <a:endParaRPr lang="en-US" sz="800" dirty="0"/>
-                    </a:p>
-                  </a:txBody>
-                  <a:tcPr marL="0" marR="0" marT="0" marB="0">
-                    <a:solidFill>
-                      <a:schemeClr val="accent5">
-                        <a:lumMod val="60000"/>
-                        <a:lumOff val="40000"/>
-                      </a:schemeClr>
-                    </a:solidFill>
-                  </a:tcPr>
-                </a:tc>
-                <a:tc>
-                  <a:txBody>
-                    <a:bodyPr/>
-                    <a:lstStyle/>
-                    <a:p>
-                      <a:endParaRPr lang="en-US" sz="800" dirty="0"/>
-                    </a:p>
-                  </a:txBody>
-                  <a:tcPr marL="0" marR="0" marT="0" marB="0">
-                    <a:solidFill>
-                      <a:schemeClr val="accent6">
-                        <a:lumMod val="40000"/>
-                        <a:lumOff val="60000"/>
-                      </a:schemeClr>
-                    </a:solidFill>
-                  </a:tcPr>
-                </a:tc>
-                <a:tc>
-                  <a:txBody>
-                    <a:bodyPr/>
-                    <a:lstStyle/>
-                    <a:p>
-                      <a:endParaRPr lang="en-US" sz="800" dirty="0"/>
-                    </a:p>
-                  </a:txBody>
-                  <a:tcPr marL="0" marR="0" marT="0" marB="0">
-                    <a:solidFill>
-                      <a:schemeClr val="accent5">
-                        <a:lumMod val="60000"/>
-                        <a:lumOff val="40000"/>
-                      </a:schemeClr>
-                    </a:solidFill>
-                  </a:tcPr>
-                </a:tc>
-                <a:extLst>
-                  <a:ext uri="{0D108BD9-81ED-4DB2-BD59-A6C34878D82A}">
-                    <a16:rowId xmlns:a16="http://schemas.microsoft.com/office/drawing/2014/main" val="10004"/>
-                  </a:ext>
-                </a:extLst>
-              </a:tr>
-            </a:tbl>
-          </a:graphicData>
-        </a:graphic>
-      </p:graphicFrame>
-      <p:graphicFrame>
-        <p:nvGraphicFramePr>
-          <p:cNvPr id="86" name="Table 85"/>
-          <p:cNvGraphicFramePr>
-            <a:graphicFrameLocks noGrp="1"/>
-          </p:cNvGraphicFramePr>
-          <p:nvPr>
-            <p:extLst>
-              <p:ext uri="{D42A27DB-BD31-4B8C-83A1-F6EECF244321}">
-                <p14:modId xmlns:p14="http://schemas.microsoft.com/office/powerpoint/2010/main" val="4076443764"/>
-              </p:ext>
-            </p:extLst>
-          </p:nvPr>
-        </p:nvGraphicFramePr>
-        <p:xfrm>
-          <a:off x="11700928" y="6359792"/>
-          <a:ext cx="921132" cy="609600"/>
-        </p:xfrm>
-        <a:graphic>
-          <a:graphicData uri="http://schemas.openxmlformats.org/drawingml/2006/table">
-            <a:tbl>
-              <a:tblPr>
-                <a:tableStyleId>{5C22544A-7EE6-4342-B048-85BDC9FD1C3A}</a:tableStyleId>
-              </a:tblPr>
-              <a:tblGrid>
-                <a:gridCol w="230283">
-                  <a:extLst>
-                    <a:ext uri="{9D8B030D-6E8A-4147-A177-3AD203B41FA5}">
-                      <a16:colId xmlns:a16="http://schemas.microsoft.com/office/drawing/2014/main" val="20000"/>
-                    </a:ext>
-                  </a:extLst>
-                </a:gridCol>
-                <a:gridCol w="230283">
-                  <a:extLst>
-                    <a:ext uri="{9D8B030D-6E8A-4147-A177-3AD203B41FA5}">
-                      <a16:colId xmlns:a16="http://schemas.microsoft.com/office/drawing/2014/main" val="20001"/>
-                    </a:ext>
-                  </a:extLst>
-                </a:gridCol>
-                <a:gridCol w="230283">
-                  <a:extLst>
-                    <a:ext uri="{9D8B030D-6E8A-4147-A177-3AD203B41FA5}">
-                      <a16:colId xmlns:a16="http://schemas.microsoft.com/office/drawing/2014/main" val="20002"/>
-                    </a:ext>
-                  </a:extLst>
-                </a:gridCol>
-                <a:gridCol w="230283">
-                  <a:extLst>
-                    <a:ext uri="{9D8B030D-6E8A-4147-A177-3AD203B41FA5}">
-                      <a16:colId xmlns:a16="http://schemas.microsoft.com/office/drawing/2014/main" val="20003"/>
-                    </a:ext>
-                  </a:extLst>
-                </a:gridCol>
-              </a:tblGrid>
-              <a:tr h="95979">
-                <a:tc>
-                  <a:txBody>
-                    <a:bodyPr/>
-                    <a:lstStyle/>
-                    <a:p>
-                      <a:endParaRPr lang="en-US" sz="800" dirty="0"/>
-                    </a:p>
-                  </a:txBody>
-                  <a:tcPr marL="0" marR="0" marT="0" marB="0">
-                    <a:solidFill>
-                      <a:schemeClr val="bg2">
-                        <a:lumMod val="75000"/>
-                      </a:schemeClr>
-                    </a:solidFill>
-                  </a:tcPr>
-                </a:tc>
-                <a:tc>
-                  <a:txBody>
-                    <a:bodyPr/>
-                    <a:lstStyle/>
-                    <a:p>
-                      <a:endParaRPr lang="en-US" sz="800" dirty="0"/>
-                    </a:p>
-                  </a:txBody>
-                  <a:tcPr marL="0" marR="0" marT="0" marB="0">
-                    <a:solidFill>
-                      <a:schemeClr val="accent5"/>
-                    </a:solidFill>
-                  </a:tcPr>
-                </a:tc>
-                <a:tc>
-                  <a:txBody>
-                    <a:bodyPr/>
-                    <a:lstStyle/>
-                    <a:p>
-                      <a:endParaRPr lang="en-US" sz="800"/>
-                    </a:p>
-                  </a:txBody>
-                  <a:tcPr marL="0" marR="0" marT="0" marB="0">
-                    <a:solidFill>
-                      <a:schemeClr val="accent5"/>
-                    </a:solidFill>
-                  </a:tcPr>
-                </a:tc>
-                <a:tc>
-                  <a:txBody>
-                    <a:bodyPr/>
-                    <a:lstStyle/>
-                    <a:p>
-                      <a:endParaRPr lang="en-US" sz="800" dirty="0">
-                        <a:solidFill>
-                          <a:schemeClr val="accent6"/>
-                        </a:solidFill>
-                      </a:endParaRPr>
-                    </a:p>
-                  </a:txBody>
-                  <a:tcPr marL="0" marR="0" marT="0" marB="0">
-                    <a:solidFill>
-                      <a:schemeClr val="accent5"/>
-                    </a:solidFill>
-                  </a:tcPr>
-                </a:tc>
-                <a:extLst>
-                  <a:ext uri="{0D108BD9-81ED-4DB2-BD59-A6C34878D82A}">
-                    <a16:rowId xmlns:a16="http://schemas.microsoft.com/office/drawing/2014/main" val="10000"/>
-                  </a:ext>
-                </a:extLst>
-              </a:tr>
-              <a:tr h="95979">
-                <a:tc>
-                  <a:txBody>
-                    <a:bodyPr/>
-                    <a:lstStyle/>
-                    <a:p>
-                      <a:endParaRPr lang="en-US" sz="800" dirty="0"/>
-                    </a:p>
-                  </a:txBody>
-                  <a:tcPr marL="0" marR="0" marT="0" marB="0">
-                    <a:solidFill>
-                      <a:schemeClr val="bg2"/>
-                    </a:solidFill>
-                  </a:tcPr>
-                </a:tc>
-                <a:tc>
-                  <a:txBody>
-                    <a:bodyPr/>
-                    <a:lstStyle/>
-                    <a:p>
-                      <a:endParaRPr lang="en-US" sz="800" dirty="0"/>
-                    </a:p>
-                  </a:txBody>
-                  <a:tcPr marL="0" marR="0" marT="0" marB="0">
-                    <a:solidFill>
-                      <a:schemeClr val="accent5">
-                        <a:lumMod val="60000"/>
-                        <a:lumOff val="40000"/>
-                      </a:schemeClr>
-                    </a:solidFill>
-                  </a:tcPr>
-                </a:tc>
-                <a:tc>
-                  <a:txBody>
-                    <a:bodyPr/>
-                    <a:lstStyle/>
-                    <a:p>
-                      <a:endParaRPr lang="en-US" sz="800"/>
-                    </a:p>
-                  </a:txBody>
-                  <a:tcPr marL="0" marR="0" marT="0" marB="0">
-                    <a:solidFill>
-                      <a:schemeClr val="accent5">
-                        <a:lumMod val="60000"/>
-                        <a:lumOff val="40000"/>
-                      </a:schemeClr>
-                    </a:solidFill>
-                  </a:tcPr>
-                </a:tc>
-                <a:tc>
-                  <a:txBody>
-                    <a:bodyPr/>
-                    <a:lstStyle/>
-                    <a:p>
-                      <a:endParaRPr lang="en-US" sz="800" dirty="0"/>
-                    </a:p>
-                  </a:txBody>
-                  <a:tcPr marL="0" marR="0" marT="0" marB="0">
-                    <a:solidFill>
-                      <a:schemeClr val="accent5">
-                        <a:lumMod val="60000"/>
-                        <a:lumOff val="40000"/>
-                      </a:schemeClr>
-                    </a:solidFill>
-                  </a:tcPr>
-                </a:tc>
-                <a:extLst>
-                  <a:ext uri="{0D108BD9-81ED-4DB2-BD59-A6C34878D82A}">
-                    <a16:rowId xmlns:a16="http://schemas.microsoft.com/office/drawing/2014/main" val="10001"/>
-                  </a:ext>
-                </a:extLst>
-              </a:tr>
-              <a:tr h="95979">
-                <a:tc>
-                  <a:txBody>
-                    <a:bodyPr/>
-                    <a:lstStyle/>
-                    <a:p>
-                      <a:endParaRPr lang="en-US" sz="800" dirty="0"/>
-                    </a:p>
-                  </a:txBody>
-                  <a:tcPr marL="0" marR="0" marT="0" marB="0">
-                    <a:solidFill>
-                      <a:schemeClr val="bg2"/>
-                    </a:solidFill>
-                  </a:tcPr>
-                </a:tc>
-                <a:tc>
-                  <a:txBody>
-                    <a:bodyPr/>
-                    <a:lstStyle/>
-                    <a:p>
-                      <a:endParaRPr lang="en-US" sz="800"/>
-                    </a:p>
-                  </a:txBody>
-                  <a:tcPr marL="0" marR="0" marT="0" marB="0">
-                    <a:solidFill>
-                      <a:schemeClr val="accent5">
-                        <a:lumMod val="60000"/>
-                        <a:lumOff val="40000"/>
-                      </a:schemeClr>
-                    </a:solidFill>
-                  </a:tcPr>
-                </a:tc>
-                <a:tc>
-                  <a:txBody>
-                    <a:bodyPr/>
-                    <a:lstStyle/>
-                    <a:p>
-                      <a:endParaRPr lang="en-US" sz="800"/>
-                    </a:p>
-                  </a:txBody>
-                  <a:tcPr marL="0" marR="0" marT="0" marB="0">
-                    <a:solidFill>
-                      <a:schemeClr val="accent5">
-                        <a:lumMod val="60000"/>
-                        <a:lumOff val="40000"/>
-                      </a:schemeClr>
-                    </a:solidFill>
-                  </a:tcPr>
-                </a:tc>
-                <a:tc>
-                  <a:txBody>
-                    <a:bodyPr/>
-                    <a:lstStyle/>
-                    <a:p>
-                      <a:endParaRPr lang="en-US" sz="800"/>
-                    </a:p>
-                  </a:txBody>
-                  <a:tcPr marL="0" marR="0" marT="0" marB="0">
-                    <a:solidFill>
-                      <a:schemeClr val="accent5">
-                        <a:lumMod val="60000"/>
-                        <a:lumOff val="40000"/>
-                      </a:schemeClr>
-                    </a:solidFill>
-                  </a:tcPr>
-                </a:tc>
-                <a:extLst>
-                  <a:ext uri="{0D108BD9-81ED-4DB2-BD59-A6C34878D82A}">
-                    <a16:rowId xmlns:a16="http://schemas.microsoft.com/office/drawing/2014/main" val="10002"/>
-                  </a:ext>
-                </a:extLst>
-              </a:tr>
-              <a:tr h="95979">
-                <a:tc>
-                  <a:txBody>
-                    <a:bodyPr/>
-                    <a:lstStyle/>
-                    <a:p>
-                      <a:endParaRPr lang="en-US" sz="800"/>
-                    </a:p>
-                  </a:txBody>
-                  <a:tcPr marL="0" marR="0" marT="0" marB="0">
-                    <a:solidFill>
-                      <a:schemeClr val="bg2"/>
-                    </a:solidFill>
-                  </a:tcPr>
-                </a:tc>
-                <a:tc>
-                  <a:txBody>
-                    <a:bodyPr/>
-                    <a:lstStyle/>
-                    <a:p>
-                      <a:endParaRPr lang="en-US" sz="800"/>
-                    </a:p>
-                  </a:txBody>
-                  <a:tcPr marL="0" marR="0" marT="0" marB="0">
-                    <a:solidFill>
-                      <a:schemeClr val="accent5">
-                        <a:lumMod val="60000"/>
-                        <a:lumOff val="40000"/>
-                      </a:schemeClr>
-                    </a:solidFill>
-                  </a:tcPr>
-                </a:tc>
-                <a:tc>
-                  <a:txBody>
-                    <a:bodyPr/>
-                    <a:lstStyle/>
-                    <a:p>
-                      <a:endParaRPr lang="en-US" sz="800"/>
-                    </a:p>
-                  </a:txBody>
-                  <a:tcPr marL="0" marR="0" marT="0" marB="0">
-                    <a:solidFill>
-                      <a:schemeClr val="accent5">
-                        <a:lumMod val="60000"/>
-                        <a:lumOff val="40000"/>
-                      </a:schemeClr>
-                    </a:solidFill>
-                  </a:tcPr>
-                </a:tc>
-                <a:tc>
-                  <a:txBody>
-                    <a:bodyPr/>
-                    <a:lstStyle/>
-                    <a:p>
-                      <a:endParaRPr lang="en-US" sz="800"/>
-                    </a:p>
-                  </a:txBody>
-                  <a:tcPr marL="0" marR="0" marT="0" marB="0">
-                    <a:solidFill>
-                      <a:schemeClr val="accent5">
-                        <a:lumMod val="60000"/>
-                        <a:lumOff val="40000"/>
-                      </a:schemeClr>
-                    </a:solidFill>
-                  </a:tcPr>
-                </a:tc>
-                <a:extLst>
-                  <a:ext uri="{0D108BD9-81ED-4DB2-BD59-A6C34878D82A}">
-                    <a16:rowId xmlns:a16="http://schemas.microsoft.com/office/drawing/2014/main" val="10003"/>
-                  </a:ext>
-                </a:extLst>
-              </a:tr>
-              <a:tr h="95979">
-                <a:tc>
-                  <a:txBody>
-                    <a:bodyPr/>
-                    <a:lstStyle/>
-                    <a:p>
-                      <a:endParaRPr lang="en-US" sz="800" dirty="0"/>
-                    </a:p>
-                  </a:txBody>
-                  <a:tcPr marL="0" marR="0" marT="0" marB="0">
-                    <a:solidFill>
-                      <a:schemeClr val="bg2"/>
-                    </a:solidFill>
-                  </a:tcPr>
-                </a:tc>
-                <a:tc>
-                  <a:txBody>
-                    <a:bodyPr/>
-                    <a:lstStyle/>
-                    <a:p>
-                      <a:endParaRPr lang="en-US" sz="800"/>
-                    </a:p>
-                  </a:txBody>
-                  <a:tcPr marL="0" marR="0" marT="0" marB="0">
-                    <a:solidFill>
-                      <a:schemeClr val="accent5">
-                        <a:lumMod val="60000"/>
-                        <a:lumOff val="40000"/>
-                      </a:schemeClr>
-                    </a:solidFill>
-                  </a:tcPr>
-                </a:tc>
-                <a:tc>
-                  <a:txBody>
-                    <a:bodyPr/>
-                    <a:lstStyle/>
-                    <a:p>
-                      <a:endParaRPr lang="en-US" sz="800" dirty="0"/>
-                    </a:p>
-                  </a:txBody>
-                  <a:tcPr marL="0" marR="0" marT="0" marB="0">
-                    <a:solidFill>
-                      <a:schemeClr val="accent5">
-                        <a:lumMod val="60000"/>
-                        <a:lumOff val="40000"/>
-                      </a:schemeClr>
-                    </a:solidFill>
-                  </a:tcPr>
-                </a:tc>
-                <a:tc>
-                  <a:txBody>
-                    <a:bodyPr/>
-                    <a:lstStyle/>
-                    <a:p>
-                      <a:endParaRPr lang="en-US" sz="800" dirty="0"/>
-                    </a:p>
-                  </a:txBody>
-                  <a:tcPr marL="0" marR="0" marT="0" marB="0">
-                    <a:solidFill>
-                      <a:schemeClr val="accent5">
-                        <a:lumMod val="60000"/>
-                        <a:lumOff val="40000"/>
-                      </a:schemeClr>
-                    </a:solidFill>
-                  </a:tcPr>
-                </a:tc>
-                <a:extLst>
-                  <a:ext uri="{0D108BD9-81ED-4DB2-BD59-A6C34878D82A}">
-                    <a16:rowId xmlns:a16="http://schemas.microsoft.com/office/drawing/2014/main" val="10004"/>
-                  </a:ext>
-                </a:extLst>
-              </a:tr>
-            </a:tbl>
-          </a:graphicData>
-        </a:graphic>
-      </p:graphicFrame>
-      <p:cxnSp>
-        <p:nvCxnSpPr>
-          <p:cNvPr id="87" name="Straight Arrow Connector 86"/>
-          <p:cNvCxnSpPr/>
-          <p:nvPr/>
-        </p:nvCxnSpPr>
-        <p:spPr>
-          <a:xfrm>
-            <a:off x="11224035" y="6658239"/>
-            <a:ext cx="363152" cy="0"/>
-          </a:xfrm>
-          <a:prstGeom prst="straightConnector1">
-            <a:avLst/>
-          </a:prstGeom>
-          <a:ln w="63500">
-            <a:solidFill>
-              <a:schemeClr val="tx1"/>
-            </a:solidFill>
-            <a:tailEnd type="stealth"/>
-          </a:ln>
-        </p:spPr>
-        <p:style>
-          <a:lnRef idx="1">
-            <a:schemeClr val="accent1"/>
-          </a:lnRef>
-          <a:fillRef idx="0">
-            <a:schemeClr val="accent1"/>
-          </a:fillRef>
-          <a:effectRef idx="0">
-            <a:schemeClr val="accent1"/>
-          </a:effectRef>
-          <a:fontRef idx="minor">
-            <a:schemeClr val="tx1"/>
-          </a:fontRef>
-        </p:style>
-      </p:cxnSp>
-      <p:sp>
-        <p:nvSpPr>
-          <p:cNvPr id="88" name="TextBox 87"/>
-          <p:cNvSpPr txBox="1"/>
-          <p:nvPr/>
-        </p:nvSpPr>
-        <p:spPr>
-          <a:xfrm>
-            <a:off x="8980564" y="6955437"/>
-            <a:ext cx="4842116" cy="1200329"/>
-          </a:xfrm>
-          <a:prstGeom prst="rect">
-            <a:avLst/>
-          </a:prstGeom>
-          <a:noFill/>
-        </p:spPr>
-        <p:txBody>
-          <a:bodyPr wrap="square" rtlCol="0">
-            <a:spAutoFit/>
-          </a:bodyPr>
-          <a:lstStyle/>
-          <a:p>
-            <a:r>
               <a:rPr lang="en-US" sz="1200" b="1" dirty="0" err="1">
                 <a:latin typeface="Consolas" panose="020B0609020204030204" pitchFamily="49" charset="0"/>
               </a:rPr>
@@ -15758,144 +12234,73 @@
               <a:t>     Select columns whose name matches regular expression </a:t>
             </a:r>
             <a:r>
-              <a:rPr lang="en-US" sz="1200" i="1" dirty="0"/>
+              <a:rPr lang="en-US" sz="1200" i="1"/>
               <a:t>regex</a:t>
             </a:r>
             <a:r>
-              <a:rPr lang="en-US" sz="1200" dirty="0"/>
+              <a:rPr lang="en-US" sz="1200"/>
               <a:t>.</a:t>
             </a:r>
+          </a:p>
+          <a:p>
+            <a:r>
+              <a:rPr lang="en-US" sz="1200" b="1">
+                <a:latin typeface="Consolas" panose="020B0609020204030204" pitchFamily="49" charset="0"/>
+              </a:rPr>
+              <a:t>df.</a:t>
+            </a:r>
+            <a:r>
+              <a:rPr lang="en-US" sz="1200" b="1">
+                <a:latin typeface="Consolas" panose="020B0609020204030204" pitchFamily="49" charset="0"/>
+                <a:hlinkClick r:id="rId23"/>
+              </a:rPr>
+              <a:t>nlargest</a:t>
+            </a:r>
+            <a:r>
+              <a:rPr lang="en-US" sz="1200" b="1">
+                <a:latin typeface="Consolas" panose="020B0609020204030204" pitchFamily="49" charset="0"/>
+              </a:rPr>
+              <a:t>(n, 'value')</a:t>
+            </a:r>
+          </a:p>
+          <a:p>
+            <a:r>
+              <a:rPr lang="en-US" sz="1200"/>
+              <a:t>     Select and order top n entries.</a:t>
+            </a:r>
+          </a:p>
+          <a:p>
+            <a:r>
+              <a:rPr lang="en-US" sz="1200" b="1">
+                <a:latin typeface="Consolas" panose="020B0609020204030204" pitchFamily="49" charset="0"/>
+              </a:rPr>
+              <a:t>df.</a:t>
+            </a:r>
+            <a:r>
+              <a:rPr lang="en-US" sz="1200" b="1">
+                <a:latin typeface="Consolas" panose="020B0609020204030204" pitchFamily="49" charset="0"/>
+                <a:hlinkClick r:id="rId24"/>
+              </a:rPr>
+              <a:t>nsmallest</a:t>
+            </a:r>
+            <a:r>
+              <a:rPr lang="en-US" sz="1200" b="1">
+                <a:latin typeface="Consolas" panose="020B0609020204030204" pitchFamily="49" charset="0"/>
+              </a:rPr>
+              <a:t>(n, 'value')</a:t>
+            </a:r>
+          </a:p>
+          <a:p>
+            <a:pPr marL="174625"/>
+            <a:r>
+              <a:rPr lang="en-US" sz="1200"/>
+              <a:t>Select and order bottom n entries.</a:t>
+            </a:r>
+          </a:p>
+          <a:p>
             <a:endParaRPr lang="en-US" sz="1200" b="1" dirty="0">
               <a:latin typeface="Consolas" panose="020B0609020204030204" pitchFamily="49" charset="0"/>
             </a:endParaRPr>
-          </a:p>
-        </p:txBody>
-      </p:sp>
-      <p:sp>
-        <p:nvSpPr>
-          <p:cNvPr id="74" name="TextBox 73"/>
-          <p:cNvSpPr txBox="1"/>
-          <p:nvPr/>
-        </p:nvSpPr>
-        <p:spPr>
-          <a:xfrm>
-            <a:off x="8958512" y="9511669"/>
-            <a:ext cx="4842116" cy="1200329"/>
-          </a:xfrm>
-          <a:prstGeom prst="rect">
-            <a:avLst/>
-          </a:prstGeom>
-          <a:noFill/>
-        </p:spPr>
-        <p:txBody>
-          <a:bodyPr wrap="square" rtlCol="0">
-            <a:spAutoFit/>
-          </a:bodyPr>
-          <a:lstStyle/>
-          <a:p>
-            <a:r>
-              <a:rPr lang="en-US" sz="1200" b="1" dirty="0" err="1">
-                <a:latin typeface="Consolas" panose="020B0609020204030204" pitchFamily="49" charset="0"/>
-              </a:rPr>
-              <a:t>df.</a:t>
-            </a:r>
-            <a:r>
-              <a:rPr lang="en-US" sz="1200" b="1" dirty="0" err="1">
-                <a:latin typeface="Consolas" panose="020B0609020204030204" pitchFamily="49" charset="0"/>
-                <a:hlinkClick r:id="rId23"/>
-              </a:rPr>
-              <a:t>loc</a:t>
-            </a:r>
-            <a:r>
-              <a:rPr lang="en-US" sz="1200" b="1" dirty="0">
-                <a:latin typeface="Consolas" panose="020B0609020204030204" pitchFamily="49" charset="0"/>
-              </a:rPr>
-              <a:t>[:,'x2':'x4']</a:t>
-            </a:r>
-          </a:p>
-          <a:p>
-            <a:r>
-              <a:rPr lang="en-US" sz="1200" dirty="0"/>
-              <a:t>     Select all columns between x2 and x4 (inclusive).</a:t>
-            </a:r>
-          </a:p>
-          <a:p>
-            <a:r>
-              <a:rPr lang="en-US" sz="1200" b="1" dirty="0" err="1">
-                <a:latin typeface="Consolas" panose="020B0609020204030204" pitchFamily="49" charset="0"/>
-              </a:rPr>
-              <a:t>df.</a:t>
-            </a:r>
-            <a:r>
-              <a:rPr lang="en-US" sz="1200" b="1" dirty="0" err="1">
-                <a:latin typeface="Consolas" panose="020B0609020204030204" pitchFamily="49" charset="0"/>
-                <a:hlinkClick r:id="rId24"/>
-              </a:rPr>
-              <a:t>iloc</a:t>
-            </a:r>
-            <a:r>
-              <a:rPr lang="en-US" sz="1200" b="1" dirty="0">
-                <a:latin typeface="Consolas" panose="020B0609020204030204" pitchFamily="49" charset="0"/>
-              </a:rPr>
-              <a:t>[:,[1,2,5]]</a:t>
-            </a:r>
-          </a:p>
-          <a:p>
-            <a:r>
-              <a:rPr lang="en-US" sz="1200" dirty="0"/>
-              <a:t>     Select columns in positions 1, 2 and 5 (first column is 0).</a:t>
-            </a:r>
-          </a:p>
-          <a:p>
-            <a:r>
-              <a:rPr lang="en-US" sz="1200" b="1" dirty="0" err="1">
-                <a:latin typeface="Consolas" panose="020B0609020204030204" pitchFamily="49" charset="0"/>
-              </a:rPr>
-              <a:t>df.</a:t>
-            </a:r>
-            <a:r>
-              <a:rPr lang="en-US" sz="1200" b="1" dirty="0" err="1">
-                <a:latin typeface="Consolas" panose="020B0609020204030204" pitchFamily="49" charset="0"/>
-                <a:hlinkClick r:id="rId23"/>
-              </a:rPr>
-              <a:t>loc</a:t>
-            </a:r>
-            <a:r>
-              <a:rPr lang="en-US" sz="1200" b="1" dirty="0">
-                <a:latin typeface="Consolas" panose="020B0609020204030204" pitchFamily="49" charset="0"/>
-              </a:rPr>
-              <a:t>[</a:t>
-            </a:r>
-            <a:r>
-              <a:rPr lang="en-US" sz="1200" b="1" dirty="0" err="1">
-                <a:latin typeface="Consolas" panose="020B0609020204030204" pitchFamily="49" charset="0"/>
-              </a:rPr>
-              <a:t>df</a:t>
-            </a:r>
-            <a:r>
-              <a:rPr lang="en-US" sz="1200" b="1" dirty="0">
-                <a:latin typeface="Consolas" panose="020B0609020204030204" pitchFamily="49" charset="0"/>
-              </a:rPr>
-              <a:t>['a'] &gt; 10, ['</a:t>
-            </a:r>
-            <a:r>
-              <a:rPr lang="en-US" sz="1200" b="1" dirty="0" err="1">
-                <a:latin typeface="Consolas" panose="020B0609020204030204" pitchFamily="49" charset="0"/>
-              </a:rPr>
-              <a:t>a','c</a:t>
-            </a:r>
-            <a:r>
-              <a:rPr lang="en-US" sz="1200" b="1" dirty="0">
-                <a:latin typeface="Consolas" panose="020B0609020204030204" pitchFamily="49" charset="0"/>
-              </a:rPr>
-              <a:t>']]</a:t>
-            </a:r>
-          </a:p>
-          <a:p>
-            <a:r>
-              <a:rPr lang="en-US" sz="1200" dirty="0"/>
-              <a:t>     Select rows meeting logical condition, and only the specific columns .</a:t>
-            </a:r>
           </a:p>
         </p:txBody>
       </p:sp>
@@ -15908,13 +12313,13 @@
           <p:nvPr>
             <p:extLst>
               <p:ext uri="{D42A27DB-BD31-4B8C-83A1-F6EECF244321}">
-                <p14:modId xmlns:p14="http://schemas.microsoft.com/office/powerpoint/2010/main" val="3616751061"/>
+                <p14:modId xmlns:p14="http://schemas.microsoft.com/office/powerpoint/2010/main" val="2261219004"/>
               </p:ext>
             </p:extLst>
           </p:nvPr>
         </p:nvGraphicFramePr>
         <p:xfrm>
-          <a:off x="8958512" y="8126731"/>
+          <a:off x="8958512" y="9243803"/>
           <a:ext cx="4939837" cy="1374905"/>
         </p:xfrm>
         <a:graphic>
@@ -16673,8 +13078,8 @@
         </p:nvSpPr>
         <p:spPr>
           <a:xfrm>
-            <a:off x="6331165" y="7063240"/>
-            <a:ext cx="2492075" cy="1938992"/>
+            <a:off x="6295475" y="6335856"/>
+            <a:ext cx="3420025" cy="2308324"/>
           </a:xfrm>
           <a:prstGeom prst="rect">
             <a:avLst/>
@@ -16688,151 +13093,1184 @@
           <a:lstStyle/>
           <a:p>
             <a:r>
+              <a:rPr lang="en-US" sz="1200" b="1">
+                <a:latin typeface="Consolas" panose="020B0609020204030204" pitchFamily="49" charset="0"/>
+              </a:rPr>
+              <a:t>df.</a:t>
+            </a:r>
+            <a:r>
+              <a:rPr lang="en-US" sz="1200" b="1">
+                <a:latin typeface="Consolas" panose="020B0609020204030204" pitchFamily="49" charset="0"/>
+                <a:hlinkClick r:id="rId25"/>
+              </a:rPr>
+              <a:t>iloc</a:t>
+            </a:r>
+            <a:r>
+              <a:rPr lang="en-US" sz="1200" b="1">
+                <a:latin typeface="Consolas" panose="020B0609020204030204" pitchFamily="49" charset="0"/>
+              </a:rPr>
+              <a:t>[</a:t>
+            </a:r>
+            <a:r>
+              <a:rPr lang="en-US" sz="1200" i="1">
+                <a:latin typeface="Consolas" panose="020B0609020204030204" pitchFamily="49" charset="0"/>
+              </a:rPr>
+              <a:t>row_ind, column_ind</a:t>
+            </a:r>
+            <a:r>
+              <a:rPr lang="en-US" sz="1200" b="1">
+                <a:latin typeface="Consolas" panose="020B0609020204030204" pitchFamily="49" charset="0"/>
+              </a:rPr>
+              <a:t>]</a:t>
+            </a:r>
+          </a:p>
+          <a:p>
+            <a:r>
+              <a:rPr lang="en-US" sz="1200" b="1">
+                <a:latin typeface="Consolas" panose="020B0609020204030204" pitchFamily="49" charset="0"/>
+              </a:rPr>
+              <a:t>df</a:t>
+            </a:r>
+            <a:r>
               <a:rPr lang="en-US" sz="1200" b="1" dirty="0" err="1">
                 <a:latin typeface="Consolas" panose="020B0609020204030204" pitchFamily="49" charset="0"/>
               </a:rPr>
+              <a:t>.iloc</a:t>
+            </a:r>
+            <a:r>
+              <a:rPr lang="en-US" sz="1200" b="1" dirty="0">
+                <a:latin typeface="Consolas" panose="020B0609020204030204" pitchFamily="49" charset="0"/>
+              </a:rPr>
+              <a:t>[10:20]</a:t>
+            </a:r>
+          </a:p>
+          <a:p>
+            <a:r>
+              <a:rPr lang="en-US" sz="1200" dirty="0"/>
+              <a:t>     Select rows by </a:t>
+            </a:r>
+            <a:r>
+              <a:rPr lang="en-US" sz="1200"/>
+              <a:t>position.</a:t>
+            </a:r>
+          </a:p>
+          <a:p>
+            <a:r>
+              <a:rPr lang="en-US" sz="1200" b="1">
+                <a:latin typeface="Consolas" panose="020B0609020204030204" pitchFamily="49" charset="0"/>
+              </a:rPr>
+              <a:t>df.iloc[:,[1,2,5]]</a:t>
+            </a:r>
+          </a:p>
+          <a:p>
+            <a:pPr marL="180975" indent="-180975"/>
+            <a:r>
+              <a:rPr lang="en-US" sz="1200"/>
+              <a:t>     Select columns in positions 1, 2 and 5 (first column is 0).</a:t>
+            </a:r>
+          </a:p>
+          <a:p>
+            <a:r>
+              <a:rPr lang="en-US" sz="1200" b="1">
+                <a:latin typeface="Consolas" panose="020B0609020204030204" pitchFamily="49" charset="0"/>
+              </a:rPr>
               <a:t>df.</a:t>
             </a:r>
             <a:r>
+              <a:rPr lang="en-US" sz="1200" b="1">
+                <a:latin typeface="Consolas" panose="020B0609020204030204" pitchFamily="49" charset="0"/>
+                <a:hlinkClick r:id="rId26"/>
+              </a:rPr>
+              <a:t>loc</a:t>
+            </a:r>
+            <a:r>
+              <a:rPr lang="en-US" sz="1200" b="1">
+                <a:latin typeface="Consolas" panose="020B0609020204030204" pitchFamily="49" charset="0"/>
+              </a:rPr>
+              <a:t>[</a:t>
+            </a:r>
+            <a:r>
+              <a:rPr lang="en-US" sz="1200" i="1">
+                <a:latin typeface="Consolas" panose="020B0609020204030204" pitchFamily="49" charset="0"/>
+              </a:rPr>
+              <a:t>row_ind, column_ind</a:t>
+            </a:r>
+            <a:r>
+              <a:rPr lang="en-US" sz="1200" b="1">
+                <a:latin typeface="Consolas" panose="020B0609020204030204" pitchFamily="49" charset="0"/>
+              </a:rPr>
+              <a:t>]</a:t>
+            </a:r>
+          </a:p>
+          <a:p>
+            <a:r>
+              <a:rPr lang="en-US" sz="1200" b="1">
+                <a:latin typeface="Consolas" panose="020B0609020204030204" pitchFamily="49" charset="0"/>
+              </a:rPr>
+              <a:t>df.loc[:,'x2':'x4']</a:t>
+            </a:r>
+          </a:p>
+          <a:p>
+            <a:pPr marL="180975" indent="-180975"/>
+            <a:r>
+              <a:rPr lang="en-US" sz="1200"/>
+              <a:t>     Select all columns between x2 and x4 (inclusive).</a:t>
+            </a:r>
+          </a:p>
+          <a:p>
+            <a:r>
+              <a:rPr lang="en-US" sz="1200" b="1">
+                <a:latin typeface="Consolas" panose="020B0609020204030204" pitchFamily="49" charset="0"/>
+              </a:rPr>
+              <a:t>df.loc[df['a'] &gt; 10, ['a','c']]</a:t>
+            </a:r>
+          </a:p>
+          <a:p>
+            <a:pPr marL="180975" indent="-180975"/>
+            <a:r>
+              <a:rPr lang="en-US" sz="1200"/>
+              <a:t>     Select rows meeting logical condition, and only the specific columns .</a:t>
+            </a:r>
+            <a:endParaRPr lang="en-US" sz="1200" dirty="0"/>
+          </a:p>
+        </p:txBody>
+      </p:sp>
+      <p:sp>
+        <p:nvSpPr>
+          <p:cNvPr id="90" name="Rounded Rectangle 33">
+            <a:extLst>
+              <a:ext uri="{FF2B5EF4-FFF2-40B4-BE49-F238E27FC236}">
+                <a16:creationId xmlns:a16="http://schemas.microsoft.com/office/drawing/2014/main" id="{AF7C14C3-A34B-4108-AEF6-5A559DC6372C}"/>
+              </a:ext>
+            </a:extLst>
+          </p:cNvPr>
+          <p:cNvSpPr/>
+          <p:nvPr/>
+        </p:nvSpPr>
+        <p:spPr>
+          <a:xfrm>
+            <a:off x="229000" y="115595"/>
+            <a:ext cx="3485527" cy="423293"/>
+          </a:xfrm>
+          <a:prstGeom prst="roundRect">
+            <a:avLst/>
+          </a:prstGeom>
+        </p:spPr>
+        <p:style>
+          <a:lnRef idx="2">
+            <a:schemeClr val="accent1">
+              <a:shade val="50000"/>
+            </a:schemeClr>
+          </a:lnRef>
+          <a:fillRef idx="1">
+            <a:schemeClr val="accent1"/>
+          </a:fillRef>
+          <a:effectRef idx="0">
+            <a:schemeClr val="accent1"/>
+          </a:effectRef>
+          <a:fontRef idx="minor">
+            <a:schemeClr val="lt1"/>
+          </a:fontRef>
+        </p:style>
+        <p:txBody>
+          <a:bodyPr rtlCol="0" anchor="ctr"/>
+          <a:lstStyle/>
+          <a:p>
+            <a:pPr algn="ctr"/>
+            <a:r>
+              <a:rPr lang="en-US" sz="2800" b="1">
+                <a:solidFill>
+                  <a:schemeClr val="bg1"/>
+                </a:solidFill>
+              </a:rPr>
+              <a:t>General</a:t>
+            </a:r>
+            <a:endParaRPr lang="en-US" sz="1800" dirty="0"/>
+          </a:p>
+        </p:txBody>
+      </p:sp>
+      <p:sp>
+        <p:nvSpPr>
+          <p:cNvPr id="93" name="TextBox 82">
+            <a:extLst>
+              <a:ext uri="{FF2B5EF4-FFF2-40B4-BE49-F238E27FC236}">
+                <a16:creationId xmlns:a16="http://schemas.microsoft.com/office/drawing/2014/main" id="{9EB89159-F303-49A1-88F6-6DC6B5D40003}"/>
+              </a:ext>
+            </a:extLst>
+          </p:cNvPr>
+          <p:cNvSpPr txBox="1"/>
+          <p:nvPr/>
+        </p:nvSpPr>
+        <p:spPr>
+          <a:xfrm>
+            <a:off x="3832910" y="496393"/>
+            <a:ext cx="4382340" cy="1460272"/>
+          </a:xfrm>
+          <a:prstGeom prst="rect">
+            <a:avLst/>
+          </a:prstGeom>
+          <a:noFill/>
+        </p:spPr>
+        <p:txBody>
+          <a:bodyPr wrap="square" rtlCol="0">
+            <a:spAutoFit/>
+          </a:bodyPr>
+          <a:lstStyle/>
+          <a:p>
+            <a:pPr>
+              <a:lnSpc>
+                <a:spcPts val="1800"/>
+              </a:lnSpc>
+            </a:pPr>
+            <a:r>
+              <a:rPr lang="en-US" sz="1200" b="1">
+                <a:hlinkClick r:id="rId27"/>
+              </a:rPr>
+              <a:t>Display options </a:t>
+            </a:r>
+            <a:r>
+              <a:rPr lang="en-US" sz="1200" b="1"/>
+              <a:t>for DataFrames</a:t>
+            </a:r>
+            <a:r>
+              <a:rPr lang="en-US" sz="1200"/>
+              <a:t>:</a:t>
+            </a:r>
+            <a:br>
+              <a:rPr lang="en-US" sz="1200"/>
+            </a:br>
+            <a:r>
+              <a:rPr lang="en-US" sz="1200"/>
+              <a:t>   </a:t>
+            </a:r>
+            <a:r>
+              <a:rPr lang="de-DE" sz="1200" b="1">
+                <a:solidFill>
+                  <a:srgbClr val="000000"/>
+                </a:solidFill>
+                <a:effectLst/>
+                <a:latin typeface="Consolas" panose="020B0609020204030204" pitchFamily="49" charset="0"/>
+              </a:rPr>
+              <a:t>pd.</a:t>
+            </a:r>
+            <a:r>
+              <a:rPr lang="de-DE" sz="1200" b="1">
+                <a:solidFill>
+                  <a:srgbClr val="000000"/>
+                </a:solidFill>
+                <a:effectLst/>
+                <a:latin typeface="Consolas" panose="020B0609020204030204" pitchFamily="49" charset="0"/>
+                <a:hlinkClick r:id="rId28"/>
+              </a:rPr>
+              <a:t>set_option</a:t>
+            </a:r>
+            <a:r>
+              <a:rPr lang="de-DE" sz="1200" b="1">
+                <a:solidFill>
+                  <a:srgbClr val="000000"/>
+                </a:solidFill>
+                <a:effectLst/>
+                <a:latin typeface="Consolas" panose="020B0609020204030204" pitchFamily="49" charset="0"/>
+              </a:rPr>
+              <a:t>(</a:t>
+            </a:r>
+            <a:r>
+              <a:rPr lang="de-DE" sz="1200" i="1">
+                <a:effectLst/>
+                <a:latin typeface="Consolas" panose="020B0609020204030204" pitchFamily="49" charset="0"/>
+              </a:rPr>
+              <a:t>'display.max_rows</a:t>
+            </a:r>
+            <a:r>
+              <a:rPr lang="de-DE" sz="1200">
+                <a:effectLst/>
+                <a:latin typeface="Consolas" panose="020B0609020204030204" pitchFamily="49" charset="0"/>
+              </a:rPr>
+              <a:t>', </a:t>
+            </a:r>
+            <a:r>
+              <a:rPr lang="de-DE" sz="1200" i="1">
+                <a:effectLst/>
+                <a:latin typeface="Consolas" panose="020B0609020204030204" pitchFamily="49" charset="0"/>
+              </a:rPr>
+              <a:t>4</a:t>
+            </a:r>
+            <a:r>
+              <a:rPr lang="de-DE" sz="1200" b="1">
+                <a:effectLst/>
+                <a:latin typeface="Consolas" panose="020B0609020204030204" pitchFamily="49" charset="0"/>
+              </a:rPr>
+              <a:t>)</a:t>
+            </a:r>
+            <a:br>
+              <a:rPr lang="en-US" sz="1200">
+                <a:solidFill>
+                  <a:srgbClr val="000000"/>
+                </a:solidFill>
+                <a:effectLst/>
+                <a:latin typeface="Consolas" panose="020B0609020204030204" pitchFamily="49" charset="0"/>
+              </a:rPr>
+            </a:br>
+            <a:r>
+              <a:rPr lang="en-US" sz="1200">
+                <a:solidFill>
+                  <a:srgbClr val="000000"/>
+                </a:solidFill>
+                <a:effectLst/>
+              </a:rPr>
+              <a:t>   </a:t>
+            </a:r>
+            <a:r>
+              <a:rPr lang="en-US" sz="1200" b="1">
+                <a:solidFill>
+                  <a:srgbClr val="000000"/>
+                </a:solidFill>
+                <a:effectLst/>
+                <a:latin typeface="Consolas" panose="020B0609020204030204" pitchFamily="49" charset="0"/>
+              </a:rPr>
+              <a:t>pd.</a:t>
+            </a:r>
+            <a:r>
+              <a:rPr lang="en-US" sz="1200" b="1">
+                <a:solidFill>
+                  <a:srgbClr val="000000"/>
+                </a:solidFill>
+                <a:effectLst/>
+                <a:latin typeface="Consolas" panose="020B0609020204030204" pitchFamily="49" charset="0"/>
+                <a:hlinkClick r:id="rId29"/>
+              </a:rPr>
+              <a:t>reset_option</a:t>
+            </a:r>
+            <a:r>
+              <a:rPr lang="en-US" sz="1200" b="1">
+                <a:solidFill>
+                  <a:srgbClr val="000000"/>
+                </a:solidFill>
+                <a:effectLst/>
+                <a:latin typeface="Consolas" panose="020B0609020204030204" pitchFamily="49" charset="0"/>
+              </a:rPr>
+              <a:t>(</a:t>
+            </a:r>
+            <a:r>
+              <a:rPr lang="de-DE" sz="1200" i="1">
+                <a:effectLst/>
+                <a:latin typeface="Consolas" panose="020B0609020204030204" pitchFamily="49" charset="0"/>
+              </a:rPr>
+              <a:t>'display.max_rows</a:t>
+            </a:r>
+            <a:r>
+              <a:rPr lang="de-DE" sz="1200">
+                <a:effectLst/>
+                <a:latin typeface="Consolas" panose="020B0609020204030204" pitchFamily="49" charset="0"/>
+              </a:rPr>
+              <a:t>‘</a:t>
+            </a:r>
+            <a:r>
+              <a:rPr lang="de-DE" sz="1200" b="1">
+                <a:effectLst/>
+                <a:latin typeface="Consolas" panose="020B0609020204030204" pitchFamily="49" charset="0"/>
+              </a:rPr>
+              <a:t>)</a:t>
+            </a:r>
+            <a:br>
+              <a:rPr lang="de-DE" sz="1200">
+                <a:effectLst/>
+                <a:latin typeface="Consolas" panose="020B0609020204030204" pitchFamily="49" charset="0"/>
+              </a:rPr>
+            </a:br>
+            <a:r>
+              <a:rPr lang="de-DE" sz="1200">
+                <a:effectLst/>
+                <a:latin typeface="Consolas" panose="020B0609020204030204" pitchFamily="49" charset="0"/>
+              </a:rPr>
+              <a:t> </a:t>
+            </a:r>
+            <a:r>
+              <a:rPr lang="de-DE" sz="1200" b="1">
+                <a:effectLst/>
+                <a:latin typeface="Consolas" panose="020B0609020204030204" pitchFamily="49" charset="0"/>
+              </a:rPr>
+              <a:t>with pd.</a:t>
+            </a:r>
+            <a:r>
+              <a:rPr lang="de-DE" sz="1200" b="1">
+                <a:effectLst/>
+                <a:latin typeface="Consolas" panose="020B0609020204030204" pitchFamily="49" charset="0"/>
+                <a:hlinkClick r:id="rId30"/>
+              </a:rPr>
+              <a:t>option_context</a:t>
+            </a:r>
+            <a:r>
+              <a:rPr lang="de-DE" sz="1200" b="1">
+                <a:effectLst/>
+                <a:latin typeface="Consolas" panose="020B0609020204030204" pitchFamily="49" charset="0"/>
+              </a:rPr>
+              <a:t>(</a:t>
+            </a:r>
+            <a:r>
+              <a:rPr lang="de-DE" sz="1200" i="1">
+                <a:effectLst/>
+                <a:latin typeface="Consolas" panose="020B0609020204030204" pitchFamily="49" charset="0"/>
+              </a:rPr>
+              <a:t>'display.max_rows</a:t>
+            </a:r>
+            <a:r>
+              <a:rPr lang="de-DE" sz="1200">
+                <a:effectLst/>
+                <a:latin typeface="Consolas" panose="020B0609020204030204" pitchFamily="49" charset="0"/>
+              </a:rPr>
+              <a:t>', </a:t>
+            </a:r>
+            <a:r>
+              <a:rPr lang="de-DE" sz="1200" i="1">
+                <a:effectLst/>
+                <a:latin typeface="Consolas" panose="020B0609020204030204" pitchFamily="49" charset="0"/>
+              </a:rPr>
+              <a:t>4</a:t>
+            </a:r>
+            <a:r>
+              <a:rPr lang="de-DE" sz="1200" b="1">
+                <a:effectLst/>
+                <a:latin typeface="Consolas" panose="020B0609020204030204" pitchFamily="49" charset="0"/>
+              </a:rPr>
+              <a:t>):</a:t>
+            </a:r>
+          </a:p>
+          <a:p>
+            <a:pPr>
+              <a:lnSpc>
+                <a:spcPts val="1800"/>
+              </a:lnSpc>
+            </a:pPr>
+            <a:r>
+              <a:rPr lang="de-DE" sz="1200"/>
+              <a:t>       only sets options within the „with“ codeblock</a:t>
+            </a:r>
+          </a:p>
+          <a:p>
+            <a:pPr>
+              <a:lnSpc>
+                <a:spcPts val="1800"/>
+              </a:lnSpc>
+            </a:pPr>
+            <a:r>
+              <a:rPr lang="en-US" sz="1200" b="1">
+                <a:hlinkClick r:id="rId31"/>
+              </a:rPr>
+              <a:t>Style options </a:t>
+            </a:r>
+            <a:r>
+              <a:rPr lang="en-US" sz="1200" b="1"/>
+              <a:t>for DataFrames </a:t>
+            </a:r>
+            <a:r>
+              <a:rPr lang="en-US" sz="1200"/>
+              <a:t>(Cell highlighting, heatmapping ..)</a:t>
+            </a:r>
+            <a:endParaRPr lang="de-DE" sz="1200" b="0">
+              <a:effectLst/>
+            </a:endParaRPr>
+          </a:p>
+        </p:txBody>
+      </p:sp>
+      <p:sp>
+        <p:nvSpPr>
+          <p:cNvPr id="95" name="TextBox 82">
+            <a:extLst>
+              <a:ext uri="{FF2B5EF4-FFF2-40B4-BE49-F238E27FC236}">
+                <a16:creationId xmlns:a16="http://schemas.microsoft.com/office/drawing/2014/main" id="{2A432411-87C0-4B2C-BA6E-984FD94A586A}"/>
+              </a:ext>
+            </a:extLst>
+          </p:cNvPr>
+          <p:cNvSpPr txBox="1"/>
+          <p:nvPr/>
+        </p:nvSpPr>
+        <p:spPr>
+          <a:xfrm>
+            <a:off x="318347" y="632426"/>
+            <a:ext cx="1662853" cy="767774"/>
+          </a:xfrm>
+          <a:prstGeom prst="rect">
+            <a:avLst/>
+          </a:prstGeom>
+          <a:noFill/>
+        </p:spPr>
+        <p:txBody>
+          <a:bodyPr wrap="square" rtlCol="0">
+            <a:spAutoFit/>
+          </a:bodyPr>
+          <a:lstStyle/>
+          <a:p>
+            <a:pPr>
+              <a:lnSpc>
+                <a:spcPts val="1800"/>
+              </a:lnSpc>
+            </a:pPr>
+            <a:r>
+              <a:rPr lang="de-DE" sz="1200" b="1"/>
+              <a:t>Pandas </a:t>
+            </a:r>
+            <a:r>
+              <a:rPr lang="de-DE" sz="1200" b="1">
+                <a:hlinkClick r:id="rId32"/>
+              </a:rPr>
+              <a:t>API Reference</a:t>
+            </a:r>
+            <a:br>
+              <a:rPr lang="de-DE" sz="1200" b="1"/>
+            </a:br>
+            <a:r>
+              <a:rPr lang="de-DE" sz="1200" b="1"/>
+              <a:t>Pandas </a:t>
+            </a:r>
+            <a:r>
+              <a:rPr lang="de-DE" sz="1200" b="1">
+                <a:hlinkClick r:id="rId33"/>
+              </a:rPr>
+              <a:t>User Guide</a:t>
+            </a:r>
+            <a:endParaRPr lang="en-US" sz="1200"/>
+          </a:p>
+          <a:p>
+            <a:pPr>
+              <a:lnSpc>
+                <a:spcPts val="1800"/>
+              </a:lnSpc>
+            </a:pPr>
+            <a:r>
+              <a:rPr lang="de-DE" sz="1200" b="1"/>
+              <a:t>	</a:t>
+            </a:r>
+          </a:p>
+        </p:txBody>
+      </p:sp>
+      <p:sp>
+        <p:nvSpPr>
+          <p:cNvPr id="99" name="Rounded Rectangle 33">
+            <a:extLst>
+              <a:ext uri="{FF2B5EF4-FFF2-40B4-BE49-F238E27FC236}">
+                <a16:creationId xmlns:a16="http://schemas.microsoft.com/office/drawing/2014/main" id="{D7842E87-1119-4819-A3E9-16C6975AD16F}"/>
+              </a:ext>
+            </a:extLst>
+          </p:cNvPr>
+          <p:cNvSpPr/>
+          <p:nvPr/>
+        </p:nvSpPr>
+        <p:spPr>
+          <a:xfrm>
+            <a:off x="3855840" y="115595"/>
+            <a:ext cx="10074507" cy="423293"/>
+          </a:xfrm>
+          <a:prstGeom prst="roundRect">
+            <a:avLst/>
+          </a:prstGeom>
+        </p:spPr>
+        <p:style>
+          <a:lnRef idx="2">
+            <a:schemeClr val="accent1">
+              <a:shade val="50000"/>
+            </a:schemeClr>
+          </a:lnRef>
+          <a:fillRef idx="1">
+            <a:schemeClr val="accent1"/>
+          </a:fillRef>
+          <a:effectRef idx="0">
+            <a:schemeClr val="accent1"/>
+          </a:effectRef>
+          <a:fontRef idx="minor">
+            <a:schemeClr val="lt1"/>
+          </a:fontRef>
+        </p:style>
+        <p:txBody>
+          <a:bodyPr rtlCol="0" anchor="ctr"/>
+          <a:lstStyle/>
+          <a:p>
+            <a:pPr algn="ctr"/>
+            <a:r>
+              <a:rPr lang="en-US" sz="2800" b="1">
+                <a:solidFill>
+                  <a:schemeClr val="bg1"/>
+                </a:solidFill>
+              </a:rPr>
+              <a:t>Display &amp; Visualize data</a:t>
+            </a:r>
+            <a:endParaRPr lang="en-US" sz="1800" dirty="0"/>
+          </a:p>
+        </p:txBody>
+      </p:sp>
+      <p:sp>
+        <p:nvSpPr>
+          <p:cNvPr id="100" name="TextBox 82">
+            <a:extLst>
+              <a:ext uri="{FF2B5EF4-FFF2-40B4-BE49-F238E27FC236}">
+                <a16:creationId xmlns:a16="http://schemas.microsoft.com/office/drawing/2014/main" id="{4E3CF32A-17CA-465C-ADB5-DEF392595868}"/>
+              </a:ext>
+            </a:extLst>
+          </p:cNvPr>
+          <p:cNvSpPr txBox="1"/>
+          <p:nvPr/>
+        </p:nvSpPr>
+        <p:spPr>
+          <a:xfrm>
+            <a:off x="7850695" y="502120"/>
+            <a:ext cx="3691389" cy="1133259"/>
+          </a:xfrm>
+          <a:prstGeom prst="rect">
+            <a:avLst/>
+          </a:prstGeom>
+          <a:noFill/>
+        </p:spPr>
+        <p:txBody>
+          <a:bodyPr wrap="square" rtlCol="0">
+            <a:spAutoFit/>
+          </a:bodyPr>
+          <a:lstStyle/>
+          <a:p>
+            <a:pPr>
+              <a:lnSpc>
+                <a:spcPts val="1800"/>
+              </a:lnSpc>
+            </a:pPr>
+            <a:r>
+              <a:rPr lang="en-US" sz="1200" b="1">
+                <a:hlinkClick r:id="rId34"/>
+              </a:rPr>
+              <a:t>Visualize Data</a:t>
+            </a:r>
+            <a:r>
+              <a:rPr lang="en-US" sz="1200" b="1"/>
+              <a:t> in plots</a:t>
+            </a:r>
+          </a:p>
+          <a:p>
+            <a:pPr>
+              <a:lnSpc>
+                <a:spcPts val="1600"/>
+              </a:lnSpc>
+            </a:pPr>
+            <a:r>
+              <a:rPr lang="en-US" sz="1200" b="1">
+                <a:latin typeface="Consolas" panose="020B0609020204030204" pitchFamily="49" charset="0"/>
+                <a:hlinkClick r:id="rId35"/>
+              </a:rPr>
+              <a:t>seaborn.pairplot</a:t>
+            </a:r>
+            <a:r>
+              <a:rPr lang="en-US" sz="1200" b="1">
+                <a:latin typeface="Consolas" panose="020B0609020204030204" pitchFamily="49" charset="0"/>
+              </a:rPr>
+              <a:t>(df,</a:t>
+            </a:r>
+            <a:br>
+              <a:rPr lang="en-US" sz="1200" b="1">
+                <a:latin typeface="Consolas" panose="020B0609020204030204" pitchFamily="49" charset="0"/>
+              </a:rPr>
+            </a:br>
+            <a:r>
+              <a:rPr lang="en-US" sz="1200" b="1">
+                <a:latin typeface="Consolas" panose="020B0609020204030204" pitchFamily="49" charset="0"/>
+              </a:rPr>
+              <a:t>  hue=‘</a:t>
+            </a:r>
+            <a:r>
+              <a:rPr lang="en-US" sz="1200" i="1">
+                <a:latin typeface="Consolas" panose="020B0609020204030204" pitchFamily="49" charset="0"/>
+              </a:rPr>
+              <a:t>column_name</a:t>
+            </a:r>
+            <a:r>
+              <a:rPr lang="en-US" sz="1200" b="1">
+                <a:latin typeface="Consolas" panose="020B0609020204030204" pitchFamily="49" charset="0"/>
+              </a:rPr>
+              <a:t>’)</a:t>
+            </a:r>
+          </a:p>
+          <a:p>
+            <a:pPr>
+              <a:lnSpc>
+                <a:spcPts val="1600"/>
+              </a:lnSpc>
+            </a:pPr>
+            <a:r>
+              <a:rPr lang="en-US" sz="1200" b="1"/>
+              <a:t>   </a:t>
+            </a:r>
+            <a:r>
+              <a:rPr lang="en-US" sz="1200"/>
+              <a:t>Matrix of pairwise</a:t>
+            </a:r>
+            <a:br>
+              <a:rPr lang="en-US" sz="1200"/>
+            </a:br>
+            <a:r>
+              <a:rPr lang="en-US" sz="1200"/>
+              <a:t>   relationship (for </a:t>
+            </a:r>
+            <a:r>
+              <a:rPr lang="en-US" sz="1200" u="sng"/>
+              <a:t>classification</a:t>
+            </a:r>
+            <a:r>
+              <a:rPr lang="en-US" sz="1200"/>
+              <a:t>)</a:t>
+            </a:r>
+          </a:p>
+        </p:txBody>
+      </p:sp>
+      <p:sp>
+        <p:nvSpPr>
+          <p:cNvPr id="101" name="TextBox 81">
+            <a:extLst>
+              <a:ext uri="{FF2B5EF4-FFF2-40B4-BE49-F238E27FC236}">
+                <a16:creationId xmlns:a16="http://schemas.microsoft.com/office/drawing/2014/main" id="{807F4C20-E621-41F0-A32F-40A1D89E07FA}"/>
+              </a:ext>
+            </a:extLst>
+          </p:cNvPr>
+          <p:cNvSpPr txBox="1"/>
+          <p:nvPr/>
+        </p:nvSpPr>
+        <p:spPr>
+          <a:xfrm>
+            <a:off x="10640253" y="610673"/>
+            <a:ext cx="2682419" cy="1569660"/>
+          </a:xfrm>
+          <a:prstGeom prst="rect">
+            <a:avLst/>
+          </a:prstGeom>
+          <a:noFill/>
+        </p:spPr>
+        <p:txBody>
+          <a:bodyPr wrap="square" rtlCol="0">
+            <a:spAutoFit/>
+          </a:bodyPr>
+          <a:lstStyle/>
+          <a:p>
+            <a:r>
               <a:rPr lang="en-US" sz="1200" b="1" dirty="0" err="1">
                 <a:latin typeface="Consolas" panose="020B0609020204030204" pitchFamily="49" charset="0"/>
-                <a:hlinkClick r:id="rId25"/>
-              </a:rPr>
-              <a:t>sample</a:t>
+              </a:rPr>
+              <a:t>df.</a:t>
+            </a:r>
+            <a:r>
+              <a:rPr lang="en-US" sz="1200" b="1" dirty="0" err="1">
+                <a:latin typeface="Consolas" panose="020B0609020204030204" pitchFamily="49" charset="0"/>
+                <a:hlinkClick r:id="rId36"/>
+              </a:rPr>
+              <a:t>plot</a:t>
+            </a:r>
+            <a:r>
+              <a:rPr lang="en-US" sz="1200" b="1" dirty="0" err="1">
+                <a:latin typeface="Consolas" panose="020B0609020204030204" pitchFamily="49" charset="0"/>
+              </a:rPr>
+              <a:t>.hist</a:t>
             </a:r>
             <a:r>
               <a:rPr lang="en-US" sz="1200" b="1" dirty="0">
                 <a:latin typeface="Consolas" panose="020B0609020204030204" pitchFamily="49" charset="0"/>
               </a:rPr>
-              <a:t>(</a:t>
-            </a:r>
-            <a:r>
-              <a:rPr lang="en-US" sz="1200" b="1" dirty="0" err="1">
-                <a:latin typeface="Consolas" panose="020B0609020204030204" pitchFamily="49" charset="0"/>
-              </a:rPr>
-              <a:t>frac</a:t>
-            </a:r>
-            <a:r>
-              <a:rPr lang="en-US" sz="1200" b="1" dirty="0">
-                <a:latin typeface="Consolas" panose="020B0609020204030204" pitchFamily="49" charset="0"/>
-              </a:rPr>
-              <a:t>=0.5)</a:t>
-            </a:r>
-          </a:p>
-          <a:p>
-            <a:pPr marL="174625"/>
+              <a:t>()</a:t>
+            </a:r>
+          </a:p>
+          <a:p>
+            <a:pPr marL="111125"/>
             <a:r>
               <a:rPr lang="en-US" sz="1200" dirty="0"/>
-              <a:t>Randomly select fraction of rows. </a:t>
-            </a:r>
-          </a:p>
-          <a:p>
-            <a:r>
-              <a:rPr lang="en-US" sz="1200" b="1" dirty="0" err="1">
+              <a:t>Histogram for </a:t>
+            </a:r>
+            <a:r>
+              <a:rPr lang="en-US" sz="1200"/>
+              <a:t>each column</a:t>
+            </a:r>
+            <a:endParaRPr lang="en-US" sz="1200" dirty="0"/>
+          </a:p>
+          <a:p>
+            <a:r>
+              <a:rPr lang="en-US" sz="1200" b="1">
                 <a:latin typeface="Consolas" panose="020B0609020204030204" pitchFamily="49" charset="0"/>
               </a:rPr>
               <a:t>df.</a:t>
             </a:r>
             <a:r>
-              <a:rPr lang="en-US" sz="1200" b="1" dirty="0" err="1">
-                <a:latin typeface="Consolas" panose="020B0609020204030204" pitchFamily="49" charset="0"/>
-                <a:hlinkClick r:id="rId25"/>
-              </a:rPr>
-              <a:t>sample</a:t>
-            </a:r>
-            <a:r>
-              <a:rPr lang="en-US" sz="1200" b="1" dirty="0">
-                <a:latin typeface="Consolas" panose="020B0609020204030204" pitchFamily="49" charset="0"/>
-              </a:rPr>
-              <a:t>(n=10)</a:t>
-            </a:r>
-          </a:p>
-          <a:p>
-            <a:r>
-              <a:rPr lang="en-US" sz="1200" dirty="0"/>
-              <a:t>     Randomly select n rows.</a:t>
-            </a:r>
-          </a:p>
-          <a:p>
-            <a:r>
-              <a:rPr lang="en-US" sz="1200" b="1" dirty="0" err="1">
+              <a:rPr lang="en-US" sz="1200" b="1">
+                <a:latin typeface="Consolas" panose="020B0609020204030204" pitchFamily="49" charset="0"/>
+                <a:hlinkClick r:id="rId36"/>
+              </a:rPr>
+              <a:t>plot</a:t>
+            </a:r>
+            <a:r>
+              <a:rPr lang="en-US" sz="1200" b="1">
+                <a:latin typeface="Consolas" panose="020B0609020204030204" pitchFamily="49" charset="0"/>
+              </a:rPr>
+              <a:t>.scatter(x='w',y='h')</a:t>
+            </a:r>
+          </a:p>
+          <a:p>
+            <a:pPr marL="111125"/>
+            <a:r>
+              <a:rPr lang="en-US" sz="1200"/>
+              <a:t>Scatter chart using pairs of points</a:t>
+            </a:r>
+          </a:p>
+          <a:p>
+            <a:r>
+              <a:rPr lang="en-US" sz="1200" b="1">
                 <a:latin typeface="Consolas" panose="020B0609020204030204" pitchFamily="49" charset="0"/>
               </a:rPr>
               <a:t>df.</a:t>
             </a:r>
             <a:r>
-              <a:rPr lang="en-US" sz="1200" b="1" dirty="0" err="1">
-                <a:latin typeface="Consolas" panose="020B0609020204030204" pitchFamily="49" charset="0"/>
-                <a:hlinkClick r:id="rId26"/>
-              </a:rPr>
-              <a:t>iloc</a:t>
-            </a:r>
-            <a:r>
-              <a:rPr lang="en-US" sz="1200" b="1" dirty="0">
-                <a:latin typeface="Consolas" panose="020B0609020204030204" pitchFamily="49" charset="0"/>
-              </a:rPr>
-              <a:t>[10:20]</a:t>
-            </a:r>
-          </a:p>
-          <a:p>
-            <a:r>
-              <a:rPr lang="en-US" sz="1200" dirty="0"/>
-              <a:t>     Select rows by position.</a:t>
-            </a:r>
-          </a:p>
-          <a:p>
-            <a:r>
-              <a:rPr lang="en-US" sz="1200" b="1" dirty="0" err="1">
-                <a:latin typeface="Consolas" panose="020B0609020204030204" pitchFamily="49" charset="0"/>
-              </a:rPr>
-              <a:t>df.</a:t>
-            </a:r>
-            <a:r>
-              <a:rPr lang="en-US" sz="1200" b="1" dirty="0" err="1">
-                <a:latin typeface="Consolas" panose="020B0609020204030204" pitchFamily="49" charset="0"/>
-                <a:hlinkClick r:id="rId27"/>
-              </a:rPr>
-              <a:t>nlargest</a:t>
-            </a:r>
-            <a:r>
-              <a:rPr lang="en-US" sz="1200" b="1" dirty="0">
-                <a:latin typeface="Consolas" panose="020B0609020204030204" pitchFamily="49" charset="0"/>
-              </a:rPr>
-              <a:t>(n, 'value')</a:t>
-            </a:r>
-          </a:p>
-          <a:p>
-            <a:r>
-              <a:rPr lang="en-US" sz="1200" dirty="0"/>
-              <a:t>     Select and order top n entries.</a:t>
-            </a:r>
-          </a:p>
-          <a:p>
-            <a:r>
-              <a:rPr lang="en-US" sz="1200" b="1" dirty="0" err="1">
-                <a:latin typeface="Consolas" panose="020B0609020204030204" pitchFamily="49" charset="0"/>
-              </a:rPr>
-              <a:t>df.</a:t>
-            </a:r>
-            <a:r>
-              <a:rPr lang="en-US" sz="1200" b="1" dirty="0" err="1">
-                <a:latin typeface="Consolas" panose="020B0609020204030204" pitchFamily="49" charset="0"/>
-                <a:hlinkClick r:id="rId28"/>
-              </a:rPr>
-              <a:t>nsmallest</a:t>
-            </a:r>
-            <a:r>
-              <a:rPr lang="en-US" sz="1200" b="1" dirty="0">
-                <a:latin typeface="Consolas" panose="020B0609020204030204" pitchFamily="49" charset="0"/>
-              </a:rPr>
-              <a:t>(n, 'value')</a:t>
-            </a:r>
-          </a:p>
-          <a:p>
-            <a:pPr marL="174625"/>
-            <a:r>
-              <a:rPr lang="en-US" sz="1200" dirty="0"/>
-              <a:t>Select and order bottom n entries.</a:t>
+              <a:rPr lang="en-US" sz="1200" b="1">
+                <a:latin typeface="Consolas" panose="020B0609020204030204" pitchFamily="49" charset="0"/>
+                <a:hlinkClick r:id="rId37"/>
+              </a:rPr>
+              <a:t>plotting.scatter_matrix</a:t>
+            </a:r>
+            <a:r>
+              <a:rPr lang="en-US" sz="1200">
+                <a:latin typeface="Consolas" panose="020B0609020204030204" pitchFamily="49" charset="0"/>
+              </a:rPr>
+              <a:t>(…) </a:t>
+            </a:r>
+            <a:br>
+              <a:rPr lang="en-US" sz="1200">
+                <a:latin typeface="Consolas" panose="020B0609020204030204" pitchFamily="49" charset="0"/>
+              </a:rPr>
+            </a:br>
+            <a:r>
+              <a:rPr lang="en-US" sz="1200">
+                <a:latin typeface="Consolas" panose="020B0609020204030204" pitchFamily="49" charset="0"/>
+              </a:rPr>
+              <a:t> </a:t>
+            </a:r>
+            <a:r>
+              <a:rPr lang="en-US" sz="1200"/>
+              <a:t>Matrix of scatter plots and histograms</a:t>
+            </a:r>
+            <a:br>
+              <a:rPr lang="en-US" sz="1200"/>
+            </a:br>
+            <a:r>
+              <a:rPr lang="en-US" sz="1200"/>
+              <a:t>   (for </a:t>
+            </a:r>
+            <a:r>
+              <a:rPr lang="en-US" sz="1200" u="sng"/>
+              <a:t>regression</a:t>
+            </a:r>
+            <a:r>
+              <a:rPr lang="en-US" sz="1200"/>
+              <a:t>)</a:t>
+            </a:r>
+            <a:br>
+              <a:rPr lang="en-US" sz="1200"/>
+            </a:br>
+            <a:endParaRPr lang="en-US" sz="1200"/>
+          </a:p>
+        </p:txBody>
+      </p:sp>
+      <p:pic>
+        <p:nvPicPr>
+          <p:cNvPr id="103" name="Picture 43">
+            <a:extLst>
+              <a:ext uri="{FF2B5EF4-FFF2-40B4-BE49-F238E27FC236}">
+                <a16:creationId xmlns:a16="http://schemas.microsoft.com/office/drawing/2014/main" id="{2807AA6F-59FA-4BB2-AD8B-680643E8ACC3}"/>
+              </a:ext>
+            </a:extLst>
+          </p:cNvPr>
+          <p:cNvPicPr>
+            <a:picLocks noChangeAspect="1"/>
+          </p:cNvPicPr>
+          <p:nvPr/>
+        </p:nvPicPr>
+        <p:blipFill>
+          <a:blip r:embed="rId38"/>
+          <a:stretch>
+            <a:fillRect/>
+          </a:stretch>
+        </p:blipFill>
+        <p:spPr>
+          <a:xfrm>
+            <a:off x="13222237" y="574754"/>
+            <a:ext cx="692025" cy="381260"/>
+          </a:xfrm>
+          <a:prstGeom prst="rect">
+            <a:avLst/>
+          </a:prstGeom>
+        </p:spPr>
+      </p:pic>
+      <p:pic>
+        <p:nvPicPr>
+          <p:cNvPr id="104" name="Picture 44">
+            <a:extLst>
+              <a:ext uri="{FF2B5EF4-FFF2-40B4-BE49-F238E27FC236}">
+                <a16:creationId xmlns:a16="http://schemas.microsoft.com/office/drawing/2014/main" id="{EED5DD87-75D4-436C-9266-B47AFE4F2B5A}"/>
+              </a:ext>
+            </a:extLst>
+          </p:cNvPr>
+          <p:cNvPicPr>
+            <a:picLocks noChangeAspect="1"/>
+          </p:cNvPicPr>
+          <p:nvPr/>
+        </p:nvPicPr>
+        <p:blipFill>
+          <a:blip r:embed="rId39"/>
+          <a:stretch>
+            <a:fillRect/>
+          </a:stretch>
+        </p:blipFill>
+        <p:spPr>
+          <a:xfrm>
+            <a:off x="13206153" y="998696"/>
+            <a:ext cx="724194" cy="439194"/>
+          </a:xfrm>
+          <a:prstGeom prst="rect">
+            <a:avLst/>
+          </a:prstGeom>
+        </p:spPr>
+      </p:pic>
+      <p:pic>
+        <p:nvPicPr>
+          <p:cNvPr id="23" name="Grafik 22">
+            <a:extLst>
+              <a:ext uri="{FF2B5EF4-FFF2-40B4-BE49-F238E27FC236}">
+                <a16:creationId xmlns:a16="http://schemas.microsoft.com/office/drawing/2014/main" id="{10047C35-5C2C-44D2-B5B2-82F6ECA591C4}"/>
+              </a:ext>
+            </a:extLst>
+          </p:cNvPr>
+          <p:cNvPicPr>
+            <a:picLocks noChangeAspect="1"/>
+          </p:cNvPicPr>
+          <p:nvPr/>
+        </p:nvPicPr>
+        <p:blipFill>
+          <a:blip r:embed="rId40"/>
+          <a:stretch>
+            <a:fillRect/>
+          </a:stretch>
+        </p:blipFill>
+        <p:spPr>
+          <a:xfrm>
+            <a:off x="13296681" y="1480772"/>
+            <a:ext cx="591453" cy="488967"/>
+          </a:xfrm>
+          <a:prstGeom prst="rect">
+            <a:avLst/>
+          </a:prstGeom>
+        </p:spPr>
+      </p:pic>
+      <p:pic>
+        <p:nvPicPr>
+          <p:cNvPr id="25" name="Grafik 24">
+            <a:extLst>
+              <a:ext uri="{FF2B5EF4-FFF2-40B4-BE49-F238E27FC236}">
+                <a16:creationId xmlns:a16="http://schemas.microsoft.com/office/drawing/2014/main" id="{753472AA-C8D7-40FD-870A-97175B0227F7}"/>
+              </a:ext>
+            </a:extLst>
+          </p:cNvPr>
+          <p:cNvPicPr>
+            <a:picLocks noChangeAspect="1"/>
+          </p:cNvPicPr>
+          <p:nvPr/>
+        </p:nvPicPr>
+        <p:blipFill>
+          <a:blip r:embed="rId41"/>
+          <a:stretch>
+            <a:fillRect/>
+          </a:stretch>
+        </p:blipFill>
+        <p:spPr>
+          <a:xfrm>
+            <a:off x="9961418" y="983783"/>
+            <a:ext cx="630692" cy="577128"/>
+          </a:xfrm>
+          <a:prstGeom prst="rect">
+            <a:avLst/>
+          </a:prstGeom>
+        </p:spPr>
+      </p:pic>
+      <p:sp>
+        <p:nvSpPr>
+          <p:cNvPr id="107" name="TextBox 19">
+            <a:extLst>
+              <a:ext uri="{FF2B5EF4-FFF2-40B4-BE49-F238E27FC236}">
+                <a16:creationId xmlns:a16="http://schemas.microsoft.com/office/drawing/2014/main" id="{9EA6DCA8-69F0-4D50-9EAB-14B887527A9B}"/>
+              </a:ext>
+            </a:extLst>
+          </p:cNvPr>
+          <p:cNvSpPr txBox="1"/>
+          <p:nvPr/>
+        </p:nvSpPr>
+        <p:spPr>
+          <a:xfrm>
+            <a:off x="4465319" y="10618708"/>
+            <a:ext cx="11178899" cy="215444"/>
+          </a:xfrm>
+          <a:prstGeom prst="rect">
+            <a:avLst/>
+          </a:prstGeom>
+          <a:noFill/>
+        </p:spPr>
+        <p:txBody>
+          <a:bodyPr wrap="square" rtlCol="0">
+            <a:spAutoFit/>
+          </a:bodyPr>
+          <a:lstStyle/>
+          <a:p>
+            <a:r>
+              <a:rPr lang="en-US" sz="800"/>
+              <a:t>Cheatsheet for pandas (</a:t>
+            </a:r>
+            <a:r>
+              <a:rPr lang="en-US" sz="800">
+                <a:hlinkClick r:id="rId42"/>
+              </a:rPr>
+              <a:t>http</a:t>
+            </a:r>
+            <a:r>
+              <a:rPr lang="en-US" sz="800" dirty="0">
+                <a:hlinkClick r:id="rId42"/>
+              </a:rPr>
+              <a:t>://pandas.pydata.org</a:t>
+            </a:r>
+            <a:r>
+              <a:rPr lang="en-US" sz="800">
+                <a:hlinkClick r:id="rId42"/>
+              </a:rPr>
+              <a:t>/</a:t>
+            </a:r>
+            <a:r>
+              <a:rPr lang="en-US" sz="800"/>
+              <a:t> ) based on the </a:t>
+            </a:r>
+            <a:r>
+              <a:rPr lang="en-US" sz="800">
+                <a:hlinkClick r:id="rId43"/>
+              </a:rPr>
+              <a:t>official cheatsheet</a:t>
+            </a:r>
+            <a:r>
+              <a:rPr lang="en-US" sz="800"/>
+              <a:t> which itself was inspired </a:t>
+            </a:r>
+            <a:r>
+              <a:rPr lang="en-US" sz="800" dirty="0"/>
+              <a:t>by </a:t>
+            </a:r>
+            <a:r>
+              <a:rPr lang="en-US" sz="800" dirty="0" err="1">
+                <a:hlinkClick r:id="rId44"/>
+              </a:rPr>
+              <a:t>Rstudio</a:t>
+            </a:r>
+            <a:r>
+              <a:rPr lang="en-US" sz="800" dirty="0">
+                <a:hlinkClick r:id="rId44"/>
+              </a:rPr>
+              <a:t> Data Wrangling </a:t>
+            </a:r>
+            <a:r>
+              <a:rPr lang="en-US" sz="800" err="1">
+                <a:hlinkClick r:id="rId44"/>
+              </a:rPr>
+              <a:t>Cheatsheet</a:t>
+            </a:r>
+            <a:r>
+              <a:rPr lang="en-US" sz="800">
+                <a:hlinkClick r:id="rId44"/>
+              </a:rPr>
+              <a:t> </a:t>
+            </a:r>
+            <a:r>
+              <a:rPr lang="en-US" sz="800"/>
+              <a:t>Written </a:t>
+            </a:r>
+            <a:r>
+              <a:rPr lang="en-US" sz="800" dirty="0"/>
+              <a:t>by Irv Lustig, </a:t>
+            </a:r>
+            <a:r>
+              <a:rPr lang="en-US" sz="800">
+                <a:hlinkClick r:id="rId45"/>
+              </a:rPr>
+              <a:t>Princeton Consultants</a:t>
+            </a:r>
+            <a:r>
+              <a:rPr lang="en-US" sz="800"/>
+              <a:t>. Source: </a:t>
+            </a:r>
+            <a:r>
+              <a:rPr lang="en-US" sz="800">
+                <a:hlinkClick r:id="rId46"/>
+              </a:rPr>
+              <a:t>https://github.com/OliEfr</a:t>
+            </a:r>
+            <a:endParaRPr lang="en-US" sz="800" dirty="0"/>
+          </a:p>
+        </p:txBody>
+      </p:sp>
+      <p:sp>
+        <p:nvSpPr>
+          <p:cNvPr id="55" name="TextBox 82">
+            <a:extLst>
+              <a:ext uri="{FF2B5EF4-FFF2-40B4-BE49-F238E27FC236}">
+                <a16:creationId xmlns:a16="http://schemas.microsoft.com/office/drawing/2014/main" id="{F6F73857-B4A6-40B1-93F3-56B3DAC114AE}"/>
+              </a:ext>
+            </a:extLst>
+          </p:cNvPr>
+          <p:cNvSpPr txBox="1"/>
+          <p:nvPr/>
+        </p:nvSpPr>
+        <p:spPr>
+          <a:xfrm>
+            <a:off x="1879615" y="631408"/>
+            <a:ext cx="1847753" cy="767774"/>
+          </a:xfrm>
+          <a:prstGeom prst="rect">
+            <a:avLst/>
+          </a:prstGeom>
+          <a:noFill/>
+        </p:spPr>
+        <p:txBody>
+          <a:bodyPr wrap="square" rtlCol="0">
+            <a:spAutoFit/>
+          </a:bodyPr>
+          <a:lstStyle/>
+          <a:p>
+            <a:pPr>
+              <a:lnSpc>
+                <a:spcPts val="1800"/>
+              </a:lnSpc>
+            </a:pPr>
+            <a:r>
+              <a:rPr lang="de-DE" sz="1200" b="1"/>
+              <a:t>Seaborn </a:t>
+            </a:r>
+            <a:r>
+              <a:rPr lang="de-DE" sz="1200" b="1">
+                <a:hlinkClick r:id="rId47"/>
+              </a:rPr>
+              <a:t>API Reference</a:t>
+            </a:r>
+          </a:p>
+          <a:p>
+            <a:pPr>
+              <a:lnSpc>
+                <a:spcPts val="1800"/>
+              </a:lnSpc>
+            </a:pPr>
+            <a:r>
+              <a:rPr lang="de-DE" sz="1200" b="1"/>
+              <a:t>Matplotlib </a:t>
+            </a:r>
+            <a:r>
+              <a:rPr lang="de-DE" sz="1200" b="1">
+                <a:hlinkClick r:id="rId48"/>
+              </a:rPr>
+              <a:t>API Reference </a:t>
+            </a:r>
+            <a:r>
+              <a:rPr lang="de-DE" sz="1200" b="1"/>
+              <a:t>	</a:t>
             </a:r>
           </a:p>
         </p:txBody>
@@ -16875,7 +14313,7 @@
         </p:nvSpPr>
         <p:spPr>
           <a:xfrm>
-            <a:off x="133439" y="6283065"/>
+            <a:off x="145643" y="6535971"/>
             <a:ext cx="8958782" cy="2557781"/>
           </a:xfrm>
           <a:prstGeom prst="roundRect">
@@ -17141,7 +14579,7 @@
         <p:spPr>
           <a:xfrm>
             <a:off x="145643" y="653638"/>
-            <a:ext cx="4377986" cy="1569660"/>
+            <a:ext cx="4377986" cy="1938992"/>
           </a:xfrm>
           <a:prstGeom prst="rect">
             <a:avLst/>
@@ -17289,12 +14727,37 @@
               <a:t>Basic descriptive statistics for each column (or </a:t>
             </a:r>
             <a:r>
-              <a:rPr lang="en-US" sz="1200" dirty="0" err="1"/>
+              <a:rPr lang="en-US" sz="1200" err="1"/>
               <a:t>GroupBy</a:t>
             </a:r>
             <a:r>
-              <a:rPr lang="en-US" sz="1200" dirty="0"/>
+              <a:rPr lang="en-US" sz="1200"/>
               <a:t>)</a:t>
+            </a:r>
+          </a:p>
+          <a:p>
+            <a:r>
+              <a:rPr lang="en-US" sz="1200" b="1">
+                <a:latin typeface="Consolas" panose="020B0609020204030204" pitchFamily="49" charset="0"/>
+              </a:rPr>
+              <a:t>df.</a:t>
+            </a:r>
+            <a:r>
+              <a:rPr lang="en-US" sz="1200" b="1">
+                <a:latin typeface="Consolas" panose="020B0609020204030204" pitchFamily="49" charset="0"/>
+                <a:hlinkClick r:id="rId7"/>
+              </a:rPr>
+              <a:t>shape</a:t>
+            </a:r>
+            <a:endParaRPr lang="en-US" sz="1200" b="1">
+              <a:latin typeface="Consolas" panose="020B0609020204030204" pitchFamily="49" charset="0"/>
+            </a:endParaRPr>
+          </a:p>
+          <a:p>
+            <a:pPr marL="177800"/>
+            <a:r>
+              <a:rPr lang="en-US" sz="1200"/>
+              <a:t>Length and width of dataset</a:t>
             </a:r>
           </a:p>
         </p:txBody>
@@ -17308,13 +14771,13 @@
           <p:nvPr>
             <p:extLst>
               <p:ext uri="{D42A27DB-BD31-4B8C-83A1-F6EECF244321}">
-                <p14:modId xmlns:p14="http://schemas.microsoft.com/office/powerpoint/2010/main" val="3061427323"/>
+                <p14:modId xmlns:p14="http://schemas.microsoft.com/office/powerpoint/2010/main" val="902710877"/>
               </p:ext>
             </p:extLst>
           </p:nvPr>
         </p:nvGraphicFramePr>
         <p:xfrm>
-          <a:off x="838982" y="2203927"/>
+          <a:off x="838910" y="2535985"/>
           <a:ext cx="1097280" cy="548640"/>
         </p:xfrm>
         <a:graphic>
@@ -17647,13 +15110,13 @@
           <p:nvPr>
             <p:extLst>
               <p:ext uri="{D42A27DB-BD31-4B8C-83A1-F6EECF244321}">
-                <p14:modId xmlns:p14="http://schemas.microsoft.com/office/powerpoint/2010/main" val="402313181"/>
+                <p14:modId xmlns:p14="http://schemas.microsoft.com/office/powerpoint/2010/main" val="3131633281"/>
               </p:ext>
             </p:extLst>
           </p:nvPr>
         </p:nvGraphicFramePr>
         <p:xfrm>
-          <a:off x="2616518" y="2203927"/>
+          <a:off x="2616518" y="2515922"/>
           <a:ext cx="548640" cy="548640"/>
         </p:xfrm>
         <a:graphic>
@@ -17841,7 +15304,7 @@
         </p:nvCxnSpPr>
         <p:spPr>
           <a:xfrm>
-            <a:off x="2094814" y="2476769"/>
+            <a:off x="2094814" y="2743469"/>
             <a:ext cx="363152" cy="0"/>
           </a:xfrm>
           <a:prstGeom prst="straightConnector1">
@@ -17877,7 +15340,7 @@
         </p:nvSpPr>
         <p:spPr>
           <a:xfrm>
-            <a:off x="131415" y="2775663"/>
+            <a:off x="131415" y="3042363"/>
             <a:ext cx="4377986" cy="1015663"/>
           </a:xfrm>
           <a:prstGeom prst="rect">
@@ -17896,7 +15359,9 @@
               <a:t>pandas provides a large set of </a:t>
             </a:r>
             <a:r>
-              <a:rPr lang="en-US" sz="1200" b="1" dirty="0"/>
+              <a:rPr lang="en-US" sz="1200" b="1" dirty="0">
+                <a:hlinkClick r:id="rId2"/>
+              </a:rPr>
               <a:t>summary functions</a:t>
             </a:r>
             <a:r>
@@ -17917,15 +15382,15 @@
             </a:r>
             <a:r>
               <a:rPr lang="en-US" sz="1200" dirty="0"/>
-              <a:t>, Expanding and Rolling (see below)) and produce single values for each of the groups. When applied to a </a:t>
-            </a:r>
-            <a:r>
-              <a:rPr lang="en-US" sz="1200" dirty="0" err="1"/>
-              <a:t>DataFrame</a:t>
+              <a:t>, Expanding and Rolling (see below)) and produce single values for each of the groups</a:t>
+            </a:r>
+            <a:r>
+              <a:rPr lang="en-US" sz="1200"/>
+              <a:t>. When applied to a DataFrame, the result is </a:t>
             </a:r>
             <a:r>
               <a:rPr lang="en-US" sz="1200" dirty="0"/>
-              <a:t>, the result is returned as a pandas Series for each column. Examples:</a:t>
+              <a:t>returned as a pandas Series for each column. Examples:</a:t>
             </a:r>
           </a:p>
         </p:txBody>
@@ -17938,7 +15403,7 @@
         </p:nvSpPr>
         <p:spPr>
           <a:xfrm>
-            <a:off x="131415" y="3767181"/>
+            <a:off x="131415" y="4033881"/>
             <a:ext cx="2326551" cy="2123658"/>
           </a:xfrm>
           <a:prstGeom prst="rect">
@@ -17955,7 +15420,7 @@
             <a:r>
               <a:rPr lang="en-US" sz="1200" b="1" dirty="0">
                 <a:latin typeface="Consolas" panose="020B0609020204030204" pitchFamily="49" charset="0"/>
-                <a:hlinkClick r:id="rId7"/>
+                <a:hlinkClick r:id="rId8"/>
               </a:rPr>
               <a:t>sum</a:t>
             </a:r>
@@ -17977,7 +15442,7 @@
             <a:r>
               <a:rPr lang="en-US" sz="1200" b="1" dirty="0">
                 <a:latin typeface="Consolas" panose="020B0609020204030204" pitchFamily="49" charset="0"/>
-                <a:hlinkClick r:id="rId8"/>
+                <a:hlinkClick r:id="rId9"/>
               </a:rPr>
               <a:t>count</a:t>
             </a:r>
@@ -17999,7 +15464,7 @@
             <a:r>
               <a:rPr lang="en-US" sz="1200" b="1" dirty="0">
                 <a:latin typeface="Consolas" panose="020B0609020204030204" pitchFamily="49" charset="0"/>
-                <a:hlinkClick r:id="rId9"/>
+                <a:hlinkClick r:id="rId10"/>
               </a:rPr>
               <a:t>median</a:t>
             </a:r>
@@ -18021,7 +15486,7 @@
             <a:r>
               <a:rPr lang="en-US" sz="1200" b="1" dirty="0">
                 <a:latin typeface="Consolas" panose="020B0609020204030204" pitchFamily="49" charset="0"/>
-                <a:hlinkClick r:id="rId10"/>
+                <a:hlinkClick r:id="rId11"/>
               </a:rPr>
               <a:t>quantile</a:t>
             </a:r>
@@ -18043,7 +15508,7 @@
             <a:r>
               <a:rPr lang="en-US" sz="1200" b="1" dirty="0">
                 <a:latin typeface="Consolas" panose="020B0609020204030204" pitchFamily="49" charset="0"/>
-                <a:hlinkClick r:id="rId11"/>
+                <a:hlinkClick r:id="rId12"/>
               </a:rPr>
               <a:t>apply</a:t>
             </a:r>
@@ -18054,7 +15519,7 @@
               <a:t>(</a:t>
             </a:r>
             <a:r>
-              <a:rPr lang="en-US" sz="1200" b="1" i="1" dirty="0">
+              <a:rPr lang="en-US" sz="1200" i="1" dirty="0">
                 <a:latin typeface="Consolas" panose="020B0609020204030204" pitchFamily="49" charset="0"/>
               </a:rPr>
               <a:t>function</a:t>
@@ -18083,7 +15548,7 @@
         </p:nvSpPr>
         <p:spPr>
           <a:xfrm>
-            <a:off x="2276390" y="3767181"/>
+            <a:off x="2276390" y="4033881"/>
             <a:ext cx="2299706" cy="2123658"/>
           </a:xfrm>
           <a:prstGeom prst="rect">
@@ -18100,7 +15565,7 @@
             <a:r>
               <a:rPr lang="en-US" sz="1200" b="1" dirty="0">
                 <a:latin typeface="Consolas" panose="020B0609020204030204" pitchFamily="49" charset="0"/>
-                <a:hlinkClick r:id="rId12"/>
+                <a:hlinkClick r:id="rId13"/>
               </a:rPr>
               <a:t>min</a:t>
             </a:r>
@@ -18122,7 +15587,7 @@
             <a:r>
               <a:rPr lang="en-US" sz="1200" b="1" dirty="0">
                 <a:latin typeface="Consolas" panose="020B0609020204030204" pitchFamily="49" charset="0"/>
-                <a:hlinkClick r:id="rId13"/>
+                <a:hlinkClick r:id="rId14"/>
               </a:rPr>
               <a:t>max</a:t>
             </a:r>
@@ -18144,7 +15609,7 @@
             <a:r>
               <a:rPr lang="en-US" sz="1200" b="1" dirty="0">
                 <a:latin typeface="Consolas" panose="020B0609020204030204" pitchFamily="49" charset="0"/>
-                <a:hlinkClick r:id="rId14"/>
+                <a:hlinkClick r:id="rId15"/>
               </a:rPr>
               <a:t>mean</a:t>
             </a:r>
@@ -18166,7 +15631,7 @@
             <a:r>
               <a:rPr lang="en-US" sz="1200" b="1" dirty="0" err="1">
                 <a:latin typeface="Consolas" panose="020B0609020204030204" pitchFamily="49" charset="0"/>
-                <a:hlinkClick r:id="rId15"/>
+                <a:hlinkClick r:id="rId16"/>
               </a:rPr>
               <a:t>var</a:t>
             </a:r>
@@ -18188,7 +15653,7 @@
             <a:r>
               <a:rPr lang="en-US" sz="1200" b="1" dirty="0" err="1">
                 <a:latin typeface="Consolas" panose="020B0609020204030204" pitchFamily="49" charset="0"/>
-                <a:hlinkClick r:id="rId16"/>
+                <a:hlinkClick r:id="rId17"/>
               </a:rPr>
               <a:t>std</a:t>
             </a:r>
@@ -19198,7 +16663,7 @@
             <a:r>
               <a:rPr lang="en-US" sz="1200" b="1" dirty="0" err="1">
                 <a:latin typeface="Consolas" panose="020B0609020204030204" pitchFamily="49" charset="0"/>
-                <a:hlinkClick r:id="rId17"/>
+                <a:hlinkClick r:id="rId18"/>
               </a:rPr>
               <a:t>assign</a:t>
             </a:r>
@@ -19317,7 +16782,7 @@
             <a:r>
               <a:rPr lang="en-US" sz="1200" b="1" dirty="0" err="1">
                 <a:latin typeface="Consolas" panose="020B0609020204030204" pitchFamily="49" charset="0"/>
-                <a:hlinkClick r:id="rId18"/>
+                <a:hlinkClick r:id="rId19"/>
               </a:rPr>
               <a:t>qcut</a:t>
             </a:r>
@@ -20660,7 +18125,7 @@
         </p:nvSpPr>
         <p:spPr>
           <a:xfrm>
-            <a:off x="4675804" y="6918463"/>
+            <a:off x="4675804" y="7166113"/>
             <a:ext cx="2682419" cy="1938992"/>
           </a:xfrm>
           <a:prstGeom prst="rect">
@@ -20677,7 +18142,7 @@
             <a:r>
               <a:rPr lang="en-US" sz="1200" b="1" dirty="0">
                 <a:latin typeface="Consolas" panose="020B0609020204030204" pitchFamily="49" charset="0"/>
-                <a:hlinkClick r:id="rId19"/>
+                <a:hlinkClick r:id="rId20"/>
               </a:rPr>
               <a:t>shift</a:t>
             </a:r>
@@ -20699,7 +18164,7 @@
             <a:r>
               <a:rPr lang="en-US" sz="1200" b="1" dirty="0">
                 <a:latin typeface="Consolas" panose="020B0609020204030204" pitchFamily="49" charset="0"/>
-                <a:hlinkClick r:id="rId20"/>
+                <a:hlinkClick r:id="rId21"/>
               </a:rPr>
               <a:t>rank</a:t>
             </a:r>
@@ -20721,7 +18186,7 @@
             <a:r>
               <a:rPr lang="en-US" sz="1200" b="1" dirty="0">
                 <a:latin typeface="Consolas" panose="020B0609020204030204" pitchFamily="49" charset="0"/>
-                <a:hlinkClick r:id="rId20"/>
+                <a:hlinkClick r:id="rId21"/>
               </a:rPr>
               <a:t>rank</a:t>
             </a:r>
@@ -20743,7 +18208,7 @@
             <a:r>
               <a:rPr lang="en-US" sz="1200" b="1" dirty="0">
                 <a:latin typeface="Consolas" panose="020B0609020204030204" pitchFamily="49" charset="0"/>
-                <a:hlinkClick r:id="rId20"/>
+                <a:hlinkClick r:id="rId21"/>
               </a:rPr>
               <a:t>rank</a:t>
             </a:r>
@@ -20777,7 +18242,7 @@
             <a:r>
               <a:rPr lang="en-US" sz="1200" b="1" dirty="0">
                 <a:latin typeface="Consolas" panose="020B0609020204030204" pitchFamily="49" charset="0"/>
-                <a:hlinkClick r:id="rId20"/>
+                <a:hlinkClick r:id="rId21"/>
               </a:rPr>
               <a:t>rank</a:t>
             </a:r>
@@ -20805,7 +18270,7 @@
         </p:nvSpPr>
         <p:spPr>
           <a:xfrm>
-            <a:off x="6969477" y="6918463"/>
+            <a:off x="6969477" y="7185163"/>
             <a:ext cx="2162068" cy="1938992"/>
           </a:xfrm>
           <a:prstGeom prst="rect">
@@ -20822,7 +18287,7 @@
             <a:r>
               <a:rPr lang="en-US" sz="1200" b="1" dirty="0">
                 <a:latin typeface="Consolas" panose="020B0609020204030204" pitchFamily="49" charset="0"/>
-                <a:hlinkClick r:id="rId19"/>
+                <a:hlinkClick r:id="rId20"/>
               </a:rPr>
               <a:t>shift</a:t>
             </a:r>
@@ -20847,7 +18312,7 @@
             <a:r>
               <a:rPr lang="en-US" sz="1200" b="1" dirty="0" err="1">
                 <a:latin typeface="Consolas" panose="020B0609020204030204" pitchFamily="49" charset="0"/>
-                <a:hlinkClick r:id="rId21"/>
+                <a:hlinkClick r:id="rId22"/>
               </a:rPr>
               <a:t>cumsum</a:t>
             </a:r>
@@ -20869,7 +18334,7 @@
             <a:r>
               <a:rPr lang="en-US" sz="1200" b="1" dirty="0" err="1">
                 <a:latin typeface="Consolas" panose="020B0609020204030204" pitchFamily="49" charset="0"/>
-                <a:hlinkClick r:id="rId22"/>
+                <a:hlinkClick r:id="rId23"/>
               </a:rPr>
               <a:t>cummax</a:t>
             </a:r>
@@ -20891,7 +18356,7 @@
             <a:r>
               <a:rPr lang="en-US" sz="1200" b="1" dirty="0" err="1">
                 <a:latin typeface="Consolas" panose="020B0609020204030204" pitchFamily="49" charset="0"/>
-                <a:hlinkClick r:id="rId23"/>
+                <a:hlinkClick r:id="rId24"/>
               </a:rPr>
               <a:t>cummin</a:t>
             </a:r>
@@ -20913,7 +18378,7 @@
             <a:r>
               <a:rPr lang="en-US" sz="1200" b="1" dirty="0" err="1">
                 <a:latin typeface="Consolas" panose="020B0609020204030204" pitchFamily="49" charset="0"/>
-                <a:hlinkClick r:id="rId24"/>
+                <a:hlinkClick r:id="rId25"/>
               </a:rPr>
               <a:t>cumprod</a:t>
             </a:r>
@@ -22977,7 +20442,7 @@
             <a:r>
               <a:rPr lang="en-US" sz="1200" b="1" dirty="0" err="1">
                 <a:latin typeface="Consolas" panose="020B0609020204030204" pitchFamily="49" charset="0"/>
-                <a:hlinkClick r:id="rId25"/>
+                <a:hlinkClick r:id="rId26"/>
               </a:rPr>
               <a:t>merge</a:t>
             </a:r>
@@ -23063,7 +20528,7 @@
             <a:r>
               <a:rPr lang="en-US" sz="1200" b="1" dirty="0" err="1">
                 <a:latin typeface="Consolas" panose="020B0609020204030204" pitchFamily="49" charset="0"/>
-                <a:hlinkClick r:id="rId25"/>
+                <a:hlinkClick r:id="rId26"/>
               </a:rPr>
               <a:t>merge</a:t>
             </a:r>
@@ -23145,7 +20610,7 @@
             <a:r>
               <a:rPr lang="en-US" sz="1200" b="1" dirty="0" err="1">
                 <a:latin typeface="Consolas" panose="020B0609020204030204" pitchFamily="49" charset="0"/>
-                <a:hlinkClick r:id="rId25"/>
+                <a:hlinkClick r:id="rId26"/>
               </a:rPr>
               <a:t>merge</a:t>
             </a:r>
@@ -23208,7 +20673,7 @@
             <a:r>
               <a:rPr lang="en-US" sz="1200" b="1" dirty="0" err="1">
                 <a:latin typeface="Consolas" panose="020B0609020204030204" pitchFamily="49" charset="0"/>
-                <a:hlinkClick r:id="rId25"/>
+                <a:hlinkClick r:id="rId26"/>
               </a:rPr>
               <a:t>merge</a:t>
             </a:r>
@@ -23687,7 +21152,7 @@
             <a:r>
               <a:rPr lang="en-US" sz="1200" b="1" dirty="0">
                 <a:latin typeface="Consolas" panose="020B0609020204030204" pitchFamily="49" charset="0"/>
-                <a:hlinkClick r:id="rId26"/>
+                <a:hlinkClick r:id="rId27"/>
               </a:rPr>
               <a:t>isin</a:t>
             </a:r>
@@ -23747,7 +21212,7 @@
             <a:r>
               <a:rPr lang="en-US" sz="1200" b="1" dirty="0">
                 <a:latin typeface="Consolas" panose="020B0609020204030204" pitchFamily="49" charset="0"/>
-                <a:hlinkClick r:id="rId26"/>
+                <a:hlinkClick r:id="rId27"/>
               </a:rPr>
               <a:t>isin</a:t>
             </a:r>
@@ -25182,7 +22647,7 @@
             <a:r>
               <a:rPr lang="en-US" sz="1200" b="1" dirty="0" err="1">
                 <a:latin typeface="Consolas" panose="020B0609020204030204" pitchFamily="49" charset="0"/>
-                <a:hlinkClick r:id="rId25"/>
+                <a:hlinkClick r:id="rId26"/>
               </a:rPr>
               <a:t>merge</a:t>
             </a:r>
@@ -25258,7 +22723,7 @@
             <a:r>
               <a:rPr lang="en-US" sz="1200" b="1" dirty="0" err="1">
                 <a:latin typeface="Consolas" panose="020B0609020204030204" pitchFamily="49" charset="0"/>
-                <a:hlinkClick r:id="rId25"/>
+                <a:hlinkClick r:id="rId26"/>
               </a:rPr>
               <a:t>merge</a:t>
             </a:r>
@@ -25333,7 +22798,7 @@
             <a:r>
               <a:rPr lang="en-US" sz="1200" b="1" dirty="0" err="1">
                 <a:latin typeface="Consolas" panose="020B0609020204030204" pitchFamily="49" charset="0"/>
-                <a:hlinkClick r:id="rId25"/>
+                <a:hlinkClick r:id="rId26"/>
               </a:rPr>
               <a:t>merge</a:t>
             </a:r>
@@ -25386,7 +22851,7 @@
             <a:r>
               <a:rPr lang="en-US" sz="1200" b="1" dirty="0">
                 <a:latin typeface="Consolas" panose="020B0609020204030204" pitchFamily="49" charset="0"/>
-                <a:hlinkClick r:id="rId27"/>
+                <a:hlinkClick r:id="rId28"/>
               </a:rPr>
               <a:t>query</a:t>
             </a:r>
@@ -25419,7 +22884,7 @@
             <a:r>
               <a:rPr lang="en-US" sz="1200" b="1" dirty="0">
                 <a:latin typeface="Consolas" panose="020B0609020204030204" pitchFamily="49" charset="0"/>
-                <a:hlinkClick r:id="rId28"/>
+                <a:hlinkClick r:id="rId29"/>
               </a:rPr>
               <a:t>drop</a:t>
             </a:r>
@@ -25471,7 +22936,7 @@
         </p:nvSpPr>
         <p:spPr>
           <a:xfrm>
-            <a:off x="134509" y="5845978"/>
+            <a:off x="134509" y="6112678"/>
             <a:ext cx="4389120" cy="423293"/>
           </a:xfrm>
           <a:prstGeom prst="roundRect">
@@ -25504,7 +22969,7 @@
                 <a:solidFill>
                   <a:schemeClr val="bg1"/>
                 </a:solidFill>
-                <a:hlinkClick r:id="rId29">
+                <a:hlinkClick r:id="rId30">
                   <a:extLst>
                     <a:ext uri="{A12FA001-AC4F-418D-AE19-62706E023703}">
                       <ahyp:hlinkClr xmlns:ahyp="http://schemas.microsoft.com/office/drawing/2018/hyperlinkcolor" val="tx"/>
@@ -25531,13 +22996,13 @@
           <p:nvPr>
             <p:extLst>
               <p:ext uri="{D42A27DB-BD31-4B8C-83A1-F6EECF244321}">
-                <p14:modId xmlns:p14="http://schemas.microsoft.com/office/powerpoint/2010/main" val="1864459397"/>
+                <p14:modId xmlns:p14="http://schemas.microsoft.com/office/powerpoint/2010/main" val="2048385024"/>
               </p:ext>
             </p:extLst>
           </p:nvPr>
         </p:nvGraphicFramePr>
         <p:xfrm>
-          <a:off x="181877" y="6378094"/>
+          <a:off x="181877" y="6644794"/>
           <a:ext cx="719619" cy="1371600"/>
         </p:xfrm>
         <a:graphic>
@@ -26093,7 +23558,7 @@
         </p:nvCxnSpPr>
         <p:spPr>
           <a:xfrm>
-            <a:off x="992418" y="7031521"/>
+            <a:off x="992418" y="7298221"/>
             <a:ext cx="363152" cy="0"/>
           </a:xfrm>
           <a:prstGeom prst="straightConnector1">
@@ -26130,13 +23595,13 @@
           <p:nvPr>
             <p:extLst>
               <p:ext uri="{D42A27DB-BD31-4B8C-83A1-F6EECF244321}">
-                <p14:modId xmlns:p14="http://schemas.microsoft.com/office/powerpoint/2010/main" val="2163641990"/>
+                <p14:modId xmlns:p14="http://schemas.microsoft.com/office/powerpoint/2010/main" val="2681780817"/>
               </p:ext>
             </p:extLst>
           </p:nvPr>
         </p:nvGraphicFramePr>
         <p:xfrm>
-          <a:off x="1457303" y="6721641"/>
+          <a:off x="1457303" y="6988341"/>
           <a:ext cx="719619" cy="548640"/>
         </p:xfrm>
         <a:graphic>
@@ -26386,8 +23851,8 @@
         </p:nvSpPr>
         <p:spPr>
           <a:xfrm>
-            <a:off x="2244754" y="6301894"/>
-            <a:ext cx="2218743" cy="1754326"/>
+            <a:off x="2244755" y="6568594"/>
+            <a:ext cx="2479226" cy="1754326"/>
           </a:xfrm>
           <a:prstGeom prst="rect">
             <a:avLst/>
@@ -26409,7 +23874,7 @@
             <a:r>
               <a:rPr lang="en-US" sz="1200" b="1" dirty="0" err="1">
                 <a:latin typeface="Consolas" panose="020B0609020204030204" pitchFamily="49" charset="0"/>
-                <a:hlinkClick r:id="rId30"/>
+                <a:hlinkClick r:id="rId31"/>
               </a:rPr>
               <a:t>groupby</a:t>
             </a:r>
@@ -26417,8 +23882,23 @@
               <a:rPr lang="en-US" sz="1200" b="1" dirty="0">
                 <a:latin typeface="Consolas" panose="020B0609020204030204" pitchFamily="49" charset="0"/>
               </a:rPr>
-              <a:t>(by="col")</a:t>
-            </a:r>
+              <a:t>(</a:t>
+            </a:r>
+            <a:r>
+              <a:rPr lang="en-US" sz="1200" b="1">
+                <a:latin typeface="Consolas" panose="020B0609020204030204" pitchFamily="49" charset="0"/>
+              </a:rPr>
+              <a:t>by="col“)</a:t>
+            </a:r>
+            <a:r>
+              <a:rPr lang="en-US" sz="1200" i="1">
+                <a:latin typeface="Consolas" panose="020B0609020204030204" pitchFamily="49" charset="0"/>
+              </a:rPr>
+              <a:t>.max()</a:t>
+            </a:r>
+            <a:endParaRPr lang="en-US" sz="1200" i="1" dirty="0">
+              <a:latin typeface="Consolas" panose="020B0609020204030204" pitchFamily="49" charset="0"/>
+            </a:endParaRPr>
           </a:p>
           <a:p>
             <a:pPr marL="111125"/>
@@ -26432,10 +23912,12 @@
             </a:r>
             <a:r>
               <a:rPr lang="en-US" sz="1200" dirty="0"/>
-              <a:t> object, grouped by values in column named "col".</a:t>
-            </a:r>
-          </a:p>
-          <a:p>
+              <a:t> object, grouped by values in column named "</a:t>
+            </a:r>
+            <a:r>
+              <a:rPr lang="en-US" sz="1200"/>
+              <a:t>col".</a:t>
+            </a:r>
             <a:endParaRPr lang="en-US" sz="1200" b="1" dirty="0">
               <a:latin typeface="Consolas" panose="020B0609020204030204" pitchFamily="49" charset="0"/>
             </a:endParaRPr>
@@ -26450,7 +23932,7 @@
             <a:r>
               <a:rPr lang="en-US" sz="1200" b="1" dirty="0" err="1">
                 <a:latin typeface="Consolas" panose="020B0609020204030204" pitchFamily="49" charset="0"/>
-                <a:hlinkClick r:id="rId30"/>
+                <a:hlinkClick r:id="rId31"/>
               </a:rPr>
               <a:t>groupby</a:t>
             </a:r>
@@ -26461,17 +23943,37 @@
               <a:t>(level="</a:t>
             </a:r>
             <a:r>
-              <a:rPr lang="en-US" sz="1200" b="1" dirty="0" err="1">
+              <a:rPr lang="en-US" sz="1200" b="1" err="1">
                 <a:latin typeface="Consolas" panose="020B0609020204030204" pitchFamily="49" charset="0"/>
               </a:rPr>
               <a:t>ind</a:t>
             </a:r>
             <a:r>
-              <a:rPr lang="en-US" sz="1200" b="1" dirty="0">
+              <a:rPr lang="en-US" sz="1200" b="1">
                 <a:latin typeface="Consolas" panose="020B0609020204030204" pitchFamily="49" charset="0"/>
               </a:rPr>
               <a:t>")</a:t>
             </a:r>
+            <a:br>
+              <a:rPr lang="en-US" sz="1200" b="1">
+                <a:latin typeface="Consolas" panose="020B0609020204030204" pitchFamily="49" charset="0"/>
+              </a:rPr>
+            </a:br>
+            <a:r>
+              <a:rPr lang="en-US" sz="1200" b="1">
+                <a:latin typeface="Consolas" panose="020B0609020204030204" pitchFamily="49" charset="0"/>
+              </a:rPr>
+              <a:t> </a:t>
+            </a:r>
+            <a:r>
+              <a:rPr lang="en-US" sz="1200" i="1">
+                <a:latin typeface="Consolas" panose="020B0609020204030204" pitchFamily="49" charset="0"/>
+              </a:rPr>
+              <a:t>.mean()</a:t>
+            </a:r>
+            <a:endParaRPr lang="en-US" sz="1200" i="1" dirty="0">
+              <a:latin typeface="Consolas" panose="020B0609020204030204" pitchFamily="49" charset="0"/>
+            </a:endParaRPr>
           </a:p>
           <a:p>
             <a:pPr marL="111125"/>
@@ -26488,12 +23990,29 @@
               <a:t> object, grouped by values in index level named "</a:t>
             </a:r>
             <a:r>
-              <a:rPr lang="en-US" sz="1200" dirty="0" err="1"/>
+              <a:rPr lang="en-US" sz="1200" err="1"/>
               <a:t>ind</a:t>
             </a:r>
             <a:r>
-              <a:rPr lang="en-US" sz="1200" dirty="0"/>
+              <a:rPr lang="en-US" sz="1200"/>
               <a:t>".</a:t>
+            </a:r>
+            <a:endParaRPr lang="en-US" sz="1200" dirty="0"/>
+          </a:p>
+          <a:p>
+            <a:r>
+              <a:rPr lang="en-US" sz="1200" i="1"/>
+              <a:t>Possibly use df.</a:t>
+            </a:r>
+            <a:r>
+              <a:rPr lang="en-US" sz="1200" i="1">
+                <a:hlinkClick r:id="rId32"/>
+              </a:rPr>
+              <a:t>reset_index() </a:t>
+            </a:r>
+            <a:r>
+              <a:rPr lang="en-US" sz="1200" i="1"/>
+              <a:t>after!</a:t>
             </a:r>
           </a:p>
         </p:txBody>
@@ -26506,7 +24025,7 @@
         </p:nvSpPr>
         <p:spPr>
           <a:xfrm>
-            <a:off x="101690" y="8024895"/>
+            <a:off x="101690" y="8291595"/>
             <a:ext cx="4446085" cy="461665"/>
           </a:xfrm>
           <a:prstGeom prst="rect">
@@ -26522,7 +24041,15 @@
           <a:p>
             <a:r>
               <a:rPr lang="en-US" sz="1200" dirty="0"/>
-              <a:t>All of the summary functions listed above can be applied to a group. Additional </a:t>
+              <a:t>All of the summary functions </a:t>
+            </a:r>
+            <a:r>
+              <a:rPr lang="en-US" sz="1200"/>
+              <a:t>listed above can be </a:t>
+            </a:r>
+            <a:r>
+              <a:rPr lang="en-US" sz="1200" dirty="0"/>
+              <a:t>applied to a group. Additional </a:t>
             </a:r>
             <a:r>
               <a:rPr lang="en-US" sz="1200" dirty="0" err="1"/>
@@ -26560,7 +24087,7 @@
             <a:r>
               <a:rPr lang="en-US" sz="1200" b="1" dirty="0">
                 <a:latin typeface="Consolas" panose="020B0609020204030204" pitchFamily="49" charset="0"/>
-                <a:hlinkClick r:id="rId13"/>
+                <a:hlinkClick r:id="rId14"/>
               </a:rPr>
               <a:t>max</a:t>
             </a:r>
@@ -26582,7 +24109,7 @@
             <a:r>
               <a:rPr lang="en-US" sz="1200" b="1" dirty="0">
                 <a:latin typeface="Consolas" panose="020B0609020204030204" pitchFamily="49" charset="0"/>
-                <a:hlinkClick r:id="rId31"/>
+                <a:hlinkClick r:id="rId33"/>
               </a:rPr>
               <a:t>clip</a:t>
             </a:r>
@@ -26627,7 +24154,7 @@
             <a:r>
               <a:rPr lang="en-US" sz="1200" b="1" dirty="0">
                 <a:latin typeface="Consolas" panose="020B0609020204030204" pitchFamily="49" charset="0"/>
-                <a:hlinkClick r:id="rId12"/>
+                <a:hlinkClick r:id="rId13"/>
               </a:rPr>
               <a:t>min</a:t>
             </a:r>
@@ -26649,7 +24176,7 @@
             <a:r>
               <a:rPr lang="en-US" sz="1200" b="1" dirty="0">
                 <a:latin typeface="Consolas" panose="020B0609020204030204" pitchFamily="49" charset="0"/>
-                <a:hlinkClick r:id="rId32"/>
+                <a:hlinkClick r:id="rId34"/>
               </a:rPr>
               <a:t>abs</a:t>
             </a:r>
@@ -26677,7 +24204,7 @@
         </p:nvSpPr>
         <p:spPr>
           <a:xfrm>
-            <a:off x="4705717" y="6272132"/>
+            <a:off x="4705717" y="6538832"/>
             <a:ext cx="4377986" cy="646331"/>
           </a:xfrm>
           <a:prstGeom prst="rect">
@@ -26714,7 +24241,7 @@
         </p:nvSpPr>
         <p:spPr>
           <a:xfrm>
-            <a:off x="108506" y="8915332"/>
+            <a:off x="108506" y="9182032"/>
             <a:ext cx="4389120" cy="423293"/>
           </a:xfrm>
           <a:prstGeom prst="roundRect">
@@ -26747,7 +24274,7 @@
                 <a:solidFill>
                   <a:schemeClr val="bg1"/>
                 </a:solidFill>
-                <a:hlinkClick r:id="rId33">
+                <a:hlinkClick r:id="rId35">
                   <a:extLst>
                     <a:ext uri="{A12FA001-AC4F-418D-AE19-62706E023703}">
                       <ahyp:hlinkClr xmlns:ahyp="http://schemas.microsoft.com/office/drawing/2018/hyperlinkcolor" val="tx"/>
@@ -26773,7 +24300,7 @@
         </p:nvSpPr>
         <p:spPr>
           <a:xfrm>
-            <a:off x="136406" y="9380102"/>
+            <a:off x="136406" y="9556649"/>
             <a:ext cx="4301088" cy="1200329"/>
           </a:xfrm>
           <a:prstGeom prst="rect">
@@ -26796,7 +24323,7 @@
             <a:r>
               <a:rPr lang="en-US" sz="1200" b="1" dirty="0" err="1">
                 <a:latin typeface="Consolas" panose="020B0609020204030204" pitchFamily="49" charset="0"/>
-                <a:hlinkClick r:id="rId34"/>
+                <a:hlinkClick r:id="rId36"/>
               </a:rPr>
               <a:t>expanding</a:t>
             </a:r>
@@ -26827,7 +24354,7 @@
             <a:r>
               <a:rPr lang="en-US" sz="1200" b="1" dirty="0" err="1">
                 <a:latin typeface="Consolas" panose="020B0609020204030204" pitchFamily="49" charset="0"/>
-                <a:hlinkClick r:id="rId35"/>
+                <a:hlinkClick r:id="rId37"/>
               </a:rPr>
               <a:t>rolling</a:t>
             </a:r>
@@ -26855,7 +24382,7 @@
         </p:nvSpPr>
         <p:spPr>
           <a:xfrm>
-            <a:off x="108506" y="8379182"/>
+            <a:off x="108506" y="8645882"/>
             <a:ext cx="2326551" cy="461665"/>
           </a:xfrm>
           <a:prstGeom prst="rect">
@@ -26872,7 +24399,7 @@
             <a:r>
               <a:rPr lang="en-US" sz="1200" b="1" dirty="0">
                 <a:latin typeface="Consolas" panose="020B0609020204030204" pitchFamily="49" charset="0"/>
-                <a:hlinkClick r:id="rId36"/>
+                <a:hlinkClick r:id="rId38"/>
               </a:rPr>
               <a:t>size</a:t>
             </a:r>
@@ -26900,7 +24427,7 @@
         </p:nvSpPr>
         <p:spPr>
           <a:xfrm>
-            <a:off x="2226238" y="8382578"/>
+            <a:off x="2226238" y="8649278"/>
             <a:ext cx="2326551" cy="461665"/>
           </a:xfrm>
           <a:prstGeom prst="rect">
@@ -26917,7 +24444,7 @@
             <a:r>
               <a:rPr lang="en-US" sz="1200" b="1" dirty="0" err="1">
                 <a:latin typeface="Consolas" panose="020B0609020204030204" pitchFamily="49" charset="0"/>
-                <a:hlinkClick r:id="rId37"/>
+                <a:hlinkClick r:id="rId39"/>
               </a:rPr>
               <a:t>agg</a:t>
             </a:r>
@@ -26928,7 +24455,7 @@
               <a:t>(</a:t>
             </a:r>
             <a:r>
-              <a:rPr lang="en-US" sz="1200" b="1" i="1" dirty="0">
+              <a:rPr lang="en-US" sz="1200" i="1" dirty="0">
                 <a:latin typeface="Consolas" panose="020B0609020204030204" pitchFamily="49" charset="0"/>
               </a:rPr>
               <a:t>function</a:t>
@@ -26986,10 +24513,25 @@
           <a:p>
             <a:pPr algn="ctr"/>
             <a:r>
-              <a:rPr lang="en-US" sz="2800" b="1" dirty="0"/>
+              <a:rPr lang="en-US" sz="2800" b="1" dirty="0">
+                <a:solidFill>
+                  <a:schemeClr val="bg1"/>
+                </a:solidFill>
+                <a:hlinkClick r:id="rId40">
+                  <a:extLst>
+                    <a:ext uri="{A12FA001-AC4F-418D-AE19-62706E023703}">
+                      <ahyp:hlinkClr xmlns:ahyp="http://schemas.microsoft.com/office/drawing/2018/hyperlinkcolor" val="tx"/>
+                    </a:ext>
+                  </a:extLst>
+                </a:hlinkClick>
+              </a:rPr>
               <a:t>Handling Missing Data</a:t>
             </a:r>
-            <a:endParaRPr lang="en-US" sz="2683" dirty="0"/>
+            <a:endParaRPr lang="en-US" sz="2683" dirty="0">
+              <a:solidFill>
+                <a:schemeClr val="bg1"/>
+              </a:solidFill>
+            </a:endParaRPr>
           </a:p>
         </p:txBody>
       </p:sp>
@@ -27024,7 +24566,7 @@
             <a:r>
               <a:rPr lang="en-US" sz="1200" b="1" dirty="0" err="1">
                 <a:latin typeface="Consolas" panose="020B0609020204030204" pitchFamily="49" charset="0"/>
-                <a:hlinkClick r:id="rId38"/>
+                <a:hlinkClick r:id="rId41"/>
               </a:rPr>
               <a:t>dropna</a:t>
             </a:r>
@@ -27051,7 +24593,7 @@
             <a:r>
               <a:rPr lang="en-US" sz="1200" b="1" dirty="0" err="1">
                 <a:latin typeface="Consolas" panose="020B0609020204030204" pitchFamily="49" charset="0"/>
-                <a:hlinkClick r:id="rId39"/>
+                <a:hlinkClick r:id="rId42"/>
               </a:rPr>
               <a:t>fillna</a:t>
             </a:r>
@@ -27073,13 +24615,257 @@
       </p:sp>
       <p:sp>
         <p:nvSpPr>
-          <p:cNvPr id="81" name="Rounded Rectangle 80"/>
+          <p:cNvPr id="85" name="TextBox 82">
+            <a:extLst>
+              <a:ext uri="{FF2B5EF4-FFF2-40B4-BE49-F238E27FC236}">
+                <a16:creationId xmlns:a16="http://schemas.microsoft.com/office/drawing/2014/main" id="{1B166706-3E7D-4C7D-B693-7C86FB6F5332}"/>
+              </a:ext>
+            </a:extLst>
+          </p:cNvPr>
+          <p:cNvSpPr txBox="1"/>
+          <p:nvPr/>
+        </p:nvSpPr>
+        <p:spPr>
+          <a:xfrm>
+            <a:off x="4619780" y="9572954"/>
+            <a:ext cx="4633919" cy="2002728"/>
+          </a:xfrm>
+          <a:prstGeom prst="rect">
+            <a:avLst/>
+          </a:prstGeom>
+          <a:noFill/>
+        </p:spPr>
+        <p:txBody>
+          <a:bodyPr wrap="square" rtlCol="0">
+            <a:spAutoFit/>
+          </a:bodyPr>
+          <a:lstStyle/>
+          <a:p>
+            <a:pPr>
+              <a:lnSpc>
+                <a:spcPts val="1800"/>
+              </a:lnSpc>
+            </a:pPr>
+            <a:r>
+              <a:rPr lang="de-DE" sz="1200" b="1">
+                <a:latin typeface="Consolas" panose="020B0609020204030204" pitchFamily="49" charset="0"/>
+              </a:rPr>
+              <a:t>df.</a:t>
+            </a:r>
+            <a:r>
+              <a:rPr lang="de-DE" sz="1200" b="1">
+                <a:latin typeface="Consolas" panose="020B0609020204030204" pitchFamily="49" charset="0"/>
+                <a:hlinkClick r:id="rId43"/>
+              </a:rPr>
+              <a:t>pipe</a:t>
+            </a:r>
+            <a:r>
+              <a:rPr lang="de-DE" sz="1200" b="1">
+                <a:latin typeface="Consolas" panose="020B0609020204030204" pitchFamily="49" charset="0"/>
+              </a:rPr>
+              <a:t>() </a:t>
+            </a:r>
+            <a:r>
+              <a:rPr lang="de-DE" sz="1200"/>
+              <a:t>when chaining functions; tablewise fct. application</a:t>
+            </a:r>
+          </a:p>
+          <a:p>
+            <a:pPr>
+              <a:lnSpc>
+                <a:spcPts val="1800"/>
+              </a:lnSpc>
+            </a:pPr>
+            <a:r>
+              <a:rPr lang="de-DE" sz="1200" b="1">
+                <a:latin typeface="Consolas" panose="020B0609020204030204" pitchFamily="49" charset="0"/>
+              </a:rPr>
+              <a:t>df.</a:t>
+            </a:r>
+            <a:r>
+              <a:rPr lang="de-DE" sz="1200" b="1">
+                <a:latin typeface="Consolas" panose="020B0609020204030204" pitchFamily="49" charset="0"/>
+                <a:hlinkClick r:id="rId44"/>
+              </a:rPr>
+              <a:t>apply</a:t>
+            </a:r>
+            <a:r>
+              <a:rPr lang="de-DE" sz="1200" b="1">
+                <a:latin typeface="Consolas" panose="020B0609020204030204" pitchFamily="49" charset="0"/>
+              </a:rPr>
+              <a:t>() </a:t>
+            </a:r>
+            <a:r>
+              <a:rPr lang="de-DE" sz="1200"/>
+              <a:t>row (axis=1) or column(axis=0) wise fct. application</a:t>
+            </a:r>
+          </a:p>
+          <a:p>
+            <a:pPr>
+              <a:lnSpc>
+                <a:spcPts val="1800"/>
+              </a:lnSpc>
+            </a:pPr>
+            <a:r>
+              <a:rPr lang="de-DE" sz="1200" b="1">
+                <a:latin typeface="Consolas" panose="020B0609020204030204" pitchFamily="49" charset="0"/>
+              </a:rPr>
+              <a:t>df.</a:t>
+            </a:r>
+            <a:r>
+              <a:rPr lang="de-DE" sz="1200" b="1">
+                <a:latin typeface="Consolas" panose="020B0609020204030204" pitchFamily="49" charset="0"/>
+                <a:hlinkClick r:id="rId45"/>
+              </a:rPr>
+              <a:t>agg</a:t>
+            </a:r>
+            <a:r>
+              <a:rPr lang="de-DE" sz="1200" b="1">
+                <a:latin typeface="Consolas" panose="020B0609020204030204" pitchFamily="49" charset="0"/>
+              </a:rPr>
+              <a:t>()</a:t>
+            </a:r>
+            <a:r>
+              <a:rPr lang="de-DE" sz="1200"/>
+              <a:t>and </a:t>
+            </a:r>
+            <a:r>
+              <a:rPr lang="de-DE" sz="1200" b="1">
+                <a:latin typeface="Consolas" panose="020B0609020204030204" pitchFamily="49" charset="0"/>
+              </a:rPr>
+              <a:t>df.</a:t>
+            </a:r>
+            <a:r>
+              <a:rPr lang="de-DE" sz="1200" b="1">
+                <a:latin typeface="Consolas" panose="020B0609020204030204" pitchFamily="49" charset="0"/>
+                <a:hlinkClick r:id="rId46"/>
+              </a:rPr>
+              <a:t>transform</a:t>
+            </a:r>
+            <a:r>
+              <a:rPr lang="de-DE" sz="1200" b="1">
+                <a:latin typeface="Consolas" panose="020B0609020204030204" pitchFamily="49" charset="0"/>
+              </a:rPr>
+              <a:t>()</a:t>
+            </a:r>
+            <a:r>
+              <a:rPr lang="de-DE" sz="1200"/>
+              <a:t> use multiple aggregating operations</a:t>
+            </a:r>
+          </a:p>
+          <a:p>
+            <a:pPr>
+              <a:lnSpc>
+                <a:spcPts val="1800"/>
+              </a:lnSpc>
+            </a:pPr>
+            <a:r>
+              <a:rPr lang="de-DE" sz="1200" b="1">
+                <a:latin typeface="Consolas" panose="020B0609020204030204" pitchFamily="49" charset="0"/>
+              </a:rPr>
+              <a:t>df.</a:t>
+            </a:r>
+            <a:r>
+              <a:rPr lang="de-DE" sz="1200" b="1">
+                <a:latin typeface="Consolas" panose="020B0609020204030204" pitchFamily="49" charset="0"/>
+                <a:hlinkClick r:id="rId47"/>
+              </a:rPr>
+              <a:t>assign</a:t>
+            </a:r>
+            <a:r>
+              <a:rPr lang="de-DE" sz="1200" b="1">
+                <a:latin typeface="Consolas" panose="020B0609020204030204" pitchFamily="49" charset="0"/>
+              </a:rPr>
+              <a:t>() </a:t>
+            </a:r>
+            <a:r>
+              <a:rPr lang="de-DE" sz="1200"/>
+              <a:t>assigns new columns to a df</a:t>
+            </a:r>
+            <a:br>
+              <a:rPr lang="de-DE" sz="1200"/>
+            </a:br>
+            <a:r>
+              <a:rPr lang="de-DE" sz="1200" b="1">
+                <a:latin typeface="Consolas" panose="020B0609020204030204" pitchFamily="49" charset="0"/>
+              </a:rPr>
+              <a:t>df.</a:t>
+            </a:r>
+            <a:r>
+              <a:rPr lang="de-DE" sz="1200" b="1">
+                <a:latin typeface="Consolas" panose="020B0609020204030204" pitchFamily="49" charset="0"/>
+                <a:hlinkClick r:id="rId48"/>
+              </a:rPr>
+              <a:t>applymap</a:t>
+            </a:r>
+            <a:r>
+              <a:rPr lang="de-DE" sz="1200" b="1">
+                <a:latin typeface="Consolas" panose="020B0609020204030204" pitchFamily="49" charset="0"/>
+              </a:rPr>
+              <a:t>() </a:t>
+            </a:r>
+            <a:r>
+              <a:rPr lang="de-DE" sz="1200"/>
+              <a:t>elementwise function application</a:t>
+            </a:r>
+            <a:endParaRPr lang="de-DE" sz="1200" b="1"/>
+          </a:p>
+          <a:p>
+            <a:pPr>
+              <a:lnSpc>
+                <a:spcPts val="1800"/>
+              </a:lnSpc>
+            </a:pPr>
+            <a:endParaRPr lang="de-DE" sz="1200" b="0">
+              <a:effectLst/>
+            </a:endParaRPr>
+          </a:p>
+          <a:p>
+            <a:pPr>
+              <a:lnSpc>
+                <a:spcPct val="150000"/>
+              </a:lnSpc>
+            </a:pPr>
+            <a:r>
+              <a:rPr lang="de-DE" sz="1200">
+                <a:solidFill>
+                  <a:srgbClr val="000000"/>
+                </a:solidFill>
+              </a:rPr>
+              <a:t>   </a:t>
+            </a:r>
+            <a:endParaRPr lang="de-DE" sz="1200" b="0">
+              <a:solidFill>
+                <a:srgbClr val="000000"/>
+              </a:solidFill>
+              <a:effectLst/>
+            </a:endParaRPr>
+          </a:p>
+          <a:p>
+            <a:pPr>
+              <a:lnSpc>
+                <a:spcPct val="150000"/>
+              </a:lnSpc>
+            </a:pPr>
+            <a:endParaRPr lang="en-US" sz="1200"/>
+          </a:p>
+        </p:txBody>
+      </p:sp>
+      <p:sp>
+        <p:nvSpPr>
+          <p:cNvPr id="87" name="Rounded Rectangle 74">
+            <a:extLst>
+              <a:ext uri="{FF2B5EF4-FFF2-40B4-BE49-F238E27FC236}">
+                <a16:creationId xmlns:a16="http://schemas.microsoft.com/office/drawing/2014/main" id="{D00A73FC-5A13-432C-A296-3EE5D237842B}"/>
+              </a:ext>
+            </a:extLst>
+          </p:cNvPr>
           <p:cNvSpPr/>
           <p:nvPr/>
         </p:nvSpPr>
         <p:spPr>
           <a:xfrm>
-            <a:off x="4697533" y="8915352"/>
+            <a:off x="4587346" y="9183679"/>
             <a:ext cx="4389120" cy="423293"/>
           </a:xfrm>
           <a:prstGeom prst="roundRect">
@@ -27108,11 +24894,11 @@
           <a:p>
             <a:pPr algn="ctr"/>
             <a:r>
-              <a:rPr lang="en-US" sz="2800" b="1" dirty="0">
+              <a:rPr lang="en-US" sz="2800" b="1">
                 <a:solidFill>
                   <a:schemeClr val="bg1"/>
                 </a:solidFill>
-                <a:hlinkClick r:id="rId40">
+                <a:hlinkClick r:id="rId49">
                   <a:extLst>
                     <a:ext uri="{A12FA001-AC4F-418D-AE19-62706E023703}">
                       <ahyp:hlinkClr xmlns:ahyp="http://schemas.microsoft.com/office/drawing/2018/hyperlinkcolor" val="tx"/>
@@ -27120,7 +24906,7 @@
                   </a:extLst>
                 </a:hlinkClick>
               </a:rPr>
-              <a:t>Plotting</a:t>
+              <a:t>Apply Functions</a:t>
             </a:r>
             <a:endParaRPr lang="en-US" sz="2683" dirty="0">
               <a:solidFill>
@@ -27132,14 +24918,20 @@
       </p:sp>
       <p:sp>
         <p:nvSpPr>
-          <p:cNvPr id="82" name="TextBox 81"/>
+          <p:cNvPr id="88" name="TextBox 19">
+            <a:extLst>
+              <a:ext uri="{FF2B5EF4-FFF2-40B4-BE49-F238E27FC236}">
+                <a16:creationId xmlns:a16="http://schemas.microsoft.com/office/drawing/2014/main" id="{72015019-4200-48E3-850E-110CFECAC67C}"/>
+              </a:ext>
+            </a:extLst>
+          </p:cNvPr>
           <p:cNvSpPr txBox="1"/>
           <p:nvPr/>
         </p:nvSpPr>
         <p:spPr>
           <a:xfrm>
-            <a:off x="4705717" y="9388947"/>
-            <a:ext cx="2682419" cy="461665"/>
+            <a:off x="4453072" y="10654201"/>
+            <a:ext cx="9815024" cy="215444"/>
           </a:xfrm>
           <a:prstGeom prst="rect">
             <a:avLst/>
@@ -27153,250 +24945,92 @@
           <a:lstStyle/>
           <a:p>
             <a:r>
-              <a:rPr lang="en-US" sz="1200" b="1" dirty="0" err="1">
-                <a:latin typeface="Consolas" panose="020B0609020204030204" pitchFamily="49" charset="0"/>
-              </a:rPr>
-              <a:t>df.</a:t>
-            </a:r>
-            <a:r>
-              <a:rPr lang="en-US" sz="1200" b="1" dirty="0" err="1">
-                <a:latin typeface="Consolas" panose="020B0609020204030204" pitchFamily="49" charset="0"/>
-                <a:hlinkClick r:id="rId41"/>
-              </a:rPr>
-              <a:t>plot</a:t>
-            </a:r>
-            <a:r>
-              <a:rPr lang="en-US" sz="1200" b="1" dirty="0" err="1">
-                <a:latin typeface="Consolas" panose="020B0609020204030204" pitchFamily="49" charset="0"/>
-              </a:rPr>
-              <a:t>.hist</a:t>
-            </a:r>
-            <a:r>
-              <a:rPr lang="en-US" sz="1200" b="1" dirty="0">
-                <a:latin typeface="Consolas" panose="020B0609020204030204" pitchFamily="49" charset="0"/>
-              </a:rPr>
-              <a:t>()</a:t>
-            </a:r>
-          </a:p>
-          <a:p>
-            <a:pPr marL="111125"/>
-            <a:r>
-              <a:rPr lang="en-US" sz="1200" dirty="0"/>
-              <a:t>Histogram for each column</a:t>
-            </a:r>
-          </a:p>
-        </p:txBody>
-      </p:sp>
-      <p:sp>
-        <p:nvSpPr>
-          <p:cNvPr id="83" name="TextBox 82"/>
-          <p:cNvSpPr txBox="1"/>
-          <p:nvPr/>
-        </p:nvSpPr>
-        <p:spPr>
-          <a:xfrm>
-            <a:off x="6687803" y="9382182"/>
-            <a:ext cx="2682419" cy="461665"/>
-          </a:xfrm>
-          <a:prstGeom prst="rect">
-            <a:avLst/>
-          </a:prstGeom>
-          <a:noFill/>
-        </p:spPr>
-        <p:txBody>
-          <a:bodyPr wrap="square" rtlCol="0">
-            <a:spAutoFit/>
-          </a:bodyPr>
-          <a:lstStyle/>
-          <a:p>
-            <a:r>
-              <a:rPr lang="en-US" sz="1200" b="1" dirty="0" err="1">
-                <a:latin typeface="Consolas" panose="020B0609020204030204" pitchFamily="49" charset="0"/>
-              </a:rPr>
-              <a:t>df.</a:t>
-            </a:r>
-            <a:r>
-              <a:rPr lang="en-US" sz="1200" b="1" dirty="0" err="1">
-                <a:latin typeface="Consolas" panose="020B0609020204030204" pitchFamily="49" charset="0"/>
-                <a:hlinkClick r:id="rId41"/>
-              </a:rPr>
-              <a:t>plot</a:t>
-            </a:r>
-            <a:r>
-              <a:rPr lang="en-US" sz="1200" b="1" dirty="0" err="1">
-                <a:latin typeface="Consolas" panose="020B0609020204030204" pitchFamily="49" charset="0"/>
-              </a:rPr>
-              <a:t>.scatter</a:t>
-            </a:r>
-            <a:r>
-              <a:rPr lang="en-US" sz="1200" b="1" dirty="0">
-                <a:latin typeface="Consolas" panose="020B0609020204030204" pitchFamily="49" charset="0"/>
-              </a:rPr>
-              <a:t>(x='</a:t>
-            </a:r>
-            <a:r>
-              <a:rPr lang="en-US" sz="1200" b="1" dirty="0" err="1">
-                <a:latin typeface="Consolas" panose="020B0609020204030204" pitchFamily="49" charset="0"/>
-              </a:rPr>
-              <a:t>w',y</a:t>
-            </a:r>
-            <a:r>
-              <a:rPr lang="en-US" sz="1200" b="1" dirty="0">
-                <a:latin typeface="Consolas" panose="020B0609020204030204" pitchFamily="49" charset="0"/>
-              </a:rPr>
-              <a:t>='h')</a:t>
-            </a:r>
-          </a:p>
-          <a:p>
-            <a:pPr marL="111125"/>
-            <a:r>
-              <a:rPr lang="en-US" sz="1200" dirty="0"/>
-              <a:t>Scatter chart using pairs of points</a:t>
-            </a:r>
-          </a:p>
-        </p:txBody>
-      </p:sp>
-      <p:pic>
-        <p:nvPicPr>
-          <p:cNvPr id="44" name="Picture 43"/>
-          <p:cNvPicPr>
-            <a:picLocks noChangeAspect="1"/>
-          </p:cNvPicPr>
-          <p:nvPr/>
-        </p:nvPicPr>
-        <p:blipFill>
-          <a:blip r:embed="rId42"/>
-          <a:stretch>
-            <a:fillRect/>
-          </a:stretch>
-        </p:blipFill>
-        <p:spPr>
-          <a:xfrm>
-            <a:off x="4914874" y="9812736"/>
-            <a:ext cx="1563773" cy="861535"/>
-          </a:xfrm>
-          <a:prstGeom prst="rect">
-            <a:avLst/>
-          </a:prstGeom>
-        </p:spPr>
-      </p:pic>
-      <p:pic>
-        <p:nvPicPr>
-          <p:cNvPr id="45" name="Picture 44"/>
-          <p:cNvPicPr>
-            <a:picLocks noChangeAspect="1"/>
-          </p:cNvPicPr>
-          <p:nvPr/>
-        </p:nvPicPr>
-        <p:blipFill>
-          <a:blip r:embed="rId43"/>
-          <a:stretch>
-            <a:fillRect/>
-          </a:stretch>
-        </p:blipFill>
-        <p:spPr>
-          <a:xfrm>
-            <a:off x="7063522" y="9803114"/>
-            <a:ext cx="1445181" cy="876444"/>
-          </a:xfrm>
-          <a:prstGeom prst="rect">
-            <a:avLst/>
-          </a:prstGeom>
-        </p:spPr>
-      </p:pic>
-      <p:cxnSp>
-        <p:nvCxnSpPr>
-          <p:cNvPr id="84" name="Straight Connector 83"/>
-          <p:cNvCxnSpPr/>
-          <p:nvPr/>
-        </p:nvCxnSpPr>
-        <p:spPr>
-          <a:xfrm>
-            <a:off x="115084" y="10670406"/>
-            <a:ext cx="9185591" cy="3865"/>
-          </a:xfrm>
-          <a:prstGeom prst="line">
-            <a:avLst/>
-          </a:prstGeom>
-        </p:spPr>
-        <p:style>
-          <a:lnRef idx="1">
-            <a:schemeClr val="accent1"/>
-          </a:lnRef>
-          <a:fillRef idx="0">
-            <a:schemeClr val="accent1"/>
-          </a:fillRef>
-          <a:effectRef idx="0">
-            <a:schemeClr val="accent1"/>
-          </a:effectRef>
-          <a:fontRef idx="minor">
-            <a:schemeClr val="tx1"/>
-          </a:fontRef>
-        </p:style>
-      </p:cxnSp>
-      <p:sp>
-        <p:nvSpPr>
-          <p:cNvPr id="86" name="TextBox 85"/>
-          <p:cNvSpPr txBox="1"/>
-          <p:nvPr/>
-        </p:nvSpPr>
-        <p:spPr>
-          <a:xfrm>
-            <a:off x="61427" y="10631500"/>
-            <a:ext cx="11599350" cy="215444"/>
-          </a:xfrm>
-          <a:prstGeom prst="rect">
-            <a:avLst/>
-          </a:prstGeom>
-          <a:noFill/>
-        </p:spPr>
-        <p:txBody>
-          <a:bodyPr wrap="square" rtlCol="0">
-            <a:spAutoFit/>
-          </a:bodyPr>
-          <a:lstStyle/>
-          <a:p>
+              <a:rPr lang="en-US" sz="800"/>
+              <a:t>Cheatsheet for pandas (</a:t>
+            </a:r>
+            <a:r>
+              <a:rPr lang="en-US" sz="800">
+                <a:hlinkClick r:id="rId50"/>
+              </a:rPr>
+              <a:t>http</a:t>
+            </a:r>
             <a:r>
               <a:rPr lang="en-US" sz="800" dirty="0">
-                <a:hlinkClick r:id="rId44"/>
-              </a:rPr>
-              <a:t>http://pandas.pydata.org/</a:t>
+                <a:hlinkClick r:id="rId50"/>
+              </a:rPr>
+              <a:t>://pandas.pydata.org</a:t>
+            </a:r>
+            <a:r>
+              <a:rPr lang="en-US" sz="800">
+                <a:hlinkClick r:id="rId50"/>
+              </a:rPr>
+              <a:t>/</a:t>
+            </a:r>
+            <a:r>
+              <a:rPr lang="en-US" sz="800"/>
+              <a:t> ) based on the </a:t>
+            </a:r>
+            <a:r>
+              <a:rPr lang="en-US" sz="800">
+                <a:hlinkClick r:id="rId51"/>
+              </a:rPr>
+              <a:t>official cheatsheet</a:t>
+            </a:r>
+            <a:r>
+              <a:rPr lang="en-US" sz="800"/>
+              <a:t> which itself was inspired </a:t>
             </a:r>
             <a:r>
               <a:rPr lang="en-US" sz="800" dirty="0"/>
-              <a:t>  This cheat sheet inspired by </a:t>
-            </a:r>
-            <a:r>
-              <a:rPr lang="en-US" sz="800" dirty="0" err="1"/>
+              <a:t>by </a:t>
+            </a:r>
+            <a:r>
+              <a:rPr lang="en-US" sz="800" dirty="0" err="1">
+                <a:hlinkClick r:id="rId52"/>
+              </a:rPr>
               <a:t>Rstudio</a:t>
             </a:r>
             <a:r>
+              <a:rPr lang="en-US" sz="800" dirty="0">
+                <a:hlinkClick r:id="rId52"/>
+              </a:rPr>
+              <a:t> Data Wrangling </a:t>
+            </a:r>
+            <a:r>
+              <a:rPr lang="en-US" sz="800" err="1">
+                <a:hlinkClick r:id="rId52"/>
+              </a:rPr>
+              <a:t>Cheatsheet</a:t>
+            </a:r>
+            <a:r>
+              <a:rPr lang="en-US" sz="800">
+                <a:hlinkClick r:id="rId52"/>
+              </a:rPr>
+              <a:t> </a:t>
+            </a:r>
+            <a:r>
+              <a:rPr lang="en-US" sz="800"/>
+              <a:t>Written </a:t>
+            </a:r>
+            <a:r>
               <a:rPr lang="en-US" sz="800" dirty="0"/>
-              <a:t> Data Wrangling </a:t>
-            </a:r>
-            <a:r>
-              <a:rPr lang="en-US" sz="800" dirty="0" err="1"/>
-              <a:t>Cheatsheet</a:t>
-            </a:r>
-            <a:r>
-              <a:rPr lang="en-US" sz="800" dirty="0"/>
-              <a:t> (</a:t>
-            </a:r>
-            <a:r>
-              <a:rPr lang="en-US" sz="800" dirty="0">
-                <a:hlinkClick r:id="rId45"/>
-              </a:rPr>
-              <a:t>https://www.rstudio.com/wp-content/uploads/2015/02/data-wrangling-cheatsheet.pdf</a:t>
-            </a:r>
-            <a:r>
-              <a:rPr lang="en-US" sz="800" dirty="0"/>
-              <a:t>) Written by Irv Lustig, </a:t>
-            </a:r>
-            <a:r>
-              <a:rPr lang="en-US" sz="800" dirty="0">
-                <a:hlinkClick r:id="rId46"/>
+              <a:t>by Irv Lustig, </a:t>
+            </a:r>
+            <a:r>
+              <a:rPr lang="en-US" sz="800">
+                <a:hlinkClick r:id="rId53"/>
               </a:rPr>
               <a:t>Princeton Consultants</a:t>
+            </a:r>
+            <a:r>
+              <a:rPr lang="en-US" sz="800"/>
+              <a:t>. Source: </a:t>
+            </a:r>
+            <a:r>
+              <a:rPr lang="en-US" sz="800">
+                <a:hlinkClick r:id="rId54"/>
+              </a:rPr>
+              <a:t>https://github.com/OliEfr</a:t>
             </a:r>
             <a:endParaRPr lang="en-US" sz="800" dirty="0"/>
           </a:p>

--- a/doc/cheatsheet/Pandas_Cheat_Sheet.pptx
+++ b/doc/cheatsheet/Pandas_Cheat_Sheet.pptx
@@ -9886,14 +9886,14 @@
           <a:effectLst/>
           <a:extLst>
             <a:ext uri="{909E8E84-426E-40dd-AFC4-6F175D3DCCD1}">
-              <a14:hiddenFill xmlns:a14="http://schemas.microsoft.com/office/drawing/2010/main" xmlns="">
+              <a14:hiddenFill xmlns="" xmlns:a14="http://schemas.microsoft.com/office/drawing/2010/main">
                 <a:solidFill>
                   <a:schemeClr val="accent1"/>
                 </a:solidFill>
               </a14:hiddenFill>
             </a:ext>
             <a:ext uri="{91240B29-F687-4f45-9708-019B960494DF}">
-              <a14:hiddenLine xmlns:a14="http://schemas.microsoft.com/office/drawing/2010/main" xmlns="" w="9525">
+              <a14:hiddenLine xmlns="" xmlns:a14="http://schemas.microsoft.com/office/drawing/2010/main" w="9525">
                 <a:solidFill>
                   <a:schemeClr val="tx1"/>
                 </a:solidFill>
@@ -9903,7 +9903,7 @@
               </a14:hiddenLine>
             </a:ext>
             <a:ext uri="{AF507438-7753-43e0-B8FC-AC1667EBCBE1}">
-              <a14:hiddenEffects xmlns:a14="http://schemas.microsoft.com/office/drawing/2010/main" xmlns="">
+              <a14:hiddenEffects xmlns="" xmlns:a14="http://schemas.microsoft.com/office/drawing/2010/main">
                 <a:effectLst>
                   <a:outerShdw dist="35921" dir="2700000" algn="ctr" rotWithShape="0">
                     <a:schemeClr val="bg2"/>
@@ -13713,7 +13713,7 @@
         <p:spPr>
           <a:xfrm>
             <a:off x="7850695" y="502120"/>
-            <a:ext cx="3691389" cy="1133259"/>
+            <a:ext cx="3691389" cy="1015663"/>
           </a:xfrm>
           <a:prstGeom prst="rect">
             <a:avLst/>
@@ -13726,11 +13726,6 @@
           </a:bodyPr>
           <a:lstStyle/>
           <a:p>
-            <a:pPr>
-              <a:lnSpc>
-                <a:spcPts val="1800"/>
-              </a:lnSpc>
-            </a:pPr>
             <a:r>
               <a:rPr lang="en-US" sz="1200" b="1">
                 <a:hlinkClick r:id="rId34"/>
@@ -13741,78 +13736,62 @@
               <a:rPr lang="en-US" sz="1200" b="1"/>
               <a:t> in plots</a:t>
             </a:r>
-          </a:p>
-          <a:p>
-            <a:pPr>
-              <a:lnSpc>
-                <a:spcPts val="1600"/>
-              </a:lnSpc>
-            </a:pPr>
+            <a:br>
+              <a:rPr lang="en-US" sz="1200" b="1"/>
+            </a:br>
             <a:r>
               <a:rPr lang="en-US" sz="1200" b="1">
                 <a:latin typeface="Consolas" panose="020B0609020204030204" pitchFamily="49" charset="0"/>
+              </a:rPr>
+              <a:t>df.</a:t>
+            </a:r>
+            <a:r>
+              <a:rPr lang="en-US" sz="1200" b="1">
+                <a:latin typeface="Consolas" panose="020B0609020204030204" pitchFamily="49" charset="0"/>
                 <a:hlinkClick r:id="rId35"/>
               </a:rPr>
-              <a:t>seaborn.pairplot</a:t>
+              <a:t>plot</a:t>
             </a:r>
             <a:r>
               <a:rPr lang="en-US" sz="1200" b="1">
                 <a:latin typeface="Consolas" panose="020B0609020204030204" pitchFamily="49" charset="0"/>
               </a:rPr>
-              <a:t>(df,</a:t>
-            </a:r>
-            <a:br>
+              <a:t>.hist()</a:t>
+            </a:r>
+          </a:p>
+          <a:p>
+            <a:pPr marL="111125"/>
+            <a:r>
+              <a:rPr lang="en-US" sz="1200"/>
+              <a:t>Histogram for each column</a:t>
+            </a:r>
+          </a:p>
+          <a:p>
+            <a:r>
               <a:rPr lang="en-US" sz="1200" b="1">
                 <a:latin typeface="Consolas" panose="020B0609020204030204" pitchFamily="49" charset="0"/>
               </a:rPr>
-            </a:br>
+              <a:t>df.</a:t>
+            </a:r>
             <a:r>
               <a:rPr lang="en-US" sz="1200" b="1">
                 <a:latin typeface="Consolas" panose="020B0609020204030204" pitchFamily="49" charset="0"/>
-              </a:rPr>
-              <a:t>  hue=‘</a:t>
-            </a:r>
-            <a:r>
-              <a:rPr lang="en-US" sz="1200" i="1">
-                <a:latin typeface="Consolas" panose="020B0609020204030204" pitchFamily="49" charset="0"/>
-              </a:rPr>
-              <a:t>column_name</a:t>
+                <a:hlinkClick r:id="rId35"/>
+              </a:rPr>
+              <a:t>plot</a:t>
             </a:r>
             <a:r>
               <a:rPr lang="en-US" sz="1200" b="1">
                 <a:latin typeface="Consolas" panose="020B0609020204030204" pitchFamily="49" charset="0"/>
               </a:rPr>
-              <a:t>’)</a:t>
-            </a:r>
-          </a:p>
-          <a:p>
-            <a:pPr>
-              <a:lnSpc>
-                <a:spcPts val="1600"/>
-              </a:lnSpc>
-            </a:pPr>
-            <a:r>
-              <a:rPr lang="en-US" sz="1200" b="1"/>
-              <a:t>   </a:t>
-            </a:r>
+              <a:t>.scatter(x='w',y='h')</a:t>
+            </a:r>
+          </a:p>
+          <a:p>
+            <a:pPr marL="111125"/>
             <a:r>
               <a:rPr lang="en-US" sz="1200"/>
-              <a:t>Matrix of pairwise</a:t>
-            </a:r>
-            <a:br>
-              <a:rPr lang="en-US" sz="1200"/>
-            </a:br>
-            <a:r>
-              <a:rPr lang="en-US" sz="1200"/>
-              <a:t>   relationship (for </a:t>
-            </a:r>
-            <a:r>
-              <a:rPr lang="en-US" sz="1200" u="sng"/>
-              <a:t>classification</a:t>
-            </a:r>
-            <a:r>
-              <a:rPr lang="en-US" sz="1200"/>
-              <a:t>)</a:t>
+              <a:t>Scatter chart using pairs of points</a:t>
             </a:r>
           </a:p>
         </p:txBody>
@@ -13832,7 +13811,7 @@
         <p:spPr>
           <a:xfrm>
             <a:off x="10640253" y="610673"/>
-            <a:ext cx="2682419" cy="1569660"/>
+            <a:ext cx="2856672" cy="1836400"/>
           </a:xfrm>
           <a:prstGeom prst="rect">
             <a:avLst/>
@@ -13846,90 +13825,23 @@
           <a:lstStyle/>
           <a:p>
             <a:r>
-              <a:rPr lang="en-US" sz="1200" b="1" dirty="0" err="1">
-                <a:latin typeface="Consolas" panose="020B0609020204030204" pitchFamily="49" charset="0"/>
-              </a:rPr>
-              <a:t>df.</a:t>
-            </a:r>
-            <a:r>
-              <a:rPr lang="en-US" sz="1200" b="1" dirty="0" err="1">
+              <a:rPr lang="en-US" sz="1200" b="1">
+                <a:latin typeface="Consolas" panose="020B0609020204030204" pitchFamily="49" charset="0"/>
+              </a:rPr>
+              <a:t>df.plotting.</a:t>
+            </a:r>
+            <a:r>
+              <a:rPr lang="en-US" sz="1200" b="1">
                 <a:latin typeface="Consolas" panose="020B0609020204030204" pitchFamily="49" charset="0"/>
                 <a:hlinkClick r:id="rId36"/>
               </a:rPr>
-              <a:t>plot</a:t>
-            </a:r>
-            <a:r>
-              <a:rPr lang="en-US" sz="1200" b="1" dirty="0" err="1">
-                <a:latin typeface="Consolas" panose="020B0609020204030204" pitchFamily="49" charset="0"/>
-              </a:rPr>
-              <a:t>.hist</a:t>
-            </a:r>
-            <a:r>
-              <a:rPr lang="en-US" sz="1200" b="1" dirty="0">
-                <a:latin typeface="Consolas" panose="020B0609020204030204" pitchFamily="49" charset="0"/>
-              </a:rPr>
-              <a:t>()</a:t>
-            </a:r>
-          </a:p>
-          <a:p>
-            <a:pPr marL="111125"/>
-            <a:r>
-              <a:rPr lang="en-US" sz="1200" dirty="0"/>
-              <a:t>Histogram for </a:t>
-            </a:r>
-            <a:r>
-              <a:rPr lang="en-US" sz="1200"/>
-              <a:t>each column</a:t>
-            </a:r>
-            <a:endParaRPr lang="en-US" sz="1200" dirty="0"/>
-          </a:p>
-          <a:p>
+              <a:t>scatter_matrix</a:t>
+            </a:r>
             <a:r>
               <a:rPr lang="en-US" sz="1200" b="1">
                 <a:latin typeface="Consolas" panose="020B0609020204030204" pitchFamily="49" charset="0"/>
               </a:rPr>
-              <a:t>df.</a:t>
-            </a:r>
-            <a:r>
-              <a:rPr lang="en-US" sz="1200" b="1">
-                <a:latin typeface="Consolas" panose="020B0609020204030204" pitchFamily="49" charset="0"/>
-                <a:hlinkClick r:id="rId36"/>
-              </a:rPr>
-              <a:t>plot</a:t>
-            </a:r>
-            <a:r>
-              <a:rPr lang="en-US" sz="1200" b="1">
-                <a:latin typeface="Consolas" panose="020B0609020204030204" pitchFamily="49" charset="0"/>
-              </a:rPr>
-              <a:t>.scatter(x='w',y='h')</a:t>
-            </a:r>
-          </a:p>
-          <a:p>
-            <a:pPr marL="111125"/>
-            <a:r>
-              <a:rPr lang="en-US" sz="1200"/>
-              <a:t>Scatter chart using pairs of points</a:t>
-            </a:r>
-          </a:p>
-          <a:p>
-            <a:r>
-              <a:rPr lang="en-US" sz="1200" b="1">
-                <a:latin typeface="Consolas" panose="020B0609020204030204" pitchFamily="49" charset="0"/>
-              </a:rPr>
-              <a:t>df.</a:t>
-            </a:r>
-            <a:r>
-              <a:rPr lang="en-US" sz="1200" b="1">
-                <a:latin typeface="Consolas" panose="020B0609020204030204" pitchFamily="49" charset="0"/>
-                <a:hlinkClick r:id="rId37"/>
-              </a:rPr>
-              <a:t>plotting.scatter_matrix</a:t>
-            </a:r>
-            <a:r>
-              <a:rPr lang="en-US" sz="1200">
-                <a:latin typeface="Consolas" panose="020B0609020204030204" pitchFamily="49" charset="0"/>
-              </a:rPr>
-              <a:t>(…) </a:t>
+              <a:t>() </a:t>
             </a:r>
             <a:br>
               <a:rPr lang="en-US" sz="1200">
@@ -13961,6 +13873,88 @@
               <a:rPr lang="en-US" sz="1200"/>
               <a:t>)</a:t>
             </a:r>
+            <a:endParaRPr lang="en-US" sz="1200" b="1"/>
+          </a:p>
+          <a:p>
+            <a:pPr>
+              <a:lnSpc>
+                <a:spcPts val="1600"/>
+              </a:lnSpc>
+            </a:pPr>
+            <a:r>
+              <a:rPr lang="en-US" sz="1200" b="1">
+                <a:latin typeface="Consolas" panose="020B0609020204030204" pitchFamily="49" charset="0"/>
+              </a:rPr>
+              <a:t>seaborn.</a:t>
+            </a:r>
+            <a:r>
+              <a:rPr lang="en-US" sz="1200" b="1">
+                <a:latin typeface="Consolas" panose="020B0609020204030204" pitchFamily="49" charset="0"/>
+                <a:hlinkClick r:id="rId37"/>
+              </a:rPr>
+              <a:t>pairplot</a:t>
+            </a:r>
+            <a:r>
+              <a:rPr lang="en-US" sz="1200" b="1">
+                <a:latin typeface="Consolas" panose="020B0609020204030204" pitchFamily="49" charset="0"/>
+              </a:rPr>
+              <a:t>(df,</a:t>
+            </a:r>
+            <a:br>
+              <a:rPr lang="en-US" sz="1200" b="1">
+                <a:latin typeface="Consolas" panose="020B0609020204030204" pitchFamily="49" charset="0"/>
+              </a:rPr>
+            </a:br>
+            <a:r>
+              <a:rPr lang="en-US" sz="1200" b="1">
+                <a:latin typeface="Consolas" panose="020B0609020204030204" pitchFamily="49" charset="0"/>
+              </a:rPr>
+              <a:t>  hue=‘</a:t>
+            </a:r>
+            <a:r>
+              <a:rPr lang="en-US" sz="1200" i="1">
+                <a:latin typeface="Consolas" panose="020B0609020204030204" pitchFamily="49" charset="0"/>
+              </a:rPr>
+              <a:t>column_name</a:t>
+            </a:r>
+            <a:r>
+              <a:rPr lang="en-US" sz="1200" b="1">
+                <a:latin typeface="Consolas" panose="020B0609020204030204" pitchFamily="49" charset="0"/>
+              </a:rPr>
+              <a:t>’)</a:t>
+            </a:r>
+          </a:p>
+          <a:p>
+            <a:pPr>
+              <a:lnSpc>
+                <a:spcPts val="1600"/>
+              </a:lnSpc>
+            </a:pPr>
+            <a:r>
+              <a:rPr lang="en-US" sz="1200" b="1"/>
+              <a:t>   </a:t>
+            </a:r>
+            <a:r>
+              <a:rPr lang="en-US" sz="1200"/>
+              <a:t>Matrix of pairwise relationship</a:t>
+            </a:r>
+            <a:br>
+              <a:rPr lang="en-US" sz="1200"/>
+            </a:br>
+            <a:r>
+              <a:rPr lang="en-US" sz="1200"/>
+              <a:t>   (for </a:t>
+            </a:r>
+            <a:r>
+              <a:rPr lang="en-US" sz="1200" u="sng"/>
+              <a:t>classification</a:t>
+            </a:r>
+            <a:r>
+              <a:rPr lang="en-US" sz="1200"/>
+              <a:t>)</a:t>
+            </a:r>
+          </a:p>
+          <a:p>
             <a:br>
               <a:rPr lang="en-US" sz="1200"/>
             </a:br>
@@ -13990,7 +13984,7 @@
         </p:blipFill>
         <p:spPr>
           <a:xfrm>
-            <a:off x="13222237" y="574754"/>
+            <a:off x="9819755" y="645238"/>
             <a:ext cx="692025" cy="381260"/>
           </a:xfrm>
           <a:prstGeom prst="rect">
@@ -14020,8 +14014,8 @@
         </p:blipFill>
         <p:spPr>
           <a:xfrm>
-            <a:off x="13206153" y="998696"/>
-            <a:ext cx="724194" cy="439194"/>
+            <a:off x="9793908" y="1500437"/>
+            <a:ext cx="748242" cy="453778"/>
           </a:xfrm>
           <a:prstGeom prst="rect">
             <a:avLst/>
@@ -14050,7 +14044,7 @@
         </p:blipFill>
         <p:spPr>
           <a:xfrm>
-            <a:off x="13296681" y="1480772"/>
+            <a:off x="13296681" y="734384"/>
             <a:ext cx="591453" cy="488967"/>
           </a:xfrm>
           <a:prstGeom prst="rect">
@@ -14080,7 +14074,7 @@
         </p:blipFill>
         <p:spPr>
           <a:xfrm>
-            <a:off x="9961418" y="983783"/>
+            <a:off x="13290057" y="1370936"/>
             <a:ext cx="630692" cy="577128"/>
           </a:xfrm>
           <a:prstGeom prst="rect">
@@ -14102,8 +14096,8 @@
         </p:nvSpPr>
         <p:spPr>
           <a:xfrm>
-            <a:off x="4465319" y="10618708"/>
-            <a:ext cx="11178899" cy="215444"/>
+            <a:off x="7875270" y="10618708"/>
+            <a:ext cx="6412230" cy="215444"/>
           </a:xfrm>
           <a:prstGeom prst="rect">
             <a:avLst/>
@@ -14140,69 +14134,49 @@
             </a:r>
             <a:r>
               <a:rPr lang="en-US" sz="800"/>
-              <a:t> ) based on the </a:t>
+              <a:t> ) inspired </a:t>
+            </a:r>
+            <a:r>
+              <a:rPr lang="en-US" sz="800" dirty="0"/>
+              <a:t>by </a:t>
+            </a:r>
+            <a:r>
+              <a:rPr lang="en-US" sz="800" dirty="0" err="1">
+                <a:hlinkClick r:id="rId43"/>
+              </a:rPr>
+              <a:t>Rstudio</a:t>
+            </a:r>
+            <a:r>
+              <a:rPr lang="en-US" sz="800" dirty="0">
+                <a:hlinkClick r:id="rId43"/>
+              </a:rPr>
+              <a:t> Data Wrangling </a:t>
+            </a:r>
+            <a:r>
+              <a:rPr lang="en-US" sz="800" err="1">
+                <a:hlinkClick r:id="rId43"/>
+              </a:rPr>
+              <a:t>Cheatsheet</a:t>
             </a:r>
             <a:r>
               <a:rPr lang="en-US" sz="800">
                 <a:hlinkClick r:id="rId43"/>
               </a:rPr>
-              <a:t>official cheatsheet</a:t>
+              <a:t> </a:t>
             </a:r>
             <a:r>
               <a:rPr lang="en-US" sz="800"/>
-              <a:t> which itself was inspired </a:t>
+              <a:t>written </a:t>
             </a:r>
             <a:r>
               <a:rPr lang="en-US" sz="800" dirty="0"/>
-              <a:t>by </a:t>
-            </a:r>
-            <a:r>
-              <a:rPr lang="en-US" sz="800" dirty="0" err="1">
-                <a:hlinkClick r:id="rId44"/>
-              </a:rPr>
-              <a:t>Rstudio</a:t>
-            </a:r>
-            <a:r>
-              <a:rPr lang="en-US" sz="800" dirty="0">
-                <a:hlinkClick r:id="rId44"/>
-              </a:rPr>
-              <a:t> Data Wrangling </a:t>
-            </a:r>
-            <a:r>
-              <a:rPr lang="en-US" sz="800" err="1">
-                <a:hlinkClick r:id="rId44"/>
-              </a:rPr>
-              <a:t>Cheatsheet</a:t>
+              <a:t>by Irv Lustig, </a:t>
             </a:r>
             <a:r>
               <a:rPr lang="en-US" sz="800">
                 <a:hlinkClick r:id="rId44"/>
               </a:rPr>
-              <a:t> </a:t>
-            </a:r>
-            <a:r>
-              <a:rPr lang="en-US" sz="800"/>
-              <a:t>Written </a:t>
-            </a:r>
-            <a:r>
-              <a:rPr lang="en-US" sz="800" dirty="0"/>
-              <a:t>by Irv Lustig, </a:t>
-            </a:r>
-            <a:r>
-              <a:rPr lang="en-US" sz="800">
-                <a:hlinkClick r:id="rId45"/>
-              </a:rPr>
               <a:t>Princeton Consultants</a:t>
-            </a:r>
-            <a:r>
-              <a:rPr lang="en-US" sz="800"/>
-              <a:t>. Source: </a:t>
-            </a:r>
-            <a:r>
-              <a:rPr lang="en-US" sz="800">
-                <a:hlinkClick r:id="rId46"/>
-              </a:rPr>
-              <a:t>https://github.com/OliEfr</a:t>
             </a:r>
             <a:endParaRPr lang="en-US" sz="800" dirty="0"/>
           </a:p>
@@ -14247,7 +14221,7 @@
             </a:r>
             <a:r>
               <a:rPr lang="de-DE" sz="1200" b="1">
-                <a:hlinkClick r:id="rId47"/>
+                <a:hlinkClick r:id="rId45"/>
               </a:rPr>
               <a:t>API Reference</a:t>
             </a:r>
@@ -14264,7 +14238,7 @@
             </a:r>
             <a:r>
               <a:rPr lang="de-DE" sz="1200" b="1">
-                <a:hlinkClick r:id="rId48"/>
+                <a:hlinkClick r:id="rId46"/>
               </a:rPr>
               <a:t>API Reference </a:t>
             </a:r>
@@ -24918,10 +24892,10 @@
       </p:sp>
       <p:sp>
         <p:nvSpPr>
-          <p:cNvPr id="88" name="TextBox 19">
+          <p:cNvPr id="81" name="TextBox 19">
             <a:extLst>
               <a:ext uri="{FF2B5EF4-FFF2-40B4-BE49-F238E27FC236}">
-                <a16:creationId xmlns:a16="http://schemas.microsoft.com/office/drawing/2014/main" id="{72015019-4200-48E3-850E-110CFECAC67C}"/>
+                <a16:creationId xmlns:a16="http://schemas.microsoft.com/office/drawing/2014/main" id="{E143DE1B-0EA6-483A-B68D-A2D31E60AA9A}"/>
               </a:ext>
             </a:extLst>
           </p:cNvPr>
@@ -24930,8 +24904,8 @@
         </p:nvSpPr>
         <p:spPr>
           <a:xfrm>
-            <a:off x="4453072" y="10654201"/>
-            <a:ext cx="9815024" cy="215444"/>
+            <a:off x="7875270" y="10618708"/>
+            <a:ext cx="6412230" cy="215444"/>
           </a:xfrm>
           <a:prstGeom prst="rect">
             <a:avLst/>
@@ -24968,69 +24942,49 @@
             </a:r>
             <a:r>
               <a:rPr lang="en-US" sz="800"/>
-              <a:t> ) based on the </a:t>
+              <a:t> ) inspired </a:t>
+            </a:r>
+            <a:r>
+              <a:rPr lang="en-US" sz="800" dirty="0"/>
+              <a:t>by </a:t>
+            </a:r>
+            <a:r>
+              <a:rPr lang="en-US" sz="800" dirty="0" err="1">
+                <a:hlinkClick r:id="rId51"/>
+              </a:rPr>
+              <a:t>Rstudio</a:t>
+            </a:r>
+            <a:r>
+              <a:rPr lang="en-US" sz="800" dirty="0">
+                <a:hlinkClick r:id="rId51"/>
+              </a:rPr>
+              <a:t> Data Wrangling </a:t>
+            </a:r>
+            <a:r>
+              <a:rPr lang="en-US" sz="800" err="1">
+                <a:hlinkClick r:id="rId51"/>
+              </a:rPr>
+              <a:t>Cheatsheet</a:t>
             </a:r>
             <a:r>
               <a:rPr lang="en-US" sz="800">
                 <a:hlinkClick r:id="rId51"/>
               </a:rPr>
-              <a:t>official cheatsheet</a:t>
+              <a:t> </a:t>
             </a:r>
             <a:r>
               <a:rPr lang="en-US" sz="800"/>
-              <a:t> which itself was inspired </a:t>
+              <a:t>written </a:t>
             </a:r>
             <a:r>
               <a:rPr lang="en-US" sz="800" dirty="0"/>
-              <a:t>by </a:t>
-            </a:r>
-            <a:r>
-              <a:rPr lang="en-US" sz="800" dirty="0" err="1">
-                <a:hlinkClick r:id="rId52"/>
-              </a:rPr>
-              <a:t>Rstudio</a:t>
-            </a:r>
-            <a:r>
-              <a:rPr lang="en-US" sz="800" dirty="0">
-                <a:hlinkClick r:id="rId52"/>
-              </a:rPr>
-              <a:t> Data Wrangling </a:t>
-            </a:r>
-            <a:r>
-              <a:rPr lang="en-US" sz="800" err="1">
-                <a:hlinkClick r:id="rId52"/>
-              </a:rPr>
-              <a:t>Cheatsheet</a:t>
+              <a:t>by Irv Lustig, </a:t>
             </a:r>
             <a:r>
               <a:rPr lang="en-US" sz="800">
                 <a:hlinkClick r:id="rId52"/>
               </a:rPr>
-              <a:t> </a:t>
-            </a:r>
-            <a:r>
-              <a:rPr lang="en-US" sz="800"/>
-              <a:t>Written </a:t>
-            </a:r>
-            <a:r>
-              <a:rPr lang="en-US" sz="800" dirty="0"/>
-              <a:t>by Irv Lustig, </a:t>
-            </a:r>
-            <a:r>
-              <a:rPr lang="en-US" sz="800">
-                <a:hlinkClick r:id="rId53"/>
-              </a:rPr>
               <a:t>Princeton Consultants</a:t>
-            </a:r>
-            <a:r>
-              <a:rPr lang="en-US" sz="800"/>
-              <a:t>. Source: </a:t>
-            </a:r>
-            <a:r>
-              <a:rPr lang="en-US" sz="800">
-                <a:hlinkClick r:id="rId54"/>
-              </a:rPr>
-              <a:t>https://github.com/OliEfr</a:t>
             </a:r>
             <a:endParaRPr lang="en-US" sz="800" dirty="0"/>
           </a:p>

--- a/doc/cheatsheet/Pandas_Cheat_Sheet.pptx
+++ b/doc/cheatsheet/Pandas_Cheat_Sheet.pptx
@@ -261,7 +261,7 @@
           <a:p>
             <a:fld id="{79278B33-2949-49BE-B3B0-3F16CAF906FE}" type="datetimeFigureOut">
               <a:rPr lang="en-US" smtClean="0"/>
-              <a:t>2/14/2021</a:t>
+              <a:t>2/19/2021</a:t>
             </a:fld>
             <a:endParaRPr lang="en-US"/>
           </a:p>
@@ -431,7 +431,7 @@
           <a:p>
             <a:fld id="{79278B33-2949-49BE-B3B0-3F16CAF906FE}" type="datetimeFigureOut">
               <a:rPr lang="en-US" smtClean="0"/>
-              <a:t>2/14/2021</a:t>
+              <a:t>2/19/2021</a:t>
             </a:fld>
             <a:endParaRPr lang="en-US"/>
           </a:p>
@@ -611,7 +611,7 @@
           <a:p>
             <a:fld id="{79278B33-2949-49BE-B3B0-3F16CAF906FE}" type="datetimeFigureOut">
               <a:rPr lang="en-US" smtClean="0"/>
-              <a:t>2/14/2021</a:t>
+              <a:t>2/19/2021</a:t>
             </a:fld>
             <a:endParaRPr lang="en-US"/>
           </a:p>
@@ -781,7 +781,7 @@
           <a:p>
             <a:fld id="{79278B33-2949-49BE-B3B0-3F16CAF906FE}" type="datetimeFigureOut">
               <a:rPr lang="en-US" smtClean="0"/>
-              <a:t>2/14/2021</a:t>
+              <a:t>2/19/2021</a:t>
             </a:fld>
             <a:endParaRPr lang="en-US"/>
           </a:p>
@@ -1025,7 +1025,7 @@
           <a:p>
             <a:fld id="{79278B33-2949-49BE-B3B0-3F16CAF906FE}" type="datetimeFigureOut">
               <a:rPr lang="en-US" smtClean="0"/>
-              <a:t>2/14/2021</a:t>
+              <a:t>2/19/2021</a:t>
             </a:fld>
             <a:endParaRPr lang="en-US"/>
           </a:p>
@@ -1257,7 +1257,7 @@
           <a:p>
             <a:fld id="{79278B33-2949-49BE-B3B0-3F16CAF906FE}" type="datetimeFigureOut">
               <a:rPr lang="en-US" smtClean="0"/>
-              <a:t>2/14/2021</a:t>
+              <a:t>2/19/2021</a:t>
             </a:fld>
             <a:endParaRPr lang="en-US"/>
           </a:p>
@@ -1624,7 +1624,7 @@
           <a:p>
             <a:fld id="{79278B33-2949-49BE-B3B0-3F16CAF906FE}" type="datetimeFigureOut">
               <a:rPr lang="en-US" smtClean="0"/>
-              <a:t>2/14/2021</a:t>
+              <a:t>2/19/2021</a:t>
             </a:fld>
             <a:endParaRPr lang="en-US"/>
           </a:p>
@@ -1742,7 +1742,7 @@
           <a:p>
             <a:fld id="{79278B33-2949-49BE-B3B0-3F16CAF906FE}" type="datetimeFigureOut">
               <a:rPr lang="en-US" smtClean="0"/>
-              <a:t>2/14/2021</a:t>
+              <a:t>2/19/2021</a:t>
             </a:fld>
             <a:endParaRPr lang="en-US"/>
           </a:p>
@@ -1837,7 +1837,7 @@
           <a:p>
             <a:fld id="{79278B33-2949-49BE-B3B0-3F16CAF906FE}" type="datetimeFigureOut">
               <a:rPr lang="en-US" smtClean="0"/>
-              <a:t>2/14/2021</a:t>
+              <a:t>2/19/2021</a:t>
             </a:fld>
             <a:endParaRPr lang="en-US"/>
           </a:p>
@@ -2114,7 +2114,7 @@
           <a:p>
             <a:fld id="{79278B33-2949-49BE-B3B0-3F16CAF906FE}" type="datetimeFigureOut">
               <a:rPr lang="en-US" smtClean="0"/>
-              <a:t>2/14/2021</a:t>
+              <a:t>2/19/2021</a:t>
             </a:fld>
             <a:endParaRPr lang="en-US"/>
           </a:p>
@@ -2371,7 +2371,7 @@
           <a:p>
             <a:fld id="{79278B33-2949-49BE-B3B0-3F16CAF906FE}" type="datetimeFigureOut">
               <a:rPr lang="en-US" smtClean="0"/>
-              <a:t>2/14/2021</a:t>
+              <a:t>2/19/2021</a:t>
             </a:fld>
             <a:endParaRPr lang="en-US"/>
           </a:p>
@@ -2584,7 +2584,7 @@
           <a:p>
             <a:fld id="{79278B33-2949-49BE-B3B0-3F16CAF906FE}" type="datetimeFigureOut">
               <a:rPr lang="en-US" smtClean="0"/>
-              <a:t>2/14/2021</a:t>
+              <a:t>2/19/2021</a:t>
             </a:fld>
             <a:endParaRPr lang="en-US"/>
           </a:p>
@@ -2991,73 +2991,14 @@
       </p:grpSpPr>
       <p:sp>
         <p:nvSpPr>
-          <p:cNvPr id="5" name="Rechteck: abgerundete Ecken 4">
-            <a:extLst>
-              <a:ext uri="{FF2B5EF4-FFF2-40B4-BE49-F238E27FC236}">
-                <a16:creationId xmlns:a16="http://schemas.microsoft.com/office/drawing/2014/main" id="{72D94952-F364-408A-A6EE-02883BBDA36B}"/>
-              </a:ext>
-            </a:extLst>
-          </p:cNvPr>
-          <p:cNvSpPr/>
-          <p:nvPr/>
-        </p:nvSpPr>
-        <p:spPr>
-          <a:xfrm>
-            <a:off x="251102" y="539114"/>
-            <a:ext cx="3441323" cy="749656"/>
-          </a:xfrm>
-          <a:prstGeom prst="roundRect">
-            <a:avLst>
-              <a:gd name="adj" fmla="val 4927"/>
-            </a:avLst>
-          </a:prstGeom>
-          <a:solidFill>
-            <a:schemeClr val="accent2">
-              <a:lumMod val="20000"/>
-              <a:lumOff val="80000"/>
-            </a:schemeClr>
-          </a:solidFill>
-          <a:ln>
-            <a:solidFill>
-              <a:schemeClr val="accent2"/>
-            </a:solidFill>
-          </a:ln>
-        </p:spPr>
-        <p:style>
-          <a:lnRef idx="2">
-            <a:schemeClr val="accent1">
-              <a:shade val="50000"/>
-            </a:schemeClr>
-          </a:lnRef>
-          <a:fillRef idx="1">
-            <a:schemeClr val="accent1"/>
-          </a:fillRef>
-          <a:effectRef idx="0">
-            <a:schemeClr val="accent1"/>
-          </a:effectRef>
-          <a:fontRef idx="minor">
-            <a:schemeClr val="lt1"/>
-          </a:fontRef>
-        </p:style>
-        <p:txBody>
-          <a:bodyPr rtlCol="0" anchor="ctr"/>
-          <a:lstStyle/>
-          <a:p>
-            <a:pPr algn="ctr"/>
-            <a:endParaRPr lang="de-DE"/>
-          </a:p>
-        </p:txBody>
-      </p:sp>
-      <p:sp>
-        <p:nvSpPr>
           <p:cNvPr id="46" name="Rounded Rectangle 45"/>
           <p:cNvSpPr/>
           <p:nvPr/>
         </p:nvSpPr>
         <p:spPr>
           <a:xfrm>
-            <a:off x="3866056" y="2410553"/>
-            <a:ext cx="10032294" cy="3380648"/>
+            <a:off x="3855840" y="2087613"/>
+            <a:ext cx="10073118" cy="3267749"/>
           </a:xfrm>
           <a:prstGeom prst="roundRect">
             <a:avLst>
@@ -3104,7 +3045,7 @@
         </p:nvSpPr>
         <p:spPr>
           <a:xfrm>
-            <a:off x="251102" y="1374597"/>
+            <a:off x="263115" y="1704415"/>
             <a:ext cx="3463425" cy="423293"/>
           </a:xfrm>
           <a:prstGeom prst="roundRect">
@@ -3178,8 +3119,8 @@
         </p:nvSpPr>
         <p:spPr>
           <a:xfrm>
-            <a:off x="251104" y="1797890"/>
-            <a:ext cx="3463426" cy="6757765"/>
+            <a:off x="251102" y="2151997"/>
+            <a:ext cx="3463426" cy="6448117"/>
           </a:xfrm>
           <a:prstGeom prst="roundRect">
             <a:avLst>
@@ -3226,8 +3167,8 @@
         </p:nvSpPr>
         <p:spPr>
           <a:xfrm>
-            <a:off x="3855841" y="2051644"/>
-            <a:ext cx="10042509" cy="423293"/>
+            <a:off x="3855841" y="1728704"/>
+            <a:ext cx="10073118" cy="423293"/>
           </a:xfrm>
           <a:prstGeom prst="roundRect">
             <a:avLst/>
@@ -3344,13 +3285,13 @@
           <p:nvPr>
             <p:extLst>
               <p:ext uri="{D42A27DB-BD31-4B8C-83A1-F6EECF244321}">
-                <p14:modId xmlns:p14="http://schemas.microsoft.com/office/powerpoint/2010/main" val="3137564218"/>
+                <p14:modId xmlns:p14="http://schemas.microsoft.com/office/powerpoint/2010/main" val="1637569193"/>
               </p:ext>
             </p:extLst>
           </p:nvPr>
         </p:nvGraphicFramePr>
         <p:xfrm>
-          <a:off x="4191785" y="2633671"/>
+          <a:off x="4191785" y="2263106"/>
           <a:ext cx="1097280" cy="411480"/>
         </p:xfrm>
         <a:graphic>
@@ -3611,13 +3552,13 @@
           <p:nvPr>
             <p:extLst>
               <p:ext uri="{D42A27DB-BD31-4B8C-83A1-F6EECF244321}">
-                <p14:modId xmlns:p14="http://schemas.microsoft.com/office/powerpoint/2010/main" val="2805140681"/>
+                <p14:modId xmlns:p14="http://schemas.microsoft.com/office/powerpoint/2010/main" val="3534857843"/>
               </p:ext>
             </p:extLst>
           </p:nvPr>
         </p:nvGraphicFramePr>
         <p:xfrm>
-          <a:off x="5907917" y="2615354"/>
+          <a:off x="5907917" y="2244789"/>
           <a:ext cx="822960" cy="960120"/>
         </p:xfrm>
         <a:graphic>
@@ -4046,7 +3987,7 @@
         </p:nvCxnSpPr>
         <p:spPr>
           <a:xfrm>
-            <a:off x="5424488" y="2839411"/>
+            <a:off x="5424488" y="2468846"/>
             <a:ext cx="363152" cy="0"/>
           </a:xfrm>
           <a:prstGeom prst="straightConnector1">
@@ -4082,7 +4023,7 @@
         </p:nvSpPr>
         <p:spPr>
           <a:xfrm>
-            <a:off x="4092366" y="3547713"/>
+            <a:off x="4092366" y="3177148"/>
             <a:ext cx="2721347" cy="461665"/>
           </a:xfrm>
           <a:prstGeom prst="rect">
@@ -4145,13 +4086,13 @@
           <p:nvPr>
             <p:extLst>
               <p:ext uri="{D42A27DB-BD31-4B8C-83A1-F6EECF244321}">
-                <p14:modId xmlns:p14="http://schemas.microsoft.com/office/powerpoint/2010/main" val="3023715829"/>
+                <p14:modId xmlns:p14="http://schemas.microsoft.com/office/powerpoint/2010/main" val="3869880851"/>
               </p:ext>
             </p:extLst>
           </p:nvPr>
         </p:nvGraphicFramePr>
         <p:xfrm>
-          <a:off x="7018457" y="2617281"/>
+          <a:off x="7018457" y="2246716"/>
           <a:ext cx="822960" cy="960120"/>
         </p:xfrm>
         <a:graphic>
@@ -4581,13 +4522,13 @@
           <p:nvPr>
             <p:extLst>
               <p:ext uri="{D42A27DB-BD31-4B8C-83A1-F6EECF244321}">
-                <p14:modId xmlns:p14="http://schemas.microsoft.com/office/powerpoint/2010/main" val="4219187346"/>
+                <p14:modId xmlns:p14="http://schemas.microsoft.com/office/powerpoint/2010/main" val="3023339652"/>
               </p:ext>
             </p:extLst>
           </p:nvPr>
         </p:nvGraphicFramePr>
         <p:xfrm>
-          <a:off x="8463124" y="2617281"/>
+          <a:off x="8463124" y="2246716"/>
           <a:ext cx="1097280" cy="411480"/>
         </p:xfrm>
         <a:graphic>
@@ -4847,7 +4788,7 @@
         </p:nvCxnSpPr>
         <p:spPr>
           <a:xfrm>
-            <a:off x="7994567" y="2823022"/>
+            <a:off x="7994567" y="2452457"/>
             <a:ext cx="363152" cy="0"/>
           </a:xfrm>
           <a:prstGeom prst="straightConnector1">
@@ -4883,7 +4824,7 @@
         </p:nvSpPr>
         <p:spPr>
           <a:xfrm>
-            <a:off x="7020088" y="3576150"/>
+            <a:off x="7020088" y="3253210"/>
             <a:ext cx="3716619" cy="461665"/>
           </a:xfrm>
           <a:prstGeom prst="rect">
@@ -4958,13 +4899,13 @@
           <p:nvPr>
             <p:extLst>
               <p:ext uri="{D42A27DB-BD31-4B8C-83A1-F6EECF244321}">
-                <p14:modId xmlns:p14="http://schemas.microsoft.com/office/powerpoint/2010/main" val="1492959702"/>
+                <p14:modId xmlns:p14="http://schemas.microsoft.com/office/powerpoint/2010/main" val="541290661"/>
               </p:ext>
             </p:extLst>
           </p:nvPr>
         </p:nvGraphicFramePr>
         <p:xfrm>
-          <a:off x="4199671" y="4115358"/>
+          <a:off x="4199671" y="3744793"/>
           <a:ext cx="822960" cy="411480"/>
         </p:xfrm>
         <a:graphic>
@@ -5170,13 +5111,13 @@
           <p:nvPr>
             <p:extLst>
               <p:ext uri="{D42A27DB-BD31-4B8C-83A1-F6EECF244321}">
-                <p14:modId xmlns:p14="http://schemas.microsoft.com/office/powerpoint/2010/main" val="4071559489"/>
+                <p14:modId xmlns:p14="http://schemas.microsoft.com/office/powerpoint/2010/main" val="2758060177"/>
               </p:ext>
             </p:extLst>
           </p:nvPr>
         </p:nvGraphicFramePr>
         <p:xfrm>
-          <a:off x="4199671" y="4650379"/>
+          <a:off x="4199671" y="4279814"/>
           <a:ext cx="822960" cy="548640"/>
         </p:xfrm>
         <a:graphic>
@@ -5436,7 +5377,7 @@
         </p:nvSpPr>
         <p:spPr>
           <a:xfrm>
-            <a:off x="5077525" y="4105207"/>
+            <a:off x="5077525" y="3734642"/>
             <a:ext cx="241744" cy="1085740"/>
           </a:xfrm>
           <a:prstGeom prst="rightBrace">
@@ -5487,7 +5428,7 @@
         </p:nvSpPr>
         <p:spPr>
           <a:xfrm>
-            <a:off x="4137609" y="5170259"/>
+            <a:off x="4137609" y="4799694"/>
             <a:ext cx="2721347" cy="461665"/>
           </a:xfrm>
           <a:prstGeom prst="rect">
@@ -5543,13 +5484,13 @@
           <p:nvPr>
             <p:extLst>
               <p:ext uri="{D42A27DB-BD31-4B8C-83A1-F6EECF244321}">
-                <p14:modId xmlns:p14="http://schemas.microsoft.com/office/powerpoint/2010/main" val="713797811"/>
+                <p14:modId xmlns:p14="http://schemas.microsoft.com/office/powerpoint/2010/main" val="3945922843"/>
               </p:ext>
             </p:extLst>
           </p:nvPr>
         </p:nvGraphicFramePr>
         <p:xfrm>
-          <a:off x="5524096" y="4217315"/>
+          <a:off x="5524096" y="3846750"/>
           <a:ext cx="822960" cy="822960"/>
         </p:xfrm>
         <a:graphic>
@@ -5920,13 +5861,13 @@
           <p:nvPr>
             <p:extLst>
               <p:ext uri="{D42A27DB-BD31-4B8C-83A1-F6EECF244321}">
-                <p14:modId xmlns:p14="http://schemas.microsoft.com/office/powerpoint/2010/main" val="3351998173"/>
+                <p14:modId xmlns:p14="http://schemas.microsoft.com/office/powerpoint/2010/main" val="3495549105"/>
               </p:ext>
             </p:extLst>
           </p:nvPr>
         </p:nvGraphicFramePr>
         <p:xfrm>
-          <a:off x="7105325" y="4109742"/>
+          <a:off x="7105325" y="3739177"/>
           <a:ext cx="548640" cy="411480"/>
         </p:xfrm>
         <a:graphic>
@@ -6076,7 +6017,7 @@
         </p:nvSpPr>
         <p:spPr>
           <a:xfrm>
-            <a:off x="7949045" y="4104356"/>
+            <a:off x="7949045" y="3733791"/>
             <a:ext cx="138810" cy="930279"/>
           </a:xfrm>
           <a:prstGeom prst="rightBrace">
@@ -6128,13 +6069,13 @@
           <p:nvPr>
             <p:extLst>
               <p:ext uri="{D42A27DB-BD31-4B8C-83A1-F6EECF244321}">
-                <p14:modId xmlns:p14="http://schemas.microsoft.com/office/powerpoint/2010/main" val="949823020"/>
+                <p14:modId xmlns:p14="http://schemas.microsoft.com/office/powerpoint/2010/main" val="3795747284"/>
               </p:ext>
             </p:extLst>
           </p:nvPr>
         </p:nvGraphicFramePr>
         <p:xfrm>
-          <a:off x="7090668" y="4633936"/>
+          <a:off x="7090668" y="4263371"/>
           <a:ext cx="822960" cy="411480"/>
         </p:xfrm>
         <a:graphic>
@@ -6340,13 +6281,13 @@
           <p:nvPr>
             <p:extLst>
               <p:ext uri="{D42A27DB-BD31-4B8C-83A1-F6EECF244321}">
-                <p14:modId xmlns:p14="http://schemas.microsoft.com/office/powerpoint/2010/main" val="3875322888"/>
+                <p14:modId xmlns:p14="http://schemas.microsoft.com/office/powerpoint/2010/main" val="2717626207"/>
               </p:ext>
             </p:extLst>
           </p:nvPr>
         </p:nvGraphicFramePr>
         <p:xfrm>
-          <a:off x="8265429" y="4363755"/>
+          <a:off x="8265429" y="3993190"/>
           <a:ext cx="1097280" cy="411480"/>
         </p:xfrm>
         <a:graphic>
@@ -6606,7 +6547,7 @@
         </p:nvSpPr>
         <p:spPr>
           <a:xfrm>
-            <a:off x="6985846" y="5155802"/>
+            <a:off x="6985846" y="4785237"/>
             <a:ext cx="3157437" cy="461665"/>
           </a:xfrm>
           <a:prstGeom prst="rect">
@@ -6661,7 +6602,7 @@
         </p:nvSpPr>
         <p:spPr>
           <a:xfrm>
-            <a:off x="4110200" y="2548176"/>
+            <a:off x="4110200" y="2177611"/>
             <a:ext cx="2849319" cy="1480974"/>
           </a:xfrm>
           <a:prstGeom prst="rect">
@@ -6707,7 +6648,7 @@
         </p:nvSpPr>
         <p:spPr>
           <a:xfrm>
-            <a:off x="4110200" y="4033422"/>
+            <a:off x="4110200" y="3662857"/>
             <a:ext cx="2855040" cy="1652363"/>
           </a:xfrm>
           <a:prstGeom prst="rect">
@@ -6753,7 +6694,7 @@
         </p:nvSpPr>
         <p:spPr>
           <a:xfrm>
-            <a:off x="6959519" y="4033422"/>
+            <a:off x="6959519" y="3662857"/>
             <a:ext cx="3317245" cy="1652363"/>
           </a:xfrm>
           <a:prstGeom prst="rect">
@@ -6799,7 +6740,7 @@
         </p:nvSpPr>
         <p:spPr>
           <a:xfrm>
-            <a:off x="6959519" y="2548175"/>
+            <a:off x="6959519" y="2177610"/>
             <a:ext cx="3317245" cy="1491801"/>
           </a:xfrm>
           <a:prstGeom prst="rect">
@@ -6845,7 +6786,7 @@
         </p:nvSpPr>
         <p:spPr>
           <a:xfrm>
-            <a:off x="10296433" y="2550281"/>
+            <a:off x="10296433" y="2227341"/>
             <a:ext cx="3691389" cy="3108543"/>
           </a:xfrm>
           <a:prstGeom prst="rect">
@@ -7102,85 +7043,6 @@
           </a:p>
         </p:txBody>
       </p:sp>
-      <p:sp>
-        <p:nvSpPr>
-          <p:cNvPr id="78" name="Rounded Rectangle 77"/>
-          <p:cNvSpPr/>
-          <p:nvPr/>
-        </p:nvSpPr>
-        <p:spPr>
-          <a:xfrm>
-            <a:off x="3855840" y="5840778"/>
-            <a:ext cx="10032294" cy="423293"/>
-          </a:xfrm>
-          <a:prstGeom prst="roundRect">
-            <a:avLst/>
-          </a:prstGeom>
-        </p:spPr>
-        <p:style>
-          <a:lnRef idx="2">
-            <a:schemeClr val="accent1">
-              <a:shade val="50000"/>
-            </a:schemeClr>
-          </a:lnRef>
-          <a:fillRef idx="1">
-            <a:schemeClr val="accent1"/>
-          </a:fillRef>
-          <a:effectRef idx="0">
-            <a:schemeClr val="accent1"/>
-          </a:effectRef>
-          <a:fontRef idx="minor">
-            <a:schemeClr val="lt1"/>
-          </a:fontRef>
-        </p:style>
-        <p:txBody>
-          <a:bodyPr rtlCol="0" anchor="ctr"/>
-          <a:lstStyle/>
-          <a:p>
-            <a:pPr algn="ctr"/>
-            <a:r>
-              <a:rPr lang="en-US" sz="2800" b="1">
-                <a:solidFill>
-                  <a:schemeClr val="bg1"/>
-                </a:solidFill>
-              </a:rPr>
-              <a:t>Subset Observations </a:t>
-            </a:r>
-            <a:r>
-              <a:rPr lang="en-US" sz="1800">
-                <a:solidFill>
-                  <a:schemeClr val="bg1"/>
-                </a:solidFill>
-              </a:rPr>
-              <a:t>–  </a:t>
-            </a:r>
-            <a:r>
-              <a:rPr lang="en-US" sz="1800">
-                <a:solidFill>
-                  <a:schemeClr val="bg1"/>
-                </a:solidFill>
-                <a:hlinkClick r:id="rId3">
-                  <a:extLst>
-                    <a:ext uri="{A12FA001-AC4F-418D-AE19-62706E023703}">
-                      <ahyp:hlinkClr xmlns:ahyp="http://schemas.microsoft.com/office/drawing/2018/hyperlinkcolor" val="tx"/>
-                    </a:ext>
-                  </a:extLst>
-                </a:hlinkClick>
-              </a:rPr>
-              <a:t>Selecting Data</a:t>
-            </a:r>
-            <a:r>
-              <a:rPr lang="en-US" sz="1800">
-                <a:solidFill>
-                  <a:schemeClr val="bg1"/>
-                </a:solidFill>
-              </a:rPr>
-              <a:t>: rows or columns</a:t>
-            </a:r>
-            <a:endParaRPr lang="en-US" sz="2683" dirty="0"/>
-          </a:p>
-        </p:txBody>
-      </p:sp>
       <p:graphicFrame>
         <p:nvGraphicFramePr>
           <p:cNvPr id="4" name="Table 3"/>
@@ -7190,13 +7052,13 @@
           <p:nvPr>
             <p:extLst>
               <p:ext uri="{D42A27DB-BD31-4B8C-83A1-F6EECF244321}">
-                <p14:modId xmlns:p14="http://schemas.microsoft.com/office/powerpoint/2010/main" val="3213816621"/>
+                <p14:modId xmlns:p14="http://schemas.microsoft.com/office/powerpoint/2010/main" val="2501441798"/>
               </p:ext>
             </p:extLst>
           </p:nvPr>
         </p:nvGraphicFramePr>
         <p:xfrm>
-          <a:off x="1043829" y="1904121"/>
+          <a:off x="1057041" y="2597677"/>
           <a:ext cx="1787024" cy="792480"/>
         </p:xfrm>
         <a:graphic>
@@ -8195,8 +8057,8 @@
         </p:nvSpPr>
         <p:spPr>
           <a:xfrm>
-            <a:off x="370160" y="2778705"/>
-            <a:ext cx="3291069" cy="3170099"/>
+            <a:off x="357319" y="3204909"/>
+            <a:ext cx="3291069" cy="2800767"/>
           </a:xfrm>
           <a:prstGeom prst="rect">
             <a:avLst/>
@@ -8209,71 +8071,6 @@
           </a:bodyPr>
           <a:lstStyle/>
           <a:p>
-            <a:r>
-              <a:rPr lang="en-US" sz="1200">
-                <a:latin typeface="Consolas" panose="020B0609020204030204" pitchFamily="49" charset="0"/>
-              </a:rPr>
-              <a:t>use</a:t>
-            </a:r>
-            <a:r>
-              <a:rPr lang="en-US" sz="1200" b="1">
-                <a:latin typeface="Consolas" panose="020B0609020204030204" pitchFamily="49" charset="0"/>
-              </a:rPr>
-              <a:t> </a:t>
-            </a:r>
-            <a:r>
-              <a:rPr lang="en-US" sz="1200" b="1">
-                <a:latin typeface="Consolas" panose="020B0609020204030204" pitchFamily="49" charset="0"/>
-                <a:hlinkClick r:id="rId2"/>
-              </a:rPr>
-              <a:t>IO-Tools</a:t>
-            </a:r>
-            <a:r>
-              <a:rPr lang="en-US" sz="1200" b="1"/>
-              <a:t> </a:t>
-            </a:r>
-            <a:r>
-              <a:rPr lang="en-US" sz="1200"/>
-              <a:t>to import from files</a:t>
-            </a:r>
-            <a:br>
-              <a:rPr lang="en-US" sz="1200" b="1">
-                <a:latin typeface="Consolas" panose="020B0609020204030204" pitchFamily="49" charset="0"/>
-              </a:rPr>
-            </a:br>
-            <a:r>
-              <a:rPr lang="en-US" sz="1200" b="1">
-                <a:latin typeface="Consolas" panose="020B0609020204030204" pitchFamily="49" charset="0"/>
-              </a:rPr>
-              <a:t>df = pd.</a:t>
-            </a:r>
-            <a:r>
-              <a:rPr lang="en-US" sz="1200" b="1">
-                <a:latin typeface="Consolas" panose="020B0609020204030204" pitchFamily="49" charset="0"/>
-                <a:hlinkClick r:id="rId14"/>
-              </a:rPr>
-              <a:t>read_csv</a:t>
-            </a:r>
-            <a:r>
-              <a:rPr lang="en-US" sz="1200" b="1">
-                <a:latin typeface="Consolas" panose="020B0609020204030204" pitchFamily="49" charset="0"/>
-              </a:rPr>
-              <a:t>(“</a:t>
-            </a:r>
-            <a:r>
-              <a:rPr lang="en-US" sz="1200" b="1" i="1">
-                <a:latin typeface="Consolas" panose="020B0609020204030204" pitchFamily="49" charset="0"/>
-              </a:rPr>
-              <a:t>filepath</a:t>
-            </a:r>
-            <a:r>
-              <a:rPr lang="en-US" sz="1200" b="1">
-                <a:latin typeface="Consolas" panose="020B0609020204030204" pitchFamily="49" charset="0"/>
-              </a:rPr>
-              <a:t>”)</a:t>
-            </a:r>
-          </a:p>
-          <a:p>
             <a:endParaRPr lang="en-US" sz="1200" b="1">
               <a:latin typeface="Consolas" panose="020B0609020204030204" pitchFamily="49" charset="0"/>
             </a:endParaRPr>
@@ -8294,7 +8091,7 @@
             <a:r>
               <a:rPr lang="en-US" sz="1200" b="1" dirty="0" err="1">
                 <a:latin typeface="Consolas" panose="020B0609020204030204" pitchFamily="49" charset="0"/>
-                <a:hlinkClick r:id="rId15"/>
+                <a:hlinkClick r:id="rId14"/>
               </a:rPr>
               <a:t>pd.DataFrame</a:t>
             </a:r>
@@ -8362,7 +8159,7 @@
             <a:r>
               <a:rPr lang="en-US" sz="1200" b="1" dirty="0" err="1">
                 <a:latin typeface="Consolas" panose="020B0609020204030204" pitchFamily="49" charset="0"/>
-                <a:hlinkClick r:id="rId15"/>
+                <a:hlinkClick r:id="rId14"/>
               </a:rPr>
               <a:t>pd.DataFrame</a:t>
             </a:r>
@@ -8430,13 +8227,13 @@
           <p:nvPr>
             <p:extLst>
               <p:ext uri="{D42A27DB-BD31-4B8C-83A1-F6EECF244321}">
-                <p14:modId xmlns:p14="http://schemas.microsoft.com/office/powerpoint/2010/main" val="1345065916"/>
+                <p14:modId xmlns:p14="http://schemas.microsoft.com/office/powerpoint/2010/main" val="3179344525"/>
               </p:ext>
             </p:extLst>
           </p:nvPr>
         </p:nvGraphicFramePr>
         <p:xfrm>
-          <a:off x="1033995" y="5940177"/>
+          <a:off x="1043829" y="6027298"/>
           <a:ext cx="1691240" cy="990600"/>
         </p:xfrm>
         <a:graphic>
@@ -9971,7 +9768,7 @@
         </p:nvSpPr>
         <p:spPr>
           <a:xfrm>
-            <a:off x="337281" y="6985994"/>
+            <a:off x="440392" y="7024176"/>
             <a:ext cx="3291069" cy="1569660"/>
           </a:xfrm>
           <a:prstGeom prst="rect">
@@ -9994,50 +9791,50 @@
             <a:r>
               <a:rPr lang="en-US" sz="1200" b="1" dirty="0" err="1">
                 <a:latin typeface="Consolas" panose="020B0609020204030204" pitchFamily="49" charset="0"/>
+                <a:hlinkClick r:id="rId14"/>
+              </a:rPr>
+              <a:t>pd.DataFrame</a:t>
+            </a:r>
+            <a:r>
+              <a:rPr lang="en-US" sz="1200" b="1" dirty="0">
+                <a:latin typeface="Consolas" panose="020B0609020204030204" pitchFamily="49" charset="0"/>
+              </a:rPr>
+              <a:t>(</a:t>
+            </a:r>
+          </a:p>
+          <a:p>
+            <a:r>
+              <a:rPr lang="en-US" sz="1200" b="1" dirty="0">
+                <a:latin typeface="Consolas" panose="020B0609020204030204" pitchFamily="49" charset="0"/>
+              </a:rPr>
+              <a:t>          {"a" : [4 ,5, 6], </a:t>
+            </a:r>
+          </a:p>
+          <a:p>
+            <a:r>
+              <a:rPr lang="en-US" sz="1200" b="1" dirty="0">
+                <a:latin typeface="Consolas" panose="020B0609020204030204" pitchFamily="49" charset="0"/>
+              </a:rPr>
+              <a:t>           "b" : [7, 8, 9], </a:t>
+            </a:r>
+          </a:p>
+          <a:p>
+            <a:r>
+              <a:rPr lang="en-US" sz="1200" b="1" dirty="0">
+                <a:latin typeface="Consolas" panose="020B0609020204030204" pitchFamily="49" charset="0"/>
+              </a:rPr>
+              <a:t>           "c" : [10, 11, 12]},    index = </a:t>
+            </a:r>
+            <a:r>
+              <a:rPr lang="en-US" sz="1200" b="1" dirty="0" err="1">
+                <a:latin typeface="Consolas" panose="020B0609020204030204" pitchFamily="49" charset="0"/>
+              </a:rPr>
+              <a:t>pd.</a:t>
+            </a:r>
+            <a:r>
+              <a:rPr lang="en-US" sz="1200" b="1" dirty="0" err="1">
+                <a:latin typeface="Consolas" panose="020B0609020204030204" pitchFamily="49" charset="0"/>
                 <a:hlinkClick r:id="rId15"/>
-              </a:rPr>
-              <a:t>pd.DataFrame</a:t>
-            </a:r>
-            <a:r>
-              <a:rPr lang="en-US" sz="1200" b="1" dirty="0">
-                <a:latin typeface="Consolas" panose="020B0609020204030204" pitchFamily="49" charset="0"/>
-              </a:rPr>
-              <a:t>(</a:t>
-            </a:r>
-          </a:p>
-          <a:p>
-            <a:r>
-              <a:rPr lang="en-US" sz="1200" b="1" dirty="0">
-                <a:latin typeface="Consolas" panose="020B0609020204030204" pitchFamily="49" charset="0"/>
-              </a:rPr>
-              <a:t>          {"a" : [4 ,5, 6], </a:t>
-            </a:r>
-          </a:p>
-          <a:p>
-            <a:r>
-              <a:rPr lang="en-US" sz="1200" b="1" dirty="0">
-                <a:latin typeface="Consolas" panose="020B0609020204030204" pitchFamily="49" charset="0"/>
-              </a:rPr>
-              <a:t>           "b" : [7, 8, 9], </a:t>
-            </a:r>
-          </a:p>
-          <a:p>
-            <a:r>
-              <a:rPr lang="en-US" sz="1200" b="1" dirty="0">
-                <a:latin typeface="Consolas" panose="020B0609020204030204" pitchFamily="49" charset="0"/>
-              </a:rPr>
-              <a:t>           "c" : [10, 11, 12]},    index = </a:t>
-            </a:r>
-            <a:r>
-              <a:rPr lang="en-US" sz="1200" b="1" dirty="0" err="1">
-                <a:latin typeface="Consolas" panose="020B0609020204030204" pitchFamily="49" charset="0"/>
-              </a:rPr>
-              <a:t>pd.</a:t>
-            </a:r>
-            <a:r>
-              <a:rPr lang="en-US" sz="1200" b="1" dirty="0" err="1">
-                <a:latin typeface="Consolas" panose="020B0609020204030204" pitchFamily="49" charset="0"/>
-                <a:hlinkClick r:id="rId16"/>
               </a:rPr>
               <a:t>MultiIndex.from_tuples</a:t>
             </a:r>
@@ -10198,7 +9995,7 @@
         <p:spPr>
           <a:xfrm>
             <a:off x="281972" y="9015820"/>
-            <a:ext cx="3454610" cy="1569660"/>
+            <a:ext cx="3454610" cy="1754326"/>
           </a:xfrm>
           <a:prstGeom prst="rect">
             <a:avLst/>
@@ -10221,54 +10018,146 @@
             </a:r>
             <a:r>
               <a:rPr lang="en-US" sz="1200" dirty="0"/>
-              <a:t> so that another pandas method can be applied to the result</a:t>
+              <a:t> so that another pandas method can be applied to the </a:t>
             </a:r>
             <a:r>
               <a:rPr lang="en-US" sz="1200"/>
-              <a:t>. </a:t>
+              <a:t>result.</a:t>
+            </a:r>
+            <a:br>
+              <a:rPr lang="en-US" sz="1200"/>
+            </a:br>
+            <a:r>
+              <a:rPr lang="en-US" sz="1200"/>
+              <a:t>This improves readability of code.</a:t>
+            </a:r>
+            <a:endParaRPr lang="en-US" sz="1200" b="1">
+              <a:latin typeface="Consolas" panose="020B0609020204030204" pitchFamily="49" charset="0"/>
+            </a:endParaRPr>
+          </a:p>
+          <a:p>
+            <a:r>
+              <a:rPr lang="en-US" sz="1200"/>
+              <a:t> </a:t>
             </a:r>
             <a:r>
               <a:rPr lang="en-US" sz="1200" b="1">
                 <a:latin typeface="Consolas" panose="020B0609020204030204" pitchFamily="49" charset="0"/>
               </a:rPr>
-              <a:t>df </a:t>
+              <a:t>df = (pd.</a:t>
+            </a:r>
+            <a:r>
+              <a:rPr lang="en-US" sz="1200" b="1">
+                <a:latin typeface="Consolas" panose="020B0609020204030204" pitchFamily="49" charset="0"/>
+                <a:hlinkClick r:id="rId6"/>
+              </a:rPr>
+              <a:t>melt</a:t>
+            </a:r>
+            <a:r>
+              <a:rPr lang="en-US" sz="1200" b="1">
+                <a:latin typeface="Consolas" panose="020B0609020204030204" pitchFamily="49" charset="0"/>
+              </a:rPr>
+              <a:t>(df)</a:t>
+            </a:r>
+          </a:p>
+          <a:p>
+            <a:r>
+              <a:rPr lang="en-US" sz="1200" b="1">
+                <a:latin typeface="Consolas" panose="020B0609020204030204" pitchFamily="49" charset="0"/>
+              </a:rPr>
+              <a:t>        </a:t>
             </a:r>
             <a:r>
               <a:rPr lang="en-US" sz="1200" b="1" dirty="0">
                 <a:latin typeface="Consolas" panose="020B0609020204030204" pitchFamily="49" charset="0"/>
               </a:rPr>
-              <a:t>= (</a:t>
+              <a:t>.</a:t>
+            </a:r>
+            <a:r>
+              <a:rPr lang="en-US" sz="1200" b="1" dirty="0">
+                <a:latin typeface="Consolas" panose="020B0609020204030204" pitchFamily="49" charset="0"/>
+                <a:hlinkClick r:id="rId10"/>
+              </a:rPr>
+              <a:t>rename</a:t>
+            </a:r>
+            <a:r>
+              <a:rPr lang="en-US" sz="1200" b="1" dirty="0">
+                <a:latin typeface="Consolas" panose="020B0609020204030204" pitchFamily="49" charset="0"/>
+              </a:rPr>
+              <a:t>(columns={</a:t>
+            </a:r>
+          </a:p>
+          <a:p>
+            <a:r>
+              <a:rPr lang="en-US" sz="1200" b="1" dirty="0">
+                <a:latin typeface="Consolas" panose="020B0609020204030204" pitchFamily="49" charset="0"/>
+              </a:rPr>
+              <a:t>                'variable' : '</a:t>
             </a:r>
             <a:r>
               <a:rPr lang="en-US" sz="1200" b="1" dirty="0" err="1">
                 <a:latin typeface="Consolas" panose="020B0609020204030204" pitchFamily="49" charset="0"/>
               </a:rPr>
-              <a:t>pd.</a:t>
+              <a:t>var</a:t>
+            </a:r>
+            <a:r>
+              <a:rPr lang="en-US" sz="1200" b="1" dirty="0">
+                <a:latin typeface="Consolas" panose="020B0609020204030204" pitchFamily="49" charset="0"/>
+              </a:rPr>
+              <a:t>',  </a:t>
+            </a:r>
+          </a:p>
+          <a:p>
+            <a:r>
+              <a:rPr lang="en-US" sz="1200" b="1" dirty="0">
+                <a:latin typeface="Consolas" panose="020B0609020204030204" pitchFamily="49" charset="0"/>
+              </a:rPr>
+              <a:t>                'value' : '</a:t>
             </a:r>
             <a:r>
               <a:rPr lang="en-US" sz="1200" b="1" dirty="0" err="1">
                 <a:latin typeface="Consolas" panose="020B0609020204030204" pitchFamily="49" charset="0"/>
-                <a:hlinkClick r:id="rId6"/>
-              </a:rPr>
-              <a:t>melt</a:t>
+              </a:rPr>
+              <a:t>val</a:t>
             </a:r>
             <a:r>
               <a:rPr lang="en-US" sz="1200" b="1" dirty="0">
                 <a:latin typeface="Consolas" panose="020B0609020204030204" pitchFamily="49" charset="0"/>
               </a:rPr>
-              <a:t>(</a:t>
+              <a:t>'})</a:t>
+            </a:r>
+          </a:p>
+          <a:p>
+            <a:r>
+              <a:rPr lang="en-US" sz="1200" b="1" dirty="0">
+                <a:latin typeface="Consolas" panose="020B0609020204030204" pitchFamily="49" charset="0"/>
+              </a:rPr>
+              <a:t>        .</a:t>
+            </a:r>
+            <a:r>
+              <a:rPr lang="en-US" sz="1200" b="1" dirty="0">
+                <a:latin typeface="Consolas" panose="020B0609020204030204" pitchFamily="49" charset="0"/>
+                <a:hlinkClick r:id="rId16"/>
+              </a:rPr>
+              <a:t>query</a:t>
+            </a:r>
+            <a:r>
+              <a:rPr lang="en-US" sz="1200" b="1" dirty="0">
+                <a:latin typeface="Consolas" panose="020B0609020204030204" pitchFamily="49" charset="0"/>
+              </a:rPr>
+              <a:t>('</a:t>
             </a:r>
             <a:r>
               <a:rPr lang="en-US" sz="1200" b="1" dirty="0" err="1">
                 <a:latin typeface="Consolas" panose="020B0609020204030204" pitchFamily="49" charset="0"/>
               </a:rPr>
-              <a:t>df</a:t>
+              <a:t>val</a:t>
             </a:r>
             <a:r>
               <a:rPr lang="en-US" sz="1200" b="1" dirty="0">
                 <a:latin typeface="Consolas" panose="020B0609020204030204" pitchFamily="49" charset="0"/>
               </a:rPr>
-              <a:t>)</a:t>
+              <a:t> &gt;= 200')</a:t>
             </a:r>
           </a:p>
           <a:p>
@@ -10276,305 +10165,8 @@
               <a:rPr lang="en-US" sz="1200" b="1" dirty="0">
                 <a:latin typeface="Consolas" panose="020B0609020204030204" pitchFamily="49" charset="0"/>
               </a:rPr>
-              <a:t>        .</a:t>
-            </a:r>
-            <a:r>
-              <a:rPr lang="en-US" sz="1200" b="1" dirty="0">
-                <a:latin typeface="Consolas" panose="020B0609020204030204" pitchFamily="49" charset="0"/>
-                <a:hlinkClick r:id="rId10"/>
-              </a:rPr>
-              <a:t>rename</a:t>
-            </a:r>
-            <a:r>
-              <a:rPr lang="en-US" sz="1200" b="1" dirty="0">
-                <a:latin typeface="Consolas" panose="020B0609020204030204" pitchFamily="49" charset="0"/>
-              </a:rPr>
-              <a:t>(columns={</a:t>
-            </a:r>
-          </a:p>
-          <a:p>
-            <a:r>
-              <a:rPr lang="en-US" sz="1200" b="1" dirty="0">
-                <a:latin typeface="Consolas" panose="020B0609020204030204" pitchFamily="49" charset="0"/>
-              </a:rPr>
-              <a:t>                'variable' : '</a:t>
-            </a:r>
-            <a:r>
-              <a:rPr lang="en-US" sz="1200" b="1" dirty="0" err="1">
-                <a:latin typeface="Consolas" panose="020B0609020204030204" pitchFamily="49" charset="0"/>
-              </a:rPr>
-              <a:t>var</a:t>
-            </a:r>
-            <a:r>
-              <a:rPr lang="en-US" sz="1200" b="1" dirty="0">
-                <a:latin typeface="Consolas" panose="020B0609020204030204" pitchFamily="49" charset="0"/>
-              </a:rPr>
-              <a:t>',  </a:t>
-            </a:r>
-          </a:p>
-          <a:p>
-            <a:r>
-              <a:rPr lang="en-US" sz="1200" b="1" dirty="0">
-                <a:latin typeface="Consolas" panose="020B0609020204030204" pitchFamily="49" charset="0"/>
-              </a:rPr>
-              <a:t>                'value' : '</a:t>
-            </a:r>
-            <a:r>
-              <a:rPr lang="en-US" sz="1200" b="1" dirty="0" err="1">
-                <a:latin typeface="Consolas" panose="020B0609020204030204" pitchFamily="49" charset="0"/>
-              </a:rPr>
-              <a:t>val</a:t>
-            </a:r>
-            <a:r>
-              <a:rPr lang="en-US" sz="1200" b="1" dirty="0">
-                <a:latin typeface="Consolas" panose="020B0609020204030204" pitchFamily="49" charset="0"/>
-              </a:rPr>
-              <a:t>'})</a:t>
-            </a:r>
-          </a:p>
-          <a:p>
-            <a:r>
-              <a:rPr lang="en-US" sz="1200" b="1" dirty="0">
-                <a:latin typeface="Consolas" panose="020B0609020204030204" pitchFamily="49" charset="0"/>
-              </a:rPr>
-              <a:t>        .</a:t>
-            </a:r>
-            <a:r>
-              <a:rPr lang="en-US" sz="1200" b="1" dirty="0">
-                <a:latin typeface="Consolas" panose="020B0609020204030204" pitchFamily="49" charset="0"/>
-                <a:hlinkClick r:id="rId17"/>
-              </a:rPr>
-              <a:t>query</a:t>
-            </a:r>
-            <a:r>
-              <a:rPr lang="en-US" sz="1200" b="1" dirty="0">
-                <a:latin typeface="Consolas" panose="020B0609020204030204" pitchFamily="49" charset="0"/>
-              </a:rPr>
-              <a:t>('</a:t>
-            </a:r>
-            <a:r>
-              <a:rPr lang="en-US" sz="1200" b="1" dirty="0" err="1">
-                <a:latin typeface="Consolas" panose="020B0609020204030204" pitchFamily="49" charset="0"/>
-              </a:rPr>
-              <a:t>val</a:t>
-            </a:r>
-            <a:r>
-              <a:rPr lang="en-US" sz="1200" b="1" dirty="0">
-                <a:latin typeface="Consolas" panose="020B0609020204030204" pitchFamily="49" charset="0"/>
-              </a:rPr>
-              <a:t> &gt;= 200')</a:t>
-            </a:r>
-          </a:p>
-          <a:p>
-            <a:r>
-              <a:rPr lang="en-US" sz="1200" b="1" dirty="0">
-                <a:latin typeface="Consolas" panose="020B0609020204030204" pitchFamily="49" charset="0"/>
-              </a:rPr>
               <a:t>     )</a:t>
             </a:r>
-          </a:p>
-        </p:txBody>
-      </p:sp>
-      <p:sp>
-        <p:nvSpPr>
-          <p:cNvPr id="83" name="TextBox 82"/>
-          <p:cNvSpPr txBox="1"/>
-          <p:nvPr/>
-        </p:nvSpPr>
-        <p:spPr>
-          <a:xfrm>
-            <a:off x="3933889" y="6335856"/>
-            <a:ext cx="2468370" cy="2862322"/>
-          </a:xfrm>
-          <a:prstGeom prst="rect">
-            <a:avLst/>
-          </a:prstGeom>
-          <a:noFill/>
-        </p:spPr>
-        <p:txBody>
-          <a:bodyPr wrap="square" rtlCol="0">
-            <a:spAutoFit/>
-          </a:bodyPr>
-          <a:lstStyle/>
-          <a:p>
-            <a:r>
-              <a:rPr lang="en-US" sz="1200" b="1" dirty="0" err="1">
-                <a:latin typeface="Consolas" panose="020B0609020204030204" pitchFamily="49" charset="0"/>
-              </a:rPr>
-              <a:t>df</a:t>
-            </a:r>
-            <a:r>
-              <a:rPr lang="en-US" sz="1200" b="1" dirty="0">
-                <a:latin typeface="Consolas" panose="020B0609020204030204" pitchFamily="49" charset="0"/>
-              </a:rPr>
-              <a:t>[</a:t>
-            </a:r>
-            <a:r>
-              <a:rPr lang="en-US" sz="1200" b="1" dirty="0" err="1">
-                <a:latin typeface="Consolas" panose="020B0609020204030204" pitchFamily="49" charset="0"/>
-              </a:rPr>
-              <a:t>df.Length</a:t>
-            </a:r>
-            <a:r>
-              <a:rPr lang="en-US" sz="1200" b="1" dirty="0">
-                <a:latin typeface="Consolas" panose="020B0609020204030204" pitchFamily="49" charset="0"/>
-              </a:rPr>
-              <a:t> &gt; 7]</a:t>
-            </a:r>
-          </a:p>
-          <a:p>
-            <a:pPr marL="174625"/>
-            <a:r>
-              <a:rPr lang="en-US" sz="1200" dirty="0"/>
-              <a:t>Extract rows that meet logical criteria.</a:t>
-            </a:r>
-          </a:p>
-          <a:p>
-            <a:r>
-              <a:rPr lang="en-US" sz="1200" b="1" dirty="0" err="1">
-                <a:latin typeface="Consolas" panose="020B0609020204030204" pitchFamily="49" charset="0"/>
-              </a:rPr>
-              <a:t>df.</a:t>
-            </a:r>
-            <a:r>
-              <a:rPr lang="en-US" sz="1200" b="1" dirty="0" err="1">
-                <a:latin typeface="Consolas" panose="020B0609020204030204" pitchFamily="49" charset="0"/>
-                <a:hlinkClick r:id="rId18"/>
-              </a:rPr>
-              <a:t>drop_duplicates</a:t>
-            </a:r>
-            <a:r>
-              <a:rPr lang="en-US" sz="1200" b="1" dirty="0">
-                <a:latin typeface="Consolas" panose="020B0609020204030204" pitchFamily="49" charset="0"/>
-              </a:rPr>
-              <a:t>()</a:t>
-            </a:r>
-          </a:p>
-          <a:p>
-            <a:pPr marL="174625"/>
-            <a:r>
-              <a:rPr lang="en-US" sz="1200" dirty="0"/>
-              <a:t>Remove duplicate rows (only considers columns).</a:t>
-            </a:r>
-          </a:p>
-          <a:p>
-            <a:r>
-              <a:rPr lang="en-US" sz="1200" b="1" dirty="0" err="1">
-                <a:latin typeface="Consolas" panose="020B0609020204030204" pitchFamily="49" charset="0"/>
-              </a:rPr>
-              <a:t>df.</a:t>
-            </a:r>
-            <a:r>
-              <a:rPr lang="en-US" sz="1200" b="1" dirty="0" err="1">
-                <a:latin typeface="Consolas" panose="020B0609020204030204" pitchFamily="49" charset="0"/>
-                <a:hlinkClick r:id="rId19"/>
-              </a:rPr>
-              <a:t>head</a:t>
-            </a:r>
-            <a:r>
-              <a:rPr lang="en-US" sz="1200" b="1" dirty="0">
-                <a:latin typeface="Consolas" panose="020B0609020204030204" pitchFamily="49" charset="0"/>
-              </a:rPr>
-              <a:t>(n)</a:t>
-            </a:r>
-          </a:p>
-          <a:p>
-            <a:pPr marL="174625"/>
-            <a:r>
-              <a:rPr lang="en-US" sz="1200" dirty="0"/>
-              <a:t>Select first n rows.</a:t>
-            </a:r>
-          </a:p>
-          <a:p>
-            <a:r>
-              <a:rPr lang="en-US" sz="1200" b="1" dirty="0" err="1">
-                <a:latin typeface="Consolas" panose="020B0609020204030204" pitchFamily="49" charset="0"/>
-              </a:rPr>
-              <a:t>df.</a:t>
-            </a:r>
-            <a:r>
-              <a:rPr lang="en-US" sz="1200" b="1" dirty="0" err="1">
-                <a:latin typeface="Consolas" panose="020B0609020204030204" pitchFamily="49" charset="0"/>
-                <a:hlinkClick r:id="rId20"/>
-              </a:rPr>
-              <a:t>tail</a:t>
-            </a:r>
-            <a:r>
-              <a:rPr lang="en-US" sz="1200" b="1" dirty="0">
-                <a:latin typeface="Consolas" panose="020B0609020204030204" pitchFamily="49" charset="0"/>
-              </a:rPr>
-              <a:t>(n)</a:t>
-            </a:r>
-          </a:p>
-          <a:p>
-            <a:pPr marL="174625"/>
-            <a:r>
-              <a:rPr lang="en-US" sz="1200" dirty="0"/>
-              <a:t>Select last n </a:t>
-            </a:r>
-            <a:r>
-              <a:rPr lang="en-US" sz="1200"/>
-              <a:t>rows.</a:t>
-            </a:r>
-            <a:endParaRPr lang="en-US" sz="1200" dirty="0"/>
-          </a:p>
-          <a:p>
-            <a:r>
-              <a:rPr lang="en-US" sz="1200" b="1">
-                <a:latin typeface="Consolas" panose="020B0609020204030204" pitchFamily="49" charset="0"/>
-              </a:rPr>
-              <a:t>df.</a:t>
-            </a:r>
-            <a:r>
-              <a:rPr lang="en-US" sz="1200" b="1">
-                <a:latin typeface="Consolas" panose="020B0609020204030204" pitchFamily="49" charset="0"/>
-                <a:hlinkClick r:id="rId21"/>
-              </a:rPr>
-              <a:t>sample</a:t>
-            </a:r>
-            <a:r>
-              <a:rPr lang="en-US" sz="1200" b="1">
-                <a:latin typeface="Consolas" panose="020B0609020204030204" pitchFamily="49" charset="0"/>
-              </a:rPr>
-              <a:t>(frac=0.5)</a:t>
-            </a:r>
-          </a:p>
-          <a:p>
-            <a:pPr marL="174625"/>
-            <a:r>
-              <a:rPr lang="en-US" sz="1200"/>
-              <a:t>Randomly select fraction of rows. </a:t>
-            </a:r>
-          </a:p>
-          <a:p>
-            <a:r>
-              <a:rPr lang="en-US" sz="1200" b="1">
-                <a:latin typeface="Consolas" panose="020B0609020204030204" pitchFamily="49" charset="0"/>
-              </a:rPr>
-              <a:t>df.</a:t>
-            </a:r>
-            <a:r>
-              <a:rPr lang="en-US" sz="1200" b="1">
-                <a:latin typeface="Consolas" panose="020B0609020204030204" pitchFamily="49" charset="0"/>
-                <a:hlinkClick r:id="rId21"/>
-              </a:rPr>
-              <a:t>sample</a:t>
-            </a:r>
-            <a:r>
-              <a:rPr lang="en-US" sz="1200" b="1">
-                <a:latin typeface="Consolas" panose="020B0609020204030204" pitchFamily="49" charset="0"/>
-              </a:rPr>
-              <a:t>(n=10)</a:t>
-            </a:r>
-          </a:p>
-          <a:p>
-            <a:r>
-              <a:rPr lang="en-US" sz="1200"/>
-              <a:t>     Randomly select n rows.</a:t>
-            </a:r>
-          </a:p>
-          <a:p>
-            <a:endParaRPr lang="en-US" sz="1200"/>
           </a:p>
         </p:txBody>
       </p:sp>
@@ -10587,13 +10179,13 @@
           <p:nvPr>
             <p:extLst>
               <p:ext uri="{D42A27DB-BD31-4B8C-83A1-F6EECF244321}">
-                <p14:modId xmlns:p14="http://schemas.microsoft.com/office/powerpoint/2010/main" val="4256108172"/>
+                <p14:modId xmlns:p14="http://schemas.microsoft.com/office/powerpoint/2010/main" val="2898108215"/>
               </p:ext>
             </p:extLst>
           </p:nvPr>
         </p:nvGraphicFramePr>
         <p:xfrm>
-          <a:off x="3946615" y="9243804"/>
+          <a:off x="3940252" y="9271723"/>
           <a:ext cx="4814590" cy="1374905"/>
         </p:xfrm>
         <a:graphic>
@@ -12103,207 +11695,6 @@
           </a:graphicData>
         </a:graphic>
       </p:graphicFrame>
-      <p:sp>
-        <p:nvSpPr>
-          <p:cNvPr id="88" name="TextBox 87"/>
-          <p:cNvSpPr txBox="1"/>
-          <p:nvPr/>
-        </p:nvSpPr>
-        <p:spPr>
-          <a:xfrm>
-            <a:off x="9715500" y="6335856"/>
-            <a:ext cx="4272322" cy="2123658"/>
-          </a:xfrm>
-          <a:prstGeom prst="rect">
-            <a:avLst/>
-          </a:prstGeom>
-          <a:noFill/>
-        </p:spPr>
-        <p:txBody>
-          <a:bodyPr wrap="square" rtlCol="0">
-            <a:spAutoFit/>
-          </a:bodyPr>
-          <a:lstStyle/>
-          <a:p>
-            <a:r>
-              <a:rPr lang="en-US" sz="1200" b="1" dirty="0" err="1">
-                <a:latin typeface="Consolas" panose="020B0609020204030204" pitchFamily="49" charset="0"/>
-              </a:rPr>
-              <a:t>df</a:t>
-            </a:r>
-            <a:r>
-              <a:rPr lang="en-US" sz="1200" b="1" dirty="0">
-                <a:latin typeface="Consolas" panose="020B0609020204030204" pitchFamily="49" charset="0"/>
-              </a:rPr>
-              <a:t>[['</a:t>
-            </a:r>
-            <a:r>
-              <a:rPr lang="en-US" sz="1200" b="1" dirty="0" err="1">
-                <a:latin typeface="Consolas" panose="020B0609020204030204" pitchFamily="49" charset="0"/>
-              </a:rPr>
-              <a:t>width','length','species</a:t>
-            </a:r>
-            <a:r>
-              <a:rPr lang="en-US" sz="1200" b="1" dirty="0">
-                <a:latin typeface="Consolas" panose="020B0609020204030204" pitchFamily="49" charset="0"/>
-              </a:rPr>
-              <a:t>']]</a:t>
-            </a:r>
-          </a:p>
-          <a:p>
-            <a:r>
-              <a:rPr lang="en-US" sz="1200" dirty="0"/>
-              <a:t>     Select multiple columns with specific names.</a:t>
-            </a:r>
-          </a:p>
-          <a:p>
-            <a:r>
-              <a:rPr lang="en-US" sz="1200" b="1" dirty="0" err="1">
-                <a:latin typeface="Consolas" panose="020B0609020204030204" pitchFamily="49" charset="0"/>
-              </a:rPr>
-              <a:t>df</a:t>
-            </a:r>
-            <a:r>
-              <a:rPr lang="en-US" sz="1200" b="1" dirty="0">
-                <a:latin typeface="Consolas" panose="020B0609020204030204" pitchFamily="49" charset="0"/>
-              </a:rPr>
-              <a:t>['width']  </a:t>
-            </a:r>
-            <a:r>
-              <a:rPr lang="en-US" sz="1200" i="1" dirty="0"/>
-              <a:t>or</a:t>
-            </a:r>
-            <a:r>
-              <a:rPr lang="en-US" sz="1200" b="1" dirty="0">
-                <a:latin typeface="Consolas" panose="020B0609020204030204" pitchFamily="49" charset="0"/>
-              </a:rPr>
-              <a:t>  </a:t>
-            </a:r>
-            <a:r>
-              <a:rPr lang="en-US" sz="1200" b="1" dirty="0" err="1">
-                <a:latin typeface="Consolas" panose="020B0609020204030204" pitchFamily="49" charset="0"/>
-              </a:rPr>
-              <a:t>df.width</a:t>
-            </a:r>
-            <a:endParaRPr lang="en-US" sz="1200" b="1" dirty="0">
-              <a:latin typeface="Consolas" panose="020B0609020204030204" pitchFamily="49" charset="0"/>
-            </a:endParaRPr>
-          </a:p>
-          <a:p>
-            <a:r>
-              <a:rPr lang="en-US" sz="1200" dirty="0"/>
-              <a:t>     Select single column with specific name.</a:t>
-            </a:r>
-          </a:p>
-          <a:p>
-            <a:r>
-              <a:rPr lang="en-US" sz="1200" b="1" dirty="0" err="1">
-                <a:latin typeface="Consolas" panose="020B0609020204030204" pitchFamily="49" charset="0"/>
-              </a:rPr>
-              <a:t>df.</a:t>
-            </a:r>
-            <a:r>
-              <a:rPr lang="en-US" sz="1200" b="1" dirty="0" err="1">
-                <a:latin typeface="Consolas" panose="020B0609020204030204" pitchFamily="49" charset="0"/>
-                <a:hlinkClick r:id="rId22"/>
-              </a:rPr>
-              <a:t>filter</a:t>
-            </a:r>
-            <a:r>
-              <a:rPr lang="en-US" sz="1200" b="1" dirty="0">
-                <a:latin typeface="Consolas" panose="020B0609020204030204" pitchFamily="49" charset="0"/>
-              </a:rPr>
-              <a:t>(regex='</a:t>
-            </a:r>
-            <a:r>
-              <a:rPr lang="en-US" sz="1200" b="1" i="1" dirty="0">
-                <a:latin typeface="Consolas" panose="020B0609020204030204" pitchFamily="49" charset="0"/>
-              </a:rPr>
-              <a:t>regex</a:t>
-            </a:r>
-            <a:r>
-              <a:rPr lang="en-US" sz="1200" b="1" dirty="0">
-                <a:latin typeface="Consolas" panose="020B0609020204030204" pitchFamily="49" charset="0"/>
-              </a:rPr>
-              <a:t>')</a:t>
-            </a:r>
-          </a:p>
-          <a:p>
-            <a:r>
-              <a:rPr lang="en-US" sz="1200" dirty="0"/>
-              <a:t>     Select columns whose name matches regular expression </a:t>
-            </a:r>
-            <a:r>
-              <a:rPr lang="en-US" sz="1200" i="1"/>
-              <a:t>regex</a:t>
-            </a:r>
-            <a:r>
-              <a:rPr lang="en-US" sz="1200"/>
-              <a:t>.</a:t>
-            </a:r>
-          </a:p>
-          <a:p>
-            <a:r>
-              <a:rPr lang="en-US" sz="1200" b="1">
-                <a:latin typeface="Consolas" panose="020B0609020204030204" pitchFamily="49" charset="0"/>
-              </a:rPr>
-              <a:t>df.</a:t>
-            </a:r>
-            <a:r>
-              <a:rPr lang="en-US" sz="1200" b="1">
-                <a:latin typeface="Consolas" panose="020B0609020204030204" pitchFamily="49" charset="0"/>
-                <a:hlinkClick r:id="rId23"/>
-              </a:rPr>
-              <a:t>nlargest</a:t>
-            </a:r>
-            <a:r>
-              <a:rPr lang="en-US" sz="1200" b="1">
-                <a:latin typeface="Consolas" panose="020B0609020204030204" pitchFamily="49" charset="0"/>
-              </a:rPr>
-              <a:t>(n, 'value')</a:t>
-            </a:r>
-          </a:p>
-          <a:p>
-            <a:r>
-              <a:rPr lang="en-US" sz="1200"/>
-              <a:t>     Select and order top n entries.</a:t>
-            </a:r>
-          </a:p>
-          <a:p>
-            <a:r>
-              <a:rPr lang="en-US" sz="1200" b="1">
-                <a:latin typeface="Consolas" panose="020B0609020204030204" pitchFamily="49" charset="0"/>
-              </a:rPr>
-              <a:t>df.</a:t>
-            </a:r>
-            <a:r>
-              <a:rPr lang="en-US" sz="1200" b="1">
-                <a:latin typeface="Consolas" panose="020B0609020204030204" pitchFamily="49" charset="0"/>
-                <a:hlinkClick r:id="rId24"/>
-              </a:rPr>
-              <a:t>nsmallest</a:t>
-            </a:r>
-            <a:r>
-              <a:rPr lang="en-US" sz="1200" b="1">
-                <a:latin typeface="Consolas" panose="020B0609020204030204" pitchFamily="49" charset="0"/>
-              </a:rPr>
-              <a:t>(n, 'value')</a:t>
-            </a:r>
-          </a:p>
-          <a:p>
-            <a:pPr marL="174625"/>
-            <a:r>
-              <a:rPr lang="en-US" sz="1200"/>
-              <a:t>Select and order bottom n entries.</a:t>
-            </a:r>
-          </a:p>
-          <a:p>
-            <a:endParaRPr lang="en-US" sz="1200" b="1" dirty="0">
-              <a:latin typeface="Consolas" panose="020B0609020204030204" pitchFamily="49" charset="0"/>
-            </a:endParaRPr>
-          </a:p>
-        </p:txBody>
-      </p:sp>
       <p:graphicFrame>
         <p:nvGraphicFramePr>
           <p:cNvPr id="85" name="Table 84"/>
@@ -12313,13 +11704,13 @@
           <p:nvPr>
             <p:extLst>
               <p:ext uri="{D42A27DB-BD31-4B8C-83A1-F6EECF244321}">
-                <p14:modId xmlns:p14="http://schemas.microsoft.com/office/powerpoint/2010/main" val="2261219004"/>
+                <p14:modId xmlns:p14="http://schemas.microsoft.com/office/powerpoint/2010/main" val="1818855944"/>
               </p:ext>
             </p:extLst>
           </p:nvPr>
         </p:nvGraphicFramePr>
         <p:xfrm>
-          <a:off x="8958512" y="9243803"/>
+          <a:off x="8958512" y="9271723"/>
           <a:ext cx="4939837" cy="1374905"/>
         </p:xfrm>
         <a:graphic>
@@ -13072,14 +12463,20 @@
       </p:graphicFrame>
       <p:sp>
         <p:nvSpPr>
-          <p:cNvPr id="89" name="TextBox 88"/>
+          <p:cNvPr id="95" name="TextBox 82">
+            <a:extLst>
+              <a:ext uri="{FF2B5EF4-FFF2-40B4-BE49-F238E27FC236}">
+                <a16:creationId xmlns:a16="http://schemas.microsoft.com/office/drawing/2014/main" id="{2A432411-87C0-4B2C-BA6E-984FD94A586A}"/>
+              </a:ext>
+            </a:extLst>
+          </p:cNvPr>
           <p:cNvSpPr txBox="1"/>
           <p:nvPr/>
         </p:nvSpPr>
         <p:spPr>
           <a:xfrm>
-            <a:off x="6295475" y="6335856"/>
-            <a:ext cx="3420025" cy="2308324"/>
+            <a:off x="249740" y="1213318"/>
+            <a:ext cx="3881324" cy="536942"/>
           </a:xfrm>
           <a:prstGeom prst="rect">
             <a:avLst/>
@@ -13092,155 +12489,269 @@
           </a:bodyPr>
           <a:lstStyle/>
           <a:p>
-            <a:r>
-              <a:rPr lang="en-US" sz="1200" b="1">
-                <a:latin typeface="Consolas" panose="020B0609020204030204" pitchFamily="49" charset="0"/>
-              </a:rPr>
-              <a:t>df.</a:t>
-            </a:r>
-            <a:r>
-              <a:rPr lang="en-US" sz="1200" b="1">
-                <a:latin typeface="Consolas" panose="020B0609020204030204" pitchFamily="49" charset="0"/>
-                <a:hlinkClick r:id="rId25"/>
-              </a:rPr>
-              <a:t>iloc</a:t>
-            </a:r>
-            <a:r>
-              <a:rPr lang="en-US" sz="1200" b="1">
-                <a:latin typeface="Consolas" panose="020B0609020204030204" pitchFamily="49" charset="0"/>
-              </a:rPr>
-              <a:t>[</a:t>
-            </a:r>
-            <a:r>
-              <a:rPr lang="en-US" sz="1200" i="1">
-                <a:latin typeface="Consolas" panose="020B0609020204030204" pitchFamily="49" charset="0"/>
-              </a:rPr>
-              <a:t>row_ind, column_ind</a:t>
-            </a:r>
-            <a:r>
-              <a:rPr lang="en-US" sz="1200" b="1">
-                <a:latin typeface="Consolas" panose="020B0609020204030204" pitchFamily="49" charset="0"/>
-              </a:rPr>
-              <a:t>]</a:t>
-            </a:r>
-          </a:p>
-          <a:p>
-            <a:r>
-              <a:rPr lang="en-US" sz="1200" b="1">
-                <a:latin typeface="Consolas" panose="020B0609020204030204" pitchFamily="49" charset="0"/>
-              </a:rPr>
-              <a:t>df</a:t>
-            </a:r>
-            <a:r>
-              <a:rPr lang="en-US" sz="1200" b="1" dirty="0" err="1">
-                <a:latin typeface="Consolas" panose="020B0609020204030204" pitchFamily="49" charset="0"/>
-              </a:rPr>
-              <a:t>.iloc</a:t>
-            </a:r>
-            <a:r>
-              <a:rPr lang="en-US" sz="1200" b="1" dirty="0">
-                <a:latin typeface="Consolas" panose="020B0609020204030204" pitchFamily="49" charset="0"/>
-              </a:rPr>
-              <a:t>[10:20]</a:t>
-            </a:r>
-          </a:p>
-          <a:p>
-            <a:r>
-              <a:rPr lang="en-US" sz="1200" dirty="0"/>
-              <a:t>     Select rows by </a:t>
-            </a:r>
-            <a:r>
-              <a:rPr lang="en-US" sz="1200"/>
-              <a:t>position.</a:t>
-            </a:r>
-          </a:p>
-          <a:p>
-            <a:r>
-              <a:rPr lang="en-US" sz="1200" b="1">
-                <a:latin typeface="Consolas" panose="020B0609020204030204" pitchFamily="49" charset="0"/>
-              </a:rPr>
-              <a:t>df.iloc[:,[1,2,5]]</a:t>
-            </a:r>
-          </a:p>
-          <a:p>
-            <a:pPr marL="180975" indent="-180975"/>
-            <a:r>
-              <a:rPr lang="en-US" sz="1200"/>
-              <a:t>     Select columns in positions 1, 2 and 5 (first column is 0).</a:t>
-            </a:r>
-          </a:p>
-          <a:p>
-            <a:r>
-              <a:rPr lang="en-US" sz="1200" b="1">
-                <a:latin typeface="Consolas" panose="020B0609020204030204" pitchFamily="49" charset="0"/>
-              </a:rPr>
-              <a:t>df.</a:t>
-            </a:r>
-            <a:r>
-              <a:rPr lang="en-US" sz="1200" b="1">
-                <a:latin typeface="Consolas" panose="020B0609020204030204" pitchFamily="49" charset="0"/>
-                <a:hlinkClick r:id="rId26"/>
-              </a:rPr>
-              <a:t>loc</a:t>
-            </a:r>
-            <a:r>
-              <a:rPr lang="en-US" sz="1200" b="1">
-                <a:latin typeface="Consolas" panose="020B0609020204030204" pitchFamily="49" charset="0"/>
-              </a:rPr>
-              <a:t>[</a:t>
-            </a:r>
-            <a:r>
-              <a:rPr lang="en-US" sz="1200" i="1">
-                <a:latin typeface="Consolas" panose="020B0609020204030204" pitchFamily="49" charset="0"/>
-              </a:rPr>
-              <a:t>row_ind, column_ind</a:t>
-            </a:r>
-            <a:r>
-              <a:rPr lang="en-US" sz="1200" b="1">
-                <a:latin typeface="Consolas" panose="020B0609020204030204" pitchFamily="49" charset="0"/>
-              </a:rPr>
-              <a:t>]</a:t>
-            </a:r>
-          </a:p>
-          <a:p>
-            <a:r>
-              <a:rPr lang="en-US" sz="1200" b="1">
-                <a:latin typeface="Consolas" panose="020B0609020204030204" pitchFamily="49" charset="0"/>
-              </a:rPr>
-              <a:t>df.loc[:,'x2':'x4']</a:t>
-            </a:r>
-          </a:p>
-          <a:p>
-            <a:pPr marL="180975" indent="-180975"/>
-            <a:r>
-              <a:rPr lang="en-US" sz="1200"/>
-              <a:t>     Select all columns between x2 and x4 (inclusive).</a:t>
-            </a:r>
-          </a:p>
-          <a:p>
-            <a:r>
-              <a:rPr lang="en-US" sz="1200" b="1">
-                <a:latin typeface="Consolas" panose="020B0609020204030204" pitchFamily="49" charset="0"/>
-              </a:rPr>
-              <a:t>df.loc[df['a'] &gt; 10, ['a','c']]</a:t>
-            </a:r>
-          </a:p>
-          <a:p>
-            <a:pPr marL="180975" indent="-180975"/>
-            <a:r>
-              <a:rPr lang="en-US" sz="1200"/>
-              <a:t>     Select rows meeting logical condition, and only the specific columns .</a:t>
-            </a:r>
-            <a:endParaRPr lang="en-US" sz="1200" dirty="0"/>
+            <a:pPr>
+              <a:lnSpc>
+                <a:spcPts val="1800"/>
+              </a:lnSpc>
+            </a:pPr>
+            <a:r>
+              <a:rPr lang="de-DE" sz="1400">
+                <a:solidFill>
+                  <a:schemeClr val="accent1"/>
+                </a:solidFill>
+              </a:rPr>
+              <a:t>Pandas</a:t>
+            </a:r>
+            <a:r>
+              <a:rPr lang="de-DE" sz="1400" b="1"/>
+              <a:t> </a:t>
+            </a:r>
+            <a:r>
+              <a:rPr lang="de-DE" sz="1400">
+                <a:hlinkClick r:id="rId17"/>
+              </a:rPr>
+              <a:t>API Reference</a:t>
+            </a:r>
+            <a:r>
+              <a:rPr lang="de-DE" sz="1400"/>
+              <a:t>    </a:t>
+            </a:r>
+            <a:r>
+              <a:rPr lang="de-DE" sz="1400">
+                <a:solidFill>
+                  <a:schemeClr val="accent1"/>
+                </a:solidFill>
+              </a:rPr>
+              <a:t>Pandas</a:t>
+            </a:r>
+            <a:r>
+              <a:rPr lang="de-DE" sz="1400"/>
+              <a:t> </a:t>
+            </a:r>
+            <a:r>
+              <a:rPr lang="de-DE" sz="1400">
+                <a:hlinkClick r:id="rId18"/>
+              </a:rPr>
+              <a:t>User Guide</a:t>
+            </a:r>
+            <a:endParaRPr lang="en-US" sz="1400"/>
+          </a:p>
+          <a:p>
+            <a:pPr>
+              <a:lnSpc>
+                <a:spcPts val="1800"/>
+              </a:lnSpc>
+            </a:pPr>
+            <a:r>
+              <a:rPr lang="de-DE" sz="1200" b="1"/>
+              <a:t>	</a:t>
+            </a:r>
           </a:p>
         </p:txBody>
       </p:sp>
       <p:sp>
         <p:nvSpPr>
-          <p:cNvPr id="90" name="Rounded Rectangle 33">
+          <p:cNvPr id="56" name="TextBox 4">
             <a:extLst>
               <a:ext uri="{FF2B5EF4-FFF2-40B4-BE49-F238E27FC236}">
-                <a16:creationId xmlns:a16="http://schemas.microsoft.com/office/drawing/2014/main" id="{AF7C14C3-A34B-4108-AEF6-5A559DC6372C}"/>
+                <a16:creationId xmlns:a16="http://schemas.microsoft.com/office/drawing/2014/main" id="{C6E984DE-8FE5-401A-9718-5CCF4DDC41E2}"/>
+              </a:ext>
+            </a:extLst>
+          </p:cNvPr>
+          <p:cNvSpPr txBox="1"/>
+          <p:nvPr/>
+        </p:nvSpPr>
+        <p:spPr>
+          <a:xfrm>
+            <a:off x="263115" y="197353"/>
+            <a:ext cx="3441322" cy="1015663"/>
+          </a:xfrm>
+          <a:prstGeom prst="rect">
+            <a:avLst/>
+          </a:prstGeom>
+          <a:noFill/>
+        </p:spPr>
+        <p:txBody>
+          <a:bodyPr wrap="square" rtlCol="0">
+            <a:spAutoFit/>
+          </a:bodyPr>
+          <a:lstStyle>
+            <a:defPPr>
+              <a:defRPr lang="en-US"/>
+            </a:defPPr>
+            <a:lvl1pPr marL="0" algn="l" defTabSz="1188994" rtl="0" eaLnBrk="1" latinLnBrk="0" hangingPunct="1">
+              <a:defRPr sz="2341" kern="1200">
+                <a:solidFill>
+                  <a:schemeClr val="tx1"/>
+                </a:solidFill>
+                <a:latin typeface="+mn-lt"/>
+                <a:ea typeface="+mn-ea"/>
+                <a:cs typeface="+mn-cs"/>
+              </a:defRPr>
+            </a:lvl1pPr>
+            <a:lvl2pPr marL="594497" algn="l" defTabSz="1188994" rtl="0" eaLnBrk="1" latinLnBrk="0" hangingPunct="1">
+              <a:defRPr sz="2341" kern="1200">
+                <a:solidFill>
+                  <a:schemeClr val="tx1"/>
+                </a:solidFill>
+                <a:latin typeface="+mn-lt"/>
+                <a:ea typeface="+mn-ea"/>
+                <a:cs typeface="+mn-cs"/>
+              </a:defRPr>
+            </a:lvl2pPr>
+            <a:lvl3pPr marL="1188994" algn="l" defTabSz="1188994" rtl="0" eaLnBrk="1" latinLnBrk="0" hangingPunct="1">
+              <a:defRPr sz="2341" kern="1200">
+                <a:solidFill>
+                  <a:schemeClr val="tx1"/>
+                </a:solidFill>
+                <a:latin typeface="+mn-lt"/>
+                <a:ea typeface="+mn-ea"/>
+                <a:cs typeface="+mn-cs"/>
+              </a:defRPr>
+            </a:lvl3pPr>
+            <a:lvl4pPr marL="1783491" algn="l" defTabSz="1188994" rtl="0" eaLnBrk="1" latinLnBrk="0" hangingPunct="1">
+              <a:defRPr sz="2341" kern="1200">
+                <a:solidFill>
+                  <a:schemeClr val="tx1"/>
+                </a:solidFill>
+                <a:latin typeface="+mn-lt"/>
+                <a:ea typeface="+mn-ea"/>
+                <a:cs typeface="+mn-cs"/>
+              </a:defRPr>
+            </a:lvl4pPr>
+            <a:lvl5pPr marL="2377989" algn="l" defTabSz="1188994" rtl="0" eaLnBrk="1" latinLnBrk="0" hangingPunct="1">
+              <a:defRPr sz="2341" kern="1200">
+                <a:solidFill>
+                  <a:schemeClr val="tx1"/>
+                </a:solidFill>
+                <a:latin typeface="+mn-lt"/>
+                <a:ea typeface="+mn-ea"/>
+                <a:cs typeface="+mn-cs"/>
+              </a:defRPr>
+            </a:lvl5pPr>
+            <a:lvl6pPr marL="2972486" algn="l" defTabSz="1188994" rtl="0" eaLnBrk="1" latinLnBrk="0" hangingPunct="1">
+              <a:defRPr sz="2341" kern="1200">
+                <a:solidFill>
+                  <a:schemeClr val="tx1"/>
+                </a:solidFill>
+                <a:latin typeface="+mn-lt"/>
+                <a:ea typeface="+mn-ea"/>
+                <a:cs typeface="+mn-cs"/>
+              </a:defRPr>
+            </a:lvl6pPr>
+            <a:lvl7pPr marL="3566983" algn="l" defTabSz="1188994" rtl="0" eaLnBrk="1" latinLnBrk="0" hangingPunct="1">
+              <a:defRPr sz="2341" kern="1200">
+                <a:solidFill>
+                  <a:schemeClr val="tx1"/>
+                </a:solidFill>
+                <a:latin typeface="+mn-lt"/>
+                <a:ea typeface="+mn-ea"/>
+                <a:cs typeface="+mn-cs"/>
+              </a:defRPr>
+            </a:lvl7pPr>
+            <a:lvl8pPr marL="4161480" algn="l" defTabSz="1188994" rtl="0" eaLnBrk="1" latinLnBrk="0" hangingPunct="1">
+              <a:defRPr sz="2341" kern="1200">
+                <a:solidFill>
+                  <a:schemeClr val="tx1"/>
+                </a:solidFill>
+                <a:latin typeface="+mn-lt"/>
+                <a:ea typeface="+mn-ea"/>
+                <a:cs typeface="+mn-cs"/>
+              </a:defRPr>
+            </a:lvl8pPr>
+            <a:lvl9pPr marL="4755977" algn="l" defTabSz="1188994" rtl="0" eaLnBrk="1" latinLnBrk="0" hangingPunct="1">
+              <a:defRPr sz="2341" kern="1200">
+                <a:solidFill>
+                  <a:schemeClr val="tx1"/>
+                </a:solidFill>
+                <a:latin typeface="+mn-lt"/>
+                <a:ea typeface="+mn-ea"/>
+                <a:cs typeface="+mn-cs"/>
+              </a:defRPr>
+            </a:lvl9pPr>
+          </a:lstStyle>
+          <a:p>
+            <a:pPr algn="ctr"/>
+            <a:r>
+              <a:rPr lang="en-US" sz="2400" b="1">
+                <a:solidFill>
+                  <a:schemeClr val="accent1"/>
+                </a:solidFill>
+              </a:rPr>
+              <a:t>Data Wrangling</a:t>
+            </a:r>
+            <a:br>
+              <a:rPr lang="en-US" sz="2400" b="1">
+                <a:solidFill>
+                  <a:schemeClr val="accent1"/>
+                </a:solidFill>
+              </a:rPr>
+            </a:br>
+            <a:r>
+              <a:rPr lang="en-US" sz="1800">
+                <a:solidFill>
+                  <a:schemeClr val="accent1"/>
+                </a:solidFill>
+              </a:rPr>
+              <a:t>with pandas Cheat </a:t>
+            </a:r>
+            <a:r>
+              <a:rPr lang="en-US" sz="1800" dirty="0">
+                <a:solidFill>
+                  <a:schemeClr val="accent1"/>
+                </a:solidFill>
+              </a:rPr>
+              <a:t>Sheet</a:t>
+            </a:r>
+          </a:p>
+          <a:p>
+            <a:pPr algn="ctr"/>
+            <a:r>
+              <a:rPr lang="en-US" sz="1800" dirty="0">
+                <a:solidFill>
+                  <a:schemeClr val="accent1"/>
+                </a:solidFill>
+              </a:rPr>
+              <a:t>http://pandas.pydata.org</a:t>
+            </a:r>
+          </a:p>
+        </p:txBody>
+      </p:sp>
+      <p:pic>
+        <p:nvPicPr>
+          <p:cNvPr id="57" name="table">
+            <a:extLst>
+              <a:ext uri="{FF2B5EF4-FFF2-40B4-BE49-F238E27FC236}">
+                <a16:creationId xmlns:a16="http://schemas.microsoft.com/office/drawing/2014/main" id="{2FFDE093-60D5-4296-824D-A3190548058D}"/>
+              </a:ext>
+            </a:extLst>
+          </p:cNvPr>
+          <p:cNvPicPr>
+            <a:picLocks noChangeAspect="1"/>
+          </p:cNvPicPr>
+          <p:nvPr/>
+        </p:nvPicPr>
+        <p:blipFill rotWithShape="1">
+          <a:blip r:embed="rId19"/>
+          <a:srcRect b="22071"/>
+          <a:stretch/>
+        </p:blipFill>
+        <p:spPr>
+          <a:xfrm>
+            <a:off x="6844323" y="484481"/>
+            <a:ext cx="1148259" cy="674326"/>
+          </a:xfrm>
+          <a:prstGeom prst="rect">
+            <a:avLst/>
+          </a:prstGeom>
+        </p:spPr>
+      </p:pic>
+      <p:sp>
+        <p:nvSpPr>
+          <p:cNvPr id="58" name="Rounded Rectangle 10">
+            <a:extLst>
+              <a:ext uri="{FF2B5EF4-FFF2-40B4-BE49-F238E27FC236}">
+                <a16:creationId xmlns:a16="http://schemas.microsoft.com/office/drawing/2014/main" id="{6338FD18-8C00-42AE-A896-EC1E416EFFBE}"/>
               </a:ext>
             </a:extLst>
           </p:cNvPr>
@@ -13249,8 +12760,4379 @@
         </p:nvSpPr>
         <p:spPr>
           <a:xfrm>
-            <a:off x="229000" y="115595"/>
-            <a:ext cx="3485527" cy="423293"/>
+            <a:off x="3855840" y="29657"/>
+            <a:ext cx="10073118" cy="396656"/>
+          </a:xfrm>
+          <a:prstGeom prst="roundRect">
+            <a:avLst/>
+          </a:prstGeom>
+        </p:spPr>
+        <p:style>
+          <a:lnRef idx="2">
+            <a:schemeClr val="accent1">
+              <a:shade val="50000"/>
+            </a:schemeClr>
+          </a:lnRef>
+          <a:fillRef idx="1">
+            <a:schemeClr val="accent1"/>
+          </a:fillRef>
+          <a:effectRef idx="0">
+            <a:schemeClr val="accent1"/>
+          </a:effectRef>
+          <a:fontRef idx="minor">
+            <a:schemeClr val="lt1"/>
+          </a:fontRef>
+        </p:style>
+        <p:txBody>
+          <a:bodyPr rtlCol="0" anchor="ctr"/>
+          <a:lstStyle>
+            <a:defPPr>
+              <a:defRPr lang="en-US"/>
+            </a:defPPr>
+            <a:lvl1pPr marL="0" algn="l" defTabSz="1188994" rtl="0" eaLnBrk="1" latinLnBrk="0" hangingPunct="1">
+              <a:defRPr sz="2341" kern="1200">
+                <a:solidFill>
+                  <a:schemeClr val="lt1"/>
+                </a:solidFill>
+                <a:latin typeface="+mn-lt"/>
+                <a:ea typeface="+mn-ea"/>
+                <a:cs typeface="+mn-cs"/>
+              </a:defRPr>
+            </a:lvl1pPr>
+            <a:lvl2pPr marL="594497" algn="l" defTabSz="1188994" rtl="0" eaLnBrk="1" latinLnBrk="0" hangingPunct="1">
+              <a:defRPr sz="2341" kern="1200">
+                <a:solidFill>
+                  <a:schemeClr val="lt1"/>
+                </a:solidFill>
+                <a:latin typeface="+mn-lt"/>
+                <a:ea typeface="+mn-ea"/>
+                <a:cs typeface="+mn-cs"/>
+              </a:defRPr>
+            </a:lvl2pPr>
+            <a:lvl3pPr marL="1188994" algn="l" defTabSz="1188994" rtl="0" eaLnBrk="1" latinLnBrk="0" hangingPunct="1">
+              <a:defRPr sz="2341" kern="1200">
+                <a:solidFill>
+                  <a:schemeClr val="lt1"/>
+                </a:solidFill>
+                <a:latin typeface="+mn-lt"/>
+                <a:ea typeface="+mn-ea"/>
+                <a:cs typeface="+mn-cs"/>
+              </a:defRPr>
+            </a:lvl3pPr>
+            <a:lvl4pPr marL="1783491" algn="l" defTabSz="1188994" rtl="0" eaLnBrk="1" latinLnBrk="0" hangingPunct="1">
+              <a:defRPr sz="2341" kern="1200">
+                <a:solidFill>
+                  <a:schemeClr val="lt1"/>
+                </a:solidFill>
+                <a:latin typeface="+mn-lt"/>
+                <a:ea typeface="+mn-ea"/>
+                <a:cs typeface="+mn-cs"/>
+              </a:defRPr>
+            </a:lvl4pPr>
+            <a:lvl5pPr marL="2377989" algn="l" defTabSz="1188994" rtl="0" eaLnBrk="1" latinLnBrk="0" hangingPunct="1">
+              <a:defRPr sz="2341" kern="1200">
+                <a:solidFill>
+                  <a:schemeClr val="lt1"/>
+                </a:solidFill>
+                <a:latin typeface="+mn-lt"/>
+                <a:ea typeface="+mn-ea"/>
+                <a:cs typeface="+mn-cs"/>
+              </a:defRPr>
+            </a:lvl5pPr>
+            <a:lvl6pPr marL="2972486" algn="l" defTabSz="1188994" rtl="0" eaLnBrk="1" latinLnBrk="0" hangingPunct="1">
+              <a:defRPr sz="2341" kern="1200">
+                <a:solidFill>
+                  <a:schemeClr val="lt1"/>
+                </a:solidFill>
+                <a:latin typeface="+mn-lt"/>
+                <a:ea typeface="+mn-ea"/>
+                <a:cs typeface="+mn-cs"/>
+              </a:defRPr>
+            </a:lvl6pPr>
+            <a:lvl7pPr marL="3566983" algn="l" defTabSz="1188994" rtl="0" eaLnBrk="1" latinLnBrk="0" hangingPunct="1">
+              <a:defRPr sz="2341" kern="1200">
+                <a:solidFill>
+                  <a:schemeClr val="lt1"/>
+                </a:solidFill>
+                <a:latin typeface="+mn-lt"/>
+                <a:ea typeface="+mn-ea"/>
+                <a:cs typeface="+mn-cs"/>
+              </a:defRPr>
+            </a:lvl7pPr>
+            <a:lvl8pPr marL="4161480" algn="l" defTabSz="1188994" rtl="0" eaLnBrk="1" latinLnBrk="0" hangingPunct="1">
+              <a:defRPr sz="2341" kern="1200">
+                <a:solidFill>
+                  <a:schemeClr val="lt1"/>
+                </a:solidFill>
+                <a:latin typeface="+mn-lt"/>
+                <a:ea typeface="+mn-ea"/>
+                <a:cs typeface="+mn-cs"/>
+              </a:defRPr>
+            </a:lvl8pPr>
+            <a:lvl9pPr marL="4755977" algn="l" defTabSz="1188994" rtl="0" eaLnBrk="1" latinLnBrk="0" hangingPunct="1">
+              <a:defRPr sz="2341" kern="1200">
+                <a:solidFill>
+                  <a:schemeClr val="lt1"/>
+                </a:solidFill>
+                <a:latin typeface="+mn-lt"/>
+                <a:ea typeface="+mn-ea"/>
+                <a:cs typeface="+mn-cs"/>
+              </a:defRPr>
+            </a:lvl9pPr>
+          </a:lstStyle>
+          <a:p>
+            <a:pPr algn="ctr"/>
+            <a:r>
+              <a:rPr lang="en-US" sz="2683" b="1" dirty="0"/>
+              <a:t>Tidy Data </a:t>
+            </a:r>
+            <a:r>
+              <a:rPr lang="en-US" sz="1604" dirty="0"/>
+              <a:t>– A foundation for wrangling in pandas</a:t>
+            </a:r>
+            <a:endParaRPr lang="en-US" sz="2683" dirty="0"/>
+          </a:p>
+        </p:txBody>
+      </p:sp>
+      <p:sp>
+        <p:nvSpPr>
+          <p:cNvPr id="59" name="TextBox 11">
+            <a:extLst>
+              <a:ext uri="{FF2B5EF4-FFF2-40B4-BE49-F238E27FC236}">
+                <a16:creationId xmlns:a16="http://schemas.microsoft.com/office/drawing/2014/main" id="{2801909A-49F9-45E7-828A-058885C297E8}"/>
+              </a:ext>
+            </a:extLst>
+          </p:cNvPr>
+          <p:cNvSpPr txBox="1"/>
+          <p:nvPr/>
+        </p:nvSpPr>
+        <p:spPr>
+          <a:xfrm>
+            <a:off x="3886450" y="773912"/>
+            <a:ext cx="840733" cy="515526"/>
+          </a:xfrm>
+          <a:prstGeom prst="rect">
+            <a:avLst/>
+          </a:prstGeom>
+          <a:noFill/>
+        </p:spPr>
+        <p:txBody>
+          <a:bodyPr wrap="square" rtlCol="0">
+            <a:spAutoFit/>
+          </a:bodyPr>
+          <a:lstStyle>
+            <a:defPPr>
+              <a:defRPr lang="en-US"/>
+            </a:defPPr>
+            <a:lvl1pPr marL="0" algn="l" defTabSz="1188994" rtl="0" eaLnBrk="1" latinLnBrk="0" hangingPunct="1">
+              <a:defRPr sz="2341" kern="1200">
+                <a:solidFill>
+                  <a:schemeClr val="tx1"/>
+                </a:solidFill>
+                <a:latin typeface="+mn-lt"/>
+                <a:ea typeface="+mn-ea"/>
+                <a:cs typeface="+mn-cs"/>
+              </a:defRPr>
+            </a:lvl1pPr>
+            <a:lvl2pPr marL="594497" algn="l" defTabSz="1188994" rtl="0" eaLnBrk="1" latinLnBrk="0" hangingPunct="1">
+              <a:defRPr sz="2341" kern="1200">
+                <a:solidFill>
+                  <a:schemeClr val="tx1"/>
+                </a:solidFill>
+                <a:latin typeface="+mn-lt"/>
+                <a:ea typeface="+mn-ea"/>
+                <a:cs typeface="+mn-cs"/>
+              </a:defRPr>
+            </a:lvl2pPr>
+            <a:lvl3pPr marL="1188994" algn="l" defTabSz="1188994" rtl="0" eaLnBrk="1" latinLnBrk="0" hangingPunct="1">
+              <a:defRPr sz="2341" kern="1200">
+                <a:solidFill>
+                  <a:schemeClr val="tx1"/>
+                </a:solidFill>
+                <a:latin typeface="+mn-lt"/>
+                <a:ea typeface="+mn-ea"/>
+                <a:cs typeface="+mn-cs"/>
+              </a:defRPr>
+            </a:lvl3pPr>
+            <a:lvl4pPr marL="1783491" algn="l" defTabSz="1188994" rtl="0" eaLnBrk="1" latinLnBrk="0" hangingPunct="1">
+              <a:defRPr sz="2341" kern="1200">
+                <a:solidFill>
+                  <a:schemeClr val="tx1"/>
+                </a:solidFill>
+                <a:latin typeface="+mn-lt"/>
+                <a:ea typeface="+mn-ea"/>
+                <a:cs typeface="+mn-cs"/>
+              </a:defRPr>
+            </a:lvl4pPr>
+            <a:lvl5pPr marL="2377989" algn="l" defTabSz="1188994" rtl="0" eaLnBrk="1" latinLnBrk="0" hangingPunct="1">
+              <a:defRPr sz="2341" kern="1200">
+                <a:solidFill>
+                  <a:schemeClr val="tx1"/>
+                </a:solidFill>
+                <a:latin typeface="+mn-lt"/>
+                <a:ea typeface="+mn-ea"/>
+                <a:cs typeface="+mn-cs"/>
+              </a:defRPr>
+            </a:lvl5pPr>
+            <a:lvl6pPr marL="2972486" algn="l" defTabSz="1188994" rtl="0" eaLnBrk="1" latinLnBrk="0" hangingPunct="1">
+              <a:defRPr sz="2341" kern="1200">
+                <a:solidFill>
+                  <a:schemeClr val="tx1"/>
+                </a:solidFill>
+                <a:latin typeface="+mn-lt"/>
+                <a:ea typeface="+mn-ea"/>
+                <a:cs typeface="+mn-cs"/>
+              </a:defRPr>
+            </a:lvl6pPr>
+            <a:lvl7pPr marL="3566983" algn="l" defTabSz="1188994" rtl="0" eaLnBrk="1" latinLnBrk="0" hangingPunct="1">
+              <a:defRPr sz="2341" kern="1200">
+                <a:solidFill>
+                  <a:schemeClr val="tx1"/>
+                </a:solidFill>
+                <a:latin typeface="+mn-lt"/>
+                <a:ea typeface="+mn-ea"/>
+                <a:cs typeface="+mn-cs"/>
+              </a:defRPr>
+            </a:lvl7pPr>
+            <a:lvl8pPr marL="4161480" algn="l" defTabSz="1188994" rtl="0" eaLnBrk="1" latinLnBrk="0" hangingPunct="1">
+              <a:defRPr sz="2341" kern="1200">
+                <a:solidFill>
+                  <a:schemeClr val="tx1"/>
+                </a:solidFill>
+                <a:latin typeface="+mn-lt"/>
+                <a:ea typeface="+mn-ea"/>
+                <a:cs typeface="+mn-cs"/>
+              </a:defRPr>
+            </a:lvl8pPr>
+            <a:lvl9pPr marL="4755977" algn="l" defTabSz="1188994" rtl="0" eaLnBrk="1" latinLnBrk="0" hangingPunct="1">
+              <a:defRPr sz="2341" kern="1200">
+                <a:solidFill>
+                  <a:schemeClr val="tx1"/>
+                </a:solidFill>
+                <a:latin typeface="+mn-lt"/>
+                <a:ea typeface="+mn-ea"/>
+                <a:cs typeface="+mn-cs"/>
+              </a:defRPr>
+            </a:lvl9pPr>
+          </a:lstStyle>
+          <a:p>
+            <a:r>
+              <a:rPr lang="en-US" sz="1375" dirty="0"/>
+              <a:t>In a tidy data set:</a:t>
+            </a:r>
+          </a:p>
+        </p:txBody>
+      </p:sp>
+      <p:pic>
+        <p:nvPicPr>
+          <p:cNvPr id="74" name="table">
+            <a:extLst>
+              <a:ext uri="{FF2B5EF4-FFF2-40B4-BE49-F238E27FC236}">
+                <a16:creationId xmlns:a16="http://schemas.microsoft.com/office/drawing/2014/main" id="{F485DA01-1938-4AEC-AB7A-EC9B85BBFE00}"/>
+              </a:ext>
+            </a:extLst>
+          </p:cNvPr>
+          <p:cNvPicPr>
+            <a:picLocks noChangeAspect="1"/>
+          </p:cNvPicPr>
+          <p:nvPr/>
+        </p:nvPicPr>
+        <p:blipFill rotWithShape="1">
+          <a:blip r:embed="rId20"/>
+          <a:srcRect b="13151"/>
+          <a:stretch/>
+        </p:blipFill>
+        <p:spPr>
+          <a:xfrm>
+            <a:off x="4765252" y="484481"/>
+            <a:ext cx="1148259" cy="701320"/>
+          </a:xfrm>
+          <a:prstGeom prst="rect">
+            <a:avLst/>
+          </a:prstGeom>
+        </p:spPr>
+      </p:pic>
+      <p:cxnSp>
+        <p:nvCxnSpPr>
+          <p:cNvPr id="81" name="Straight Arrow Connector 15">
+            <a:extLst>
+              <a:ext uri="{FF2B5EF4-FFF2-40B4-BE49-F238E27FC236}">
+                <a16:creationId xmlns:a16="http://schemas.microsoft.com/office/drawing/2014/main" id="{03B7CF2D-1509-4499-8E8A-344F702E286C}"/>
+              </a:ext>
+            </a:extLst>
+          </p:cNvPr>
+          <p:cNvCxnSpPr>
+            <a:cxnSpLocks/>
+          </p:cNvCxnSpPr>
+          <p:nvPr/>
+        </p:nvCxnSpPr>
+        <p:spPr>
+          <a:xfrm>
+            <a:off x="5328574" y="685011"/>
+            <a:ext cx="10808" cy="575880"/>
+          </a:xfrm>
+          <a:prstGeom prst="straightConnector1">
+            <a:avLst/>
+          </a:prstGeom>
+          <a:ln w="76200">
+            <a:solidFill>
+              <a:schemeClr val="tx1"/>
+            </a:solidFill>
+            <a:headEnd type="stealth"/>
+            <a:tailEnd type="stealth"/>
+          </a:ln>
+        </p:spPr>
+        <p:style>
+          <a:lnRef idx="1">
+            <a:schemeClr val="accent1"/>
+          </a:lnRef>
+          <a:fillRef idx="0">
+            <a:schemeClr val="accent1"/>
+          </a:fillRef>
+          <a:effectRef idx="0">
+            <a:schemeClr val="accent1"/>
+          </a:effectRef>
+          <a:fontRef idx="minor">
+            <a:schemeClr val="tx1"/>
+          </a:fontRef>
+        </p:style>
+      </p:cxnSp>
+      <p:sp>
+        <p:nvSpPr>
+          <p:cNvPr id="84" name="TextBox 17">
+            <a:extLst>
+              <a:ext uri="{FF2B5EF4-FFF2-40B4-BE49-F238E27FC236}">
+                <a16:creationId xmlns:a16="http://schemas.microsoft.com/office/drawing/2014/main" id="{2F4B72A4-C5FB-4F8F-8285-912570E874F7}"/>
+              </a:ext>
+            </a:extLst>
+          </p:cNvPr>
+          <p:cNvSpPr txBox="1"/>
+          <p:nvPr/>
+        </p:nvSpPr>
+        <p:spPr>
+          <a:xfrm>
+            <a:off x="4459798" y="1252301"/>
+            <a:ext cx="1879664" cy="515526"/>
+          </a:xfrm>
+          <a:prstGeom prst="rect">
+            <a:avLst/>
+          </a:prstGeom>
+          <a:noFill/>
+        </p:spPr>
+        <p:txBody>
+          <a:bodyPr wrap="square" rtlCol="0">
+            <a:spAutoFit/>
+          </a:bodyPr>
+          <a:lstStyle>
+            <a:defPPr>
+              <a:defRPr lang="en-US"/>
+            </a:defPPr>
+            <a:lvl1pPr marL="0" algn="l" defTabSz="1188994" rtl="0" eaLnBrk="1" latinLnBrk="0" hangingPunct="1">
+              <a:defRPr sz="2341" kern="1200">
+                <a:solidFill>
+                  <a:schemeClr val="tx1"/>
+                </a:solidFill>
+                <a:latin typeface="+mn-lt"/>
+                <a:ea typeface="+mn-ea"/>
+                <a:cs typeface="+mn-cs"/>
+              </a:defRPr>
+            </a:lvl1pPr>
+            <a:lvl2pPr marL="594497" algn="l" defTabSz="1188994" rtl="0" eaLnBrk="1" latinLnBrk="0" hangingPunct="1">
+              <a:defRPr sz="2341" kern="1200">
+                <a:solidFill>
+                  <a:schemeClr val="tx1"/>
+                </a:solidFill>
+                <a:latin typeface="+mn-lt"/>
+                <a:ea typeface="+mn-ea"/>
+                <a:cs typeface="+mn-cs"/>
+              </a:defRPr>
+            </a:lvl2pPr>
+            <a:lvl3pPr marL="1188994" algn="l" defTabSz="1188994" rtl="0" eaLnBrk="1" latinLnBrk="0" hangingPunct="1">
+              <a:defRPr sz="2341" kern="1200">
+                <a:solidFill>
+                  <a:schemeClr val="tx1"/>
+                </a:solidFill>
+                <a:latin typeface="+mn-lt"/>
+                <a:ea typeface="+mn-ea"/>
+                <a:cs typeface="+mn-cs"/>
+              </a:defRPr>
+            </a:lvl3pPr>
+            <a:lvl4pPr marL="1783491" algn="l" defTabSz="1188994" rtl="0" eaLnBrk="1" latinLnBrk="0" hangingPunct="1">
+              <a:defRPr sz="2341" kern="1200">
+                <a:solidFill>
+                  <a:schemeClr val="tx1"/>
+                </a:solidFill>
+                <a:latin typeface="+mn-lt"/>
+                <a:ea typeface="+mn-ea"/>
+                <a:cs typeface="+mn-cs"/>
+              </a:defRPr>
+            </a:lvl4pPr>
+            <a:lvl5pPr marL="2377989" algn="l" defTabSz="1188994" rtl="0" eaLnBrk="1" latinLnBrk="0" hangingPunct="1">
+              <a:defRPr sz="2341" kern="1200">
+                <a:solidFill>
+                  <a:schemeClr val="tx1"/>
+                </a:solidFill>
+                <a:latin typeface="+mn-lt"/>
+                <a:ea typeface="+mn-ea"/>
+                <a:cs typeface="+mn-cs"/>
+              </a:defRPr>
+            </a:lvl5pPr>
+            <a:lvl6pPr marL="2972486" algn="l" defTabSz="1188994" rtl="0" eaLnBrk="1" latinLnBrk="0" hangingPunct="1">
+              <a:defRPr sz="2341" kern="1200">
+                <a:solidFill>
+                  <a:schemeClr val="tx1"/>
+                </a:solidFill>
+                <a:latin typeface="+mn-lt"/>
+                <a:ea typeface="+mn-ea"/>
+                <a:cs typeface="+mn-cs"/>
+              </a:defRPr>
+            </a:lvl6pPr>
+            <a:lvl7pPr marL="3566983" algn="l" defTabSz="1188994" rtl="0" eaLnBrk="1" latinLnBrk="0" hangingPunct="1">
+              <a:defRPr sz="2341" kern="1200">
+                <a:solidFill>
+                  <a:schemeClr val="tx1"/>
+                </a:solidFill>
+                <a:latin typeface="+mn-lt"/>
+                <a:ea typeface="+mn-ea"/>
+                <a:cs typeface="+mn-cs"/>
+              </a:defRPr>
+            </a:lvl7pPr>
+            <a:lvl8pPr marL="4161480" algn="l" defTabSz="1188994" rtl="0" eaLnBrk="1" latinLnBrk="0" hangingPunct="1">
+              <a:defRPr sz="2341" kern="1200">
+                <a:solidFill>
+                  <a:schemeClr val="tx1"/>
+                </a:solidFill>
+                <a:latin typeface="+mn-lt"/>
+                <a:ea typeface="+mn-ea"/>
+                <a:cs typeface="+mn-cs"/>
+              </a:defRPr>
+            </a:lvl8pPr>
+            <a:lvl9pPr marL="4755977" algn="l" defTabSz="1188994" rtl="0" eaLnBrk="1" latinLnBrk="0" hangingPunct="1">
+              <a:defRPr sz="2341" kern="1200">
+                <a:solidFill>
+                  <a:schemeClr val="tx1"/>
+                </a:solidFill>
+                <a:latin typeface="+mn-lt"/>
+                <a:ea typeface="+mn-ea"/>
+                <a:cs typeface="+mn-cs"/>
+              </a:defRPr>
+            </a:lvl9pPr>
+          </a:lstStyle>
+          <a:p>
+            <a:r>
+              <a:rPr lang="en-US" sz="1375" dirty="0"/>
+              <a:t>Each </a:t>
+            </a:r>
+            <a:r>
+              <a:rPr lang="en-US" sz="1375" b="1" dirty="0"/>
+              <a:t>variable</a:t>
+            </a:r>
+            <a:r>
+              <a:rPr lang="en-US" sz="1375" dirty="0"/>
+              <a:t> is saved in its own </a:t>
+            </a:r>
+            <a:r>
+              <a:rPr lang="en-US" sz="1375" b="1" dirty="0"/>
+              <a:t>column</a:t>
+            </a:r>
+          </a:p>
+        </p:txBody>
+      </p:sp>
+      <p:sp>
+        <p:nvSpPr>
+          <p:cNvPr id="86" name="TextBox 18">
+            <a:extLst>
+              <a:ext uri="{FF2B5EF4-FFF2-40B4-BE49-F238E27FC236}">
+                <a16:creationId xmlns:a16="http://schemas.microsoft.com/office/drawing/2014/main" id="{4EC77FE3-9EE6-4E55-880B-52204EDDDAC6}"/>
+              </a:ext>
+            </a:extLst>
+          </p:cNvPr>
+          <p:cNvSpPr txBox="1"/>
+          <p:nvPr/>
+        </p:nvSpPr>
+        <p:spPr>
+          <a:xfrm>
+            <a:off x="5965146" y="246661"/>
+            <a:ext cx="846707" cy="1256370"/>
+          </a:xfrm>
+          <a:prstGeom prst="rect">
+            <a:avLst/>
+          </a:prstGeom>
+          <a:noFill/>
+        </p:spPr>
+        <p:txBody>
+          <a:bodyPr wrap="none" rtlCol="0">
+            <a:spAutoFit/>
+          </a:bodyPr>
+          <a:lstStyle>
+            <a:defPPr>
+              <a:defRPr lang="en-US"/>
+            </a:defPPr>
+            <a:lvl1pPr marL="0" algn="l" defTabSz="1188994" rtl="0" eaLnBrk="1" latinLnBrk="0" hangingPunct="1">
+              <a:defRPr sz="2341" kern="1200">
+                <a:solidFill>
+                  <a:schemeClr val="tx1"/>
+                </a:solidFill>
+                <a:latin typeface="+mn-lt"/>
+                <a:ea typeface="+mn-ea"/>
+                <a:cs typeface="+mn-cs"/>
+              </a:defRPr>
+            </a:lvl1pPr>
+            <a:lvl2pPr marL="594497" algn="l" defTabSz="1188994" rtl="0" eaLnBrk="1" latinLnBrk="0" hangingPunct="1">
+              <a:defRPr sz="2341" kern="1200">
+                <a:solidFill>
+                  <a:schemeClr val="tx1"/>
+                </a:solidFill>
+                <a:latin typeface="+mn-lt"/>
+                <a:ea typeface="+mn-ea"/>
+                <a:cs typeface="+mn-cs"/>
+              </a:defRPr>
+            </a:lvl2pPr>
+            <a:lvl3pPr marL="1188994" algn="l" defTabSz="1188994" rtl="0" eaLnBrk="1" latinLnBrk="0" hangingPunct="1">
+              <a:defRPr sz="2341" kern="1200">
+                <a:solidFill>
+                  <a:schemeClr val="tx1"/>
+                </a:solidFill>
+                <a:latin typeface="+mn-lt"/>
+                <a:ea typeface="+mn-ea"/>
+                <a:cs typeface="+mn-cs"/>
+              </a:defRPr>
+            </a:lvl3pPr>
+            <a:lvl4pPr marL="1783491" algn="l" defTabSz="1188994" rtl="0" eaLnBrk="1" latinLnBrk="0" hangingPunct="1">
+              <a:defRPr sz="2341" kern="1200">
+                <a:solidFill>
+                  <a:schemeClr val="tx1"/>
+                </a:solidFill>
+                <a:latin typeface="+mn-lt"/>
+                <a:ea typeface="+mn-ea"/>
+                <a:cs typeface="+mn-cs"/>
+              </a:defRPr>
+            </a:lvl4pPr>
+            <a:lvl5pPr marL="2377989" algn="l" defTabSz="1188994" rtl="0" eaLnBrk="1" latinLnBrk="0" hangingPunct="1">
+              <a:defRPr sz="2341" kern="1200">
+                <a:solidFill>
+                  <a:schemeClr val="tx1"/>
+                </a:solidFill>
+                <a:latin typeface="+mn-lt"/>
+                <a:ea typeface="+mn-ea"/>
+                <a:cs typeface="+mn-cs"/>
+              </a:defRPr>
+            </a:lvl5pPr>
+            <a:lvl6pPr marL="2972486" algn="l" defTabSz="1188994" rtl="0" eaLnBrk="1" latinLnBrk="0" hangingPunct="1">
+              <a:defRPr sz="2341" kern="1200">
+                <a:solidFill>
+                  <a:schemeClr val="tx1"/>
+                </a:solidFill>
+                <a:latin typeface="+mn-lt"/>
+                <a:ea typeface="+mn-ea"/>
+                <a:cs typeface="+mn-cs"/>
+              </a:defRPr>
+            </a:lvl6pPr>
+            <a:lvl7pPr marL="3566983" algn="l" defTabSz="1188994" rtl="0" eaLnBrk="1" latinLnBrk="0" hangingPunct="1">
+              <a:defRPr sz="2341" kern="1200">
+                <a:solidFill>
+                  <a:schemeClr val="tx1"/>
+                </a:solidFill>
+                <a:latin typeface="+mn-lt"/>
+                <a:ea typeface="+mn-ea"/>
+                <a:cs typeface="+mn-cs"/>
+              </a:defRPr>
+            </a:lvl7pPr>
+            <a:lvl8pPr marL="4161480" algn="l" defTabSz="1188994" rtl="0" eaLnBrk="1" latinLnBrk="0" hangingPunct="1">
+              <a:defRPr sz="2341" kern="1200">
+                <a:solidFill>
+                  <a:schemeClr val="tx1"/>
+                </a:solidFill>
+                <a:latin typeface="+mn-lt"/>
+                <a:ea typeface="+mn-ea"/>
+                <a:cs typeface="+mn-cs"/>
+              </a:defRPr>
+            </a:lvl8pPr>
+            <a:lvl9pPr marL="4755977" algn="l" defTabSz="1188994" rtl="0" eaLnBrk="1" latinLnBrk="0" hangingPunct="1">
+              <a:defRPr sz="2341" kern="1200">
+                <a:solidFill>
+                  <a:schemeClr val="tx1"/>
+                </a:solidFill>
+                <a:latin typeface="+mn-lt"/>
+                <a:ea typeface="+mn-ea"/>
+                <a:cs typeface="+mn-cs"/>
+              </a:defRPr>
+            </a:lvl9pPr>
+          </a:lstStyle>
+          <a:p>
+            <a:r>
+              <a:rPr lang="en-US" sz="7564" dirty="0">
+                <a:solidFill>
+                  <a:schemeClr val="bg2">
+                    <a:lumMod val="90000"/>
+                  </a:schemeClr>
+                </a:solidFill>
+              </a:rPr>
+              <a:t>&amp;</a:t>
+            </a:r>
+          </a:p>
+        </p:txBody>
+      </p:sp>
+      <p:cxnSp>
+        <p:nvCxnSpPr>
+          <p:cNvPr id="87" name="Straight Arrow Connector 20">
+            <a:extLst>
+              <a:ext uri="{FF2B5EF4-FFF2-40B4-BE49-F238E27FC236}">
+                <a16:creationId xmlns:a16="http://schemas.microsoft.com/office/drawing/2014/main" id="{EE3CD839-3EB2-4535-AD4D-A5FE8D13254D}"/>
+              </a:ext>
+            </a:extLst>
+          </p:cNvPr>
+          <p:cNvCxnSpPr/>
+          <p:nvPr/>
+        </p:nvCxnSpPr>
+        <p:spPr>
+          <a:xfrm>
+            <a:off x="6844322" y="876310"/>
+            <a:ext cx="1148259" cy="0"/>
+          </a:xfrm>
+          <a:prstGeom prst="straightConnector1">
+            <a:avLst/>
+          </a:prstGeom>
+          <a:ln w="76200">
+            <a:solidFill>
+              <a:schemeClr val="tx1"/>
+            </a:solidFill>
+            <a:headEnd type="stealth"/>
+            <a:tailEnd type="stealth"/>
+          </a:ln>
+        </p:spPr>
+        <p:style>
+          <a:lnRef idx="1">
+            <a:schemeClr val="accent1"/>
+          </a:lnRef>
+          <a:fillRef idx="0">
+            <a:schemeClr val="accent1"/>
+          </a:fillRef>
+          <a:effectRef idx="0">
+            <a:schemeClr val="accent1"/>
+          </a:effectRef>
+          <a:fontRef idx="minor">
+            <a:schemeClr val="tx1"/>
+          </a:fontRef>
+        </p:style>
+      </p:cxnSp>
+      <p:cxnSp>
+        <p:nvCxnSpPr>
+          <p:cNvPr id="91" name="Straight Arrow Connector 25">
+            <a:extLst>
+              <a:ext uri="{FF2B5EF4-FFF2-40B4-BE49-F238E27FC236}">
+                <a16:creationId xmlns:a16="http://schemas.microsoft.com/office/drawing/2014/main" id="{0F96C20E-8EF5-47C9-B252-761DF43F8FCA}"/>
+              </a:ext>
+            </a:extLst>
+          </p:cNvPr>
+          <p:cNvCxnSpPr/>
+          <p:nvPr/>
+        </p:nvCxnSpPr>
+        <p:spPr>
+          <a:xfrm>
+            <a:off x="6844321" y="1086515"/>
+            <a:ext cx="1148259" cy="0"/>
+          </a:xfrm>
+          <a:prstGeom prst="straightConnector1">
+            <a:avLst/>
+          </a:prstGeom>
+          <a:ln w="76200">
+            <a:solidFill>
+              <a:schemeClr val="tx1"/>
+            </a:solidFill>
+            <a:headEnd type="stealth"/>
+            <a:tailEnd type="stealth"/>
+          </a:ln>
+        </p:spPr>
+        <p:style>
+          <a:lnRef idx="1">
+            <a:schemeClr val="accent1"/>
+          </a:lnRef>
+          <a:fillRef idx="0">
+            <a:schemeClr val="accent1"/>
+          </a:fillRef>
+          <a:effectRef idx="0">
+            <a:schemeClr val="accent1"/>
+          </a:effectRef>
+          <a:fontRef idx="minor">
+            <a:schemeClr val="tx1"/>
+          </a:fontRef>
+        </p:style>
+      </p:cxnSp>
+      <p:sp>
+        <p:nvSpPr>
+          <p:cNvPr id="94" name="TextBox 27">
+            <a:extLst>
+              <a:ext uri="{FF2B5EF4-FFF2-40B4-BE49-F238E27FC236}">
+                <a16:creationId xmlns:a16="http://schemas.microsoft.com/office/drawing/2014/main" id="{BC291212-2F15-41C3-A1F2-5051663011EE}"/>
+              </a:ext>
+            </a:extLst>
+          </p:cNvPr>
+          <p:cNvSpPr txBox="1"/>
+          <p:nvPr/>
+        </p:nvSpPr>
+        <p:spPr>
+          <a:xfrm>
+            <a:off x="6730877" y="1256929"/>
+            <a:ext cx="1879664" cy="515526"/>
+          </a:xfrm>
+          <a:prstGeom prst="rect">
+            <a:avLst/>
+          </a:prstGeom>
+          <a:noFill/>
+        </p:spPr>
+        <p:txBody>
+          <a:bodyPr wrap="square" rtlCol="0">
+            <a:spAutoFit/>
+          </a:bodyPr>
+          <a:lstStyle>
+            <a:defPPr>
+              <a:defRPr lang="en-US"/>
+            </a:defPPr>
+            <a:lvl1pPr marL="0" algn="l" defTabSz="1188994" rtl="0" eaLnBrk="1" latinLnBrk="0" hangingPunct="1">
+              <a:defRPr sz="2341" kern="1200">
+                <a:solidFill>
+                  <a:schemeClr val="tx1"/>
+                </a:solidFill>
+                <a:latin typeface="+mn-lt"/>
+                <a:ea typeface="+mn-ea"/>
+                <a:cs typeface="+mn-cs"/>
+              </a:defRPr>
+            </a:lvl1pPr>
+            <a:lvl2pPr marL="594497" algn="l" defTabSz="1188994" rtl="0" eaLnBrk="1" latinLnBrk="0" hangingPunct="1">
+              <a:defRPr sz="2341" kern="1200">
+                <a:solidFill>
+                  <a:schemeClr val="tx1"/>
+                </a:solidFill>
+                <a:latin typeface="+mn-lt"/>
+                <a:ea typeface="+mn-ea"/>
+                <a:cs typeface="+mn-cs"/>
+              </a:defRPr>
+            </a:lvl2pPr>
+            <a:lvl3pPr marL="1188994" algn="l" defTabSz="1188994" rtl="0" eaLnBrk="1" latinLnBrk="0" hangingPunct="1">
+              <a:defRPr sz="2341" kern="1200">
+                <a:solidFill>
+                  <a:schemeClr val="tx1"/>
+                </a:solidFill>
+                <a:latin typeface="+mn-lt"/>
+                <a:ea typeface="+mn-ea"/>
+                <a:cs typeface="+mn-cs"/>
+              </a:defRPr>
+            </a:lvl3pPr>
+            <a:lvl4pPr marL="1783491" algn="l" defTabSz="1188994" rtl="0" eaLnBrk="1" latinLnBrk="0" hangingPunct="1">
+              <a:defRPr sz="2341" kern="1200">
+                <a:solidFill>
+                  <a:schemeClr val="tx1"/>
+                </a:solidFill>
+                <a:latin typeface="+mn-lt"/>
+                <a:ea typeface="+mn-ea"/>
+                <a:cs typeface="+mn-cs"/>
+              </a:defRPr>
+            </a:lvl4pPr>
+            <a:lvl5pPr marL="2377989" algn="l" defTabSz="1188994" rtl="0" eaLnBrk="1" latinLnBrk="0" hangingPunct="1">
+              <a:defRPr sz="2341" kern="1200">
+                <a:solidFill>
+                  <a:schemeClr val="tx1"/>
+                </a:solidFill>
+                <a:latin typeface="+mn-lt"/>
+                <a:ea typeface="+mn-ea"/>
+                <a:cs typeface="+mn-cs"/>
+              </a:defRPr>
+            </a:lvl5pPr>
+            <a:lvl6pPr marL="2972486" algn="l" defTabSz="1188994" rtl="0" eaLnBrk="1" latinLnBrk="0" hangingPunct="1">
+              <a:defRPr sz="2341" kern="1200">
+                <a:solidFill>
+                  <a:schemeClr val="tx1"/>
+                </a:solidFill>
+                <a:latin typeface="+mn-lt"/>
+                <a:ea typeface="+mn-ea"/>
+                <a:cs typeface="+mn-cs"/>
+              </a:defRPr>
+            </a:lvl6pPr>
+            <a:lvl7pPr marL="3566983" algn="l" defTabSz="1188994" rtl="0" eaLnBrk="1" latinLnBrk="0" hangingPunct="1">
+              <a:defRPr sz="2341" kern="1200">
+                <a:solidFill>
+                  <a:schemeClr val="tx1"/>
+                </a:solidFill>
+                <a:latin typeface="+mn-lt"/>
+                <a:ea typeface="+mn-ea"/>
+                <a:cs typeface="+mn-cs"/>
+              </a:defRPr>
+            </a:lvl7pPr>
+            <a:lvl8pPr marL="4161480" algn="l" defTabSz="1188994" rtl="0" eaLnBrk="1" latinLnBrk="0" hangingPunct="1">
+              <a:defRPr sz="2341" kern="1200">
+                <a:solidFill>
+                  <a:schemeClr val="tx1"/>
+                </a:solidFill>
+                <a:latin typeface="+mn-lt"/>
+                <a:ea typeface="+mn-ea"/>
+                <a:cs typeface="+mn-cs"/>
+              </a:defRPr>
+            </a:lvl8pPr>
+            <a:lvl9pPr marL="4755977" algn="l" defTabSz="1188994" rtl="0" eaLnBrk="1" latinLnBrk="0" hangingPunct="1">
+              <a:defRPr sz="2341" kern="1200">
+                <a:solidFill>
+                  <a:schemeClr val="tx1"/>
+                </a:solidFill>
+                <a:latin typeface="+mn-lt"/>
+                <a:ea typeface="+mn-ea"/>
+                <a:cs typeface="+mn-cs"/>
+              </a:defRPr>
+            </a:lvl9pPr>
+          </a:lstStyle>
+          <a:p>
+            <a:r>
+              <a:rPr lang="en-US" sz="1375" dirty="0"/>
+              <a:t>Each </a:t>
+            </a:r>
+            <a:r>
+              <a:rPr lang="en-US" sz="1375" b="1" dirty="0"/>
+              <a:t>observation </a:t>
+            </a:r>
+            <a:r>
+              <a:rPr lang="en-US" sz="1375" dirty="0"/>
+              <a:t>is saved in its own </a:t>
+            </a:r>
+            <a:r>
+              <a:rPr lang="en-US" sz="1375" b="1" dirty="0"/>
+              <a:t>row</a:t>
+            </a:r>
+          </a:p>
+        </p:txBody>
+      </p:sp>
+      <p:sp>
+        <p:nvSpPr>
+          <p:cNvPr id="96" name="TextBox 28">
+            <a:extLst>
+              <a:ext uri="{FF2B5EF4-FFF2-40B4-BE49-F238E27FC236}">
+                <a16:creationId xmlns:a16="http://schemas.microsoft.com/office/drawing/2014/main" id="{9B4CBDE3-0BA4-4A55-997F-975F1CF87B4C}"/>
+              </a:ext>
+            </a:extLst>
+          </p:cNvPr>
+          <p:cNvSpPr txBox="1"/>
+          <p:nvPr/>
+        </p:nvSpPr>
+        <p:spPr>
+          <a:xfrm>
+            <a:off x="8204806" y="490471"/>
+            <a:ext cx="3552947" cy="938719"/>
+          </a:xfrm>
+          <a:prstGeom prst="rect">
+            <a:avLst/>
+          </a:prstGeom>
+          <a:noFill/>
+        </p:spPr>
+        <p:txBody>
+          <a:bodyPr wrap="square" rtlCol="0">
+            <a:spAutoFit/>
+          </a:bodyPr>
+          <a:lstStyle>
+            <a:defPPr>
+              <a:defRPr lang="en-US"/>
+            </a:defPPr>
+            <a:lvl1pPr marL="0" algn="l" defTabSz="1188994" rtl="0" eaLnBrk="1" latinLnBrk="0" hangingPunct="1">
+              <a:defRPr sz="2341" kern="1200">
+                <a:solidFill>
+                  <a:schemeClr val="tx1"/>
+                </a:solidFill>
+                <a:latin typeface="+mn-lt"/>
+                <a:ea typeface="+mn-ea"/>
+                <a:cs typeface="+mn-cs"/>
+              </a:defRPr>
+            </a:lvl1pPr>
+            <a:lvl2pPr marL="594497" algn="l" defTabSz="1188994" rtl="0" eaLnBrk="1" latinLnBrk="0" hangingPunct="1">
+              <a:defRPr sz="2341" kern="1200">
+                <a:solidFill>
+                  <a:schemeClr val="tx1"/>
+                </a:solidFill>
+                <a:latin typeface="+mn-lt"/>
+                <a:ea typeface="+mn-ea"/>
+                <a:cs typeface="+mn-cs"/>
+              </a:defRPr>
+            </a:lvl2pPr>
+            <a:lvl3pPr marL="1188994" algn="l" defTabSz="1188994" rtl="0" eaLnBrk="1" latinLnBrk="0" hangingPunct="1">
+              <a:defRPr sz="2341" kern="1200">
+                <a:solidFill>
+                  <a:schemeClr val="tx1"/>
+                </a:solidFill>
+                <a:latin typeface="+mn-lt"/>
+                <a:ea typeface="+mn-ea"/>
+                <a:cs typeface="+mn-cs"/>
+              </a:defRPr>
+            </a:lvl3pPr>
+            <a:lvl4pPr marL="1783491" algn="l" defTabSz="1188994" rtl="0" eaLnBrk="1" latinLnBrk="0" hangingPunct="1">
+              <a:defRPr sz="2341" kern="1200">
+                <a:solidFill>
+                  <a:schemeClr val="tx1"/>
+                </a:solidFill>
+                <a:latin typeface="+mn-lt"/>
+                <a:ea typeface="+mn-ea"/>
+                <a:cs typeface="+mn-cs"/>
+              </a:defRPr>
+            </a:lvl4pPr>
+            <a:lvl5pPr marL="2377989" algn="l" defTabSz="1188994" rtl="0" eaLnBrk="1" latinLnBrk="0" hangingPunct="1">
+              <a:defRPr sz="2341" kern="1200">
+                <a:solidFill>
+                  <a:schemeClr val="tx1"/>
+                </a:solidFill>
+                <a:latin typeface="+mn-lt"/>
+                <a:ea typeface="+mn-ea"/>
+                <a:cs typeface="+mn-cs"/>
+              </a:defRPr>
+            </a:lvl5pPr>
+            <a:lvl6pPr marL="2972486" algn="l" defTabSz="1188994" rtl="0" eaLnBrk="1" latinLnBrk="0" hangingPunct="1">
+              <a:defRPr sz="2341" kern="1200">
+                <a:solidFill>
+                  <a:schemeClr val="tx1"/>
+                </a:solidFill>
+                <a:latin typeface="+mn-lt"/>
+                <a:ea typeface="+mn-ea"/>
+                <a:cs typeface="+mn-cs"/>
+              </a:defRPr>
+            </a:lvl6pPr>
+            <a:lvl7pPr marL="3566983" algn="l" defTabSz="1188994" rtl="0" eaLnBrk="1" latinLnBrk="0" hangingPunct="1">
+              <a:defRPr sz="2341" kern="1200">
+                <a:solidFill>
+                  <a:schemeClr val="tx1"/>
+                </a:solidFill>
+                <a:latin typeface="+mn-lt"/>
+                <a:ea typeface="+mn-ea"/>
+                <a:cs typeface="+mn-cs"/>
+              </a:defRPr>
+            </a:lvl7pPr>
+            <a:lvl8pPr marL="4161480" algn="l" defTabSz="1188994" rtl="0" eaLnBrk="1" latinLnBrk="0" hangingPunct="1">
+              <a:defRPr sz="2341" kern="1200">
+                <a:solidFill>
+                  <a:schemeClr val="tx1"/>
+                </a:solidFill>
+                <a:latin typeface="+mn-lt"/>
+                <a:ea typeface="+mn-ea"/>
+                <a:cs typeface="+mn-cs"/>
+              </a:defRPr>
+            </a:lvl8pPr>
+            <a:lvl9pPr marL="4755977" algn="l" defTabSz="1188994" rtl="0" eaLnBrk="1" latinLnBrk="0" hangingPunct="1">
+              <a:defRPr sz="2341" kern="1200">
+                <a:solidFill>
+                  <a:schemeClr val="tx1"/>
+                </a:solidFill>
+                <a:latin typeface="+mn-lt"/>
+                <a:ea typeface="+mn-ea"/>
+                <a:cs typeface="+mn-cs"/>
+              </a:defRPr>
+            </a:lvl9pPr>
+          </a:lstStyle>
+          <a:p>
+            <a:r>
+              <a:rPr lang="en-US" sz="1375" dirty="0"/>
+              <a:t>Tidy data complements </a:t>
+            </a:r>
+            <a:r>
+              <a:rPr lang="en-US" sz="1375" dirty="0" err="1"/>
+              <a:t>pandas’s</a:t>
+            </a:r>
+            <a:r>
+              <a:rPr lang="en-US" sz="1375" dirty="0"/>
+              <a:t> </a:t>
+            </a:r>
+            <a:r>
+              <a:rPr lang="en-US" sz="1375" b="1" dirty="0" err="1">
+                <a:solidFill>
+                  <a:schemeClr val="accent6"/>
+                </a:solidFill>
+              </a:rPr>
+              <a:t>vectorized</a:t>
+            </a:r>
+            <a:r>
+              <a:rPr lang="en-US" sz="1375" b="1" dirty="0">
+                <a:solidFill>
+                  <a:schemeClr val="accent6"/>
+                </a:solidFill>
+              </a:rPr>
+              <a:t> operations</a:t>
+            </a:r>
+            <a:r>
+              <a:rPr lang="en-US" sz="1375" dirty="0"/>
+              <a:t>. pandas will automatically preserve observations as you manipulate variables. No other format works as intuitively with pandas.</a:t>
+            </a:r>
+            <a:endParaRPr lang="en-US" sz="1375" b="1" dirty="0"/>
+          </a:p>
+        </p:txBody>
+      </p:sp>
+      <p:pic>
+        <p:nvPicPr>
+          <p:cNvPr id="97" name="table">
+            <a:extLst>
+              <a:ext uri="{FF2B5EF4-FFF2-40B4-BE49-F238E27FC236}">
+                <a16:creationId xmlns:a16="http://schemas.microsoft.com/office/drawing/2014/main" id="{9FCD29B4-96C5-479D-915A-1EEF43C7BF3A}"/>
+              </a:ext>
+            </a:extLst>
+          </p:cNvPr>
+          <p:cNvPicPr>
+            <a:picLocks noChangeAspect="1"/>
+          </p:cNvPicPr>
+          <p:nvPr/>
+        </p:nvPicPr>
+        <p:blipFill rotWithShape="1">
+          <a:blip r:embed="rId21"/>
+          <a:srcRect r="16528" b="23857"/>
+          <a:stretch/>
+        </p:blipFill>
+        <p:spPr>
+          <a:xfrm>
+            <a:off x="11635204" y="490306"/>
+            <a:ext cx="319491" cy="658869"/>
+          </a:xfrm>
+          <a:prstGeom prst="rect">
+            <a:avLst/>
+          </a:prstGeom>
+        </p:spPr>
+      </p:pic>
+      <p:pic>
+        <p:nvPicPr>
+          <p:cNvPr id="98" name="table">
+            <a:extLst>
+              <a:ext uri="{FF2B5EF4-FFF2-40B4-BE49-F238E27FC236}">
+                <a16:creationId xmlns:a16="http://schemas.microsoft.com/office/drawing/2014/main" id="{631BE208-9EE6-4994-A43B-B7EA757852EC}"/>
+              </a:ext>
+            </a:extLst>
+          </p:cNvPr>
+          <p:cNvPicPr>
+            <a:picLocks noChangeAspect="1"/>
+          </p:cNvPicPr>
+          <p:nvPr/>
+        </p:nvPicPr>
+        <p:blipFill rotWithShape="1">
+          <a:blip r:embed="rId22"/>
+          <a:srcRect r="1077" b="19625"/>
+          <a:stretch/>
+        </p:blipFill>
+        <p:spPr>
+          <a:xfrm>
+            <a:off x="12395021" y="490306"/>
+            <a:ext cx="378630" cy="695495"/>
+          </a:xfrm>
+          <a:prstGeom prst="rect">
+            <a:avLst/>
+          </a:prstGeom>
+        </p:spPr>
+      </p:pic>
+      <p:pic>
+        <p:nvPicPr>
+          <p:cNvPr id="102" name="table">
+            <a:extLst>
+              <a:ext uri="{FF2B5EF4-FFF2-40B4-BE49-F238E27FC236}">
+                <a16:creationId xmlns:a16="http://schemas.microsoft.com/office/drawing/2014/main" id="{7F515550-67BA-487A-A48E-A7E045544390}"/>
+              </a:ext>
+            </a:extLst>
+          </p:cNvPr>
+          <p:cNvPicPr>
+            <a:picLocks noChangeAspect="1"/>
+          </p:cNvPicPr>
+          <p:nvPr/>
+        </p:nvPicPr>
+        <p:blipFill rotWithShape="1">
+          <a:blip r:embed="rId23"/>
+          <a:srcRect r="6010" b="19625"/>
+          <a:stretch/>
+        </p:blipFill>
+        <p:spPr>
+          <a:xfrm>
+            <a:off x="13374290" y="490306"/>
+            <a:ext cx="359751" cy="695495"/>
+          </a:xfrm>
+          <a:prstGeom prst="rect">
+            <a:avLst/>
+          </a:prstGeom>
+        </p:spPr>
+      </p:pic>
+      <p:sp>
+        <p:nvSpPr>
+          <p:cNvPr id="105" name="TextBox 37">
+            <a:extLst>
+              <a:ext uri="{FF2B5EF4-FFF2-40B4-BE49-F238E27FC236}">
+                <a16:creationId xmlns:a16="http://schemas.microsoft.com/office/drawing/2014/main" id="{C52FF875-7ABA-492E-8D2C-A845ED250980}"/>
+              </a:ext>
+            </a:extLst>
+          </p:cNvPr>
+          <p:cNvSpPr txBox="1"/>
+          <p:nvPr/>
+        </p:nvSpPr>
+        <p:spPr>
+          <a:xfrm>
+            <a:off x="11954697" y="413256"/>
+            <a:ext cx="474810" cy="727250"/>
+          </a:xfrm>
+          <a:prstGeom prst="rect">
+            <a:avLst/>
+          </a:prstGeom>
+          <a:noFill/>
+        </p:spPr>
+        <p:txBody>
+          <a:bodyPr wrap="none" rtlCol="0">
+            <a:spAutoFit/>
+          </a:bodyPr>
+          <a:lstStyle>
+            <a:defPPr>
+              <a:defRPr lang="en-US"/>
+            </a:defPPr>
+            <a:lvl1pPr marL="0" algn="l" defTabSz="1188994" rtl="0" eaLnBrk="1" latinLnBrk="0" hangingPunct="1">
+              <a:defRPr sz="2341" kern="1200">
+                <a:solidFill>
+                  <a:schemeClr val="tx1"/>
+                </a:solidFill>
+                <a:latin typeface="+mn-lt"/>
+                <a:ea typeface="+mn-ea"/>
+                <a:cs typeface="+mn-cs"/>
+              </a:defRPr>
+            </a:lvl1pPr>
+            <a:lvl2pPr marL="594497" algn="l" defTabSz="1188994" rtl="0" eaLnBrk="1" latinLnBrk="0" hangingPunct="1">
+              <a:defRPr sz="2341" kern="1200">
+                <a:solidFill>
+                  <a:schemeClr val="tx1"/>
+                </a:solidFill>
+                <a:latin typeface="+mn-lt"/>
+                <a:ea typeface="+mn-ea"/>
+                <a:cs typeface="+mn-cs"/>
+              </a:defRPr>
+            </a:lvl2pPr>
+            <a:lvl3pPr marL="1188994" algn="l" defTabSz="1188994" rtl="0" eaLnBrk="1" latinLnBrk="0" hangingPunct="1">
+              <a:defRPr sz="2341" kern="1200">
+                <a:solidFill>
+                  <a:schemeClr val="tx1"/>
+                </a:solidFill>
+                <a:latin typeface="+mn-lt"/>
+                <a:ea typeface="+mn-ea"/>
+                <a:cs typeface="+mn-cs"/>
+              </a:defRPr>
+            </a:lvl3pPr>
+            <a:lvl4pPr marL="1783491" algn="l" defTabSz="1188994" rtl="0" eaLnBrk="1" latinLnBrk="0" hangingPunct="1">
+              <a:defRPr sz="2341" kern="1200">
+                <a:solidFill>
+                  <a:schemeClr val="tx1"/>
+                </a:solidFill>
+                <a:latin typeface="+mn-lt"/>
+                <a:ea typeface="+mn-ea"/>
+                <a:cs typeface="+mn-cs"/>
+              </a:defRPr>
+            </a:lvl4pPr>
+            <a:lvl5pPr marL="2377989" algn="l" defTabSz="1188994" rtl="0" eaLnBrk="1" latinLnBrk="0" hangingPunct="1">
+              <a:defRPr sz="2341" kern="1200">
+                <a:solidFill>
+                  <a:schemeClr val="tx1"/>
+                </a:solidFill>
+                <a:latin typeface="+mn-lt"/>
+                <a:ea typeface="+mn-ea"/>
+                <a:cs typeface="+mn-cs"/>
+              </a:defRPr>
+            </a:lvl5pPr>
+            <a:lvl6pPr marL="2972486" algn="l" defTabSz="1188994" rtl="0" eaLnBrk="1" latinLnBrk="0" hangingPunct="1">
+              <a:defRPr sz="2341" kern="1200">
+                <a:solidFill>
+                  <a:schemeClr val="tx1"/>
+                </a:solidFill>
+                <a:latin typeface="+mn-lt"/>
+                <a:ea typeface="+mn-ea"/>
+                <a:cs typeface="+mn-cs"/>
+              </a:defRPr>
+            </a:lvl6pPr>
+            <a:lvl7pPr marL="3566983" algn="l" defTabSz="1188994" rtl="0" eaLnBrk="1" latinLnBrk="0" hangingPunct="1">
+              <a:defRPr sz="2341" kern="1200">
+                <a:solidFill>
+                  <a:schemeClr val="tx1"/>
+                </a:solidFill>
+                <a:latin typeface="+mn-lt"/>
+                <a:ea typeface="+mn-ea"/>
+                <a:cs typeface="+mn-cs"/>
+              </a:defRPr>
+            </a:lvl7pPr>
+            <a:lvl8pPr marL="4161480" algn="l" defTabSz="1188994" rtl="0" eaLnBrk="1" latinLnBrk="0" hangingPunct="1">
+              <a:defRPr sz="2341" kern="1200">
+                <a:solidFill>
+                  <a:schemeClr val="tx1"/>
+                </a:solidFill>
+                <a:latin typeface="+mn-lt"/>
+                <a:ea typeface="+mn-ea"/>
+                <a:cs typeface="+mn-cs"/>
+              </a:defRPr>
+            </a:lvl8pPr>
+            <a:lvl9pPr marL="4755977" algn="l" defTabSz="1188994" rtl="0" eaLnBrk="1" latinLnBrk="0" hangingPunct="1">
+              <a:defRPr sz="2341" kern="1200">
+                <a:solidFill>
+                  <a:schemeClr val="tx1"/>
+                </a:solidFill>
+                <a:latin typeface="+mn-lt"/>
+                <a:ea typeface="+mn-ea"/>
+                <a:cs typeface="+mn-cs"/>
+              </a:defRPr>
+            </a:lvl9pPr>
+          </a:lstStyle>
+          <a:p>
+            <a:r>
+              <a:rPr lang="en-US" sz="4126" dirty="0">
+                <a:latin typeface="Consolas" panose="020B0609020204030204" pitchFamily="49" charset="0"/>
+              </a:rPr>
+              <a:t>*</a:t>
+            </a:r>
+          </a:p>
+        </p:txBody>
+      </p:sp>
+      <p:sp>
+        <p:nvSpPr>
+          <p:cNvPr id="106" name="TextBox 38">
+            <a:extLst>
+              <a:ext uri="{FF2B5EF4-FFF2-40B4-BE49-F238E27FC236}">
+                <a16:creationId xmlns:a16="http://schemas.microsoft.com/office/drawing/2014/main" id="{27BD835B-65A8-4518-8E01-D366EB5D2CB5}"/>
+              </a:ext>
+            </a:extLst>
+          </p:cNvPr>
+          <p:cNvSpPr txBox="1"/>
+          <p:nvPr/>
+        </p:nvSpPr>
+        <p:spPr>
+          <a:xfrm>
+            <a:off x="11607988" y="1116254"/>
+            <a:ext cx="378630" cy="515526"/>
+          </a:xfrm>
+          <a:prstGeom prst="rect">
+            <a:avLst/>
+          </a:prstGeom>
+          <a:noFill/>
+        </p:spPr>
+        <p:txBody>
+          <a:bodyPr wrap="none" rtlCol="0">
+            <a:spAutoFit/>
+          </a:bodyPr>
+          <a:lstStyle>
+            <a:defPPr>
+              <a:defRPr lang="en-US"/>
+            </a:defPPr>
+            <a:lvl1pPr marL="0" algn="l" defTabSz="1188994" rtl="0" eaLnBrk="1" latinLnBrk="0" hangingPunct="1">
+              <a:defRPr sz="2341" kern="1200">
+                <a:solidFill>
+                  <a:schemeClr val="tx1"/>
+                </a:solidFill>
+                <a:latin typeface="+mn-lt"/>
+                <a:ea typeface="+mn-ea"/>
+                <a:cs typeface="+mn-cs"/>
+              </a:defRPr>
+            </a:lvl1pPr>
+            <a:lvl2pPr marL="594497" algn="l" defTabSz="1188994" rtl="0" eaLnBrk="1" latinLnBrk="0" hangingPunct="1">
+              <a:defRPr sz="2341" kern="1200">
+                <a:solidFill>
+                  <a:schemeClr val="tx1"/>
+                </a:solidFill>
+                <a:latin typeface="+mn-lt"/>
+                <a:ea typeface="+mn-ea"/>
+                <a:cs typeface="+mn-cs"/>
+              </a:defRPr>
+            </a:lvl2pPr>
+            <a:lvl3pPr marL="1188994" algn="l" defTabSz="1188994" rtl="0" eaLnBrk="1" latinLnBrk="0" hangingPunct="1">
+              <a:defRPr sz="2341" kern="1200">
+                <a:solidFill>
+                  <a:schemeClr val="tx1"/>
+                </a:solidFill>
+                <a:latin typeface="+mn-lt"/>
+                <a:ea typeface="+mn-ea"/>
+                <a:cs typeface="+mn-cs"/>
+              </a:defRPr>
+            </a:lvl3pPr>
+            <a:lvl4pPr marL="1783491" algn="l" defTabSz="1188994" rtl="0" eaLnBrk="1" latinLnBrk="0" hangingPunct="1">
+              <a:defRPr sz="2341" kern="1200">
+                <a:solidFill>
+                  <a:schemeClr val="tx1"/>
+                </a:solidFill>
+                <a:latin typeface="+mn-lt"/>
+                <a:ea typeface="+mn-ea"/>
+                <a:cs typeface="+mn-cs"/>
+              </a:defRPr>
+            </a:lvl4pPr>
+            <a:lvl5pPr marL="2377989" algn="l" defTabSz="1188994" rtl="0" eaLnBrk="1" latinLnBrk="0" hangingPunct="1">
+              <a:defRPr sz="2341" kern="1200">
+                <a:solidFill>
+                  <a:schemeClr val="tx1"/>
+                </a:solidFill>
+                <a:latin typeface="+mn-lt"/>
+                <a:ea typeface="+mn-ea"/>
+                <a:cs typeface="+mn-cs"/>
+              </a:defRPr>
+            </a:lvl5pPr>
+            <a:lvl6pPr marL="2972486" algn="l" defTabSz="1188994" rtl="0" eaLnBrk="1" latinLnBrk="0" hangingPunct="1">
+              <a:defRPr sz="2341" kern="1200">
+                <a:solidFill>
+                  <a:schemeClr val="tx1"/>
+                </a:solidFill>
+                <a:latin typeface="+mn-lt"/>
+                <a:ea typeface="+mn-ea"/>
+                <a:cs typeface="+mn-cs"/>
+              </a:defRPr>
+            </a:lvl6pPr>
+            <a:lvl7pPr marL="3566983" algn="l" defTabSz="1188994" rtl="0" eaLnBrk="1" latinLnBrk="0" hangingPunct="1">
+              <a:defRPr sz="2341" kern="1200">
+                <a:solidFill>
+                  <a:schemeClr val="tx1"/>
+                </a:solidFill>
+                <a:latin typeface="+mn-lt"/>
+                <a:ea typeface="+mn-ea"/>
+                <a:cs typeface="+mn-cs"/>
+              </a:defRPr>
+            </a:lvl7pPr>
+            <a:lvl8pPr marL="4161480" algn="l" defTabSz="1188994" rtl="0" eaLnBrk="1" latinLnBrk="0" hangingPunct="1">
+              <a:defRPr sz="2341" kern="1200">
+                <a:solidFill>
+                  <a:schemeClr val="tx1"/>
+                </a:solidFill>
+                <a:latin typeface="+mn-lt"/>
+                <a:ea typeface="+mn-ea"/>
+                <a:cs typeface="+mn-cs"/>
+              </a:defRPr>
+            </a:lvl8pPr>
+            <a:lvl9pPr marL="4755977" algn="l" defTabSz="1188994" rtl="0" eaLnBrk="1" latinLnBrk="0" hangingPunct="1">
+              <a:defRPr sz="2341" kern="1200">
+                <a:solidFill>
+                  <a:schemeClr val="tx1"/>
+                </a:solidFill>
+                <a:latin typeface="+mn-lt"/>
+                <a:ea typeface="+mn-ea"/>
+                <a:cs typeface="+mn-cs"/>
+              </a:defRPr>
+            </a:lvl9pPr>
+          </a:lstStyle>
+          <a:p>
+            <a:r>
+              <a:rPr lang="en-US" sz="2750" dirty="0">
+                <a:latin typeface="Consolas" panose="020B0609020204030204" pitchFamily="49" charset="0"/>
+              </a:rPr>
+              <a:t>M</a:t>
+            </a:r>
+          </a:p>
+        </p:txBody>
+      </p:sp>
+      <p:sp>
+        <p:nvSpPr>
+          <p:cNvPr id="108" name="TextBox 39">
+            <a:extLst>
+              <a:ext uri="{FF2B5EF4-FFF2-40B4-BE49-F238E27FC236}">
+                <a16:creationId xmlns:a16="http://schemas.microsoft.com/office/drawing/2014/main" id="{A9A05720-1D26-413E-8C2C-DCB459207B32}"/>
+              </a:ext>
+            </a:extLst>
+          </p:cNvPr>
+          <p:cNvSpPr txBox="1"/>
+          <p:nvPr/>
+        </p:nvSpPr>
+        <p:spPr>
+          <a:xfrm>
+            <a:off x="12395021" y="1116253"/>
+            <a:ext cx="378630" cy="515526"/>
+          </a:xfrm>
+          <a:prstGeom prst="rect">
+            <a:avLst/>
+          </a:prstGeom>
+          <a:noFill/>
+        </p:spPr>
+        <p:txBody>
+          <a:bodyPr wrap="none" rtlCol="0">
+            <a:spAutoFit/>
+          </a:bodyPr>
+          <a:lstStyle>
+            <a:defPPr>
+              <a:defRPr lang="en-US"/>
+            </a:defPPr>
+            <a:lvl1pPr marL="0" algn="l" defTabSz="1188994" rtl="0" eaLnBrk="1" latinLnBrk="0" hangingPunct="1">
+              <a:defRPr sz="2341" kern="1200">
+                <a:solidFill>
+                  <a:schemeClr val="tx1"/>
+                </a:solidFill>
+                <a:latin typeface="+mn-lt"/>
+                <a:ea typeface="+mn-ea"/>
+                <a:cs typeface="+mn-cs"/>
+              </a:defRPr>
+            </a:lvl1pPr>
+            <a:lvl2pPr marL="594497" algn="l" defTabSz="1188994" rtl="0" eaLnBrk="1" latinLnBrk="0" hangingPunct="1">
+              <a:defRPr sz="2341" kern="1200">
+                <a:solidFill>
+                  <a:schemeClr val="tx1"/>
+                </a:solidFill>
+                <a:latin typeface="+mn-lt"/>
+                <a:ea typeface="+mn-ea"/>
+                <a:cs typeface="+mn-cs"/>
+              </a:defRPr>
+            </a:lvl2pPr>
+            <a:lvl3pPr marL="1188994" algn="l" defTabSz="1188994" rtl="0" eaLnBrk="1" latinLnBrk="0" hangingPunct="1">
+              <a:defRPr sz="2341" kern="1200">
+                <a:solidFill>
+                  <a:schemeClr val="tx1"/>
+                </a:solidFill>
+                <a:latin typeface="+mn-lt"/>
+                <a:ea typeface="+mn-ea"/>
+                <a:cs typeface="+mn-cs"/>
+              </a:defRPr>
+            </a:lvl3pPr>
+            <a:lvl4pPr marL="1783491" algn="l" defTabSz="1188994" rtl="0" eaLnBrk="1" latinLnBrk="0" hangingPunct="1">
+              <a:defRPr sz="2341" kern="1200">
+                <a:solidFill>
+                  <a:schemeClr val="tx1"/>
+                </a:solidFill>
+                <a:latin typeface="+mn-lt"/>
+                <a:ea typeface="+mn-ea"/>
+                <a:cs typeface="+mn-cs"/>
+              </a:defRPr>
+            </a:lvl4pPr>
+            <a:lvl5pPr marL="2377989" algn="l" defTabSz="1188994" rtl="0" eaLnBrk="1" latinLnBrk="0" hangingPunct="1">
+              <a:defRPr sz="2341" kern="1200">
+                <a:solidFill>
+                  <a:schemeClr val="tx1"/>
+                </a:solidFill>
+                <a:latin typeface="+mn-lt"/>
+                <a:ea typeface="+mn-ea"/>
+                <a:cs typeface="+mn-cs"/>
+              </a:defRPr>
+            </a:lvl5pPr>
+            <a:lvl6pPr marL="2972486" algn="l" defTabSz="1188994" rtl="0" eaLnBrk="1" latinLnBrk="0" hangingPunct="1">
+              <a:defRPr sz="2341" kern="1200">
+                <a:solidFill>
+                  <a:schemeClr val="tx1"/>
+                </a:solidFill>
+                <a:latin typeface="+mn-lt"/>
+                <a:ea typeface="+mn-ea"/>
+                <a:cs typeface="+mn-cs"/>
+              </a:defRPr>
+            </a:lvl6pPr>
+            <a:lvl7pPr marL="3566983" algn="l" defTabSz="1188994" rtl="0" eaLnBrk="1" latinLnBrk="0" hangingPunct="1">
+              <a:defRPr sz="2341" kern="1200">
+                <a:solidFill>
+                  <a:schemeClr val="tx1"/>
+                </a:solidFill>
+                <a:latin typeface="+mn-lt"/>
+                <a:ea typeface="+mn-ea"/>
+                <a:cs typeface="+mn-cs"/>
+              </a:defRPr>
+            </a:lvl7pPr>
+            <a:lvl8pPr marL="4161480" algn="l" defTabSz="1188994" rtl="0" eaLnBrk="1" latinLnBrk="0" hangingPunct="1">
+              <a:defRPr sz="2341" kern="1200">
+                <a:solidFill>
+                  <a:schemeClr val="tx1"/>
+                </a:solidFill>
+                <a:latin typeface="+mn-lt"/>
+                <a:ea typeface="+mn-ea"/>
+                <a:cs typeface="+mn-cs"/>
+              </a:defRPr>
+            </a:lvl8pPr>
+            <a:lvl9pPr marL="4755977" algn="l" defTabSz="1188994" rtl="0" eaLnBrk="1" latinLnBrk="0" hangingPunct="1">
+              <a:defRPr sz="2341" kern="1200">
+                <a:solidFill>
+                  <a:schemeClr val="tx1"/>
+                </a:solidFill>
+                <a:latin typeface="+mn-lt"/>
+                <a:ea typeface="+mn-ea"/>
+                <a:cs typeface="+mn-cs"/>
+              </a:defRPr>
+            </a:lvl9pPr>
+          </a:lstStyle>
+          <a:p>
+            <a:r>
+              <a:rPr lang="en-US" sz="2750" dirty="0">
+                <a:latin typeface="Consolas" panose="020B0609020204030204" pitchFamily="49" charset="0"/>
+              </a:rPr>
+              <a:t>A</a:t>
+            </a:r>
+          </a:p>
+        </p:txBody>
+      </p:sp>
+      <p:sp>
+        <p:nvSpPr>
+          <p:cNvPr id="109" name="TextBox 40">
+            <a:extLst>
+              <a:ext uri="{FF2B5EF4-FFF2-40B4-BE49-F238E27FC236}">
+                <a16:creationId xmlns:a16="http://schemas.microsoft.com/office/drawing/2014/main" id="{38104EBC-72CF-44A4-AC4A-7F0816C9E653}"/>
+              </a:ext>
+            </a:extLst>
+          </p:cNvPr>
+          <p:cNvSpPr txBox="1"/>
+          <p:nvPr/>
+        </p:nvSpPr>
+        <p:spPr>
+          <a:xfrm>
+            <a:off x="11946286" y="1154148"/>
+            <a:ext cx="474810" cy="727250"/>
+          </a:xfrm>
+          <a:prstGeom prst="rect">
+            <a:avLst/>
+          </a:prstGeom>
+          <a:noFill/>
+        </p:spPr>
+        <p:txBody>
+          <a:bodyPr wrap="none" rtlCol="0">
+            <a:spAutoFit/>
+          </a:bodyPr>
+          <a:lstStyle>
+            <a:defPPr>
+              <a:defRPr lang="en-US"/>
+            </a:defPPr>
+            <a:lvl1pPr marL="0" algn="l" defTabSz="1188994" rtl="0" eaLnBrk="1" latinLnBrk="0" hangingPunct="1">
+              <a:defRPr sz="2341" kern="1200">
+                <a:solidFill>
+                  <a:schemeClr val="tx1"/>
+                </a:solidFill>
+                <a:latin typeface="+mn-lt"/>
+                <a:ea typeface="+mn-ea"/>
+                <a:cs typeface="+mn-cs"/>
+              </a:defRPr>
+            </a:lvl1pPr>
+            <a:lvl2pPr marL="594497" algn="l" defTabSz="1188994" rtl="0" eaLnBrk="1" latinLnBrk="0" hangingPunct="1">
+              <a:defRPr sz="2341" kern="1200">
+                <a:solidFill>
+                  <a:schemeClr val="tx1"/>
+                </a:solidFill>
+                <a:latin typeface="+mn-lt"/>
+                <a:ea typeface="+mn-ea"/>
+                <a:cs typeface="+mn-cs"/>
+              </a:defRPr>
+            </a:lvl2pPr>
+            <a:lvl3pPr marL="1188994" algn="l" defTabSz="1188994" rtl="0" eaLnBrk="1" latinLnBrk="0" hangingPunct="1">
+              <a:defRPr sz="2341" kern="1200">
+                <a:solidFill>
+                  <a:schemeClr val="tx1"/>
+                </a:solidFill>
+                <a:latin typeface="+mn-lt"/>
+                <a:ea typeface="+mn-ea"/>
+                <a:cs typeface="+mn-cs"/>
+              </a:defRPr>
+            </a:lvl3pPr>
+            <a:lvl4pPr marL="1783491" algn="l" defTabSz="1188994" rtl="0" eaLnBrk="1" latinLnBrk="0" hangingPunct="1">
+              <a:defRPr sz="2341" kern="1200">
+                <a:solidFill>
+                  <a:schemeClr val="tx1"/>
+                </a:solidFill>
+                <a:latin typeface="+mn-lt"/>
+                <a:ea typeface="+mn-ea"/>
+                <a:cs typeface="+mn-cs"/>
+              </a:defRPr>
+            </a:lvl4pPr>
+            <a:lvl5pPr marL="2377989" algn="l" defTabSz="1188994" rtl="0" eaLnBrk="1" latinLnBrk="0" hangingPunct="1">
+              <a:defRPr sz="2341" kern="1200">
+                <a:solidFill>
+                  <a:schemeClr val="tx1"/>
+                </a:solidFill>
+                <a:latin typeface="+mn-lt"/>
+                <a:ea typeface="+mn-ea"/>
+                <a:cs typeface="+mn-cs"/>
+              </a:defRPr>
+            </a:lvl5pPr>
+            <a:lvl6pPr marL="2972486" algn="l" defTabSz="1188994" rtl="0" eaLnBrk="1" latinLnBrk="0" hangingPunct="1">
+              <a:defRPr sz="2341" kern="1200">
+                <a:solidFill>
+                  <a:schemeClr val="tx1"/>
+                </a:solidFill>
+                <a:latin typeface="+mn-lt"/>
+                <a:ea typeface="+mn-ea"/>
+                <a:cs typeface="+mn-cs"/>
+              </a:defRPr>
+            </a:lvl6pPr>
+            <a:lvl7pPr marL="3566983" algn="l" defTabSz="1188994" rtl="0" eaLnBrk="1" latinLnBrk="0" hangingPunct="1">
+              <a:defRPr sz="2341" kern="1200">
+                <a:solidFill>
+                  <a:schemeClr val="tx1"/>
+                </a:solidFill>
+                <a:latin typeface="+mn-lt"/>
+                <a:ea typeface="+mn-ea"/>
+                <a:cs typeface="+mn-cs"/>
+              </a:defRPr>
+            </a:lvl7pPr>
+            <a:lvl8pPr marL="4161480" algn="l" defTabSz="1188994" rtl="0" eaLnBrk="1" latinLnBrk="0" hangingPunct="1">
+              <a:defRPr sz="2341" kern="1200">
+                <a:solidFill>
+                  <a:schemeClr val="tx1"/>
+                </a:solidFill>
+                <a:latin typeface="+mn-lt"/>
+                <a:ea typeface="+mn-ea"/>
+                <a:cs typeface="+mn-cs"/>
+              </a:defRPr>
+            </a:lvl8pPr>
+            <a:lvl9pPr marL="4755977" algn="l" defTabSz="1188994" rtl="0" eaLnBrk="1" latinLnBrk="0" hangingPunct="1">
+              <a:defRPr sz="2341" kern="1200">
+                <a:solidFill>
+                  <a:schemeClr val="tx1"/>
+                </a:solidFill>
+                <a:latin typeface="+mn-lt"/>
+                <a:ea typeface="+mn-ea"/>
+                <a:cs typeface="+mn-cs"/>
+              </a:defRPr>
+            </a:lvl9pPr>
+          </a:lstStyle>
+          <a:p>
+            <a:r>
+              <a:rPr lang="en-US" sz="4126" dirty="0">
+                <a:latin typeface="Consolas" panose="020B0609020204030204" pitchFamily="49" charset="0"/>
+              </a:rPr>
+              <a:t>*</a:t>
+            </a:r>
+          </a:p>
+        </p:txBody>
+      </p:sp>
+      <p:sp>
+        <p:nvSpPr>
+          <p:cNvPr id="110" name="Right Arrow 41">
+            <a:extLst>
+              <a:ext uri="{FF2B5EF4-FFF2-40B4-BE49-F238E27FC236}">
+                <a16:creationId xmlns:a16="http://schemas.microsoft.com/office/drawing/2014/main" id="{C5D3C75D-3D78-418B-9286-A7F507E2B540}"/>
+              </a:ext>
+            </a:extLst>
+          </p:cNvPr>
+          <p:cNvSpPr/>
+          <p:nvPr/>
+        </p:nvSpPr>
+        <p:spPr>
+          <a:xfrm>
+            <a:off x="11642742" y="812105"/>
+            <a:ext cx="1739086" cy="123283"/>
+          </a:xfrm>
+          <a:prstGeom prst="rightArrow">
+            <a:avLst>
+              <a:gd name="adj1" fmla="val 50000"/>
+              <a:gd name="adj2" fmla="val 130855"/>
+            </a:avLst>
+          </a:prstGeom>
+          <a:gradFill>
+            <a:gsLst>
+              <a:gs pos="0">
+                <a:schemeClr val="accent6">
+                  <a:lumMod val="20000"/>
+                  <a:lumOff val="80000"/>
+                </a:schemeClr>
+              </a:gs>
+              <a:gs pos="95575">
+                <a:schemeClr val="accent6"/>
+              </a:gs>
+            </a:gsLst>
+            <a:lin ang="0" scaled="0"/>
+          </a:gradFill>
+          <a:ln>
+            <a:noFill/>
+          </a:ln>
+        </p:spPr>
+        <p:style>
+          <a:lnRef idx="2">
+            <a:schemeClr val="accent1">
+              <a:shade val="50000"/>
+            </a:schemeClr>
+          </a:lnRef>
+          <a:fillRef idx="1">
+            <a:schemeClr val="accent1"/>
+          </a:fillRef>
+          <a:effectRef idx="0">
+            <a:schemeClr val="accent1"/>
+          </a:effectRef>
+          <a:fontRef idx="minor">
+            <a:schemeClr val="lt1"/>
+          </a:fontRef>
+        </p:style>
+        <p:txBody>
+          <a:bodyPr rtlCol="0" anchor="ctr"/>
+          <a:lstStyle>
+            <a:defPPr>
+              <a:defRPr lang="en-US"/>
+            </a:defPPr>
+            <a:lvl1pPr marL="0" algn="l" defTabSz="1188994" rtl="0" eaLnBrk="1" latinLnBrk="0" hangingPunct="1">
+              <a:defRPr sz="2341" kern="1200">
+                <a:solidFill>
+                  <a:schemeClr val="lt1"/>
+                </a:solidFill>
+                <a:latin typeface="+mn-lt"/>
+                <a:ea typeface="+mn-ea"/>
+                <a:cs typeface="+mn-cs"/>
+              </a:defRPr>
+            </a:lvl1pPr>
+            <a:lvl2pPr marL="594497" algn="l" defTabSz="1188994" rtl="0" eaLnBrk="1" latinLnBrk="0" hangingPunct="1">
+              <a:defRPr sz="2341" kern="1200">
+                <a:solidFill>
+                  <a:schemeClr val="lt1"/>
+                </a:solidFill>
+                <a:latin typeface="+mn-lt"/>
+                <a:ea typeface="+mn-ea"/>
+                <a:cs typeface="+mn-cs"/>
+              </a:defRPr>
+            </a:lvl2pPr>
+            <a:lvl3pPr marL="1188994" algn="l" defTabSz="1188994" rtl="0" eaLnBrk="1" latinLnBrk="0" hangingPunct="1">
+              <a:defRPr sz="2341" kern="1200">
+                <a:solidFill>
+                  <a:schemeClr val="lt1"/>
+                </a:solidFill>
+                <a:latin typeface="+mn-lt"/>
+                <a:ea typeface="+mn-ea"/>
+                <a:cs typeface="+mn-cs"/>
+              </a:defRPr>
+            </a:lvl3pPr>
+            <a:lvl4pPr marL="1783491" algn="l" defTabSz="1188994" rtl="0" eaLnBrk="1" latinLnBrk="0" hangingPunct="1">
+              <a:defRPr sz="2341" kern="1200">
+                <a:solidFill>
+                  <a:schemeClr val="lt1"/>
+                </a:solidFill>
+                <a:latin typeface="+mn-lt"/>
+                <a:ea typeface="+mn-ea"/>
+                <a:cs typeface="+mn-cs"/>
+              </a:defRPr>
+            </a:lvl4pPr>
+            <a:lvl5pPr marL="2377989" algn="l" defTabSz="1188994" rtl="0" eaLnBrk="1" latinLnBrk="0" hangingPunct="1">
+              <a:defRPr sz="2341" kern="1200">
+                <a:solidFill>
+                  <a:schemeClr val="lt1"/>
+                </a:solidFill>
+                <a:latin typeface="+mn-lt"/>
+                <a:ea typeface="+mn-ea"/>
+                <a:cs typeface="+mn-cs"/>
+              </a:defRPr>
+            </a:lvl5pPr>
+            <a:lvl6pPr marL="2972486" algn="l" defTabSz="1188994" rtl="0" eaLnBrk="1" latinLnBrk="0" hangingPunct="1">
+              <a:defRPr sz="2341" kern="1200">
+                <a:solidFill>
+                  <a:schemeClr val="lt1"/>
+                </a:solidFill>
+                <a:latin typeface="+mn-lt"/>
+                <a:ea typeface="+mn-ea"/>
+                <a:cs typeface="+mn-cs"/>
+              </a:defRPr>
+            </a:lvl6pPr>
+            <a:lvl7pPr marL="3566983" algn="l" defTabSz="1188994" rtl="0" eaLnBrk="1" latinLnBrk="0" hangingPunct="1">
+              <a:defRPr sz="2341" kern="1200">
+                <a:solidFill>
+                  <a:schemeClr val="lt1"/>
+                </a:solidFill>
+                <a:latin typeface="+mn-lt"/>
+                <a:ea typeface="+mn-ea"/>
+                <a:cs typeface="+mn-cs"/>
+              </a:defRPr>
+            </a:lvl7pPr>
+            <a:lvl8pPr marL="4161480" algn="l" defTabSz="1188994" rtl="0" eaLnBrk="1" latinLnBrk="0" hangingPunct="1">
+              <a:defRPr sz="2341" kern="1200">
+                <a:solidFill>
+                  <a:schemeClr val="lt1"/>
+                </a:solidFill>
+                <a:latin typeface="+mn-lt"/>
+                <a:ea typeface="+mn-ea"/>
+                <a:cs typeface="+mn-cs"/>
+              </a:defRPr>
+            </a:lvl8pPr>
+            <a:lvl9pPr marL="4755977" algn="l" defTabSz="1188994" rtl="0" eaLnBrk="1" latinLnBrk="0" hangingPunct="1">
+              <a:defRPr sz="2341" kern="1200">
+                <a:solidFill>
+                  <a:schemeClr val="lt1"/>
+                </a:solidFill>
+                <a:latin typeface="+mn-lt"/>
+                <a:ea typeface="+mn-ea"/>
+                <a:cs typeface="+mn-cs"/>
+              </a:defRPr>
+            </a:lvl9pPr>
+          </a:lstStyle>
+          <a:p>
+            <a:pPr algn="ctr"/>
+            <a:endParaRPr lang="en-US" sz="2683"/>
+          </a:p>
+        </p:txBody>
+      </p:sp>
+      <p:sp>
+        <p:nvSpPr>
+          <p:cNvPr id="111" name="Right Arrow 42">
+            <a:extLst>
+              <a:ext uri="{FF2B5EF4-FFF2-40B4-BE49-F238E27FC236}">
+                <a16:creationId xmlns:a16="http://schemas.microsoft.com/office/drawing/2014/main" id="{54F61B69-D58B-40D7-B5C7-BB5F0868570B}"/>
+              </a:ext>
+            </a:extLst>
+          </p:cNvPr>
+          <p:cNvSpPr/>
+          <p:nvPr/>
+        </p:nvSpPr>
+        <p:spPr>
+          <a:xfrm>
+            <a:off x="11647265" y="994797"/>
+            <a:ext cx="1739086" cy="123283"/>
+          </a:xfrm>
+          <a:prstGeom prst="rightArrow">
+            <a:avLst>
+              <a:gd name="adj1" fmla="val 50000"/>
+              <a:gd name="adj2" fmla="val 130855"/>
+            </a:avLst>
+          </a:prstGeom>
+          <a:gradFill>
+            <a:gsLst>
+              <a:gs pos="0">
+                <a:schemeClr val="accent6">
+                  <a:lumMod val="20000"/>
+                  <a:lumOff val="80000"/>
+                </a:schemeClr>
+              </a:gs>
+              <a:gs pos="95575">
+                <a:schemeClr val="accent6"/>
+              </a:gs>
+            </a:gsLst>
+            <a:lin ang="0" scaled="0"/>
+          </a:gradFill>
+          <a:ln>
+            <a:noFill/>
+          </a:ln>
+        </p:spPr>
+        <p:style>
+          <a:lnRef idx="2">
+            <a:schemeClr val="accent1">
+              <a:shade val="50000"/>
+            </a:schemeClr>
+          </a:lnRef>
+          <a:fillRef idx="1">
+            <a:schemeClr val="accent1"/>
+          </a:fillRef>
+          <a:effectRef idx="0">
+            <a:schemeClr val="accent1"/>
+          </a:effectRef>
+          <a:fontRef idx="minor">
+            <a:schemeClr val="lt1"/>
+          </a:fontRef>
+        </p:style>
+        <p:txBody>
+          <a:bodyPr rtlCol="0" anchor="ctr"/>
+          <a:lstStyle>
+            <a:defPPr>
+              <a:defRPr lang="en-US"/>
+            </a:defPPr>
+            <a:lvl1pPr marL="0" algn="l" defTabSz="1188994" rtl="0" eaLnBrk="1" latinLnBrk="0" hangingPunct="1">
+              <a:defRPr sz="2341" kern="1200">
+                <a:solidFill>
+                  <a:schemeClr val="lt1"/>
+                </a:solidFill>
+                <a:latin typeface="+mn-lt"/>
+                <a:ea typeface="+mn-ea"/>
+                <a:cs typeface="+mn-cs"/>
+              </a:defRPr>
+            </a:lvl1pPr>
+            <a:lvl2pPr marL="594497" algn="l" defTabSz="1188994" rtl="0" eaLnBrk="1" latinLnBrk="0" hangingPunct="1">
+              <a:defRPr sz="2341" kern="1200">
+                <a:solidFill>
+                  <a:schemeClr val="lt1"/>
+                </a:solidFill>
+                <a:latin typeface="+mn-lt"/>
+                <a:ea typeface="+mn-ea"/>
+                <a:cs typeface="+mn-cs"/>
+              </a:defRPr>
+            </a:lvl2pPr>
+            <a:lvl3pPr marL="1188994" algn="l" defTabSz="1188994" rtl="0" eaLnBrk="1" latinLnBrk="0" hangingPunct="1">
+              <a:defRPr sz="2341" kern="1200">
+                <a:solidFill>
+                  <a:schemeClr val="lt1"/>
+                </a:solidFill>
+                <a:latin typeface="+mn-lt"/>
+                <a:ea typeface="+mn-ea"/>
+                <a:cs typeface="+mn-cs"/>
+              </a:defRPr>
+            </a:lvl3pPr>
+            <a:lvl4pPr marL="1783491" algn="l" defTabSz="1188994" rtl="0" eaLnBrk="1" latinLnBrk="0" hangingPunct="1">
+              <a:defRPr sz="2341" kern="1200">
+                <a:solidFill>
+                  <a:schemeClr val="lt1"/>
+                </a:solidFill>
+                <a:latin typeface="+mn-lt"/>
+                <a:ea typeface="+mn-ea"/>
+                <a:cs typeface="+mn-cs"/>
+              </a:defRPr>
+            </a:lvl4pPr>
+            <a:lvl5pPr marL="2377989" algn="l" defTabSz="1188994" rtl="0" eaLnBrk="1" latinLnBrk="0" hangingPunct="1">
+              <a:defRPr sz="2341" kern="1200">
+                <a:solidFill>
+                  <a:schemeClr val="lt1"/>
+                </a:solidFill>
+                <a:latin typeface="+mn-lt"/>
+                <a:ea typeface="+mn-ea"/>
+                <a:cs typeface="+mn-cs"/>
+              </a:defRPr>
+            </a:lvl5pPr>
+            <a:lvl6pPr marL="2972486" algn="l" defTabSz="1188994" rtl="0" eaLnBrk="1" latinLnBrk="0" hangingPunct="1">
+              <a:defRPr sz="2341" kern="1200">
+                <a:solidFill>
+                  <a:schemeClr val="lt1"/>
+                </a:solidFill>
+                <a:latin typeface="+mn-lt"/>
+                <a:ea typeface="+mn-ea"/>
+                <a:cs typeface="+mn-cs"/>
+              </a:defRPr>
+            </a:lvl6pPr>
+            <a:lvl7pPr marL="3566983" algn="l" defTabSz="1188994" rtl="0" eaLnBrk="1" latinLnBrk="0" hangingPunct="1">
+              <a:defRPr sz="2341" kern="1200">
+                <a:solidFill>
+                  <a:schemeClr val="lt1"/>
+                </a:solidFill>
+                <a:latin typeface="+mn-lt"/>
+                <a:ea typeface="+mn-ea"/>
+                <a:cs typeface="+mn-cs"/>
+              </a:defRPr>
+            </a:lvl7pPr>
+            <a:lvl8pPr marL="4161480" algn="l" defTabSz="1188994" rtl="0" eaLnBrk="1" latinLnBrk="0" hangingPunct="1">
+              <a:defRPr sz="2341" kern="1200">
+                <a:solidFill>
+                  <a:schemeClr val="lt1"/>
+                </a:solidFill>
+                <a:latin typeface="+mn-lt"/>
+                <a:ea typeface="+mn-ea"/>
+                <a:cs typeface="+mn-cs"/>
+              </a:defRPr>
+            </a:lvl8pPr>
+            <a:lvl9pPr marL="4755977" algn="l" defTabSz="1188994" rtl="0" eaLnBrk="1" latinLnBrk="0" hangingPunct="1">
+              <a:defRPr sz="2341" kern="1200">
+                <a:solidFill>
+                  <a:schemeClr val="lt1"/>
+                </a:solidFill>
+                <a:latin typeface="+mn-lt"/>
+                <a:ea typeface="+mn-ea"/>
+                <a:cs typeface="+mn-cs"/>
+              </a:defRPr>
+            </a:lvl9pPr>
+          </a:lstStyle>
+          <a:p>
+            <a:pPr algn="ctr"/>
+            <a:endParaRPr lang="en-US" sz="2683"/>
+          </a:p>
+        </p:txBody>
+      </p:sp>
+      <p:graphicFrame>
+        <p:nvGraphicFramePr>
+          <p:cNvPr id="117" name="Table 9">
+            <a:extLst>
+              <a:ext uri="{FF2B5EF4-FFF2-40B4-BE49-F238E27FC236}">
+                <a16:creationId xmlns:a16="http://schemas.microsoft.com/office/drawing/2014/main" id="{8A534406-3FD5-4481-9397-8C09FC62823A}"/>
+              </a:ext>
+            </a:extLst>
+          </p:cNvPr>
+          <p:cNvGraphicFramePr>
+            <a:graphicFrameLocks noGrp="1"/>
+          </p:cNvGraphicFramePr>
+          <p:nvPr>
+            <p:extLst>
+              <p:ext uri="{D42A27DB-BD31-4B8C-83A1-F6EECF244321}">
+                <p14:modId xmlns:p14="http://schemas.microsoft.com/office/powerpoint/2010/main" val="935636498"/>
+              </p:ext>
+            </p:extLst>
+          </p:nvPr>
+        </p:nvGraphicFramePr>
+        <p:xfrm>
+          <a:off x="4341328" y="5866163"/>
+          <a:ext cx="1105356" cy="533400"/>
+        </p:xfrm>
+        <a:graphic>
+          <a:graphicData uri="http://schemas.openxmlformats.org/drawingml/2006/table">
+            <a:tbl>
+              <a:tblPr>
+                <a:tableStyleId>{5C22544A-7EE6-4342-B048-85BDC9FD1C3A}</a:tableStyleId>
+              </a:tblPr>
+              <a:tblGrid>
+                <a:gridCol w="276339">
+                  <a:extLst>
+                    <a:ext uri="{9D8B030D-6E8A-4147-A177-3AD203B41FA5}">
+                      <a16:colId xmlns:a16="http://schemas.microsoft.com/office/drawing/2014/main" val="20000"/>
+                    </a:ext>
+                  </a:extLst>
+                </a:gridCol>
+                <a:gridCol w="276339">
+                  <a:extLst>
+                    <a:ext uri="{9D8B030D-6E8A-4147-A177-3AD203B41FA5}">
+                      <a16:colId xmlns:a16="http://schemas.microsoft.com/office/drawing/2014/main" val="20001"/>
+                    </a:ext>
+                  </a:extLst>
+                </a:gridCol>
+                <a:gridCol w="276339">
+                  <a:extLst>
+                    <a:ext uri="{9D8B030D-6E8A-4147-A177-3AD203B41FA5}">
+                      <a16:colId xmlns:a16="http://schemas.microsoft.com/office/drawing/2014/main" val="20002"/>
+                    </a:ext>
+                  </a:extLst>
+                </a:gridCol>
+                <a:gridCol w="276339">
+                  <a:extLst>
+                    <a:ext uri="{9D8B030D-6E8A-4147-A177-3AD203B41FA5}">
+                      <a16:colId xmlns:a16="http://schemas.microsoft.com/office/drawing/2014/main" val="20003"/>
+                    </a:ext>
+                  </a:extLst>
+                </a:gridCol>
+              </a:tblGrid>
+              <a:tr h="94140">
+                <a:tc>
+                  <a:txBody>
+                    <a:bodyPr/>
+                    <a:lstStyle/>
+                    <a:p>
+                      <a:endParaRPr lang="en-US" sz="600" dirty="0"/>
+                    </a:p>
+                  </a:txBody>
+                  <a:tcPr marL="0" marR="0" marT="0" marB="0">
+                    <a:solidFill>
+                      <a:schemeClr val="accent5"/>
+                    </a:solidFill>
+                  </a:tcPr>
+                </a:tc>
+                <a:tc>
+                  <a:txBody>
+                    <a:bodyPr/>
+                    <a:lstStyle/>
+                    <a:p>
+                      <a:endParaRPr lang="en-US" sz="700"/>
+                    </a:p>
+                  </a:txBody>
+                  <a:tcPr marL="0" marR="0" marT="0" marB="0">
+                    <a:solidFill>
+                      <a:schemeClr val="accent5"/>
+                    </a:solidFill>
+                  </a:tcPr>
+                </a:tc>
+                <a:tc>
+                  <a:txBody>
+                    <a:bodyPr/>
+                    <a:lstStyle/>
+                    <a:p>
+                      <a:endParaRPr lang="en-US" sz="700"/>
+                    </a:p>
+                  </a:txBody>
+                  <a:tcPr marL="0" marR="0" marT="0" marB="0">
+                    <a:solidFill>
+                      <a:schemeClr val="accent5"/>
+                    </a:solidFill>
+                  </a:tcPr>
+                </a:tc>
+                <a:tc>
+                  <a:txBody>
+                    <a:bodyPr/>
+                    <a:lstStyle/>
+                    <a:p>
+                      <a:endParaRPr lang="en-US" sz="700"/>
+                    </a:p>
+                  </a:txBody>
+                  <a:tcPr marL="0" marR="0" marT="0" marB="0">
+                    <a:solidFill>
+                      <a:schemeClr val="accent5"/>
+                    </a:solidFill>
+                  </a:tcPr>
+                </a:tc>
+                <a:extLst>
+                  <a:ext uri="{0D108BD9-81ED-4DB2-BD59-A6C34878D82A}">
+                    <a16:rowId xmlns:a16="http://schemas.microsoft.com/office/drawing/2014/main" val="10000"/>
+                  </a:ext>
+                </a:extLst>
+              </a:tr>
+              <a:tr h="94140">
+                <a:tc>
+                  <a:txBody>
+                    <a:bodyPr/>
+                    <a:lstStyle/>
+                    <a:p>
+                      <a:endParaRPr lang="en-US" sz="700" dirty="0"/>
+                    </a:p>
+                  </a:txBody>
+                  <a:tcPr marL="0" marR="0" marT="0" marB="0">
+                    <a:solidFill>
+                      <a:schemeClr val="bg2">
+                        <a:lumMod val="90000"/>
+                      </a:schemeClr>
+                    </a:solidFill>
+                  </a:tcPr>
+                </a:tc>
+                <a:tc>
+                  <a:txBody>
+                    <a:bodyPr/>
+                    <a:lstStyle/>
+                    <a:p>
+                      <a:endParaRPr lang="en-US" sz="700" dirty="0"/>
+                    </a:p>
+                  </a:txBody>
+                  <a:tcPr marL="0" marR="0" marT="0" marB="0">
+                    <a:solidFill>
+                      <a:schemeClr val="bg2">
+                        <a:lumMod val="90000"/>
+                      </a:schemeClr>
+                    </a:solidFill>
+                  </a:tcPr>
+                </a:tc>
+                <a:tc>
+                  <a:txBody>
+                    <a:bodyPr/>
+                    <a:lstStyle/>
+                    <a:p>
+                      <a:endParaRPr lang="en-US" sz="700"/>
+                    </a:p>
+                  </a:txBody>
+                  <a:tcPr marL="0" marR="0" marT="0" marB="0">
+                    <a:solidFill>
+                      <a:schemeClr val="bg2">
+                        <a:lumMod val="90000"/>
+                      </a:schemeClr>
+                    </a:solidFill>
+                  </a:tcPr>
+                </a:tc>
+                <a:tc>
+                  <a:txBody>
+                    <a:bodyPr/>
+                    <a:lstStyle/>
+                    <a:p>
+                      <a:endParaRPr lang="en-US" sz="700"/>
+                    </a:p>
+                  </a:txBody>
+                  <a:tcPr marL="0" marR="0" marT="0" marB="0">
+                    <a:solidFill>
+                      <a:schemeClr val="bg2">
+                        <a:lumMod val="90000"/>
+                      </a:schemeClr>
+                    </a:solidFill>
+                  </a:tcPr>
+                </a:tc>
+                <a:extLst>
+                  <a:ext uri="{0D108BD9-81ED-4DB2-BD59-A6C34878D82A}">
+                    <a16:rowId xmlns:a16="http://schemas.microsoft.com/office/drawing/2014/main" val="10001"/>
+                  </a:ext>
+                </a:extLst>
+              </a:tr>
+              <a:tr h="94140">
+                <a:tc>
+                  <a:txBody>
+                    <a:bodyPr/>
+                    <a:lstStyle/>
+                    <a:p>
+                      <a:endParaRPr lang="en-US" sz="700" dirty="0"/>
+                    </a:p>
+                  </a:txBody>
+                  <a:tcPr marL="0" marR="0" marT="0" marB="0">
+                    <a:solidFill>
+                      <a:schemeClr val="accent5">
+                        <a:lumMod val="60000"/>
+                        <a:lumOff val="40000"/>
+                      </a:schemeClr>
+                    </a:solidFill>
+                  </a:tcPr>
+                </a:tc>
+                <a:tc>
+                  <a:txBody>
+                    <a:bodyPr/>
+                    <a:lstStyle/>
+                    <a:p>
+                      <a:endParaRPr lang="en-US" sz="700"/>
+                    </a:p>
+                  </a:txBody>
+                  <a:tcPr marL="0" marR="0" marT="0" marB="0">
+                    <a:solidFill>
+                      <a:schemeClr val="accent5">
+                        <a:lumMod val="60000"/>
+                        <a:lumOff val="40000"/>
+                      </a:schemeClr>
+                    </a:solidFill>
+                  </a:tcPr>
+                </a:tc>
+                <a:tc>
+                  <a:txBody>
+                    <a:bodyPr/>
+                    <a:lstStyle/>
+                    <a:p>
+                      <a:endParaRPr lang="en-US" sz="700"/>
+                    </a:p>
+                  </a:txBody>
+                  <a:tcPr marL="0" marR="0" marT="0" marB="0">
+                    <a:solidFill>
+                      <a:schemeClr val="accent5">
+                        <a:lumMod val="60000"/>
+                        <a:lumOff val="40000"/>
+                      </a:schemeClr>
+                    </a:solidFill>
+                  </a:tcPr>
+                </a:tc>
+                <a:tc>
+                  <a:txBody>
+                    <a:bodyPr/>
+                    <a:lstStyle/>
+                    <a:p>
+                      <a:endParaRPr lang="en-US" sz="700"/>
+                    </a:p>
+                  </a:txBody>
+                  <a:tcPr marL="0" marR="0" marT="0" marB="0">
+                    <a:solidFill>
+                      <a:schemeClr val="accent5">
+                        <a:lumMod val="60000"/>
+                        <a:lumOff val="40000"/>
+                      </a:schemeClr>
+                    </a:solidFill>
+                  </a:tcPr>
+                </a:tc>
+                <a:extLst>
+                  <a:ext uri="{0D108BD9-81ED-4DB2-BD59-A6C34878D82A}">
+                    <a16:rowId xmlns:a16="http://schemas.microsoft.com/office/drawing/2014/main" val="10002"/>
+                  </a:ext>
+                </a:extLst>
+              </a:tr>
+              <a:tr h="86364">
+                <a:tc>
+                  <a:txBody>
+                    <a:bodyPr/>
+                    <a:lstStyle/>
+                    <a:p>
+                      <a:endParaRPr lang="en-US" sz="700"/>
+                    </a:p>
+                  </a:txBody>
+                  <a:tcPr marL="0" marR="0" marT="0" marB="0">
+                    <a:solidFill>
+                      <a:schemeClr val="accent5">
+                        <a:lumMod val="60000"/>
+                        <a:lumOff val="40000"/>
+                      </a:schemeClr>
+                    </a:solidFill>
+                  </a:tcPr>
+                </a:tc>
+                <a:tc>
+                  <a:txBody>
+                    <a:bodyPr/>
+                    <a:lstStyle/>
+                    <a:p>
+                      <a:endParaRPr lang="en-US" sz="700"/>
+                    </a:p>
+                  </a:txBody>
+                  <a:tcPr marL="0" marR="0" marT="0" marB="0">
+                    <a:solidFill>
+                      <a:schemeClr val="accent5">
+                        <a:lumMod val="60000"/>
+                        <a:lumOff val="40000"/>
+                      </a:schemeClr>
+                    </a:solidFill>
+                  </a:tcPr>
+                </a:tc>
+                <a:tc>
+                  <a:txBody>
+                    <a:bodyPr/>
+                    <a:lstStyle/>
+                    <a:p>
+                      <a:endParaRPr lang="en-US" sz="700"/>
+                    </a:p>
+                  </a:txBody>
+                  <a:tcPr marL="0" marR="0" marT="0" marB="0">
+                    <a:solidFill>
+                      <a:schemeClr val="accent5">
+                        <a:lumMod val="60000"/>
+                        <a:lumOff val="40000"/>
+                      </a:schemeClr>
+                    </a:solidFill>
+                  </a:tcPr>
+                </a:tc>
+                <a:tc>
+                  <a:txBody>
+                    <a:bodyPr/>
+                    <a:lstStyle/>
+                    <a:p>
+                      <a:endParaRPr lang="en-US" sz="700"/>
+                    </a:p>
+                  </a:txBody>
+                  <a:tcPr marL="0" marR="0" marT="0" marB="0">
+                    <a:solidFill>
+                      <a:schemeClr val="accent5">
+                        <a:lumMod val="60000"/>
+                        <a:lumOff val="40000"/>
+                      </a:schemeClr>
+                    </a:solidFill>
+                  </a:tcPr>
+                </a:tc>
+                <a:extLst>
+                  <a:ext uri="{0D108BD9-81ED-4DB2-BD59-A6C34878D82A}">
+                    <a16:rowId xmlns:a16="http://schemas.microsoft.com/office/drawing/2014/main" val="10003"/>
+                  </a:ext>
+                </a:extLst>
+              </a:tr>
+              <a:tr h="94140">
+                <a:tc>
+                  <a:txBody>
+                    <a:bodyPr/>
+                    <a:lstStyle/>
+                    <a:p>
+                      <a:endParaRPr lang="en-US" sz="700" dirty="0"/>
+                    </a:p>
+                  </a:txBody>
+                  <a:tcPr marL="0" marR="0" marT="0" marB="0">
+                    <a:solidFill>
+                      <a:schemeClr val="bg2">
+                        <a:lumMod val="90000"/>
+                      </a:schemeClr>
+                    </a:solidFill>
+                  </a:tcPr>
+                </a:tc>
+                <a:tc>
+                  <a:txBody>
+                    <a:bodyPr/>
+                    <a:lstStyle/>
+                    <a:p>
+                      <a:endParaRPr lang="en-US" sz="700"/>
+                    </a:p>
+                  </a:txBody>
+                  <a:tcPr marL="0" marR="0" marT="0" marB="0">
+                    <a:solidFill>
+                      <a:schemeClr val="bg2">
+                        <a:lumMod val="90000"/>
+                      </a:schemeClr>
+                    </a:solidFill>
+                  </a:tcPr>
+                </a:tc>
+                <a:tc>
+                  <a:txBody>
+                    <a:bodyPr/>
+                    <a:lstStyle/>
+                    <a:p>
+                      <a:endParaRPr lang="en-US" sz="700"/>
+                    </a:p>
+                  </a:txBody>
+                  <a:tcPr marL="0" marR="0" marT="0" marB="0">
+                    <a:solidFill>
+                      <a:schemeClr val="bg2">
+                        <a:lumMod val="90000"/>
+                      </a:schemeClr>
+                    </a:solidFill>
+                  </a:tcPr>
+                </a:tc>
+                <a:tc>
+                  <a:txBody>
+                    <a:bodyPr/>
+                    <a:lstStyle/>
+                    <a:p>
+                      <a:endParaRPr lang="en-US" sz="700"/>
+                    </a:p>
+                  </a:txBody>
+                  <a:tcPr marL="0" marR="0" marT="0" marB="0">
+                    <a:solidFill>
+                      <a:schemeClr val="bg2">
+                        <a:lumMod val="90000"/>
+                      </a:schemeClr>
+                    </a:solidFill>
+                  </a:tcPr>
+                </a:tc>
+                <a:extLst>
+                  <a:ext uri="{0D108BD9-81ED-4DB2-BD59-A6C34878D82A}">
+                    <a16:rowId xmlns:a16="http://schemas.microsoft.com/office/drawing/2014/main" val="10004"/>
+                  </a:ext>
+                </a:extLst>
+              </a:tr>
+            </a:tbl>
+          </a:graphicData>
+        </a:graphic>
+      </p:graphicFrame>
+      <p:cxnSp>
+        <p:nvCxnSpPr>
+          <p:cNvPr id="118" name="Straight Arrow Connector 80">
+            <a:extLst>
+              <a:ext uri="{FF2B5EF4-FFF2-40B4-BE49-F238E27FC236}">
+                <a16:creationId xmlns:a16="http://schemas.microsoft.com/office/drawing/2014/main" id="{6AA84B3D-0D35-4520-9521-5CF01138AF9D}"/>
+              </a:ext>
+            </a:extLst>
+          </p:cNvPr>
+          <p:cNvCxnSpPr/>
+          <p:nvPr/>
+        </p:nvCxnSpPr>
+        <p:spPr>
+          <a:xfrm>
+            <a:off x="5544765" y="6123843"/>
+            <a:ext cx="363152" cy="0"/>
+          </a:xfrm>
+          <a:prstGeom prst="straightConnector1">
+            <a:avLst/>
+          </a:prstGeom>
+          <a:ln w="63500">
+            <a:solidFill>
+              <a:schemeClr val="tx1"/>
+            </a:solidFill>
+            <a:tailEnd type="stealth"/>
+          </a:ln>
+        </p:spPr>
+        <p:style>
+          <a:lnRef idx="1">
+            <a:schemeClr val="accent1"/>
+          </a:lnRef>
+          <a:fillRef idx="0">
+            <a:schemeClr val="accent1"/>
+          </a:fillRef>
+          <a:effectRef idx="0">
+            <a:schemeClr val="accent1"/>
+          </a:effectRef>
+          <a:fontRef idx="minor">
+            <a:schemeClr val="tx1"/>
+          </a:fontRef>
+        </p:style>
+      </p:cxnSp>
+      <p:graphicFrame>
+        <p:nvGraphicFramePr>
+          <p:cNvPr id="119" name="Table 81">
+            <a:extLst>
+              <a:ext uri="{FF2B5EF4-FFF2-40B4-BE49-F238E27FC236}">
+                <a16:creationId xmlns:a16="http://schemas.microsoft.com/office/drawing/2014/main" id="{11AC775A-A000-4BBD-B8B2-00BE4107F924}"/>
+              </a:ext>
+            </a:extLst>
+          </p:cNvPr>
+          <p:cNvGraphicFramePr>
+            <a:graphicFrameLocks noGrp="1"/>
+          </p:cNvGraphicFramePr>
+          <p:nvPr>
+            <p:extLst>
+              <p:ext uri="{D42A27DB-BD31-4B8C-83A1-F6EECF244321}">
+                <p14:modId xmlns:p14="http://schemas.microsoft.com/office/powerpoint/2010/main" val="237058387"/>
+              </p:ext>
+            </p:extLst>
+          </p:nvPr>
+        </p:nvGraphicFramePr>
+        <p:xfrm>
+          <a:off x="5978974" y="5963823"/>
+          <a:ext cx="1105356" cy="320040"/>
+        </p:xfrm>
+        <a:graphic>
+          <a:graphicData uri="http://schemas.openxmlformats.org/drawingml/2006/table">
+            <a:tbl>
+              <a:tblPr>
+                <a:tableStyleId>{5C22544A-7EE6-4342-B048-85BDC9FD1C3A}</a:tableStyleId>
+              </a:tblPr>
+              <a:tblGrid>
+                <a:gridCol w="276339">
+                  <a:extLst>
+                    <a:ext uri="{9D8B030D-6E8A-4147-A177-3AD203B41FA5}">
+                      <a16:colId xmlns:a16="http://schemas.microsoft.com/office/drawing/2014/main" val="20000"/>
+                    </a:ext>
+                  </a:extLst>
+                </a:gridCol>
+                <a:gridCol w="276339">
+                  <a:extLst>
+                    <a:ext uri="{9D8B030D-6E8A-4147-A177-3AD203B41FA5}">
+                      <a16:colId xmlns:a16="http://schemas.microsoft.com/office/drawing/2014/main" val="20001"/>
+                    </a:ext>
+                  </a:extLst>
+                </a:gridCol>
+                <a:gridCol w="276339">
+                  <a:extLst>
+                    <a:ext uri="{9D8B030D-6E8A-4147-A177-3AD203B41FA5}">
+                      <a16:colId xmlns:a16="http://schemas.microsoft.com/office/drawing/2014/main" val="20002"/>
+                    </a:ext>
+                  </a:extLst>
+                </a:gridCol>
+                <a:gridCol w="276339">
+                  <a:extLst>
+                    <a:ext uri="{9D8B030D-6E8A-4147-A177-3AD203B41FA5}">
+                      <a16:colId xmlns:a16="http://schemas.microsoft.com/office/drawing/2014/main" val="20003"/>
+                    </a:ext>
+                  </a:extLst>
+                </a:gridCol>
+              </a:tblGrid>
+              <a:tr h="95979">
+                <a:tc>
+                  <a:txBody>
+                    <a:bodyPr/>
+                    <a:lstStyle/>
+                    <a:p>
+                      <a:endParaRPr lang="en-US" sz="700" dirty="0"/>
+                    </a:p>
+                  </a:txBody>
+                  <a:tcPr marL="0" marR="0" marT="0" marB="0">
+                    <a:solidFill>
+                      <a:schemeClr val="accent5"/>
+                    </a:solidFill>
+                  </a:tcPr>
+                </a:tc>
+                <a:tc>
+                  <a:txBody>
+                    <a:bodyPr/>
+                    <a:lstStyle/>
+                    <a:p>
+                      <a:endParaRPr lang="en-US" sz="700"/>
+                    </a:p>
+                  </a:txBody>
+                  <a:tcPr marL="0" marR="0" marT="0" marB="0">
+                    <a:solidFill>
+                      <a:schemeClr val="accent5"/>
+                    </a:solidFill>
+                  </a:tcPr>
+                </a:tc>
+                <a:tc>
+                  <a:txBody>
+                    <a:bodyPr/>
+                    <a:lstStyle/>
+                    <a:p>
+                      <a:endParaRPr lang="en-US" sz="700"/>
+                    </a:p>
+                  </a:txBody>
+                  <a:tcPr marL="0" marR="0" marT="0" marB="0">
+                    <a:solidFill>
+                      <a:schemeClr val="accent5"/>
+                    </a:solidFill>
+                  </a:tcPr>
+                </a:tc>
+                <a:tc>
+                  <a:txBody>
+                    <a:bodyPr/>
+                    <a:lstStyle/>
+                    <a:p>
+                      <a:endParaRPr lang="en-US" sz="700"/>
+                    </a:p>
+                  </a:txBody>
+                  <a:tcPr marL="0" marR="0" marT="0" marB="0">
+                    <a:solidFill>
+                      <a:schemeClr val="accent5"/>
+                    </a:solidFill>
+                  </a:tcPr>
+                </a:tc>
+                <a:extLst>
+                  <a:ext uri="{0D108BD9-81ED-4DB2-BD59-A6C34878D82A}">
+                    <a16:rowId xmlns:a16="http://schemas.microsoft.com/office/drawing/2014/main" val="10000"/>
+                  </a:ext>
+                </a:extLst>
+              </a:tr>
+              <a:tr h="95979">
+                <a:tc>
+                  <a:txBody>
+                    <a:bodyPr/>
+                    <a:lstStyle/>
+                    <a:p>
+                      <a:endParaRPr lang="en-US" sz="700" dirty="0"/>
+                    </a:p>
+                  </a:txBody>
+                  <a:tcPr marL="0" marR="0" marT="0" marB="0">
+                    <a:solidFill>
+                      <a:schemeClr val="accent5">
+                        <a:lumMod val="60000"/>
+                        <a:lumOff val="40000"/>
+                      </a:schemeClr>
+                    </a:solidFill>
+                  </a:tcPr>
+                </a:tc>
+                <a:tc>
+                  <a:txBody>
+                    <a:bodyPr/>
+                    <a:lstStyle/>
+                    <a:p>
+                      <a:endParaRPr lang="en-US" sz="700"/>
+                    </a:p>
+                  </a:txBody>
+                  <a:tcPr marL="0" marR="0" marT="0" marB="0">
+                    <a:solidFill>
+                      <a:schemeClr val="accent5">
+                        <a:lumMod val="60000"/>
+                        <a:lumOff val="40000"/>
+                      </a:schemeClr>
+                    </a:solidFill>
+                  </a:tcPr>
+                </a:tc>
+                <a:tc>
+                  <a:txBody>
+                    <a:bodyPr/>
+                    <a:lstStyle/>
+                    <a:p>
+                      <a:endParaRPr lang="en-US" sz="700"/>
+                    </a:p>
+                  </a:txBody>
+                  <a:tcPr marL="0" marR="0" marT="0" marB="0">
+                    <a:solidFill>
+                      <a:schemeClr val="accent5">
+                        <a:lumMod val="60000"/>
+                        <a:lumOff val="40000"/>
+                      </a:schemeClr>
+                    </a:solidFill>
+                  </a:tcPr>
+                </a:tc>
+                <a:tc>
+                  <a:txBody>
+                    <a:bodyPr/>
+                    <a:lstStyle/>
+                    <a:p>
+                      <a:endParaRPr lang="en-US" sz="700"/>
+                    </a:p>
+                  </a:txBody>
+                  <a:tcPr marL="0" marR="0" marT="0" marB="0">
+                    <a:solidFill>
+                      <a:schemeClr val="accent5">
+                        <a:lumMod val="60000"/>
+                        <a:lumOff val="40000"/>
+                      </a:schemeClr>
+                    </a:solidFill>
+                  </a:tcPr>
+                </a:tc>
+                <a:extLst>
+                  <a:ext uri="{0D108BD9-81ED-4DB2-BD59-A6C34878D82A}">
+                    <a16:rowId xmlns:a16="http://schemas.microsoft.com/office/drawing/2014/main" val="10001"/>
+                  </a:ext>
+                </a:extLst>
+              </a:tr>
+              <a:tr h="95979">
+                <a:tc>
+                  <a:txBody>
+                    <a:bodyPr/>
+                    <a:lstStyle/>
+                    <a:p>
+                      <a:endParaRPr lang="en-US" sz="700"/>
+                    </a:p>
+                  </a:txBody>
+                  <a:tcPr marL="0" marR="0" marT="0" marB="0">
+                    <a:solidFill>
+                      <a:schemeClr val="accent5">
+                        <a:lumMod val="60000"/>
+                        <a:lumOff val="40000"/>
+                      </a:schemeClr>
+                    </a:solidFill>
+                  </a:tcPr>
+                </a:tc>
+                <a:tc>
+                  <a:txBody>
+                    <a:bodyPr/>
+                    <a:lstStyle/>
+                    <a:p>
+                      <a:endParaRPr lang="en-US" sz="700"/>
+                    </a:p>
+                  </a:txBody>
+                  <a:tcPr marL="0" marR="0" marT="0" marB="0">
+                    <a:solidFill>
+                      <a:schemeClr val="accent5">
+                        <a:lumMod val="60000"/>
+                        <a:lumOff val="40000"/>
+                      </a:schemeClr>
+                    </a:solidFill>
+                  </a:tcPr>
+                </a:tc>
+                <a:tc>
+                  <a:txBody>
+                    <a:bodyPr/>
+                    <a:lstStyle/>
+                    <a:p>
+                      <a:endParaRPr lang="en-US" sz="700"/>
+                    </a:p>
+                  </a:txBody>
+                  <a:tcPr marL="0" marR="0" marT="0" marB="0">
+                    <a:solidFill>
+                      <a:schemeClr val="accent5">
+                        <a:lumMod val="60000"/>
+                        <a:lumOff val="40000"/>
+                      </a:schemeClr>
+                    </a:solidFill>
+                  </a:tcPr>
+                </a:tc>
+                <a:tc>
+                  <a:txBody>
+                    <a:bodyPr/>
+                    <a:lstStyle/>
+                    <a:p>
+                      <a:endParaRPr lang="en-US" sz="700"/>
+                    </a:p>
+                  </a:txBody>
+                  <a:tcPr marL="0" marR="0" marT="0" marB="0">
+                    <a:solidFill>
+                      <a:schemeClr val="accent5">
+                        <a:lumMod val="60000"/>
+                        <a:lumOff val="40000"/>
+                      </a:schemeClr>
+                    </a:solidFill>
+                  </a:tcPr>
+                </a:tc>
+                <a:extLst>
+                  <a:ext uri="{0D108BD9-81ED-4DB2-BD59-A6C34878D82A}">
+                    <a16:rowId xmlns:a16="http://schemas.microsoft.com/office/drawing/2014/main" val="10002"/>
+                  </a:ext>
+                </a:extLst>
+              </a:tr>
+            </a:tbl>
+          </a:graphicData>
+        </a:graphic>
+      </p:graphicFrame>
+      <p:graphicFrame>
+        <p:nvGraphicFramePr>
+          <p:cNvPr id="120" name="Table 83">
+            <a:extLst>
+              <a:ext uri="{FF2B5EF4-FFF2-40B4-BE49-F238E27FC236}">
+                <a16:creationId xmlns:a16="http://schemas.microsoft.com/office/drawing/2014/main" id="{D3782782-2AC5-4DF0-8F9C-3CB009AB5A21}"/>
+              </a:ext>
+            </a:extLst>
+          </p:cNvPr>
+          <p:cNvGraphicFramePr>
+            <a:graphicFrameLocks noGrp="1"/>
+          </p:cNvGraphicFramePr>
+          <p:nvPr>
+            <p:extLst>
+              <p:ext uri="{D42A27DB-BD31-4B8C-83A1-F6EECF244321}">
+                <p14:modId xmlns:p14="http://schemas.microsoft.com/office/powerpoint/2010/main" val="527709497"/>
+              </p:ext>
+            </p:extLst>
+          </p:nvPr>
+        </p:nvGraphicFramePr>
+        <p:xfrm>
+          <a:off x="7504846" y="5880105"/>
+          <a:ext cx="1381698" cy="426720"/>
+        </p:xfrm>
+        <a:graphic>
+          <a:graphicData uri="http://schemas.openxmlformats.org/drawingml/2006/table">
+            <a:tbl>
+              <a:tblPr>
+                <a:tableStyleId>{5C22544A-7EE6-4342-B048-85BDC9FD1C3A}</a:tableStyleId>
+              </a:tblPr>
+              <a:tblGrid>
+                <a:gridCol w="230283">
+                  <a:extLst>
+                    <a:ext uri="{9D8B030D-6E8A-4147-A177-3AD203B41FA5}">
+                      <a16:colId xmlns:a16="http://schemas.microsoft.com/office/drawing/2014/main" val="20000"/>
+                    </a:ext>
+                  </a:extLst>
+                </a:gridCol>
+                <a:gridCol w="230283">
+                  <a:extLst>
+                    <a:ext uri="{9D8B030D-6E8A-4147-A177-3AD203B41FA5}">
+                      <a16:colId xmlns:a16="http://schemas.microsoft.com/office/drawing/2014/main" val="20001"/>
+                    </a:ext>
+                  </a:extLst>
+                </a:gridCol>
+                <a:gridCol w="230283">
+                  <a:extLst>
+                    <a:ext uri="{9D8B030D-6E8A-4147-A177-3AD203B41FA5}">
+                      <a16:colId xmlns:a16="http://schemas.microsoft.com/office/drawing/2014/main" val="20002"/>
+                    </a:ext>
+                  </a:extLst>
+                </a:gridCol>
+                <a:gridCol w="230283">
+                  <a:extLst>
+                    <a:ext uri="{9D8B030D-6E8A-4147-A177-3AD203B41FA5}">
+                      <a16:colId xmlns:a16="http://schemas.microsoft.com/office/drawing/2014/main" val="20003"/>
+                    </a:ext>
+                  </a:extLst>
+                </a:gridCol>
+                <a:gridCol w="230283">
+                  <a:extLst>
+                    <a:ext uri="{9D8B030D-6E8A-4147-A177-3AD203B41FA5}">
+                      <a16:colId xmlns:a16="http://schemas.microsoft.com/office/drawing/2014/main" val="20004"/>
+                    </a:ext>
+                  </a:extLst>
+                </a:gridCol>
+                <a:gridCol w="230283">
+                  <a:extLst>
+                    <a:ext uri="{9D8B030D-6E8A-4147-A177-3AD203B41FA5}">
+                      <a16:colId xmlns:a16="http://schemas.microsoft.com/office/drawing/2014/main" val="20005"/>
+                    </a:ext>
+                  </a:extLst>
+                </a:gridCol>
+              </a:tblGrid>
+              <a:tr h="95979">
+                <a:tc>
+                  <a:txBody>
+                    <a:bodyPr/>
+                    <a:lstStyle/>
+                    <a:p>
+                      <a:endParaRPr lang="en-US" sz="700" dirty="0"/>
+                    </a:p>
+                  </a:txBody>
+                  <a:tcPr marL="0" marR="0" marT="0" marB="0">
+                    <a:solidFill>
+                      <a:schemeClr val="bg2">
+                        <a:lumMod val="75000"/>
+                      </a:schemeClr>
+                    </a:solidFill>
+                  </a:tcPr>
+                </a:tc>
+                <a:tc>
+                  <a:txBody>
+                    <a:bodyPr/>
+                    <a:lstStyle/>
+                    <a:p>
+                      <a:endParaRPr lang="en-US" sz="700" dirty="0">
+                        <a:solidFill>
+                          <a:schemeClr val="accent6"/>
+                        </a:solidFill>
+                      </a:endParaRPr>
+                    </a:p>
+                  </a:txBody>
+                  <a:tcPr marL="0" marR="0" marT="0" marB="0">
+                    <a:solidFill>
+                      <a:schemeClr val="accent6"/>
+                    </a:solidFill>
+                  </a:tcPr>
+                </a:tc>
+                <a:tc>
+                  <a:txBody>
+                    <a:bodyPr/>
+                    <a:lstStyle/>
+                    <a:p>
+                      <a:endParaRPr lang="en-US" sz="700"/>
+                    </a:p>
+                  </a:txBody>
+                  <a:tcPr marL="0" marR="0" marT="0" marB="0">
+                    <a:solidFill>
+                      <a:schemeClr val="accent5"/>
+                    </a:solidFill>
+                  </a:tcPr>
+                </a:tc>
+                <a:tc>
+                  <a:txBody>
+                    <a:bodyPr/>
+                    <a:lstStyle/>
+                    <a:p>
+                      <a:endParaRPr lang="en-US" sz="700"/>
+                    </a:p>
+                  </a:txBody>
+                  <a:tcPr marL="0" marR="0" marT="0" marB="0">
+                    <a:solidFill>
+                      <a:schemeClr val="accent5"/>
+                    </a:solidFill>
+                  </a:tcPr>
+                </a:tc>
+                <a:tc>
+                  <a:txBody>
+                    <a:bodyPr/>
+                    <a:lstStyle/>
+                    <a:p>
+                      <a:endParaRPr lang="en-US" sz="700" dirty="0">
+                        <a:solidFill>
+                          <a:schemeClr val="accent6"/>
+                        </a:solidFill>
+                      </a:endParaRPr>
+                    </a:p>
+                  </a:txBody>
+                  <a:tcPr marL="0" marR="0" marT="0" marB="0">
+                    <a:solidFill>
+                      <a:schemeClr val="accent6"/>
+                    </a:solidFill>
+                  </a:tcPr>
+                </a:tc>
+                <a:tc>
+                  <a:txBody>
+                    <a:bodyPr/>
+                    <a:lstStyle/>
+                    <a:p>
+                      <a:endParaRPr lang="en-US" sz="700" dirty="0">
+                        <a:solidFill>
+                          <a:schemeClr val="accent6"/>
+                        </a:solidFill>
+                      </a:endParaRPr>
+                    </a:p>
+                  </a:txBody>
+                  <a:tcPr marL="0" marR="0" marT="0" marB="0">
+                    <a:solidFill>
+                      <a:schemeClr val="accent5"/>
+                    </a:solidFill>
+                  </a:tcPr>
+                </a:tc>
+                <a:extLst>
+                  <a:ext uri="{0D108BD9-81ED-4DB2-BD59-A6C34878D82A}">
+                    <a16:rowId xmlns:a16="http://schemas.microsoft.com/office/drawing/2014/main" val="10000"/>
+                  </a:ext>
+                </a:extLst>
+              </a:tr>
+              <a:tr h="95979">
+                <a:tc>
+                  <a:txBody>
+                    <a:bodyPr/>
+                    <a:lstStyle/>
+                    <a:p>
+                      <a:endParaRPr lang="en-US" sz="700" dirty="0"/>
+                    </a:p>
+                  </a:txBody>
+                  <a:tcPr marL="0" marR="0" marT="0" marB="0">
+                    <a:solidFill>
+                      <a:schemeClr val="bg2"/>
+                    </a:solidFill>
+                  </a:tcPr>
+                </a:tc>
+                <a:tc>
+                  <a:txBody>
+                    <a:bodyPr/>
+                    <a:lstStyle/>
+                    <a:p>
+                      <a:endParaRPr lang="en-US" sz="700" dirty="0"/>
+                    </a:p>
+                  </a:txBody>
+                  <a:tcPr marL="0" marR="0" marT="0" marB="0">
+                    <a:solidFill>
+                      <a:schemeClr val="accent6">
+                        <a:lumMod val="40000"/>
+                        <a:lumOff val="60000"/>
+                      </a:schemeClr>
+                    </a:solidFill>
+                  </a:tcPr>
+                </a:tc>
+                <a:tc>
+                  <a:txBody>
+                    <a:bodyPr/>
+                    <a:lstStyle/>
+                    <a:p>
+                      <a:endParaRPr lang="en-US" sz="700" dirty="0"/>
+                    </a:p>
+                  </a:txBody>
+                  <a:tcPr marL="0" marR="0" marT="0" marB="0">
+                    <a:solidFill>
+                      <a:schemeClr val="accent5">
+                        <a:lumMod val="60000"/>
+                        <a:lumOff val="40000"/>
+                      </a:schemeClr>
+                    </a:solidFill>
+                  </a:tcPr>
+                </a:tc>
+                <a:tc>
+                  <a:txBody>
+                    <a:bodyPr/>
+                    <a:lstStyle/>
+                    <a:p>
+                      <a:endParaRPr lang="en-US" sz="700"/>
+                    </a:p>
+                  </a:txBody>
+                  <a:tcPr marL="0" marR="0" marT="0" marB="0">
+                    <a:solidFill>
+                      <a:schemeClr val="accent5">
+                        <a:lumMod val="60000"/>
+                        <a:lumOff val="40000"/>
+                      </a:schemeClr>
+                    </a:solidFill>
+                  </a:tcPr>
+                </a:tc>
+                <a:tc>
+                  <a:txBody>
+                    <a:bodyPr/>
+                    <a:lstStyle/>
+                    <a:p>
+                      <a:endParaRPr lang="en-US" sz="700" dirty="0"/>
+                    </a:p>
+                  </a:txBody>
+                  <a:tcPr marL="0" marR="0" marT="0" marB="0">
+                    <a:solidFill>
+                      <a:schemeClr val="accent6">
+                        <a:lumMod val="40000"/>
+                        <a:lumOff val="60000"/>
+                      </a:schemeClr>
+                    </a:solidFill>
+                  </a:tcPr>
+                </a:tc>
+                <a:tc>
+                  <a:txBody>
+                    <a:bodyPr/>
+                    <a:lstStyle/>
+                    <a:p>
+                      <a:endParaRPr lang="en-US" sz="700" dirty="0"/>
+                    </a:p>
+                  </a:txBody>
+                  <a:tcPr marL="0" marR="0" marT="0" marB="0">
+                    <a:solidFill>
+                      <a:schemeClr val="accent5">
+                        <a:lumMod val="60000"/>
+                        <a:lumOff val="40000"/>
+                      </a:schemeClr>
+                    </a:solidFill>
+                  </a:tcPr>
+                </a:tc>
+                <a:extLst>
+                  <a:ext uri="{0D108BD9-81ED-4DB2-BD59-A6C34878D82A}">
+                    <a16:rowId xmlns:a16="http://schemas.microsoft.com/office/drawing/2014/main" val="10001"/>
+                  </a:ext>
+                </a:extLst>
+              </a:tr>
+              <a:tr h="95979">
+                <a:tc>
+                  <a:txBody>
+                    <a:bodyPr/>
+                    <a:lstStyle/>
+                    <a:p>
+                      <a:endParaRPr lang="en-US" sz="700" dirty="0"/>
+                    </a:p>
+                  </a:txBody>
+                  <a:tcPr marL="0" marR="0" marT="0" marB="0">
+                    <a:solidFill>
+                      <a:schemeClr val="bg2"/>
+                    </a:solidFill>
+                  </a:tcPr>
+                </a:tc>
+                <a:tc>
+                  <a:txBody>
+                    <a:bodyPr/>
+                    <a:lstStyle/>
+                    <a:p>
+                      <a:endParaRPr lang="en-US" sz="700"/>
+                    </a:p>
+                  </a:txBody>
+                  <a:tcPr marL="0" marR="0" marT="0" marB="0">
+                    <a:solidFill>
+                      <a:schemeClr val="accent6">
+                        <a:lumMod val="40000"/>
+                        <a:lumOff val="60000"/>
+                      </a:schemeClr>
+                    </a:solidFill>
+                  </a:tcPr>
+                </a:tc>
+                <a:tc>
+                  <a:txBody>
+                    <a:bodyPr/>
+                    <a:lstStyle/>
+                    <a:p>
+                      <a:endParaRPr lang="en-US" sz="700"/>
+                    </a:p>
+                  </a:txBody>
+                  <a:tcPr marL="0" marR="0" marT="0" marB="0">
+                    <a:solidFill>
+                      <a:schemeClr val="accent5">
+                        <a:lumMod val="60000"/>
+                        <a:lumOff val="40000"/>
+                      </a:schemeClr>
+                    </a:solidFill>
+                  </a:tcPr>
+                </a:tc>
+                <a:tc>
+                  <a:txBody>
+                    <a:bodyPr/>
+                    <a:lstStyle/>
+                    <a:p>
+                      <a:endParaRPr lang="en-US" sz="700"/>
+                    </a:p>
+                  </a:txBody>
+                  <a:tcPr marL="0" marR="0" marT="0" marB="0">
+                    <a:solidFill>
+                      <a:schemeClr val="accent5">
+                        <a:lumMod val="60000"/>
+                        <a:lumOff val="40000"/>
+                      </a:schemeClr>
+                    </a:solidFill>
+                  </a:tcPr>
+                </a:tc>
+                <a:tc>
+                  <a:txBody>
+                    <a:bodyPr/>
+                    <a:lstStyle/>
+                    <a:p>
+                      <a:endParaRPr lang="en-US" sz="700"/>
+                    </a:p>
+                  </a:txBody>
+                  <a:tcPr marL="0" marR="0" marT="0" marB="0">
+                    <a:solidFill>
+                      <a:schemeClr val="accent6">
+                        <a:lumMod val="40000"/>
+                        <a:lumOff val="60000"/>
+                      </a:schemeClr>
+                    </a:solidFill>
+                  </a:tcPr>
+                </a:tc>
+                <a:tc>
+                  <a:txBody>
+                    <a:bodyPr/>
+                    <a:lstStyle/>
+                    <a:p>
+                      <a:endParaRPr lang="en-US" sz="700"/>
+                    </a:p>
+                  </a:txBody>
+                  <a:tcPr marL="0" marR="0" marT="0" marB="0">
+                    <a:solidFill>
+                      <a:schemeClr val="accent5">
+                        <a:lumMod val="60000"/>
+                        <a:lumOff val="40000"/>
+                      </a:schemeClr>
+                    </a:solidFill>
+                  </a:tcPr>
+                </a:tc>
+                <a:extLst>
+                  <a:ext uri="{0D108BD9-81ED-4DB2-BD59-A6C34878D82A}">
+                    <a16:rowId xmlns:a16="http://schemas.microsoft.com/office/drawing/2014/main" val="10002"/>
+                  </a:ext>
+                </a:extLst>
+              </a:tr>
+              <a:tr h="95979">
+                <a:tc>
+                  <a:txBody>
+                    <a:bodyPr/>
+                    <a:lstStyle/>
+                    <a:p>
+                      <a:endParaRPr lang="en-US" sz="700"/>
+                    </a:p>
+                  </a:txBody>
+                  <a:tcPr marL="0" marR="0" marT="0" marB="0">
+                    <a:solidFill>
+                      <a:schemeClr val="bg2"/>
+                    </a:solidFill>
+                  </a:tcPr>
+                </a:tc>
+                <a:tc>
+                  <a:txBody>
+                    <a:bodyPr/>
+                    <a:lstStyle/>
+                    <a:p>
+                      <a:endParaRPr lang="en-US" sz="700"/>
+                    </a:p>
+                  </a:txBody>
+                  <a:tcPr marL="0" marR="0" marT="0" marB="0">
+                    <a:solidFill>
+                      <a:schemeClr val="accent6">
+                        <a:lumMod val="40000"/>
+                        <a:lumOff val="60000"/>
+                      </a:schemeClr>
+                    </a:solidFill>
+                  </a:tcPr>
+                </a:tc>
+                <a:tc>
+                  <a:txBody>
+                    <a:bodyPr/>
+                    <a:lstStyle/>
+                    <a:p>
+                      <a:endParaRPr lang="en-US" sz="700"/>
+                    </a:p>
+                  </a:txBody>
+                  <a:tcPr marL="0" marR="0" marT="0" marB="0">
+                    <a:solidFill>
+                      <a:schemeClr val="accent5">
+                        <a:lumMod val="60000"/>
+                        <a:lumOff val="40000"/>
+                      </a:schemeClr>
+                    </a:solidFill>
+                  </a:tcPr>
+                </a:tc>
+                <a:tc>
+                  <a:txBody>
+                    <a:bodyPr/>
+                    <a:lstStyle/>
+                    <a:p>
+                      <a:endParaRPr lang="en-US" sz="700"/>
+                    </a:p>
+                  </a:txBody>
+                  <a:tcPr marL="0" marR="0" marT="0" marB="0">
+                    <a:solidFill>
+                      <a:schemeClr val="accent5">
+                        <a:lumMod val="60000"/>
+                        <a:lumOff val="40000"/>
+                      </a:schemeClr>
+                    </a:solidFill>
+                  </a:tcPr>
+                </a:tc>
+                <a:tc>
+                  <a:txBody>
+                    <a:bodyPr/>
+                    <a:lstStyle/>
+                    <a:p>
+                      <a:endParaRPr lang="en-US" sz="700"/>
+                    </a:p>
+                  </a:txBody>
+                  <a:tcPr marL="0" marR="0" marT="0" marB="0">
+                    <a:solidFill>
+                      <a:schemeClr val="accent6">
+                        <a:lumMod val="40000"/>
+                        <a:lumOff val="60000"/>
+                      </a:schemeClr>
+                    </a:solidFill>
+                  </a:tcPr>
+                </a:tc>
+                <a:tc>
+                  <a:txBody>
+                    <a:bodyPr/>
+                    <a:lstStyle/>
+                    <a:p>
+                      <a:endParaRPr lang="en-US" sz="700"/>
+                    </a:p>
+                  </a:txBody>
+                  <a:tcPr marL="0" marR="0" marT="0" marB="0">
+                    <a:solidFill>
+                      <a:schemeClr val="accent5">
+                        <a:lumMod val="60000"/>
+                        <a:lumOff val="40000"/>
+                      </a:schemeClr>
+                    </a:solidFill>
+                  </a:tcPr>
+                </a:tc>
+                <a:extLst>
+                  <a:ext uri="{0D108BD9-81ED-4DB2-BD59-A6C34878D82A}">
+                    <a16:rowId xmlns:a16="http://schemas.microsoft.com/office/drawing/2014/main" val="10003"/>
+                  </a:ext>
+                </a:extLst>
+              </a:tr>
+            </a:tbl>
+          </a:graphicData>
+        </a:graphic>
+      </p:graphicFrame>
+      <p:graphicFrame>
+        <p:nvGraphicFramePr>
+          <p:cNvPr id="121" name="Table 85">
+            <a:extLst>
+              <a:ext uri="{FF2B5EF4-FFF2-40B4-BE49-F238E27FC236}">
+                <a16:creationId xmlns:a16="http://schemas.microsoft.com/office/drawing/2014/main" id="{CB88323D-8BC7-42F3-B94A-46B419A97DA5}"/>
+              </a:ext>
+            </a:extLst>
+          </p:cNvPr>
+          <p:cNvGraphicFramePr>
+            <a:graphicFrameLocks noGrp="1"/>
+          </p:cNvGraphicFramePr>
+          <p:nvPr>
+            <p:extLst>
+              <p:ext uri="{D42A27DB-BD31-4B8C-83A1-F6EECF244321}">
+                <p14:modId xmlns:p14="http://schemas.microsoft.com/office/powerpoint/2010/main" val="2637135233"/>
+              </p:ext>
+            </p:extLst>
+          </p:nvPr>
+        </p:nvGraphicFramePr>
+        <p:xfrm>
+          <a:off x="9446232" y="5900868"/>
+          <a:ext cx="921132" cy="426720"/>
+        </p:xfrm>
+        <a:graphic>
+          <a:graphicData uri="http://schemas.openxmlformats.org/drawingml/2006/table">
+            <a:tbl>
+              <a:tblPr>
+                <a:tableStyleId>{5C22544A-7EE6-4342-B048-85BDC9FD1C3A}</a:tableStyleId>
+              </a:tblPr>
+              <a:tblGrid>
+                <a:gridCol w="230283">
+                  <a:extLst>
+                    <a:ext uri="{9D8B030D-6E8A-4147-A177-3AD203B41FA5}">
+                      <a16:colId xmlns:a16="http://schemas.microsoft.com/office/drawing/2014/main" val="20000"/>
+                    </a:ext>
+                  </a:extLst>
+                </a:gridCol>
+                <a:gridCol w="230283">
+                  <a:extLst>
+                    <a:ext uri="{9D8B030D-6E8A-4147-A177-3AD203B41FA5}">
+                      <a16:colId xmlns:a16="http://schemas.microsoft.com/office/drawing/2014/main" val="20001"/>
+                    </a:ext>
+                  </a:extLst>
+                </a:gridCol>
+                <a:gridCol w="230283">
+                  <a:extLst>
+                    <a:ext uri="{9D8B030D-6E8A-4147-A177-3AD203B41FA5}">
+                      <a16:colId xmlns:a16="http://schemas.microsoft.com/office/drawing/2014/main" val="20002"/>
+                    </a:ext>
+                  </a:extLst>
+                </a:gridCol>
+                <a:gridCol w="230283">
+                  <a:extLst>
+                    <a:ext uri="{9D8B030D-6E8A-4147-A177-3AD203B41FA5}">
+                      <a16:colId xmlns:a16="http://schemas.microsoft.com/office/drawing/2014/main" val="20003"/>
+                    </a:ext>
+                  </a:extLst>
+                </a:gridCol>
+              </a:tblGrid>
+              <a:tr h="95979">
+                <a:tc>
+                  <a:txBody>
+                    <a:bodyPr/>
+                    <a:lstStyle/>
+                    <a:p>
+                      <a:endParaRPr lang="en-US" sz="700" dirty="0"/>
+                    </a:p>
+                  </a:txBody>
+                  <a:tcPr marL="0" marR="0" marT="0" marB="0">
+                    <a:solidFill>
+                      <a:schemeClr val="bg2">
+                        <a:lumMod val="75000"/>
+                      </a:schemeClr>
+                    </a:solidFill>
+                  </a:tcPr>
+                </a:tc>
+                <a:tc>
+                  <a:txBody>
+                    <a:bodyPr/>
+                    <a:lstStyle/>
+                    <a:p>
+                      <a:endParaRPr lang="en-US" sz="700" dirty="0"/>
+                    </a:p>
+                  </a:txBody>
+                  <a:tcPr marL="0" marR="0" marT="0" marB="0">
+                    <a:solidFill>
+                      <a:schemeClr val="accent5"/>
+                    </a:solidFill>
+                  </a:tcPr>
+                </a:tc>
+                <a:tc>
+                  <a:txBody>
+                    <a:bodyPr/>
+                    <a:lstStyle/>
+                    <a:p>
+                      <a:endParaRPr lang="en-US" sz="700"/>
+                    </a:p>
+                  </a:txBody>
+                  <a:tcPr marL="0" marR="0" marT="0" marB="0">
+                    <a:solidFill>
+                      <a:schemeClr val="accent5"/>
+                    </a:solidFill>
+                  </a:tcPr>
+                </a:tc>
+                <a:tc>
+                  <a:txBody>
+                    <a:bodyPr/>
+                    <a:lstStyle/>
+                    <a:p>
+                      <a:endParaRPr lang="en-US" sz="700" dirty="0">
+                        <a:solidFill>
+                          <a:schemeClr val="accent6"/>
+                        </a:solidFill>
+                      </a:endParaRPr>
+                    </a:p>
+                  </a:txBody>
+                  <a:tcPr marL="0" marR="0" marT="0" marB="0">
+                    <a:solidFill>
+                      <a:schemeClr val="accent5"/>
+                    </a:solidFill>
+                  </a:tcPr>
+                </a:tc>
+                <a:extLst>
+                  <a:ext uri="{0D108BD9-81ED-4DB2-BD59-A6C34878D82A}">
+                    <a16:rowId xmlns:a16="http://schemas.microsoft.com/office/drawing/2014/main" val="10000"/>
+                  </a:ext>
+                </a:extLst>
+              </a:tr>
+              <a:tr h="95979">
+                <a:tc>
+                  <a:txBody>
+                    <a:bodyPr/>
+                    <a:lstStyle/>
+                    <a:p>
+                      <a:endParaRPr lang="en-US" sz="700" dirty="0"/>
+                    </a:p>
+                  </a:txBody>
+                  <a:tcPr marL="0" marR="0" marT="0" marB="0">
+                    <a:solidFill>
+                      <a:schemeClr val="bg2"/>
+                    </a:solidFill>
+                  </a:tcPr>
+                </a:tc>
+                <a:tc>
+                  <a:txBody>
+                    <a:bodyPr/>
+                    <a:lstStyle/>
+                    <a:p>
+                      <a:endParaRPr lang="en-US" sz="700" dirty="0"/>
+                    </a:p>
+                  </a:txBody>
+                  <a:tcPr marL="0" marR="0" marT="0" marB="0">
+                    <a:solidFill>
+                      <a:schemeClr val="accent5">
+                        <a:lumMod val="60000"/>
+                        <a:lumOff val="40000"/>
+                      </a:schemeClr>
+                    </a:solidFill>
+                  </a:tcPr>
+                </a:tc>
+                <a:tc>
+                  <a:txBody>
+                    <a:bodyPr/>
+                    <a:lstStyle/>
+                    <a:p>
+                      <a:endParaRPr lang="en-US" sz="700"/>
+                    </a:p>
+                  </a:txBody>
+                  <a:tcPr marL="0" marR="0" marT="0" marB="0">
+                    <a:solidFill>
+                      <a:schemeClr val="accent5">
+                        <a:lumMod val="60000"/>
+                        <a:lumOff val="40000"/>
+                      </a:schemeClr>
+                    </a:solidFill>
+                  </a:tcPr>
+                </a:tc>
+                <a:tc>
+                  <a:txBody>
+                    <a:bodyPr/>
+                    <a:lstStyle/>
+                    <a:p>
+                      <a:endParaRPr lang="en-US" sz="700" dirty="0"/>
+                    </a:p>
+                  </a:txBody>
+                  <a:tcPr marL="0" marR="0" marT="0" marB="0">
+                    <a:solidFill>
+                      <a:schemeClr val="accent5">
+                        <a:lumMod val="60000"/>
+                        <a:lumOff val="40000"/>
+                      </a:schemeClr>
+                    </a:solidFill>
+                  </a:tcPr>
+                </a:tc>
+                <a:extLst>
+                  <a:ext uri="{0D108BD9-81ED-4DB2-BD59-A6C34878D82A}">
+                    <a16:rowId xmlns:a16="http://schemas.microsoft.com/office/drawing/2014/main" val="10001"/>
+                  </a:ext>
+                </a:extLst>
+              </a:tr>
+              <a:tr h="95979">
+                <a:tc>
+                  <a:txBody>
+                    <a:bodyPr/>
+                    <a:lstStyle/>
+                    <a:p>
+                      <a:endParaRPr lang="en-US" sz="700" dirty="0"/>
+                    </a:p>
+                  </a:txBody>
+                  <a:tcPr marL="0" marR="0" marT="0" marB="0">
+                    <a:solidFill>
+                      <a:schemeClr val="bg2"/>
+                    </a:solidFill>
+                  </a:tcPr>
+                </a:tc>
+                <a:tc>
+                  <a:txBody>
+                    <a:bodyPr/>
+                    <a:lstStyle/>
+                    <a:p>
+                      <a:endParaRPr lang="en-US" sz="700"/>
+                    </a:p>
+                  </a:txBody>
+                  <a:tcPr marL="0" marR="0" marT="0" marB="0">
+                    <a:solidFill>
+                      <a:schemeClr val="accent5">
+                        <a:lumMod val="60000"/>
+                        <a:lumOff val="40000"/>
+                      </a:schemeClr>
+                    </a:solidFill>
+                  </a:tcPr>
+                </a:tc>
+                <a:tc>
+                  <a:txBody>
+                    <a:bodyPr/>
+                    <a:lstStyle/>
+                    <a:p>
+                      <a:endParaRPr lang="en-US" sz="700"/>
+                    </a:p>
+                  </a:txBody>
+                  <a:tcPr marL="0" marR="0" marT="0" marB="0">
+                    <a:solidFill>
+                      <a:schemeClr val="accent5">
+                        <a:lumMod val="60000"/>
+                        <a:lumOff val="40000"/>
+                      </a:schemeClr>
+                    </a:solidFill>
+                  </a:tcPr>
+                </a:tc>
+                <a:tc>
+                  <a:txBody>
+                    <a:bodyPr/>
+                    <a:lstStyle/>
+                    <a:p>
+                      <a:endParaRPr lang="en-US" sz="700"/>
+                    </a:p>
+                  </a:txBody>
+                  <a:tcPr marL="0" marR="0" marT="0" marB="0">
+                    <a:solidFill>
+                      <a:schemeClr val="accent5">
+                        <a:lumMod val="60000"/>
+                        <a:lumOff val="40000"/>
+                      </a:schemeClr>
+                    </a:solidFill>
+                  </a:tcPr>
+                </a:tc>
+                <a:extLst>
+                  <a:ext uri="{0D108BD9-81ED-4DB2-BD59-A6C34878D82A}">
+                    <a16:rowId xmlns:a16="http://schemas.microsoft.com/office/drawing/2014/main" val="10002"/>
+                  </a:ext>
+                </a:extLst>
+              </a:tr>
+              <a:tr h="95979">
+                <a:tc>
+                  <a:txBody>
+                    <a:bodyPr/>
+                    <a:lstStyle/>
+                    <a:p>
+                      <a:endParaRPr lang="en-US" sz="700"/>
+                    </a:p>
+                  </a:txBody>
+                  <a:tcPr marL="0" marR="0" marT="0" marB="0">
+                    <a:solidFill>
+                      <a:schemeClr val="bg2"/>
+                    </a:solidFill>
+                  </a:tcPr>
+                </a:tc>
+                <a:tc>
+                  <a:txBody>
+                    <a:bodyPr/>
+                    <a:lstStyle/>
+                    <a:p>
+                      <a:endParaRPr lang="en-US" sz="700"/>
+                    </a:p>
+                  </a:txBody>
+                  <a:tcPr marL="0" marR="0" marT="0" marB="0">
+                    <a:solidFill>
+                      <a:schemeClr val="accent5">
+                        <a:lumMod val="60000"/>
+                        <a:lumOff val="40000"/>
+                      </a:schemeClr>
+                    </a:solidFill>
+                  </a:tcPr>
+                </a:tc>
+                <a:tc>
+                  <a:txBody>
+                    <a:bodyPr/>
+                    <a:lstStyle/>
+                    <a:p>
+                      <a:endParaRPr lang="en-US" sz="700"/>
+                    </a:p>
+                  </a:txBody>
+                  <a:tcPr marL="0" marR="0" marT="0" marB="0">
+                    <a:solidFill>
+                      <a:schemeClr val="accent5">
+                        <a:lumMod val="60000"/>
+                        <a:lumOff val="40000"/>
+                      </a:schemeClr>
+                    </a:solidFill>
+                  </a:tcPr>
+                </a:tc>
+                <a:tc>
+                  <a:txBody>
+                    <a:bodyPr/>
+                    <a:lstStyle/>
+                    <a:p>
+                      <a:endParaRPr lang="en-US" sz="700"/>
+                    </a:p>
+                  </a:txBody>
+                  <a:tcPr marL="0" marR="0" marT="0" marB="0">
+                    <a:solidFill>
+                      <a:schemeClr val="accent5">
+                        <a:lumMod val="60000"/>
+                        <a:lumOff val="40000"/>
+                      </a:schemeClr>
+                    </a:solidFill>
+                  </a:tcPr>
+                </a:tc>
+                <a:extLst>
+                  <a:ext uri="{0D108BD9-81ED-4DB2-BD59-A6C34878D82A}">
+                    <a16:rowId xmlns:a16="http://schemas.microsoft.com/office/drawing/2014/main" val="10003"/>
+                  </a:ext>
+                </a:extLst>
+              </a:tr>
+            </a:tbl>
+          </a:graphicData>
+        </a:graphic>
+      </p:graphicFrame>
+      <p:cxnSp>
+        <p:nvCxnSpPr>
+          <p:cNvPr id="122" name="Straight Arrow Connector 86">
+            <a:extLst>
+              <a:ext uri="{FF2B5EF4-FFF2-40B4-BE49-F238E27FC236}">
+                <a16:creationId xmlns:a16="http://schemas.microsoft.com/office/drawing/2014/main" id="{0099EB90-2D6F-44A6-BA7C-03926702CC22}"/>
+              </a:ext>
+            </a:extLst>
+          </p:cNvPr>
+          <p:cNvCxnSpPr/>
+          <p:nvPr/>
+        </p:nvCxnSpPr>
+        <p:spPr>
+          <a:xfrm>
+            <a:off x="8969339" y="6153595"/>
+            <a:ext cx="363152" cy="0"/>
+          </a:xfrm>
+          <a:prstGeom prst="straightConnector1">
+            <a:avLst/>
+          </a:prstGeom>
+          <a:ln w="63500">
+            <a:solidFill>
+              <a:schemeClr val="tx1"/>
+            </a:solidFill>
+            <a:tailEnd type="stealth"/>
+          </a:ln>
+        </p:spPr>
+        <p:style>
+          <a:lnRef idx="1">
+            <a:schemeClr val="accent1"/>
+          </a:lnRef>
+          <a:fillRef idx="0">
+            <a:schemeClr val="accent1"/>
+          </a:fillRef>
+          <a:effectRef idx="0">
+            <a:schemeClr val="accent1"/>
+          </a:effectRef>
+          <a:fontRef idx="minor">
+            <a:schemeClr val="tx1"/>
+          </a:fontRef>
+        </p:style>
+      </p:cxnSp>
+      <p:sp>
+        <p:nvSpPr>
+          <p:cNvPr id="125" name="TextBox 82">
+            <a:extLst>
+              <a:ext uri="{FF2B5EF4-FFF2-40B4-BE49-F238E27FC236}">
+                <a16:creationId xmlns:a16="http://schemas.microsoft.com/office/drawing/2014/main" id="{5F26F2B3-AA85-4CA6-BCBA-69240C2363F8}"/>
+              </a:ext>
+            </a:extLst>
+          </p:cNvPr>
+          <p:cNvSpPr txBox="1"/>
+          <p:nvPr/>
+        </p:nvSpPr>
+        <p:spPr>
+          <a:xfrm>
+            <a:off x="3850499" y="6407663"/>
+            <a:ext cx="3654347" cy="2862322"/>
+          </a:xfrm>
+          <a:prstGeom prst="rect">
+            <a:avLst/>
+          </a:prstGeom>
+          <a:noFill/>
+        </p:spPr>
+        <p:txBody>
+          <a:bodyPr wrap="square" rtlCol="0">
+            <a:spAutoFit/>
+          </a:bodyPr>
+          <a:lstStyle/>
+          <a:p>
+            <a:r>
+              <a:rPr lang="en-US" sz="1200" b="1" dirty="0" err="1">
+                <a:latin typeface="Consolas" panose="020B0609020204030204" pitchFamily="49" charset="0"/>
+              </a:rPr>
+              <a:t>df</a:t>
+            </a:r>
+            <a:r>
+              <a:rPr lang="en-US" sz="1200" b="1" dirty="0">
+                <a:latin typeface="Consolas" panose="020B0609020204030204" pitchFamily="49" charset="0"/>
+              </a:rPr>
+              <a:t>[</a:t>
+            </a:r>
+            <a:r>
+              <a:rPr lang="en-US" sz="1200" b="1" dirty="0" err="1">
+                <a:latin typeface="Consolas" panose="020B0609020204030204" pitchFamily="49" charset="0"/>
+              </a:rPr>
+              <a:t>df.Length</a:t>
+            </a:r>
+            <a:r>
+              <a:rPr lang="en-US" sz="1200" b="1" dirty="0">
+                <a:latin typeface="Consolas" panose="020B0609020204030204" pitchFamily="49" charset="0"/>
+              </a:rPr>
+              <a:t> &gt; 7]</a:t>
+            </a:r>
+          </a:p>
+          <a:p>
+            <a:pPr marL="174625"/>
+            <a:r>
+              <a:rPr lang="en-US" sz="1200" dirty="0"/>
+              <a:t>Extract rows that meet logical criteria.</a:t>
+            </a:r>
+          </a:p>
+          <a:p>
+            <a:r>
+              <a:rPr lang="en-US" sz="1200" b="1">
+                <a:latin typeface="Consolas" panose="020B0609020204030204" pitchFamily="49" charset="0"/>
+              </a:rPr>
+              <a:t>df.</a:t>
+            </a:r>
+            <a:r>
+              <a:rPr lang="en-US" sz="1200" b="1">
+                <a:latin typeface="Consolas" panose="020B0609020204030204" pitchFamily="49" charset="0"/>
+                <a:hlinkClick r:id="rId24"/>
+              </a:rPr>
+              <a:t>query</a:t>
+            </a:r>
+            <a:r>
+              <a:rPr lang="en-US" sz="1200" b="1">
+                <a:latin typeface="Consolas" panose="020B0609020204030204" pitchFamily="49" charset="0"/>
+              </a:rPr>
+              <a:t>(</a:t>
+            </a:r>
+            <a:r>
+              <a:rPr lang="en-US" sz="1200" b="1" i="1">
+                <a:latin typeface="Consolas" panose="020B0609020204030204" pitchFamily="49" charset="0"/>
+              </a:rPr>
+              <a:t>expr</a:t>
+            </a:r>
+            <a:r>
+              <a:rPr lang="en-US" sz="1200" b="1">
+                <a:latin typeface="Consolas" panose="020B0609020204030204" pitchFamily="49" charset="0"/>
+              </a:rPr>
+              <a:t>)</a:t>
+            </a:r>
+          </a:p>
+          <a:p>
+            <a:pPr marL="180975"/>
+            <a:r>
+              <a:rPr lang="en-US" sz="1200"/>
+              <a:t>Query columns with a boolean expression</a:t>
+            </a:r>
+            <a:endParaRPr lang="en-US" sz="1200" b="1">
+              <a:latin typeface="Consolas" panose="020B0609020204030204" pitchFamily="49" charset="0"/>
+            </a:endParaRPr>
+          </a:p>
+          <a:p>
+            <a:r>
+              <a:rPr lang="en-US" sz="1200" b="1">
+                <a:latin typeface="Consolas" panose="020B0609020204030204" pitchFamily="49" charset="0"/>
+              </a:rPr>
+              <a:t>df</a:t>
+            </a:r>
+            <a:r>
+              <a:rPr lang="en-US" sz="1200" b="1" dirty="0" err="1">
+                <a:latin typeface="Consolas" panose="020B0609020204030204" pitchFamily="49" charset="0"/>
+              </a:rPr>
+              <a:t>.</a:t>
+            </a:r>
+            <a:r>
+              <a:rPr lang="en-US" sz="1200" b="1" dirty="0" err="1">
+                <a:latin typeface="Consolas" panose="020B0609020204030204" pitchFamily="49" charset="0"/>
+                <a:hlinkClick r:id="rId25"/>
+              </a:rPr>
+              <a:t>drop_duplicates</a:t>
+            </a:r>
+            <a:r>
+              <a:rPr lang="en-US" sz="1200" b="1" dirty="0">
+                <a:latin typeface="Consolas" panose="020B0609020204030204" pitchFamily="49" charset="0"/>
+              </a:rPr>
+              <a:t>()</a:t>
+            </a:r>
+          </a:p>
+          <a:p>
+            <a:pPr marL="174625"/>
+            <a:r>
+              <a:rPr lang="en-US" sz="1200" dirty="0"/>
+              <a:t>Remove duplicate rows (only considers columns).</a:t>
+            </a:r>
+          </a:p>
+          <a:p>
+            <a:r>
+              <a:rPr lang="en-US" sz="1200" b="1">
+                <a:latin typeface="Consolas" panose="020B0609020204030204" pitchFamily="49" charset="0"/>
+              </a:rPr>
+              <a:t>df.</a:t>
+            </a:r>
+            <a:r>
+              <a:rPr lang="en-US" sz="1200" b="1">
+                <a:latin typeface="Consolas" panose="020B0609020204030204" pitchFamily="49" charset="0"/>
+                <a:hlinkClick r:id="rId26"/>
+              </a:rPr>
+              <a:t>sample</a:t>
+            </a:r>
+            <a:r>
+              <a:rPr lang="en-US" sz="1200" b="1">
+                <a:latin typeface="Consolas" panose="020B0609020204030204" pitchFamily="49" charset="0"/>
+              </a:rPr>
+              <a:t>(frac=0.5)</a:t>
+            </a:r>
+          </a:p>
+          <a:p>
+            <a:pPr marL="174625"/>
+            <a:r>
+              <a:rPr lang="en-US" sz="1200"/>
+              <a:t>Randomly select fraction of rows. </a:t>
+            </a:r>
+          </a:p>
+          <a:p>
+            <a:r>
+              <a:rPr lang="en-US" sz="1200" b="1">
+                <a:latin typeface="Consolas" panose="020B0609020204030204" pitchFamily="49" charset="0"/>
+              </a:rPr>
+              <a:t>df.</a:t>
+            </a:r>
+            <a:r>
+              <a:rPr lang="en-US" sz="1200" b="1">
+                <a:latin typeface="Consolas" panose="020B0609020204030204" pitchFamily="49" charset="0"/>
+                <a:hlinkClick r:id="rId26"/>
+              </a:rPr>
+              <a:t>sample</a:t>
+            </a:r>
+            <a:r>
+              <a:rPr lang="en-US" sz="1200" b="1">
+                <a:latin typeface="Consolas" panose="020B0609020204030204" pitchFamily="49" charset="0"/>
+              </a:rPr>
+              <a:t>(n=10) </a:t>
+            </a:r>
+            <a:r>
+              <a:rPr lang="en-US" sz="1200"/>
+              <a:t>Randomly select n rows.</a:t>
+            </a:r>
+          </a:p>
+          <a:p>
+            <a:pPr marL="185738" indent="-185738"/>
+            <a:r>
+              <a:rPr lang="en-US" sz="1200" b="1">
+                <a:latin typeface="Consolas" panose="020B0609020204030204" pitchFamily="49" charset="0"/>
+              </a:rPr>
+              <a:t>df.</a:t>
+            </a:r>
+            <a:r>
+              <a:rPr lang="en-US" sz="1200" b="1">
+                <a:latin typeface="Consolas" panose="020B0609020204030204" pitchFamily="49" charset="0"/>
+                <a:hlinkClick r:id="rId27"/>
+              </a:rPr>
+              <a:t>nlargest</a:t>
+            </a:r>
+            <a:r>
+              <a:rPr lang="en-US" sz="1200" b="1">
+                <a:latin typeface="Consolas" panose="020B0609020204030204" pitchFamily="49" charset="0"/>
+              </a:rPr>
+              <a:t>(n, 'value’)</a:t>
+            </a:r>
+            <a:br>
+              <a:rPr lang="en-US" sz="1200" b="1">
+                <a:latin typeface="Consolas" panose="020B0609020204030204" pitchFamily="49" charset="0"/>
+              </a:rPr>
+            </a:br>
+            <a:r>
+              <a:rPr lang="en-US" sz="1200"/>
+              <a:t>Select and order top n entries.</a:t>
+            </a:r>
+          </a:p>
+          <a:p>
+            <a:r>
+              <a:rPr lang="en-US" sz="1200" b="1">
+                <a:latin typeface="Consolas" panose="020B0609020204030204" pitchFamily="49" charset="0"/>
+              </a:rPr>
+              <a:t>df.</a:t>
+            </a:r>
+            <a:r>
+              <a:rPr lang="en-US" sz="1200" b="1">
+                <a:latin typeface="Consolas" panose="020B0609020204030204" pitchFamily="49" charset="0"/>
+                <a:hlinkClick r:id="rId28"/>
+              </a:rPr>
+              <a:t>nsmallest</a:t>
+            </a:r>
+            <a:r>
+              <a:rPr lang="en-US" sz="1200" b="1">
+                <a:latin typeface="Consolas" panose="020B0609020204030204" pitchFamily="49" charset="0"/>
+              </a:rPr>
+              <a:t>(n, 'value')</a:t>
+            </a:r>
+          </a:p>
+          <a:p>
+            <a:pPr marL="174625"/>
+            <a:r>
+              <a:rPr lang="en-US" sz="1200"/>
+              <a:t>Select and order bottom n entries.</a:t>
+            </a:r>
+          </a:p>
+          <a:p>
+            <a:r>
+              <a:rPr lang="en-US" sz="1200" b="1">
+                <a:latin typeface="Consolas" panose="020B0609020204030204" pitchFamily="49" charset="0"/>
+              </a:rPr>
+              <a:t>df.</a:t>
+            </a:r>
+            <a:r>
+              <a:rPr lang="en-US" sz="1200" b="1">
+                <a:latin typeface="Consolas" panose="020B0609020204030204" pitchFamily="49" charset="0"/>
+                <a:hlinkClick r:id="rId29"/>
+              </a:rPr>
+              <a:t>head</a:t>
+            </a:r>
+            <a:r>
+              <a:rPr lang="en-US" sz="1200" b="1">
+                <a:latin typeface="Consolas" panose="020B0609020204030204" pitchFamily="49" charset="0"/>
+              </a:rPr>
+              <a:t>(n) </a:t>
+            </a:r>
+            <a:r>
+              <a:rPr lang="en-US" sz="1200"/>
+              <a:t>Select first n rows.</a:t>
+            </a:r>
+          </a:p>
+          <a:p>
+            <a:r>
+              <a:rPr lang="en-US" sz="1200" b="1">
+                <a:latin typeface="Consolas" panose="020B0609020204030204" pitchFamily="49" charset="0"/>
+              </a:rPr>
+              <a:t>df.</a:t>
+            </a:r>
+            <a:r>
+              <a:rPr lang="en-US" sz="1200" b="1">
+                <a:latin typeface="Consolas" panose="020B0609020204030204" pitchFamily="49" charset="0"/>
+                <a:hlinkClick r:id="rId30"/>
+              </a:rPr>
+              <a:t>tail</a:t>
+            </a:r>
+            <a:r>
+              <a:rPr lang="en-US" sz="1200" b="1">
+                <a:latin typeface="Consolas" panose="020B0609020204030204" pitchFamily="49" charset="0"/>
+              </a:rPr>
+              <a:t>(n) </a:t>
+            </a:r>
+            <a:r>
+              <a:rPr lang="en-US" sz="1200"/>
+              <a:t>Select last n rows.</a:t>
+            </a:r>
+            <a:endParaRPr lang="en-US" sz="1200" dirty="0"/>
+          </a:p>
+        </p:txBody>
+      </p:sp>
+      <p:cxnSp>
+        <p:nvCxnSpPr>
+          <p:cNvPr id="127" name="Straight Arrow Connector 15">
+            <a:extLst>
+              <a:ext uri="{FF2B5EF4-FFF2-40B4-BE49-F238E27FC236}">
+                <a16:creationId xmlns:a16="http://schemas.microsoft.com/office/drawing/2014/main" id="{FFE77824-82DE-4A82-BDD9-2ACD68E77A11}"/>
+              </a:ext>
+            </a:extLst>
+          </p:cNvPr>
+          <p:cNvCxnSpPr>
+            <a:cxnSpLocks/>
+          </p:cNvCxnSpPr>
+          <p:nvPr/>
+        </p:nvCxnSpPr>
+        <p:spPr>
+          <a:xfrm>
+            <a:off x="5695677" y="672868"/>
+            <a:ext cx="10808" cy="575880"/>
+          </a:xfrm>
+          <a:prstGeom prst="straightConnector1">
+            <a:avLst/>
+          </a:prstGeom>
+          <a:ln w="76200">
+            <a:solidFill>
+              <a:schemeClr val="tx1"/>
+            </a:solidFill>
+            <a:headEnd type="stealth"/>
+            <a:tailEnd type="stealth"/>
+          </a:ln>
+        </p:spPr>
+        <p:style>
+          <a:lnRef idx="1">
+            <a:schemeClr val="accent1"/>
+          </a:lnRef>
+          <a:fillRef idx="0">
+            <a:schemeClr val="accent1"/>
+          </a:fillRef>
+          <a:effectRef idx="0">
+            <a:schemeClr val="accent1"/>
+          </a:effectRef>
+          <a:fontRef idx="minor">
+            <a:schemeClr val="tx1"/>
+          </a:fontRef>
+        </p:style>
+      </p:cxnSp>
+      <p:cxnSp>
+        <p:nvCxnSpPr>
+          <p:cNvPr id="128" name="Straight Arrow Connector 15">
+            <a:extLst>
+              <a:ext uri="{FF2B5EF4-FFF2-40B4-BE49-F238E27FC236}">
+                <a16:creationId xmlns:a16="http://schemas.microsoft.com/office/drawing/2014/main" id="{1B179FD3-D87C-43C6-9671-6D677EB05CB2}"/>
+              </a:ext>
+            </a:extLst>
+          </p:cNvPr>
+          <p:cNvCxnSpPr>
+            <a:cxnSpLocks/>
+          </p:cNvCxnSpPr>
+          <p:nvPr/>
+        </p:nvCxnSpPr>
+        <p:spPr>
+          <a:xfrm>
+            <a:off x="4957920" y="684154"/>
+            <a:ext cx="10808" cy="575880"/>
+          </a:xfrm>
+          <a:prstGeom prst="straightConnector1">
+            <a:avLst/>
+          </a:prstGeom>
+          <a:ln w="76200">
+            <a:solidFill>
+              <a:schemeClr val="tx1"/>
+            </a:solidFill>
+            <a:headEnd type="stealth"/>
+            <a:tailEnd type="stealth"/>
+          </a:ln>
+        </p:spPr>
+        <p:style>
+          <a:lnRef idx="1">
+            <a:schemeClr val="accent1"/>
+          </a:lnRef>
+          <a:fillRef idx="0">
+            <a:schemeClr val="accent1"/>
+          </a:fillRef>
+          <a:effectRef idx="0">
+            <a:schemeClr val="accent1"/>
+          </a:effectRef>
+          <a:fontRef idx="minor">
+            <a:schemeClr val="tx1"/>
+          </a:fontRef>
+        </p:style>
+      </p:cxnSp>
+      <p:sp>
+        <p:nvSpPr>
+          <p:cNvPr id="131" name="TextBox 87">
+            <a:extLst>
+              <a:ext uri="{FF2B5EF4-FFF2-40B4-BE49-F238E27FC236}">
+                <a16:creationId xmlns:a16="http://schemas.microsoft.com/office/drawing/2014/main" id="{F5F40992-12E7-4888-9066-0239D8E68617}"/>
+              </a:ext>
+            </a:extLst>
+          </p:cNvPr>
+          <p:cNvSpPr txBox="1"/>
+          <p:nvPr/>
+        </p:nvSpPr>
+        <p:spPr>
+          <a:xfrm>
+            <a:off x="7379645" y="6335688"/>
+            <a:ext cx="3188152" cy="1569660"/>
+          </a:xfrm>
+          <a:prstGeom prst="rect">
+            <a:avLst/>
+          </a:prstGeom>
+          <a:noFill/>
+        </p:spPr>
+        <p:txBody>
+          <a:bodyPr wrap="square" rtlCol="0">
+            <a:spAutoFit/>
+          </a:bodyPr>
+          <a:lstStyle/>
+          <a:p>
+            <a:r>
+              <a:rPr lang="en-US" sz="1200" b="1" dirty="0" err="1">
+                <a:latin typeface="Consolas" panose="020B0609020204030204" pitchFamily="49" charset="0"/>
+              </a:rPr>
+              <a:t>df</a:t>
+            </a:r>
+            <a:r>
+              <a:rPr lang="en-US" sz="1200" b="1" dirty="0">
+                <a:latin typeface="Consolas" panose="020B0609020204030204" pitchFamily="49" charset="0"/>
+              </a:rPr>
+              <a:t>[['</a:t>
+            </a:r>
+            <a:r>
+              <a:rPr lang="en-US" sz="1200" b="1" dirty="0" err="1">
+                <a:latin typeface="Consolas" panose="020B0609020204030204" pitchFamily="49" charset="0"/>
+              </a:rPr>
+              <a:t>width','length','species</a:t>
+            </a:r>
+            <a:r>
+              <a:rPr lang="en-US" sz="1200" b="1" dirty="0">
+                <a:latin typeface="Consolas" panose="020B0609020204030204" pitchFamily="49" charset="0"/>
+              </a:rPr>
+              <a:t>']]</a:t>
+            </a:r>
+          </a:p>
+          <a:p>
+            <a:pPr marL="180975" indent="-180975"/>
+            <a:r>
+              <a:rPr lang="en-US" sz="1200" dirty="0"/>
+              <a:t>     Select multiple columns </a:t>
+            </a:r>
+            <a:r>
+              <a:rPr lang="en-US" sz="1200"/>
+              <a:t>with specific</a:t>
+            </a:r>
+            <a:br>
+              <a:rPr lang="en-US" sz="1200"/>
+            </a:br>
+            <a:r>
+              <a:rPr lang="en-US" sz="1200"/>
+              <a:t>names</a:t>
+            </a:r>
+            <a:r>
+              <a:rPr lang="en-US" sz="1200" dirty="0"/>
+              <a:t>.</a:t>
+            </a:r>
+          </a:p>
+          <a:p>
+            <a:r>
+              <a:rPr lang="en-US" sz="1200" b="1" dirty="0" err="1">
+                <a:latin typeface="Consolas" panose="020B0609020204030204" pitchFamily="49" charset="0"/>
+              </a:rPr>
+              <a:t>df</a:t>
+            </a:r>
+            <a:r>
+              <a:rPr lang="en-US" sz="1200" b="1" dirty="0">
+                <a:latin typeface="Consolas" panose="020B0609020204030204" pitchFamily="49" charset="0"/>
+              </a:rPr>
+              <a:t>['width']  </a:t>
+            </a:r>
+            <a:r>
+              <a:rPr lang="en-US" sz="1200" i="1" dirty="0"/>
+              <a:t>or</a:t>
+            </a:r>
+            <a:r>
+              <a:rPr lang="en-US" sz="1200" b="1" dirty="0">
+                <a:latin typeface="Consolas" panose="020B0609020204030204" pitchFamily="49" charset="0"/>
+              </a:rPr>
+              <a:t>  </a:t>
+            </a:r>
+            <a:r>
+              <a:rPr lang="en-US" sz="1200" b="1" dirty="0" err="1">
+                <a:latin typeface="Consolas" panose="020B0609020204030204" pitchFamily="49" charset="0"/>
+              </a:rPr>
+              <a:t>df.width</a:t>
+            </a:r>
+            <a:endParaRPr lang="en-US" sz="1200" b="1" dirty="0">
+              <a:latin typeface="Consolas" panose="020B0609020204030204" pitchFamily="49" charset="0"/>
+            </a:endParaRPr>
+          </a:p>
+          <a:p>
+            <a:r>
+              <a:rPr lang="en-US" sz="1200" dirty="0"/>
+              <a:t>     Select single column with specific name.</a:t>
+            </a:r>
+          </a:p>
+          <a:p>
+            <a:r>
+              <a:rPr lang="en-US" sz="1200" b="1" dirty="0" err="1">
+                <a:latin typeface="Consolas" panose="020B0609020204030204" pitchFamily="49" charset="0"/>
+              </a:rPr>
+              <a:t>df.</a:t>
+            </a:r>
+            <a:r>
+              <a:rPr lang="en-US" sz="1200" b="1" dirty="0" err="1">
+                <a:latin typeface="Consolas" panose="020B0609020204030204" pitchFamily="49" charset="0"/>
+                <a:hlinkClick r:id="rId31"/>
+              </a:rPr>
+              <a:t>filter</a:t>
+            </a:r>
+            <a:r>
+              <a:rPr lang="en-US" sz="1200" b="1" dirty="0">
+                <a:latin typeface="Consolas" panose="020B0609020204030204" pitchFamily="49" charset="0"/>
+              </a:rPr>
+              <a:t>(regex='</a:t>
+            </a:r>
+            <a:r>
+              <a:rPr lang="en-US" sz="1200" b="1" i="1" dirty="0">
+                <a:latin typeface="Consolas" panose="020B0609020204030204" pitchFamily="49" charset="0"/>
+              </a:rPr>
+              <a:t>regex</a:t>
+            </a:r>
+            <a:r>
+              <a:rPr lang="en-US" sz="1200" b="1" dirty="0">
+                <a:latin typeface="Consolas" panose="020B0609020204030204" pitchFamily="49" charset="0"/>
+              </a:rPr>
+              <a:t>')</a:t>
+            </a:r>
+          </a:p>
+          <a:p>
+            <a:r>
+              <a:rPr lang="en-US" sz="1200" dirty="0"/>
+              <a:t>     Select columns whose name </a:t>
+            </a:r>
+            <a:r>
+              <a:rPr lang="en-US" sz="1200"/>
+              <a:t>matches </a:t>
+            </a:r>
+            <a:br>
+              <a:rPr lang="en-US" sz="1200"/>
+            </a:br>
+            <a:r>
+              <a:rPr lang="en-US" sz="1200"/>
+              <a:t>     regular </a:t>
+            </a:r>
+            <a:r>
+              <a:rPr lang="en-US" sz="1200" dirty="0"/>
+              <a:t>expression </a:t>
+            </a:r>
+            <a:r>
+              <a:rPr lang="en-US" sz="1200" i="1" dirty="0"/>
+              <a:t>regex</a:t>
+            </a:r>
+            <a:r>
+              <a:rPr lang="en-US" sz="1200" dirty="0"/>
+              <a:t>.</a:t>
+            </a:r>
+            <a:endParaRPr lang="en-US" sz="1200" b="1" dirty="0">
+              <a:latin typeface="Consolas" panose="020B0609020204030204" pitchFamily="49" charset="0"/>
+            </a:endParaRPr>
+          </a:p>
+        </p:txBody>
+      </p:sp>
+      <p:sp>
+        <p:nvSpPr>
+          <p:cNvPr id="132" name="TextBox 88">
+            <a:extLst>
+              <a:ext uri="{FF2B5EF4-FFF2-40B4-BE49-F238E27FC236}">
+                <a16:creationId xmlns:a16="http://schemas.microsoft.com/office/drawing/2014/main" id="{A522A266-2B4A-44FB-A568-84B63A784BD5}"/>
+              </a:ext>
+            </a:extLst>
+          </p:cNvPr>
+          <p:cNvSpPr txBox="1"/>
+          <p:nvPr/>
+        </p:nvSpPr>
+        <p:spPr>
+          <a:xfrm>
+            <a:off x="10573315" y="6614631"/>
+            <a:ext cx="3460164" cy="2677656"/>
+          </a:xfrm>
+          <a:prstGeom prst="rect">
+            <a:avLst/>
+          </a:prstGeom>
+          <a:noFill/>
+        </p:spPr>
+        <p:txBody>
+          <a:bodyPr wrap="square" rtlCol="0">
+            <a:spAutoFit/>
+          </a:bodyPr>
+          <a:lstStyle/>
+          <a:p>
+            <a:r>
+              <a:rPr lang="en-US" sz="1200" b="1">
+                <a:latin typeface="Consolas" panose="020B0609020204030204" pitchFamily="49" charset="0"/>
+              </a:rPr>
+              <a:t>df.</a:t>
+            </a:r>
+            <a:r>
+              <a:rPr lang="en-US" sz="1200" b="1">
+                <a:latin typeface="Consolas" panose="020B0609020204030204" pitchFamily="49" charset="0"/>
+                <a:hlinkClick r:id="rId32"/>
+              </a:rPr>
+              <a:t>iloc</a:t>
+            </a:r>
+            <a:r>
+              <a:rPr lang="en-US" sz="1200" b="1">
+                <a:latin typeface="Consolas" panose="020B0609020204030204" pitchFamily="49" charset="0"/>
+              </a:rPr>
+              <a:t>[</a:t>
+            </a:r>
+            <a:r>
+              <a:rPr lang="en-US" sz="1200" i="1">
+                <a:latin typeface="Consolas" panose="020B0609020204030204" pitchFamily="49" charset="0"/>
+              </a:rPr>
+              <a:t>row_ind, column_ind</a:t>
+            </a:r>
+            <a:r>
+              <a:rPr lang="en-US" sz="1200" b="1">
+                <a:latin typeface="Consolas" panose="020B0609020204030204" pitchFamily="49" charset="0"/>
+              </a:rPr>
+              <a:t>]</a:t>
+            </a:r>
+          </a:p>
+          <a:p>
+            <a:r>
+              <a:rPr lang="en-US" sz="1200" b="1">
+                <a:latin typeface="Consolas" panose="020B0609020204030204" pitchFamily="49" charset="0"/>
+              </a:rPr>
+              <a:t>df</a:t>
+            </a:r>
+            <a:r>
+              <a:rPr lang="en-US" sz="1200" b="1" dirty="0" err="1">
+                <a:latin typeface="Consolas" panose="020B0609020204030204" pitchFamily="49" charset="0"/>
+              </a:rPr>
+              <a:t>.iloc</a:t>
+            </a:r>
+            <a:r>
+              <a:rPr lang="en-US" sz="1200" b="1" dirty="0">
+                <a:latin typeface="Consolas" panose="020B0609020204030204" pitchFamily="49" charset="0"/>
+              </a:rPr>
+              <a:t>[10:20]</a:t>
+            </a:r>
+          </a:p>
+          <a:p>
+            <a:r>
+              <a:rPr lang="en-US" sz="1200" dirty="0"/>
+              <a:t>     Select rows by </a:t>
+            </a:r>
+            <a:r>
+              <a:rPr lang="en-US" sz="1200"/>
+              <a:t>position.</a:t>
+            </a:r>
+          </a:p>
+          <a:p>
+            <a:r>
+              <a:rPr lang="en-US" sz="1200" b="1">
+                <a:latin typeface="Consolas" panose="020B0609020204030204" pitchFamily="49" charset="0"/>
+              </a:rPr>
+              <a:t>df.iloc[:,[1,2,5]]</a:t>
+            </a:r>
+          </a:p>
+          <a:p>
+            <a:pPr marL="180975" indent="-180975"/>
+            <a:r>
+              <a:rPr lang="en-US" sz="1200"/>
+              <a:t>     Select columns in positions 1, 2 and 5 (first column is 0).</a:t>
+            </a:r>
+          </a:p>
+          <a:p>
+            <a:r>
+              <a:rPr lang="en-US" sz="1200" b="1">
+                <a:latin typeface="Consolas" panose="020B0609020204030204" pitchFamily="49" charset="0"/>
+              </a:rPr>
+              <a:t>df.</a:t>
+            </a:r>
+            <a:r>
+              <a:rPr lang="en-US" sz="1200" b="1">
+                <a:latin typeface="Consolas" panose="020B0609020204030204" pitchFamily="49" charset="0"/>
+                <a:hlinkClick r:id="rId33"/>
+              </a:rPr>
+              <a:t>loc</a:t>
+            </a:r>
+            <a:r>
+              <a:rPr lang="en-US" sz="1200" b="1">
+                <a:latin typeface="Consolas" panose="020B0609020204030204" pitchFamily="49" charset="0"/>
+              </a:rPr>
+              <a:t>[</a:t>
+            </a:r>
+            <a:r>
+              <a:rPr lang="en-US" sz="1200" i="1">
+                <a:latin typeface="Consolas" panose="020B0609020204030204" pitchFamily="49" charset="0"/>
+              </a:rPr>
+              <a:t>row_ind, column_ind</a:t>
+            </a:r>
+            <a:r>
+              <a:rPr lang="en-US" sz="1200" b="1">
+                <a:latin typeface="Consolas" panose="020B0609020204030204" pitchFamily="49" charset="0"/>
+              </a:rPr>
+              <a:t>]</a:t>
+            </a:r>
+          </a:p>
+          <a:p>
+            <a:r>
+              <a:rPr lang="en-US" sz="1200" b="1">
+                <a:latin typeface="Consolas" panose="020B0609020204030204" pitchFamily="49" charset="0"/>
+              </a:rPr>
+              <a:t>df.loc[:,'x2':'x4']</a:t>
+            </a:r>
+          </a:p>
+          <a:p>
+            <a:pPr marL="180975" indent="-180975"/>
+            <a:r>
+              <a:rPr lang="en-US" sz="1200"/>
+              <a:t>     Select all columns between x2 and x4 (inclusive).</a:t>
+            </a:r>
+          </a:p>
+          <a:p>
+            <a:r>
+              <a:rPr lang="en-US" sz="1200" b="1">
+                <a:latin typeface="Consolas" panose="020B0609020204030204" pitchFamily="49" charset="0"/>
+              </a:rPr>
+              <a:t>df.loc[df['a'] &gt; 10, ['a','c']]</a:t>
+            </a:r>
+          </a:p>
+          <a:p>
+            <a:pPr marL="180975" indent="-180975"/>
+            <a:r>
+              <a:rPr lang="en-US" sz="1200"/>
+              <a:t>     Select rows meeting logical condition, and only the specific columns .</a:t>
+            </a:r>
+          </a:p>
+          <a:p>
+            <a:pPr marL="180975" indent="-180975"/>
+            <a:r>
+              <a:rPr lang="en-US" sz="1200" b="1">
+                <a:latin typeface="Consolas" panose="020B0609020204030204" pitchFamily="49" charset="0"/>
+              </a:rPr>
+              <a:t>df.</a:t>
+            </a:r>
+            <a:r>
+              <a:rPr lang="en-US" sz="1200" b="1">
+                <a:latin typeface="Consolas" panose="020B0609020204030204" pitchFamily="49" charset="0"/>
+                <a:hlinkClick r:id="rId34"/>
+              </a:rPr>
+              <a:t>iat</a:t>
+            </a:r>
+            <a:r>
+              <a:rPr lang="en-US" sz="1200" b="1">
+                <a:latin typeface="Consolas" panose="020B0609020204030204" pitchFamily="49" charset="0"/>
+              </a:rPr>
+              <a:t>[1,2] </a:t>
+            </a:r>
+            <a:r>
+              <a:rPr lang="en-US" sz="1200"/>
+              <a:t>Access single value by index</a:t>
+            </a:r>
+          </a:p>
+          <a:p>
+            <a:pPr marL="180975" indent="-180975"/>
+            <a:r>
+              <a:rPr lang="en-US" sz="1200" b="1">
+                <a:latin typeface="Consolas" panose="020B0609020204030204" pitchFamily="49" charset="0"/>
+              </a:rPr>
+              <a:t>df.</a:t>
+            </a:r>
+            <a:r>
+              <a:rPr lang="en-US" sz="1200" b="1">
+                <a:latin typeface="Consolas" panose="020B0609020204030204" pitchFamily="49" charset="0"/>
+                <a:hlinkClick r:id="rId35"/>
+              </a:rPr>
+              <a:t>at</a:t>
+            </a:r>
+            <a:r>
+              <a:rPr lang="en-US" sz="1200" b="1">
+                <a:latin typeface="Consolas" panose="020B0609020204030204" pitchFamily="49" charset="0"/>
+              </a:rPr>
+              <a:t>[4, ‘A’] </a:t>
+            </a:r>
+            <a:r>
+              <a:rPr lang="en-US" sz="1200"/>
+              <a:t>Access single value by label</a:t>
+            </a:r>
+            <a:endParaRPr lang="en-US" sz="1200" b="1" dirty="0">
+              <a:latin typeface="Consolas" panose="020B0609020204030204" pitchFamily="49" charset="0"/>
+            </a:endParaRPr>
+          </a:p>
+        </p:txBody>
+      </p:sp>
+      <p:sp>
+        <p:nvSpPr>
+          <p:cNvPr id="133" name="Rounded Rectangle 77">
+            <a:extLst>
+              <a:ext uri="{FF2B5EF4-FFF2-40B4-BE49-F238E27FC236}">
+                <a16:creationId xmlns:a16="http://schemas.microsoft.com/office/drawing/2014/main" id="{0097C3B6-F146-4569-9341-299B9B462387}"/>
+              </a:ext>
+            </a:extLst>
+          </p:cNvPr>
+          <p:cNvSpPr/>
+          <p:nvPr/>
+        </p:nvSpPr>
+        <p:spPr>
+          <a:xfrm>
+            <a:off x="3850499" y="5399460"/>
+            <a:ext cx="3254826" cy="423293"/>
           </a:xfrm>
           <a:prstGeom prst="roundRect">
             <a:avLst/>
@@ -13278,378 +17160,38 @@
           <a:p>
             <a:pPr algn="ctr"/>
             <a:r>
-              <a:rPr lang="en-US" sz="2800" b="1">
+              <a:rPr lang="en-US" sz="2000" b="1">
                 <a:solidFill>
                   <a:schemeClr val="bg1"/>
                 </a:solidFill>
-              </a:rPr>
-              <a:t>General</a:t>
-            </a:r>
-            <a:endParaRPr lang="en-US" sz="1800" dirty="0"/>
+                <a:hlinkClick r:id="rId3">
+                  <a:extLst>
+                    <a:ext uri="{A12FA001-AC4F-418D-AE19-62706E023703}">
+                      <ahyp:hlinkClr xmlns:ahyp="http://schemas.microsoft.com/office/drawing/2018/hyperlinkcolor" val="tx"/>
+                    </a:ext>
+                  </a:extLst>
+                </a:hlinkClick>
+              </a:rPr>
+              <a:t>Subset Observations</a:t>
+            </a:r>
+            <a:r>
+              <a:rPr lang="en-US" sz="2000" b="1">
+                <a:solidFill>
+                  <a:schemeClr val="bg1"/>
+                </a:solidFill>
+              </a:rPr>
+              <a:t> - rows</a:t>
+            </a:r>
+            <a:endParaRPr lang="en-US" sz="2000" dirty="0"/>
           </a:p>
         </p:txBody>
       </p:sp>
       <p:sp>
         <p:nvSpPr>
-          <p:cNvPr id="93" name="TextBox 82">
+          <p:cNvPr id="134" name="Rounded Rectangle 77">
             <a:extLst>
               <a:ext uri="{FF2B5EF4-FFF2-40B4-BE49-F238E27FC236}">
-                <a16:creationId xmlns:a16="http://schemas.microsoft.com/office/drawing/2014/main" id="{9EB89159-F303-49A1-88F6-6DC6B5D40003}"/>
-              </a:ext>
-            </a:extLst>
-          </p:cNvPr>
-          <p:cNvSpPr txBox="1"/>
-          <p:nvPr/>
-        </p:nvSpPr>
-        <p:spPr>
-          <a:xfrm>
-            <a:off x="3832910" y="496393"/>
-            <a:ext cx="4382340" cy="1460272"/>
-          </a:xfrm>
-          <a:prstGeom prst="rect">
-            <a:avLst/>
-          </a:prstGeom>
-          <a:noFill/>
-        </p:spPr>
-        <p:txBody>
-          <a:bodyPr wrap="square" rtlCol="0">
-            <a:spAutoFit/>
-          </a:bodyPr>
-          <a:lstStyle/>
-          <a:p>
-            <a:pPr>
-              <a:lnSpc>
-                <a:spcPts val="1800"/>
-              </a:lnSpc>
-            </a:pPr>
-            <a:r>
-              <a:rPr lang="en-US" sz="1200" b="1">
-                <a:hlinkClick r:id="rId27"/>
-              </a:rPr>
-              <a:t>Display options </a:t>
-            </a:r>
-            <a:r>
-              <a:rPr lang="en-US" sz="1200" b="1"/>
-              <a:t>for DataFrames</a:t>
-            </a:r>
-            <a:r>
-              <a:rPr lang="en-US" sz="1200"/>
-              <a:t>:</a:t>
-            </a:r>
-            <a:br>
-              <a:rPr lang="en-US" sz="1200"/>
-            </a:br>
-            <a:r>
-              <a:rPr lang="en-US" sz="1200"/>
-              <a:t>   </a:t>
-            </a:r>
-            <a:r>
-              <a:rPr lang="de-DE" sz="1200" b="1">
-                <a:solidFill>
-                  <a:srgbClr val="000000"/>
-                </a:solidFill>
-                <a:effectLst/>
-                <a:latin typeface="Consolas" panose="020B0609020204030204" pitchFamily="49" charset="0"/>
-              </a:rPr>
-              <a:t>pd.</a:t>
-            </a:r>
-            <a:r>
-              <a:rPr lang="de-DE" sz="1200" b="1">
-                <a:solidFill>
-                  <a:srgbClr val="000000"/>
-                </a:solidFill>
-                <a:effectLst/>
-                <a:latin typeface="Consolas" panose="020B0609020204030204" pitchFamily="49" charset="0"/>
-                <a:hlinkClick r:id="rId28"/>
-              </a:rPr>
-              <a:t>set_option</a:t>
-            </a:r>
-            <a:r>
-              <a:rPr lang="de-DE" sz="1200" b="1">
-                <a:solidFill>
-                  <a:srgbClr val="000000"/>
-                </a:solidFill>
-                <a:effectLst/>
-                <a:latin typeface="Consolas" panose="020B0609020204030204" pitchFamily="49" charset="0"/>
-              </a:rPr>
-              <a:t>(</a:t>
-            </a:r>
-            <a:r>
-              <a:rPr lang="de-DE" sz="1200" i="1">
-                <a:effectLst/>
-                <a:latin typeface="Consolas" panose="020B0609020204030204" pitchFamily="49" charset="0"/>
-              </a:rPr>
-              <a:t>'display.max_rows</a:t>
-            </a:r>
-            <a:r>
-              <a:rPr lang="de-DE" sz="1200">
-                <a:effectLst/>
-                <a:latin typeface="Consolas" panose="020B0609020204030204" pitchFamily="49" charset="0"/>
-              </a:rPr>
-              <a:t>', </a:t>
-            </a:r>
-            <a:r>
-              <a:rPr lang="de-DE" sz="1200" i="1">
-                <a:effectLst/>
-                <a:latin typeface="Consolas" panose="020B0609020204030204" pitchFamily="49" charset="0"/>
-              </a:rPr>
-              <a:t>4</a:t>
-            </a:r>
-            <a:r>
-              <a:rPr lang="de-DE" sz="1200" b="1">
-                <a:effectLst/>
-                <a:latin typeface="Consolas" panose="020B0609020204030204" pitchFamily="49" charset="0"/>
-              </a:rPr>
-              <a:t>)</a:t>
-            </a:r>
-            <a:br>
-              <a:rPr lang="en-US" sz="1200">
-                <a:solidFill>
-                  <a:srgbClr val="000000"/>
-                </a:solidFill>
-                <a:effectLst/>
-                <a:latin typeface="Consolas" panose="020B0609020204030204" pitchFamily="49" charset="0"/>
-              </a:rPr>
-            </a:br>
-            <a:r>
-              <a:rPr lang="en-US" sz="1200">
-                <a:solidFill>
-                  <a:srgbClr val="000000"/>
-                </a:solidFill>
-                <a:effectLst/>
-              </a:rPr>
-              <a:t>   </a:t>
-            </a:r>
-            <a:r>
-              <a:rPr lang="en-US" sz="1200" b="1">
-                <a:solidFill>
-                  <a:srgbClr val="000000"/>
-                </a:solidFill>
-                <a:effectLst/>
-                <a:latin typeface="Consolas" panose="020B0609020204030204" pitchFamily="49" charset="0"/>
-              </a:rPr>
-              <a:t>pd.</a:t>
-            </a:r>
-            <a:r>
-              <a:rPr lang="en-US" sz="1200" b="1">
-                <a:solidFill>
-                  <a:srgbClr val="000000"/>
-                </a:solidFill>
-                <a:effectLst/>
-                <a:latin typeface="Consolas" panose="020B0609020204030204" pitchFamily="49" charset="0"/>
-                <a:hlinkClick r:id="rId29"/>
-              </a:rPr>
-              <a:t>reset_option</a:t>
-            </a:r>
-            <a:r>
-              <a:rPr lang="en-US" sz="1200" b="1">
-                <a:solidFill>
-                  <a:srgbClr val="000000"/>
-                </a:solidFill>
-                <a:effectLst/>
-                <a:latin typeface="Consolas" panose="020B0609020204030204" pitchFamily="49" charset="0"/>
-              </a:rPr>
-              <a:t>(</a:t>
-            </a:r>
-            <a:r>
-              <a:rPr lang="de-DE" sz="1200" i="1">
-                <a:effectLst/>
-                <a:latin typeface="Consolas" panose="020B0609020204030204" pitchFamily="49" charset="0"/>
-              </a:rPr>
-              <a:t>'display.max_rows</a:t>
-            </a:r>
-            <a:r>
-              <a:rPr lang="de-DE" sz="1200">
-                <a:effectLst/>
-                <a:latin typeface="Consolas" panose="020B0609020204030204" pitchFamily="49" charset="0"/>
-              </a:rPr>
-              <a:t>‘</a:t>
-            </a:r>
-            <a:r>
-              <a:rPr lang="de-DE" sz="1200" b="1">
-                <a:effectLst/>
-                <a:latin typeface="Consolas" panose="020B0609020204030204" pitchFamily="49" charset="0"/>
-              </a:rPr>
-              <a:t>)</a:t>
-            </a:r>
-            <a:br>
-              <a:rPr lang="de-DE" sz="1200">
-                <a:effectLst/>
-                <a:latin typeface="Consolas" panose="020B0609020204030204" pitchFamily="49" charset="0"/>
-              </a:rPr>
-            </a:br>
-            <a:r>
-              <a:rPr lang="de-DE" sz="1200">
-                <a:effectLst/>
-                <a:latin typeface="Consolas" panose="020B0609020204030204" pitchFamily="49" charset="0"/>
-              </a:rPr>
-              <a:t> </a:t>
-            </a:r>
-            <a:r>
-              <a:rPr lang="de-DE" sz="1200" b="1">
-                <a:effectLst/>
-                <a:latin typeface="Consolas" panose="020B0609020204030204" pitchFamily="49" charset="0"/>
-              </a:rPr>
-              <a:t>with pd.</a:t>
-            </a:r>
-            <a:r>
-              <a:rPr lang="de-DE" sz="1200" b="1">
-                <a:effectLst/>
-                <a:latin typeface="Consolas" panose="020B0609020204030204" pitchFamily="49" charset="0"/>
-                <a:hlinkClick r:id="rId30"/>
-              </a:rPr>
-              <a:t>option_context</a:t>
-            </a:r>
-            <a:r>
-              <a:rPr lang="de-DE" sz="1200" b="1">
-                <a:effectLst/>
-                <a:latin typeface="Consolas" panose="020B0609020204030204" pitchFamily="49" charset="0"/>
-              </a:rPr>
-              <a:t>(</a:t>
-            </a:r>
-            <a:r>
-              <a:rPr lang="de-DE" sz="1200" i="1">
-                <a:effectLst/>
-                <a:latin typeface="Consolas" panose="020B0609020204030204" pitchFamily="49" charset="0"/>
-              </a:rPr>
-              <a:t>'display.max_rows</a:t>
-            </a:r>
-            <a:r>
-              <a:rPr lang="de-DE" sz="1200">
-                <a:effectLst/>
-                <a:latin typeface="Consolas" panose="020B0609020204030204" pitchFamily="49" charset="0"/>
-              </a:rPr>
-              <a:t>', </a:t>
-            </a:r>
-            <a:r>
-              <a:rPr lang="de-DE" sz="1200" i="1">
-                <a:effectLst/>
-                <a:latin typeface="Consolas" panose="020B0609020204030204" pitchFamily="49" charset="0"/>
-              </a:rPr>
-              <a:t>4</a:t>
-            </a:r>
-            <a:r>
-              <a:rPr lang="de-DE" sz="1200" b="1">
-                <a:effectLst/>
-                <a:latin typeface="Consolas" panose="020B0609020204030204" pitchFamily="49" charset="0"/>
-              </a:rPr>
-              <a:t>):</a:t>
-            </a:r>
-          </a:p>
-          <a:p>
-            <a:pPr>
-              <a:lnSpc>
-                <a:spcPts val="1800"/>
-              </a:lnSpc>
-            </a:pPr>
-            <a:r>
-              <a:rPr lang="de-DE" sz="1200"/>
-              <a:t>       only sets options within the „with“ codeblock</a:t>
-            </a:r>
-          </a:p>
-          <a:p>
-            <a:pPr>
-              <a:lnSpc>
-                <a:spcPts val="1800"/>
-              </a:lnSpc>
-            </a:pPr>
-            <a:r>
-              <a:rPr lang="en-US" sz="1200" b="1">
-                <a:hlinkClick r:id="rId31"/>
-              </a:rPr>
-              <a:t>Style options </a:t>
-            </a:r>
-            <a:r>
-              <a:rPr lang="en-US" sz="1200" b="1"/>
-              <a:t>for DataFrames </a:t>
-            </a:r>
-            <a:r>
-              <a:rPr lang="en-US" sz="1200"/>
-              <a:t>(Cell highlighting, heatmapping ..)</a:t>
-            </a:r>
-            <a:endParaRPr lang="de-DE" sz="1200" b="0">
-              <a:effectLst/>
-            </a:endParaRPr>
-          </a:p>
-        </p:txBody>
-      </p:sp>
-      <p:sp>
-        <p:nvSpPr>
-          <p:cNvPr id="95" name="TextBox 82">
-            <a:extLst>
-              <a:ext uri="{FF2B5EF4-FFF2-40B4-BE49-F238E27FC236}">
-                <a16:creationId xmlns:a16="http://schemas.microsoft.com/office/drawing/2014/main" id="{2A432411-87C0-4B2C-BA6E-984FD94A586A}"/>
-              </a:ext>
-            </a:extLst>
-          </p:cNvPr>
-          <p:cNvSpPr txBox="1"/>
-          <p:nvPr/>
-        </p:nvSpPr>
-        <p:spPr>
-          <a:xfrm>
-            <a:off x="318347" y="632426"/>
-            <a:ext cx="1662853" cy="767774"/>
-          </a:xfrm>
-          <a:prstGeom prst="rect">
-            <a:avLst/>
-          </a:prstGeom>
-          <a:noFill/>
-        </p:spPr>
-        <p:txBody>
-          <a:bodyPr wrap="square" rtlCol="0">
-            <a:spAutoFit/>
-          </a:bodyPr>
-          <a:lstStyle/>
-          <a:p>
-            <a:pPr>
-              <a:lnSpc>
-                <a:spcPts val="1800"/>
-              </a:lnSpc>
-            </a:pPr>
-            <a:r>
-              <a:rPr lang="de-DE" sz="1200" b="1"/>
-              <a:t>Pandas </a:t>
-            </a:r>
-            <a:r>
-              <a:rPr lang="de-DE" sz="1200" b="1">
-                <a:hlinkClick r:id="rId32"/>
-              </a:rPr>
-              <a:t>API Reference</a:t>
-            </a:r>
-            <a:br>
-              <a:rPr lang="de-DE" sz="1200" b="1"/>
-            </a:br>
-            <a:r>
-              <a:rPr lang="de-DE" sz="1200" b="1"/>
-              <a:t>Pandas </a:t>
-            </a:r>
-            <a:r>
-              <a:rPr lang="de-DE" sz="1200" b="1">
-                <a:hlinkClick r:id="rId33"/>
-              </a:rPr>
-              <a:t>User Guide</a:t>
-            </a:r>
-            <a:endParaRPr lang="en-US" sz="1200"/>
-          </a:p>
-          <a:p>
-            <a:pPr>
-              <a:lnSpc>
-                <a:spcPts val="1800"/>
-              </a:lnSpc>
-            </a:pPr>
-            <a:r>
-              <a:rPr lang="de-DE" sz="1200" b="1"/>
-              <a:t>	</a:t>
-            </a:r>
-          </a:p>
-        </p:txBody>
-      </p:sp>
-      <p:sp>
-        <p:nvSpPr>
-          <p:cNvPr id="99" name="Rounded Rectangle 33">
-            <a:extLst>
-              <a:ext uri="{FF2B5EF4-FFF2-40B4-BE49-F238E27FC236}">
-                <a16:creationId xmlns:a16="http://schemas.microsoft.com/office/drawing/2014/main" id="{D7842E87-1119-4819-A3E9-16C6975AD16F}"/>
+                <a16:creationId xmlns:a16="http://schemas.microsoft.com/office/drawing/2014/main" id="{9D99A3F5-C570-48DC-ABD3-8B37570D4155}"/>
               </a:ext>
             </a:extLst>
           </p:cNvPr>
@@ -13658,8 +17200,8 @@
         </p:nvSpPr>
         <p:spPr>
           <a:xfrm>
-            <a:off x="3855840" y="115595"/>
-            <a:ext cx="10074507" cy="423293"/>
+            <a:off x="7183795" y="5399460"/>
+            <a:ext cx="3369452" cy="423293"/>
           </a:xfrm>
           <a:prstGeom prst="roundRect">
             <a:avLst/>
@@ -13687,23 +17229,107 @@
           <a:p>
             <a:pPr algn="ctr"/>
             <a:r>
-              <a:rPr lang="en-US" sz="2800" b="1">
+              <a:rPr lang="en-US" sz="2000" b="1">
                 <a:solidFill>
                   <a:schemeClr val="bg1"/>
                 </a:solidFill>
-              </a:rPr>
-              <a:t>Display &amp; Visualize data</a:t>
-            </a:r>
-            <a:endParaRPr lang="en-US" sz="1800" dirty="0"/>
+                <a:hlinkClick r:id="rId3">
+                  <a:extLst>
+                    <a:ext uri="{A12FA001-AC4F-418D-AE19-62706E023703}">
+                      <ahyp:hlinkClr xmlns:ahyp="http://schemas.microsoft.com/office/drawing/2018/hyperlinkcolor" val="tx"/>
+                    </a:ext>
+                  </a:extLst>
+                </a:hlinkClick>
+              </a:rPr>
+              <a:t>Subset Variables</a:t>
+            </a:r>
+            <a:r>
+              <a:rPr lang="en-US" sz="2000" b="1">
+                <a:solidFill>
+                  <a:schemeClr val="bg1"/>
+                </a:solidFill>
+              </a:rPr>
+              <a:t> - columns</a:t>
+            </a:r>
+            <a:endParaRPr lang="en-US" sz="2000" dirty="0"/>
           </a:p>
         </p:txBody>
       </p:sp>
       <p:sp>
         <p:nvSpPr>
-          <p:cNvPr id="100" name="TextBox 82">
+          <p:cNvPr id="135" name="Rounded Rectangle 77">
             <a:extLst>
               <a:ext uri="{FF2B5EF4-FFF2-40B4-BE49-F238E27FC236}">
-                <a16:creationId xmlns:a16="http://schemas.microsoft.com/office/drawing/2014/main" id="{4E3CF32A-17CA-465C-ADB5-DEF392595868}"/>
+                <a16:creationId xmlns:a16="http://schemas.microsoft.com/office/drawing/2014/main" id="{7DEE9750-25FE-4E54-B704-E0848A55B30A}"/>
+              </a:ext>
+            </a:extLst>
+          </p:cNvPr>
+          <p:cNvSpPr/>
+          <p:nvPr/>
+        </p:nvSpPr>
+        <p:spPr>
+          <a:xfrm>
+            <a:off x="10631717" y="5399459"/>
+            <a:ext cx="3297241" cy="423293"/>
+          </a:xfrm>
+          <a:prstGeom prst="roundRect">
+            <a:avLst/>
+          </a:prstGeom>
+        </p:spPr>
+        <p:style>
+          <a:lnRef idx="2">
+            <a:schemeClr val="accent1">
+              <a:shade val="50000"/>
+            </a:schemeClr>
+          </a:lnRef>
+          <a:fillRef idx="1">
+            <a:schemeClr val="accent1"/>
+          </a:fillRef>
+          <a:effectRef idx="0">
+            <a:schemeClr val="accent1"/>
+          </a:effectRef>
+          <a:fontRef idx="minor">
+            <a:schemeClr val="lt1"/>
+          </a:fontRef>
+        </p:style>
+        <p:txBody>
+          <a:bodyPr rtlCol="0" anchor="ctr"/>
+          <a:lstStyle/>
+          <a:p>
+            <a:pPr algn="ctr"/>
+            <a:r>
+              <a:rPr lang="en-US" sz="2000" b="1">
+                <a:solidFill>
+                  <a:schemeClr val="bg1"/>
+                </a:solidFill>
+                <a:hlinkClick r:id="rId3">
+                  <a:extLst>
+                    <a:ext uri="{A12FA001-AC4F-418D-AE19-62706E023703}">
+                      <ahyp:hlinkClr xmlns:ahyp="http://schemas.microsoft.com/office/drawing/2018/hyperlinkcolor" val="tx"/>
+                    </a:ext>
+                  </a:extLst>
+                </a:hlinkClick>
+              </a:rPr>
+              <a:t>Subsets</a:t>
+            </a:r>
+            <a:r>
+              <a:rPr lang="en-US" sz="2000" b="1">
+                <a:solidFill>
+                  <a:schemeClr val="bg1"/>
+                </a:solidFill>
+              </a:rPr>
+              <a:t> - rows and columns</a:t>
+            </a:r>
+            <a:endParaRPr lang="en-US" sz="2000" dirty="0"/>
+          </a:p>
+        </p:txBody>
+      </p:sp>
+      <p:sp>
+        <p:nvSpPr>
+          <p:cNvPr id="136" name="TextBox 88">
+            <a:extLst>
+              <a:ext uri="{FF2B5EF4-FFF2-40B4-BE49-F238E27FC236}">
+                <a16:creationId xmlns:a16="http://schemas.microsoft.com/office/drawing/2014/main" id="{3A13955A-3755-41F3-BC06-155E2C841128}"/>
               </a:ext>
             </a:extLst>
           </p:cNvPr>
@@ -13712,8 +17338,8 @@
         </p:nvSpPr>
         <p:spPr>
           <a:xfrm>
-            <a:off x="7850695" y="502120"/>
-            <a:ext cx="3691389" cy="1015663"/>
+            <a:off x="10593385" y="5823912"/>
+            <a:ext cx="3420025" cy="830997"/>
           </a:xfrm>
           <a:prstGeom prst="rect">
             <a:avLst/>
@@ -13727,81 +17353,78 @@
           <a:lstStyle/>
           <a:p>
             <a:r>
+              <a:rPr lang="en-US" sz="1200"/>
+              <a:t>Use </a:t>
+            </a:r>
+            <a:r>
               <a:rPr lang="en-US" sz="1200" b="1">
-                <a:hlinkClick r:id="rId34"/>
-              </a:rPr>
-              <a:t>Visualize Data</a:t>
-            </a:r>
-            <a:r>
-              <a:rPr lang="en-US" sz="1200" b="1"/>
-              <a:t> in plots</a:t>
+                <a:latin typeface="Consolas" panose="020B0609020204030204" pitchFamily="49" charset="0"/>
+              </a:rPr>
+              <a:t>df.loc[]</a:t>
+            </a:r>
+            <a:r>
+              <a:rPr lang="en-US" sz="1200">
+                <a:latin typeface="Consolas" panose="020B0609020204030204" pitchFamily="49" charset="0"/>
+              </a:rPr>
+              <a:t> </a:t>
+            </a:r>
+            <a:r>
+              <a:rPr lang="en-US" sz="1200"/>
+              <a:t>and </a:t>
+            </a:r>
+            <a:r>
+              <a:rPr lang="en-US" sz="1200" b="1">
+                <a:latin typeface="Consolas" panose="020B0609020204030204" pitchFamily="49" charset="0"/>
+              </a:rPr>
+              <a:t>df.iloc[]</a:t>
+            </a:r>
+            <a:r>
+              <a:rPr lang="en-US" sz="1200">
+                <a:latin typeface="Consolas" panose="020B0609020204030204" pitchFamily="49" charset="0"/>
+              </a:rPr>
+              <a:t> </a:t>
+            </a:r>
+            <a:r>
+              <a:rPr lang="en-US" sz="1200"/>
+              <a:t>to select only rows, only columns or both.</a:t>
             </a:r>
             <a:br>
-              <a:rPr lang="en-US" sz="1200" b="1"/>
+              <a:rPr lang="en-US" sz="1200"/>
             </a:br>
             <a:r>
+              <a:rPr lang="en-US" sz="1200"/>
+              <a:t>Use </a:t>
+            </a:r>
+            <a:r>
               <a:rPr lang="en-US" sz="1200" b="1">
                 <a:latin typeface="Consolas" panose="020B0609020204030204" pitchFamily="49" charset="0"/>
               </a:rPr>
-              <a:t>df.</a:t>
+              <a:t>df.at[] </a:t>
+            </a:r>
+            <a:r>
+              <a:rPr lang="en-US" sz="1200"/>
+              <a:t>and </a:t>
             </a:r>
             <a:r>
               <a:rPr lang="en-US" sz="1200" b="1">
                 <a:latin typeface="Consolas" panose="020B0609020204030204" pitchFamily="49" charset="0"/>
-                <a:hlinkClick r:id="rId35"/>
-              </a:rPr>
-              <a:t>plot</a:t>
-            </a:r>
-            <a:r>
-              <a:rPr lang="en-US" sz="1200" b="1">
-                <a:latin typeface="Consolas" panose="020B0609020204030204" pitchFamily="49" charset="0"/>
-              </a:rPr>
-              <a:t>.hist()</a:t>
-            </a:r>
-          </a:p>
-          <a:p>
-            <a:pPr marL="111125"/>
+              </a:rPr>
+              <a:t>df.iat[] </a:t>
+            </a:r>
             <a:r>
               <a:rPr lang="en-US" sz="1200"/>
-              <a:t>Histogram for each column</a:t>
-            </a:r>
-          </a:p>
-          <a:p>
-            <a:r>
-              <a:rPr lang="en-US" sz="1200" b="1">
-                <a:latin typeface="Consolas" panose="020B0609020204030204" pitchFamily="49" charset="0"/>
-              </a:rPr>
-              <a:t>df.</a:t>
-            </a:r>
-            <a:r>
-              <a:rPr lang="en-US" sz="1200" b="1">
-                <a:latin typeface="Consolas" panose="020B0609020204030204" pitchFamily="49" charset="0"/>
-                <a:hlinkClick r:id="rId35"/>
-              </a:rPr>
-              <a:t>plot</a:t>
-            </a:r>
-            <a:r>
-              <a:rPr lang="en-US" sz="1200" b="1">
-                <a:latin typeface="Consolas" panose="020B0609020204030204" pitchFamily="49" charset="0"/>
-              </a:rPr>
-              <a:t>.scatter(x='w',y='h')</a:t>
-            </a:r>
-          </a:p>
-          <a:p>
-            <a:pPr marL="111125"/>
-            <a:r>
-              <a:rPr lang="en-US" sz="1200"/>
-              <a:t>Scatter chart using pairs of points</a:t>
-            </a:r>
+              <a:t>to access a single value by row and column.</a:t>
+            </a:r>
+            <a:endParaRPr lang="en-US" sz="1200" dirty="0"/>
           </a:p>
         </p:txBody>
       </p:sp>
       <p:sp>
         <p:nvSpPr>
-          <p:cNvPr id="101" name="TextBox 81">
+          <p:cNvPr id="138" name="TextBox 19">
             <a:extLst>
               <a:ext uri="{FF2B5EF4-FFF2-40B4-BE49-F238E27FC236}">
-                <a16:creationId xmlns:a16="http://schemas.microsoft.com/office/drawing/2014/main" id="{807F4C20-E621-41F0-A32F-40A1D89E07FA}"/>
+                <a16:creationId xmlns:a16="http://schemas.microsoft.com/office/drawing/2014/main" id="{FCA29DAE-0ACA-47D4-ADA7-E2C56E817316}"/>
               </a:ext>
             </a:extLst>
           </p:cNvPr>
@@ -13810,8 +17433,8 @@
         </p:nvSpPr>
         <p:spPr>
           <a:xfrm>
-            <a:off x="10640253" y="610673"/>
-            <a:ext cx="2856672" cy="1836400"/>
+            <a:off x="7539038" y="10618708"/>
+            <a:ext cx="6710362" cy="215444"/>
           </a:xfrm>
           <a:prstGeom prst="rect">
             <a:avLst/>
@@ -13825,316 +17448,40 @@
           <a:lstStyle/>
           <a:p>
             <a:r>
-              <a:rPr lang="en-US" sz="1200" b="1">
-                <a:latin typeface="Consolas" panose="020B0609020204030204" pitchFamily="49" charset="0"/>
-              </a:rPr>
-              <a:t>df.plotting.</a:t>
-            </a:r>
-            <a:r>
-              <a:rPr lang="en-US" sz="1200" b="1">
-                <a:latin typeface="Consolas" panose="020B0609020204030204" pitchFamily="49" charset="0"/>
-                <a:hlinkClick r:id="rId36"/>
-              </a:rPr>
-              <a:t>scatter_matrix</a:t>
-            </a:r>
-            <a:r>
-              <a:rPr lang="en-US" sz="1200" b="1">
-                <a:latin typeface="Consolas" panose="020B0609020204030204" pitchFamily="49" charset="0"/>
-              </a:rPr>
-              <a:t>() </a:t>
-            </a:r>
-            <a:br>
-              <a:rPr lang="en-US" sz="1200">
-                <a:latin typeface="Consolas" panose="020B0609020204030204" pitchFamily="49" charset="0"/>
-              </a:rPr>
-            </a:br>
-            <a:r>
-              <a:rPr lang="en-US" sz="1200">
-                <a:latin typeface="Consolas" panose="020B0609020204030204" pitchFamily="49" charset="0"/>
-              </a:rPr>
-              <a:t> </a:t>
-            </a:r>
-            <a:r>
-              <a:rPr lang="en-US" sz="1200"/>
-              <a:t>Matrix of scatter plots and histograms</a:t>
-            </a:r>
-            <a:br>
-              <a:rPr lang="en-US" sz="1200"/>
-            </a:br>
-            <a:r>
-              <a:rPr lang="en-US" sz="1200"/>
-              <a:t>   (for </a:t>
-            </a:r>
-            <a:r>
-              <a:rPr lang="en-US" sz="1200" u="sng"/>
-              <a:t>regression</a:t>
-            </a:r>
-            <a:r>
-              <a:rPr lang="en-US" sz="1200"/>
-              <a:t>)</a:t>
-            </a:r>
-            <a:endParaRPr lang="en-US" sz="1200" b="1"/>
-          </a:p>
-          <a:p>
-            <a:pPr>
-              <a:lnSpc>
-                <a:spcPts val="1600"/>
-              </a:lnSpc>
-            </a:pPr>
-            <a:r>
-              <a:rPr lang="en-US" sz="1200" b="1">
-                <a:latin typeface="Consolas" panose="020B0609020204030204" pitchFamily="49" charset="0"/>
-              </a:rPr>
-              <a:t>seaborn.</a:t>
-            </a:r>
-            <a:r>
-              <a:rPr lang="en-US" sz="1200" b="1">
-                <a:latin typeface="Consolas" panose="020B0609020204030204" pitchFamily="49" charset="0"/>
-                <a:hlinkClick r:id="rId37"/>
-              </a:rPr>
-              <a:t>pairplot</a:t>
-            </a:r>
-            <a:r>
-              <a:rPr lang="en-US" sz="1200" b="1">
-                <a:latin typeface="Consolas" panose="020B0609020204030204" pitchFamily="49" charset="0"/>
-              </a:rPr>
-              <a:t>(df,</a:t>
-            </a:r>
-            <a:br>
-              <a:rPr lang="en-US" sz="1200" b="1">
-                <a:latin typeface="Consolas" panose="020B0609020204030204" pitchFamily="49" charset="0"/>
-              </a:rPr>
-            </a:br>
-            <a:r>
-              <a:rPr lang="en-US" sz="1200" b="1">
-                <a:latin typeface="Consolas" panose="020B0609020204030204" pitchFamily="49" charset="0"/>
-              </a:rPr>
-              <a:t>  hue=‘</a:t>
-            </a:r>
-            <a:r>
-              <a:rPr lang="en-US" sz="1200" i="1">
-                <a:latin typeface="Consolas" panose="020B0609020204030204" pitchFamily="49" charset="0"/>
-              </a:rPr>
-              <a:t>column_name</a:t>
-            </a:r>
-            <a:r>
-              <a:rPr lang="en-US" sz="1200" b="1">
-                <a:latin typeface="Consolas" panose="020B0609020204030204" pitchFamily="49" charset="0"/>
-              </a:rPr>
-              <a:t>’)</a:t>
-            </a:r>
-          </a:p>
-          <a:p>
-            <a:pPr>
-              <a:lnSpc>
-                <a:spcPts val="1600"/>
-              </a:lnSpc>
-            </a:pPr>
-            <a:r>
-              <a:rPr lang="en-US" sz="1200" b="1"/>
-              <a:t>   </a:t>
-            </a:r>
-            <a:r>
-              <a:rPr lang="en-US" sz="1200"/>
-              <a:t>Matrix of pairwise relationship</a:t>
-            </a:r>
-            <a:br>
-              <a:rPr lang="en-US" sz="1200"/>
-            </a:br>
-            <a:r>
-              <a:rPr lang="en-US" sz="1200"/>
-              <a:t>   (for </a:t>
-            </a:r>
-            <a:r>
-              <a:rPr lang="en-US" sz="1200" u="sng"/>
-              <a:t>classification</a:t>
-            </a:r>
-            <a:r>
-              <a:rPr lang="en-US" sz="1200"/>
-              <a:t>)</a:t>
-            </a:r>
-          </a:p>
-          <a:p>
-            <a:br>
-              <a:rPr lang="en-US" sz="1200"/>
-            </a:br>
-            <a:endParaRPr lang="en-US" sz="1200"/>
-          </a:p>
-        </p:txBody>
-      </p:sp>
-      <p:pic>
-        <p:nvPicPr>
-          <p:cNvPr id="103" name="Picture 43">
-            <a:extLst>
-              <a:ext uri="{FF2B5EF4-FFF2-40B4-BE49-F238E27FC236}">
-                <a16:creationId xmlns:a16="http://schemas.microsoft.com/office/drawing/2014/main" id="{2807AA6F-59FA-4BB2-AD8B-680643E8ACC3}"/>
-              </a:ext>
-            </a:extLst>
-          </p:cNvPr>
-          <p:cNvPicPr>
-            <a:picLocks noChangeAspect="1"/>
-          </p:cNvPicPr>
-          <p:nvPr/>
-        </p:nvPicPr>
-        <p:blipFill>
-          <a:blip r:embed="rId38"/>
-          <a:stretch>
-            <a:fillRect/>
-          </a:stretch>
-        </p:blipFill>
-        <p:spPr>
-          <a:xfrm>
-            <a:off x="9819755" y="645238"/>
-            <a:ext cx="692025" cy="381260"/>
-          </a:xfrm>
-          <a:prstGeom prst="rect">
-            <a:avLst/>
-          </a:prstGeom>
-        </p:spPr>
-      </p:pic>
-      <p:pic>
-        <p:nvPicPr>
-          <p:cNvPr id="104" name="Picture 44">
-            <a:extLst>
-              <a:ext uri="{FF2B5EF4-FFF2-40B4-BE49-F238E27FC236}">
-                <a16:creationId xmlns:a16="http://schemas.microsoft.com/office/drawing/2014/main" id="{EED5DD87-75D4-436C-9266-B47AFE4F2B5A}"/>
-              </a:ext>
-            </a:extLst>
-          </p:cNvPr>
-          <p:cNvPicPr>
-            <a:picLocks noChangeAspect="1"/>
-          </p:cNvPicPr>
-          <p:nvPr/>
-        </p:nvPicPr>
-        <p:blipFill>
-          <a:blip r:embed="rId39"/>
-          <a:stretch>
-            <a:fillRect/>
-          </a:stretch>
-        </p:blipFill>
-        <p:spPr>
-          <a:xfrm>
-            <a:off x="9793908" y="1500437"/>
-            <a:ext cx="748242" cy="453778"/>
-          </a:xfrm>
-          <a:prstGeom prst="rect">
-            <a:avLst/>
-          </a:prstGeom>
-        </p:spPr>
-      </p:pic>
-      <p:pic>
-        <p:nvPicPr>
-          <p:cNvPr id="23" name="Grafik 22">
-            <a:extLst>
-              <a:ext uri="{FF2B5EF4-FFF2-40B4-BE49-F238E27FC236}">
-                <a16:creationId xmlns:a16="http://schemas.microsoft.com/office/drawing/2014/main" id="{10047C35-5C2C-44D2-B5B2-82F6ECA591C4}"/>
-              </a:ext>
-            </a:extLst>
-          </p:cNvPr>
-          <p:cNvPicPr>
-            <a:picLocks noChangeAspect="1"/>
-          </p:cNvPicPr>
-          <p:nvPr/>
-        </p:nvPicPr>
-        <p:blipFill>
-          <a:blip r:embed="rId40"/>
-          <a:stretch>
-            <a:fillRect/>
-          </a:stretch>
-        </p:blipFill>
-        <p:spPr>
-          <a:xfrm>
-            <a:off x="13296681" y="734384"/>
-            <a:ext cx="591453" cy="488967"/>
-          </a:xfrm>
-          <a:prstGeom prst="rect">
-            <a:avLst/>
-          </a:prstGeom>
-        </p:spPr>
-      </p:pic>
-      <p:pic>
-        <p:nvPicPr>
-          <p:cNvPr id="25" name="Grafik 24">
-            <a:extLst>
-              <a:ext uri="{FF2B5EF4-FFF2-40B4-BE49-F238E27FC236}">
-                <a16:creationId xmlns:a16="http://schemas.microsoft.com/office/drawing/2014/main" id="{753472AA-C8D7-40FD-870A-97175B0227F7}"/>
-              </a:ext>
-            </a:extLst>
-          </p:cNvPr>
-          <p:cNvPicPr>
-            <a:picLocks noChangeAspect="1"/>
-          </p:cNvPicPr>
-          <p:nvPr/>
-        </p:nvPicPr>
-        <p:blipFill>
-          <a:blip r:embed="rId41"/>
-          <a:stretch>
-            <a:fillRect/>
-          </a:stretch>
-        </p:blipFill>
-        <p:spPr>
-          <a:xfrm>
-            <a:off x="13290057" y="1370936"/>
-            <a:ext cx="630692" cy="577128"/>
-          </a:xfrm>
-          <a:prstGeom prst="rect">
-            <a:avLst/>
-          </a:prstGeom>
-        </p:spPr>
-      </p:pic>
-      <p:sp>
-        <p:nvSpPr>
-          <p:cNvPr id="107" name="TextBox 19">
-            <a:extLst>
-              <a:ext uri="{FF2B5EF4-FFF2-40B4-BE49-F238E27FC236}">
-                <a16:creationId xmlns:a16="http://schemas.microsoft.com/office/drawing/2014/main" id="{9EA6DCA8-69F0-4D50-9EAB-14B887527A9B}"/>
-              </a:ext>
-            </a:extLst>
-          </p:cNvPr>
-          <p:cNvSpPr txBox="1"/>
-          <p:nvPr/>
-        </p:nvSpPr>
-        <p:spPr>
-          <a:xfrm>
-            <a:off x="7875270" y="10618708"/>
-            <a:ext cx="6412230" cy="215444"/>
-          </a:xfrm>
-          <a:prstGeom prst="rect">
-            <a:avLst/>
-          </a:prstGeom>
-          <a:noFill/>
-        </p:spPr>
-        <p:txBody>
-          <a:bodyPr wrap="square" rtlCol="0">
-            <a:spAutoFit/>
-          </a:bodyPr>
-          <a:lstStyle/>
-          <a:p>
-            <a:r>
               <a:rPr lang="en-US" sz="800"/>
               <a:t>Cheatsheet for pandas (</a:t>
             </a:r>
             <a:r>
               <a:rPr lang="en-US" sz="800">
-                <a:hlinkClick r:id="rId42"/>
+                <a:hlinkClick r:id="rId36"/>
               </a:rPr>
               <a:t>http</a:t>
             </a:r>
             <a:r>
               <a:rPr lang="en-US" sz="800" dirty="0">
-                <a:hlinkClick r:id="rId42"/>
-              </a:rPr>
-              <a:t>://pandas.pydata.org</a:t>
+                <a:hlinkClick r:id="rId36"/>
+              </a:rPr>
+              <a:t>://pandas.pydata.</a:t>
             </a:r>
             <a:r>
               <a:rPr lang="en-US" sz="800">
-                <a:hlinkClick r:id="rId42"/>
-              </a:rPr>
-              <a:t>/</a:t>
+                <a:hlinkClick r:id="rId36"/>
+              </a:rPr>
+              <a:t>org/</a:t>
             </a:r>
             <a:r>
               <a:rPr lang="en-US" sz="800"/>
-              <a:t> ) inspired </a:t>
+              <a:t> originally written by Irv Lustig, </a:t>
+            </a:r>
+            <a:r>
+              <a:rPr lang="en-US" sz="800">
+                <a:hlinkClick r:id="rId37"/>
+              </a:rPr>
+              <a:t>Princeton Consultants</a:t>
+            </a:r>
+            <a:r>
+              <a:rPr lang="en-US" sz="800"/>
+              <a:t>,  inspired </a:t>
             </a:r>
             <a:r>
               <a:rPr lang="en-US" sz="800" dirty="0"/>
@@ -14142,110 +17489,23 @@
             </a:r>
             <a:r>
               <a:rPr lang="en-US" sz="800" dirty="0" err="1">
-                <a:hlinkClick r:id="rId43"/>
+                <a:hlinkClick r:id="rId38"/>
               </a:rPr>
               <a:t>Rstudio</a:t>
             </a:r>
             <a:r>
               <a:rPr lang="en-US" sz="800" dirty="0">
-                <a:hlinkClick r:id="rId43"/>
-              </a:rPr>
-              <a:t> Data Wrangling </a:t>
-            </a:r>
-            <a:r>
-              <a:rPr lang="en-US" sz="800" err="1">
-                <a:hlinkClick r:id="rId43"/>
-              </a:rPr>
-              <a:t>Cheatsheet</a:t>
+                <a:hlinkClick r:id="rId38"/>
+              </a:rPr>
+              <a:t> Data </a:t>
             </a:r>
             <a:r>
               <a:rPr lang="en-US" sz="800">
-                <a:hlinkClick r:id="rId43"/>
-              </a:rPr>
-              <a:t> </a:t>
-            </a:r>
-            <a:r>
-              <a:rPr lang="en-US" sz="800"/>
-              <a:t>written </a:t>
-            </a:r>
-            <a:r>
-              <a:rPr lang="en-US" sz="800" dirty="0"/>
-              <a:t>by Irv Lustig, </a:t>
-            </a:r>
-            <a:r>
-              <a:rPr lang="en-US" sz="800">
-                <a:hlinkClick r:id="rId44"/>
-              </a:rPr>
-              <a:t>Princeton Consultants</a:t>
+                <a:hlinkClick r:id="rId38"/>
+              </a:rPr>
+              <a:t>Wrangling Cheatsheet</a:t>
             </a:r>
             <a:endParaRPr lang="en-US" sz="800" dirty="0"/>
-          </a:p>
-        </p:txBody>
-      </p:sp>
-      <p:sp>
-        <p:nvSpPr>
-          <p:cNvPr id="55" name="TextBox 82">
-            <a:extLst>
-              <a:ext uri="{FF2B5EF4-FFF2-40B4-BE49-F238E27FC236}">
-                <a16:creationId xmlns:a16="http://schemas.microsoft.com/office/drawing/2014/main" id="{F6F73857-B4A6-40B1-93F3-56B3DAC114AE}"/>
-              </a:ext>
-            </a:extLst>
-          </p:cNvPr>
-          <p:cNvSpPr txBox="1"/>
-          <p:nvPr/>
-        </p:nvSpPr>
-        <p:spPr>
-          <a:xfrm>
-            <a:off x="1879615" y="631408"/>
-            <a:ext cx="1847753" cy="767774"/>
-          </a:xfrm>
-          <a:prstGeom prst="rect">
-            <a:avLst/>
-          </a:prstGeom>
-          <a:noFill/>
-        </p:spPr>
-        <p:txBody>
-          <a:bodyPr wrap="square" rtlCol="0">
-            <a:spAutoFit/>
-          </a:bodyPr>
-          <a:lstStyle/>
-          <a:p>
-            <a:pPr>
-              <a:lnSpc>
-                <a:spcPts val="1800"/>
-              </a:lnSpc>
-            </a:pPr>
-            <a:r>
-              <a:rPr lang="de-DE" sz="1200" b="1"/>
-              <a:t>Seaborn </a:t>
-            </a:r>
-            <a:r>
-              <a:rPr lang="de-DE" sz="1200" b="1">
-                <a:hlinkClick r:id="rId45"/>
-              </a:rPr>
-              <a:t>API Reference</a:t>
-            </a:r>
-          </a:p>
-          <a:p>
-            <a:pPr>
-              <a:lnSpc>
-                <a:spcPts val="1800"/>
-              </a:lnSpc>
-            </a:pPr>
-            <a:r>
-              <a:rPr lang="de-DE" sz="1200" b="1"/>
-              <a:t>Matplotlib </a:t>
-            </a:r>
-            <a:r>
-              <a:rPr lang="de-DE" sz="1200" b="1">
-                <a:hlinkClick r:id="rId46"/>
-              </a:rPr>
-              <a:t>API Reference </a:t>
-            </a:r>
-            <a:r>
-              <a:rPr lang="de-DE" sz="1200" b="1"/>
-              <a:t>	</a:t>
-            </a:r>
           </a:p>
         </p:txBody>
       </p:sp>
@@ -14553,7 +17813,7 @@
         <p:spPr>
           <a:xfrm>
             <a:off x="145643" y="653638"/>
-            <a:ext cx="4377986" cy="1938992"/>
+            <a:ext cx="4377986" cy="1569660"/>
           </a:xfrm>
           <a:prstGeom prst="rect">
             <a:avLst/>
@@ -14681,24 +17941,52 @@
               <a:t>df.</a:t>
             </a:r>
             <a:r>
-              <a:rPr lang="en-US" sz="1200" b="1" dirty="0" err="1">
+              <a:rPr lang="en-US" sz="1200" b="1" err="1">
                 <a:latin typeface="Consolas" panose="020B0609020204030204" pitchFamily="49" charset="0"/>
                 <a:hlinkClick r:id="rId6"/>
               </a:rPr>
               <a:t>describe</a:t>
             </a:r>
             <a:r>
-              <a:rPr lang="en-US" sz="1200" b="1" dirty="0">
-                <a:latin typeface="Consolas" panose="020B0609020204030204" pitchFamily="49" charset="0"/>
-              </a:rPr>
-              <a:t>()</a:t>
-            </a:r>
+              <a:rPr lang="en-US" sz="1200" b="1">
+                <a:latin typeface="Consolas" panose="020B0609020204030204" pitchFamily="49" charset="0"/>
+              </a:rPr>
+              <a:t>() </a:t>
+            </a:r>
+            <a:r>
+              <a:rPr lang="en-US" sz="1200"/>
+              <a:t>and</a:t>
+            </a:r>
+            <a:r>
+              <a:rPr lang="en-US" sz="1200" b="1">
+                <a:latin typeface="Consolas" panose="020B0609020204030204" pitchFamily="49" charset="0"/>
+              </a:rPr>
+              <a:t> df.</a:t>
+            </a:r>
+            <a:r>
+              <a:rPr lang="en-US" sz="1200" b="1">
+                <a:latin typeface="Consolas" panose="020B0609020204030204" pitchFamily="49" charset="0"/>
+                <a:hlinkClick r:id="rId7"/>
+              </a:rPr>
+              <a:t>shape</a:t>
+            </a:r>
+            <a:endParaRPr lang="en-US" sz="1200" b="1" dirty="0">
+              <a:latin typeface="Consolas" panose="020B0609020204030204" pitchFamily="49" charset="0"/>
+            </a:endParaRPr>
           </a:p>
           <a:p>
             <a:pPr marL="111125"/>
             <a:r>
               <a:rPr lang="en-US" sz="1200" dirty="0"/>
-              <a:t>Basic descriptive statistics for each column (or </a:t>
+              <a:t>Basic </a:t>
+            </a:r>
+            <a:r>
+              <a:rPr lang="en-US" sz="1200"/>
+              <a:t>descriptive and statistics </a:t>
+            </a:r>
+            <a:r>
+              <a:rPr lang="en-US" sz="1200" dirty="0"/>
+              <a:t>for each column (or </a:t>
             </a:r>
             <a:r>
               <a:rPr lang="en-US" sz="1200" err="1"/>
@@ -14707,31 +17995,6 @@
             <a:r>
               <a:rPr lang="en-US" sz="1200"/>
               <a:t>)</a:t>
-            </a:r>
-          </a:p>
-          <a:p>
-            <a:r>
-              <a:rPr lang="en-US" sz="1200" b="1">
-                <a:latin typeface="Consolas" panose="020B0609020204030204" pitchFamily="49" charset="0"/>
-              </a:rPr>
-              <a:t>df.</a:t>
-            </a:r>
-            <a:r>
-              <a:rPr lang="en-US" sz="1200" b="1">
-                <a:latin typeface="Consolas" panose="020B0609020204030204" pitchFamily="49" charset="0"/>
-                <a:hlinkClick r:id="rId7"/>
-              </a:rPr>
-              <a:t>shape</a:t>
-            </a:r>
-            <a:endParaRPr lang="en-US" sz="1200" b="1">
-              <a:latin typeface="Consolas" panose="020B0609020204030204" pitchFamily="49" charset="0"/>
-            </a:endParaRPr>
-          </a:p>
-          <a:p>
-            <a:pPr marL="177800"/>
-            <a:r>
-              <a:rPr lang="en-US" sz="1200"/>
-              <a:t>Length and width of dataset</a:t>
             </a:r>
           </a:p>
         </p:txBody>
@@ -14745,13 +18008,13 @@
           <p:nvPr>
             <p:extLst>
               <p:ext uri="{D42A27DB-BD31-4B8C-83A1-F6EECF244321}">
-                <p14:modId xmlns:p14="http://schemas.microsoft.com/office/powerpoint/2010/main" val="902710877"/>
+                <p14:modId xmlns:p14="http://schemas.microsoft.com/office/powerpoint/2010/main" val="3901964493"/>
               </p:ext>
             </p:extLst>
           </p:nvPr>
         </p:nvGraphicFramePr>
         <p:xfrm>
-          <a:off x="838910" y="2535985"/>
+          <a:off x="838910" y="2408985"/>
           <a:ext cx="1097280" cy="548640"/>
         </p:xfrm>
         <a:graphic>
@@ -15084,13 +18347,13 @@
           <p:nvPr>
             <p:extLst>
               <p:ext uri="{D42A27DB-BD31-4B8C-83A1-F6EECF244321}">
-                <p14:modId xmlns:p14="http://schemas.microsoft.com/office/powerpoint/2010/main" val="3131633281"/>
+                <p14:modId xmlns:p14="http://schemas.microsoft.com/office/powerpoint/2010/main" val="1860715592"/>
               </p:ext>
             </p:extLst>
           </p:nvPr>
         </p:nvGraphicFramePr>
         <p:xfrm>
-          <a:off x="2616518" y="2515922"/>
+          <a:off x="2616518" y="2388922"/>
           <a:ext cx="548640" cy="548640"/>
         </p:xfrm>
         <a:graphic>
@@ -15278,7 +18541,7 @@
         </p:nvCxnSpPr>
         <p:spPr>
           <a:xfrm>
-            <a:off x="2094814" y="2743469"/>
+            <a:off x="2094814" y="2667269"/>
             <a:ext cx="363152" cy="0"/>
           </a:xfrm>
           <a:prstGeom prst="straightConnector1">
@@ -15314,7 +18577,7 @@
         </p:nvSpPr>
         <p:spPr>
           <a:xfrm>
-            <a:off x="131415" y="3042363"/>
+            <a:off x="131415" y="3004263"/>
             <a:ext cx="4377986" cy="1015663"/>
           </a:xfrm>
           <a:prstGeom prst="rect">
@@ -23826,7 +27089,7 @@
         <p:spPr>
           <a:xfrm>
             <a:off x="2244755" y="6568594"/>
-            <a:ext cx="2479226" cy="1754326"/>
+            <a:ext cx="2479226" cy="1569660"/>
           </a:xfrm>
           <a:prstGeom prst="rect">
             <a:avLst/>
@@ -23972,22 +27235,6 @@
               <a:t>".</a:t>
             </a:r>
             <a:endParaRPr lang="en-US" sz="1200" dirty="0"/>
-          </a:p>
-          <a:p>
-            <a:r>
-              <a:rPr lang="en-US" sz="1200" i="1"/>
-              <a:t>Possibly use df.</a:t>
-            </a:r>
-            <a:r>
-              <a:rPr lang="en-US" sz="1200" i="1">
-                <a:hlinkClick r:id="rId32"/>
-              </a:rPr>
-              <a:t>reset_index() </a:t>
-            </a:r>
-            <a:r>
-              <a:rPr lang="en-US" sz="1200" i="1"/>
-              <a:t>after!</a:t>
-            </a:r>
           </a:p>
         </p:txBody>
       </p:sp>
@@ -24083,7 +27330,7 @@
             <a:r>
               <a:rPr lang="en-US" sz="1200" b="1" dirty="0">
                 <a:latin typeface="Consolas" panose="020B0609020204030204" pitchFamily="49" charset="0"/>
-                <a:hlinkClick r:id="rId33"/>
+                <a:hlinkClick r:id="rId32"/>
               </a:rPr>
               <a:t>clip</a:t>
             </a:r>
@@ -24150,7 +27397,7 @@
             <a:r>
               <a:rPr lang="en-US" sz="1200" b="1" dirty="0">
                 <a:latin typeface="Consolas" panose="020B0609020204030204" pitchFamily="49" charset="0"/>
-                <a:hlinkClick r:id="rId34"/>
+                <a:hlinkClick r:id="rId33"/>
               </a:rPr>
               <a:t>abs</a:t>
             </a:r>
@@ -24248,7 +27495,7 @@
                 <a:solidFill>
                   <a:schemeClr val="bg1"/>
                 </a:solidFill>
-                <a:hlinkClick r:id="rId35">
+                <a:hlinkClick r:id="rId34">
                   <a:extLst>
                     <a:ext uri="{A12FA001-AC4F-418D-AE19-62706E023703}">
                       <ahyp:hlinkClr xmlns:ahyp="http://schemas.microsoft.com/office/drawing/2018/hyperlinkcolor" val="tx"/>
@@ -24297,7 +27544,7 @@
             <a:r>
               <a:rPr lang="en-US" sz="1200" b="1" dirty="0" err="1">
                 <a:latin typeface="Consolas" panose="020B0609020204030204" pitchFamily="49" charset="0"/>
-                <a:hlinkClick r:id="rId36"/>
+                <a:hlinkClick r:id="rId35"/>
               </a:rPr>
               <a:t>expanding</a:t>
             </a:r>
@@ -24328,7 +27575,7 @@
             <a:r>
               <a:rPr lang="en-US" sz="1200" b="1" dirty="0" err="1">
                 <a:latin typeface="Consolas" panose="020B0609020204030204" pitchFamily="49" charset="0"/>
-                <a:hlinkClick r:id="rId37"/>
+                <a:hlinkClick r:id="rId36"/>
               </a:rPr>
               <a:t>rolling</a:t>
             </a:r>
@@ -24373,7 +27620,7 @@
             <a:r>
               <a:rPr lang="en-US" sz="1200" b="1" dirty="0">
                 <a:latin typeface="Consolas" panose="020B0609020204030204" pitchFamily="49" charset="0"/>
-                <a:hlinkClick r:id="rId38"/>
+                <a:hlinkClick r:id="rId37"/>
               </a:rPr>
               <a:t>size</a:t>
             </a:r>
@@ -24418,7 +27665,7 @@
             <a:r>
               <a:rPr lang="en-US" sz="1200" b="1" dirty="0" err="1">
                 <a:latin typeface="Consolas" panose="020B0609020204030204" pitchFamily="49" charset="0"/>
-                <a:hlinkClick r:id="rId39"/>
+                <a:hlinkClick r:id="rId38"/>
               </a:rPr>
               <a:t>agg</a:t>
             </a:r>
@@ -24491,7 +27738,7 @@
                 <a:solidFill>
                   <a:schemeClr val="bg1"/>
                 </a:solidFill>
-                <a:hlinkClick r:id="rId40">
+                <a:hlinkClick r:id="rId39">
                   <a:extLst>
                     <a:ext uri="{A12FA001-AC4F-418D-AE19-62706E023703}">
                       <ahyp:hlinkClr xmlns:ahyp="http://schemas.microsoft.com/office/drawing/2018/hyperlinkcolor" val="tx"/>
@@ -24540,7 +27787,7 @@
             <a:r>
               <a:rPr lang="en-US" sz="1200" b="1" dirty="0" err="1">
                 <a:latin typeface="Consolas" panose="020B0609020204030204" pitchFamily="49" charset="0"/>
-                <a:hlinkClick r:id="rId41"/>
+                <a:hlinkClick r:id="rId40"/>
               </a:rPr>
               <a:t>dropna</a:t>
             </a:r>
@@ -24567,7 +27814,7 @@
             <a:r>
               <a:rPr lang="en-US" sz="1200" b="1" dirty="0" err="1">
                 <a:latin typeface="Consolas" panose="020B0609020204030204" pitchFamily="49" charset="0"/>
-                <a:hlinkClick r:id="rId42"/>
+                <a:hlinkClick r:id="rId41"/>
               </a:rPr>
               <a:t>fillna</a:t>
             </a:r>
@@ -24589,10 +27836,10 @@
       </p:sp>
       <p:sp>
         <p:nvSpPr>
-          <p:cNvPr id="85" name="TextBox 82">
+          <p:cNvPr id="81" name="TextBox 19">
             <a:extLst>
               <a:ext uri="{FF2B5EF4-FFF2-40B4-BE49-F238E27FC236}">
-                <a16:creationId xmlns:a16="http://schemas.microsoft.com/office/drawing/2014/main" id="{1B166706-3E7D-4C7D-B693-7C86FB6F5332}"/>
+                <a16:creationId xmlns:a16="http://schemas.microsoft.com/office/drawing/2014/main" id="{E143DE1B-0EA6-483A-B68D-A2D31E60AA9A}"/>
               </a:ext>
             </a:extLst>
           </p:cNvPr>
@@ -24601,8 +27848,8 @@
         </p:nvSpPr>
         <p:spPr>
           <a:xfrm>
-            <a:off x="4619780" y="9572954"/>
-            <a:ext cx="4633919" cy="2002728"/>
+            <a:off x="7513638" y="10618708"/>
+            <a:ext cx="6710362" cy="215444"/>
           </a:xfrm>
           <a:prstGeom prst="rect">
             <a:avLst/>
@@ -24615,222 +27862,74 @@
           </a:bodyPr>
           <a:lstStyle/>
           <a:p>
-            <a:pPr>
-              <a:lnSpc>
-                <a:spcPts val="1800"/>
-              </a:lnSpc>
-            </a:pPr>
-            <a:r>
-              <a:rPr lang="de-DE" sz="1200" b="1">
-                <a:latin typeface="Consolas" panose="020B0609020204030204" pitchFamily="49" charset="0"/>
-              </a:rPr>
-              <a:t>df.</a:t>
-            </a:r>
-            <a:r>
-              <a:rPr lang="de-DE" sz="1200" b="1">
-                <a:latin typeface="Consolas" panose="020B0609020204030204" pitchFamily="49" charset="0"/>
+            <a:r>
+              <a:rPr lang="en-US" sz="800"/>
+              <a:t>Cheatsheet for pandas (</a:t>
+            </a:r>
+            <a:r>
+              <a:rPr lang="en-US" sz="800">
+                <a:hlinkClick r:id="rId42"/>
+              </a:rPr>
+              <a:t>http</a:t>
+            </a:r>
+            <a:r>
+              <a:rPr lang="en-US" sz="800" dirty="0">
+                <a:hlinkClick r:id="rId42"/>
+              </a:rPr>
+              <a:t>://pandas.pydata.</a:t>
+            </a:r>
+            <a:r>
+              <a:rPr lang="en-US" sz="800">
+                <a:hlinkClick r:id="rId42"/>
+              </a:rPr>
+              <a:t>org/</a:t>
+            </a:r>
+            <a:r>
+              <a:rPr lang="en-US" sz="800"/>
+              <a:t>) originally written by Irv Lustig, </a:t>
+            </a:r>
+            <a:r>
+              <a:rPr lang="en-US" sz="800">
                 <a:hlinkClick r:id="rId43"/>
               </a:rPr>
-              <a:t>pipe</a:t>
-            </a:r>
-            <a:r>
-              <a:rPr lang="de-DE" sz="1200" b="1">
-                <a:latin typeface="Consolas" panose="020B0609020204030204" pitchFamily="49" charset="0"/>
-              </a:rPr>
-              <a:t>() </a:t>
-            </a:r>
-            <a:r>
-              <a:rPr lang="de-DE" sz="1200"/>
-              <a:t>when chaining functions; tablewise fct. application</a:t>
-            </a:r>
-          </a:p>
-          <a:p>
-            <a:pPr>
-              <a:lnSpc>
-                <a:spcPts val="1800"/>
-              </a:lnSpc>
-            </a:pPr>
-            <a:r>
-              <a:rPr lang="de-DE" sz="1200" b="1">
-                <a:latin typeface="Consolas" panose="020B0609020204030204" pitchFamily="49" charset="0"/>
-              </a:rPr>
-              <a:t>df.</a:t>
-            </a:r>
-            <a:r>
-              <a:rPr lang="de-DE" sz="1200" b="1">
-                <a:latin typeface="Consolas" panose="020B0609020204030204" pitchFamily="49" charset="0"/>
+              <a:t>Princeton Consultants</a:t>
+            </a:r>
+            <a:r>
+              <a:rPr lang="en-US" sz="800"/>
+              <a:t>,  inspired </a:t>
+            </a:r>
+            <a:r>
+              <a:rPr lang="en-US" sz="800" dirty="0"/>
+              <a:t>by </a:t>
+            </a:r>
+            <a:r>
+              <a:rPr lang="en-US" sz="800" dirty="0" err="1">
                 <a:hlinkClick r:id="rId44"/>
               </a:rPr>
-              <a:t>apply</a:t>
-            </a:r>
-            <a:r>
-              <a:rPr lang="de-DE" sz="1200" b="1">
-                <a:latin typeface="Consolas" panose="020B0609020204030204" pitchFamily="49" charset="0"/>
-              </a:rPr>
-              <a:t>() </a:t>
-            </a:r>
-            <a:r>
-              <a:rPr lang="de-DE" sz="1200"/>
-              <a:t>row (axis=1) or column(axis=0) wise fct. application</a:t>
-            </a:r>
-          </a:p>
-          <a:p>
-            <a:pPr>
-              <a:lnSpc>
-                <a:spcPts val="1800"/>
-              </a:lnSpc>
-            </a:pPr>
-            <a:r>
-              <a:rPr lang="de-DE" sz="1200" b="1">
-                <a:latin typeface="Consolas" panose="020B0609020204030204" pitchFamily="49" charset="0"/>
-              </a:rPr>
-              <a:t>df.</a:t>
-            </a:r>
-            <a:r>
-              <a:rPr lang="de-DE" sz="1200" b="1">
-                <a:latin typeface="Consolas" panose="020B0609020204030204" pitchFamily="49" charset="0"/>
-                <a:hlinkClick r:id="rId45"/>
-              </a:rPr>
-              <a:t>agg</a:t>
-            </a:r>
-            <a:r>
-              <a:rPr lang="de-DE" sz="1200" b="1">
-                <a:latin typeface="Consolas" panose="020B0609020204030204" pitchFamily="49" charset="0"/>
-              </a:rPr>
-              <a:t>()</a:t>
-            </a:r>
-            <a:r>
-              <a:rPr lang="de-DE" sz="1200"/>
-              <a:t>and </a:t>
-            </a:r>
-            <a:r>
-              <a:rPr lang="de-DE" sz="1200" b="1">
-                <a:latin typeface="Consolas" panose="020B0609020204030204" pitchFamily="49" charset="0"/>
-              </a:rPr>
-              <a:t>df.</a:t>
-            </a:r>
-            <a:r>
-              <a:rPr lang="de-DE" sz="1200" b="1">
-                <a:latin typeface="Consolas" panose="020B0609020204030204" pitchFamily="49" charset="0"/>
-                <a:hlinkClick r:id="rId46"/>
-              </a:rPr>
-              <a:t>transform</a:t>
-            </a:r>
-            <a:r>
-              <a:rPr lang="de-DE" sz="1200" b="1">
-                <a:latin typeface="Consolas" panose="020B0609020204030204" pitchFamily="49" charset="0"/>
-              </a:rPr>
-              <a:t>()</a:t>
-            </a:r>
-            <a:r>
-              <a:rPr lang="de-DE" sz="1200"/>
-              <a:t> use multiple aggregating operations</a:t>
-            </a:r>
-          </a:p>
-          <a:p>
-            <a:pPr>
-              <a:lnSpc>
-                <a:spcPts val="1800"/>
-              </a:lnSpc>
-            </a:pPr>
-            <a:r>
-              <a:rPr lang="de-DE" sz="1200" b="1">
-                <a:latin typeface="Consolas" panose="020B0609020204030204" pitchFamily="49" charset="0"/>
-              </a:rPr>
-              <a:t>df.</a:t>
-            </a:r>
-            <a:r>
-              <a:rPr lang="de-DE" sz="1200" b="1">
-                <a:latin typeface="Consolas" panose="020B0609020204030204" pitchFamily="49" charset="0"/>
-                <a:hlinkClick r:id="rId47"/>
-              </a:rPr>
-              <a:t>assign</a:t>
-            </a:r>
-            <a:r>
-              <a:rPr lang="de-DE" sz="1200" b="1">
-                <a:latin typeface="Consolas" panose="020B0609020204030204" pitchFamily="49" charset="0"/>
-              </a:rPr>
-              <a:t>() </a:t>
-            </a:r>
-            <a:r>
-              <a:rPr lang="de-DE" sz="1200"/>
-              <a:t>assigns new columns to a df</a:t>
-            </a:r>
-            <a:br>
-              <a:rPr lang="de-DE" sz="1200"/>
-            </a:br>
-            <a:r>
-              <a:rPr lang="de-DE" sz="1200" b="1">
-                <a:latin typeface="Consolas" panose="020B0609020204030204" pitchFamily="49" charset="0"/>
-              </a:rPr>
-              <a:t>df.</a:t>
-            </a:r>
-            <a:r>
-              <a:rPr lang="de-DE" sz="1200" b="1">
-                <a:latin typeface="Consolas" panose="020B0609020204030204" pitchFamily="49" charset="0"/>
-                <a:hlinkClick r:id="rId48"/>
-              </a:rPr>
-              <a:t>applymap</a:t>
-            </a:r>
-            <a:r>
-              <a:rPr lang="de-DE" sz="1200" b="1">
-                <a:latin typeface="Consolas" panose="020B0609020204030204" pitchFamily="49" charset="0"/>
-              </a:rPr>
-              <a:t>() </a:t>
-            </a:r>
-            <a:r>
-              <a:rPr lang="de-DE" sz="1200"/>
-              <a:t>elementwise function application</a:t>
-            </a:r>
-            <a:endParaRPr lang="de-DE" sz="1200" b="1"/>
-          </a:p>
-          <a:p>
-            <a:pPr>
-              <a:lnSpc>
-                <a:spcPts val="1800"/>
-              </a:lnSpc>
-            </a:pPr>
-            <a:endParaRPr lang="de-DE" sz="1200" b="0">
-              <a:effectLst/>
-            </a:endParaRPr>
-          </a:p>
-          <a:p>
-            <a:pPr>
-              <a:lnSpc>
-                <a:spcPct val="150000"/>
-              </a:lnSpc>
-            </a:pPr>
-            <a:r>
-              <a:rPr lang="de-DE" sz="1200">
-                <a:solidFill>
-                  <a:srgbClr val="000000"/>
-                </a:solidFill>
-              </a:rPr>
-              <a:t>   </a:t>
-            </a:r>
-            <a:endParaRPr lang="de-DE" sz="1200" b="0">
-              <a:solidFill>
-                <a:srgbClr val="000000"/>
-              </a:solidFill>
-              <a:effectLst/>
-            </a:endParaRPr>
-          </a:p>
-          <a:p>
-            <a:pPr>
-              <a:lnSpc>
-                <a:spcPct val="150000"/>
-              </a:lnSpc>
-            </a:pPr>
-            <a:endParaRPr lang="en-US" sz="1200"/>
+              <a:t>Rstudio</a:t>
+            </a:r>
+            <a:r>
+              <a:rPr lang="en-US" sz="800" dirty="0">
+                <a:hlinkClick r:id="rId44"/>
+              </a:rPr>
+              <a:t> Data </a:t>
+            </a:r>
+            <a:r>
+              <a:rPr lang="en-US" sz="800">
+                <a:hlinkClick r:id="rId44"/>
+              </a:rPr>
+              <a:t>Wrangling Cheatsheet</a:t>
+            </a:r>
+            <a:endParaRPr lang="en-US" sz="800" dirty="0"/>
           </a:p>
         </p:txBody>
       </p:sp>
       <p:sp>
         <p:nvSpPr>
-          <p:cNvPr id="87" name="Rounded Rectangle 74">
+          <p:cNvPr id="82" name="Rounded Rectangle 80">
             <a:extLst>
               <a:ext uri="{FF2B5EF4-FFF2-40B4-BE49-F238E27FC236}">
-                <a16:creationId xmlns:a16="http://schemas.microsoft.com/office/drawing/2014/main" id="{D00A73FC-5A13-432C-A296-3EE5D237842B}"/>
+                <a16:creationId xmlns:a16="http://schemas.microsoft.com/office/drawing/2014/main" id="{92D9BBCD-A40C-4CB6-8D55-5C48AF79823B}"/>
               </a:ext>
             </a:extLst>
           </p:cNvPr>
@@ -24839,7 +27938,7 @@
         </p:nvSpPr>
         <p:spPr>
           <a:xfrm>
-            <a:off x="4587346" y="9183679"/>
+            <a:off x="4710593" y="9181163"/>
             <a:ext cx="4389120" cy="423293"/>
           </a:xfrm>
           <a:prstGeom prst="roundRect">
@@ -24868,11 +27967,11 @@
           <a:p>
             <a:pPr algn="ctr"/>
             <a:r>
-              <a:rPr lang="en-US" sz="2800" b="1">
+              <a:rPr lang="en-US" sz="2800" b="1" dirty="0">
                 <a:solidFill>
                   <a:schemeClr val="bg1"/>
                 </a:solidFill>
-                <a:hlinkClick r:id="rId49">
+                <a:hlinkClick r:id="rId45">
                   <a:extLst>
                     <a:ext uri="{A12FA001-AC4F-418D-AE19-62706E023703}">
                       <ahyp:hlinkClr xmlns:ahyp="http://schemas.microsoft.com/office/drawing/2018/hyperlinkcolor" val="tx"/>
@@ -24880,7 +27979,7 @@
                   </a:extLst>
                 </a:hlinkClick>
               </a:rPr>
-              <a:t>Apply Functions</a:t>
+              <a:t>Plotting</a:t>
             </a:r>
             <a:endParaRPr lang="en-US" sz="2683" dirty="0">
               <a:solidFill>
@@ -24892,10 +27991,10 @@
       </p:sp>
       <p:sp>
         <p:nvSpPr>
-          <p:cNvPr id="81" name="TextBox 19">
+          <p:cNvPr id="83" name="TextBox 81">
             <a:extLst>
               <a:ext uri="{FF2B5EF4-FFF2-40B4-BE49-F238E27FC236}">
-                <a16:creationId xmlns:a16="http://schemas.microsoft.com/office/drawing/2014/main" id="{E143DE1B-0EA6-483A-B68D-A2D31E60AA9A}"/>
+                <a16:creationId xmlns:a16="http://schemas.microsoft.com/office/drawing/2014/main" id="{AF843DA2-F03F-4F36-90F4-4437FF0019B4}"/>
               </a:ext>
             </a:extLst>
           </p:cNvPr>
@@ -24904,8 +28003,8 @@
         </p:nvSpPr>
         <p:spPr>
           <a:xfrm>
-            <a:off x="7875270" y="10618708"/>
-            <a:ext cx="6412230" cy="215444"/>
+            <a:off x="4782404" y="9618148"/>
+            <a:ext cx="2682419" cy="461665"/>
           </a:xfrm>
           <a:prstGeom prst="rect">
             <a:avLst/>
@@ -24919,77 +28018,175 @@
           <a:lstStyle/>
           <a:p>
             <a:r>
-              <a:rPr lang="en-US" sz="800"/>
-              <a:t>Cheatsheet for pandas (</a:t>
-            </a:r>
-            <a:r>
-              <a:rPr lang="en-US" sz="800">
-                <a:hlinkClick r:id="rId50"/>
-              </a:rPr>
-              <a:t>http</a:t>
-            </a:r>
-            <a:r>
-              <a:rPr lang="en-US" sz="800" dirty="0">
-                <a:hlinkClick r:id="rId50"/>
-              </a:rPr>
-              <a:t>://pandas.pydata.org</a:t>
-            </a:r>
-            <a:r>
-              <a:rPr lang="en-US" sz="800">
-                <a:hlinkClick r:id="rId50"/>
-              </a:rPr>
-              <a:t>/</a:t>
-            </a:r>
-            <a:r>
-              <a:rPr lang="en-US" sz="800"/>
-              <a:t> ) inspired </a:t>
-            </a:r>
-            <a:r>
-              <a:rPr lang="en-US" sz="800" dirty="0"/>
-              <a:t>by </a:t>
-            </a:r>
-            <a:r>
-              <a:rPr lang="en-US" sz="800" dirty="0" err="1">
-                <a:hlinkClick r:id="rId51"/>
-              </a:rPr>
-              <a:t>Rstudio</a:t>
-            </a:r>
-            <a:r>
-              <a:rPr lang="en-US" sz="800" dirty="0">
-                <a:hlinkClick r:id="rId51"/>
-              </a:rPr>
-              <a:t> Data Wrangling </a:t>
-            </a:r>
-            <a:r>
-              <a:rPr lang="en-US" sz="800" err="1">
-                <a:hlinkClick r:id="rId51"/>
-              </a:rPr>
-              <a:t>Cheatsheet</a:t>
-            </a:r>
-            <a:r>
-              <a:rPr lang="en-US" sz="800">
-                <a:hlinkClick r:id="rId51"/>
-              </a:rPr>
-              <a:t> </a:t>
-            </a:r>
-            <a:r>
-              <a:rPr lang="en-US" sz="800"/>
-              <a:t>written </a:t>
-            </a:r>
-            <a:r>
-              <a:rPr lang="en-US" sz="800" dirty="0"/>
-              <a:t>by Irv Lustig, </a:t>
-            </a:r>
-            <a:r>
-              <a:rPr lang="en-US" sz="800">
-                <a:hlinkClick r:id="rId52"/>
-              </a:rPr>
-              <a:t>Princeton Consultants</a:t>
-            </a:r>
-            <a:endParaRPr lang="en-US" sz="800" dirty="0"/>
+              <a:rPr lang="en-US" sz="1200" b="1" dirty="0" err="1">
+                <a:latin typeface="Consolas" panose="020B0609020204030204" pitchFamily="49" charset="0"/>
+              </a:rPr>
+              <a:t>df.</a:t>
+            </a:r>
+            <a:r>
+              <a:rPr lang="en-US" sz="1200" b="1" dirty="0" err="1">
+                <a:latin typeface="Consolas" panose="020B0609020204030204" pitchFamily="49" charset="0"/>
+                <a:hlinkClick r:id="rId46"/>
+              </a:rPr>
+              <a:t>plot</a:t>
+            </a:r>
+            <a:r>
+              <a:rPr lang="en-US" sz="1200" b="1" dirty="0" err="1">
+                <a:latin typeface="Consolas" panose="020B0609020204030204" pitchFamily="49" charset="0"/>
+              </a:rPr>
+              <a:t>.hist</a:t>
+            </a:r>
+            <a:r>
+              <a:rPr lang="en-US" sz="1200" b="1" dirty="0">
+                <a:latin typeface="Consolas" panose="020B0609020204030204" pitchFamily="49" charset="0"/>
+              </a:rPr>
+              <a:t>()</a:t>
+            </a:r>
+          </a:p>
+          <a:p>
+            <a:pPr marL="111125"/>
+            <a:r>
+              <a:rPr lang="en-US" sz="1200" dirty="0"/>
+              <a:t>Histogram for each column</a:t>
+            </a:r>
           </a:p>
         </p:txBody>
       </p:sp>
+      <p:sp>
+        <p:nvSpPr>
+          <p:cNvPr id="84" name="TextBox 82">
+            <a:extLst>
+              <a:ext uri="{FF2B5EF4-FFF2-40B4-BE49-F238E27FC236}">
+                <a16:creationId xmlns:a16="http://schemas.microsoft.com/office/drawing/2014/main" id="{D88E986E-2BDA-4E27-8FEC-03C66AF6758D}"/>
+              </a:ext>
+            </a:extLst>
+          </p:cNvPr>
+          <p:cNvSpPr txBox="1"/>
+          <p:nvPr/>
+        </p:nvSpPr>
+        <p:spPr>
+          <a:xfrm>
+            <a:off x="6764490" y="9611383"/>
+            <a:ext cx="2682419" cy="461665"/>
+          </a:xfrm>
+          <a:prstGeom prst="rect">
+            <a:avLst/>
+          </a:prstGeom>
+          <a:noFill/>
+        </p:spPr>
+        <p:txBody>
+          <a:bodyPr wrap="square" rtlCol="0">
+            <a:spAutoFit/>
+          </a:bodyPr>
+          <a:lstStyle/>
+          <a:p>
+            <a:r>
+              <a:rPr lang="en-US" sz="1200" b="1" dirty="0" err="1">
+                <a:latin typeface="Consolas" panose="020B0609020204030204" pitchFamily="49" charset="0"/>
+              </a:rPr>
+              <a:t>df.</a:t>
+            </a:r>
+            <a:r>
+              <a:rPr lang="en-US" sz="1200" b="1" dirty="0" err="1">
+                <a:latin typeface="Consolas" panose="020B0609020204030204" pitchFamily="49" charset="0"/>
+                <a:hlinkClick r:id="rId46"/>
+              </a:rPr>
+              <a:t>plot</a:t>
+            </a:r>
+            <a:r>
+              <a:rPr lang="en-US" sz="1200" b="1" dirty="0" err="1">
+                <a:latin typeface="Consolas" panose="020B0609020204030204" pitchFamily="49" charset="0"/>
+              </a:rPr>
+              <a:t>.scatter</a:t>
+            </a:r>
+            <a:r>
+              <a:rPr lang="en-US" sz="1200" b="1" dirty="0">
+                <a:latin typeface="Consolas" panose="020B0609020204030204" pitchFamily="49" charset="0"/>
+              </a:rPr>
+              <a:t>(x='</a:t>
+            </a:r>
+            <a:r>
+              <a:rPr lang="en-US" sz="1200" b="1" dirty="0" err="1">
+                <a:latin typeface="Consolas" panose="020B0609020204030204" pitchFamily="49" charset="0"/>
+              </a:rPr>
+              <a:t>w',y</a:t>
+            </a:r>
+            <a:r>
+              <a:rPr lang="en-US" sz="1200" b="1" dirty="0">
+                <a:latin typeface="Consolas" panose="020B0609020204030204" pitchFamily="49" charset="0"/>
+              </a:rPr>
+              <a:t>='h')</a:t>
+            </a:r>
+          </a:p>
+          <a:p>
+            <a:pPr marL="111125"/>
+            <a:r>
+              <a:rPr lang="en-US" sz="1200" dirty="0"/>
+              <a:t>Scatter chart using pairs of points</a:t>
+            </a:r>
+          </a:p>
+        </p:txBody>
+      </p:sp>
+      <p:pic>
+        <p:nvPicPr>
+          <p:cNvPr id="86" name="Picture 43">
+            <a:extLst>
+              <a:ext uri="{FF2B5EF4-FFF2-40B4-BE49-F238E27FC236}">
+                <a16:creationId xmlns:a16="http://schemas.microsoft.com/office/drawing/2014/main" id="{E92DE3B9-9A1A-4F4A-B5F7-D10388B445BB}"/>
+              </a:ext>
+            </a:extLst>
+          </p:cNvPr>
+          <p:cNvPicPr>
+            <a:picLocks noChangeAspect="1"/>
+          </p:cNvPicPr>
+          <p:nvPr/>
+        </p:nvPicPr>
+        <p:blipFill>
+          <a:blip r:embed="rId47"/>
+          <a:stretch>
+            <a:fillRect/>
+          </a:stretch>
+        </p:blipFill>
+        <p:spPr>
+          <a:xfrm>
+            <a:off x="5217223" y="10087418"/>
+            <a:ext cx="964344" cy="531290"/>
+          </a:xfrm>
+          <a:prstGeom prst="rect">
+            <a:avLst/>
+          </a:prstGeom>
+        </p:spPr>
+      </p:pic>
+      <p:pic>
+        <p:nvPicPr>
+          <p:cNvPr id="88" name="Picture 44">
+            <a:extLst>
+              <a:ext uri="{FF2B5EF4-FFF2-40B4-BE49-F238E27FC236}">
+                <a16:creationId xmlns:a16="http://schemas.microsoft.com/office/drawing/2014/main" id="{94CB9A7F-3125-4478-B8ED-563F2C12FA7B}"/>
+              </a:ext>
+            </a:extLst>
+          </p:cNvPr>
+          <p:cNvPicPr>
+            <a:picLocks noChangeAspect="1"/>
+          </p:cNvPicPr>
+          <p:nvPr/>
+        </p:nvPicPr>
+        <p:blipFill>
+          <a:blip r:embed="rId48"/>
+          <a:stretch>
+            <a:fillRect/>
+          </a:stretch>
+        </p:blipFill>
+        <p:spPr>
+          <a:xfrm>
+            <a:off x="7349467" y="10079813"/>
+            <a:ext cx="895085" cy="542833"/>
+          </a:xfrm>
+          <a:prstGeom prst="rect">
+            <a:avLst/>
+          </a:prstGeom>
+        </p:spPr>
+      </p:pic>
     </p:spTree>
     <p:extLst>
       <p:ext uri="{BB962C8B-B14F-4D97-AF65-F5344CB8AC3E}">

--- a/doc/cheatsheet/Pandas_Cheat_Sheet.pptx
+++ b/doc/cheatsheet/Pandas_Cheat_Sheet.pptx
@@ -261,7 +261,7 @@
           <a:p>
             <a:fld id="{79278B33-2949-49BE-B3B0-3F16CAF906FE}" type="datetimeFigureOut">
               <a:rPr lang="en-US" smtClean="0"/>
-              <a:t>2/19/2021</a:t>
+              <a:t>3/28/2021</a:t>
             </a:fld>
             <a:endParaRPr lang="en-US"/>
           </a:p>
@@ -431,7 +431,7 @@
           <a:p>
             <a:fld id="{79278B33-2949-49BE-B3B0-3F16CAF906FE}" type="datetimeFigureOut">
               <a:rPr lang="en-US" smtClean="0"/>
-              <a:t>2/19/2021</a:t>
+              <a:t>3/28/2021</a:t>
             </a:fld>
             <a:endParaRPr lang="en-US"/>
           </a:p>
@@ -611,7 +611,7 @@
           <a:p>
             <a:fld id="{79278B33-2949-49BE-B3B0-3F16CAF906FE}" type="datetimeFigureOut">
               <a:rPr lang="en-US" smtClean="0"/>
-              <a:t>2/19/2021</a:t>
+              <a:t>3/28/2021</a:t>
             </a:fld>
             <a:endParaRPr lang="en-US"/>
           </a:p>
@@ -781,7 +781,7 @@
           <a:p>
             <a:fld id="{79278B33-2949-49BE-B3B0-3F16CAF906FE}" type="datetimeFigureOut">
               <a:rPr lang="en-US" smtClean="0"/>
-              <a:t>2/19/2021</a:t>
+              <a:t>3/28/2021</a:t>
             </a:fld>
             <a:endParaRPr lang="en-US"/>
           </a:p>
@@ -1025,7 +1025,7 @@
           <a:p>
             <a:fld id="{79278B33-2949-49BE-B3B0-3F16CAF906FE}" type="datetimeFigureOut">
               <a:rPr lang="en-US" smtClean="0"/>
-              <a:t>2/19/2021</a:t>
+              <a:t>3/28/2021</a:t>
             </a:fld>
             <a:endParaRPr lang="en-US"/>
           </a:p>
@@ -1257,7 +1257,7 @@
           <a:p>
             <a:fld id="{79278B33-2949-49BE-B3B0-3F16CAF906FE}" type="datetimeFigureOut">
               <a:rPr lang="en-US" smtClean="0"/>
-              <a:t>2/19/2021</a:t>
+              <a:t>3/28/2021</a:t>
             </a:fld>
             <a:endParaRPr lang="en-US"/>
           </a:p>
@@ -1624,7 +1624,7 @@
           <a:p>
             <a:fld id="{79278B33-2949-49BE-B3B0-3F16CAF906FE}" type="datetimeFigureOut">
               <a:rPr lang="en-US" smtClean="0"/>
-              <a:t>2/19/2021</a:t>
+              <a:t>3/28/2021</a:t>
             </a:fld>
             <a:endParaRPr lang="en-US"/>
           </a:p>
@@ -1742,7 +1742,7 @@
           <a:p>
             <a:fld id="{79278B33-2949-49BE-B3B0-3F16CAF906FE}" type="datetimeFigureOut">
               <a:rPr lang="en-US" smtClean="0"/>
-              <a:t>2/19/2021</a:t>
+              <a:t>3/28/2021</a:t>
             </a:fld>
             <a:endParaRPr lang="en-US"/>
           </a:p>
@@ -1837,7 +1837,7 @@
           <a:p>
             <a:fld id="{79278B33-2949-49BE-B3B0-3F16CAF906FE}" type="datetimeFigureOut">
               <a:rPr lang="en-US" smtClean="0"/>
-              <a:t>2/19/2021</a:t>
+              <a:t>3/28/2021</a:t>
             </a:fld>
             <a:endParaRPr lang="en-US"/>
           </a:p>
@@ -2114,7 +2114,7 @@
           <a:p>
             <a:fld id="{79278B33-2949-49BE-B3B0-3F16CAF906FE}" type="datetimeFigureOut">
               <a:rPr lang="en-US" smtClean="0"/>
-              <a:t>2/19/2021</a:t>
+              <a:t>3/28/2021</a:t>
             </a:fld>
             <a:endParaRPr lang="en-US"/>
           </a:p>
@@ -2371,7 +2371,7 @@
           <a:p>
             <a:fld id="{79278B33-2949-49BE-B3B0-3F16CAF906FE}" type="datetimeFigureOut">
               <a:rPr lang="en-US" smtClean="0"/>
-              <a:t>2/19/2021</a:t>
+              <a:t>3/28/2021</a:t>
             </a:fld>
             <a:endParaRPr lang="en-US"/>
           </a:p>
@@ -2584,7 +2584,7 @@
           <a:p>
             <a:fld id="{79278B33-2949-49BE-B3B0-3F16CAF906FE}" type="datetimeFigureOut">
               <a:rPr lang="en-US" smtClean="0"/>
-              <a:t>2/19/2021</a:t>
+              <a:t>3/28/2021</a:t>
             </a:fld>
             <a:endParaRPr lang="en-US"/>
           </a:p>
@@ -9683,14 +9683,14 @@
           <a:effectLst/>
           <a:extLst>
             <a:ext uri="{909E8E84-426E-40dd-AFC4-6F175D3DCCD1}">
-              <a14:hiddenFill xmlns="" xmlns:a14="http://schemas.microsoft.com/office/drawing/2010/main">
+              <a14:hiddenFill xmlns:a14="http://schemas.microsoft.com/office/drawing/2010/main" xmlns="">
                 <a:solidFill>
                   <a:schemeClr val="accent1"/>
                 </a:solidFill>
               </a14:hiddenFill>
             </a:ext>
             <a:ext uri="{91240B29-F687-4f45-9708-019B960494DF}">
-              <a14:hiddenLine xmlns="" xmlns:a14="http://schemas.microsoft.com/office/drawing/2010/main" w="9525">
+              <a14:hiddenLine xmlns:a14="http://schemas.microsoft.com/office/drawing/2010/main" xmlns="" w="9525">
                 <a:solidFill>
                   <a:schemeClr val="tx1"/>
                 </a:solidFill>
@@ -9700,7 +9700,7 @@
               </a14:hiddenLine>
             </a:ext>
             <a:ext uri="{AF507438-7753-43e0-B8FC-AC1667EBCBE1}">
-              <a14:hiddenEffects xmlns="" xmlns:a14="http://schemas.microsoft.com/office/drawing/2010/main">
+              <a14:hiddenEffects xmlns:a14="http://schemas.microsoft.com/office/drawing/2010/main" xmlns="">
                 <a:effectLst>
                   <a:outerShdw dist="35921" dir="2700000" algn="ctr" rotWithShape="0">
                     <a:schemeClr val="bg2"/>
@@ -13052,51 +13052,6 @@
           </a:prstGeom>
         </p:spPr>
       </p:pic>
-      <p:cxnSp>
-        <p:nvCxnSpPr>
-          <p:cNvPr id="81" name="Straight Arrow Connector 15">
-            <a:extLst>
-              <a:ext uri="{FF2B5EF4-FFF2-40B4-BE49-F238E27FC236}">
-                <a16:creationId xmlns:a16="http://schemas.microsoft.com/office/drawing/2014/main" id="{03B7CF2D-1509-4499-8E8A-344F702E286C}"/>
-              </a:ext>
-            </a:extLst>
-          </p:cNvPr>
-          <p:cNvCxnSpPr>
-            <a:cxnSpLocks/>
-          </p:cNvCxnSpPr>
-          <p:nvPr/>
-        </p:nvCxnSpPr>
-        <p:spPr>
-          <a:xfrm>
-            <a:off x="5328574" y="685011"/>
-            <a:ext cx="10808" cy="575880"/>
-          </a:xfrm>
-          <a:prstGeom prst="straightConnector1">
-            <a:avLst/>
-          </a:prstGeom>
-          <a:ln w="76200">
-            <a:solidFill>
-              <a:schemeClr val="tx1"/>
-            </a:solidFill>
-            <a:headEnd type="stealth"/>
-            <a:tailEnd type="stealth"/>
-          </a:ln>
-        </p:spPr>
-        <p:style>
-          <a:lnRef idx="1">
-            <a:schemeClr val="accent1"/>
-          </a:lnRef>
-          <a:fillRef idx="0">
-            <a:schemeClr val="accent1"/>
-          </a:fillRef>
-          <a:effectRef idx="0">
-            <a:schemeClr val="accent1"/>
-          </a:effectRef>
-          <a:fontRef idx="minor">
-            <a:schemeClr val="tx1"/>
-          </a:fontRef>
-        </p:style>
-      </p:cxnSp>
       <p:sp>
         <p:nvSpPr>
           <p:cNvPr id="84" name="TextBox 17">
@@ -14704,13 +14659,13 @@
           <p:nvPr>
             <p:extLst>
               <p:ext uri="{D42A27DB-BD31-4B8C-83A1-F6EECF244321}">
-                <p14:modId xmlns:p14="http://schemas.microsoft.com/office/powerpoint/2010/main" val="935636498"/>
+                <p14:modId xmlns:p14="http://schemas.microsoft.com/office/powerpoint/2010/main" val="2924042272"/>
               </p:ext>
             </p:extLst>
           </p:nvPr>
         </p:nvGraphicFramePr>
         <p:xfrm>
-          <a:off x="4341328" y="5866163"/>
+          <a:off x="4341328" y="5892667"/>
           <a:ext cx="1105356" cy="533400"/>
         </p:xfrm>
         <a:graphic>
@@ -15122,7 +15077,7 @@
         </p:nvCxnSpPr>
         <p:spPr>
           <a:xfrm>
-            <a:off x="5544765" y="6123843"/>
+            <a:off x="5544765" y="6150347"/>
             <a:ext cx="363152" cy="0"/>
           </a:xfrm>
           <a:prstGeom prst="straightConnector1">
@@ -15165,13 +15120,13 @@
           <p:nvPr>
             <p:extLst>
               <p:ext uri="{D42A27DB-BD31-4B8C-83A1-F6EECF244321}">
-                <p14:modId xmlns:p14="http://schemas.microsoft.com/office/powerpoint/2010/main" val="237058387"/>
+                <p14:modId xmlns:p14="http://schemas.microsoft.com/office/powerpoint/2010/main" val="3536855806"/>
               </p:ext>
             </p:extLst>
           </p:nvPr>
         </p:nvGraphicFramePr>
         <p:xfrm>
-          <a:off x="5978974" y="5963823"/>
+          <a:off x="5978974" y="5990327"/>
           <a:ext cx="1105356" cy="320040"/>
         </p:xfrm>
         <a:graphic>
@@ -15442,13 +15397,13 @@
           <p:nvPr>
             <p:extLst>
               <p:ext uri="{D42A27DB-BD31-4B8C-83A1-F6EECF244321}">
-                <p14:modId xmlns:p14="http://schemas.microsoft.com/office/powerpoint/2010/main" val="527709497"/>
+                <p14:modId xmlns:p14="http://schemas.microsoft.com/office/powerpoint/2010/main" val="3378720141"/>
               </p:ext>
             </p:extLst>
           </p:nvPr>
         </p:nvGraphicFramePr>
         <p:xfrm>
-          <a:off x="7504846" y="5880105"/>
+          <a:off x="7504846" y="5906609"/>
           <a:ext cx="1381698" cy="426720"/>
         </p:xfrm>
         <a:graphic>
@@ -15943,13 +15898,13 @@
           <p:nvPr>
             <p:extLst>
               <p:ext uri="{D42A27DB-BD31-4B8C-83A1-F6EECF244321}">
-                <p14:modId xmlns:p14="http://schemas.microsoft.com/office/powerpoint/2010/main" val="2637135233"/>
+                <p14:modId xmlns:p14="http://schemas.microsoft.com/office/powerpoint/2010/main" val="2856182522"/>
               </p:ext>
             </p:extLst>
           </p:nvPr>
         </p:nvGraphicFramePr>
         <p:xfrm>
-          <a:off x="9446232" y="5900868"/>
+          <a:off x="9446232" y="5927372"/>
           <a:ext cx="921132" cy="426720"/>
         </p:xfrm>
         <a:graphic>
@@ -16291,7 +16246,7 @@
         </p:nvCxnSpPr>
         <p:spPr>
           <a:xfrm>
-            <a:off x="8969339" y="6153595"/>
+            <a:off x="8969339" y="6180099"/>
             <a:ext cx="363152" cy="0"/>
           </a:xfrm>
           <a:prstGeom prst="straightConnector1">
@@ -16333,7 +16288,7 @@
         </p:nvSpPr>
         <p:spPr>
           <a:xfrm>
-            <a:off x="3850499" y="6407663"/>
+            <a:off x="3903507" y="6447419"/>
             <a:ext cx="3654347" cy="2862322"/>
           </a:xfrm>
           <a:prstGeom prst="rect">
@@ -16384,61 +16339,18 @@
               <a:rPr lang="en-US" sz="1200" b="1">
                 <a:latin typeface="Consolas" panose="020B0609020204030204" pitchFamily="49" charset="0"/>
               </a:rPr>
-              <a:t>df.</a:t>
-            </a:r>
-            <a:r>
-              <a:rPr lang="en-US" sz="1200" b="1">
+              <a:t>df</a:t>
+            </a:r>
+            <a:r>
+              <a:rPr lang="en-US" sz="1200" b="1" dirty="0" err="1">
+                <a:latin typeface="Consolas" panose="020B0609020204030204" pitchFamily="49" charset="0"/>
+              </a:rPr>
+              <a:t>.</a:t>
+            </a:r>
+            <a:r>
+              <a:rPr lang="en-US" sz="1200" b="1" dirty="0" err="1">
                 <a:latin typeface="Consolas" panose="020B0609020204030204" pitchFamily="49" charset="0"/>
                 <a:hlinkClick r:id="rId24"/>
-              </a:rPr>
-              <a:t>query</a:t>
-            </a:r>
-            <a:r>
-              <a:rPr lang="en-US" sz="1200" b="1">
-                <a:latin typeface="Consolas" panose="020B0609020204030204" pitchFamily="49" charset="0"/>
-              </a:rPr>
-              <a:t>(</a:t>
-            </a:r>
-            <a:r>
-              <a:rPr lang="en-US" sz="1200" b="1" i="1">
-                <a:latin typeface="Consolas" panose="020B0609020204030204" pitchFamily="49" charset="0"/>
-              </a:rPr>
-              <a:t>expr</a:t>
-            </a:r>
-            <a:r>
-              <a:rPr lang="en-US" sz="1200" b="1">
-                <a:latin typeface="Consolas" panose="020B0609020204030204" pitchFamily="49" charset="0"/>
-              </a:rPr>
-              <a:t>)</a:t>
-            </a:r>
-          </a:p>
-          <a:p>
-            <a:pPr marL="180975"/>
-            <a:r>
-              <a:rPr lang="en-US" sz="1200"/>
-              <a:t>Query columns with a boolean expression</a:t>
-            </a:r>
-            <a:endParaRPr lang="en-US" sz="1200" b="1">
-              <a:latin typeface="Consolas" panose="020B0609020204030204" pitchFamily="49" charset="0"/>
-            </a:endParaRPr>
-          </a:p>
-          <a:p>
-            <a:r>
-              <a:rPr lang="en-US" sz="1200" b="1">
-                <a:latin typeface="Consolas" panose="020B0609020204030204" pitchFamily="49" charset="0"/>
-              </a:rPr>
-              <a:t>df</a:t>
-            </a:r>
-            <a:r>
-              <a:rPr lang="en-US" sz="1200" b="1" dirty="0" err="1">
-                <a:latin typeface="Consolas" panose="020B0609020204030204" pitchFamily="49" charset="0"/>
-              </a:rPr>
-              <a:t>.</a:t>
-            </a:r>
-            <a:r>
-              <a:rPr lang="en-US" sz="1200" b="1" dirty="0" err="1">
-                <a:latin typeface="Consolas" panose="020B0609020204030204" pitchFamily="49" charset="0"/>
-                <a:hlinkClick r:id="rId25"/>
               </a:rPr>
               <a:t>drop_duplicates</a:t>
             </a:r>
@@ -16466,7 +16378,7 @@
             <a:r>
               <a:rPr lang="en-US" sz="1200" b="1">
                 <a:latin typeface="Consolas" panose="020B0609020204030204" pitchFamily="49" charset="0"/>
-                <a:hlinkClick r:id="rId26"/>
+                <a:hlinkClick r:id="rId25"/>
               </a:rPr>
               <a:t>sample</a:t>
             </a:r>
@@ -16494,7 +16406,7 @@
             <a:r>
               <a:rPr lang="en-US" sz="1200" b="1">
                 <a:latin typeface="Consolas" panose="020B0609020204030204" pitchFamily="49" charset="0"/>
-                <a:hlinkClick r:id="rId26"/>
+                <a:hlinkClick r:id="rId25"/>
               </a:rPr>
               <a:t>sample</a:t>
             </a:r>
@@ -16520,7 +16432,7 @@
             <a:r>
               <a:rPr lang="en-US" sz="1200" b="1">
                 <a:latin typeface="Consolas" panose="020B0609020204030204" pitchFamily="49" charset="0"/>
-                <a:hlinkClick r:id="rId27"/>
+                <a:hlinkClick r:id="rId26"/>
               </a:rPr>
               <a:t>nlargest</a:t>
             </a:r>
@@ -16550,7 +16462,7 @@
             <a:r>
               <a:rPr lang="en-US" sz="1200" b="1">
                 <a:latin typeface="Consolas" panose="020B0609020204030204" pitchFamily="49" charset="0"/>
-                <a:hlinkClick r:id="rId28"/>
+                <a:hlinkClick r:id="rId27"/>
               </a:rPr>
               <a:t>nsmallest</a:t>
             </a:r>
@@ -16578,7 +16490,7 @@
             <a:r>
               <a:rPr lang="en-US" sz="1200" b="1">
                 <a:latin typeface="Consolas" panose="020B0609020204030204" pitchFamily="49" charset="0"/>
-                <a:hlinkClick r:id="rId29"/>
+                <a:hlinkClick r:id="rId28"/>
               </a:rPr>
               <a:t>head</a:t>
             </a:r>
@@ -16586,8 +16498,11 @@
               <a:rPr lang="en-US" sz="1200" b="1">
                 <a:latin typeface="Consolas" panose="020B0609020204030204" pitchFamily="49" charset="0"/>
               </a:rPr>
-              <a:t>(n) </a:t>
-            </a:r>
+              <a:t>(n)</a:t>
+            </a:r>
+          </a:p>
+          <a:p>
+            <a:pPr marL="92075"/>
             <a:r>
               <a:rPr lang="en-US" sz="1200"/>
               <a:t>Select first n rows.</a:t>
@@ -16603,7 +16518,7 @@
             <a:r>
               <a:rPr lang="en-US" sz="1200" b="1">
                 <a:latin typeface="Consolas" panose="020B0609020204030204" pitchFamily="49" charset="0"/>
-                <a:hlinkClick r:id="rId30"/>
+                <a:hlinkClick r:id="rId29"/>
               </a:rPr>
               <a:t>tail</a:t>
             </a:r>
@@ -16611,8 +16526,11 @@
               <a:rPr lang="en-US" sz="1200" b="1">
                 <a:latin typeface="Consolas" panose="020B0609020204030204" pitchFamily="49" charset="0"/>
               </a:rPr>
-              <a:t>(n) </a:t>
-            </a:r>
+              <a:t>(n)</a:t>
+            </a:r>
+          </a:p>
+          <a:p>
+            <a:pPr marL="92075"/>
             <a:r>
               <a:rPr lang="en-US" sz="1200"/>
               <a:t>Select last n rows.</a:t>
@@ -16621,51 +16539,6 @@
           </a:p>
         </p:txBody>
       </p:sp>
-      <p:cxnSp>
-        <p:nvCxnSpPr>
-          <p:cNvPr id="127" name="Straight Arrow Connector 15">
-            <a:extLst>
-              <a:ext uri="{FF2B5EF4-FFF2-40B4-BE49-F238E27FC236}">
-                <a16:creationId xmlns:a16="http://schemas.microsoft.com/office/drawing/2014/main" id="{FFE77824-82DE-4A82-BDD9-2ACD68E77A11}"/>
-              </a:ext>
-            </a:extLst>
-          </p:cNvPr>
-          <p:cNvCxnSpPr>
-            <a:cxnSpLocks/>
-          </p:cNvCxnSpPr>
-          <p:nvPr/>
-        </p:nvCxnSpPr>
-        <p:spPr>
-          <a:xfrm>
-            <a:off x="5695677" y="672868"/>
-            <a:ext cx="10808" cy="575880"/>
-          </a:xfrm>
-          <a:prstGeom prst="straightConnector1">
-            <a:avLst/>
-          </a:prstGeom>
-          <a:ln w="76200">
-            <a:solidFill>
-              <a:schemeClr val="tx1"/>
-            </a:solidFill>
-            <a:headEnd type="stealth"/>
-            <a:tailEnd type="stealth"/>
-          </a:ln>
-        </p:spPr>
-        <p:style>
-          <a:lnRef idx="1">
-            <a:schemeClr val="accent1"/>
-          </a:lnRef>
-          <a:fillRef idx="0">
-            <a:schemeClr val="accent1"/>
-          </a:fillRef>
-          <a:effectRef idx="0">
-            <a:schemeClr val="accent1"/>
-          </a:effectRef>
-          <a:fontRef idx="minor">
-            <a:schemeClr val="tx1"/>
-          </a:fontRef>
-        </p:style>
-      </p:cxnSp>
       <p:cxnSp>
         <p:nvCxnSpPr>
           <p:cNvPr id="128" name="Straight Arrow Connector 15">
@@ -16682,8 +16555,8 @@
         </p:nvCxnSpPr>
         <p:spPr>
           <a:xfrm>
-            <a:off x="4957920" y="684154"/>
-            <a:ext cx="10808" cy="575880"/>
+            <a:off x="4968728" y="773912"/>
+            <a:ext cx="0" cy="486122"/>
           </a:xfrm>
           <a:prstGeom prst="straightConnector1">
             <a:avLst/>
@@ -16725,7 +16598,7 @@
         </p:nvSpPr>
         <p:spPr>
           <a:xfrm>
-            <a:off x="7379645" y="6335688"/>
+            <a:off x="7273629" y="6441704"/>
             <a:ext cx="3188152" cy="1569660"/>
           </a:xfrm>
           <a:prstGeom prst="rect">
@@ -16835,7 +16708,7 @@
             <a:r>
               <a:rPr lang="en-US" sz="1200" b="1" dirty="0" err="1">
                 <a:latin typeface="Consolas" panose="020B0609020204030204" pitchFamily="49" charset="0"/>
-                <a:hlinkClick r:id="rId31"/>
+                <a:hlinkClick r:id="rId30"/>
               </a:rPr>
               <a:t>filter</a:t>
             </a:r>
@@ -16906,8 +16779,8 @@
         </p:nvSpPr>
         <p:spPr>
           <a:xfrm>
-            <a:off x="10573315" y="6614631"/>
-            <a:ext cx="3460164" cy="2677656"/>
+            <a:off x="10586567" y="6813411"/>
+            <a:ext cx="3460164" cy="2308324"/>
           </a:xfrm>
           <a:prstGeom prst="rect">
             <a:avLst/>
@@ -16924,62 +16797,32 @@
               <a:rPr lang="en-US" sz="1200" b="1">
                 <a:latin typeface="Consolas" panose="020B0609020204030204" pitchFamily="49" charset="0"/>
               </a:rPr>
-              <a:t>df.</a:t>
+              <a:t>df</a:t>
+            </a:r>
+            <a:r>
+              <a:rPr lang="en-US" sz="1200" b="1" dirty="0" err="1">
+                <a:latin typeface="Consolas" panose="020B0609020204030204" pitchFamily="49" charset="0"/>
+              </a:rPr>
+              <a:t>.iloc</a:t>
+            </a:r>
+            <a:r>
+              <a:rPr lang="en-US" sz="1200" b="1" dirty="0">
+                <a:latin typeface="Consolas" panose="020B0609020204030204" pitchFamily="49" charset="0"/>
+              </a:rPr>
+              <a:t>[</a:t>
             </a:r>
             <a:r>
               <a:rPr lang="en-US" sz="1200" b="1">
                 <a:latin typeface="Consolas" panose="020B0609020204030204" pitchFamily="49" charset="0"/>
-                <a:hlinkClick r:id="rId32"/>
-              </a:rPr>
-              <a:t>iloc</a:t>
-            </a:r>
-            <a:r>
-              <a:rPr lang="en-US" sz="1200" b="1">
-                <a:latin typeface="Consolas" panose="020B0609020204030204" pitchFamily="49" charset="0"/>
-              </a:rPr>
-              <a:t>[</a:t>
-            </a:r>
-            <a:r>
-              <a:rPr lang="en-US" sz="1200" i="1">
-                <a:latin typeface="Consolas" panose="020B0609020204030204" pitchFamily="49" charset="0"/>
-              </a:rPr>
-              <a:t>row_ind, column_ind</a:t>
-            </a:r>
-            <a:r>
-              <a:rPr lang="en-US" sz="1200" b="1">
-                <a:latin typeface="Consolas" panose="020B0609020204030204" pitchFamily="49" charset="0"/>
-              </a:rPr>
-              <a:t>]</a:t>
-            </a:r>
-          </a:p>
-          <a:p>
-            <a:r>
-              <a:rPr lang="en-US" sz="1200" b="1">
-                <a:latin typeface="Consolas" panose="020B0609020204030204" pitchFamily="49" charset="0"/>
-              </a:rPr>
-              <a:t>df</a:t>
-            </a:r>
-            <a:r>
-              <a:rPr lang="en-US" sz="1200" b="1" dirty="0" err="1">
-                <a:latin typeface="Consolas" panose="020B0609020204030204" pitchFamily="49" charset="0"/>
-              </a:rPr>
-              <a:t>.iloc</a:t>
-            </a:r>
-            <a:r>
-              <a:rPr lang="en-US" sz="1200" b="1" dirty="0">
-                <a:latin typeface="Consolas" panose="020B0609020204030204" pitchFamily="49" charset="0"/>
-              </a:rPr>
-              <a:t>[10:20]</a:t>
-            </a:r>
-          </a:p>
-          <a:p>
-            <a:r>
-              <a:rPr lang="en-US" sz="1200" dirty="0"/>
-              <a:t>     Select rows by </a:t>
-            </a:r>
+              </a:rPr>
+              <a:t>10:20]</a:t>
+            </a:r>
+          </a:p>
+          <a:p>
+            <a:pPr marL="185738"/>
             <a:r>
               <a:rPr lang="en-US" sz="1200"/>
-              <a:t>position.</a:t>
+              <a:t>Select rows 10-20.</a:t>
             </a:r>
           </a:p>
           <a:p>
@@ -17002,39 +16845,6 @@
               <a:rPr lang="en-US" sz="1200" b="1">
                 <a:latin typeface="Consolas" panose="020B0609020204030204" pitchFamily="49" charset="0"/>
               </a:rPr>
-              <a:t>df.</a:t>
-            </a:r>
-            <a:r>
-              <a:rPr lang="en-US" sz="1200" b="1">
-                <a:latin typeface="Consolas" panose="020B0609020204030204" pitchFamily="49" charset="0"/>
-                <a:hlinkClick r:id="rId33"/>
-              </a:rPr>
-              <a:t>loc</a:t>
-            </a:r>
-            <a:r>
-              <a:rPr lang="en-US" sz="1200" b="1">
-                <a:latin typeface="Consolas" panose="020B0609020204030204" pitchFamily="49" charset="0"/>
-              </a:rPr>
-              <a:t>[</a:t>
-            </a:r>
-            <a:r>
-              <a:rPr lang="en-US" sz="1200" i="1">
-                <a:latin typeface="Consolas" panose="020B0609020204030204" pitchFamily="49" charset="0"/>
-              </a:rPr>
-              <a:t>row_ind, column_ind</a:t>
-            </a:r>
-            <a:r>
-              <a:rPr lang="en-US" sz="1200" b="1">
-                <a:latin typeface="Consolas" panose="020B0609020204030204" pitchFamily="49" charset="0"/>
-              </a:rPr>
-              <a:t>]</a:t>
-            </a:r>
-          </a:p>
-          <a:p>
-            <a:r>
-              <a:rPr lang="en-US" sz="1200" b="1">
-                <a:latin typeface="Consolas" panose="020B0609020204030204" pitchFamily="49" charset="0"/>
-              </a:rPr>
               <a:t>df.loc[:,'x2':'x4']</a:t>
             </a:r>
           </a:p>
@@ -17071,7 +16881,7 @@
             <a:r>
               <a:rPr lang="en-US" sz="1200" b="1">
                 <a:latin typeface="Consolas" panose="020B0609020204030204" pitchFamily="49" charset="0"/>
-                <a:hlinkClick r:id="rId34"/>
+                <a:hlinkClick r:id="rId31"/>
               </a:rPr>
               <a:t>iat</a:t>
             </a:r>
@@ -17097,7 +16907,7 @@
             <a:r>
               <a:rPr lang="en-US" sz="1200" b="1">
                 <a:latin typeface="Consolas" panose="020B0609020204030204" pitchFamily="49" charset="0"/>
-                <a:hlinkClick r:id="rId35"/>
+                <a:hlinkClick r:id="rId32"/>
               </a:rPr>
               <a:t>at</a:t>
             </a:r>
@@ -17339,7 +17149,7 @@
         <p:spPr>
           <a:xfrm>
             <a:off x="10593385" y="5823912"/>
-            <a:ext cx="3420025" cy="830997"/>
+            <a:ext cx="3420025" cy="1015663"/>
           </a:xfrm>
           <a:prstGeom prst="rect">
             <a:avLst/>
@@ -17414,6 +17224,12 @@
             <a:r>
               <a:rPr lang="en-US" sz="1200"/>
               <a:t>to access a single value by row and column.</a:t>
+            </a:r>
+          </a:p>
+          <a:p>
+            <a:r>
+              <a:rPr lang="en-US" sz="1200"/>
+              <a:t>First index selects rows, second index columns.</a:t>
             </a:r>
             <a:endParaRPr lang="en-US" sz="1200" dirty="0"/>
           </a:p>
@@ -17453,19 +17269,19 @@
             </a:r>
             <a:r>
               <a:rPr lang="en-US" sz="800">
-                <a:hlinkClick r:id="rId36"/>
+                <a:hlinkClick r:id="rId33"/>
               </a:rPr>
               <a:t>http</a:t>
             </a:r>
             <a:r>
               <a:rPr lang="en-US" sz="800" dirty="0">
-                <a:hlinkClick r:id="rId36"/>
+                <a:hlinkClick r:id="rId33"/>
               </a:rPr>
               <a:t>://pandas.pydata.</a:t>
             </a:r>
             <a:r>
               <a:rPr lang="en-US" sz="800">
-                <a:hlinkClick r:id="rId36"/>
+                <a:hlinkClick r:id="rId33"/>
               </a:rPr>
               <a:t>org/</a:t>
             </a:r>
@@ -17475,7 +17291,7 @@
             </a:r>
             <a:r>
               <a:rPr lang="en-US" sz="800">
-                <a:hlinkClick r:id="rId37"/>
+                <a:hlinkClick r:id="rId34"/>
               </a:rPr>
               <a:t>Princeton Consultants</a:t>
             </a:r>
@@ -17489,19 +17305,19 @@
             </a:r>
             <a:r>
               <a:rPr lang="en-US" sz="800" dirty="0" err="1">
-                <a:hlinkClick r:id="rId38"/>
+                <a:hlinkClick r:id="rId35"/>
               </a:rPr>
               <a:t>Rstudio</a:t>
             </a:r>
             <a:r>
               <a:rPr lang="en-US" sz="800" dirty="0">
-                <a:hlinkClick r:id="rId38"/>
+                <a:hlinkClick r:id="rId35"/>
               </a:rPr>
               <a:t> Data </a:t>
             </a:r>
             <a:r>
               <a:rPr lang="en-US" sz="800">
-                <a:hlinkClick r:id="rId38"/>
+                <a:hlinkClick r:id="rId35"/>
               </a:rPr>
               <a:t>Wrangling Cheatsheet</a:t>
             </a:r>
@@ -17509,6 +17325,248 @@
           </a:p>
         </p:txBody>
       </p:sp>
+      <p:sp>
+        <p:nvSpPr>
+          <p:cNvPr id="78" name="Rounded Rectangle 77">
+            <a:extLst>
+              <a:ext uri="{FF2B5EF4-FFF2-40B4-BE49-F238E27FC236}">
+                <a16:creationId xmlns:a16="http://schemas.microsoft.com/office/drawing/2014/main" id="{9752F39A-617F-4D8B-BC67-9FBAD6B2EC71}"/>
+              </a:ext>
+            </a:extLst>
+          </p:cNvPr>
+          <p:cNvSpPr/>
+          <p:nvPr/>
+        </p:nvSpPr>
+        <p:spPr>
+          <a:xfrm>
+            <a:off x="7181809" y="8021565"/>
+            <a:ext cx="3369452" cy="423293"/>
+          </a:xfrm>
+          <a:prstGeom prst="roundRect">
+            <a:avLst/>
+          </a:prstGeom>
+        </p:spPr>
+        <p:style>
+          <a:lnRef idx="2">
+            <a:schemeClr val="accent1">
+              <a:shade val="50000"/>
+            </a:schemeClr>
+          </a:lnRef>
+          <a:fillRef idx="1">
+            <a:schemeClr val="accent1"/>
+          </a:fillRef>
+          <a:effectRef idx="0">
+            <a:schemeClr val="accent1"/>
+          </a:effectRef>
+          <a:fontRef idx="minor">
+            <a:schemeClr val="lt1"/>
+          </a:fontRef>
+        </p:style>
+        <p:txBody>
+          <a:bodyPr rtlCol="0" anchor="ctr"/>
+          <a:lstStyle/>
+          <a:p>
+            <a:pPr algn="ctr"/>
+            <a:r>
+              <a:rPr lang="en-US" sz="2000" b="1">
+                <a:solidFill>
+                  <a:schemeClr val="bg1"/>
+                </a:solidFill>
+              </a:rPr>
+              <a:t>Using </a:t>
+            </a:r>
+            <a:r>
+              <a:rPr lang="en-US" sz="2000" b="1">
+                <a:solidFill>
+                  <a:schemeClr val="bg1"/>
+                </a:solidFill>
+                <a:hlinkClick r:id="rId36">
+                  <a:extLst>
+                    <a:ext uri="{A12FA001-AC4F-418D-AE19-62706E023703}">
+                      <ahyp:hlinkClr xmlns:ahyp="http://schemas.microsoft.com/office/drawing/2018/hyperlinkcolor" val="tx"/>
+                    </a:ext>
+                  </a:extLst>
+                </a:hlinkClick>
+              </a:rPr>
+              <a:t>query</a:t>
+            </a:r>
+            <a:endParaRPr lang="en-US" sz="2000" dirty="0">
+              <a:solidFill>
+                <a:schemeClr val="bg1"/>
+              </a:solidFill>
+            </a:endParaRPr>
+          </a:p>
+        </p:txBody>
+      </p:sp>
+      <p:sp>
+        <p:nvSpPr>
+          <p:cNvPr id="79" name="TextBox 87">
+            <a:extLst>
+              <a:ext uri="{FF2B5EF4-FFF2-40B4-BE49-F238E27FC236}">
+                <a16:creationId xmlns:a16="http://schemas.microsoft.com/office/drawing/2014/main" id="{8D6A83F3-5571-452B-808F-1C8D1DD8F525}"/>
+              </a:ext>
+            </a:extLst>
+          </p:cNvPr>
+          <p:cNvSpPr txBox="1"/>
+          <p:nvPr/>
+        </p:nvSpPr>
+        <p:spPr>
+          <a:xfrm>
+            <a:off x="7210127" y="8443505"/>
+            <a:ext cx="3454610" cy="830997"/>
+          </a:xfrm>
+          <a:prstGeom prst="rect">
+            <a:avLst/>
+          </a:prstGeom>
+          <a:noFill/>
+        </p:spPr>
+        <p:txBody>
+          <a:bodyPr wrap="square" rtlCol="0">
+            <a:spAutoFit/>
+          </a:bodyPr>
+          <a:lstStyle/>
+          <a:p>
+            <a:r>
+              <a:rPr lang="en-US" sz="1200" b="1">
+                <a:latin typeface="Consolas" panose="020B0609020204030204" pitchFamily="49" charset="0"/>
+              </a:rPr>
+              <a:t>df.query(“Length &gt; 7”)</a:t>
+            </a:r>
+          </a:p>
+          <a:p>
+            <a:r>
+              <a:rPr lang="en-US" sz="1200" b="1">
+                <a:latin typeface="Consolas" panose="020B0609020204030204" pitchFamily="49" charset="0"/>
+              </a:rPr>
+              <a:t>df.query(“Length &gt; 7 and Width &lt; 8”)</a:t>
+            </a:r>
+          </a:p>
+          <a:p>
+            <a:r>
+              <a:rPr lang="en-US" sz="1200" b="1">
+                <a:latin typeface="Consolas" panose="020B0609020204030204" pitchFamily="49" charset="0"/>
+              </a:rPr>
+              <a:t>df.query("Name.str.startswith('abc’)”, </a:t>
+            </a:r>
+            <a:br>
+              <a:rPr lang="en-US" sz="1200" b="1">
+                <a:latin typeface="Consolas" panose="020B0609020204030204" pitchFamily="49" charset="0"/>
+              </a:rPr>
+            </a:br>
+            <a:r>
+              <a:rPr lang="en-US" sz="1200" b="1">
+                <a:latin typeface="Consolas" panose="020B0609020204030204" pitchFamily="49" charset="0"/>
+              </a:rPr>
+              <a:t>        </a:t>
+            </a:r>
+            <a:r>
+              <a:rPr lang="en-US" sz="1000" b="1">
+                <a:latin typeface="Consolas" panose="020B0609020204030204" pitchFamily="49" charset="0"/>
+              </a:rPr>
+              <a:t> </a:t>
+            </a:r>
+            <a:r>
+              <a:rPr lang="en-US" sz="1200" b="1">
+                <a:latin typeface="Consolas" panose="020B0609020204030204" pitchFamily="49" charset="0"/>
+              </a:rPr>
+              <a:t> engine="python")</a:t>
+            </a:r>
+            <a:endParaRPr lang="en-US" sz="1200" b="1" dirty="0">
+              <a:latin typeface="Consolas" panose="020B0609020204030204" pitchFamily="49" charset="0"/>
+            </a:endParaRPr>
+          </a:p>
+        </p:txBody>
+      </p:sp>
+      <p:cxnSp>
+        <p:nvCxnSpPr>
+          <p:cNvPr id="88" name="Straight Arrow Connector 15">
+            <a:extLst>
+              <a:ext uri="{FF2B5EF4-FFF2-40B4-BE49-F238E27FC236}">
+                <a16:creationId xmlns:a16="http://schemas.microsoft.com/office/drawing/2014/main" id="{9DF27FDD-73CB-4A3D-8ADC-A697E02DF2A8}"/>
+              </a:ext>
+            </a:extLst>
+          </p:cNvPr>
+          <p:cNvCxnSpPr>
+            <a:cxnSpLocks/>
+          </p:cNvCxnSpPr>
+          <p:nvPr/>
+        </p:nvCxnSpPr>
+        <p:spPr>
+          <a:xfrm>
+            <a:off x="5334610" y="763560"/>
+            <a:ext cx="0" cy="486122"/>
+          </a:xfrm>
+          <a:prstGeom prst="straightConnector1">
+            <a:avLst/>
+          </a:prstGeom>
+          <a:ln w="76200">
+            <a:solidFill>
+              <a:schemeClr val="tx1"/>
+            </a:solidFill>
+            <a:headEnd type="stealth"/>
+            <a:tailEnd type="stealth"/>
+          </a:ln>
+        </p:spPr>
+        <p:style>
+          <a:lnRef idx="1">
+            <a:schemeClr val="accent1"/>
+          </a:lnRef>
+          <a:fillRef idx="0">
+            <a:schemeClr val="accent1"/>
+          </a:fillRef>
+          <a:effectRef idx="0">
+            <a:schemeClr val="accent1"/>
+          </a:effectRef>
+          <a:fontRef idx="minor">
+            <a:schemeClr val="tx1"/>
+          </a:fontRef>
+        </p:style>
+      </p:cxnSp>
+      <p:cxnSp>
+        <p:nvCxnSpPr>
+          <p:cNvPr id="89" name="Straight Arrow Connector 15">
+            <a:extLst>
+              <a:ext uri="{FF2B5EF4-FFF2-40B4-BE49-F238E27FC236}">
+                <a16:creationId xmlns:a16="http://schemas.microsoft.com/office/drawing/2014/main" id="{4BF514E7-D5D9-4A81-BE49-1C7355CD28AB}"/>
+              </a:ext>
+            </a:extLst>
+          </p:cNvPr>
+          <p:cNvCxnSpPr>
+            <a:cxnSpLocks/>
+          </p:cNvCxnSpPr>
+          <p:nvPr/>
+        </p:nvCxnSpPr>
+        <p:spPr>
+          <a:xfrm>
+            <a:off x="5694876" y="763560"/>
+            <a:ext cx="0" cy="486122"/>
+          </a:xfrm>
+          <a:prstGeom prst="straightConnector1">
+            <a:avLst/>
+          </a:prstGeom>
+          <a:ln w="76200">
+            <a:solidFill>
+              <a:schemeClr val="tx1"/>
+            </a:solidFill>
+            <a:headEnd type="stealth"/>
+            <a:tailEnd type="stealth"/>
+          </a:ln>
+        </p:spPr>
+        <p:style>
+          <a:lnRef idx="1">
+            <a:schemeClr val="accent1"/>
+          </a:lnRef>
+          <a:fillRef idx="0">
+            <a:schemeClr val="accent1"/>
+          </a:fillRef>
+          <a:effectRef idx="0">
+            <a:schemeClr val="accent1"/>
+          </a:effectRef>
+          <a:fontRef idx="minor">
+            <a:schemeClr val="tx1"/>
+          </a:fontRef>
+        </p:style>
+      </p:cxnSp>
     </p:spTree>
     <p:extLst>
       <p:ext uri="{BB962C8B-B14F-4D97-AF65-F5344CB8AC3E}">
@@ -17813,7 +17871,7 @@
         <p:spPr>
           <a:xfrm>
             <a:off x="145643" y="653638"/>
-            <a:ext cx="4377986" cy="1569660"/>
+            <a:ext cx="4377986" cy="1938992"/>
           </a:xfrm>
           <a:prstGeom prst="rect">
             <a:avLst/>
@@ -17853,9 +17911,14 @@
             </a:r>
           </a:p>
           <a:p>
+            <a:pPr marL="92075"/>
+            <a:r>
+              <a:rPr lang="en-US" sz="1200"/>
+              <a:t> Count </a:t>
+            </a:r>
             <a:r>
               <a:rPr lang="en-US" sz="1200" dirty="0"/>
-              <a:t>     Count number of rows with each unique value of variable</a:t>
+              <a:t>number of rows with each unique value of variable</a:t>
             </a:r>
           </a:p>
           <a:p>
@@ -17891,16 +17954,42 @@
               <a:t># of rows in </a:t>
             </a:r>
             <a:r>
-              <a:rPr lang="en-US" sz="1200" dirty="0" err="1"/>
+              <a:rPr lang="en-US" sz="1200" err="1"/>
               <a:t>DataFrame</a:t>
             </a:r>
             <a:r>
-              <a:rPr lang="en-US" sz="1200" dirty="0"/>
+              <a:rPr lang="en-US" sz="1200"/>
               <a:t>.</a:t>
             </a:r>
           </a:p>
           <a:p>
             <a:r>
+              <a:rPr lang="en-US" sz="1200" b="1">
+                <a:latin typeface="Consolas" panose="020B0609020204030204" pitchFamily="49" charset="0"/>
+              </a:rPr>
+              <a:t>df.</a:t>
+            </a:r>
+            <a:r>
+              <a:rPr lang="en-US" sz="1200" b="1">
+                <a:latin typeface="Consolas" panose="020B0609020204030204" pitchFamily="49" charset="0"/>
+                <a:hlinkClick r:id="rId5"/>
+              </a:rPr>
+              <a:t>shape</a:t>
+            </a:r>
+            <a:endParaRPr lang="en-US" sz="1200" b="1">
+              <a:latin typeface="Consolas" panose="020B0609020204030204" pitchFamily="49" charset="0"/>
+            </a:endParaRPr>
+          </a:p>
+          <a:p>
+            <a:pPr marL="92075"/>
+            <a:r>
+              <a:rPr lang="en-US" sz="1200"/>
+              <a:t> Tuple of # of rows, # of columns in DataFrame.</a:t>
+            </a:r>
+            <a:endParaRPr lang="en-US" sz="1200" dirty="0"/>
+          </a:p>
+          <a:p>
+            <a:r>
               <a:rPr lang="en-US" sz="1200" b="1" dirty="0" err="1">
                 <a:latin typeface="Consolas" panose="020B0609020204030204" pitchFamily="49" charset="0"/>
               </a:rPr>
@@ -17915,7 +18004,7 @@
             <a:r>
               <a:rPr lang="en-US" sz="1200" b="1" dirty="0" err="1">
                 <a:latin typeface="Consolas" panose="020B0609020204030204" pitchFamily="49" charset="0"/>
-                <a:hlinkClick r:id="rId5"/>
+                <a:hlinkClick r:id="rId6"/>
               </a:rPr>
               <a:t>nunique</a:t>
             </a:r>
@@ -17943,7 +18032,7 @@
             <a:r>
               <a:rPr lang="en-US" sz="1200" b="1" err="1">
                 <a:latin typeface="Consolas" panose="020B0609020204030204" pitchFamily="49" charset="0"/>
-                <a:hlinkClick r:id="rId6"/>
+                <a:hlinkClick r:id="rId7"/>
               </a:rPr>
               <a:t>describe</a:t>
             </a:r>
@@ -17951,50 +18040,14 @@
               <a:rPr lang="en-US" sz="1200" b="1">
                 <a:latin typeface="Consolas" panose="020B0609020204030204" pitchFamily="49" charset="0"/>
               </a:rPr>
-              <a:t>() </a:t>
-            </a:r>
+              <a:t>()</a:t>
+            </a:r>
+          </a:p>
+          <a:p>
+            <a:pPr marL="92075"/>
             <a:r>
               <a:rPr lang="en-US" sz="1200"/>
-              <a:t>and</a:t>
-            </a:r>
-            <a:r>
-              <a:rPr lang="en-US" sz="1200" b="1">
-                <a:latin typeface="Consolas" panose="020B0609020204030204" pitchFamily="49" charset="0"/>
-              </a:rPr>
-              <a:t> df.</a:t>
-            </a:r>
-            <a:r>
-              <a:rPr lang="en-US" sz="1200" b="1">
-                <a:latin typeface="Consolas" panose="020B0609020204030204" pitchFamily="49" charset="0"/>
-                <a:hlinkClick r:id="rId7"/>
-              </a:rPr>
-              <a:t>shape</a:t>
-            </a:r>
-            <a:endParaRPr lang="en-US" sz="1200" b="1" dirty="0">
-              <a:latin typeface="Consolas" panose="020B0609020204030204" pitchFamily="49" charset="0"/>
-            </a:endParaRPr>
-          </a:p>
-          <a:p>
-            <a:pPr marL="111125"/>
-            <a:r>
-              <a:rPr lang="en-US" sz="1200" dirty="0"/>
-              <a:t>Basic </a:t>
-            </a:r>
-            <a:r>
-              <a:rPr lang="en-US" sz="1200"/>
-              <a:t>descriptive and statistics </a:t>
-            </a:r>
-            <a:r>
-              <a:rPr lang="en-US" sz="1200" dirty="0"/>
-              <a:t>for each column (or </a:t>
-            </a:r>
-            <a:r>
-              <a:rPr lang="en-US" sz="1200" err="1"/>
-              <a:t>GroupBy</a:t>
-            </a:r>
-            <a:r>
-              <a:rPr lang="en-US" sz="1200"/>
-              <a:t>)</a:t>
+              <a:t>Basic descriptive and statistics for each column (or GroupBy).</a:t>
             </a:r>
           </a:p>
         </p:txBody>
@@ -18008,13 +18061,13 @@
           <p:nvPr>
             <p:extLst>
               <p:ext uri="{D42A27DB-BD31-4B8C-83A1-F6EECF244321}">
-                <p14:modId xmlns:p14="http://schemas.microsoft.com/office/powerpoint/2010/main" val="3901964493"/>
+                <p14:modId xmlns:p14="http://schemas.microsoft.com/office/powerpoint/2010/main" val="2166652582"/>
               </p:ext>
             </p:extLst>
           </p:nvPr>
         </p:nvGraphicFramePr>
         <p:xfrm>
-          <a:off x="838910" y="2408985"/>
+          <a:off x="838910" y="2568009"/>
           <a:ext cx="1097280" cy="548640"/>
         </p:xfrm>
         <a:graphic>
@@ -18347,13 +18400,13 @@
           <p:nvPr>
             <p:extLst>
               <p:ext uri="{D42A27DB-BD31-4B8C-83A1-F6EECF244321}">
-                <p14:modId xmlns:p14="http://schemas.microsoft.com/office/powerpoint/2010/main" val="1860715592"/>
+                <p14:modId xmlns:p14="http://schemas.microsoft.com/office/powerpoint/2010/main" val="3955678884"/>
               </p:ext>
             </p:extLst>
           </p:nvPr>
         </p:nvGraphicFramePr>
         <p:xfrm>
-          <a:off x="2616518" y="2388922"/>
+          <a:off x="2616518" y="2547946"/>
           <a:ext cx="548640" cy="548640"/>
         </p:xfrm>
         <a:graphic>
@@ -18541,7 +18594,7 @@
         </p:nvCxnSpPr>
         <p:spPr>
           <a:xfrm>
-            <a:off x="2094814" y="2667269"/>
+            <a:off x="2094814" y="2826293"/>
             <a:ext cx="363152" cy="0"/>
           </a:xfrm>
           <a:prstGeom prst="straightConnector1">
@@ -18577,7 +18630,7 @@
         </p:nvSpPr>
         <p:spPr>
           <a:xfrm>
-            <a:off x="131415" y="3004263"/>
+            <a:off x="131415" y="3097027"/>
             <a:ext cx="4377986" cy="1015663"/>
           </a:xfrm>
           <a:prstGeom prst="rect">
@@ -27155,16 +27208,25 @@
               <a:rPr lang="en-US" sz="1200"/>
               <a:t>col".</a:t>
             </a:r>
+          </a:p>
+          <a:p>
+            <a:pPr marL="111125"/>
             <a:endParaRPr lang="en-US" sz="1200" b="1" dirty="0">
               <a:latin typeface="Consolas" panose="020B0609020204030204" pitchFamily="49" charset="0"/>
             </a:endParaRPr>
           </a:p>
           <a:p>
             <a:r>
+              <a:rPr lang="en-US" sz="1200" b="1">
+                <a:latin typeface="Consolas" panose="020B0609020204030204" pitchFamily="49" charset="0"/>
+              </a:rPr>
+              <a:t>df</a:t>
+            </a:r>
+            <a:r>
               <a:rPr lang="en-US" sz="1200" b="1" dirty="0" err="1">
                 <a:latin typeface="Consolas" panose="020B0609020204030204" pitchFamily="49" charset="0"/>
               </a:rPr>
-              <a:t>df.</a:t>
+              <a:t>.</a:t>
             </a:r>
             <a:r>
               <a:rPr lang="en-US" sz="1200" b="1" dirty="0" err="1">
@@ -27191,32 +27253,16 @@
               </a:rPr>
               <a:t>")</a:t>
             </a:r>
-            <a:br>
-              <a:rPr lang="en-US" sz="1200" b="1">
-                <a:latin typeface="Consolas" panose="020B0609020204030204" pitchFamily="49" charset="0"/>
-              </a:rPr>
-            </a:br>
-            <a:r>
-              <a:rPr lang="en-US" sz="1200" b="1">
-                <a:latin typeface="Consolas" panose="020B0609020204030204" pitchFamily="49" charset="0"/>
-              </a:rPr>
-              <a:t> </a:t>
-            </a:r>
-            <a:r>
-              <a:rPr lang="en-US" sz="1200" i="1">
-                <a:latin typeface="Consolas" panose="020B0609020204030204" pitchFamily="49" charset="0"/>
-              </a:rPr>
-              <a:t>.mean()</a:t>
-            </a:r>
-            <a:endParaRPr lang="en-US" sz="1200" i="1" dirty="0">
-              <a:latin typeface="Consolas" panose="020B0609020204030204" pitchFamily="49" charset="0"/>
-            </a:endParaRPr>
           </a:p>
           <a:p>
             <a:pPr marL="111125"/>
             <a:r>
+              <a:rPr lang="en-US" sz="1200"/>
+              <a:t>Return </a:t>
+            </a:r>
+            <a:r>
               <a:rPr lang="en-US" sz="1200" dirty="0"/>
-              <a:t>Return a </a:t>
+              <a:t>a </a:t>
             </a:r>
             <a:r>
               <a:rPr lang="en-US" sz="1200" dirty="0" err="1"/>

--- a/doc/cheatsheet/Pandas_Cheat_Sheet.pptx
+++ b/doc/cheatsheet/Pandas_Cheat_Sheet.pptx
@@ -3045,7 +3045,7 @@
         </p:nvSpPr>
         <p:spPr>
           <a:xfrm>
-            <a:off x="263115" y="1704415"/>
+            <a:off x="228999" y="1722426"/>
             <a:ext cx="3463425" cy="423293"/>
           </a:xfrm>
           <a:prstGeom prst="roundRect">
@@ -3119,8 +3119,8 @@
         </p:nvSpPr>
         <p:spPr>
           <a:xfrm>
-            <a:off x="251102" y="2151997"/>
-            <a:ext cx="3463426" cy="6448117"/>
+            <a:off x="228999" y="2151997"/>
+            <a:ext cx="3463426" cy="6347955"/>
           </a:xfrm>
           <a:prstGeom prst="roundRect">
             <a:avLst>
@@ -7052,13 +7052,13 @@
           <p:nvPr>
             <p:extLst>
               <p:ext uri="{D42A27DB-BD31-4B8C-83A1-F6EECF244321}">
-                <p14:modId xmlns:p14="http://schemas.microsoft.com/office/powerpoint/2010/main" val="2501441798"/>
+                <p14:modId xmlns:p14="http://schemas.microsoft.com/office/powerpoint/2010/main" val="2463375192"/>
               </p:ext>
             </p:extLst>
           </p:nvPr>
         </p:nvGraphicFramePr>
         <p:xfrm>
-          <a:off x="1057041" y="2597677"/>
+          <a:off x="1050435" y="2280177"/>
           <a:ext cx="1787024" cy="792480"/>
         </p:xfrm>
         <a:graphic>
@@ -8057,8 +8057,8 @@
         </p:nvSpPr>
         <p:spPr>
           <a:xfrm>
-            <a:off x="357319" y="3204909"/>
-            <a:ext cx="3291069" cy="2800767"/>
+            <a:off x="357319" y="2887409"/>
+            <a:ext cx="3291069" cy="2862322"/>
           </a:xfrm>
           <a:prstGeom prst="rect">
             <a:avLst/>
@@ -8141,20 +8141,22 @@
             </a:r>
           </a:p>
           <a:p>
-            <a:endParaRPr lang="en-US" sz="800" dirty="0"/>
-          </a:p>
-          <a:p>
-            <a:r>
-              <a:rPr lang="en-US" sz="1200" b="1" dirty="0" err="1">
-                <a:latin typeface="Consolas" panose="020B0609020204030204" pitchFamily="49" charset="0"/>
-              </a:rPr>
-              <a:t>df</a:t>
+            <a:endParaRPr lang="en-US" sz="1200" b="1">
+              <a:latin typeface="Consolas" panose="020B0609020204030204" pitchFamily="49" charset="0"/>
+            </a:endParaRPr>
+          </a:p>
+          <a:p>
+            <a:r>
+              <a:rPr lang="en-US" sz="1200" b="1">
+                <a:latin typeface="Consolas" panose="020B0609020204030204" pitchFamily="49" charset="0"/>
+              </a:rPr>
+              <a:t>df </a:t>
             </a:r>
             <a:r>
               <a:rPr lang="en-US" sz="1200" b="1" dirty="0">
                 <a:latin typeface="Consolas" panose="020B0609020204030204" pitchFamily="49" charset="0"/>
               </a:rPr>
-              <a:t> = </a:t>
+              <a:t>= </a:t>
             </a:r>
             <a:r>
               <a:rPr lang="en-US" sz="1200" b="1" dirty="0" err="1">
@@ -8227,13 +8229,13 @@
           <p:nvPr>
             <p:extLst>
               <p:ext uri="{D42A27DB-BD31-4B8C-83A1-F6EECF244321}">
-                <p14:modId xmlns:p14="http://schemas.microsoft.com/office/powerpoint/2010/main" val="3179344525"/>
+                <p14:modId xmlns:p14="http://schemas.microsoft.com/office/powerpoint/2010/main" val="1034502648"/>
               </p:ext>
             </p:extLst>
           </p:nvPr>
         </p:nvGraphicFramePr>
         <p:xfrm>
-          <a:off x="1043829" y="6027298"/>
+          <a:off x="1098327" y="5874898"/>
           <a:ext cx="1691240" cy="990600"/>
         </p:xfrm>
         <a:graphic>
@@ -8552,7 +8554,7 @@
                         <a:rPr lang="en-US" sz="800" b="1">
                           <a:effectLst/>
                         </a:rPr>
-                        <a:t>n</a:t>
+                        <a:t>N</a:t>
                       </a:r>
                     </a:p>
                   </a:txBody>
@@ -8822,11 +8824,14 @@
                     <a:p>
                       <a:pPr algn="l" fontAlgn="ctr"/>
                       <a:r>
-                        <a:rPr lang="en-US" sz="800" b="1" dirty="0">
+                        <a:rPr lang="en-US" sz="800" b="1">
                           <a:effectLst/>
                         </a:rPr>
-                        <a:t>d</a:t>
+                        <a:t>D</a:t>
                       </a:r>
+                      <a:endParaRPr lang="en-US" sz="800" b="1" dirty="0">
+                        <a:effectLst/>
+                      </a:endParaRPr>
                     </a:p>
                   </a:txBody>
                   <a:tcPr marL="38100" marR="38100" marT="38100" marB="38100" anchor="ctr">
@@ -9670,7 +9675,7 @@
         </p:nvSpPr>
         <p:spPr bwMode="auto">
           <a:xfrm>
-            <a:off x="960438" y="4754293"/>
+            <a:off x="960438" y="4665393"/>
             <a:ext cx="2511209" cy="646331"/>
           </a:xfrm>
           <a:prstGeom prst="rect">
@@ -9683,14 +9688,14 @@
           <a:effectLst/>
           <a:extLst>
             <a:ext uri="{909E8E84-426E-40dd-AFC4-6F175D3DCCD1}">
-              <a14:hiddenFill xmlns:a14="http://schemas.microsoft.com/office/drawing/2010/main" xmlns="">
+              <a14:hiddenFill xmlns="" xmlns:a14="http://schemas.microsoft.com/office/drawing/2010/main">
                 <a:solidFill>
                   <a:schemeClr val="accent1"/>
                 </a:solidFill>
               </a14:hiddenFill>
             </a:ext>
             <a:ext uri="{91240B29-F687-4f45-9708-019B960494DF}">
-              <a14:hiddenLine xmlns:a14="http://schemas.microsoft.com/office/drawing/2010/main" xmlns="" w="9525">
+              <a14:hiddenLine xmlns="" xmlns:a14="http://schemas.microsoft.com/office/drawing/2010/main" w="9525">
                 <a:solidFill>
                   <a:schemeClr val="tx1"/>
                 </a:solidFill>
@@ -9700,7 +9705,7 @@
               </a14:hiddenLine>
             </a:ext>
             <a:ext uri="{AF507438-7753-43e0-B8FC-AC1667EBCBE1}">
-              <a14:hiddenEffects xmlns:a14="http://schemas.microsoft.com/office/drawing/2010/main" xmlns="">
+              <a14:hiddenEffects xmlns="" xmlns:a14="http://schemas.microsoft.com/office/drawing/2010/main">
                 <a:effectLst>
                   <a:outerShdw dist="35921" dir="2700000" algn="ctr" rotWithShape="0">
                     <a:schemeClr val="bg2"/>
@@ -9768,7 +9773,7 @@
         </p:nvSpPr>
         <p:spPr>
           <a:xfrm>
-            <a:off x="440392" y="7024176"/>
+            <a:off x="357319" y="6909876"/>
             <a:ext cx="3291069" cy="1569660"/>
           </a:xfrm>
           <a:prstGeom prst="rect">
@@ -9902,7 +9907,7 @@
         </p:nvSpPr>
         <p:spPr>
           <a:xfrm>
-            <a:off x="229000" y="8600067"/>
+            <a:off x="228999" y="8600067"/>
             <a:ext cx="3463425" cy="423293"/>
           </a:xfrm>
           <a:prstGeom prst="roundRect">
@@ -12475,7 +12480,7 @@
         </p:nvSpPr>
         <p:spPr>
           <a:xfrm>
-            <a:off x="249740" y="1213318"/>
+            <a:off x="374273" y="1264252"/>
             <a:ext cx="3881324" cy="536942"/>
           </a:xfrm>
           <a:prstGeom prst="rect">
@@ -12563,8 +12568,8 @@
         </p:nvSpPr>
         <p:spPr>
           <a:xfrm>
-            <a:off x="263115" y="197353"/>
-            <a:ext cx="3441322" cy="1015663"/>
+            <a:off x="250415" y="146553"/>
+            <a:ext cx="3441322" cy="1138773"/>
           </a:xfrm>
           <a:prstGeom prst="rect">
             <a:avLst/>
@@ -12673,7 +12678,7 @@
           <a:p>
             <a:pPr algn="ctr"/>
             <a:r>
-              <a:rPr lang="en-US" sz="2400" b="1">
+              <a:rPr lang="en-US" sz="2800" b="1">
                 <a:solidFill>
                   <a:schemeClr val="accent1"/>
                 </a:solidFill>
@@ -12681,14 +12686,14 @@
               <a:t>Data Wrangling</a:t>
             </a:r>
             <a:br>
-              <a:rPr lang="en-US" sz="2400" b="1">
+              <a:rPr lang="en-US" sz="2800" b="1">
                 <a:solidFill>
                   <a:schemeClr val="accent1"/>
                 </a:solidFill>
               </a:rPr>
             </a:br>
             <a:r>
-              <a:rPr lang="en-US" sz="1800">
+              <a:rPr lang="en-US" sz="2000">
                 <a:solidFill>
                   <a:schemeClr val="accent1"/>
                 </a:solidFill>
@@ -12696,7 +12701,7 @@
               <a:t>with pandas Cheat </a:t>
             </a:r>
             <a:r>
-              <a:rPr lang="en-US" sz="1800" dirty="0">
+              <a:rPr lang="en-US" sz="2000" dirty="0">
                 <a:solidFill>
                   <a:schemeClr val="accent1"/>
                 </a:solidFill>
@@ -12707,7 +12712,7 @@
           <a:p>
             <a:pPr algn="ctr"/>
             <a:r>
-              <a:rPr lang="en-US" sz="1800" dirty="0">
+              <a:rPr lang="en-US" sz="2000" dirty="0">
                 <a:solidFill>
                   <a:schemeClr val="accent1"/>
                 </a:solidFill>
@@ -14659,13 +14664,13 @@
           <p:nvPr>
             <p:extLst>
               <p:ext uri="{D42A27DB-BD31-4B8C-83A1-F6EECF244321}">
-                <p14:modId xmlns:p14="http://schemas.microsoft.com/office/powerpoint/2010/main" val="2924042272"/>
+                <p14:modId xmlns:p14="http://schemas.microsoft.com/office/powerpoint/2010/main" val="3008178907"/>
               </p:ext>
             </p:extLst>
           </p:nvPr>
         </p:nvGraphicFramePr>
         <p:xfrm>
-          <a:off x="4341328" y="5892667"/>
+          <a:off x="4341328" y="5854567"/>
           <a:ext cx="1105356" cy="533400"/>
         </p:xfrm>
         <a:graphic>
@@ -15077,7 +15082,7 @@
         </p:nvCxnSpPr>
         <p:spPr>
           <a:xfrm>
-            <a:off x="5544765" y="6150347"/>
+            <a:off x="5544765" y="6112247"/>
             <a:ext cx="363152" cy="0"/>
           </a:xfrm>
           <a:prstGeom prst="straightConnector1">
@@ -15120,13 +15125,13 @@
           <p:nvPr>
             <p:extLst>
               <p:ext uri="{D42A27DB-BD31-4B8C-83A1-F6EECF244321}">
-                <p14:modId xmlns:p14="http://schemas.microsoft.com/office/powerpoint/2010/main" val="3536855806"/>
+                <p14:modId xmlns:p14="http://schemas.microsoft.com/office/powerpoint/2010/main" val="3940399646"/>
               </p:ext>
             </p:extLst>
           </p:nvPr>
         </p:nvGraphicFramePr>
         <p:xfrm>
-          <a:off x="5978974" y="5990327"/>
+          <a:off x="5978974" y="5952227"/>
           <a:ext cx="1105356" cy="320040"/>
         </p:xfrm>
         <a:graphic>
@@ -15397,13 +15402,13 @@
           <p:nvPr>
             <p:extLst>
               <p:ext uri="{D42A27DB-BD31-4B8C-83A1-F6EECF244321}">
-                <p14:modId xmlns:p14="http://schemas.microsoft.com/office/powerpoint/2010/main" val="3378720141"/>
+                <p14:modId xmlns:p14="http://schemas.microsoft.com/office/powerpoint/2010/main" val="1683275269"/>
               </p:ext>
             </p:extLst>
           </p:nvPr>
         </p:nvGraphicFramePr>
         <p:xfrm>
-          <a:off x="7504846" y="5906609"/>
+          <a:off x="7504846" y="5868509"/>
           <a:ext cx="1381698" cy="426720"/>
         </p:xfrm>
         <a:graphic>
@@ -15898,13 +15903,13 @@
           <p:nvPr>
             <p:extLst>
               <p:ext uri="{D42A27DB-BD31-4B8C-83A1-F6EECF244321}">
-                <p14:modId xmlns:p14="http://schemas.microsoft.com/office/powerpoint/2010/main" val="2856182522"/>
+                <p14:modId xmlns:p14="http://schemas.microsoft.com/office/powerpoint/2010/main" val="3223657757"/>
               </p:ext>
             </p:extLst>
           </p:nvPr>
         </p:nvGraphicFramePr>
         <p:xfrm>
-          <a:off x="9446232" y="5927372"/>
+          <a:off x="9446232" y="5889272"/>
           <a:ext cx="921132" cy="426720"/>
         </p:xfrm>
         <a:graphic>
@@ -16246,7 +16251,7 @@
         </p:nvCxnSpPr>
         <p:spPr>
           <a:xfrm>
-            <a:off x="8969339" y="6180099"/>
+            <a:off x="8969339" y="6141999"/>
             <a:ext cx="363152" cy="0"/>
           </a:xfrm>
           <a:prstGeom prst="straightConnector1">
@@ -16288,7 +16293,7 @@
         </p:nvSpPr>
         <p:spPr>
           <a:xfrm>
-            <a:off x="3903507" y="6447419"/>
+            <a:off x="3903507" y="6345819"/>
             <a:ext cx="3654347" cy="2862322"/>
           </a:xfrm>
           <a:prstGeom prst="rect">
@@ -16598,8 +16603,8 @@
         </p:nvSpPr>
         <p:spPr>
           <a:xfrm>
-            <a:off x="7273629" y="6441704"/>
-            <a:ext cx="3188152" cy="1569660"/>
+            <a:off x="7210127" y="6352804"/>
+            <a:ext cx="3157237" cy="1384995"/>
           </a:xfrm>
           <a:prstGeom prst="rect">
             <a:avLst/>
@@ -16645,14 +16650,7 @@
             </a:r>
             <a:r>
               <a:rPr lang="en-US" sz="1200"/>
-              <a:t>with specific</a:t>
-            </a:r>
-            <a:br>
-              <a:rPr lang="en-US" sz="1200"/>
-            </a:br>
-            <a:r>
-              <a:rPr lang="en-US" sz="1200"/>
-              <a:t>names</a:t>
+              <a:t>with specific names</a:t>
             </a:r>
             <a:r>
               <a:rPr lang="en-US" sz="1200" dirty="0"/>
@@ -16803,7 +16801,14 @@
               <a:rPr lang="en-US" sz="1200" b="1" dirty="0" err="1">
                 <a:latin typeface="Consolas" panose="020B0609020204030204" pitchFamily="49" charset="0"/>
               </a:rPr>
-              <a:t>.iloc</a:t>
+              <a:t>.</a:t>
+            </a:r>
+            <a:r>
+              <a:rPr lang="en-US" sz="1200" b="1" dirty="0" err="1">
+                <a:latin typeface="Consolas" panose="020B0609020204030204" pitchFamily="49" charset="0"/>
+                <a:hlinkClick r:id="rId31"/>
+              </a:rPr>
+              <a:t>iloc</a:t>
             </a:r>
             <a:r>
               <a:rPr lang="en-US" sz="1200" b="1" dirty="0">
@@ -16830,7 +16835,20 @@
               <a:rPr lang="en-US" sz="1200" b="1">
                 <a:latin typeface="Consolas" panose="020B0609020204030204" pitchFamily="49" charset="0"/>
               </a:rPr>
-              <a:t>df.iloc[:,[1,2,5]]</a:t>
+              <a:t>df.</a:t>
+            </a:r>
+            <a:r>
+              <a:rPr lang="en-US" sz="1200" b="1">
+                <a:latin typeface="Consolas" panose="020B0609020204030204" pitchFamily="49" charset="0"/>
+                <a:hlinkClick r:id="rId31"/>
+              </a:rPr>
+              <a:t>iloc</a:t>
+            </a:r>
+            <a:r>
+              <a:rPr lang="en-US" sz="1200" b="1">
+                <a:latin typeface="Consolas" panose="020B0609020204030204" pitchFamily="49" charset="0"/>
+              </a:rPr>
+              <a:t>[:,[1,2,5]]</a:t>
             </a:r>
           </a:p>
           <a:p>
@@ -16845,7 +16863,20 @@
               <a:rPr lang="en-US" sz="1200" b="1">
                 <a:latin typeface="Consolas" panose="020B0609020204030204" pitchFamily="49" charset="0"/>
               </a:rPr>
-              <a:t>df.loc[:,'x2':'x4']</a:t>
+              <a:t>df.</a:t>
+            </a:r>
+            <a:r>
+              <a:rPr lang="en-US" sz="1200" b="1">
+                <a:latin typeface="Consolas" panose="020B0609020204030204" pitchFamily="49" charset="0"/>
+                <a:hlinkClick r:id="rId32"/>
+              </a:rPr>
+              <a:t>loc</a:t>
+            </a:r>
+            <a:r>
+              <a:rPr lang="en-US" sz="1200" b="1">
+                <a:latin typeface="Consolas" panose="020B0609020204030204" pitchFamily="49" charset="0"/>
+              </a:rPr>
+              <a:t>[:,'x2':'x4']</a:t>
             </a:r>
           </a:p>
           <a:p>
@@ -16860,7 +16891,20 @@
               <a:rPr lang="en-US" sz="1200" b="1">
                 <a:latin typeface="Consolas" panose="020B0609020204030204" pitchFamily="49" charset="0"/>
               </a:rPr>
-              <a:t>df.loc[df['a'] &gt; 10, ['a','c']]</a:t>
+              <a:t>df.</a:t>
+            </a:r>
+            <a:r>
+              <a:rPr lang="en-US" sz="1200" b="1">
+                <a:latin typeface="Consolas" panose="020B0609020204030204" pitchFamily="49" charset="0"/>
+                <a:hlinkClick r:id="rId32"/>
+              </a:rPr>
+              <a:t>loc</a:t>
+            </a:r>
+            <a:r>
+              <a:rPr lang="en-US" sz="1200" b="1">
+                <a:latin typeface="Consolas" panose="020B0609020204030204" pitchFamily="49" charset="0"/>
+              </a:rPr>
+              <a:t>[df['a'] &gt; 10, ['a','c']]</a:t>
             </a:r>
           </a:p>
           <a:p>
@@ -16881,7 +16925,7 @@
             <a:r>
               <a:rPr lang="en-US" sz="1200" b="1">
                 <a:latin typeface="Consolas" panose="020B0609020204030204" pitchFamily="49" charset="0"/>
-                <a:hlinkClick r:id="rId31"/>
+                <a:hlinkClick r:id="rId33"/>
               </a:rPr>
               <a:t>iat</a:t>
             </a:r>
@@ -16889,7 +16933,7 @@
               <a:rPr lang="en-US" sz="1200" b="1">
                 <a:latin typeface="Consolas" panose="020B0609020204030204" pitchFamily="49" charset="0"/>
               </a:rPr>
-              <a:t>[1,2] </a:t>
+              <a:t>[1, 2] </a:t>
             </a:r>
             <a:r>
               <a:rPr lang="en-US" sz="1200"/>
@@ -16907,7 +16951,7 @@
             <a:r>
               <a:rPr lang="en-US" sz="1200" b="1">
                 <a:latin typeface="Consolas" panose="020B0609020204030204" pitchFamily="49" charset="0"/>
-                <a:hlinkClick r:id="rId32"/>
+                <a:hlinkClick r:id="rId34"/>
               </a:rPr>
               <a:t>at</a:t>
             </a:r>
@@ -16915,7 +16959,7 @@
               <a:rPr lang="en-US" sz="1200" b="1">
                 <a:latin typeface="Consolas" panose="020B0609020204030204" pitchFamily="49" charset="0"/>
               </a:rPr>
-              <a:t>[4, ‘A’] </a:t>
+              <a:t>[4, 'A'] </a:t>
             </a:r>
             <a:r>
               <a:rPr lang="en-US" sz="1200"/>
@@ -17010,7 +17054,7 @@
         </p:nvSpPr>
         <p:spPr>
           <a:xfrm>
-            <a:off x="7183795" y="5399460"/>
+            <a:off x="7181809" y="5399460"/>
             <a:ext cx="3369452" cy="423293"/>
           </a:xfrm>
           <a:prstGeom prst="roundRect">
@@ -17269,19 +17313,19 @@
             </a:r>
             <a:r>
               <a:rPr lang="en-US" sz="800">
-                <a:hlinkClick r:id="rId33"/>
+                <a:hlinkClick r:id="rId35"/>
               </a:rPr>
               <a:t>http</a:t>
             </a:r>
             <a:r>
               <a:rPr lang="en-US" sz="800" dirty="0">
-                <a:hlinkClick r:id="rId33"/>
+                <a:hlinkClick r:id="rId35"/>
               </a:rPr>
               <a:t>://pandas.pydata.</a:t>
             </a:r>
             <a:r>
               <a:rPr lang="en-US" sz="800">
-                <a:hlinkClick r:id="rId33"/>
+                <a:hlinkClick r:id="rId35"/>
               </a:rPr>
               <a:t>org/</a:t>
             </a:r>
@@ -17291,7 +17335,7 @@
             </a:r>
             <a:r>
               <a:rPr lang="en-US" sz="800">
-                <a:hlinkClick r:id="rId34"/>
+                <a:hlinkClick r:id="rId36"/>
               </a:rPr>
               <a:t>Princeton Consultants</a:t>
             </a:r>
@@ -17305,19 +17349,19 @@
             </a:r>
             <a:r>
               <a:rPr lang="en-US" sz="800" dirty="0" err="1">
-                <a:hlinkClick r:id="rId35"/>
+                <a:hlinkClick r:id="rId37"/>
               </a:rPr>
               <a:t>Rstudio</a:t>
             </a:r>
             <a:r>
               <a:rPr lang="en-US" sz="800" dirty="0">
-                <a:hlinkClick r:id="rId35"/>
+                <a:hlinkClick r:id="rId37"/>
               </a:rPr>
               <a:t> Data </a:t>
             </a:r>
             <a:r>
               <a:rPr lang="en-US" sz="800">
-                <a:hlinkClick r:id="rId35"/>
+                <a:hlinkClick r:id="rId37"/>
               </a:rPr>
               <a:t>Wrangling Cheatsheet</a:t>
             </a:r>
@@ -17339,8 +17383,8 @@
         </p:nvSpPr>
         <p:spPr>
           <a:xfrm>
-            <a:off x="7181809" y="8021565"/>
-            <a:ext cx="3369452" cy="423293"/>
+            <a:off x="7181809" y="7729466"/>
+            <a:ext cx="3369452" cy="381798"/>
           </a:xfrm>
           <a:prstGeom prst="roundRect">
             <a:avLst/>
@@ -17380,7 +17424,7 @@
                 <a:solidFill>
                   <a:schemeClr val="bg1"/>
                 </a:solidFill>
-                <a:hlinkClick r:id="rId36">
+                <a:hlinkClick r:id="rId38">
                   <a:extLst>
                     <a:ext uri="{A12FA001-AC4F-418D-AE19-62706E023703}">
                       <ahyp:hlinkClr xmlns:ahyp="http://schemas.microsoft.com/office/drawing/2018/hyperlinkcolor" val="tx"/>
@@ -17412,8 +17456,8 @@
         </p:nvSpPr>
         <p:spPr>
           <a:xfrm>
-            <a:off x="7210127" y="8443505"/>
-            <a:ext cx="3454610" cy="830997"/>
+            <a:off x="7210127" y="8100605"/>
+            <a:ext cx="3454610" cy="1200329"/>
           </a:xfrm>
           <a:prstGeom prst="rect">
             <a:avLst/>
@@ -17427,26 +17471,71 @@
           <a:lstStyle/>
           <a:p>
             <a:r>
+              <a:rPr lang="en-US" sz="1200"/>
+              <a:t>query() allows Boolean expressions for filtering rows.</a:t>
+            </a:r>
+          </a:p>
+          <a:p>
+            <a:r>
               <a:rPr lang="en-US" sz="1200" b="1">
                 <a:latin typeface="Consolas" panose="020B0609020204030204" pitchFamily="49" charset="0"/>
               </a:rPr>
-              <a:t>df.query(“Length &gt; 7”)</a:t>
-            </a:r>
-          </a:p>
-          <a:p>
+              <a:t>df.</a:t>
+            </a:r>
             <a:r>
               <a:rPr lang="en-US" sz="1200" b="1">
                 <a:latin typeface="Consolas" panose="020B0609020204030204" pitchFamily="49" charset="0"/>
-              </a:rPr>
-              <a:t>df.query(“Length &gt; 7 and Width &lt; 8”)</a:t>
-            </a:r>
-          </a:p>
-          <a:p>
+                <a:hlinkClick r:id="rId38"/>
+              </a:rPr>
+              <a:t>query</a:t>
+            </a:r>
             <a:r>
               <a:rPr lang="en-US" sz="1200" b="1">
                 <a:latin typeface="Consolas" panose="020B0609020204030204" pitchFamily="49" charset="0"/>
               </a:rPr>
-              <a:t>df.query("Name.str.startswith('abc’)”, </a:t>
+              <a:t>('Length &gt; 7')</a:t>
+            </a:r>
+          </a:p>
+          <a:p>
+            <a:r>
+              <a:rPr lang="en-US" sz="1200" b="1">
+                <a:latin typeface="Consolas" panose="020B0609020204030204" pitchFamily="49" charset="0"/>
+              </a:rPr>
+              <a:t>df.</a:t>
+            </a:r>
+            <a:r>
+              <a:rPr lang="en-US" sz="1200" b="1">
+                <a:latin typeface="Consolas" panose="020B0609020204030204" pitchFamily="49" charset="0"/>
+                <a:hlinkClick r:id="rId38"/>
+              </a:rPr>
+              <a:t>query</a:t>
+            </a:r>
+            <a:r>
+              <a:rPr lang="en-US" sz="1200" b="1">
+                <a:latin typeface="Consolas" panose="020B0609020204030204" pitchFamily="49" charset="0"/>
+              </a:rPr>
+              <a:t>('Length &gt; 7 and Width &lt; 8')</a:t>
+            </a:r>
+          </a:p>
+          <a:p>
+            <a:r>
+              <a:rPr lang="en-US" sz="1200" b="1">
+                <a:latin typeface="Consolas" panose="020B0609020204030204" pitchFamily="49" charset="0"/>
+              </a:rPr>
+              <a:t>df.</a:t>
+            </a:r>
+            <a:r>
+              <a:rPr lang="en-US" sz="1200" b="1">
+                <a:latin typeface="Consolas" panose="020B0609020204030204" pitchFamily="49" charset="0"/>
+                <a:hlinkClick r:id="rId38"/>
+              </a:rPr>
+              <a:t>query</a:t>
+            </a:r>
+            <a:r>
+              <a:rPr lang="en-US" sz="1200" b="1">
+                <a:latin typeface="Consolas" panose="020B0609020204030204" pitchFamily="49" charset="0"/>
+              </a:rPr>
+              <a:t>('Name.str.startswith("abc")', </a:t>
             </a:r>
             <a:br>
               <a:rPr lang="en-US" sz="1200" b="1">
@@ -27178,7 +27267,7 @@
               <a:rPr lang="en-US" sz="1200" b="1">
                 <a:latin typeface="Consolas" panose="020B0609020204030204" pitchFamily="49" charset="0"/>
               </a:rPr>
-              <a:t>by="col“)</a:t>
+              <a:t>by="col")</a:t>
             </a:r>
             <a:r>
               <a:rPr lang="en-US" sz="1200" i="1">

--- a/doc/cheatsheet/Pandas_Cheat_Sheet.pptx
+++ b/doc/cheatsheet/Pandas_Cheat_Sheet.pptx
@@ -261,7 +261,7 @@
           <a:p>
             <a:fld id="{79278B33-2949-49BE-B3B0-3F16CAF906FE}" type="datetimeFigureOut">
               <a:rPr lang="en-US" smtClean="0"/>
-              <a:t>3/28/2021</a:t>
+              <a:t>3/29/2021</a:t>
             </a:fld>
             <a:endParaRPr lang="en-US"/>
           </a:p>
@@ -431,7 +431,7 @@
           <a:p>
             <a:fld id="{79278B33-2949-49BE-B3B0-3F16CAF906FE}" type="datetimeFigureOut">
               <a:rPr lang="en-US" smtClean="0"/>
-              <a:t>3/28/2021</a:t>
+              <a:t>3/29/2021</a:t>
             </a:fld>
             <a:endParaRPr lang="en-US"/>
           </a:p>
@@ -611,7 +611,7 @@
           <a:p>
             <a:fld id="{79278B33-2949-49BE-B3B0-3F16CAF906FE}" type="datetimeFigureOut">
               <a:rPr lang="en-US" smtClean="0"/>
-              <a:t>3/28/2021</a:t>
+              <a:t>3/29/2021</a:t>
             </a:fld>
             <a:endParaRPr lang="en-US"/>
           </a:p>
@@ -781,7 +781,7 @@
           <a:p>
             <a:fld id="{79278B33-2949-49BE-B3B0-3F16CAF906FE}" type="datetimeFigureOut">
               <a:rPr lang="en-US" smtClean="0"/>
-              <a:t>3/28/2021</a:t>
+              <a:t>3/29/2021</a:t>
             </a:fld>
             <a:endParaRPr lang="en-US"/>
           </a:p>
@@ -1025,7 +1025,7 @@
           <a:p>
             <a:fld id="{79278B33-2949-49BE-B3B0-3F16CAF906FE}" type="datetimeFigureOut">
               <a:rPr lang="en-US" smtClean="0"/>
-              <a:t>3/28/2021</a:t>
+              <a:t>3/29/2021</a:t>
             </a:fld>
             <a:endParaRPr lang="en-US"/>
           </a:p>
@@ -1257,7 +1257,7 @@
           <a:p>
             <a:fld id="{79278B33-2949-49BE-B3B0-3F16CAF906FE}" type="datetimeFigureOut">
               <a:rPr lang="en-US" smtClean="0"/>
-              <a:t>3/28/2021</a:t>
+              <a:t>3/29/2021</a:t>
             </a:fld>
             <a:endParaRPr lang="en-US"/>
           </a:p>
@@ -1624,7 +1624,7 @@
           <a:p>
             <a:fld id="{79278B33-2949-49BE-B3B0-3F16CAF906FE}" type="datetimeFigureOut">
               <a:rPr lang="en-US" smtClean="0"/>
-              <a:t>3/28/2021</a:t>
+              <a:t>3/29/2021</a:t>
             </a:fld>
             <a:endParaRPr lang="en-US"/>
           </a:p>
@@ -1742,7 +1742,7 @@
           <a:p>
             <a:fld id="{79278B33-2949-49BE-B3B0-3F16CAF906FE}" type="datetimeFigureOut">
               <a:rPr lang="en-US" smtClean="0"/>
-              <a:t>3/28/2021</a:t>
+              <a:t>3/29/2021</a:t>
             </a:fld>
             <a:endParaRPr lang="en-US"/>
           </a:p>
@@ -1837,7 +1837,7 @@
           <a:p>
             <a:fld id="{79278B33-2949-49BE-B3B0-3F16CAF906FE}" type="datetimeFigureOut">
               <a:rPr lang="en-US" smtClean="0"/>
-              <a:t>3/28/2021</a:t>
+              <a:t>3/29/2021</a:t>
             </a:fld>
             <a:endParaRPr lang="en-US"/>
           </a:p>
@@ -2114,7 +2114,7 @@
           <a:p>
             <a:fld id="{79278B33-2949-49BE-B3B0-3F16CAF906FE}" type="datetimeFigureOut">
               <a:rPr lang="en-US" smtClean="0"/>
-              <a:t>3/28/2021</a:t>
+              <a:t>3/29/2021</a:t>
             </a:fld>
             <a:endParaRPr lang="en-US"/>
           </a:p>
@@ -2371,7 +2371,7 @@
           <a:p>
             <a:fld id="{79278B33-2949-49BE-B3B0-3F16CAF906FE}" type="datetimeFigureOut">
               <a:rPr lang="en-US" smtClean="0"/>
-              <a:t>3/28/2021</a:t>
+              <a:t>3/29/2021</a:t>
             </a:fld>
             <a:endParaRPr lang="en-US"/>
           </a:p>
@@ -2584,7 +2584,7 @@
           <a:p>
             <a:fld id="{79278B33-2949-49BE-B3B0-3F16CAF906FE}" type="datetimeFigureOut">
               <a:rPr lang="en-US" smtClean="0"/>
-              <a:t>3/28/2021</a:t>
+              <a:t>3/29/2021</a:t>
             </a:fld>
             <a:endParaRPr lang="en-US"/>
           </a:p>
@@ -6845,16 +6845,10 @@
               <a:t>sort_values</a:t>
             </a:r>
             <a:r>
-              <a:rPr lang="en-US" sz="1200" b="1" dirty="0">
-                <a:latin typeface="Consolas" panose="020B0609020204030204" pitchFamily="49" charset="0"/>
-              </a:rPr>
-              <a:t>('</a:t>
-            </a:r>
-            <a:r>
-              <a:rPr lang="en-US" sz="1200" b="1" dirty="0" err="1">
-                <a:latin typeface="Consolas" panose="020B0609020204030204" pitchFamily="49" charset="0"/>
-              </a:rPr>
-              <a:t>mpg',ascending</a:t>
+              <a:rPr lang="en-US" sz="1200" b="1">
+                <a:latin typeface="Consolas" panose="020B0609020204030204" pitchFamily="49" charset="0"/>
+              </a:rPr>
+              <a:t>('mpg’, ascending</a:t>
             </a:r>
             <a:r>
               <a:rPr lang="en-US" sz="1200" b="1" dirty="0">
@@ -7015,13 +7009,13 @@
               <a:rPr lang="en-US" sz="1200" b="1" dirty="0">
                 <a:latin typeface="Consolas" panose="020B0609020204030204" pitchFamily="49" charset="0"/>
               </a:rPr>
-              <a:t>(columns=['</a:t>
-            </a:r>
-            <a:r>
-              <a:rPr lang="en-US" sz="1200" b="1" dirty="0" err="1">
-                <a:latin typeface="Consolas" panose="020B0609020204030204" pitchFamily="49" charset="0"/>
-              </a:rPr>
-              <a:t>Length','Height</a:t>
+              <a:t>(columns</a:t>
+            </a:r>
+            <a:r>
+              <a:rPr lang="en-US" sz="1200" b="1">
+                <a:latin typeface="Consolas" panose="020B0609020204030204" pitchFamily="49" charset="0"/>
+              </a:rPr>
+              <a:t>=['Length’, 'Height</a:t>
             </a:r>
             <a:r>
               <a:rPr lang="en-US" sz="1200" b="1" dirty="0">
@@ -8107,7 +8101,19 @@
               <a:rPr lang="en-US" sz="1200" b="1" dirty="0">
                 <a:latin typeface="Consolas" panose="020B0609020204030204" pitchFamily="49" charset="0"/>
               </a:rPr>
-              <a:t>          {"a" : [4 ,5, 6], </a:t>
+              <a:t>          {"a" : </a:t>
+            </a:r>
+            <a:r>
+              <a:rPr lang="en-US" sz="1200" b="1">
+                <a:latin typeface="Consolas" panose="020B0609020204030204" pitchFamily="49" charset="0"/>
+              </a:rPr>
+              <a:t>[4, 5</a:t>
+            </a:r>
+            <a:r>
+              <a:rPr lang="en-US" sz="1200" b="1" dirty="0">
+                <a:latin typeface="Consolas" panose="020B0609020204030204" pitchFamily="49" charset="0"/>
+              </a:rPr>
+              <a:t>, 6], </a:t>
             </a:r>
           </a:p>
           <a:p>
@@ -9774,7 +9780,7 @@
         <p:spPr>
           <a:xfrm>
             <a:off x="357319" y="6909876"/>
-            <a:ext cx="3291069" cy="1569660"/>
+            <a:ext cx="3442496" cy="1569660"/>
           </a:xfrm>
           <a:prstGeom prst="rect">
             <a:avLst/>
@@ -9852,24 +9858,21 @@
           </a:p>
           <a:p>
             <a:r>
-              <a:rPr lang="en-US" sz="1200" b="1" dirty="0">
-                <a:latin typeface="Consolas" panose="020B0609020204030204" pitchFamily="49" charset="0"/>
-              </a:rPr>
-              <a:t>          [('d',1),('d',2),('e',2)],</a:t>
-            </a:r>
-          </a:p>
-          <a:p>
-            <a:r>
-              <a:rPr lang="en-US" sz="1200" b="1" dirty="0">
-                <a:latin typeface="Consolas" panose="020B0609020204030204" pitchFamily="49" charset="0"/>
-              </a:rPr>
-              <a:t>             names=['</a:t>
-            </a:r>
-            <a:r>
-              <a:rPr lang="en-US" sz="1200" b="1" dirty="0" err="1">
-                <a:latin typeface="Consolas" panose="020B0609020204030204" pitchFamily="49" charset="0"/>
-              </a:rPr>
-              <a:t>n','v</a:t>
+              <a:rPr lang="en-US" sz="1200" b="1">
+                <a:latin typeface="Consolas" panose="020B0609020204030204" pitchFamily="49" charset="0"/>
+              </a:rPr>
+              <a:t>        [('d’, 1), ('d’, 2),</a:t>
+            </a:r>
+            <a:br>
+              <a:rPr lang="en-US" sz="1200" b="1">
+                <a:latin typeface="Consolas" panose="020B0609020204030204" pitchFamily="49" charset="0"/>
+              </a:rPr>
+            </a:br>
+            <a:r>
+              <a:rPr lang="en-US" sz="1200" b="1">
+                <a:latin typeface="Consolas" panose="020B0609020204030204" pitchFamily="49" charset="0"/>
+              </a:rPr>
+              <a:t>         ('e’, 2)], names=['n’, 'v</a:t>
             </a:r>
             <a:r>
               <a:rPr lang="en-US" sz="1200" b="1" dirty="0">
@@ -10000,7 +10003,7 @@
         <p:spPr>
           <a:xfrm>
             <a:off x="281972" y="9015820"/>
-            <a:ext cx="3454610" cy="1754326"/>
+            <a:ext cx="3454610" cy="1785104"/>
           </a:xfrm>
           <a:prstGeom prst="rect">
             <a:avLst/>
@@ -10070,7 +10073,19 @@
               <a:rPr lang="en-US" sz="1200" b="1">
                 <a:latin typeface="Consolas" panose="020B0609020204030204" pitchFamily="49" charset="0"/>
               </a:rPr>
-              <a:t>        </a:t>
+              <a:t>      </a:t>
+            </a:r>
+            <a:r>
+              <a:rPr lang="en-US" sz="1400" b="1">
+                <a:latin typeface="Consolas" panose="020B0609020204030204" pitchFamily="49" charset="0"/>
+              </a:rPr>
+              <a:t> </a:t>
+            </a:r>
+            <a:r>
+              <a:rPr lang="en-US" sz="1200" b="1">
+                <a:latin typeface="Consolas" panose="020B0609020204030204" pitchFamily="49" charset="0"/>
+              </a:rPr>
+              <a:t> </a:t>
             </a:r>
             <a:r>
               <a:rPr lang="en-US" sz="1200" b="1" dirty="0">
@@ -10097,13 +10112,13 @@
               <a:rPr lang="en-US" sz="1200" b="1" dirty="0">
                 <a:latin typeface="Consolas" panose="020B0609020204030204" pitchFamily="49" charset="0"/>
               </a:rPr>
-              <a:t>                'variable' : '</a:t>
-            </a:r>
-            <a:r>
-              <a:rPr lang="en-US" sz="1200" b="1" dirty="0" err="1">
-                <a:latin typeface="Consolas" panose="020B0609020204030204" pitchFamily="49" charset="0"/>
-              </a:rPr>
-              <a:t>var</a:t>
+              <a:t>                </a:t>
+            </a:r>
+            <a:r>
+              <a:rPr lang="en-US" sz="1200" b="1">
+                <a:latin typeface="Consolas" panose="020B0609020204030204" pitchFamily="49" charset="0"/>
+              </a:rPr>
+              <a:t>'variable':'var</a:t>
             </a:r>
             <a:r>
               <a:rPr lang="en-US" sz="1200" b="1" dirty="0">
@@ -10117,13 +10132,13 @@
               <a:rPr lang="en-US" sz="1200" b="1" dirty="0">
                 <a:latin typeface="Consolas" panose="020B0609020204030204" pitchFamily="49" charset="0"/>
               </a:rPr>
-              <a:t>                'value' : '</a:t>
-            </a:r>
-            <a:r>
-              <a:rPr lang="en-US" sz="1200" b="1" dirty="0" err="1">
-                <a:latin typeface="Consolas" panose="020B0609020204030204" pitchFamily="49" charset="0"/>
-              </a:rPr>
-              <a:t>val</a:t>
+              <a:t>                </a:t>
+            </a:r>
+            <a:r>
+              <a:rPr lang="en-US" sz="1200" b="1">
+                <a:latin typeface="Consolas" panose="020B0609020204030204" pitchFamily="49" charset="0"/>
+              </a:rPr>
+              <a:t>'value':'val</a:t>
             </a:r>
             <a:r>
               <a:rPr lang="en-US" sz="1200" b="1" dirty="0">
@@ -16624,16 +16639,10 @@
               <a:t>df</a:t>
             </a:r>
             <a:r>
-              <a:rPr lang="en-US" sz="1200" b="1" dirty="0">
-                <a:latin typeface="Consolas" panose="020B0609020204030204" pitchFamily="49" charset="0"/>
-              </a:rPr>
-              <a:t>[['</a:t>
-            </a:r>
-            <a:r>
-              <a:rPr lang="en-US" sz="1200" b="1" dirty="0" err="1">
-                <a:latin typeface="Consolas" panose="020B0609020204030204" pitchFamily="49" charset="0"/>
-              </a:rPr>
-              <a:t>width','length','species</a:t>
+              <a:rPr lang="en-US" sz="1200" b="1">
+                <a:latin typeface="Consolas" panose="020B0609020204030204" pitchFamily="49" charset="0"/>
+              </a:rPr>
+              <a:t>[['width’, 'length’, 'species</a:t>
             </a:r>
             <a:r>
               <a:rPr lang="en-US" sz="1200" b="1" dirty="0">
@@ -16848,7 +16857,7 @@
               <a:rPr lang="en-US" sz="1200" b="1">
                 <a:latin typeface="Consolas" panose="020B0609020204030204" pitchFamily="49" charset="0"/>
               </a:rPr>
-              <a:t>[:,[1,2,5]]</a:t>
+              <a:t>[:, [1, 2, 5]]</a:t>
             </a:r>
           </a:p>
           <a:p>
@@ -16876,7 +16885,7 @@
               <a:rPr lang="en-US" sz="1200" b="1">
                 <a:latin typeface="Consolas" panose="020B0609020204030204" pitchFamily="49" charset="0"/>
               </a:rPr>
-              <a:t>[:,'x2':'x4']</a:t>
+              <a:t>[:, 'x2':'x4']</a:t>
             </a:r>
           </a:p>
           <a:p>
@@ -16904,7 +16913,7 @@
               <a:rPr lang="en-US" sz="1200" b="1">
                 <a:latin typeface="Consolas" panose="020B0609020204030204" pitchFamily="49" charset="0"/>
               </a:rPr>
-              <a:t>[df['a'] &gt; 10, ['a','c']]</a:t>
+              <a:t>[df['a'] &gt; 10, ['a’, 'c']]</a:t>
             </a:r>
           </a:p>
           <a:p>
@@ -27268,12 +27277,6 @@
                 <a:latin typeface="Consolas" panose="020B0609020204030204" pitchFamily="49" charset="0"/>
               </a:rPr>
               <a:t>by="col")</a:t>
-            </a:r>
-            <a:r>
-              <a:rPr lang="en-US" sz="1200" i="1">
-                <a:latin typeface="Consolas" panose="020B0609020204030204" pitchFamily="49" charset="0"/>
-              </a:rPr>
-              <a:t>.max()</a:t>
             </a:r>
             <a:endParaRPr lang="en-US" sz="1200" i="1" dirty="0">
               <a:latin typeface="Consolas" panose="020B0609020204030204" pitchFamily="49" charset="0"/>

--- a/doc/cheatsheet/Pandas_Cheat_Sheet.pptx
+++ b/doc/cheatsheet/Pandas_Cheat_Sheet.pptx
@@ -126,7 +126,7 @@
 
 <file path=ppt/commentAuthors.xml><?xml version="1.0" encoding="utf-8"?>
 <p:cmAuthorLst xmlns:a="http://schemas.openxmlformats.org/drawingml/2006/main" xmlns:r="http://schemas.openxmlformats.org/officeDocument/2006/relationships" xmlns:p="http://schemas.openxmlformats.org/presentationml/2006/main">
-  <p:cmAuthor id="2" name="Autor" initials="A" lastIdx="0" clrIdx="1"/>
+  <p:cmAuthor id="3" name="Author" initials="A" lastIdx="0" clrIdx="2"/>
 </p:cmAuthorLst>
 </file>
 
@@ -261,7 +261,7 @@
           <a:p>
             <a:fld id="{79278B33-2949-49BE-B3B0-3F16CAF906FE}" type="datetimeFigureOut">
               <a:rPr lang="en-US" smtClean="0"/>
-              <a:t>3/29/2021</a:t>
+              <a:t>8/17/2021</a:t>
             </a:fld>
             <a:endParaRPr lang="en-US"/>
           </a:p>
@@ -303,7 +303,7 @@
           <a:p>
             <a:fld id="{E8285EFA-DD28-4E69-ADE7-169C8C1119D8}" type="slidenum">
               <a:rPr lang="en-US" smtClean="0"/>
-              <a:t>‹Nr.›</a:t>
+              <a:t>‹#›</a:t>
             </a:fld>
             <a:endParaRPr lang="en-US"/>
           </a:p>
@@ -431,7 +431,7 @@
           <a:p>
             <a:fld id="{79278B33-2949-49BE-B3B0-3F16CAF906FE}" type="datetimeFigureOut">
               <a:rPr lang="en-US" smtClean="0"/>
-              <a:t>3/29/2021</a:t>
+              <a:t>8/17/2021</a:t>
             </a:fld>
             <a:endParaRPr lang="en-US"/>
           </a:p>
@@ -473,7 +473,7 @@
           <a:p>
             <a:fld id="{E8285EFA-DD28-4E69-ADE7-169C8C1119D8}" type="slidenum">
               <a:rPr lang="en-US" smtClean="0"/>
-              <a:t>‹Nr.›</a:t>
+              <a:t>‹#›</a:t>
             </a:fld>
             <a:endParaRPr lang="en-US"/>
           </a:p>
@@ -611,7 +611,7 @@
           <a:p>
             <a:fld id="{79278B33-2949-49BE-B3B0-3F16CAF906FE}" type="datetimeFigureOut">
               <a:rPr lang="en-US" smtClean="0"/>
-              <a:t>3/29/2021</a:t>
+              <a:t>8/17/2021</a:t>
             </a:fld>
             <a:endParaRPr lang="en-US"/>
           </a:p>
@@ -653,7 +653,7 @@
           <a:p>
             <a:fld id="{E8285EFA-DD28-4E69-ADE7-169C8C1119D8}" type="slidenum">
               <a:rPr lang="en-US" smtClean="0"/>
-              <a:t>‹Nr.›</a:t>
+              <a:t>‹#›</a:t>
             </a:fld>
             <a:endParaRPr lang="en-US"/>
           </a:p>
@@ -781,7 +781,7 @@
           <a:p>
             <a:fld id="{79278B33-2949-49BE-B3B0-3F16CAF906FE}" type="datetimeFigureOut">
               <a:rPr lang="en-US" smtClean="0"/>
-              <a:t>3/29/2021</a:t>
+              <a:t>8/17/2021</a:t>
             </a:fld>
             <a:endParaRPr lang="en-US"/>
           </a:p>
@@ -823,7 +823,7 @@
           <a:p>
             <a:fld id="{E8285EFA-DD28-4E69-ADE7-169C8C1119D8}" type="slidenum">
               <a:rPr lang="en-US" smtClean="0"/>
-              <a:t>‹Nr.›</a:t>
+              <a:t>‹#›</a:t>
             </a:fld>
             <a:endParaRPr lang="en-US"/>
           </a:p>
@@ -1025,7 +1025,7 @@
           <a:p>
             <a:fld id="{79278B33-2949-49BE-B3B0-3F16CAF906FE}" type="datetimeFigureOut">
               <a:rPr lang="en-US" smtClean="0"/>
-              <a:t>3/29/2021</a:t>
+              <a:t>8/17/2021</a:t>
             </a:fld>
             <a:endParaRPr lang="en-US"/>
           </a:p>
@@ -1067,7 +1067,7 @@
           <a:p>
             <a:fld id="{E8285EFA-DD28-4E69-ADE7-169C8C1119D8}" type="slidenum">
               <a:rPr lang="en-US" smtClean="0"/>
-              <a:t>‹Nr.›</a:t>
+              <a:t>‹#›</a:t>
             </a:fld>
             <a:endParaRPr lang="en-US"/>
           </a:p>
@@ -1257,7 +1257,7 @@
           <a:p>
             <a:fld id="{79278B33-2949-49BE-B3B0-3F16CAF906FE}" type="datetimeFigureOut">
               <a:rPr lang="en-US" smtClean="0"/>
-              <a:t>3/29/2021</a:t>
+              <a:t>8/17/2021</a:t>
             </a:fld>
             <a:endParaRPr lang="en-US"/>
           </a:p>
@@ -1299,7 +1299,7 @@
           <a:p>
             <a:fld id="{E8285EFA-DD28-4E69-ADE7-169C8C1119D8}" type="slidenum">
               <a:rPr lang="en-US" smtClean="0"/>
-              <a:t>‹Nr.›</a:t>
+              <a:t>‹#›</a:t>
             </a:fld>
             <a:endParaRPr lang="en-US"/>
           </a:p>
@@ -1624,7 +1624,7 @@
           <a:p>
             <a:fld id="{79278B33-2949-49BE-B3B0-3F16CAF906FE}" type="datetimeFigureOut">
               <a:rPr lang="en-US" smtClean="0"/>
-              <a:t>3/29/2021</a:t>
+              <a:t>8/17/2021</a:t>
             </a:fld>
             <a:endParaRPr lang="en-US"/>
           </a:p>
@@ -1666,7 +1666,7 @@
           <a:p>
             <a:fld id="{E8285EFA-DD28-4E69-ADE7-169C8C1119D8}" type="slidenum">
               <a:rPr lang="en-US" smtClean="0"/>
-              <a:t>‹Nr.›</a:t>
+              <a:t>‹#›</a:t>
             </a:fld>
             <a:endParaRPr lang="en-US"/>
           </a:p>
@@ -1742,7 +1742,7 @@
           <a:p>
             <a:fld id="{79278B33-2949-49BE-B3B0-3F16CAF906FE}" type="datetimeFigureOut">
               <a:rPr lang="en-US" smtClean="0"/>
-              <a:t>3/29/2021</a:t>
+              <a:t>8/17/2021</a:t>
             </a:fld>
             <a:endParaRPr lang="en-US"/>
           </a:p>
@@ -1784,7 +1784,7 @@
           <a:p>
             <a:fld id="{E8285EFA-DD28-4E69-ADE7-169C8C1119D8}" type="slidenum">
               <a:rPr lang="en-US" smtClean="0"/>
-              <a:t>‹Nr.›</a:t>
+              <a:t>‹#›</a:t>
             </a:fld>
             <a:endParaRPr lang="en-US"/>
           </a:p>
@@ -1837,7 +1837,7 @@
           <a:p>
             <a:fld id="{79278B33-2949-49BE-B3B0-3F16CAF906FE}" type="datetimeFigureOut">
               <a:rPr lang="en-US" smtClean="0"/>
-              <a:t>3/29/2021</a:t>
+              <a:t>8/17/2021</a:t>
             </a:fld>
             <a:endParaRPr lang="en-US"/>
           </a:p>
@@ -1879,7 +1879,7 @@
           <a:p>
             <a:fld id="{E8285EFA-DD28-4E69-ADE7-169C8C1119D8}" type="slidenum">
               <a:rPr lang="en-US" smtClean="0"/>
-              <a:t>‹Nr.›</a:t>
+              <a:t>‹#›</a:t>
             </a:fld>
             <a:endParaRPr lang="en-US"/>
           </a:p>
@@ -2114,7 +2114,7 @@
           <a:p>
             <a:fld id="{79278B33-2949-49BE-B3B0-3F16CAF906FE}" type="datetimeFigureOut">
               <a:rPr lang="en-US" smtClean="0"/>
-              <a:t>3/29/2021</a:t>
+              <a:t>8/17/2021</a:t>
             </a:fld>
             <a:endParaRPr lang="en-US"/>
           </a:p>
@@ -2156,7 +2156,7 @@
           <a:p>
             <a:fld id="{E8285EFA-DD28-4E69-ADE7-169C8C1119D8}" type="slidenum">
               <a:rPr lang="en-US" smtClean="0"/>
-              <a:t>‹Nr.›</a:t>
+              <a:t>‹#›</a:t>
             </a:fld>
             <a:endParaRPr lang="en-US"/>
           </a:p>
@@ -2371,7 +2371,7 @@
           <a:p>
             <a:fld id="{79278B33-2949-49BE-B3B0-3F16CAF906FE}" type="datetimeFigureOut">
               <a:rPr lang="en-US" smtClean="0"/>
-              <a:t>3/29/2021</a:t>
+              <a:t>8/17/2021</a:t>
             </a:fld>
             <a:endParaRPr lang="en-US"/>
           </a:p>
@@ -2413,7 +2413,7 @@
           <a:p>
             <a:fld id="{E8285EFA-DD28-4E69-ADE7-169C8C1119D8}" type="slidenum">
               <a:rPr lang="en-US" smtClean="0"/>
-              <a:t>‹Nr.›</a:t>
+              <a:t>‹#›</a:t>
             </a:fld>
             <a:endParaRPr lang="en-US"/>
           </a:p>
@@ -2584,7 +2584,7 @@
           <a:p>
             <a:fld id="{79278B33-2949-49BE-B3B0-3F16CAF906FE}" type="datetimeFigureOut">
               <a:rPr lang="en-US" smtClean="0"/>
-              <a:t>3/29/2021</a:t>
+              <a:t>8/17/2021</a:t>
             </a:fld>
             <a:endParaRPr lang="en-US"/>
           </a:p>
@@ -2662,7 +2662,7 @@
           <a:p>
             <a:fld id="{E8285EFA-DD28-4E69-ADE7-169C8C1119D8}" type="slidenum">
               <a:rPr lang="en-US" smtClean="0"/>
-              <a:t>‹Nr.›</a:t>
+              <a:t>‹#›</a:t>
             </a:fld>
             <a:endParaRPr lang="en-US"/>
           </a:p>
@@ -9694,14 +9694,14 @@
           <a:effectLst/>
           <a:extLst>
             <a:ext uri="{909E8E84-426E-40dd-AFC4-6F175D3DCCD1}">
-              <a14:hiddenFill xmlns="" xmlns:a14="http://schemas.microsoft.com/office/drawing/2010/main">
+              <a14:hiddenFill xmlns:a14="http://schemas.microsoft.com/office/drawing/2010/main" xmlns="">
                 <a:solidFill>
                   <a:schemeClr val="accent1"/>
                 </a:solidFill>
               </a14:hiddenFill>
             </a:ext>
             <a:ext uri="{91240B29-F687-4f45-9708-019B960494DF}">
-              <a14:hiddenLine xmlns="" xmlns:a14="http://schemas.microsoft.com/office/drawing/2010/main" w="9525">
+              <a14:hiddenLine xmlns:a14="http://schemas.microsoft.com/office/drawing/2010/main" xmlns="" w="9525">
                 <a:solidFill>
                   <a:schemeClr val="tx1"/>
                 </a:solidFill>
@@ -9711,7 +9711,7 @@
               </a14:hiddenLine>
             </a:ext>
             <a:ext uri="{AF507438-7753-43e0-B8FC-AC1667EBCBE1}">
-              <a14:hiddenEffects xmlns="" xmlns:a14="http://schemas.microsoft.com/office/drawing/2010/main">
+              <a14:hiddenEffects xmlns:a14="http://schemas.microsoft.com/office/drawing/2010/main" xmlns="">
                 <a:effectLst>
                   <a:outerShdw dist="35921" dir="2700000" algn="ctr" rotWithShape="0">
                     <a:schemeClr val="bg2"/>
@@ -16356,16 +16356,10 @@
           </a:p>
           <a:p>
             <a:r>
-              <a:rPr lang="en-US" sz="1200" b="1">
-                <a:latin typeface="Consolas" panose="020B0609020204030204" pitchFamily="49" charset="0"/>
-              </a:rPr>
-              <a:t>df</a:t>
-            </a:r>
-            <a:r>
               <a:rPr lang="en-US" sz="1200" b="1" dirty="0" err="1">
                 <a:latin typeface="Consolas" panose="020B0609020204030204" pitchFamily="49" charset="0"/>
               </a:rPr>
-              <a:t>.</a:t>
+              <a:t>df.</a:t>
             </a:r>
             <a:r>
               <a:rPr lang="en-US" sz="1200" b="1" dirty="0" err="1">
@@ -16390,20 +16384,20 @@
           </a:p>
           <a:p>
             <a:r>
-              <a:rPr lang="en-US" sz="1200" b="1">
+              <a:rPr lang="en-US" sz="1200" b="1" dirty="0" err="1">
                 <a:latin typeface="Consolas" panose="020B0609020204030204" pitchFamily="49" charset="0"/>
               </a:rPr>
               <a:t>df.</a:t>
             </a:r>
             <a:r>
-              <a:rPr lang="en-US" sz="1200" b="1">
+              <a:rPr lang="en-US" sz="1200" b="1" dirty="0" err="1">
                 <a:latin typeface="Consolas" panose="020B0609020204030204" pitchFamily="49" charset="0"/>
                 <a:hlinkClick r:id="rId25"/>
               </a:rPr>
               <a:t>sample</a:t>
             </a:r>
             <a:r>
-              <a:rPr lang="en-US" sz="1200" b="1">
+              <a:rPr lang="en-US" sz="1200" b="1" dirty="0">
                 <a:latin typeface="Consolas" panose="020B0609020204030204" pitchFamily="49" charset="0"/>
               </a:rPr>
               <a:t>(frac=0.5)</a:t>
@@ -16412,82 +16406,82 @@
           <a:p>
             <a:pPr marL="174625"/>
             <a:r>
-              <a:rPr lang="en-US" sz="1200"/>
+              <a:rPr lang="en-US" sz="1200" dirty="0"/>
               <a:t>Randomly select fraction of rows. </a:t>
             </a:r>
           </a:p>
           <a:p>
             <a:r>
-              <a:rPr lang="en-US" sz="1200" b="1">
+              <a:rPr lang="en-US" sz="1200" b="1" dirty="0" err="1">
                 <a:latin typeface="Consolas" panose="020B0609020204030204" pitchFamily="49" charset="0"/>
               </a:rPr>
               <a:t>df.</a:t>
             </a:r>
             <a:r>
-              <a:rPr lang="en-US" sz="1200" b="1">
+              <a:rPr lang="en-US" sz="1200" b="1" dirty="0" err="1">
                 <a:latin typeface="Consolas" panose="020B0609020204030204" pitchFamily="49" charset="0"/>
                 <a:hlinkClick r:id="rId25"/>
               </a:rPr>
               <a:t>sample</a:t>
             </a:r>
             <a:r>
-              <a:rPr lang="en-US" sz="1200" b="1">
+              <a:rPr lang="en-US" sz="1200" b="1" dirty="0">
                 <a:latin typeface="Consolas" panose="020B0609020204030204" pitchFamily="49" charset="0"/>
               </a:rPr>
               <a:t>(n=10) </a:t>
             </a:r>
             <a:r>
-              <a:rPr lang="en-US" sz="1200"/>
+              <a:rPr lang="en-US" sz="1200" dirty="0"/>
               <a:t>Randomly select n rows.</a:t>
             </a:r>
           </a:p>
           <a:p>
             <a:pPr marL="185738" indent="-185738"/>
             <a:r>
-              <a:rPr lang="en-US" sz="1200" b="1">
+              <a:rPr lang="en-US" sz="1200" b="1" dirty="0" err="1">
                 <a:latin typeface="Consolas" panose="020B0609020204030204" pitchFamily="49" charset="0"/>
               </a:rPr>
               <a:t>df.</a:t>
             </a:r>
             <a:r>
-              <a:rPr lang="en-US" sz="1200" b="1">
+              <a:rPr lang="en-US" sz="1200" b="1" dirty="0" err="1">
                 <a:latin typeface="Consolas" panose="020B0609020204030204" pitchFamily="49" charset="0"/>
                 <a:hlinkClick r:id="rId26"/>
               </a:rPr>
               <a:t>nlargest</a:t>
             </a:r>
             <a:r>
-              <a:rPr lang="en-US" sz="1200" b="1">
+              <a:rPr lang="en-US" sz="1200" b="1" dirty="0">
                 <a:latin typeface="Consolas" panose="020B0609020204030204" pitchFamily="49" charset="0"/>
               </a:rPr>
               <a:t>(n, 'value’)</a:t>
             </a:r>
             <a:br>
-              <a:rPr lang="en-US" sz="1200" b="1">
+              <a:rPr lang="en-US" sz="1200" b="1" dirty="0">
                 <a:latin typeface="Consolas" panose="020B0609020204030204" pitchFamily="49" charset="0"/>
               </a:rPr>
             </a:br>
             <a:r>
-              <a:rPr lang="en-US" sz="1200"/>
+              <a:rPr lang="en-US" sz="1200" dirty="0"/>
               <a:t>Select and order top n entries.</a:t>
             </a:r>
           </a:p>
           <a:p>
             <a:r>
-              <a:rPr lang="en-US" sz="1200" b="1">
+              <a:rPr lang="en-US" sz="1200" b="1" dirty="0" err="1">
                 <a:latin typeface="Consolas" panose="020B0609020204030204" pitchFamily="49" charset="0"/>
               </a:rPr>
               <a:t>df.</a:t>
             </a:r>
             <a:r>
-              <a:rPr lang="en-US" sz="1200" b="1">
+              <a:rPr lang="en-US" sz="1200" b="1" dirty="0" err="1">
                 <a:latin typeface="Consolas" panose="020B0609020204030204" pitchFamily="49" charset="0"/>
                 <a:hlinkClick r:id="rId27"/>
               </a:rPr>
               <a:t>nsmallest</a:t>
             </a:r>
             <a:r>
-              <a:rPr lang="en-US" sz="1200" b="1">
+              <a:rPr lang="en-US" sz="1200" b="1" dirty="0">
                 <a:latin typeface="Consolas" panose="020B0609020204030204" pitchFamily="49" charset="0"/>
               </a:rPr>
               <a:t>(n, 'value')</a:t>
@@ -16496,26 +16490,26 @@
           <a:p>
             <a:pPr marL="174625"/>
             <a:r>
-              <a:rPr lang="en-US" sz="1200"/>
+              <a:rPr lang="en-US" sz="1200" dirty="0"/>
               <a:t>Select and order bottom n entries.</a:t>
             </a:r>
           </a:p>
           <a:p>
             <a:r>
-              <a:rPr lang="en-US" sz="1200" b="1">
+              <a:rPr lang="en-US" sz="1200" b="1" dirty="0" err="1">
                 <a:latin typeface="Consolas" panose="020B0609020204030204" pitchFamily="49" charset="0"/>
               </a:rPr>
               <a:t>df.</a:t>
             </a:r>
             <a:r>
-              <a:rPr lang="en-US" sz="1200" b="1">
+              <a:rPr lang="en-US" sz="1200" b="1" dirty="0" err="1">
                 <a:latin typeface="Consolas" panose="020B0609020204030204" pitchFamily="49" charset="0"/>
                 <a:hlinkClick r:id="rId28"/>
               </a:rPr>
               <a:t>head</a:t>
             </a:r>
             <a:r>
-              <a:rPr lang="en-US" sz="1200" b="1">
+              <a:rPr lang="en-US" sz="1200" b="1" dirty="0">
                 <a:latin typeface="Consolas" panose="020B0609020204030204" pitchFamily="49" charset="0"/>
               </a:rPr>
               <a:t>(n)</a:t>
@@ -16524,26 +16518,26 @@
           <a:p>
             <a:pPr marL="92075"/>
             <a:r>
-              <a:rPr lang="en-US" sz="1200"/>
+              <a:rPr lang="en-US" sz="1200" dirty="0"/>
               <a:t>Select first n rows.</a:t>
             </a:r>
           </a:p>
           <a:p>
             <a:r>
-              <a:rPr lang="en-US" sz="1200" b="1">
+              <a:rPr lang="en-US" sz="1200" b="1" dirty="0" err="1">
                 <a:latin typeface="Consolas" panose="020B0609020204030204" pitchFamily="49" charset="0"/>
               </a:rPr>
               <a:t>df.</a:t>
             </a:r>
             <a:r>
-              <a:rPr lang="en-US" sz="1200" b="1">
+              <a:rPr lang="en-US" sz="1200" b="1" dirty="0" err="1">
                 <a:latin typeface="Consolas" panose="020B0609020204030204" pitchFamily="49" charset="0"/>
                 <a:hlinkClick r:id="rId29"/>
               </a:rPr>
               <a:t>tail</a:t>
             </a:r>
             <a:r>
-              <a:rPr lang="en-US" sz="1200" b="1">
+              <a:rPr lang="en-US" sz="1200" b="1" dirty="0">
                 <a:latin typeface="Consolas" panose="020B0609020204030204" pitchFamily="49" charset="0"/>
               </a:rPr>
               <a:t>(n)</a:t>
@@ -16552,10 +16546,9 @@
           <a:p>
             <a:pPr marL="92075"/>
             <a:r>
-              <a:rPr lang="en-US" sz="1200"/>
+              <a:rPr lang="en-US" sz="1200" dirty="0"/>
               <a:t>Select last n rows.</a:t>
             </a:r>
-            <a:endParaRPr lang="en-US" sz="1200" dirty="0"/>
           </a:p>
         </p:txBody>
       </p:sp>
@@ -17216,75 +17209,92 @@
           <a:lstStyle/>
           <a:p>
             <a:r>
-              <a:rPr lang="en-US" sz="1200"/>
+              <a:rPr lang="en-US" sz="1200" dirty="0"/>
               <a:t>Use </a:t>
             </a:r>
             <a:r>
-              <a:rPr lang="en-US" sz="1200" b="1">
-                <a:latin typeface="Consolas" panose="020B0609020204030204" pitchFamily="49" charset="0"/>
-              </a:rPr>
-              <a:t>df.loc[]</a:t>
-            </a:r>
-            <a:r>
-              <a:rPr lang="en-US" sz="1200">
+              <a:rPr lang="en-US" sz="1200" b="1" dirty="0" err="1">
+                <a:latin typeface="Consolas" panose="020B0609020204030204" pitchFamily="49" charset="0"/>
+              </a:rPr>
+              <a:t>df.loc</a:t>
+            </a:r>
+            <a:r>
+              <a:rPr lang="en-US" sz="1200" b="1" dirty="0">
+                <a:latin typeface="Consolas" panose="020B0609020204030204" pitchFamily="49" charset="0"/>
+              </a:rPr>
+              <a:t>[]</a:t>
+            </a:r>
+            <a:r>
+              <a:rPr lang="en-US" sz="1200" dirty="0">
                 <a:latin typeface="Consolas" panose="020B0609020204030204" pitchFamily="49" charset="0"/>
               </a:rPr>
               <a:t> </a:t>
             </a:r>
             <a:r>
-              <a:rPr lang="en-US" sz="1200"/>
+              <a:rPr lang="en-US" sz="1200" dirty="0"/>
               <a:t>and </a:t>
             </a:r>
             <a:r>
-              <a:rPr lang="en-US" sz="1200" b="1">
-                <a:latin typeface="Consolas" panose="020B0609020204030204" pitchFamily="49" charset="0"/>
-              </a:rPr>
-              <a:t>df.iloc[]</a:t>
-            </a:r>
-            <a:r>
-              <a:rPr lang="en-US" sz="1200">
+              <a:rPr lang="en-US" sz="1200" b="1" dirty="0" err="1">
+                <a:latin typeface="Consolas" panose="020B0609020204030204" pitchFamily="49" charset="0"/>
+              </a:rPr>
+              <a:t>df.iloc</a:t>
+            </a:r>
+            <a:r>
+              <a:rPr lang="en-US" sz="1200" b="1" dirty="0">
+                <a:latin typeface="Consolas" panose="020B0609020204030204" pitchFamily="49" charset="0"/>
+              </a:rPr>
+              <a:t>[]</a:t>
+            </a:r>
+            <a:r>
+              <a:rPr lang="en-US" sz="1200" dirty="0">
                 <a:latin typeface="Consolas" panose="020B0609020204030204" pitchFamily="49" charset="0"/>
               </a:rPr>
               <a:t> </a:t>
             </a:r>
             <a:r>
-              <a:rPr lang="en-US" sz="1200"/>
+              <a:rPr lang="en-US" sz="1200" dirty="0"/>
               <a:t>to select only rows, only columns or both.</a:t>
             </a:r>
             <a:br>
-              <a:rPr lang="en-US" sz="1200"/>
+              <a:rPr lang="en-US" sz="1200" dirty="0"/>
             </a:br>
             <a:r>
-              <a:rPr lang="en-US" sz="1200"/>
+              <a:rPr lang="en-US" sz="1200" dirty="0"/>
               <a:t>Use </a:t>
             </a:r>
             <a:r>
-              <a:rPr lang="en-US" sz="1200" b="1">
+              <a:rPr lang="en-US" sz="1200" b="1" dirty="0">
                 <a:latin typeface="Consolas" panose="020B0609020204030204" pitchFamily="49" charset="0"/>
               </a:rPr>
               <a:t>df.at[] </a:t>
             </a:r>
             <a:r>
-              <a:rPr lang="en-US" sz="1200"/>
+              <a:rPr lang="en-US" sz="1200" dirty="0"/>
               <a:t>and </a:t>
             </a:r>
             <a:r>
-              <a:rPr lang="en-US" sz="1200" b="1">
-                <a:latin typeface="Consolas" panose="020B0609020204030204" pitchFamily="49" charset="0"/>
-              </a:rPr>
-              <a:t>df.iat[] </a:t>
-            </a:r>
-            <a:r>
-              <a:rPr lang="en-US" sz="1200"/>
+              <a:rPr lang="en-US" sz="1200" b="1" dirty="0" err="1">
+                <a:latin typeface="Consolas" panose="020B0609020204030204" pitchFamily="49" charset="0"/>
+              </a:rPr>
+              <a:t>df.iat</a:t>
+            </a:r>
+            <a:r>
+              <a:rPr lang="en-US" sz="1200" b="1" dirty="0">
+                <a:latin typeface="Consolas" panose="020B0609020204030204" pitchFamily="49" charset="0"/>
+              </a:rPr>
+              <a:t>[] </a:t>
+            </a:r>
+            <a:r>
+              <a:rPr lang="en-US" sz="1200" dirty="0"/>
               <a:t>to access a single value by row and column.</a:t>
             </a:r>
           </a:p>
           <a:p>
             <a:r>
-              <a:rPr lang="en-US" sz="1200"/>
+              <a:rPr lang="en-US" sz="1200" dirty="0"/>
               <a:t>First index selects rows, second index columns.</a:t>
             </a:r>
-            <a:endParaRPr lang="en-US" sz="1200" dirty="0"/>
           </a:p>
         </p:txBody>
       </p:sp>
@@ -18011,12 +18021,8 @@
           <a:p>
             <a:pPr marL="92075"/>
             <a:r>
-              <a:rPr lang="en-US" sz="1200"/>
-              <a:t> Count </a:t>
-            </a:r>
-            <a:r>
               <a:rPr lang="en-US" sz="1200" dirty="0"/>
-              <a:t>number of rows with each unique value of variable</a:t>
+              <a:t> Count number of rows with each unique value of variable</a:t>
             </a:r>
           </a:p>
           <a:p>
@@ -18052,39 +18058,46 @@
               <a:t># of rows in </a:t>
             </a:r>
             <a:r>
-              <a:rPr lang="en-US" sz="1200" err="1"/>
+              <a:rPr lang="en-US" sz="1200" dirty="0" err="1"/>
               <a:t>DataFrame</a:t>
             </a:r>
             <a:r>
-              <a:rPr lang="en-US" sz="1200"/>
+              <a:rPr lang="en-US" sz="1200" dirty="0"/>
               <a:t>.</a:t>
             </a:r>
           </a:p>
           <a:p>
             <a:r>
-              <a:rPr lang="en-US" sz="1200" b="1">
+              <a:rPr lang="en-US" sz="1200" b="1" dirty="0" err="1">
                 <a:latin typeface="Consolas" panose="020B0609020204030204" pitchFamily="49" charset="0"/>
               </a:rPr>
               <a:t>df.</a:t>
             </a:r>
             <a:r>
-              <a:rPr lang="en-US" sz="1200" b="1">
+              <a:rPr lang="en-US" sz="1200" b="1" dirty="0" err="1">
                 <a:latin typeface="Consolas" panose="020B0609020204030204" pitchFamily="49" charset="0"/>
                 <a:hlinkClick r:id="rId5"/>
               </a:rPr>
               <a:t>shape</a:t>
             </a:r>
-            <a:endParaRPr lang="en-US" sz="1200" b="1">
+            <a:endParaRPr lang="en-US" sz="1200" b="1" dirty="0">
               <a:latin typeface="Consolas" panose="020B0609020204030204" pitchFamily="49" charset="0"/>
             </a:endParaRPr>
           </a:p>
           <a:p>
             <a:pPr marL="92075"/>
             <a:r>
-              <a:rPr lang="en-US" sz="1200"/>
-              <a:t> Tuple of # of rows, # of columns in DataFrame.</a:t>
-            </a:r>
-            <a:endParaRPr lang="en-US" sz="1200" dirty="0"/>
+              <a:rPr lang="en-US" sz="1200" dirty="0"/>
+              <a:t> Tuple of # of rows, # of columns in </a:t>
+            </a:r>
+            <a:r>
+              <a:rPr lang="en-US" sz="1200" dirty="0" err="1"/>
+              <a:t>DataFrame</a:t>
+            </a:r>
+            <a:r>
+              <a:rPr lang="en-US" sz="1200" dirty="0"/>
+              <a:t>.</a:t>
+            </a:r>
           </a:p>
           <a:p>
             <a:r>
@@ -18128,14 +18141,14 @@
               <a:t>df.</a:t>
             </a:r>
             <a:r>
-              <a:rPr lang="en-US" sz="1200" b="1" err="1">
+              <a:rPr lang="en-US" sz="1200" b="1" dirty="0" err="1">
                 <a:latin typeface="Consolas" panose="020B0609020204030204" pitchFamily="49" charset="0"/>
                 <a:hlinkClick r:id="rId7"/>
               </a:rPr>
               <a:t>describe</a:t>
             </a:r>
             <a:r>
-              <a:rPr lang="en-US" sz="1200" b="1">
+              <a:rPr lang="en-US" sz="1200" b="1" dirty="0">
                 <a:latin typeface="Consolas" panose="020B0609020204030204" pitchFamily="49" charset="0"/>
               </a:rPr>
               <a:t>()</a:t>
@@ -18144,8 +18157,16 @@
           <a:p>
             <a:pPr marL="92075"/>
             <a:r>
-              <a:rPr lang="en-US" sz="1200"/>
-              <a:t>Basic descriptive and statistics for each column (or GroupBy).</a:t>
+              <a:rPr lang="en-US" sz="1200" dirty="0"/>
+              <a:t>Basic descriptive and statistics for each column (or </a:t>
+            </a:r>
+            <a:r>
+              <a:rPr lang="en-US" sz="1200" dirty="0" err="1"/>
+              <a:t>GroupBy</a:t>
+            </a:r>
+            <a:r>
+              <a:rPr lang="en-US" sz="1200" dirty="0"/>
+              <a:t>).</a:t>
             </a:r>
           </a:p>
         </p:txBody>

--- a/doc/cheatsheet/Pandas_Cheat_Sheet.pptx
+++ b/doc/cheatsheet/Pandas_Cheat_Sheet.pptx
@@ -7,6 +7,7 @@
   <p:sldIdLst>
     <p:sldId id="257" r:id="rId2"/>
     <p:sldId id="258" r:id="rId3"/>
+    <p:sldId id="259" r:id="rId4"/>
   </p:sldIdLst>
   <p:sldSz cx="13971588" cy="10799763"/>
   <p:notesSz cx="6858000" cy="9144000"/>
@@ -261,7 +262,7 @@
           <a:p>
             <a:fld id="{79278B33-2949-49BE-B3B0-3F16CAF906FE}" type="datetimeFigureOut">
               <a:rPr lang="en-US" smtClean="0"/>
-              <a:t>8/17/2021</a:t>
+              <a:t>8/18/2021</a:t>
             </a:fld>
             <a:endParaRPr lang="en-US"/>
           </a:p>
@@ -431,7 +432,7 @@
           <a:p>
             <a:fld id="{79278B33-2949-49BE-B3B0-3F16CAF906FE}" type="datetimeFigureOut">
               <a:rPr lang="en-US" smtClean="0"/>
-              <a:t>8/17/2021</a:t>
+              <a:t>8/18/2021</a:t>
             </a:fld>
             <a:endParaRPr lang="en-US"/>
           </a:p>
@@ -611,7 +612,7 @@
           <a:p>
             <a:fld id="{79278B33-2949-49BE-B3B0-3F16CAF906FE}" type="datetimeFigureOut">
               <a:rPr lang="en-US" smtClean="0"/>
-              <a:t>8/17/2021</a:t>
+              <a:t>8/18/2021</a:t>
             </a:fld>
             <a:endParaRPr lang="en-US"/>
           </a:p>
@@ -781,7 +782,7 @@
           <a:p>
             <a:fld id="{79278B33-2949-49BE-B3B0-3F16CAF906FE}" type="datetimeFigureOut">
               <a:rPr lang="en-US" smtClean="0"/>
-              <a:t>8/17/2021</a:t>
+              <a:t>8/18/2021</a:t>
             </a:fld>
             <a:endParaRPr lang="en-US"/>
           </a:p>
@@ -1025,7 +1026,7 @@
           <a:p>
             <a:fld id="{79278B33-2949-49BE-B3B0-3F16CAF906FE}" type="datetimeFigureOut">
               <a:rPr lang="en-US" smtClean="0"/>
-              <a:t>8/17/2021</a:t>
+              <a:t>8/18/2021</a:t>
             </a:fld>
             <a:endParaRPr lang="en-US"/>
           </a:p>
@@ -1257,7 +1258,7 @@
           <a:p>
             <a:fld id="{79278B33-2949-49BE-B3B0-3F16CAF906FE}" type="datetimeFigureOut">
               <a:rPr lang="en-US" smtClean="0"/>
-              <a:t>8/17/2021</a:t>
+              <a:t>8/18/2021</a:t>
             </a:fld>
             <a:endParaRPr lang="en-US"/>
           </a:p>
@@ -1624,7 +1625,7 @@
           <a:p>
             <a:fld id="{79278B33-2949-49BE-B3B0-3F16CAF906FE}" type="datetimeFigureOut">
               <a:rPr lang="en-US" smtClean="0"/>
-              <a:t>8/17/2021</a:t>
+              <a:t>8/18/2021</a:t>
             </a:fld>
             <a:endParaRPr lang="en-US"/>
           </a:p>
@@ -1742,7 +1743,7 @@
           <a:p>
             <a:fld id="{79278B33-2949-49BE-B3B0-3F16CAF906FE}" type="datetimeFigureOut">
               <a:rPr lang="en-US" smtClean="0"/>
-              <a:t>8/17/2021</a:t>
+              <a:t>8/18/2021</a:t>
             </a:fld>
             <a:endParaRPr lang="en-US"/>
           </a:p>
@@ -1837,7 +1838,7 @@
           <a:p>
             <a:fld id="{79278B33-2949-49BE-B3B0-3F16CAF906FE}" type="datetimeFigureOut">
               <a:rPr lang="en-US" smtClean="0"/>
-              <a:t>8/17/2021</a:t>
+              <a:t>8/18/2021</a:t>
             </a:fld>
             <a:endParaRPr lang="en-US"/>
           </a:p>
@@ -2114,7 +2115,7 @@
           <a:p>
             <a:fld id="{79278B33-2949-49BE-B3B0-3F16CAF906FE}" type="datetimeFigureOut">
               <a:rPr lang="en-US" smtClean="0"/>
-              <a:t>8/17/2021</a:t>
+              <a:t>8/18/2021</a:t>
             </a:fld>
             <a:endParaRPr lang="en-US"/>
           </a:p>
@@ -2371,7 +2372,7 @@
           <a:p>
             <a:fld id="{79278B33-2949-49BE-B3B0-3F16CAF906FE}" type="datetimeFigureOut">
               <a:rPr lang="en-US" smtClean="0"/>
-              <a:t>8/17/2021</a:t>
+              <a:t>8/18/2021</a:t>
             </a:fld>
             <a:endParaRPr lang="en-US"/>
           </a:p>
@@ -2584,7 +2585,7 @@
           <a:p>
             <a:fld id="{79278B33-2949-49BE-B3B0-3F16CAF906FE}" type="datetimeFigureOut">
               <a:rPr lang="en-US" smtClean="0"/>
-              <a:t>8/17/2021</a:t>
+              <a:t>8/18/2021</a:t>
             </a:fld>
             <a:endParaRPr lang="en-US"/>
           </a:p>
@@ -9694,14 +9695,14 @@
           <a:effectLst/>
           <a:extLst>
             <a:ext uri="{909E8E84-426E-40dd-AFC4-6F175D3DCCD1}">
-              <a14:hiddenFill xmlns:a14="http://schemas.microsoft.com/office/drawing/2010/main" xmlns="">
+              <a14:hiddenFill xmlns="" xmlns:a14="http://schemas.microsoft.com/office/drawing/2010/main">
                 <a:solidFill>
                   <a:schemeClr val="accent1"/>
                 </a:solidFill>
               </a14:hiddenFill>
             </a:ext>
             <a:ext uri="{91240B29-F687-4f45-9708-019B960494DF}">
-              <a14:hiddenLine xmlns:a14="http://schemas.microsoft.com/office/drawing/2010/main" xmlns="" w="9525">
+              <a14:hiddenLine xmlns="" xmlns:a14="http://schemas.microsoft.com/office/drawing/2010/main" w="9525">
                 <a:solidFill>
                   <a:schemeClr val="tx1"/>
                 </a:solidFill>
@@ -9711,7 +9712,7 @@
               </a14:hiddenLine>
             </a:ext>
             <a:ext uri="{AF507438-7753-43e0-B8FC-AC1667EBCBE1}">
-              <a14:hiddenEffects xmlns:a14="http://schemas.microsoft.com/office/drawing/2010/main" xmlns="">
+              <a14:hiddenEffects xmlns="" xmlns:a14="http://schemas.microsoft.com/office/drawing/2010/main">
                 <a:effectLst>
                   <a:outerShdw dist="35921" dir="2700000" algn="ctr" rotWithShape="0">
                     <a:schemeClr val="bg2"/>
@@ -23853,7 +23854,21 @@
                 <a:latin typeface="Consolas" panose="020B0609020204030204" pitchFamily="49" charset="0"/>
                 <a:hlinkClick r:id="rId26"/>
               </a:rPr>
-              <a:t>merge</a:t>
+              <a:t>mer</a:t>
+            </a:r>
+            <a:r>
+              <a:rPr lang="en-US" sz="1200" b="1" dirty="0" err="1">
+                <a:latin typeface="Consolas" panose="020B0609020204030204" pitchFamily="49" charset="0"/>
+                <a:hlinkClick r:id="rId26"/>
+              </a:rPr>
+              <a:t>g</a:t>
+            </a:r>
+            <a:r>
+              <a:rPr lang="en-US" sz="1200" b="1" dirty="0" err="1">
+                <a:latin typeface="Consolas" panose="020B0609020204030204" pitchFamily="49" charset="0"/>
+                <a:hlinkClick r:id="rId26"/>
+              </a:rPr>
+              <a:t>e</a:t>
             </a:r>
             <a:r>
               <a:rPr lang="en-US" sz="1200" b="1" dirty="0">
@@ -28350,6 +28365,3194 @@
     <p:extLst>
       <p:ext uri="{BB962C8B-B14F-4D97-AF65-F5344CB8AC3E}">
         <p14:creationId xmlns:p14="http://schemas.microsoft.com/office/powerpoint/2010/main" val="3046017032"/>
+      </p:ext>
+    </p:extLst>
+  </p:cSld>
+  <p:clrMapOvr>
+    <a:masterClrMapping/>
+  </p:clrMapOvr>
+</p:sld>
+</file>
+
+<file path=ppt/slides/slide3.xml><?xml version="1.0" encoding="utf-8"?>
+<p:sld xmlns:a="http://schemas.openxmlformats.org/drawingml/2006/main" xmlns:r="http://schemas.openxmlformats.org/officeDocument/2006/relationships" xmlns:p="http://schemas.openxmlformats.org/presentationml/2006/main">
+  <p:cSld>
+    <p:spTree>
+      <p:nvGrpSpPr>
+        <p:cNvPr id="1" name=""/>
+        <p:cNvGrpSpPr/>
+        <p:nvPr/>
+      </p:nvGrpSpPr>
+      <p:grpSpPr>
+        <a:xfrm>
+          <a:off x="0" y="0"/>
+          <a:ext cx="0" cy="0"/>
+          <a:chOff x="0" y="0"/>
+          <a:chExt cx="0" cy="0"/>
+        </a:xfrm>
+      </p:grpSpPr>
+      <p:sp>
+        <p:nvSpPr>
+          <p:cNvPr id="2" name="Rounded Rectangle 1"/>
+          <p:cNvSpPr/>
+          <p:nvPr/>
+        </p:nvSpPr>
+        <p:spPr>
+          <a:xfrm>
+            <a:off x="134509" y="224145"/>
+            <a:ext cx="4389120" cy="423293"/>
+          </a:xfrm>
+          <a:prstGeom prst="roundRect">
+            <a:avLst/>
+          </a:prstGeom>
+        </p:spPr>
+        <p:style>
+          <a:lnRef idx="2">
+            <a:schemeClr val="accent1">
+              <a:shade val="50000"/>
+            </a:schemeClr>
+          </a:lnRef>
+          <a:fillRef idx="1">
+            <a:schemeClr val="accent1"/>
+          </a:fillRef>
+          <a:effectRef idx="0">
+            <a:schemeClr val="accent1"/>
+          </a:effectRef>
+          <a:fontRef idx="minor">
+            <a:schemeClr val="lt1"/>
+          </a:fontRef>
+        </p:style>
+        <p:txBody>
+          <a:bodyPr rtlCol="0" anchor="ctr"/>
+          <a:lstStyle/>
+          <a:p>
+            <a:pPr algn="ctr"/>
+            <a:r>
+              <a:rPr lang="en-US" sz="2800" b="1" dirty="0">
+                <a:solidFill>
+                  <a:schemeClr val="bg1"/>
+                </a:solidFill>
+              </a:rPr>
+              <a:t>Data Selection</a:t>
+            </a:r>
+            <a:endParaRPr lang="en-US" sz="2683" dirty="0">
+              <a:solidFill>
+                <a:schemeClr val="bg1"/>
+              </a:solidFill>
+            </a:endParaRPr>
+          </a:p>
+        </p:txBody>
+      </p:sp>
+      <p:sp>
+        <p:nvSpPr>
+          <p:cNvPr id="5" name="TextBox 4"/>
+          <p:cNvSpPr txBox="1"/>
+          <p:nvPr/>
+        </p:nvSpPr>
+        <p:spPr>
+          <a:xfrm>
+            <a:off x="145643" y="653638"/>
+            <a:ext cx="4377986" cy="3364383"/>
+          </a:xfrm>
+          <a:prstGeom prst="rect">
+            <a:avLst/>
+          </a:prstGeom>
+          <a:solidFill>
+            <a:schemeClr val="accent1">
+              <a:lumMod val="20000"/>
+              <a:lumOff val="80000"/>
+            </a:schemeClr>
+          </a:solidFill>
+        </p:spPr>
+        <p:txBody>
+          <a:bodyPr wrap="square" rtlCol="0">
+            <a:spAutoFit/>
+          </a:bodyPr>
+          <a:lstStyle/>
+          <a:p>
+            <a:pPr>
+              <a:lnSpc>
+                <a:spcPct val="200000"/>
+              </a:lnSpc>
+            </a:pPr>
+            <a:r>
+              <a:rPr lang="en-US" sz="1200" b="0" i="0" dirty="0">
+                <a:effectLst/>
+              </a:rPr>
+              <a:t>Use these commands to select a specific subset of your data.</a:t>
+            </a:r>
+            <a:endParaRPr lang="en-US" sz="1200" b="1" dirty="0"/>
+          </a:p>
+          <a:p>
+            <a:pPr>
+              <a:lnSpc>
+                <a:spcPct val="200000"/>
+              </a:lnSpc>
+            </a:pPr>
+            <a:r>
+              <a:rPr lang="en-US" sz="1200" b="1" dirty="0">
+                <a:latin typeface="Consolas" panose="020B0609020204030204" pitchFamily="49" charset="0"/>
+              </a:rPr>
+              <a:t>df</a:t>
+            </a:r>
+            <a:r>
+              <a:rPr lang="en-US" sz="1200" b="1" dirty="0">
+                <a:solidFill>
+                  <a:srgbClr val="0070C0"/>
+                </a:solidFill>
+                <a:latin typeface="Consolas" panose="020B0609020204030204" pitchFamily="49" charset="0"/>
+              </a:rPr>
+              <a:t>[col] </a:t>
+            </a:r>
+            <a:r>
+              <a:rPr lang="en-US" sz="1200" b="1" dirty="0">
+                <a:latin typeface="Consolas" panose="020B0609020204030204" pitchFamily="49" charset="0"/>
+              </a:rPr>
+              <a:t>-&gt; </a:t>
+            </a:r>
+            <a:r>
+              <a:rPr lang="en-US" sz="1200" dirty="0">
+                <a:latin typeface="Consolas" panose="020B0609020204030204" pitchFamily="49" charset="0"/>
+              </a:rPr>
+              <a:t>Returns column with label col as Series</a:t>
+            </a:r>
+          </a:p>
+          <a:p>
+            <a:pPr>
+              <a:lnSpc>
+                <a:spcPct val="200000"/>
+              </a:lnSpc>
+            </a:pPr>
+            <a:r>
+              <a:rPr lang="en-US" sz="1200" b="1" dirty="0">
+                <a:latin typeface="Consolas" panose="020B0609020204030204" pitchFamily="49" charset="0"/>
+              </a:rPr>
+              <a:t>df</a:t>
+            </a:r>
+            <a:r>
+              <a:rPr lang="en-US" sz="1200" b="1" dirty="0">
+                <a:solidFill>
+                  <a:srgbClr val="0070C0"/>
+                </a:solidFill>
+                <a:latin typeface="Consolas" panose="020B0609020204030204" pitchFamily="49" charset="0"/>
+              </a:rPr>
+              <a:t>[[col1, col2]]</a:t>
+            </a:r>
+            <a:r>
+              <a:rPr lang="en-US" sz="1200" b="1" dirty="0">
+                <a:latin typeface="Consolas" panose="020B0609020204030204" pitchFamily="49" charset="0"/>
+              </a:rPr>
+              <a:t> -&gt; </a:t>
+            </a:r>
+            <a:r>
+              <a:rPr lang="en-US" sz="1200" dirty="0">
+                <a:latin typeface="Consolas" panose="020B0609020204030204" pitchFamily="49" charset="0"/>
+              </a:rPr>
+              <a:t>Returns columns as a new 	      </a:t>
+            </a:r>
+            <a:r>
+              <a:rPr lang="en-US" sz="1200" dirty="0" err="1">
+                <a:latin typeface="Consolas" panose="020B0609020204030204" pitchFamily="49" charset="0"/>
+              </a:rPr>
+              <a:t>DataFrame</a:t>
+            </a:r>
+            <a:endParaRPr lang="en-US" sz="1200" dirty="0">
+              <a:latin typeface="Consolas" panose="020B0609020204030204" pitchFamily="49" charset="0"/>
+            </a:endParaRPr>
+          </a:p>
+          <a:p>
+            <a:pPr>
+              <a:lnSpc>
+                <a:spcPct val="200000"/>
+              </a:lnSpc>
+            </a:pPr>
+            <a:r>
+              <a:rPr lang="en-US" sz="1200" b="1" dirty="0" err="1">
+                <a:latin typeface="Consolas" panose="020B0609020204030204" pitchFamily="49" charset="0"/>
+              </a:rPr>
+              <a:t>s.</a:t>
+            </a:r>
+            <a:r>
+              <a:rPr lang="en-US" sz="1200" b="1" dirty="0" err="1">
+                <a:solidFill>
+                  <a:srgbClr val="0070C0"/>
+                </a:solidFill>
+                <a:latin typeface="Consolas" panose="020B0609020204030204" pitchFamily="49" charset="0"/>
+              </a:rPr>
+              <a:t>iloc</a:t>
+            </a:r>
+            <a:r>
+              <a:rPr lang="en-US" sz="1200" b="1" dirty="0">
+                <a:solidFill>
+                  <a:srgbClr val="0070C0"/>
+                </a:solidFill>
+                <a:latin typeface="Consolas" panose="020B0609020204030204" pitchFamily="49" charset="0"/>
+              </a:rPr>
+              <a:t>[0]</a:t>
+            </a:r>
+            <a:r>
+              <a:rPr lang="en-US" sz="1200" b="1" dirty="0">
+                <a:latin typeface="Consolas" panose="020B0609020204030204" pitchFamily="49" charset="0"/>
+              </a:rPr>
+              <a:t> -&gt; </a:t>
+            </a:r>
+            <a:r>
+              <a:rPr lang="en-US" sz="1200" dirty="0">
+                <a:latin typeface="Consolas" panose="020B0609020204030204" pitchFamily="49" charset="0"/>
+              </a:rPr>
+              <a:t>Selection by position</a:t>
+            </a:r>
+          </a:p>
+          <a:p>
+            <a:pPr>
+              <a:lnSpc>
+                <a:spcPct val="200000"/>
+              </a:lnSpc>
+            </a:pPr>
+            <a:r>
+              <a:rPr lang="en-US" sz="1200" b="1" dirty="0" err="1">
+                <a:latin typeface="Consolas" panose="020B0609020204030204" pitchFamily="49" charset="0"/>
+              </a:rPr>
+              <a:t>s.</a:t>
+            </a:r>
+            <a:r>
+              <a:rPr lang="en-US" sz="1200" b="1" dirty="0" err="1">
+                <a:solidFill>
+                  <a:srgbClr val="0070C0"/>
+                </a:solidFill>
+                <a:latin typeface="Consolas" panose="020B0609020204030204" pitchFamily="49" charset="0"/>
+              </a:rPr>
+              <a:t>loc</a:t>
+            </a:r>
+            <a:r>
+              <a:rPr lang="en-US" sz="1200" b="1" dirty="0">
+                <a:solidFill>
+                  <a:srgbClr val="0070C0"/>
+                </a:solidFill>
+                <a:latin typeface="Consolas" panose="020B0609020204030204" pitchFamily="49" charset="0"/>
+              </a:rPr>
+              <a:t>['</a:t>
+            </a:r>
+            <a:r>
+              <a:rPr lang="en-US" sz="1200" b="1" dirty="0" err="1">
+                <a:solidFill>
+                  <a:srgbClr val="0070C0"/>
+                </a:solidFill>
+                <a:latin typeface="Consolas" panose="020B0609020204030204" pitchFamily="49" charset="0"/>
+              </a:rPr>
+              <a:t>index_one</a:t>
+            </a:r>
+            <a:r>
+              <a:rPr lang="en-US" sz="1200" b="1" dirty="0">
+                <a:solidFill>
+                  <a:srgbClr val="0070C0"/>
+                </a:solidFill>
+                <a:latin typeface="Consolas" panose="020B0609020204030204" pitchFamily="49" charset="0"/>
+              </a:rPr>
+              <a:t>'] </a:t>
+            </a:r>
+            <a:r>
+              <a:rPr lang="en-US" sz="1200" b="1" dirty="0">
+                <a:latin typeface="Consolas" panose="020B0609020204030204" pitchFamily="49" charset="0"/>
+              </a:rPr>
+              <a:t>-&gt; </a:t>
+            </a:r>
+            <a:r>
+              <a:rPr lang="en-US" sz="1200" dirty="0">
+                <a:latin typeface="Consolas" panose="020B0609020204030204" pitchFamily="49" charset="0"/>
+              </a:rPr>
+              <a:t>Selection by index</a:t>
+            </a:r>
+          </a:p>
+          <a:p>
+            <a:pPr>
+              <a:lnSpc>
+                <a:spcPct val="200000"/>
+              </a:lnSpc>
+            </a:pPr>
+            <a:r>
+              <a:rPr lang="en-US" sz="1200" b="1" dirty="0" err="1">
+                <a:latin typeface="Consolas" panose="020B0609020204030204" pitchFamily="49" charset="0"/>
+              </a:rPr>
+              <a:t>df.</a:t>
+            </a:r>
+            <a:r>
+              <a:rPr lang="en-US" sz="1200" b="1" dirty="0" err="1">
+                <a:solidFill>
+                  <a:srgbClr val="0070C0"/>
+                </a:solidFill>
+                <a:latin typeface="Consolas" panose="020B0609020204030204" pitchFamily="49" charset="0"/>
+              </a:rPr>
+              <a:t>iloc</a:t>
+            </a:r>
+            <a:r>
+              <a:rPr lang="en-US" sz="1200" b="1" dirty="0">
+                <a:solidFill>
+                  <a:srgbClr val="0070C0"/>
+                </a:solidFill>
+                <a:latin typeface="Consolas" panose="020B0609020204030204" pitchFamily="49" charset="0"/>
+              </a:rPr>
+              <a:t>[0,:] </a:t>
+            </a:r>
+            <a:r>
+              <a:rPr lang="en-US" sz="1200" b="1" dirty="0">
+                <a:latin typeface="Consolas" panose="020B0609020204030204" pitchFamily="49" charset="0"/>
+              </a:rPr>
+              <a:t>-&gt; </a:t>
+            </a:r>
+            <a:r>
+              <a:rPr lang="en-US" sz="1200" dirty="0">
+                <a:latin typeface="Consolas" panose="020B0609020204030204" pitchFamily="49" charset="0"/>
+              </a:rPr>
+              <a:t>First row</a:t>
+            </a:r>
+          </a:p>
+          <a:p>
+            <a:pPr>
+              <a:lnSpc>
+                <a:spcPct val="200000"/>
+              </a:lnSpc>
+            </a:pPr>
+            <a:r>
+              <a:rPr lang="en-US" sz="1200" b="1" dirty="0" err="1">
+                <a:latin typeface="Consolas" panose="020B0609020204030204" pitchFamily="49" charset="0"/>
+              </a:rPr>
+              <a:t>df.</a:t>
+            </a:r>
+            <a:r>
+              <a:rPr lang="en-US" sz="1200" b="1" dirty="0" err="1">
+                <a:solidFill>
+                  <a:srgbClr val="0070C0"/>
+                </a:solidFill>
+                <a:latin typeface="Consolas" panose="020B0609020204030204" pitchFamily="49" charset="0"/>
+              </a:rPr>
+              <a:t>iloc</a:t>
+            </a:r>
+            <a:r>
+              <a:rPr lang="en-US" sz="1200" b="1" dirty="0">
+                <a:solidFill>
+                  <a:srgbClr val="0070C0"/>
+                </a:solidFill>
+                <a:latin typeface="Consolas" panose="020B0609020204030204" pitchFamily="49" charset="0"/>
+              </a:rPr>
+              <a:t>[0,0] </a:t>
+            </a:r>
+            <a:r>
+              <a:rPr lang="en-US" sz="1200" b="1" dirty="0">
+                <a:latin typeface="Consolas" panose="020B0609020204030204" pitchFamily="49" charset="0"/>
+              </a:rPr>
+              <a:t>-&gt; </a:t>
+            </a:r>
+            <a:r>
+              <a:rPr lang="en-US" sz="1200" dirty="0">
+                <a:latin typeface="Consolas" panose="020B0609020204030204" pitchFamily="49" charset="0"/>
+              </a:rPr>
+              <a:t>First element of first column</a:t>
+            </a:r>
+            <a:endParaRPr lang="en-US" sz="1200" dirty="0"/>
+          </a:p>
+        </p:txBody>
+      </p:sp>
+      <p:sp>
+        <p:nvSpPr>
+          <p:cNvPr id="9" name="TextBox 8"/>
+          <p:cNvSpPr txBox="1"/>
+          <p:nvPr/>
+        </p:nvSpPr>
+        <p:spPr>
+          <a:xfrm>
+            <a:off x="134509" y="4189548"/>
+            <a:ext cx="4377986" cy="617733"/>
+          </a:xfrm>
+          <a:prstGeom prst="rect">
+            <a:avLst/>
+          </a:prstGeom>
+          <a:solidFill>
+            <a:schemeClr val="accent1">
+              <a:lumMod val="20000"/>
+              <a:lumOff val="80000"/>
+            </a:schemeClr>
+          </a:solidFill>
+        </p:spPr>
+        <p:txBody>
+          <a:bodyPr wrap="square" rtlCol="0">
+            <a:spAutoFit/>
+          </a:bodyPr>
+          <a:lstStyle/>
+          <a:p>
+            <a:pPr>
+              <a:lnSpc>
+                <a:spcPct val="150000"/>
+              </a:lnSpc>
+            </a:pPr>
+            <a:r>
+              <a:rPr lang="en-US" sz="1200" dirty="0"/>
+              <a:t>pandas provides a many </a:t>
+            </a:r>
+            <a:r>
+              <a:rPr lang="en-US" sz="1200" b="1" dirty="0">
+                <a:hlinkClick r:id="rId2"/>
+              </a:rPr>
+              <a:t>data selection functions</a:t>
+            </a:r>
+            <a:r>
+              <a:rPr lang="en-US" sz="1200" b="1" dirty="0"/>
+              <a:t> </a:t>
+            </a:r>
+            <a:r>
+              <a:rPr lang="en-US" sz="1200" dirty="0"/>
+              <a:t>which are used to fetch and select the values from a given </a:t>
+            </a:r>
+            <a:r>
+              <a:rPr lang="en-US" sz="1200" dirty="0" err="1"/>
+              <a:t>DataFrame</a:t>
+            </a:r>
+            <a:r>
+              <a:rPr lang="en-US" sz="1200" dirty="0"/>
+              <a:t> using python.</a:t>
+            </a:r>
+          </a:p>
+        </p:txBody>
+      </p:sp>
+      <p:sp>
+        <p:nvSpPr>
+          <p:cNvPr id="62" name="Rounded Rectangle 61"/>
+          <p:cNvSpPr/>
+          <p:nvPr/>
+        </p:nvSpPr>
+        <p:spPr>
+          <a:xfrm>
+            <a:off x="171635" y="5118363"/>
+            <a:ext cx="4389120" cy="423293"/>
+          </a:xfrm>
+          <a:prstGeom prst="roundRect">
+            <a:avLst/>
+          </a:prstGeom>
+        </p:spPr>
+        <p:style>
+          <a:lnRef idx="2">
+            <a:schemeClr val="accent1">
+              <a:shade val="50000"/>
+            </a:schemeClr>
+          </a:lnRef>
+          <a:fillRef idx="1">
+            <a:schemeClr val="accent1"/>
+          </a:fillRef>
+          <a:effectRef idx="0">
+            <a:schemeClr val="accent1"/>
+          </a:effectRef>
+          <a:fontRef idx="minor">
+            <a:schemeClr val="lt1"/>
+          </a:fontRef>
+        </p:style>
+        <p:txBody>
+          <a:bodyPr rtlCol="0" anchor="ctr"/>
+          <a:lstStyle/>
+          <a:p>
+            <a:pPr algn="ctr"/>
+            <a:r>
+              <a:rPr lang="en-US" sz="2800" b="1" dirty="0">
+                <a:solidFill>
+                  <a:schemeClr val="bg1"/>
+                </a:solidFill>
+              </a:rPr>
+              <a:t>Statistics</a:t>
+            </a:r>
+            <a:endParaRPr lang="en-US" sz="2683" dirty="0">
+              <a:solidFill>
+                <a:schemeClr val="bg1"/>
+              </a:solidFill>
+            </a:endParaRPr>
+          </a:p>
+        </p:txBody>
+      </p:sp>
+      <p:sp>
+        <p:nvSpPr>
+          <p:cNvPr id="79" name="Rounded Rectangle 78"/>
+          <p:cNvSpPr/>
+          <p:nvPr/>
+        </p:nvSpPr>
+        <p:spPr>
+          <a:xfrm>
+            <a:off x="4703100" y="235863"/>
+            <a:ext cx="8958782" cy="423293"/>
+          </a:xfrm>
+          <a:prstGeom prst="roundRect">
+            <a:avLst/>
+          </a:prstGeom>
+        </p:spPr>
+        <p:style>
+          <a:lnRef idx="2">
+            <a:schemeClr val="accent1">
+              <a:shade val="50000"/>
+            </a:schemeClr>
+          </a:lnRef>
+          <a:fillRef idx="1">
+            <a:schemeClr val="accent1"/>
+          </a:fillRef>
+          <a:effectRef idx="0">
+            <a:schemeClr val="accent1"/>
+          </a:effectRef>
+          <a:fontRef idx="minor">
+            <a:schemeClr val="lt1"/>
+          </a:fontRef>
+        </p:style>
+        <p:txBody>
+          <a:bodyPr rtlCol="0" anchor="ctr"/>
+          <a:lstStyle/>
+          <a:p>
+            <a:pPr algn="ctr"/>
+            <a:r>
+              <a:rPr lang="en-US" sz="2800" b="1" dirty="0">
+                <a:solidFill>
+                  <a:schemeClr val="bg1"/>
+                </a:solidFill>
+              </a:rPr>
+              <a:t>Data Cleaning</a:t>
+            </a:r>
+            <a:endParaRPr lang="en-US" sz="2683" dirty="0">
+              <a:solidFill>
+                <a:schemeClr val="bg1"/>
+              </a:solidFill>
+            </a:endParaRPr>
+          </a:p>
+        </p:txBody>
+      </p:sp>
+      <p:sp>
+        <p:nvSpPr>
+          <p:cNvPr id="80" name="TextBox 79"/>
+          <p:cNvSpPr txBox="1"/>
+          <p:nvPr/>
+        </p:nvSpPr>
+        <p:spPr>
+          <a:xfrm>
+            <a:off x="4798116" y="764979"/>
+            <a:ext cx="8863766" cy="6319294"/>
+          </a:xfrm>
+          <a:prstGeom prst="rect">
+            <a:avLst/>
+          </a:prstGeom>
+          <a:solidFill>
+            <a:schemeClr val="accent1">
+              <a:lumMod val="20000"/>
+              <a:lumOff val="80000"/>
+            </a:schemeClr>
+          </a:solidFill>
+        </p:spPr>
+        <p:txBody>
+          <a:bodyPr wrap="square" rtlCol="0">
+            <a:spAutoFit/>
+          </a:bodyPr>
+          <a:lstStyle/>
+          <a:p>
+            <a:pPr>
+              <a:lnSpc>
+                <a:spcPct val="200000"/>
+              </a:lnSpc>
+            </a:pPr>
+            <a:r>
+              <a:rPr lang="en-US" sz="1200" b="0" i="0" dirty="0">
+                <a:effectLst/>
+              </a:rPr>
+              <a:t>Use these commands to perform a variety of data cleaning tasks</a:t>
+            </a:r>
+          </a:p>
+          <a:p>
+            <a:pPr>
+              <a:lnSpc>
+                <a:spcPct val="200000"/>
+              </a:lnSpc>
+            </a:pPr>
+            <a:r>
+              <a:rPr lang="en-US" sz="1200" b="1" i="0" dirty="0" err="1">
+                <a:effectLst/>
+                <a:latin typeface="Consolas" panose="020B0609020204030204" pitchFamily="49" charset="0"/>
+              </a:rPr>
+              <a:t>df.</a:t>
+            </a:r>
+            <a:r>
+              <a:rPr lang="en-US" sz="1200" b="1" i="0" dirty="0" err="1">
+                <a:solidFill>
+                  <a:srgbClr val="0070C0"/>
+                </a:solidFill>
+                <a:effectLst/>
+                <a:latin typeface="Consolas" panose="020B0609020204030204" pitchFamily="49" charset="0"/>
+              </a:rPr>
+              <a:t>columns</a:t>
+            </a:r>
+            <a:r>
+              <a:rPr lang="en-US" sz="1200" b="1" i="0" dirty="0">
+                <a:effectLst/>
+                <a:latin typeface="Consolas" panose="020B0609020204030204" pitchFamily="49" charset="0"/>
+              </a:rPr>
+              <a:t> = ['</a:t>
+            </a:r>
+            <a:r>
+              <a:rPr lang="en-US" sz="1200" b="1" i="0" dirty="0" err="1">
+                <a:effectLst/>
+                <a:latin typeface="Consolas" panose="020B0609020204030204" pitchFamily="49" charset="0"/>
+              </a:rPr>
+              <a:t>a','b','c</a:t>
+            </a:r>
+            <a:r>
+              <a:rPr lang="en-US" sz="1200" b="1" i="0" dirty="0">
+                <a:effectLst/>
+                <a:latin typeface="Consolas" panose="020B0609020204030204" pitchFamily="49" charset="0"/>
+              </a:rPr>
+              <a:t>'] </a:t>
+            </a:r>
+            <a:r>
+              <a:rPr lang="en-US" sz="1200" b="0" i="0" dirty="0">
+                <a:effectLst/>
+              </a:rPr>
+              <a:t>| Rename columns</a:t>
+            </a:r>
+          </a:p>
+          <a:p>
+            <a:pPr>
+              <a:lnSpc>
+                <a:spcPct val="200000"/>
+              </a:lnSpc>
+            </a:pPr>
+            <a:r>
+              <a:rPr lang="en-US" sz="1200" b="1" i="0" dirty="0" err="1">
+                <a:effectLst/>
+                <a:latin typeface="Consolas" panose="020B0609020204030204" pitchFamily="49" charset="0"/>
+              </a:rPr>
+              <a:t>pd.</a:t>
+            </a:r>
+            <a:r>
+              <a:rPr lang="en-US" sz="1200" b="1" i="0" dirty="0" err="1">
+                <a:solidFill>
+                  <a:srgbClr val="0070C0"/>
+                </a:solidFill>
+                <a:effectLst/>
+                <a:latin typeface="Consolas" panose="020B0609020204030204" pitchFamily="49" charset="0"/>
+              </a:rPr>
+              <a:t>isnull</a:t>
+            </a:r>
+            <a:r>
+              <a:rPr lang="en-US" sz="1200" b="1" i="0" dirty="0">
+                <a:solidFill>
+                  <a:srgbClr val="0070C0"/>
+                </a:solidFill>
+                <a:effectLst/>
+                <a:latin typeface="Consolas" panose="020B0609020204030204" pitchFamily="49" charset="0"/>
+              </a:rPr>
+              <a:t>() </a:t>
+            </a:r>
+            <a:r>
+              <a:rPr lang="en-US" sz="1200" b="0" i="0" dirty="0">
+                <a:effectLst/>
+              </a:rPr>
+              <a:t>| Checks for null Values, Returns Boolean </a:t>
+            </a:r>
+            <a:r>
+              <a:rPr lang="en-US" sz="1200" b="0" i="0" dirty="0" err="1">
+                <a:effectLst/>
+              </a:rPr>
+              <a:t>Arrray</a:t>
+            </a:r>
+            <a:endParaRPr lang="en-US" sz="1200" b="0" i="0" dirty="0">
+              <a:effectLst/>
+            </a:endParaRPr>
+          </a:p>
+          <a:p>
+            <a:pPr>
+              <a:lnSpc>
+                <a:spcPct val="200000"/>
+              </a:lnSpc>
+            </a:pPr>
+            <a:r>
+              <a:rPr lang="en-US" sz="1200" b="1" i="0" dirty="0" err="1">
+                <a:effectLst/>
+                <a:latin typeface="Consolas" panose="020B0609020204030204" pitchFamily="49" charset="0"/>
+              </a:rPr>
+              <a:t>pd.</a:t>
+            </a:r>
+            <a:r>
+              <a:rPr lang="en-US" sz="1200" b="1" i="0" dirty="0" err="1">
+                <a:solidFill>
+                  <a:srgbClr val="0070C0"/>
+                </a:solidFill>
+                <a:effectLst/>
+                <a:latin typeface="Consolas" panose="020B0609020204030204" pitchFamily="49" charset="0"/>
+              </a:rPr>
+              <a:t>notnull</a:t>
+            </a:r>
+            <a:r>
+              <a:rPr lang="en-US" sz="1200" b="1" i="0" dirty="0">
+                <a:solidFill>
+                  <a:srgbClr val="0070C0"/>
+                </a:solidFill>
+                <a:effectLst/>
+                <a:latin typeface="Consolas" panose="020B0609020204030204" pitchFamily="49" charset="0"/>
+              </a:rPr>
+              <a:t>() </a:t>
+            </a:r>
+            <a:r>
+              <a:rPr lang="en-US" sz="1200" b="0" i="0" dirty="0">
+                <a:effectLst/>
+              </a:rPr>
+              <a:t>| Opposite of </a:t>
+            </a:r>
+            <a:r>
+              <a:rPr lang="en-US" sz="1200" b="0" i="0" dirty="0" err="1">
+                <a:effectLst/>
+              </a:rPr>
+              <a:t>pd.isnull</a:t>
+            </a:r>
+            <a:r>
+              <a:rPr lang="en-US" sz="1200" b="0" i="0" dirty="0">
+                <a:effectLst/>
+              </a:rPr>
+              <a:t>()		</a:t>
+            </a:r>
+          </a:p>
+          <a:p>
+            <a:pPr>
+              <a:lnSpc>
+                <a:spcPct val="200000"/>
+              </a:lnSpc>
+            </a:pPr>
+            <a:r>
+              <a:rPr lang="en-US" sz="1200" b="1" i="0" dirty="0" err="1">
+                <a:effectLst/>
+                <a:latin typeface="Consolas" panose="020B0609020204030204" pitchFamily="49" charset="0"/>
+              </a:rPr>
+              <a:t>df.</a:t>
+            </a:r>
+            <a:r>
+              <a:rPr lang="en-US" sz="1200" b="1" i="0" dirty="0" err="1">
+                <a:solidFill>
+                  <a:srgbClr val="0070C0"/>
+                </a:solidFill>
+                <a:effectLst/>
+                <a:latin typeface="Consolas" panose="020B0609020204030204" pitchFamily="49" charset="0"/>
+              </a:rPr>
+              <a:t>dropna</a:t>
+            </a:r>
+            <a:r>
+              <a:rPr lang="en-US" sz="1200" b="1" i="0" dirty="0">
+                <a:solidFill>
+                  <a:srgbClr val="0070C0"/>
+                </a:solidFill>
+                <a:effectLst/>
+                <a:latin typeface="Consolas" panose="020B0609020204030204" pitchFamily="49" charset="0"/>
+              </a:rPr>
+              <a:t>() </a:t>
+            </a:r>
+            <a:r>
+              <a:rPr lang="en-US" sz="1200" b="0" i="0" dirty="0">
+                <a:effectLst/>
+              </a:rPr>
+              <a:t>| Drop all rows that contain null values</a:t>
+            </a:r>
+          </a:p>
+          <a:p>
+            <a:pPr>
+              <a:lnSpc>
+                <a:spcPct val="200000"/>
+              </a:lnSpc>
+            </a:pPr>
+            <a:r>
+              <a:rPr lang="en-US" sz="1200" b="1" i="0" dirty="0" err="1">
+                <a:effectLst/>
+                <a:latin typeface="Consolas" panose="020B0609020204030204" pitchFamily="49" charset="0"/>
+              </a:rPr>
+              <a:t>df.</a:t>
+            </a:r>
+            <a:r>
+              <a:rPr lang="en-US" sz="1200" b="1" i="0" dirty="0" err="1">
+                <a:solidFill>
+                  <a:srgbClr val="0070C0"/>
+                </a:solidFill>
+                <a:effectLst/>
+                <a:latin typeface="Consolas" panose="020B0609020204030204" pitchFamily="49" charset="0"/>
+              </a:rPr>
+              <a:t>dropna</a:t>
+            </a:r>
+            <a:r>
+              <a:rPr lang="en-US" sz="1200" b="1" i="0" dirty="0">
+                <a:solidFill>
+                  <a:srgbClr val="0070C0"/>
+                </a:solidFill>
+                <a:effectLst/>
+                <a:latin typeface="Consolas" panose="020B0609020204030204" pitchFamily="49" charset="0"/>
+              </a:rPr>
+              <a:t>(axis=1) </a:t>
+            </a:r>
+            <a:r>
+              <a:rPr lang="en-US" sz="1200" b="0" i="0" dirty="0">
+                <a:effectLst/>
+              </a:rPr>
+              <a:t>| Drop all columns that contain null values</a:t>
+            </a:r>
+          </a:p>
+          <a:p>
+            <a:pPr>
+              <a:lnSpc>
+                <a:spcPct val="200000"/>
+              </a:lnSpc>
+            </a:pPr>
+            <a:r>
+              <a:rPr lang="en-US" sz="1200" b="1" i="0" dirty="0" err="1">
+                <a:effectLst/>
+                <a:latin typeface="Consolas" panose="020B0609020204030204" pitchFamily="49" charset="0"/>
+              </a:rPr>
+              <a:t>df.</a:t>
+            </a:r>
+            <a:r>
+              <a:rPr lang="en-US" sz="1200" b="1" i="0" dirty="0" err="1">
+                <a:solidFill>
+                  <a:srgbClr val="0070C0"/>
+                </a:solidFill>
+                <a:effectLst/>
+                <a:latin typeface="Consolas" panose="020B0609020204030204" pitchFamily="49" charset="0"/>
+              </a:rPr>
+              <a:t>dropna</a:t>
+            </a:r>
+            <a:r>
+              <a:rPr lang="en-US" sz="1200" b="1" i="0" dirty="0">
+                <a:solidFill>
+                  <a:srgbClr val="0070C0"/>
+                </a:solidFill>
+                <a:effectLst/>
+                <a:latin typeface="Consolas" panose="020B0609020204030204" pitchFamily="49" charset="0"/>
+              </a:rPr>
+              <a:t>(axis=1,thresh=n) </a:t>
+            </a:r>
+            <a:r>
+              <a:rPr lang="en-US" sz="1200" b="0" i="0" dirty="0">
+                <a:effectLst/>
+              </a:rPr>
+              <a:t>| Drop all rows have </a:t>
+            </a:r>
+            <a:r>
+              <a:rPr lang="en-US" sz="1200" b="0" i="0" dirty="0" err="1">
+                <a:effectLst/>
+              </a:rPr>
+              <a:t>have</a:t>
+            </a:r>
+            <a:r>
+              <a:rPr lang="en-US" sz="1200" b="0" i="0" dirty="0">
+                <a:effectLst/>
+              </a:rPr>
+              <a:t> less than n non null values</a:t>
+            </a:r>
+          </a:p>
+          <a:p>
+            <a:pPr>
+              <a:lnSpc>
+                <a:spcPct val="200000"/>
+              </a:lnSpc>
+            </a:pPr>
+            <a:r>
+              <a:rPr lang="en-US" sz="1200" b="1" i="0" dirty="0" err="1">
+                <a:effectLst/>
+                <a:latin typeface="Consolas" panose="020B0609020204030204" pitchFamily="49" charset="0"/>
+              </a:rPr>
+              <a:t>df.</a:t>
+            </a:r>
+            <a:r>
+              <a:rPr lang="en-US" sz="1200" b="1" i="0" dirty="0" err="1">
+                <a:solidFill>
+                  <a:srgbClr val="0070C0"/>
+                </a:solidFill>
+                <a:effectLst/>
+                <a:latin typeface="Consolas" panose="020B0609020204030204" pitchFamily="49" charset="0"/>
+              </a:rPr>
+              <a:t>fillna</a:t>
+            </a:r>
+            <a:r>
+              <a:rPr lang="en-US" sz="1200" b="1" i="0" dirty="0">
+                <a:solidFill>
+                  <a:srgbClr val="0070C0"/>
+                </a:solidFill>
+                <a:effectLst/>
+                <a:latin typeface="Consolas" panose="020B0609020204030204" pitchFamily="49" charset="0"/>
+              </a:rPr>
+              <a:t>(x)</a:t>
+            </a:r>
+            <a:r>
+              <a:rPr lang="en-US" sz="1200" b="1" i="0" dirty="0">
+                <a:effectLst/>
+                <a:latin typeface="Consolas" panose="020B0609020204030204" pitchFamily="49" charset="0"/>
+              </a:rPr>
+              <a:t> </a:t>
+            </a:r>
+            <a:r>
+              <a:rPr lang="en-US" sz="1200" b="0" i="0" dirty="0">
+                <a:effectLst/>
+              </a:rPr>
+              <a:t>| Replace all null values with x</a:t>
+            </a:r>
+          </a:p>
+          <a:p>
+            <a:pPr>
+              <a:lnSpc>
+                <a:spcPct val="200000"/>
+              </a:lnSpc>
+            </a:pPr>
+            <a:r>
+              <a:rPr lang="en-US" sz="1200" b="1" i="0" dirty="0" err="1">
+                <a:effectLst/>
+                <a:latin typeface="Consolas" panose="020B0609020204030204" pitchFamily="49" charset="0"/>
+              </a:rPr>
+              <a:t>s.</a:t>
+            </a:r>
+            <a:r>
+              <a:rPr lang="en-US" sz="1200" b="1" i="0" dirty="0" err="1">
+                <a:solidFill>
+                  <a:srgbClr val="0070C0"/>
+                </a:solidFill>
+                <a:effectLst/>
+                <a:latin typeface="Consolas" panose="020B0609020204030204" pitchFamily="49" charset="0"/>
+              </a:rPr>
+              <a:t>fillna</a:t>
+            </a:r>
+            <a:r>
+              <a:rPr lang="en-US" sz="1200" b="1" i="0" dirty="0">
+                <a:solidFill>
+                  <a:srgbClr val="0070C0"/>
+                </a:solidFill>
+                <a:effectLst/>
+                <a:latin typeface="Consolas" panose="020B0609020204030204" pitchFamily="49" charset="0"/>
+              </a:rPr>
+              <a:t>(</a:t>
+            </a:r>
+            <a:r>
+              <a:rPr lang="en-US" sz="1200" b="1" i="0" dirty="0" err="1">
+                <a:solidFill>
+                  <a:srgbClr val="0070C0"/>
+                </a:solidFill>
+                <a:effectLst/>
+                <a:latin typeface="Consolas" panose="020B0609020204030204" pitchFamily="49" charset="0"/>
+              </a:rPr>
+              <a:t>s.mean</a:t>
+            </a:r>
+            <a:r>
+              <a:rPr lang="en-US" sz="1200" b="1" i="0" dirty="0">
+                <a:solidFill>
+                  <a:srgbClr val="0070C0"/>
+                </a:solidFill>
+                <a:effectLst/>
+                <a:latin typeface="Consolas" panose="020B0609020204030204" pitchFamily="49" charset="0"/>
+              </a:rPr>
+              <a:t>()) </a:t>
+            </a:r>
+            <a:r>
+              <a:rPr lang="en-US" sz="1200" b="0" i="0" dirty="0">
+                <a:effectLst/>
+              </a:rPr>
+              <a:t>| Replace all null values with the mean (mean can be replaced with almost any function from the statistics module)</a:t>
+            </a:r>
+          </a:p>
+          <a:p>
+            <a:pPr>
+              <a:lnSpc>
+                <a:spcPct val="200000"/>
+              </a:lnSpc>
+            </a:pPr>
+            <a:r>
+              <a:rPr lang="en-US" sz="1200" b="1" i="0" dirty="0" err="1">
+                <a:effectLst/>
+                <a:latin typeface="Consolas" panose="020B0609020204030204" pitchFamily="49" charset="0"/>
+              </a:rPr>
+              <a:t>s.</a:t>
+            </a:r>
+            <a:r>
+              <a:rPr lang="en-US" sz="1200" b="1" i="0" dirty="0" err="1">
+                <a:solidFill>
+                  <a:srgbClr val="0070C0"/>
+                </a:solidFill>
+                <a:effectLst/>
+                <a:latin typeface="Consolas" panose="020B0609020204030204" pitchFamily="49" charset="0"/>
+              </a:rPr>
+              <a:t>astype</a:t>
+            </a:r>
+            <a:r>
+              <a:rPr lang="en-US" sz="1200" b="1" i="0" dirty="0">
+                <a:solidFill>
+                  <a:srgbClr val="0070C0"/>
+                </a:solidFill>
+                <a:effectLst/>
+                <a:latin typeface="Consolas" panose="020B0609020204030204" pitchFamily="49" charset="0"/>
+              </a:rPr>
+              <a:t>(float) </a:t>
+            </a:r>
+            <a:r>
+              <a:rPr lang="en-US" sz="1200" b="0" i="0" dirty="0">
+                <a:effectLst/>
+              </a:rPr>
+              <a:t>| Convert the datatype of the series to float</a:t>
+            </a:r>
+          </a:p>
+          <a:p>
+            <a:pPr>
+              <a:lnSpc>
+                <a:spcPct val="200000"/>
+              </a:lnSpc>
+            </a:pPr>
+            <a:r>
+              <a:rPr lang="en-US" sz="1200" b="1" i="0" dirty="0" err="1">
+                <a:effectLst/>
+                <a:latin typeface="Consolas" panose="020B0609020204030204" pitchFamily="49" charset="0"/>
+              </a:rPr>
+              <a:t>s.</a:t>
+            </a:r>
+            <a:r>
+              <a:rPr lang="en-US" sz="1200" b="1" i="0" dirty="0" err="1">
+                <a:solidFill>
+                  <a:srgbClr val="0070C0"/>
+                </a:solidFill>
+                <a:effectLst/>
+                <a:latin typeface="Consolas" panose="020B0609020204030204" pitchFamily="49" charset="0"/>
+              </a:rPr>
+              <a:t>replace</a:t>
+            </a:r>
+            <a:r>
+              <a:rPr lang="en-US" sz="1200" b="1" i="0" dirty="0">
+                <a:solidFill>
+                  <a:srgbClr val="0070C0"/>
+                </a:solidFill>
+                <a:effectLst/>
+                <a:latin typeface="Consolas" panose="020B0609020204030204" pitchFamily="49" charset="0"/>
+              </a:rPr>
+              <a:t>(1,'one') </a:t>
+            </a:r>
+            <a:r>
+              <a:rPr lang="en-US" sz="1200" b="0" i="0" dirty="0">
+                <a:effectLst/>
+              </a:rPr>
+              <a:t>| Replace all values equal to 1 with 'one'</a:t>
+            </a:r>
+          </a:p>
+          <a:p>
+            <a:pPr>
+              <a:lnSpc>
+                <a:spcPct val="200000"/>
+              </a:lnSpc>
+            </a:pPr>
+            <a:r>
+              <a:rPr lang="en-US" sz="1200" b="1" i="0" dirty="0" err="1">
+                <a:effectLst/>
+                <a:latin typeface="Consolas" panose="020B0609020204030204" pitchFamily="49" charset="0"/>
+              </a:rPr>
+              <a:t>s.</a:t>
+            </a:r>
+            <a:r>
+              <a:rPr lang="en-US" sz="1200" b="1" i="0" dirty="0" err="1">
+                <a:solidFill>
+                  <a:srgbClr val="0070C0"/>
+                </a:solidFill>
+                <a:effectLst/>
+                <a:latin typeface="Consolas" panose="020B0609020204030204" pitchFamily="49" charset="0"/>
+              </a:rPr>
+              <a:t>replace</a:t>
+            </a:r>
+            <a:r>
+              <a:rPr lang="en-US" sz="1200" b="1" i="0" dirty="0">
+                <a:solidFill>
+                  <a:srgbClr val="0070C0"/>
+                </a:solidFill>
+                <a:effectLst/>
+                <a:latin typeface="Consolas" panose="020B0609020204030204" pitchFamily="49" charset="0"/>
+              </a:rPr>
+              <a:t>([1,3],['</a:t>
+            </a:r>
+            <a:r>
+              <a:rPr lang="en-US" sz="1200" b="1" i="0" dirty="0" err="1">
+                <a:solidFill>
+                  <a:srgbClr val="0070C0"/>
+                </a:solidFill>
+                <a:effectLst/>
+                <a:latin typeface="Consolas" panose="020B0609020204030204" pitchFamily="49" charset="0"/>
+              </a:rPr>
+              <a:t>one','three</a:t>
+            </a:r>
+            <a:r>
+              <a:rPr lang="en-US" sz="1200" b="1" i="0" dirty="0">
+                <a:solidFill>
+                  <a:srgbClr val="0070C0"/>
+                </a:solidFill>
+                <a:effectLst/>
+                <a:latin typeface="Consolas" panose="020B0609020204030204" pitchFamily="49" charset="0"/>
+              </a:rPr>
+              <a:t>']) </a:t>
+            </a:r>
+            <a:r>
+              <a:rPr lang="en-US" sz="1200" b="0" i="0" dirty="0">
+                <a:effectLst/>
+              </a:rPr>
+              <a:t>| Replace all 1 with 'one' and 3 with 'three'</a:t>
+            </a:r>
+          </a:p>
+          <a:p>
+            <a:pPr>
+              <a:lnSpc>
+                <a:spcPct val="200000"/>
+              </a:lnSpc>
+            </a:pPr>
+            <a:r>
+              <a:rPr lang="en-US" sz="1200" b="1" i="0" dirty="0" err="1">
+                <a:effectLst/>
+                <a:latin typeface="Consolas" panose="020B0609020204030204" pitchFamily="49" charset="0"/>
+              </a:rPr>
+              <a:t>df.</a:t>
+            </a:r>
+            <a:r>
+              <a:rPr lang="en-US" sz="1200" b="1" i="0" dirty="0" err="1">
+                <a:solidFill>
+                  <a:srgbClr val="0070C0"/>
+                </a:solidFill>
+                <a:effectLst/>
+                <a:latin typeface="Consolas" panose="020B0609020204030204" pitchFamily="49" charset="0"/>
+              </a:rPr>
+              <a:t>rename</a:t>
+            </a:r>
+            <a:r>
+              <a:rPr lang="en-US" sz="1200" b="1" i="0" dirty="0">
+                <a:solidFill>
+                  <a:srgbClr val="0070C0"/>
+                </a:solidFill>
+                <a:effectLst/>
+                <a:latin typeface="Consolas" panose="020B0609020204030204" pitchFamily="49" charset="0"/>
+              </a:rPr>
+              <a:t>(columns=lambda x: x + 1) </a:t>
+            </a:r>
+            <a:r>
+              <a:rPr lang="en-US" sz="1200" b="0" i="0" dirty="0">
+                <a:effectLst/>
+              </a:rPr>
+              <a:t>| Mass renaming of columns</a:t>
+            </a:r>
+          </a:p>
+          <a:p>
+            <a:pPr>
+              <a:lnSpc>
+                <a:spcPct val="200000"/>
+              </a:lnSpc>
+            </a:pPr>
+            <a:r>
+              <a:rPr lang="en-US" sz="1200" b="1" i="0" dirty="0" err="1">
+                <a:effectLst/>
+                <a:latin typeface="Consolas" panose="020B0609020204030204" pitchFamily="49" charset="0"/>
+              </a:rPr>
+              <a:t>df.</a:t>
+            </a:r>
+            <a:r>
+              <a:rPr lang="en-US" sz="1200" b="1" i="0" dirty="0" err="1">
+                <a:solidFill>
+                  <a:srgbClr val="0070C0"/>
+                </a:solidFill>
+                <a:effectLst/>
+                <a:latin typeface="Consolas" panose="020B0609020204030204" pitchFamily="49" charset="0"/>
+              </a:rPr>
+              <a:t>rename</a:t>
+            </a:r>
+            <a:r>
+              <a:rPr lang="en-US" sz="1200" b="1" i="0" dirty="0">
+                <a:solidFill>
+                  <a:srgbClr val="0070C0"/>
+                </a:solidFill>
+                <a:effectLst/>
+                <a:latin typeface="Consolas" panose="020B0609020204030204" pitchFamily="49" charset="0"/>
+              </a:rPr>
+              <a:t>(columns={'</a:t>
+            </a:r>
+            <a:r>
+              <a:rPr lang="en-US" sz="1200" b="1" i="0" dirty="0" err="1">
+                <a:solidFill>
+                  <a:srgbClr val="0070C0"/>
+                </a:solidFill>
+                <a:effectLst/>
+                <a:latin typeface="Consolas" panose="020B0609020204030204" pitchFamily="49" charset="0"/>
+              </a:rPr>
+              <a:t>old_name</a:t>
+            </a:r>
+            <a:r>
+              <a:rPr lang="en-US" sz="1200" b="1" i="0" dirty="0">
+                <a:solidFill>
+                  <a:srgbClr val="0070C0"/>
+                </a:solidFill>
+                <a:effectLst/>
+                <a:latin typeface="Consolas" panose="020B0609020204030204" pitchFamily="49" charset="0"/>
+              </a:rPr>
+              <a:t>': 'new_ name'}) </a:t>
+            </a:r>
+            <a:r>
+              <a:rPr lang="en-US" sz="1200" b="0" i="0" dirty="0">
+                <a:effectLst/>
+              </a:rPr>
+              <a:t>| Selective renaming</a:t>
+            </a:r>
+          </a:p>
+          <a:p>
+            <a:pPr>
+              <a:lnSpc>
+                <a:spcPct val="200000"/>
+              </a:lnSpc>
+            </a:pPr>
+            <a:r>
+              <a:rPr lang="en-US" sz="1200" b="1" i="0" dirty="0" err="1">
+                <a:effectLst/>
+                <a:latin typeface="Consolas" panose="020B0609020204030204" pitchFamily="49" charset="0"/>
+              </a:rPr>
+              <a:t>df.</a:t>
+            </a:r>
+            <a:r>
+              <a:rPr lang="en-US" sz="1200" b="1" i="0" dirty="0" err="1">
+                <a:solidFill>
+                  <a:srgbClr val="0070C0"/>
+                </a:solidFill>
+                <a:effectLst/>
+                <a:latin typeface="Consolas" panose="020B0609020204030204" pitchFamily="49" charset="0"/>
+              </a:rPr>
+              <a:t>set_index</a:t>
+            </a:r>
+            <a:r>
+              <a:rPr lang="en-US" sz="1200" b="1" i="0" dirty="0">
+                <a:solidFill>
+                  <a:srgbClr val="0070C0"/>
+                </a:solidFill>
+                <a:effectLst/>
+                <a:latin typeface="Consolas" panose="020B0609020204030204" pitchFamily="49" charset="0"/>
+              </a:rPr>
+              <a:t>('</a:t>
+            </a:r>
+            <a:r>
+              <a:rPr lang="en-US" sz="1200" b="1" i="0" dirty="0" err="1">
+                <a:solidFill>
+                  <a:srgbClr val="0070C0"/>
+                </a:solidFill>
+                <a:effectLst/>
+                <a:latin typeface="Consolas" panose="020B0609020204030204" pitchFamily="49" charset="0"/>
+              </a:rPr>
+              <a:t>column_one</a:t>
+            </a:r>
+            <a:r>
+              <a:rPr lang="en-US" sz="1200" b="1" i="0" dirty="0">
+                <a:solidFill>
+                  <a:srgbClr val="0070C0"/>
+                </a:solidFill>
+                <a:effectLst/>
+                <a:latin typeface="Consolas" panose="020B0609020204030204" pitchFamily="49" charset="0"/>
+              </a:rPr>
+              <a:t>') </a:t>
+            </a:r>
+            <a:r>
+              <a:rPr lang="en-US" sz="1200" b="0" i="0" dirty="0">
+                <a:effectLst/>
+              </a:rPr>
+              <a:t>| Change the index</a:t>
+            </a:r>
+          </a:p>
+          <a:p>
+            <a:pPr>
+              <a:lnSpc>
+                <a:spcPct val="200000"/>
+              </a:lnSpc>
+            </a:pPr>
+            <a:r>
+              <a:rPr lang="en-US" sz="1200" b="1" i="0" dirty="0" err="1">
+                <a:effectLst/>
+                <a:latin typeface="Consolas" panose="020B0609020204030204" pitchFamily="49" charset="0"/>
+              </a:rPr>
+              <a:t>df.</a:t>
+            </a:r>
+            <a:r>
+              <a:rPr lang="en-US" sz="1200" b="1" i="0" dirty="0" err="1">
+                <a:solidFill>
+                  <a:srgbClr val="0070C0"/>
+                </a:solidFill>
+                <a:effectLst/>
+                <a:latin typeface="Consolas" panose="020B0609020204030204" pitchFamily="49" charset="0"/>
+              </a:rPr>
+              <a:t>rename</a:t>
+            </a:r>
+            <a:r>
+              <a:rPr lang="en-US" sz="1200" b="1" i="0" dirty="0">
+                <a:solidFill>
+                  <a:srgbClr val="0070C0"/>
+                </a:solidFill>
+                <a:effectLst/>
+                <a:latin typeface="Consolas" panose="020B0609020204030204" pitchFamily="49" charset="0"/>
+              </a:rPr>
+              <a:t>(index=lambda x: x + 1) </a:t>
+            </a:r>
+            <a:r>
+              <a:rPr lang="en-US" sz="1200" b="0" i="0" dirty="0">
+                <a:effectLst/>
+              </a:rPr>
+              <a:t>| Mass renaming of index</a:t>
+            </a:r>
+            <a:endParaRPr lang="en-US" sz="1200" b="1" dirty="0"/>
+          </a:p>
+        </p:txBody>
+      </p:sp>
+      <p:sp>
+        <p:nvSpPr>
+          <p:cNvPr id="85" name="TextBox 84">
+            <a:extLst>
+              <a:ext uri="{FF2B5EF4-FFF2-40B4-BE49-F238E27FC236}">
+                <a16:creationId xmlns:a16="http://schemas.microsoft.com/office/drawing/2014/main" id="{228F649B-F765-4F7A-AE8A-55FD3CC48C75}"/>
+              </a:ext>
+            </a:extLst>
+          </p:cNvPr>
+          <p:cNvSpPr txBox="1"/>
+          <p:nvPr/>
+        </p:nvSpPr>
+        <p:spPr>
+          <a:xfrm>
+            <a:off x="233569" y="5713183"/>
+            <a:ext cx="4377986" cy="617733"/>
+          </a:xfrm>
+          <a:prstGeom prst="rect">
+            <a:avLst/>
+          </a:prstGeom>
+          <a:solidFill>
+            <a:schemeClr val="accent1">
+              <a:lumMod val="20000"/>
+              <a:lumOff val="80000"/>
+            </a:schemeClr>
+          </a:solidFill>
+        </p:spPr>
+        <p:txBody>
+          <a:bodyPr wrap="square" rtlCol="0">
+            <a:spAutoFit/>
+          </a:bodyPr>
+          <a:lstStyle/>
+          <a:p>
+            <a:pPr>
+              <a:lnSpc>
+                <a:spcPct val="150000"/>
+              </a:lnSpc>
+            </a:pPr>
+            <a:r>
+              <a:rPr lang="en-US" sz="1200" b="0" i="0" dirty="0">
+                <a:effectLst/>
+                <a:ea typeface="Yu Mincho Light" panose="020B0400000000000000" pitchFamily="18" charset="-128"/>
+              </a:rPr>
+              <a:t>Use these commands to perform various </a:t>
+            </a:r>
+            <a:r>
+              <a:rPr lang="en-US" sz="1200" b="1" i="0" u="sng" dirty="0">
+                <a:solidFill>
+                  <a:srgbClr val="0070C0"/>
+                </a:solidFill>
+                <a:effectLst/>
+                <a:ea typeface="Yu Mincho Light" panose="020B0400000000000000" pitchFamily="18" charset="-128"/>
+              </a:rPr>
+              <a:t>statistical tests</a:t>
+            </a:r>
+            <a:r>
+              <a:rPr lang="en-US" sz="1200" b="0" i="0" dirty="0">
+                <a:effectLst/>
+                <a:ea typeface="Yu Mincho Light" panose="020B0400000000000000" pitchFamily="18" charset="-128"/>
+              </a:rPr>
+              <a:t>. (These can all be applied to a series as well.)</a:t>
+            </a:r>
+            <a:endParaRPr lang="en-US" sz="1200" dirty="0">
+              <a:ea typeface="Yu Mincho Light" panose="020B0400000000000000" pitchFamily="18" charset="-128"/>
+            </a:endParaRPr>
+          </a:p>
+        </p:txBody>
+      </p:sp>
+      <p:sp>
+        <p:nvSpPr>
+          <p:cNvPr id="89" name="TextBox 88">
+            <a:extLst>
+              <a:ext uri="{FF2B5EF4-FFF2-40B4-BE49-F238E27FC236}">
+                <a16:creationId xmlns:a16="http://schemas.microsoft.com/office/drawing/2014/main" id="{2AAE598A-335D-46E7-8A31-7480E9AE83C1}"/>
+              </a:ext>
+            </a:extLst>
+          </p:cNvPr>
+          <p:cNvSpPr txBox="1"/>
+          <p:nvPr/>
+        </p:nvSpPr>
+        <p:spPr>
+          <a:xfrm>
+            <a:off x="273775" y="6574156"/>
+            <a:ext cx="4377986" cy="3970318"/>
+          </a:xfrm>
+          <a:prstGeom prst="rect">
+            <a:avLst/>
+          </a:prstGeom>
+          <a:solidFill>
+            <a:schemeClr val="accent1">
+              <a:lumMod val="20000"/>
+              <a:lumOff val="80000"/>
+            </a:schemeClr>
+          </a:solidFill>
+        </p:spPr>
+        <p:txBody>
+          <a:bodyPr wrap="square" rtlCol="0">
+            <a:spAutoFit/>
+          </a:bodyPr>
+          <a:lstStyle/>
+          <a:p>
+            <a:pPr>
+              <a:lnSpc>
+                <a:spcPct val="200000"/>
+              </a:lnSpc>
+            </a:pPr>
+            <a:r>
+              <a:rPr lang="en-US" sz="1200" b="1" dirty="0" err="1">
+                <a:latin typeface="Consolas" panose="020B0609020204030204" pitchFamily="49" charset="0"/>
+              </a:rPr>
+              <a:t>df.</a:t>
+            </a:r>
+            <a:r>
+              <a:rPr lang="en-US" sz="1200" b="1" u="sng" dirty="0" err="1">
+                <a:solidFill>
+                  <a:srgbClr val="0070C0"/>
+                </a:solidFill>
+                <a:latin typeface="Consolas" panose="020B0609020204030204" pitchFamily="49" charset="0"/>
+              </a:rPr>
+              <a:t>describe</a:t>
+            </a:r>
+            <a:r>
+              <a:rPr lang="en-US" sz="1200" b="1" u="sng" dirty="0">
+                <a:solidFill>
+                  <a:srgbClr val="0070C0"/>
+                </a:solidFill>
+                <a:latin typeface="Consolas" panose="020B0609020204030204" pitchFamily="49" charset="0"/>
+              </a:rPr>
+              <a:t>()</a:t>
+            </a:r>
+            <a:r>
+              <a:rPr lang="en-US" sz="1200" b="1" dirty="0">
+                <a:solidFill>
+                  <a:srgbClr val="0070C0"/>
+                </a:solidFill>
+                <a:latin typeface="Consolas" panose="020B0609020204030204" pitchFamily="49" charset="0"/>
+              </a:rPr>
+              <a:t>	</a:t>
+            </a:r>
+            <a:r>
+              <a:rPr lang="en-US" sz="1200" dirty="0"/>
+              <a:t>| Summary statistics for numerical columns</a:t>
+            </a:r>
+          </a:p>
+          <a:p>
+            <a:pPr>
+              <a:lnSpc>
+                <a:spcPct val="200000"/>
+              </a:lnSpc>
+            </a:pPr>
+            <a:r>
+              <a:rPr lang="en-US" sz="1200" b="1" dirty="0" err="1">
+                <a:latin typeface="Consolas" panose="020B0609020204030204" pitchFamily="49" charset="0"/>
+              </a:rPr>
+              <a:t>df.</a:t>
+            </a:r>
+            <a:r>
+              <a:rPr lang="en-US" sz="1200" b="1" u="sng" dirty="0" err="1">
+                <a:solidFill>
+                  <a:srgbClr val="0070C0"/>
+                </a:solidFill>
+                <a:latin typeface="Consolas" panose="020B0609020204030204" pitchFamily="49" charset="0"/>
+              </a:rPr>
+              <a:t>mean</a:t>
+            </a:r>
+            <a:r>
+              <a:rPr lang="en-US" sz="1200" b="1" u="sng" dirty="0">
+                <a:solidFill>
+                  <a:srgbClr val="0070C0"/>
+                </a:solidFill>
+                <a:latin typeface="Consolas" panose="020B0609020204030204" pitchFamily="49" charset="0"/>
+              </a:rPr>
+              <a:t>()</a:t>
+            </a:r>
+            <a:r>
+              <a:rPr lang="en-US" sz="1200" b="1" dirty="0">
+                <a:solidFill>
+                  <a:srgbClr val="0070C0"/>
+                </a:solidFill>
+                <a:latin typeface="Consolas" panose="020B0609020204030204" pitchFamily="49" charset="0"/>
+              </a:rPr>
+              <a:t> </a:t>
+            </a:r>
+            <a:r>
+              <a:rPr lang="en-US" sz="1200" dirty="0"/>
+              <a:t>| Returns the mean of all columns</a:t>
+            </a:r>
+          </a:p>
+          <a:p>
+            <a:pPr>
+              <a:lnSpc>
+                <a:spcPct val="200000"/>
+              </a:lnSpc>
+            </a:pPr>
+            <a:r>
+              <a:rPr lang="en-US" sz="1200" b="1" dirty="0" err="1">
+                <a:latin typeface="Consolas" panose="020B0609020204030204" pitchFamily="49" charset="0"/>
+              </a:rPr>
+              <a:t>df.</a:t>
+            </a:r>
+            <a:r>
+              <a:rPr lang="en-US" sz="1200" b="1" u="sng" dirty="0" err="1">
+                <a:solidFill>
+                  <a:srgbClr val="0070C0"/>
+                </a:solidFill>
+                <a:latin typeface="Consolas" panose="020B0609020204030204" pitchFamily="49" charset="0"/>
+              </a:rPr>
+              <a:t>corr</a:t>
+            </a:r>
+            <a:r>
+              <a:rPr lang="en-US" sz="1200" b="1" u="sng" dirty="0">
+                <a:solidFill>
+                  <a:srgbClr val="0070C0"/>
+                </a:solidFill>
+                <a:latin typeface="Consolas" panose="020B0609020204030204" pitchFamily="49" charset="0"/>
+              </a:rPr>
+              <a:t>()</a:t>
+            </a:r>
+            <a:r>
+              <a:rPr lang="en-US" sz="1200" b="1" dirty="0">
+                <a:solidFill>
+                  <a:srgbClr val="0070C0"/>
+                </a:solidFill>
+                <a:latin typeface="Consolas" panose="020B0609020204030204" pitchFamily="49" charset="0"/>
+              </a:rPr>
+              <a:t> </a:t>
+            </a:r>
+            <a:r>
+              <a:rPr lang="en-US" sz="1200" dirty="0"/>
+              <a:t>| Returns the correlation between columns in a </a:t>
+            </a:r>
+            <a:r>
+              <a:rPr lang="en-US" sz="1200" dirty="0" err="1"/>
+              <a:t>DataFrame</a:t>
+            </a:r>
+            <a:endParaRPr lang="en-US" sz="1200" dirty="0"/>
+          </a:p>
+          <a:p>
+            <a:pPr>
+              <a:lnSpc>
+                <a:spcPct val="200000"/>
+              </a:lnSpc>
+            </a:pPr>
+            <a:r>
+              <a:rPr lang="en-US" sz="1200" b="1" dirty="0" err="1">
+                <a:latin typeface="Consolas" panose="020B0609020204030204" pitchFamily="49" charset="0"/>
+              </a:rPr>
+              <a:t>df.</a:t>
+            </a:r>
+            <a:r>
+              <a:rPr lang="en-US" sz="1200" b="1" u="sng" dirty="0" err="1">
+                <a:solidFill>
+                  <a:srgbClr val="0070C0"/>
+                </a:solidFill>
+                <a:latin typeface="Consolas" panose="020B0609020204030204" pitchFamily="49" charset="0"/>
+              </a:rPr>
+              <a:t>count</a:t>
+            </a:r>
+            <a:r>
+              <a:rPr lang="en-US" sz="1200" b="1" u="sng" dirty="0">
+                <a:solidFill>
+                  <a:srgbClr val="0070C0"/>
+                </a:solidFill>
+                <a:latin typeface="Consolas" panose="020B0609020204030204" pitchFamily="49" charset="0"/>
+              </a:rPr>
+              <a:t>()</a:t>
+            </a:r>
+            <a:r>
+              <a:rPr lang="en-US" sz="1200" b="1" dirty="0">
+                <a:solidFill>
+                  <a:srgbClr val="0070C0"/>
+                </a:solidFill>
+                <a:latin typeface="Consolas" panose="020B0609020204030204" pitchFamily="49" charset="0"/>
+              </a:rPr>
+              <a:t> </a:t>
+            </a:r>
+            <a:r>
+              <a:rPr lang="en-US" sz="1200" dirty="0"/>
+              <a:t>| Returns the number of non-null values in each </a:t>
+            </a:r>
+            <a:r>
+              <a:rPr lang="en-US" sz="1200" dirty="0" err="1"/>
+              <a:t>DataFrame</a:t>
+            </a:r>
+            <a:r>
+              <a:rPr lang="en-US" sz="1200" dirty="0"/>
+              <a:t> column</a:t>
+            </a:r>
+          </a:p>
+          <a:p>
+            <a:pPr>
+              <a:lnSpc>
+                <a:spcPct val="200000"/>
+              </a:lnSpc>
+            </a:pPr>
+            <a:r>
+              <a:rPr lang="en-US" sz="1200" b="1" dirty="0" err="1">
+                <a:latin typeface="Consolas" panose="020B0609020204030204" pitchFamily="49" charset="0"/>
+              </a:rPr>
+              <a:t>df.</a:t>
+            </a:r>
+            <a:r>
+              <a:rPr lang="en-US" sz="1200" b="1" u="sng" dirty="0" err="1">
+                <a:solidFill>
+                  <a:srgbClr val="0070C0"/>
+                </a:solidFill>
+                <a:latin typeface="Consolas" panose="020B0609020204030204" pitchFamily="49" charset="0"/>
+              </a:rPr>
+              <a:t>max</a:t>
+            </a:r>
+            <a:r>
+              <a:rPr lang="en-US" sz="1200" b="1" u="sng" dirty="0">
+                <a:solidFill>
+                  <a:srgbClr val="0070C0"/>
+                </a:solidFill>
+                <a:latin typeface="Consolas" panose="020B0609020204030204" pitchFamily="49" charset="0"/>
+              </a:rPr>
+              <a:t>()</a:t>
+            </a:r>
+            <a:r>
+              <a:rPr lang="en-US" sz="1200" b="1" dirty="0">
+                <a:solidFill>
+                  <a:srgbClr val="0070C0"/>
+                </a:solidFill>
+                <a:latin typeface="Consolas" panose="020B0609020204030204" pitchFamily="49" charset="0"/>
+              </a:rPr>
+              <a:t> </a:t>
+            </a:r>
+            <a:r>
+              <a:rPr lang="en-US" sz="1200" dirty="0"/>
+              <a:t>| Returns the highest value in each column</a:t>
+            </a:r>
+          </a:p>
+          <a:p>
+            <a:pPr>
+              <a:lnSpc>
+                <a:spcPct val="200000"/>
+              </a:lnSpc>
+            </a:pPr>
+            <a:r>
+              <a:rPr lang="en-US" sz="1200" b="1" dirty="0" err="1">
+                <a:latin typeface="Consolas" panose="020B0609020204030204" pitchFamily="49" charset="0"/>
+              </a:rPr>
+              <a:t>df.</a:t>
+            </a:r>
+            <a:r>
+              <a:rPr lang="en-US" sz="1200" b="1" u="sng" dirty="0" err="1">
+                <a:solidFill>
+                  <a:srgbClr val="0070C0"/>
+                </a:solidFill>
+                <a:latin typeface="Consolas" panose="020B0609020204030204" pitchFamily="49" charset="0"/>
+              </a:rPr>
+              <a:t>min</a:t>
+            </a:r>
+            <a:r>
+              <a:rPr lang="en-US" sz="1200" b="1" u="sng" dirty="0">
+                <a:solidFill>
+                  <a:srgbClr val="0070C0"/>
+                </a:solidFill>
+                <a:latin typeface="Consolas" panose="020B0609020204030204" pitchFamily="49" charset="0"/>
+              </a:rPr>
+              <a:t>()</a:t>
+            </a:r>
+            <a:r>
+              <a:rPr lang="en-US" sz="1200" b="1" dirty="0">
+                <a:solidFill>
+                  <a:srgbClr val="0070C0"/>
+                </a:solidFill>
+                <a:latin typeface="Consolas" panose="020B0609020204030204" pitchFamily="49" charset="0"/>
+              </a:rPr>
+              <a:t> </a:t>
+            </a:r>
+            <a:r>
+              <a:rPr lang="en-US" sz="1200" dirty="0"/>
+              <a:t>| Returns the lowest value in each column</a:t>
+            </a:r>
+          </a:p>
+          <a:p>
+            <a:pPr>
+              <a:lnSpc>
+                <a:spcPct val="200000"/>
+              </a:lnSpc>
+            </a:pPr>
+            <a:r>
+              <a:rPr lang="en-US" sz="1200" b="1" dirty="0" err="1">
+                <a:latin typeface="Consolas" panose="020B0609020204030204" pitchFamily="49" charset="0"/>
+              </a:rPr>
+              <a:t>df.</a:t>
+            </a:r>
+            <a:r>
+              <a:rPr lang="en-US" sz="1200" b="1" u="sng" dirty="0" err="1">
+                <a:solidFill>
+                  <a:srgbClr val="0070C0"/>
+                </a:solidFill>
+                <a:latin typeface="Consolas" panose="020B0609020204030204" pitchFamily="49" charset="0"/>
+              </a:rPr>
+              <a:t>median</a:t>
+            </a:r>
+            <a:r>
+              <a:rPr lang="en-US" sz="1200" b="1" u="sng" dirty="0">
+                <a:solidFill>
+                  <a:srgbClr val="0070C0"/>
+                </a:solidFill>
+                <a:latin typeface="Consolas" panose="020B0609020204030204" pitchFamily="49" charset="0"/>
+              </a:rPr>
+              <a:t>()</a:t>
+            </a:r>
+            <a:r>
+              <a:rPr lang="en-US" sz="1200" b="1" dirty="0">
+                <a:solidFill>
+                  <a:srgbClr val="0070C0"/>
+                </a:solidFill>
+                <a:latin typeface="Consolas" panose="020B0609020204030204" pitchFamily="49" charset="0"/>
+              </a:rPr>
+              <a:t> </a:t>
+            </a:r>
+            <a:r>
+              <a:rPr lang="en-US" sz="1200" dirty="0"/>
+              <a:t>| Returns the median of each column</a:t>
+            </a:r>
+          </a:p>
+          <a:p>
+            <a:pPr>
+              <a:lnSpc>
+                <a:spcPct val="200000"/>
+              </a:lnSpc>
+            </a:pPr>
+            <a:r>
+              <a:rPr lang="en-US" sz="1200" b="1" dirty="0" err="1">
+                <a:latin typeface="Consolas" panose="020B0609020204030204" pitchFamily="49" charset="0"/>
+              </a:rPr>
+              <a:t>df.</a:t>
+            </a:r>
+            <a:r>
+              <a:rPr lang="en-US" sz="1200" b="1" u="sng" dirty="0" err="1">
+                <a:solidFill>
+                  <a:srgbClr val="0070C0"/>
+                </a:solidFill>
+                <a:latin typeface="Consolas" panose="020B0609020204030204" pitchFamily="49" charset="0"/>
+              </a:rPr>
+              <a:t>std</a:t>
+            </a:r>
+            <a:r>
+              <a:rPr lang="en-US" sz="1200" b="1" u="sng" dirty="0">
+                <a:solidFill>
+                  <a:srgbClr val="0070C0"/>
+                </a:solidFill>
+                <a:latin typeface="Consolas" panose="020B0609020204030204" pitchFamily="49" charset="0"/>
+              </a:rPr>
+              <a:t>()</a:t>
+            </a:r>
+            <a:r>
+              <a:rPr lang="en-US" sz="1200" b="1" dirty="0">
+                <a:solidFill>
+                  <a:srgbClr val="0070C0"/>
+                </a:solidFill>
+                <a:latin typeface="Consolas" panose="020B0609020204030204" pitchFamily="49" charset="0"/>
+              </a:rPr>
+              <a:t> </a:t>
+            </a:r>
+            <a:r>
+              <a:rPr lang="en-US" sz="1200" dirty="0"/>
+              <a:t>| Returns the standard deviation of each column</a:t>
+            </a:r>
+          </a:p>
+          <a:p>
+            <a:endParaRPr lang="en-US" sz="1200" dirty="0"/>
+          </a:p>
+        </p:txBody>
+      </p:sp>
+      <p:graphicFrame>
+        <p:nvGraphicFramePr>
+          <p:cNvPr id="90" name="Table 89">
+            <a:extLst>
+              <a:ext uri="{FF2B5EF4-FFF2-40B4-BE49-F238E27FC236}">
+                <a16:creationId xmlns:a16="http://schemas.microsoft.com/office/drawing/2014/main" id="{E1EB5B3C-5E6F-4B3B-808C-E4EDA5267C6C}"/>
+              </a:ext>
+            </a:extLst>
+          </p:cNvPr>
+          <p:cNvGraphicFramePr>
+            <a:graphicFrameLocks noGrp="1"/>
+          </p:cNvGraphicFramePr>
+          <p:nvPr>
+            <p:extLst>
+              <p:ext uri="{D42A27DB-BD31-4B8C-83A1-F6EECF244321}">
+                <p14:modId xmlns:p14="http://schemas.microsoft.com/office/powerpoint/2010/main" val="529465521"/>
+              </p:ext>
+            </p:extLst>
+          </p:nvPr>
+        </p:nvGraphicFramePr>
+        <p:xfrm>
+          <a:off x="9855589" y="1102512"/>
+          <a:ext cx="1097280" cy="548640"/>
+        </p:xfrm>
+        <a:graphic>
+          <a:graphicData uri="http://schemas.openxmlformats.org/drawingml/2006/table">
+            <a:tbl>
+              <a:tblPr bandRow="1">
+                <a:tableStyleId>{5C22544A-7EE6-4342-B048-85BDC9FD1C3A}</a:tableStyleId>
+              </a:tblPr>
+              <a:tblGrid>
+                <a:gridCol w="274320">
+                  <a:extLst>
+                    <a:ext uri="{9D8B030D-6E8A-4147-A177-3AD203B41FA5}">
+                      <a16:colId xmlns:a16="http://schemas.microsoft.com/office/drawing/2014/main" val="20000"/>
+                    </a:ext>
+                  </a:extLst>
+                </a:gridCol>
+                <a:gridCol w="274320">
+                  <a:extLst>
+                    <a:ext uri="{9D8B030D-6E8A-4147-A177-3AD203B41FA5}">
+                      <a16:colId xmlns:a16="http://schemas.microsoft.com/office/drawing/2014/main" val="20001"/>
+                    </a:ext>
+                  </a:extLst>
+                </a:gridCol>
+                <a:gridCol w="274320">
+                  <a:extLst>
+                    <a:ext uri="{9D8B030D-6E8A-4147-A177-3AD203B41FA5}">
+                      <a16:colId xmlns:a16="http://schemas.microsoft.com/office/drawing/2014/main" val="20002"/>
+                    </a:ext>
+                  </a:extLst>
+                </a:gridCol>
+                <a:gridCol w="274320">
+                  <a:extLst>
+                    <a:ext uri="{9D8B030D-6E8A-4147-A177-3AD203B41FA5}">
+                      <a16:colId xmlns:a16="http://schemas.microsoft.com/office/drawing/2014/main" val="20003"/>
+                    </a:ext>
+                  </a:extLst>
+                </a:gridCol>
+              </a:tblGrid>
+              <a:tr h="137160">
+                <a:tc>
+                  <a:txBody>
+                    <a:bodyPr/>
+                    <a:lstStyle/>
+                    <a:p>
+                      <a:endParaRPr lang="en-US" sz="300" dirty="0"/>
+                    </a:p>
+                  </a:txBody>
+                  <a:tcPr marL="0" marR="0" marT="0" marB="0">
+                    <a:solidFill>
+                      <a:schemeClr val="bg2">
+                        <a:lumMod val="75000"/>
+                      </a:schemeClr>
+                    </a:solidFill>
+                  </a:tcPr>
+                </a:tc>
+                <a:tc>
+                  <a:txBody>
+                    <a:bodyPr/>
+                    <a:lstStyle/>
+                    <a:p>
+                      <a:endParaRPr lang="en-US" sz="300" dirty="0"/>
+                    </a:p>
+                  </a:txBody>
+                  <a:tcPr marL="0" marR="0" marT="0" marB="0">
+                    <a:solidFill>
+                      <a:schemeClr val="accent6"/>
+                    </a:solidFill>
+                  </a:tcPr>
+                </a:tc>
+                <a:tc>
+                  <a:txBody>
+                    <a:bodyPr/>
+                    <a:lstStyle/>
+                    <a:p>
+                      <a:endParaRPr lang="en-US" sz="300" dirty="0"/>
+                    </a:p>
+                  </a:txBody>
+                  <a:tcPr marL="0" marR="0" marT="0" marB="0">
+                    <a:solidFill>
+                      <a:schemeClr val="accent2"/>
+                    </a:solidFill>
+                  </a:tcPr>
+                </a:tc>
+                <a:tc>
+                  <a:txBody>
+                    <a:bodyPr/>
+                    <a:lstStyle/>
+                    <a:p>
+                      <a:endParaRPr lang="en-US" sz="300" dirty="0"/>
+                    </a:p>
+                  </a:txBody>
+                  <a:tcPr marL="0" marR="0" marT="0" marB="0">
+                    <a:solidFill>
+                      <a:schemeClr val="accent5"/>
+                    </a:solidFill>
+                  </a:tcPr>
+                </a:tc>
+                <a:extLst>
+                  <a:ext uri="{0D108BD9-81ED-4DB2-BD59-A6C34878D82A}">
+                    <a16:rowId xmlns:a16="http://schemas.microsoft.com/office/drawing/2014/main" val="10000"/>
+                  </a:ext>
+                </a:extLst>
+              </a:tr>
+              <a:tr h="137160">
+                <a:tc>
+                  <a:txBody>
+                    <a:bodyPr/>
+                    <a:lstStyle/>
+                    <a:p>
+                      <a:endParaRPr lang="en-US" sz="300" dirty="0"/>
+                    </a:p>
+                  </a:txBody>
+                  <a:tcPr marL="0" marR="0" marT="0" marB="0">
+                    <a:solidFill>
+                      <a:schemeClr val="bg2"/>
+                    </a:solidFill>
+                  </a:tcPr>
+                </a:tc>
+                <a:tc>
+                  <a:txBody>
+                    <a:bodyPr/>
+                    <a:lstStyle/>
+                    <a:p>
+                      <a:endParaRPr lang="en-US" sz="300" dirty="0"/>
+                    </a:p>
+                  </a:txBody>
+                  <a:tcPr marL="0" marR="0" marT="0" marB="0">
+                    <a:solidFill>
+                      <a:schemeClr val="accent6">
+                        <a:lumMod val="40000"/>
+                        <a:lumOff val="60000"/>
+                      </a:schemeClr>
+                    </a:solidFill>
+                  </a:tcPr>
+                </a:tc>
+                <a:tc>
+                  <a:txBody>
+                    <a:bodyPr/>
+                    <a:lstStyle/>
+                    <a:p>
+                      <a:endParaRPr lang="en-US" sz="300" dirty="0"/>
+                    </a:p>
+                  </a:txBody>
+                  <a:tcPr marL="0" marR="0" marT="0" marB="0">
+                    <a:solidFill>
+                      <a:schemeClr val="accent2">
+                        <a:lumMod val="40000"/>
+                        <a:lumOff val="60000"/>
+                      </a:schemeClr>
+                    </a:solidFill>
+                  </a:tcPr>
+                </a:tc>
+                <a:tc>
+                  <a:txBody>
+                    <a:bodyPr/>
+                    <a:lstStyle/>
+                    <a:p>
+                      <a:endParaRPr lang="en-US" sz="300" dirty="0"/>
+                    </a:p>
+                  </a:txBody>
+                  <a:tcPr marL="0" marR="0" marT="0" marB="0">
+                    <a:solidFill>
+                      <a:schemeClr val="accent1">
+                        <a:lumMod val="40000"/>
+                        <a:lumOff val="60000"/>
+                      </a:schemeClr>
+                    </a:solidFill>
+                  </a:tcPr>
+                </a:tc>
+                <a:extLst>
+                  <a:ext uri="{0D108BD9-81ED-4DB2-BD59-A6C34878D82A}">
+                    <a16:rowId xmlns:a16="http://schemas.microsoft.com/office/drawing/2014/main" val="10001"/>
+                  </a:ext>
+                </a:extLst>
+              </a:tr>
+              <a:tr h="137160">
+                <a:tc>
+                  <a:txBody>
+                    <a:bodyPr/>
+                    <a:lstStyle/>
+                    <a:p>
+                      <a:endParaRPr lang="en-US" sz="300" dirty="0"/>
+                    </a:p>
+                  </a:txBody>
+                  <a:tcPr marL="0" marR="0" marT="0" marB="0">
+                    <a:solidFill>
+                      <a:schemeClr val="bg2"/>
+                    </a:solidFill>
+                  </a:tcPr>
+                </a:tc>
+                <a:tc>
+                  <a:txBody>
+                    <a:bodyPr/>
+                    <a:lstStyle/>
+                    <a:p>
+                      <a:endParaRPr lang="en-US" sz="300" dirty="0"/>
+                    </a:p>
+                  </a:txBody>
+                  <a:tcPr marL="0" marR="0" marT="0" marB="0">
+                    <a:solidFill>
+                      <a:schemeClr val="accent6">
+                        <a:lumMod val="40000"/>
+                        <a:lumOff val="60000"/>
+                      </a:schemeClr>
+                    </a:solidFill>
+                  </a:tcPr>
+                </a:tc>
+                <a:tc>
+                  <a:txBody>
+                    <a:bodyPr/>
+                    <a:lstStyle/>
+                    <a:p>
+                      <a:endParaRPr lang="en-US" sz="300" dirty="0"/>
+                    </a:p>
+                  </a:txBody>
+                  <a:tcPr marL="0" marR="0" marT="0" marB="0">
+                    <a:solidFill>
+                      <a:schemeClr val="accent2">
+                        <a:lumMod val="40000"/>
+                        <a:lumOff val="60000"/>
+                      </a:schemeClr>
+                    </a:solidFill>
+                  </a:tcPr>
+                </a:tc>
+                <a:tc>
+                  <a:txBody>
+                    <a:bodyPr/>
+                    <a:lstStyle/>
+                    <a:p>
+                      <a:endParaRPr lang="en-US" sz="300" dirty="0"/>
+                    </a:p>
+                  </a:txBody>
+                  <a:tcPr marL="0" marR="0" marT="0" marB="0">
+                    <a:solidFill>
+                      <a:schemeClr val="accent1">
+                        <a:lumMod val="40000"/>
+                        <a:lumOff val="60000"/>
+                      </a:schemeClr>
+                    </a:solidFill>
+                  </a:tcPr>
+                </a:tc>
+                <a:extLst>
+                  <a:ext uri="{0D108BD9-81ED-4DB2-BD59-A6C34878D82A}">
+                    <a16:rowId xmlns:a16="http://schemas.microsoft.com/office/drawing/2014/main" val="10002"/>
+                  </a:ext>
+                </a:extLst>
+              </a:tr>
+              <a:tr h="137160">
+                <a:tc>
+                  <a:txBody>
+                    <a:bodyPr/>
+                    <a:lstStyle/>
+                    <a:p>
+                      <a:endParaRPr lang="en-US" sz="300" dirty="0"/>
+                    </a:p>
+                  </a:txBody>
+                  <a:tcPr marL="0" marR="0" marT="0" marB="0">
+                    <a:solidFill>
+                      <a:schemeClr val="bg2"/>
+                    </a:solidFill>
+                  </a:tcPr>
+                </a:tc>
+                <a:tc>
+                  <a:txBody>
+                    <a:bodyPr/>
+                    <a:lstStyle/>
+                    <a:p>
+                      <a:endParaRPr lang="en-US" sz="300" dirty="0"/>
+                    </a:p>
+                  </a:txBody>
+                  <a:tcPr marL="0" marR="0" marT="0" marB="0">
+                    <a:solidFill>
+                      <a:schemeClr val="accent6">
+                        <a:lumMod val="40000"/>
+                        <a:lumOff val="60000"/>
+                      </a:schemeClr>
+                    </a:solidFill>
+                  </a:tcPr>
+                </a:tc>
+                <a:tc>
+                  <a:txBody>
+                    <a:bodyPr/>
+                    <a:lstStyle/>
+                    <a:p>
+                      <a:endParaRPr lang="en-US" sz="300" dirty="0"/>
+                    </a:p>
+                  </a:txBody>
+                  <a:tcPr marL="0" marR="0" marT="0" marB="0">
+                    <a:solidFill>
+                      <a:schemeClr val="accent2">
+                        <a:lumMod val="40000"/>
+                        <a:lumOff val="60000"/>
+                      </a:schemeClr>
+                    </a:solidFill>
+                  </a:tcPr>
+                </a:tc>
+                <a:tc>
+                  <a:txBody>
+                    <a:bodyPr/>
+                    <a:lstStyle/>
+                    <a:p>
+                      <a:endParaRPr lang="en-US" sz="300" dirty="0"/>
+                    </a:p>
+                  </a:txBody>
+                  <a:tcPr marL="0" marR="0" marT="0" marB="0">
+                    <a:solidFill>
+                      <a:schemeClr val="accent1">
+                        <a:lumMod val="40000"/>
+                        <a:lumOff val="60000"/>
+                      </a:schemeClr>
+                    </a:solidFill>
+                  </a:tcPr>
+                </a:tc>
+                <a:extLst>
+                  <a:ext uri="{0D108BD9-81ED-4DB2-BD59-A6C34878D82A}">
+                    <a16:rowId xmlns:a16="http://schemas.microsoft.com/office/drawing/2014/main" val="10003"/>
+                  </a:ext>
+                </a:extLst>
+              </a:tr>
+            </a:tbl>
+          </a:graphicData>
+        </a:graphic>
+      </p:graphicFrame>
+      <p:graphicFrame>
+        <p:nvGraphicFramePr>
+          <p:cNvPr id="91" name="Table 90">
+            <a:extLst>
+              <a:ext uri="{FF2B5EF4-FFF2-40B4-BE49-F238E27FC236}">
+                <a16:creationId xmlns:a16="http://schemas.microsoft.com/office/drawing/2014/main" id="{CB809FB5-645F-4F9D-86F0-9985E92EC07E}"/>
+              </a:ext>
+            </a:extLst>
+          </p:cNvPr>
+          <p:cNvGraphicFramePr>
+            <a:graphicFrameLocks noGrp="1"/>
+          </p:cNvGraphicFramePr>
+          <p:nvPr>
+            <p:extLst>
+              <p:ext uri="{D42A27DB-BD31-4B8C-83A1-F6EECF244321}">
+                <p14:modId xmlns:p14="http://schemas.microsoft.com/office/powerpoint/2010/main" val="2223396775"/>
+              </p:ext>
+            </p:extLst>
+          </p:nvPr>
+        </p:nvGraphicFramePr>
+        <p:xfrm>
+          <a:off x="11633197" y="1082449"/>
+          <a:ext cx="548640" cy="548640"/>
+        </p:xfrm>
+        <a:graphic>
+          <a:graphicData uri="http://schemas.openxmlformats.org/drawingml/2006/table">
+            <a:tbl>
+              <a:tblPr bandRow="1">
+                <a:tableStyleId>{5C22544A-7EE6-4342-B048-85BDC9FD1C3A}</a:tableStyleId>
+              </a:tblPr>
+              <a:tblGrid>
+                <a:gridCol w="274320">
+                  <a:extLst>
+                    <a:ext uri="{9D8B030D-6E8A-4147-A177-3AD203B41FA5}">
+                      <a16:colId xmlns:a16="http://schemas.microsoft.com/office/drawing/2014/main" val="20000"/>
+                    </a:ext>
+                  </a:extLst>
+                </a:gridCol>
+                <a:gridCol w="274320">
+                  <a:extLst>
+                    <a:ext uri="{9D8B030D-6E8A-4147-A177-3AD203B41FA5}">
+                      <a16:colId xmlns:a16="http://schemas.microsoft.com/office/drawing/2014/main" val="20001"/>
+                    </a:ext>
+                  </a:extLst>
+                </a:gridCol>
+              </a:tblGrid>
+              <a:tr h="137160">
+                <a:tc>
+                  <a:txBody>
+                    <a:bodyPr/>
+                    <a:lstStyle/>
+                    <a:p>
+                      <a:endParaRPr lang="en-US" sz="300" dirty="0"/>
+                    </a:p>
+                  </a:txBody>
+                  <a:tcPr marL="0" marR="0" marT="0" marB="0">
+                    <a:solidFill>
+                      <a:schemeClr val="bg2">
+                        <a:lumMod val="75000"/>
+                      </a:schemeClr>
+                    </a:solidFill>
+                  </a:tcPr>
+                </a:tc>
+                <a:tc>
+                  <a:txBody>
+                    <a:bodyPr/>
+                    <a:lstStyle/>
+                    <a:p>
+                      <a:endParaRPr lang="en-US" sz="300" dirty="0"/>
+                    </a:p>
+                  </a:txBody>
+                  <a:tcPr marL="0" marR="0" marT="0" marB="0">
+                    <a:solidFill>
+                      <a:schemeClr val="accent4"/>
+                    </a:solidFill>
+                  </a:tcPr>
+                </a:tc>
+                <a:extLst>
+                  <a:ext uri="{0D108BD9-81ED-4DB2-BD59-A6C34878D82A}">
+                    <a16:rowId xmlns:a16="http://schemas.microsoft.com/office/drawing/2014/main" val="10000"/>
+                  </a:ext>
+                </a:extLst>
+              </a:tr>
+              <a:tr h="137160">
+                <a:tc>
+                  <a:txBody>
+                    <a:bodyPr/>
+                    <a:lstStyle/>
+                    <a:p>
+                      <a:endParaRPr lang="en-US" sz="300" dirty="0"/>
+                    </a:p>
+                  </a:txBody>
+                  <a:tcPr marL="0" marR="0" marT="0" marB="0">
+                    <a:solidFill>
+                      <a:schemeClr val="accent6"/>
+                    </a:solidFill>
+                  </a:tcPr>
+                </a:tc>
+                <a:tc>
+                  <a:txBody>
+                    <a:bodyPr/>
+                    <a:lstStyle/>
+                    <a:p>
+                      <a:endParaRPr lang="en-US" sz="300" dirty="0"/>
+                    </a:p>
+                  </a:txBody>
+                  <a:tcPr marL="0" marR="0" marT="0" marB="0">
+                    <a:solidFill>
+                      <a:schemeClr val="accent4">
+                        <a:lumMod val="40000"/>
+                        <a:lumOff val="60000"/>
+                      </a:schemeClr>
+                    </a:solidFill>
+                  </a:tcPr>
+                </a:tc>
+                <a:extLst>
+                  <a:ext uri="{0D108BD9-81ED-4DB2-BD59-A6C34878D82A}">
+                    <a16:rowId xmlns:a16="http://schemas.microsoft.com/office/drawing/2014/main" val="10001"/>
+                  </a:ext>
+                </a:extLst>
+              </a:tr>
+              <a:tr h="137160">
+                <a:tc>
+                  <a:txBody>
+                    <a:bodyPr/>
+                    <a:lstStyle/>
+                    <a:p>
+                      <a:endParaRPr lang="en-US" sz="300" dirty="0"/>
+                    </a:p>
+                  </a:txBody>
+                  <a:tcPr marL="0" marR="0" marT="0" marB="0">
+                    <a:solidFill>
+                      <a:schemeClr val="accent2"/>
+                    </a:solidFill>
+                  </a:tcPr>
+                </a:tc>
+                <a:tc>
+                  <a:txBody>
+                    <a:bodyPr/>
+                    <a:lstStyle/>
+                    <a:p>
+                      <a:endParaRPr lang="en-US" sz="300" dirty="0"/>
+                    </a:p>
+                  </a:txBody>
+                  <a:tcPr marL="0" marR="0" marT="0" marB="0">
+                    <a:solidFill>
+                      <a:schemeClr val="accent4">
+                        <a:lumMod val="40000"/>
+                        <a:lumOff val="60000"/>
+                      </a:schemeClr>
+                    </a:solidFill>
+                  </a:tcPr>
+                </a:tc>
+                <a:extLst>
+                  <a:ext uri="{0D108BD9-81ED-4DB2-BD59-A6C34878D82A}">
+                    <a16:rowId xmlns:a16="http://schemas.microsoft.com/office/drawing/2014/main" val="10002"/>
+                  </a:ext>
+                </a:extLst>
+              </a:tr>
+              <a:tr h="137160">
+                <a:tc>
+                  <a:txBody>
+                    <a:bodyPr/>
+                    <a:lstStyle/>
+                    <a:p>
+                      <a:endParaRPr lang="en-US" sz="300" dirty="0"/>
+                    </a:p>
+                  </a:txBody>
+                  <a:tcPr marL="0" marR="0" marT="0" marB="0">
+                    <a:solidFill>
+                      <a:schemeClr val="accent5"/>
+                    </a:solidFill>
+                  </a:tcPr>
+                </a:tc>
+                <a:tc>
+                  <a:txBody>
+                    <a:bodyPr/>
+                    <a:lstStyle/>
+                    <a:p>
+                      <a:endParaRPr lang="en-US" sz="300" dirty="0"/>
+                    </a:p>
+                  </a:txBody>
+                  <a:tcPr marL="0" marR="0" marT="0" marB="0">
+                    <a:solidFill>
+                      <a:schemeClr val="accent4">
+                        <a:lumMod val="40000"/>
+                        <a:lumOff val="60000"/>
+                      </a:schemeClr>
+                    </a:solidFill>
+                  </a:tcPr>
+                </a:tc>
+                <a:extLst>
+                  <a:ext uri="{0D108BD9-81ED-4DB2-BD59-A6C34878D82A}">
+                    <a16:rowId xmlns:a16="http://schemas.microsoft.com/office/drawing/2014/main" val="10003"/>
+                  </a:ext>
+                </a:extLst>
+              </a:tr>
+            </a:tbl>
+          </a:graphicData>
+        </a:graphic>
+      </p:graphicFrame>
+      <p:cxnSp>
+        <p:nvCxnSpPr>
+          <p:cNvPr id="92" name="Straight Arrow Connector 91">
+            <a:extLst>
+              <a:ext uri="{FF2B5EF4-FFF2-40B4-BE49-F238E27FC236}">
+                <a16:creationId xmlns:a16="http://schemas.microsoft.com/office/drawing/2014/main" id="{2C76FC26-5B0D-484A-81F4-C161977C2477}"/>
+              </a:ext>
+            </a:extLst>
+          </p:cNvPr>
+          <p:cNvCxnSpPr>
+            <a:cxnSpLocks/>
+          </p:cNvCxnSpPr>
+          <p:nvPr/>
+        </p:nvCxnSpPr>
+        <p:spPr>
+          <a:xfrm>
+            <a:off x="11111493" y="1360796"/>
+            <a:ext cx="363152" cy="0"/>
+          </a:xfrm>
+          <a:prstGeom prst="straightConnector1">
+            <a:avLst/>
+          </a:prstGeom>
+          <a:ln w="63500">
+            <a:solidFill>
+              <a:schemeClr val="tx1"/>
+            </a:solidFill>
+            <a:tailEnd type="stealth"/>
+          </a:ln>
+        </p:spPr>
+        <p:style>
+          <a:lnRef idx="1">
+            <a:schemeClr val="accent1"/>
+          </a:lnRef>
+          <a:fillRef idx="0">
+            <a:schemeClr val="accent1"/>
+          </a:fillRef>
+          <a:effectRef idx="0">
+            <a:schemeClr val="accent1"/>
+          </a:effectRef>
+          <a:fontRef idx="minor">
+            <a:schemeClr val="tx1"/>
+          </a:fontRef>
+        </p:style>
+      </p:cxnSp>
+      <p:sp>
+        <p:nvSpPr>
+          <p:cNvPr id="93" name="Rounded Rectangle 61">
+            <a:extLst>
+              <a:ext uri="{FF2B5EF4-FFF2-40B4-BE49-F238E27FC236}">
+                <a16:creationId xmlns:a16="http://schemas.microsoft.com/office/drawing/2014/main" id="{A21D49AC-F0DC-451F-937F-36A76F8E7DAB}"/>
+              </a:ext>
+            </a:extLst>
+          </p:cNvPr>
+          <p:cNvSpPr/>
+          <p:nvPr/>
+        </p:nvSpPr>
+        <p:spPr>
+          <a:xfrm>
+            <a:off x="4791234" y="7190096"/>
+            <a:ext cx="8764498" cy="423293"/>
+          </a:xfrm>
+          <a:prstGeom prst="roundRect">
+            <a:avLst/>
+          </a:prstGeom>
+        </p:spPr>
+        <p:style>
+          <a:lnRef idx="2">
+            <a:schemeClr val="accent1">
+              <a:shade val="50000"/>
+            </a:schemeClr>
+          </a:lnRef>
+          <a:fillRef idx="1">
+            <a:schemeClr val="accent1"/>
+          </a:fillRef>
+          <a:effectRef idx="0">
+            <a:schemeClr val="accent1"/>
+          </a:effectRef>
+          <a:fontRef idx="minor">
+            <a:schemeClr val="lt1"/>
+          </a:fontRef>
+        </p:style>
+        <p:txBody>
+          <a:bodyPr rtlCol="0" anchor="ctr"/>
+          <a:lstStyle/>
+          <a:p>
+            <a:pPr algn="ctr"/>
+            <a:r>
+              <a:rPr lang="en-US" sz="2800" b="1" dirty="0">
+                <a:solidFill>
+                  <a:schemeClr val="bg1"/>
+                </a:solidFill>
+              </a:rPr>
+              <a:t>Exporting Data</a:t>
+            </a:r>
+            <a:endParaRPr lang="en-US" sz="2683" dirty="0">
+              <a:solidFill>
+                <a:schemeClr val="bg1"/>
+              </a:solidFill>
+            </a:endParaRPr>
+          </a:p>
+        </p:txBody>
+      </p:sp>
+      <p:sp>
+        <p:nvSpPr>
+          <p:cNvPr id="94" name="TextBox 93">
+            <a:extLst>
+              <a:ext uri="{FF2B5EF4-FFF2-40B4-BE49-F238E27FC236}">
+                <a16:creationId xmlns:a16="http://schemas.microsoft.com/office/drawing/2014/main" id="{0D068CA7-5084-4E4C-8935-3C5BFE5BE356}"/>
+              </a:ext>
+            </a:extLst>
+          </p:cNvPr>
+          <p:cNvSpPr txBox="1"/>
+          <p:nvPr/>
+        </p:nvSpPr>
+        <p:spPr>
+          <a:xfrm>
+            <a:off x="4798116" y="7774122"/>
+            <a:ext cx="8870648" cy="2492990"/>
+          </a:xfrm>
+          <a:prstGeom prst="rect">
+            <a:avLst/>
+          </a:prstGeom>
+          <a:solidFill>
+            <a:schemeClr val="accent1">
+              <a:lumMod val="20000"/>
+              <a:lumOff val="80000"/>
+            </a:schemeClr>
+          </a:solidFill>
+        </p:spPr>
+        <p:txBody>
+          <a:bodyPr wrap="square" rtlCol="0">
+            <a:spAutoFit/>
+          </a:bodyPr>
+          <a:lstStyle/>
+          <a:p>
+            <a:pPr>
+              <a:lnSpc>
+                <a:spcPct val="200000"/>
+              </a:lnSpc>
+            </a:pPr>
+            <a:r>
+              <a:rPr lang="en-US" sz="1200" dirty="0"/>
+              <a:t>Use these commands to export a </a:t>
+            </a:r>
+            <a:r>
+              <a:rPr lang="en-US" sz="1200" dirty="0" err="1"/>
+              <a:t>DataFrame</a:t>
+            </a:r>
+            <a:r>
+              <a:rPr lang="en-US" sz="1200" dirty="0"/>
+              <a:t> to CSV, .xlsx, SQL, or JSON.</a:t>
+            </a:r>
+          </a:p>
+          <a:p>
+            <a:pPr>
+              <a:lnSpc>
+                <a:spcPct val="200000"/>
+              </a:lnSpc>
+            </a:pPr>
+            <a:endParaRPr lang="en-US" sz="1200" dirty="0"/>
+          </a:p>
+          <a:p>
+            <a:pPr>
+              <a:lnSpc>
+                <a:spcPct val="200000"/>
+              </a:lnSpc>
+            </a:pPr>
+            <a:r>
+              <a:rPr lang="en-US" sz="1200" b="1" dirty="0" err="1">
+                <a:latin typeface="Consolas" panose="020B0609020204030204" pitchFamily="49" charset="0"/>
+              </a:rPr>
+              <a:t>df.</a:t>
+            </a:r>
+            <a:r>
+              <a:rPr lang="en-US" sz="1200" b="1" dirty="0" err="1">
+                <a:solidFill>
+                  <a:srgbClr val="0070C0"/>
+                </a:solidFill>
+                <a:latin typeface="Consolas" panose="020B0609020204030204" pitchFamily="49" charset="0"/>
+              </a:rPr>
+              <a:t>to_csv</a:t>
+            </a:r>
+            <a:r>
+              <a:rPr lang="en-US" sz="1200" b="1" dirty="0">
+                <a:solidFill>
+                  <a:srgbClr val="0070C0"/>
+                </a:solidFill>
+                <a:latin typeface="Consolas" panose="020B0609020204030204" pitchFamily="49" charset="0"/>
+              </a:rPr>
+              <a:t>(filename) </a:t>
+            </a:r>
+            <a:r>
+              <a:rPr lang="en-US" sz="1200" dirty="0"/>
+              <a:t>| Write to a CSV file</a:t>
+            </a:r>
+          </a:p>
+          <a:p>
+            <a:pPr>
+              <a:lnSpc>
+                <a:spcPct val="200000"/>
+              </a:lnSpc>
+            </a:pPr>
+            <a:r>
+              <a:rPr lang="en-US" sz="1200" b="1" dirty="0" err="1">
+                <a:latin typeface="Consolas" panose="020B0609020204030204" pitchFamily="49" charset="0"/>
+              </a:rPr>
+              <a:t>df.</a:t>
+            </a:r>
+            <a:r>
+              <a:rPr lang="en-US" sz="1200" b="1" dirty="0" err="1">
+                <a:solidFill>
+                  <a:srgbClr val="0070C0"/>
+                </a:solidFill>
+                <a:latin typeface="Consolas" panose="020B0609020204030204" pitchFamily="49" charset="0"/>
+              </a:rPr>
+              <a:t>to_excel</a:t>
+            </a:r>
+            <a:r>
+              <a:rPr lang="en-US" sz="1200" b="1" dirty="0">
+                <a:solidFill>
+                  <a:srgbClr val="0070C0"/>
+                </a:solidFill>
+                <a:latin typeface="Consolas" panose="020B0609020204030204" pitchFamily="49" charset="0"/>
+              </a:rPr>
+              <a:t>(filename) </a:t>
+            </a:r>
+            <a:r>
+              <a:rPr lang="en-US" sz="1200" dirty="0"/>
+              <a:t>| Write to an Excel file</a:t>
+            </a:r>
+          </a:p>
+          <a:p>
+            <a:pPr>
+              <a:lnSpc>
+                <a:spcPct val="200000"/>
+              </a:lnSpc>
+            </a:pPr>
+            <a:r>
+              <a:rPr lang="en-US" sz="1200" b="1" dirty="0" err="1">
+                <a:latin typeface="Consolas" panose="020B0609020204030204" pitchFamily="49" charset="0"/>
+              </a:rPr>
+              <a:t>df.</a:t>
+            </a:r>
+            <a:r>
+              <a:rPr lang="en-US" sz="1200" b="1" dirty="0" err="1">
+                <a:solidFill>
+                  <a:srgbClr val="0070C0"/>
+                </a:solidFill>
+                <a:latin typeface="Consolas" panose="020B0609020204030204" pitchFamily="49" charset="0"/>
+              </a:rPr>
+              <a:t>to_sql</a:t>
+            </a:r>
+            <a:r>
+              <a:rPr lang="en-US" sz="1200" b="1" dirty="0">
+                <a:solidFill>
+                  <a:srgbClr val="0070C0"/>
+                </a:solidFill>
+                <a:latin typeface="Consolas" panose="020B0609020204030204" pitchFamily="49" charset="0"/>
+              </a:rPr>
+              <a:t>(</a:t>
+            </a:r>
+            <a:r>
+              <a:rPr lang="en-US" sz="1200" b="1" dirty="0" err="1">
+                <a:solidFill>
+                  <a:srgbClr val="0070C0"/>
+                </a:solidFill>
+                <a:latin typeface="Consolas" panose="020B0609020204030204" pitchFamily="49" charset="0"/>
+              </a:rPr>
+              <a:t>table_name</a:t>
+            </a:r>
+            <a:r>
+              <a:rPr lang="en-US" sz="1200" b="1" dirty="0">
+                <a:solidFill>
+                  <a:srgbClr val="0070C0"/>
+                </a:solidFill>
+                <a:latin typeface="Consolas" panose="020B0609020204030204" pitchFamily="49" charset="0"/>
+              </a:rPr>
+              <a:t>, </a:t>
+            </a:r>
+            <a:r>
+              <a:rPr lang="en-US" sz="1200" b="1" dirty="0" err="1">
+                <a:solidFill>
+                  <a:srgbClr val="0070C0"/>
+                </a:solidFill>
+                <a:latin typeface="Consolas" panose="020B0609020204030204" pitchFamily="49" charset="0"/>
+              </a:rPr>
+              <a:t>connection_object</a:t>
+            </a:r>
+            <a:r>
+              <a:rPr lang="en-US" sz="1200" b="1" dirty="0">
+                <a:solidFill>
+                  <a:srgbClr val="0070C0"/>
+                </a:solidFill>
+                <a:latin typeface="Consolas" panose="020B0609020204030204" pitchFamily="49" charset="0"/>
+              </a:rPr>
+              <a:t>)</a:t>
+            </a:r>
+            <a:r>
+              <a:rPr lang="en-US" sz="1200" b="1" dirty="0">
+                <a:latin typeface="Consolas" panose="020B0609020204030204" pitchFamily="49" charset="0"/>
+              </a:rPr>
+              <a:t> </a:t>
+            </a:r>
+            <a:r>
+              <a:rPr lang="en-US" sz="1200" dirty="0"/>
+              <a:t>| Write to a SQL table</a:t>
+            </a:r>
+          </a:p>
+          <a:p>
+            <a:pPr>
+              <a:lnSpc>
+                <a:spcPct val="200000"/>
+              </a:lnSpc>
+            </a:pPr>
+            <a:r>
+              <a:rPr lang="en-US" sz="1200" b="1" dirty="0" err="1">
+                <a:latin typeface="Consolas" panose="020B0609020204030204" pitchFamily="49" charset="0"/>
+              </a:rPr>
+              <a:t>df.</a:t>
+            </a:r>
+            <a:r>
+              <a:rPr lang="en-US" sz="1200" b="1" dirty="0" err="1">
+                <a:solidFill>
+                  <a:srgbClr val="0070C0"/>
+                </a:solidFill>
+                <a:latin typeface="Consolas" panose="020B0609020204030204" pitchFamily="49" charset="0"/>
+              </a:rPr>
+              <a:t>to_json</a:t>
+            </a:r>
+            <a:r>
+              <a:rPr lang="en-US" sz="1200" b="1" dirty="0">
+                <a:solidFill>
+                  <a:srgbClr val="0070C0"/>
+                </a:solidFill>
+                <a:latin typeface="Consolas" panose="020B0609020204030204" pitchFamily="49" charset="0"/>
+              </a:rPr>
+              <a:t>(filename) </a:t>
+            </a:r>
+            <a:r>
+              <a:rPr lang="en-US" sz="1200" dirty="0"/>
+              <a:t>| Write to a file in JSON format</a:t>
+            </a:r>
+          </a:p>
+          <a:p>
+            <a:endParaRPr lang="en-US" sz="1200" dirty="0"/>
+          </a:p>
+        </p:txBody>
+      </p:sp>
+      <p:graphicFrame>
+        <p:nvGraphicFramePr>
+          <p:cNvPr id="95" name="Table 94">
+            <a:extLst>
+              <a:ext uri="{FF2B5EF4-FFF2-40B4-BE49-F238E27FC236}">
+                <a16:creationId xmlns:a16="http://schemas.microsoft.com/office/drawing/2014/main" id="{93605D77-9901-409F-ADFF-806A6645BA7B}"/>
+              </a:ext>
+            </a:extLst>
+          </p:cNvPr>
+          <p:cNvGraphicFramePr>
+            <a:graphicFrameLocks noGrp="1"/>
+          </p:cNvGraphicFramePr>
+          <p:nvPr>
+            <p:extLst>
+              <p:ext uri="{D42A27DB-BD31-4B8C-83A1-F6EECF244321}">
+                <p14:modId xmlns:p14="http://schemas.microsoft.com/office/powerpoint/2010/main" val="1451103247"/>
+              </p:ext>
+            </p:extLst>
+          </p:nvPr>
+        </p:nvGraphicFramePr>
+        <p:xfrm>
+          <a:off x="10073016" y="8349112"/>
+          <a:ext cx="1119705" cy="1089855"/>
+        </p:xfrm>
+        <a:graphic>
+          <a:graphicData uri="http://schemas.openxmlformats.org/drawingml/2006/table">
+            <a:tbl>
+              <a:tblPr>
+                <a:tableStyleId>{5C22544A-7EE6-4342-B048-85BDC9FD1C3A}</a:tableStyleId>
+              </a:tblPr>
+              <a:tblGrid>
+                <a:gridCol w="373235">
+                  <a:extLst>
+                    <a:ext uri="{9D8B030D-6E8A-4147-A177-3AD203B41FA5}">
+                      <a16:colId xmlns:a16="http://schemas.microsoft.com/office/drawing/2014/main" val="20000"/>
+                    </a:ext>
+                  </a:extLst>
+                </a:gridCol>
+                <a:gridCol w="373235">
+                  <a:extLst>
+                    <a:ext uri="{9D8B030D-6E8A-4147-A177-3AD203B41FA5}">
+                      <a16:colId xmlns:a16="http://schemas.microsoft.com/office/drawing/2014/main" val="20001"/>
+                    </a:ext>
+                  </a:extLst>
+                </a:gridCol>
+                <a:gridCol w="373235">
+                  <a:extLst>
+                    <a:ext uri="{9D8B030D-6E8A-4147-A177-3AD203B41FA5}">
+                      <a16:colId xmlns:a16="http://schemas.microsoft.com/office/drawing/2014/main" val="20002"/>
+                    </a:ext>
+                  </a:extLst>
+                </a:gridCol>
+              </a:tblGrid>
+              <a:tr h="217971">
+                <a:tc>
+                  <a:txBody>
+                    <a:bodyPr/>
+                    <a:lstStyle/>
+                    <a:p>
+                      <a:endParaRPr lang="en-US" sz="800" dirty="0"/>
+                    </a:p>
+                  </a:txBody>
+                  <a:tcPr marL="0" marR="0" marT="0" marB="0">
+                    <a:solidFill>
+                      <a:schemeClr val="bg2">
+                        <a:lumMod val="50000"/>
+                      </a:schemeClr>
+                    </a:solidFill>
+                  </a:tcPr>
+                </a:tc>
+                <a:tc>
+                  <a:txBody>
+                    <a:bodyPr/>
+                    <a:lstStyle/>
+                    <a:p>
+                      <a:endParaRPr lang="en-US" sz="800" dirty="0"/>
+                    </a:p>
+                  </a:txBody>
+                  <a:tcPr marL="0" marR="0" marT="0" marB="0">
+                    <a:solidFill>
+                      <a:schemeClr val="accent5"/>
+                    </a:solidFill>
+                  </a:tcPr>
+                </a:tc>
+                <a:tc>
+                  <a:txBody>
+                    <a:bodyPr/>
+                    <a:lstStyle/>
+                    <a:p>
+                      <a:endParaRPr lang="en-US" sz="800"/>
+                    </a:p>
+                  </a:txBody>
+                  <a:tcPr marL="0" marR="0" marT="0" marB="0">
+                    <a:solidFill>
+                      <a:schemeClr val="accent5"/>
+                    </a:solidFill>
+                  </a:tcPr>
+                </a:tc>
+                <a:extLst>
+                  <a:ext uri="{0D108BD9-81ED-4DB2-BD59-A6C34878D82A}">
+                    <a16:rowId xmlns:a16="http://schemas.microsoft.com/office/drawing/2014/main" val="10000"/>
+                  </a:ext>
+                </a:extLst>
+              </a:tr>
+              <a:tr h="217971">
+                <a:tc>
+                  <a:txBody>
+                    <a:bodyPr/>
+                    <a:lstStyle/>
+                    <a:p>
+                      <a:endParaRPr lang="en-US" sz="800" dirty="0"/>
+                    </a:p>
+                  </a:txBody>
+                  <a:tcPr marL="0" marR="0" marT="0" marB="0">
+                    <a:solidFill>
+                      <a:schemeClr val="bg2">
+                        <a:lumMod val="90000"/>
+                      </a:schemeClr>
+                    </a:solidFill>
+                  </a:tcPr>
+                </a:tc>
+                <a:tc>
+                  <a:txBody>
+                    <a:bodyPr/>
+                    <a:lstStyle/>
+                    <a:p>
+                      <a:endParaRPr lang="en-US" sz="800" dirty="0"/>
+                    </a:p>
+                  </a:txBody>
+                  <a:tcPr marL="0" marR="0" marT="0" marB="0">
+                    <a:solidFill>
+                      <a:schemeClr val="accent5">
+                        <a:lumMod val="60000"/>
+                        <a:lumOff val="40000"/>
+                      </a:schemeClr>
+                    </a:solidFill>
+                  </a:tcPr>
+                </a:tc>
+                <a:tc>
+                  <a:txBody>
+                    <a:bodyPr/>
+                    <a:lstStyle/>
+                    <a:p>
+                      <a:endParaRPr lang="en-US" sz="800" dirty="0"/>
+                    </a:p>
+                  </a:txBody>
+                  <a:tcPr marL="0" marR="0" marT="0" marB="0">
+                    <a:solidFill>
+                      <a:schemeClr val="accent5">
+                        <a:lumMod val="60000"/>
+                        <a:lumOff val="40000"/>
+                      </a:schemeClr>
+                    </a:solidFill>
+                  </a:tcPr>
+                </a:tc>
+                <a:extLst>
+                  <a:ext uri="{0D108BD9-81ED-4DB2-BD59-A6C34878D82A}">
+                    <a16:rowId xmlns:a16="http://schemas.microsoft.com/office/drawing/2014/main" val="10001"/>
+                  </a:ext>
+                </a:extLst>
+              </a:tr>
+              <a:tr h="217971">
+                <a:tc>
+                  <a:txBody>
+                    <a:bodyPr/>
+                    <a:lstStyle/>
+                    <a:p>
+                      <a:endParaRPr lang="en-US" sz="800" dirty="0"/>
+                    </a:p>
+                  </a:txBody>
+                  <a:tcPr marL="0" marR="0" marT="0" marB="0">
+                    <a:solidFill>
+                      <a:schemeClr val="bg2">
+                        <a:lumMod val="90000"/>
+                      </a:schemeClr>
+                    </a:solidFill>
+                  </a:tcPr>
+                </a:tc>
+                <a:tc>
+                  <a:txBody>
+                    <a:bodyPr/>
+                    <a:lstStyle/>
+                    <a:p>
+                      <a:endParaRPr lang="en-US" sz="800"/>
+                    </a:p>
+                  </a:txBody>
+                  <a:tcPr marL="0" marR="0" marT="0" marB="0">
+                    <a:solidFill>
+                      <a:schemeClr val="accent5">
+                        <a:lumMod val="60000"/>
+                        <a:lumOff val="40000"/>
+                      </a:schemeClr>
+                    </a:solidFill>
+                  </a:tcPr>
+                </a:tc>
+                <a:tc>
+                  <a:txBody>
+                    <a:bodyPr/>
+                    <a:lstStyle/>
+                    <a:p>
+                      <a:endParaRPr lang="en-US" sz="800" dirty="0"/>
+                    </a:p>
+                  </a:txBody>
+                  <a:tcPr marL="0" marR="0" marT="0" marB="0">
+                    <a:solidFill>
+                      <a:schemeClr val="accent5">
+                        <a:lumMod val="60000"/>
+                        <a:lumOff val="40000"/>
+                      </a:schemeClr>
+                    </a:solidFill>
+                  </a:tcPr>
+                </a:tc>
+                <a:extLst>
+                  <a:ext uri="{0D108BD9-81ED-4DB2-BD59-A6C34878D82A}">
+                    <a16:rowId xmlns:a16="http://schemas.microsoft.com/office/drawing/2014/main" val="10002"/>
+                  </a:ext>
+                </a:extLst>
+              </a:tr>
+              <a:tr h="217971">
+                <a:tc>
+                  <a:txBody>
+                    <a:bodyPr/>
+                    <a:lstStyle/>
+                    <a:p>
+                      <a:endParaRPr lang="en-US" sz="800"/>
+                    </a:p>
+                  </a:txBody>
+                  <a:tcPr marL="0" marR="0" marT="0" marB="0">
+                    <a:solidFill>
+                      <a:schemeClr val="bg2">
+                        <a:lumMod val="90000"/>
+                      </a:schemeClr>
+                    </a:solidFill>
+                  </a:tcPr>
+                </a:tc>
+                <a:tc>
+                  <a:txBody>
+                    <a:bodyPr/>
+                    <a:lstStyle/>
+                    <a:p>
+                      <a:endParaRPr lang="en-US" sz="800"/>
+                    </a:p>
+                  </a:txBody>
+                  <a:tcPr marL="0" marR="0" marT="0" marB="0">
+                    <a:solidFill>
+                      <a:schemeClr val="accent5">
+                        <a:lumMod val="60000"/>
+                        <a:lumOff val="40000"/>
+                      </a:schemeClr>
+                    </a:solidFill>
+                  </a:tcPr>
+                </a:tc>
+                <a:tc>
+                  <a:txBody>
+                    <a:bodyPr/>
+                    <a:lstStyle/>
+                    <a:p>
+                      <a:endParaRPr lang="en-US" sz="800"/>
+                    </a:p>
+                  </a:txBody>
+                  <a:tcPr marL="0" marR="0" marT="0" marB="0">
+                    <a:solidFill>
+                      <a:schemeClr val="accent5">
+                        <a:lumMod val="60000"/>
+                        <a:lumOff val="40000"/>
+                      </a:schemeClr>
+                    </a:solidFill>
+                  </a:tcPr>
+                </a:tc>
+                <a:extLst>
+                  <a:ext uri="{0D108BD9-81ED-4DB2-BD59-A6C34878D82A}">
+                    <a16:rowId xmlns:a16="http://schemas.microsoft.com/office/drawing/2014/main" val="10003"/>
+                  </a:ext>
+                </a:extLst>
+              </a:tr>
+              <a:tr h="217971">
+                <a:tc>
+                  <a:txBody>
+                    <a:bodyPr/>
+                    <a:lstStyle/>
+                    <a:p>
+                      <a:endParaRPr lang="en-US" sz="800" dirty="0"/>
+                    </a:p>
+                  </a:txBody>
+                  <a:tcPr marL="0" marR="0" marT="0" marB="0">
+                    <a:solidFill>
+                      <a:schemeClr val="bg2">
+                        <a:lumMod val="90000"/>
+                      </a:schemeClr>
+                    </a:solidFill>
+                  </a:tcPr>
+                </a:tc>
+                <a:tc>
+                  <a:txBody>
+                    <a:bodyPr/>
+                    <a:lstStyle/>
+                    <a:p>
+                      <a:endParaRPr lang="en-US" sz="800"/>
+                    </a:p>
+                  </a:txBody>
+                  <a:tcPr marL="0" marR="0" marT="0" marB="0">
+                    <a:solidFill>
+                      <a:schemeClr val="accent5">
+                        <a:lumMod val="60000"/>
+                        <a:lumOff val="40000"/>
+                      </a:schemeClr>
+                    </a:solidFill>
+                  </a:tcPr>
+                </a:tc>
+                <a:tc>
+                  <a:txBody>
+                    <a:bodyPr/>
+                    <a:lstStyle/>
+                    <a:p>
+                      <a:endParaRPr lang="en-US" sz="800" dirty="0"/>
+                    </a:p>
+                  </a:txBody>
+                  <a:tcPr marL="0" marR="0" marT="0" marB="0">
+                    <a:solidFill>
+                      <a:schemeClr val="accent5">
+                        <a:lumMod val="60000"/>
+                        <a:lumOff val="40000"/>
+                      </a:schemeClr>
+                    </a:solidFill>
+                  </a:tcPr>
+                </a:tc>
+                <a:extLst>
+                  <a:ext uri="{0D108BD9-81ED-4DB2-BD59-A6C34878D82A}">
+                    <a16:rowId xmlns:a16="http://schemas.microsoft.com/office/drawing/2014/main" val="10004"/>
+                  </a:ext>
+                </a:extLst>
+              </a:tr>
+            </a:tbl>
+          </a:graphicData>
+        </a:graphic>
+      </p:graphicFrame>
+      <p:sp>
+        <p:nvSpPr>
+          <p:cNvPr id="96" name="Right Arrow 21">
+            <a:extLst>
+              <a:ext uri="{FF2B5EF4-FFF2-40B4-BE49-F238E27FC236}">
+                <a16:creationId xmlns:a16="http://schemas.microsoft.com/office/drawing/2014/main" id="{ABE0E192-1656-4A45-AEF9-A0A47F4A54EE}"/>
+              </a:ext>
+            </a:extLst>
+          </p:cNvPr>
+          <p:cNvSpPr/>
+          <p:nvPr/>
+        </p:nvSpPr>
+        <p:spPr>
+          <a:xfrm>
+            <a:off x="11332194" y="8559315"/>
+            <a:ext cx="976270" cy="613458"/>
+          </a:xfrm>
+          <a:prstGeom prst="rightArrow">
+            <a:avLst/>
+          </a:prstGeom>
+          <a:gradFill flip="none" rotWithShape="1">
+            <a:gsLst>
+              <a:gs pos="0">
+                <a:schemeClr val="accent5"/>
+              </a:gs>
+              <a:gs pos="100000">
+                <a:schemeClr val="accent6">
+                  <a:lumMod val="60000"/>
+                  <a:lumOff val="40000"/>
+                </a:schemeClr>
+              </a:gs>
+            </a:gsLst>
+            <a:lin ang="0" scaled="1"/>
+            <a:tileRect/>
+          </a:gradFill>
+        </p:spPr>
+        <p:style>
+          <a:lnRef idx="2">
+            <a:schemeClr val="accent1">
+              <a:shade val="50000"/>
+            </a:schemeClr>
+          </a:lnRef>
+          <a:fillRef idx="1">
+            <a:schemeClr val="accent1"/>
+          </a:fillRef>
+          <a:effectRef idx="0">
+            <a:schemeClr val="accent1"/>
+          </a:effectRef>
+          <a:fontRef idx="minor">
+            <a:schemeClr val="lt1"/>
+          </a:fontRef>
+        </p:style>
+        <p:txBody>
+          <a:bodyPr rtlCol="0" anchor="ctr"/>
+          <a:lstStyle/>
+          <a:p>
+            <a:pPr algn="ctr"/>
+            <a:r>
+              <a:rPr lang="en-US" sz="1000" b="1" dirty="0"/>
+              <a:t>Exporting</a:t>
+            </a:r>
+          </a:p>
+          <a:p>
+            <a:pPr algn="ctr"/>
+            <a:r>
+              <a:rPr lang="en-US" sz="1000" b="1" dirty="0"/>
+              <a:t>Data</a:t>
+            </a:r>
+          </a:p>
+        </p:txBody>
+      </p:sp>
+      <p:pic>
+        <p:nvPicPr>
+          <p:cNvPr id="45" name="Picture 44" descr="A picture containing light&#10;&#10;Description automatically generated">
+            <a:extLst>
+              <a:ext uri="{FF2B5EF4-FFF2-40B4-BE49-F238E27FC236}">
+                <a16:creationId xmlns:a16="http://schemas.microsoft.com/office/drawing/2014/main" id="{1F8D7860-12F8-42D3-A045-AED99728FAF1}"/>
+              </a:ext>
+            </a:extLst>
+          </p:cNvPr>
+          <p:cNvPicPr>
+            <a:picLocks noChangeAspect="1"/>
+          </p:cNvPicPr>
+          <p:nvPr/>
+        </p:nvPicPr>
+        <p:blipFill>
+          <a:blip r:embed="rId3">
+            <a:extLst>
+              <a:ext uri="{28A0092B-C50C-407E-A947-70E740481C1C}">
+                <a14:useLocalDpi xmlns:a14="http://schemas.microsoft.com/office/drawing/2010/main" val="0"/>
+              </a:ext>
+              <a:ext uri="{837473B0-CC2E-450A-ABE3-18F120FF3D39}">
+                <a1611:picAttrSrcUrl xmlns:a1611="http://schemas.microsoft.com/office/drawing/2016/11/main" r:id="rId4"/>
+              </a:ext>
+            </a:extLst>
+          </a:blip>
+          <a:stretch>
+            <a:fillRect/>
+          </a:stretch>
+        </p:blipFill>
+        <p:spPr>
+          <a:xfrm>
+            <a:off x="12308464" y="8298364"/>
+            <a:ext cx="979910" cy="1023185"/>
+          </a:xfrm>
+          <a:prstGeom prst="rect">
+            <a:avLst/>
+          </a:prstGeom>
+        </p:spPr>
+      </p:pic>
+      <p:sp>
+        <p:nvSpPr>
+          <p:cNvPr id="69" name="TextBox 68">
+            <a:extLst>
+              <a:ext uri="{FF2B5EF4-FFF2-40B4-BE49-F238E27FC236}">
+                <a16:creationId xmlns:a16="http://schemas.microsoft.com/office/drawing/2014/main" id="{971DD9D2-6711-453C-9851-558767AB1C7F}"/>
+              </a:ext>
+            </a:extLst>
+          </p:cNvPr>
+          <p:cNvSpPr txBox="1"/>
+          <p:nvPr/>
+        </p:nvSpPr>
+        <p:spPr>
+          <a:xfrm>
+            <a:off x="11474645" y="10339641"/>
+            <a:ext cx="2355612" cy="369332"/>
+          </a:xfrm>
+          <a:prstGeom prst="rect">
+            <a:avLst/>
+          </a:prstGeom>
+          <a:noFill/>
+        </p:spPr>
+        <p:txBody>
+          <a:bodyPr wrap="square" rtlCol="0">
+            <a:spAutoFit/>
+          </a:bodyPr>
+          <a:lstStyle/>
+          <a:p>
+            <a:r>
+              <a:rPr lang="en-US" sz="900" dirty="0">
+                <a:hlinkClick r:id="rId4" tooltip="http://www.pngall.com/database-png"/>
+              </a:rPr>
+              <a:t>This Photo</a:t>
+            </a:r>
+            <a:r>
+              <a:rPr lang="en-US" sz="900" dirty="0"/>
+              <a:t> by Unknown Author is licensed under </a:t>
+            </a:r>
+            <a:r>
+              <a:rPr lang="en-US" sz="900" dirty="0">
+                <a:hlinkClick r:id="rId5" tooltip="https://creativecommons.org/licenses/by-nc/3.0/"/>
+              </a:rPr>
+              <a:t>CC BY-NC</a:t>
+            </a:r>
+            <a:endParaRPr lang="en-US" sz="900" dirty="0"/>
+          </a:p>
+        </p:txBody>
+      </p:sp>
+    </p:spTree>
+    <p:extLst>
+      <p:ext uri="{BB962C8B-B14F-4D97-AF65-F5344CB8AC3E}">
+        <p14:creationId xmlns:p14="http://schemas.microsoft.com/office/powerpoint/2010/main" val="515629992"/>
       </p:ext>
     </p:extLst>
   </p:cSld>

--- a/doc/cheatsheet/Pandas_Cheat_Sheet.pptx
+++ b/doc/cheatsheet/Pandas_Cheat_Sheet.pptx
@@ -9695,14 +9695,14 @@
           <a:effectLst/>
           <a:extLst>
             <a:ext uri="{909E8E84-426E-40dd-AFC4-6F175D3DCCD1}">
-              <a14:hiddenFill xmlns="" xmlns:a14="http://schemas.microsoft.com/office/drawing/2010/main">
+              <a14:hiddenFill xmlns:a14="http://schemas.microsoft.com/office/drawing/2010/main" xmlns="">
                 <a:solidFill>
                   <a:schemeClr val="accent1"/>
                 </a:solidFill>
               </a14:hiddenFill>
             </a:ext>
             <a:ext uri="{91240B29-F687-4f45-9708-019B960494DF}">
-              <a14:hiddenLine xmlns="" xmlns:a14="http://schemas.microsoft.com/office/drawing/2010/main" w="9525">
+              <a14:hiddenLine xmlns:a14="http://schemas.microsoft.com/office/drawing/2010/main" xmlns="" w="9525">
                 <a:solidFill>
                   <a:schemeClr val="tx1"/>
                 </a:solidFill>
@@ -9712,7 +9712,7 @@
               </a14:hiddenLine>
             </a:ext>
             <a:ext uri="{AF507438-7753-43e0-B8FC-AC1667EBCBE1}">
-              <a14:hiddenEffects xmlns="" xmlns:a14="http://schemas.microsoft.com/office/drawing/2010/main">
+              <a14:hiddenEffects xmlns:a14="http://schemas.microsoft.com/office/drawing/2010/main" xmlns="">
                 <a:effectLst>
                   <a:outerShdw dist="35921" dir="2700000" algn="ctr" rotWithShape="0">
                     <a:schemeClr val="bg2"/>
@@ -23854,21 +23854,7 @@
                 <a:latin typeface="Consolas" panose="020B0609020204030204" pitchFamily="49" charset="0"/>
                 <a:hlinkClick r:id="rId26"/>
               </a:rPr>
-              <a:t>mer</a:t>
-            </a:r>
-            <a:r>
-              <a:rPr lang="en-US" sz="1200" b="1" dirty="0" err="1">
-                <a:latin typeface="Consolas" panose="020B0609020204030204" pitchFamily="49" charset="0"/>
-                <a:hlinkClick r:id="rId26"/>
-              </a:rPr>
-              <a:t>g</a:t>
-            </a:r>
-            <a:r>
-              <a:rPr lang="en-US" sz="1200" b="1" dirty="0" err="1">
-                <a:latin typeface="Consolas" panose="020B0609020204030204" pitchFamily="49" charset="0"/>
-                <a:hlinkClick r:id="rId26"/>
-              </a:rPr>
-              <a:t>e</a:t>
+              <a:t>merge</a:t>
             </a:r>
             <a:r>
               <a:rPr lang="en-US" sz="1200" b="1" dirty="0">
@@ -28493,22 +28479,7 @@
               <a:rPr lang="en-US" sz="1200" b="1" dirty="0">
                 <a:latin typeface="Consolas" panose="020B0609020204030204" pitchFamily="49" charset="0"/>
               </a:rPr>
-              <a:t>df</a:t>
-            </a:r>
-            <a:r>
-              <a:rPr lang="en-US" sz="1200" b="1" dirty="0">
-                <a:solidFill>
-                  <a:srgbClr val="0070C0"/>
-                </a:solidFill>
-                <a:latin typeface="Consolas" panose="020B0609020204030204" pitchFamily="49" charset="0"/>
-              </a:rPr>
-              <a:t>[col] </a:t>
-            </a:r>
-            <a:r>
-              <a:rPr lang="en-US" sz="1200" b="1" dirty="0">
-                <a:latin typeface="Consolas" panose="020B0609020204030204" pitchFamily="49" charset="0"/>
-              </a:rPr>
-              <a:t>-&gt; </a:t>
+              <a:t>df[col] -&gt; </a:t>
             </a:r>
             <a:r>
               <a:rPr lang="en-US" sz="1200" dirty="0">
@@ -28527,28 +28498,13 @@
               <a:rPr lang="en-US" sz="1200" b="1" dirty="0">
                 <a:latin typeface="Consolas" panose="020B0609020204030204" pitchFamily="49" charset="0"/>
               </a:rPr>
-              <a:t>df</a:t>
-            </a:r>
-            <a:r>
-              <a:rPr lang="en-US" sz="1200" b="1" dirty="0">
-                <a:solidFill>
-                  <a:srgbClr val="0070C0"/>
-                </a:solidFill>
-                <a:latin typeface="Consolas" panose="020B0609020204030204" pitchFamily="49" charset="0"/>
-              </a:rPr>
-              <a:t>[[col1, col2]]</a:t>
-            </a:r>
-            <a:r>
-              <a:rPr lang="en-US" sz="1200" b="1" dirty="0">
-                <a:latin typeface="Consolas" panose="020B0609020204030204" pitchFamily="49" charset="0"/>
-              </a:rPr>
-              <a:t> -&gt; </a:t>
+              <a:t>df[[col1, col2]] -&gt; </a:t>
             </a:r>
             <a:r>
               <a:rPr lang="en-US" sz="1200" dirty="0">
                 <a:latin typeface="Consolas" panose="020B0609020204030204" pitchFamily="49" charset="0"/>
               </a:rPr>
-              <a:t>Returns columns as a new 	      </a:t>
+              <a:t>Returns columns as a new </a:t>
             </a:r>
             <a:r>
               <a:rPr lang="en-US" sz="1200" dirty="0" err="1">
@@ -28583,18 +28539,9 @@
             </a:r>
             <a:r>
               <a:rPr lang="en-US" sz="1200" b="1" dirty="0">
-                <a:solidFill>
-                  <a:srgbClr val="0070C0"/>
-                </a:solidFill>
-                <a:latin typeface="Consolas" panose="020B0609020204030204" pitchFamily="49" charset="0"/>
-              </a:rPr>
-              <a:t>[0]</a:t>
-            </a:r>
-            <a:r>
-              <a:rPr lang="en-US" sz="1200" b="1" dirty="0">
-                <a:latin typeface="Consolas" panose="020B0609020204030204" pitchFamily="49" charset="0"/>
-              </a:rPr>
-              <a:t> -&gt; </a:t>
+                <a:latin typeface="Consolas" panose="020B0609020204030204" pitchFamily="49" charset="0"/>
+              </a:rPr>
+              <a:t>[0] -&gt; </a:t>
             </a:r>
             <a:r>
               <a:rPr lang="en-US" sz="1200" dirty="0">
@@ -28626,36 +28573,21 @@
             </a:r>
             <a:r>
               <a:rPr lang="en-US" sz="1200" b="1" dirty="0">
-                <a:solidFill>
-                  <a:srgbClr val="0070C0"/>
-                </a:solidFill>
                 <a:latin typeface="Consolas" panose="020B0609020204030204" pitchFamily="49" charset="0"/>
               </a:rPr>
               <a:t>['</a:t>
             </a:r>
             <a:r>
               <a:rPr lang="en-US" sz="1200" b="1" dirty="0" err="1">
-                <a:solidFill>
-                  <a:srgbClr val="0070C0"/>
-                </a:solidFill>
                 <a:latin typeface="Consolas" panose="020B0609020204030204" pitchFamily="49" charset="0"/>
               </a:rPr>
               <a:t>index_one</a:t>
             </a:r>
             <a:r>
               <a:rPr lang="en-US" sz="1200" b="1" dirty="0">
-                <a:solidFill>
-                  <a:srgbClr val="0070C0"/>
-                </a:solidFill>
-                <a:latin typeface="Consolas" panose="020B0609020204030204" pitchFamily="49" charset="0"/>
-              </a:rPr>
-              <a:t>'] </a:t>
-            </a:r>
-            <a:r>
-              <a:rPr lang="en-US" sz="1200" b="1" dirty="0">
-                <a:latin typeface="Consolas" panose="020B0609020204030204" pitchFamily="49" charset="0"/>
-              </a:rPr>
-              <a:t>-&gt; </a:t>
+                <a:latin typeface="Consolas" panose="020B0609020204030204" pitchFamily="49" charset="0"/>
+              </a:rPr>
+              <a:t>'] -&gt; </a:t>
             </a:r>
             <a:r>
               <a:rPr lang="en-US" sz="1200" dirty="0">
@@ -28687,18 +28619,9 @@
             </a:r>
             <a:r>
               <a:rPr lang="en-US" sz="1200" b="1" dirty="0">
-                <a:solidFill>
-                  <a:srgbClr val="0070C0"/>
-                </a:solidFill>
-                <a:latin typeface="Consolas" panose="020B0609020204030204" pitchFamily="49" charset="0"/>
-              </a:rPr>
-              <a:t>[0,:] </a:t>
-            </a:r>
-            <a:r>
-              <a:rPr lang="en-US" sz="1200" b="1" dirty="0">
-                <a:latin typeface="Consolas" panose="020B0609020204030204" pitchFamily="49" charset="0"/>
-              </a:rPr>
-              <a:t>-&gt; </a:t>
+                <a:latin typeface="Consolas" panose="020B0609020204030204" pitchFamily="49" charset="0"/>
+              </a:rPr>
+              <a:t>[0,:] -&gt; </a:t>
             </a:r>
             <a:r>
               <a:rPr lang="en-US" sz="1200" dirty="0">
@@ -28730,18 +28653,9 @@
             </a:r>
             <a:r>
               <a:rPr lang="en-US" sz="1200" b="1" dirty="0">
-                <a:solidFill>
-                  <a:srgbClr val="0070C0"/>
-                </a:solidFill>
-                <a:latin typeface="Consolas" panose="020B0609020204030204" pitchFamily="49" charset="0"/>
-              </a:rPr>
-              <a:t>[0,0] </a:t>
-            </a:r>
-            <a:r>
-              <a:rPr lang="en-US" sz="1200" b="1" dirty="0">
-                <a:latin typeface="Consolas" panose="020B0609020204030204" pitchFamily="49" charset="0"/>
-              </a:rPr>
-              <a:t>-&gt; </a:t>
+                <a:latin typeface="Consolas" panose="020B0609020204030204" pitchFamily="49" charset="0"/>
+              </a:rPr>
+              <a:t>[0,0] -&gt; </a:t>
             </a:r>
             <a:r>
               <a:rPr lang="en-US" sz="1200" dirty="0">

--- a/doc/cheatsheet/Pandas_Cheat_Sheet.pptx
+++ b/doc/cheatsheet/Pandas_Cheat_Sheet.pptx
@@ -262,7 +262,7 @@
           <a:p>
             <a:fld id="{79278B33-2949-49BE-B3B0-3F16CAF906FE}" type="datetimeFigureOut">
               <a:rPr lang="en-US" smtClean="0"/>
-              <a:t>4/29/2025</a:t>
+              <a:t>4/30/2025</a:t>
             </a:fld>
             <a:endParaRPr lang="en-US"/>
           </a:p>
@@ -432,7 +432,7 @@
           <a:p>
             <a:fld id="{79278B33-2949-49BE-B3B0-3F16CAF906FE}" type="datetimeFigureOut">
               <a:rPr lang="en-US" smtClean="0"/>
-              <a:t>4/29/2025</a:t>
+              <a:t>4/30/2025</a:t>
             </a:fld>
             <a:endParaRPr lang="en-US"/>
           </a:p>
@@ -612,7 +612,7 @@
           <a:p>
             <a:fld id="{79278B33-2949-49BE-B3B0-3F16CAF906FE}" type="datetimeFigureOut">
               <a:rPr lang="en-US" smtClean="0"/>
-              <a:t>4/29/2025</a:t>
+              <a:t>4/30/2025</a:t>
             </a:fld>
             <a:endParaRPr lang="en-US"/>
           </a:p>
@@ -782,7 +782,7 @@
           <a:p>
             <a:fld id="{79278B33-2949-49BE-B3B0-3F16CAF906FE}" type="datetimeFigureOut">
               <a:rPr lang="en-US" smtClean="0"/>
-              <a:t>4/29/2025</a:t>
+              <a:t>4/30/2025</a:t>
             </a:fld>
             <a:endParaRPr lang="en-US"/>
           </a:p>
@@ -1026,7 +1026,7 @@
           <a:p>
             <a:fld id="{79278B33-2949-49BE-B3B0-3F16CAF906FE}" type="datetimeFigureOut">
               <a:rPr lang="en-US" smtClean="0"/>
-              <a:t>4/29/2025</a:t>
+              <a:t>4/30/2025</a:t>
             </a:fld>
             <a:endParaRPr lang="en-US"/>
           </a:p>
@@ -1258,7 +1258,7 @@
           <a:p>
             <a:fld id="{79278B33-2949-49BE-B3B0-3F16CAF906FE}" type="datetimeFigureOut">
               <a:rPr lang="en-US" smtClean="0"/>
-              <a:t>4/29/2025</a:t>
+              <a:t>4/30/2025</a:t>
             </a:fld>
             <a:endParaRPr lang="en-US"/>
           </a:p>
@@ -1625,7 +1625,7 @@
           <a:p>
             <a:fld id="{79278B33-2949-49BE-B3B0-3F16CAF906FE}" type="datetimeFigureOut">
               <a:rPr lang="en-US" smtClean="0"/>
-              <a:t>4/29/2025</a:t>
+              <a:t>4/30/2025</a:t>
             </a:fld>
             <a:endParaRPr lang="en-US"/>
           </a:p>
@@ -1743,7 +1743,7 @@
           <a:p>
             <a:fld id="{79278B33-2949-49BE-B3B0-3F16CAF906FE}" type="datetimeFigureOut">
               <a:rPr lang="en-US" smtClean="0"/>
-              <a:t>4/29/2025</a:t>
+              <a:t>4/30/2025</a:t>
             </a:fld>
             <a:endParaRPr lang="en-US"/>
           </a:p>
@@ -1838,7 +1838,7 @@
           <a:p>
             <a:fld id="{79278B33-2949-49BE-B3B0-3F16CAF906FE}" type="datetimeFigureOut">
               <a:rPr lang="en-US" smtClean="0"/>
-              <a:t>4/29/2025</a:t>
+              <a:t>4/30/2025</a:t>
             </a:fld>
             <a:endParaRPr lang="en-US"/>
           </a:p>
@@ -2115,7 +2115,7 @@
           <a:p>
             <a:fld id="{79278B33-2949-49BE-B3B0-3F16CAF906FE}" type="datetimeFigureOut">
               <a:rPr lang="en-US" smtClean="0"/>
-              <a:t>4/29/2025</a:t>
+              <a:t>4/30/2025</a:t>
             </a:fld>
             <a:endParaRPr lang="en-US"/>
           </a:p>
@@ -2372,7 +2372,7 @@
           <a:p>
             <a:fld id="{79278B33-2949-49BE-B3B0-3F16CAF906FE}" type="datetimeFigureOut">
               <a:rPr lang="en-US" smtClean="0"/>
-              <a:t>4/29/2025</a:t>
+              <a:t>4/30/2025</a:t>
             </a:fld>
             <a:endParaRPr lang="en-US"/>
           </a:p>
@@ -2585,7 +2585,7 @@
           <a:p>
             <a:fld id="{79278B33-2949-49BE-B3B0-3F16CAF906FE}" type="datetimeFigureOut">
               <a:rPr lang="en-US" smtClean="0"/>
-              <a:t>4/29/2025</a:t>
+              <a:t>4/30/2025</a:t>
             </a:fld>
             <a:endParaRPr lang="en-US"/>
           </a:p>
@@ -6848,7 +6848,7 @@
               <a:rPr lang="en-US" sz="1200" b="1" dirty="0">
                 <a:latin typeface="Consolas" panose="020B0609020204030204" pitchFamily="49" charset="0"/>
               </a:rPr>
-              <a:t>('mpg’, ascending=False)</a:t>
+              <a:t>('mpg', ascending=False)</a:t>
             </a:r>
           </a:p>
           <a:p>
@@ -7003,7 +7003,7 @@
               <a:rPr lang="en-US" sz="1200" b="1" dirty="0">
                 <a:latin typeface="Consolas" panose="020B0609020204030204" pitchFamily="49" charset="0"/>
               </a:rPr>
-              <a:t>(columns=['Length’, 'Height'])</a:t>
+              <a:t>(columns=['Length', 'Height'])</a:t>
             </a:r>
           </a:p>
           <a:p>
@@ -9664,14 +9664,14 @@
           <a:effectLst/>
           <a:extLst>
             <a:ext uri="{909E8E84-426E-40dd-AFC4-6F175D3DCCD1}">
-              <a14:hiddenFill xmlns="" xmlns:a14="http://schemas.microsoft.com/office/drawing/2010/main">
+              <a14:hiddenFill xmlns:a14="http://schemas.microsoft.com/office/drawing/2010/main" xmlns="">
                 <a:solidFill>
                   <a:schemeClr val="accent1"/>
                 </a:solidFill>
               </a14:hiddenFill>
             </a:ext>
             <a:ext uri="{91240B29-F687-4f45-9708-019B960494DF}">
-              <a14:hiddenLine xmlns="" xmlns:a14="http://schemas.microsoft.com/office/drawing/2010/main" w="9525">
+              <a14:hiddenLine xmlns:a14="http://schemas.microsoft.com/office/drawing/2010/main" xmlns="" w="9525">
                 <a:solidFill>
                   <a:schemeClr val="tx1"/>
                 </a:solidFill>
@@ -9681,7 +9681,7 @@
               </a14:hiddenLine>
             </a:ext>
             <a:ext uri="{AF507438-7753-43e0-B8FC-AC1667EBCBE1}">
-              <a14:hiddenEffects xmlns="" xmlns:a14="http://schemas.microsoft.com/office/drawing/2010/main">
+              <a14:hiddenEffects xmlns:a14="http://schemas.microsoft.com/office/drawing/2010/main" xmlns="">
                 <a:effectLst>
                   <a:outerShdw dist="35921" dir="2700000" algn="ctr" rotWithShape="0">
                     <a:schemeClr val="bg2"/>
@@ -9831,7 +9831,7 @@
               <a:rPr lang="en-US" sz="1200" b="1" dirty="0">
                 <a:latin typeface="Consolas" panose="020B0609020204030204" pitchFamily="49" charset="0"/>
               </a:rPr>
-              <a:t>        [('d’, 1), ('d’, 2),</a:t>
+              <a:t>        [('d', 1), ('d', 2),</a:t>
             </a:r>
             <a:br>
               <a:rPr lang="en-US" sz="1200" b="1" dirty="0">
@@ -9842,7 +9842,7 @@
               <a:rPr lang="en-US" sz="1200" b="1" dirty="0">
                 <a:latin typeface="Consolas" panose="020B0609020204030204" pitchFamily="49" charset="0"/>
               </a:rPr>
-              <a:t>         ('e’, 2)], names=['n’, 'v']))</a:t>
+              <a:t>         ('e', 2)], names=['n', 'v']))</a:t>
             </a:r>
           </a:p>
           <a:p>
@@ -16410,7 +16410,7 @@
               <a:rPr lang="en-US" sz="1200" b="1" dirty="0">
                 <a:latin typeface="Consolas" panose="020B0609020204030204" pitchFamily="49" charset="0"/>
               </a:rPr>
-              <a:t>(n, 'value’)</a:t>
+              <a:t>(n, 'value')</a:t>
             </a:r>
             <a:br>
               <a:rPr lang="en-US" sz="1200" b="1" dirty="0">
@@ -16591,7 +16591,7 @@
               <a:rPr lang="en-US" sz="1200" b="1" dirty="0">
                 <a:latin typeface="Consolas" panose="020B0609020204030204" pitchFamily="49" charset="0"/>
               </a:rPr>
-              <a:t>[['width’, 'length’, 'species']]</a:t>
+              <a:t>[['width', 'length', 'species']]</a:t>
             </a:r>
           </a:p>
           <a:p>
@@ -16840,7 +16840,7 @@
               <a:rPr lang="en-US" sz="1200" b="1" dirty="0">
                 <a:latin typeface="Consolas" panose="020B0609020204030204" pitchFamily="49" charset="0"/>
               </a:rPr>
-              <a:t>['a'] &gt; 10, ['a’, 'c']]</a:t>
+              <a:t>['a'] &gt; 10, ['a', 'c']]</a:t>
             </a:r>
           </a:p>
           <a:p>
@@ -28180,114 +28180,6 @@
       </p:grpSpPr>
       <p:sp>
         <p:nvSpPr>
-          <p:cNvPr id="68" name="Rounded Rectangle 48">
-            <a:extLst>
-              <a:ext uri="{FF2B5EF4-FFF2-40B4-BE49-F238E27FC236}">
-                <a16:creationId xmlns:a16="http://schemas.microsoft.com/office/drawing/2014/main" id="{2C264735-B18D-87B6-15E3-DA28F5F967AE}"/>
-              </a:ext>
-            </a:extLst>
-          </p:cNvPr>
-          <p:cNvSpPr/>
-          <p:nvPr/>
-        </p:nvSpPr>
-        <p:spPr>
-          <a:xfrm>
-            <a:off x="5495291" y="7335915"/>
-            <a:ext cx="5305091" cy="3383345"/>
-          </a:xfrm>
-          <a:prstGeom prst="roundRect">
-            <a:avLst>
-              <a:gd name="adj" fmla="val 1508"/>
-            </a:avLst>
-          </a:prstGeom>
-          <a:solidFill>
-            <a:schemeClr val="accent1">
-              <a:lumMod val="20000"/>
-              <a:lumOff val="80000"/>
-            </a:schemeClr>
-          </a:solidFill>
-        </p:spPr>
-        <p:style>
-          <a:lnRef idx="2">
-            <a:schemeClr val="accent1">
-              <a:shade val="50000"/>
-            </a:schemeClr>
-          </a:lnRef>
-          <a:fillRef idx="1">
-            <a:schemeClr val="accent1"/>
-          </a:fillRef>
-          <a:effectRef idx="0">
-            <a:schemeClr val="accent1"/>
-          </a:effectRef>
-          <a:fontRef idx="minor">
-            <a:schemeClr val="lt1"/>
-          </a:fontRef>
-        </p:style>
-        <p:txBody>
-          <a:bodyPr rtlCol="0" anchor="ctr"/>
-          <a:lstStyle/>
-          <a:p>
-            <a:pPr algn="ctr"/>
-            <a:endParaRPr lang="en-US" sz="2683" dirty="0"/>
-          </a:p>
-        </p:txBody>
-      </p:sp>
-      <p:sp>
-        <p:nvSpPr>
-          <p:cNvPr id="54" name="Rounded Rectangle 48">
-            <a:extLst>
-              <a:ext uri="{FF2B5EF4-FFF2-40B4-BE49-F238E27FC236}">
-                <a16:creationId xmlns:a16="http://schemas.microsoft.com/office/drawing/2014/main" id="{72D85AA0-12BA-B3DC-5032-993B59C82B1B}"/>
-              </a:ext>
-            </a:extLst>
-          </p:cNvPr>
-          <p:cNvSpPr/>
-          <p:nvPr/>
-        </p:nvSpPr>
-        <p:spPr>
-          <a:xfrm>
-            <a:off x="140668" y="4606721"/>
-            <a:ext cx="5305091" cy="3521914"/>
-          </a:xfrm>
-          <a:prstGeom prst="roundRect">
-            <a:avLst>
-              <a:gd name="adj" fmla="val 1508"/>
-            </a:avLst>
-          </a:prstGeom>
-          <a:solidFill>
-            <a:schemeClr val="accent1">
-              <a:lumMod val="20000"/>
-              <a:lumOff val="80000"/>
-            </a:schemeClr>
-          </a:solidFill>
-        </p:spPr>
-        <p:style>
-          <a:lnRef idx="2">
-            <a:schemeClr val="accent1">
-              <a:shade val="50000"/>
-            </a:schemeClr>
-          </a:lnRef>
-          <a:fillRef idx="1">
-            <a:schemeClr val="accent1"/>
-          </a:fillRef>
-          <a:effectRef idx="0">
-            <a:schemeClr val="accent1"/>
-          </a:effectRef>
-          <a:fontRef idx="minor">
-            <a:schemeClr val="lt1"/>
-          </a:fontRef>
-        </p:style>
-        <p:txBody>
-          <a:bodyPr rtlCol="0" anchor="ctr"/>
-          <a:lstStyle/>
-          <a:p>
-            <a:pPr algn="ctr"/>
-            <a:endParaRPr lang="en-US" sz="2683" dirty="0"/>
-          </a:p>
-        </p:txBody>
-      </p:sp>
-      <p:sp>
-        <p:nvSpPr>
           <p:cNvPr id="39" name="Rounded Rectangle 32">
             <a:extLst>
               <a:ext uri="{FF2B5EF4-FFF2-40B4-BE49-F238E27FC236}">
@@ -28384,6 +28276,7 @@
             <a:r>
               <a:rPr lang="en-US" sz="1200" b="1" dirty="0" err="1">
                 <a:latin typeface="Consolas" panose="020B0609020204030204" pitchFamily="49" charset="0"/>
+                <a:hlinkClick r:id="rId2"/>
               </a:rPr>
               <a:t>get_option</a:t>
             </a:r>
@@ -28405,6 +28298,7 @@
             <a:r>
               <a:rPr lang="en-US" sz="1200" b="1" dirty="0" err="1">
                 <a:latin typeface="Consolas" panose="020B0609020204030204" pitchFamily="49" charset="0"/>
+                <a:hlinkClick r:id="rId3"/>
               </a:rPr>
               <a:t>set_option</a:t>
             </a:r>
@@ -28426,6 +28320,7 @@
             <a:r>
               <a:rPr lang="en-US" sz="1200" b="1" dirty="0" err="1">
                 <a:latin typeface="Consolas" panose="020B0609020204030204" pitchFamily="49" charset="0"/>
+                <a:hlinkClick r:id="rId4"/>
               </a:rPr>
               <a:t>reset_option</a:t>
             </a:r>
@@ -28447,6 +28342,7 @@
             <a:r>
               <a:rPr lang="en-US" sz="1200" b="1" dirty="0" err="1">
                 <a:latin typeface="Consolas" panose="020B0609020204030204" pitchFamily="49" charset="0"/>
+                <a:hlinkClick r:id="rId5"/>
               </a:rPr>
               <a:t>describe_option</a:t>
             </a:r>
@@ -28468,6 +28364,7 @@
             <a:r>
               <a:rPr lang="en-US" sz="1200" b="1" dirty="0" err="1">
                 <a:latin typeface="Consolas" panose="020B0609020204030204" pitchFamily="49" charset="0"/>
+                <a:hlinkClick r:id="rId6"/>
               </a:rPr>
               <a:t>option_context</a:t>
             </a:r>
@@ -28501,7 +28398,7 @@
         </p:nvSpPr>
         <p:spPr>
           <a:xfrm>
-            <a:off x="145642" y="127128"/>
+            <a:off x="145641" y="127128"/>
             <a:ext cx="10705236" cy="461665"/>
           </a:xfrm>
           <a:prstGeom prst="roundRect">
@@ -28534,7 +28431,7 @@
                 <a:solidFill>
                   <a:schemeClr val="bg1"/>
                 </a:solidFill>
-                <a:hlinkClick r:id="rId2">
+                <a:hlinkClick r:id="rId7">
                   <a:extLst>
                     <a:ext uri="{A12FA001-AC4F-418D-AE19-62706E023703}">
                       <ahyp:hlinkClr xmlns:ahyp="http://schemas.microsoft.com/office/drawing/2018/hyperlinkcolor" val="tx"/>
@@ -28567,14 +28464,14 @@
           <p:nvPr/>
         </p:nvPicPr>
         <p:blipFill>
-          <a:blip r:embed="rId3"/>
+          <a:blip r:embed="rId8"/>
           <a:stretch>
             <a:fillRect/>
           </a:stretch>
         </p:blipFill>
         <p:spPr>
           <a:xfrm>
-            <a:off x="6498830" y="1252453"/>
+            <a:off x="6498830" y="1031473"/>
             <a:ext cx="980154" cy="540000"/>
           </a:xfrm>
           <a:prstGeom prst="rect">
@@ -28597,14 +28494,14 @@
           <p:nvPr/>
         </p:nvPicPr>
         <p:blipFill>
-          <a:blip r:embed="rId4"/>
+          <a:blip r:embed="rId9"/>
           <a:stretch>
             <a:fillRect/>
           </a:stretch>
         </p:blipFill>
         <p:spPr>
           <a:xfrm>
-            <a:off x="3715783" y="1252453"/>
+            <a:off x="3715783" y="1031473"/>
             <a:ext cx="890414" cy="540000"/>
           </a:xfrm>
           <a:prstGeom prst="rect">
@@ -28626,8 +28523,8 @@
         </p:nvSpPr>
         <p:spPr>
           <a:xfrm>
-            <a:off x="145642" y="3195258"/>
-            <a:ext cx="10705236" cy="1015663"/>
+            <a:off x="145641" y="2547558"/>
+            <a:ext cx="3492000" cy="1015663"/>
           </a:xfrm>
           <a:prstGeom prst="rect">
             <a:avLst/>
@@ -28635,7 +28532,7 @@
           <a:noFill/>
         </p:spPr>
         <p:txBody>
-          <a:bodyPr wrap="square" numCol="3" rtlCol="0">
+          <a:bodyPr wrap="square" numCol="1" rtlCol="0">
             <a:spAutoFit/>
           </a:bodyPr>
           <a:lstStyle/>
@@ -28644,7 +28541,20 @@
               <a:rPr lang="en-US" sz="1200" b="1" dirty="0">
                 <a:latin typeface="Consolas" panose="020B0609020204030204" pitchFamily="49" charset="0"/>
               </a:rPr>
-              <a:t>df.plot(subplots=True)</a:t>
+              <a:t>df.</a:t>
+            </a:r>
+            <a:r>
+              <a:rPr lang="en-US" sz="1200" b="1" dirty="0">
+                <a:latin typeface="Consolas" panose="020B0609020204030204" pitchFamily="49" charset="0"/>
+                <a:hlinkClick r:id="rId10"/>
+              </a:rPr>
+              <a:t>plot</a:t>
+            </a:r>
+            <a:r>
+              <a:rPr lang="en-US" sz="1200" b="1" dirty="0">
+                <a:latin typeface="Consolas" panose="020B0609020204030204" pitchFamily="49" charset="0"/>
+              </a:rPr>
+              <a:t>(subplots=True)</a:t>
             </a:r>
           </a:p>
           <a:p>
@@ -28667,7 +28577,14 @@
               <a:rPr lang="en-US" sz="1200" b="1" dirty="0" err="1">
                 <a:latin typeface="Consolas" panose="020B0609020204030204" pitchFamily="49" charset="0"/>
               </a:rPr>
-              <a:t>df.plot</a:t>
+              <a:t>df.</a:t>
+            </a:r>
+            <a:r>
+              <a:rPr lang="en-US" sz="1200" b="1" dirty="0" err="1">
+                <a:latin typeface="Consolas" panose="020B0609020204030204" pitchFamily="49" charset="0"/>
+                <a:hlinkClick r:id="rId10"/>
+              </a:rPr>
+              <a:t>plot</a:t>
             </a:r>
             <a:r>
               <a:rPr lang="en-US" sz="1200" b="1" dirty="0">
@@ -28682,93 +28599,6 @@
               <a:rPr lang="en-US" sz="1200" dirty="0"/>
               <a:t>Sets the title of the graph.</a:t>
             </a:r>
-          </a:p>
-          <a:p>
-            <a:r>
-              <a:rPr lang="en-US" sz="1200" b="1" dirty="0" err="1">
-                <a:latin typeface="Consolas" panose="020B0609020204030204" pitchFamily="49" charset="0"/>
-              </a:rPr>
-              <a:t>df.plot</a:t>
-            </a:r>
-            <a:r>
-              <a:rPr lang="en-US" sz="1200" b="1" dirty="0">
-                <a:latin typeface="Consolas" panose="020B0609020204030204" pitchFamily="49" charset="0"/>
-              </a:rPr>
-              <a:t>(cumulative=True)</a:t>
-            </a:r>
-          </a:p>
-          <a:p>
-            <a:pPr marL="93600"/>
-            <a:r>
-              <a:rPr lang="en-US" sz="1200" dirty="0"/>
-              <a:t>Creates a cumulative plot</a:t>
-            </a:r>
-          </a:p>
-          <a:p>
-            <a:r>
-              <a:rPr lang="en-US" sz="1200" b="1" dirty="0" err="1">
-                <a:latin typeface="Consolas" panose="020B0609020204030204" pitchFamily="49" charset="0"/>
-              </a:rPr>
-              <a:t>df.plot</a:t>
-            </a:r>
-            <a:r>
-              <a:rPr lang="en-US" sz="1200" b="1" dirty="0">
-                <a:latin typeface="Consolas" panose="020B0609020204030204" pitchFamily="49" charset="0"/>
-              </a:rPr>
-              <a:t>(bins=30)</a:t>
-            </a:r>
-          </a:p>
-          <a:p>
-            <a:pPr marL="93600"/>
-            <a:r>
-              <a:rPr lang="en-US" sz="1200" dirty="0"/>
-              <a:t>Set the number of bins into which data is grouped (histograms)</a:t>
-            </a:r>
-          </a:p>
-          <a:p>
-            <a:r>
-              <a:rPr lang="en-US" sz="1200" b="1" dirty="0" err="1">
-                <a:latin typeface="Consolas" panose="020B0609020204030204" pitchFamily="49" charset="0"/>
-              </a:rPr>
-              <a:t>df.plot</a:t>
-            </a:r>
-            <a:r>
-              <a:rPr lang="en-US" sz="1200" b="1" dirty="0">
-                <a:latin typeface="Consolas" panose="020B0609020204030204" pitchFamily="49" charset="0"/>
-              </a:rPr>
-              <a:t>(stacked=True)</a:t>
-            </a:r>
-          </a:p>
-          <a:p>
-            <a:pPr marL="93600"/>
-            <a:r>
-              <a:rPr lang="en-US" sz="1200" dirty="0"/>
-              <a:t>Stacks the data for the columns on top of each other.</a:t>
-            </a:r>
-          </a:p>
-          <a:p>
-            <a:r>
-              <a:rPr lang="en-US" sz="1200" b="1" dirty="0" err="1">
-                <a:latin typeface="Consolas" panose="020B0609020204030204" pitchFamily="49" charset="0"/>
-              </a:rPr>
-              <a:t>df.plot</a:t>
-            </a:r>
-            <a:r>
-              <a:rPr lang="en-US" sz="1200" b="1" dirty="0">
-                <a:latin typeface="Consolas" panose="020B0609020204030204" pitchFamily="49" charset="0"/>
-              </a:rPr>
-              <a:t>(alpha=0.5)</a:t>
-            </a:r>
-          </a:p>
-          <a:p>
-            <a:pPr marL="93600"/>
-            <a:r>
-              <a:rPr lang="en-US" sz="1200" dirty="0"/>
-              <a:t>Sets the transparency of the plot to 50%.</a:t>
-            </a:r>
-          </a:p>
-          <a:p>
-            <a:endParaRPr lang="en-US" sz="1200" dirty="0"/>
           </a:p>
         </p:txBody>
       </p:sp>
@@ -28787,14 +28617,14 @@
           <p:nvPr/>
         </p:nvPicPr>
         <p:blipFill>
-          <a:blip r:embed="rId5"/>
+          <a:blip r:embed="rId11"/>
           <a:stretch>
             <a:fillRect/>
           </a:stretch>
         </p:blipFill>
         <p:spPr>
           <a:xfrm>
-            <a:off x="1147077" y="1253022"/>
+            <a:off x="1147077" y="1032042"/>
             <a:ext cx="745279" cy="540000"/>
           </a:xfrm>
           <a:prstGeom prst="rect">
@@ -28817,14 +28647,14 @@
           <p:nvPr/>
         </p:nvPicPr>
         <p:blipFill>
-          <a:blip r:embed="rId6"/>
+          <a:blip r:embed="rId12"/>
           <a:stretch>
             <a:fillRect/>
           </a:stretch>
         </p:blipFill>
         <p:spPr>
           <a:xfrm>
-            <a:off x="9247983" y="1252453"/>
+            <a:off x="9247983" y="1031473"/>
             <a:ext cx="613573" cy="540000"/>
           </a:xfrm>
           <a:prstGeom prst="rect">
@@ -28846,7 +28676,7 @@
         </p:nvSpPr>
         <p:spPr>
           <a:xfrm>
-            <a:off x="140669" y="741193"/>
+            <a:off x="140669" y="596413"/>
             <a:ext cx="2572052" cy="461665"/>
           </a:xfrm>
           <a:prstGeom prst="rect">
@@ -28869,13 +28699,16 @@
             <a:r>
               <a:rPr lang="en-US" sz="1200" b="1" dirty="0">
                 <a:latin typeface="Consolas" panose="020B0609020204030204" pitchFamily="49" charset="0"/>
-                <a:hlinkClick r:id="rId7"/>
-              </a:rPr>
-              <a:t>plot()</a:t>
-            </a:r>
-            <a:endParaRPr lang="en-US" sz="1200" b="1" dirty="0">
-              <a:latin typeface="Consolas" panose="020B0609020204030204" pitchFamily="49" charset="0"/>
-            </a:endParaRPr>
+                <a:hlinkClick r:id="rId10"/>
+              </a:rPr>
+              <a:t>plot</a:t>
+            </a:r>
+            <a:r>
+              <a:rPr lang="en-US" sz="1200" b="1" dirty="0">
+                <a:latin typeface="Consolas" panose="020B0609020204030204" pitchFamily="49" charset="0"/>
+              </a:rPr>
+              <a:t>()</a:t>
+            </a:r>
           </a:p>
           <a:p>
             <a:pPr marL="93600"/>
@@ -28908,7 +28741,7 @@
         </p:nvSpPr>
         <p:spPr>
           <a:xfrm>
-            <a:off x="2716310" y="741193"/>
+            <a:off x="2670737" y="596413"/>
             <a:ext cx="3146010" cy="461665"/>
           </a:xfrm>
           <a:prstGeom prst="rect">
@@ -28926,51 +28759,33 @@
               <a:rPr lang="en-US" sz="1200" b="1" dirty="0" err="1">
                 <a:latin typeface="Consolas" panose="020B0609020204030204" pitchFamily="49" charset="0"/>
               </a:rPr>
-              <a:t>df.plot</a:t>
+              <a:t>df.</a:t>
+            </a:r>
+            <a:r>
+              <a:rPr lang="en-US" sz="1200" b="1" dirty="0" err="1">
+                <a:latin typeface="Consolas" panose="020B0609020204030204" pitchFamily="49" charset="0"/>
+                <a:hlinkClick r:id="rId10"/>
+              </a:rPr>
+              <a:t>plot</a:t>
+            </a:r>
+            <a:r>
+              <a:rPr lang="en-US" sz="1200" b="1" dirty="0" err="1">
+                <a:latin typeface="Consolas" panose="020B0609020204030204" pitchFamily="49" charset="0"/>
+              </a:rPr>
+              <a:t>.</a:t>
+            </a:r>
+            <a:r>
+              <a:rPr lang="en-US" sz="1200" b="1" dirty="0" err="1">
+                <a:latin typeface="Consolas" panose="020B0609020204030204" pitchFamily="49" charset="0"/>
+                <a:hlinkClick r:id="rId13"/>
+              </a:rPr>
+              <a:t>scatter</a:t>
             </a:r>
             <a:r>
               <a:rPr lang="en-US" sz="1200" b="1" dirty="0">
                 <a:latin typeface="Consolas" panose="020B0609020204030204" pitchFamily="49" charset="0"/>
               </a:rPr>
-              <a:t>(</a:t>
-            </a:r>
-            <a:r>
-              <a:rPr lang="en-US" sz="1200" b="1" dirty="0">
-                <a:latin typeface="Consolas" panose="020B0609020204030204" pitchFamily="49" charset="0"/>
-                <a:hlinkClick r:id="rId8"/>
-              </a:rPr>
-              <a:t>kind=‘</a:t>
-            </a:r>
-            <a:r>
-              <a:rPr lang="en-US" sz="1200" b="1" dirty="0" err="1">
-                <a:latin typeface="Consolas" panose="020B0609020204030204" pitchFamily="49" charset="0"/>
-                <a:hlinkClick r:id="rId8"/>
-              </a:rPr>
-              <a:t>scatter’</a:t>
-            </a:r>
-            <a:r>
-              <a:rPr lang="en-US" sz="1200" b="1" dirty="0" err="1">
-                <a:latin typeface="Consolas" panose="020B0609020204030204" pitchFamily="49" charset="0"/>
-              </a:rPr>
-              <a:t>,x</a:t>
-            </a:r>
-            <a:r>
-              <a:rPr lang="en-US" sz="1200" b="1" dirty="0">
-                <a:latin typeface="Consolas" panose="020B0609020204030204" pitchFamily="49" charset="0"/>
-              </a:rPr>
-              <a:t>=‘</a:t>
-            </a:r>
-            <a:r>
-              <a:rPr lang="en-US" sz="1200" b="1" dirty="0" err="1">
-                <a:latin typeface="Consolas" panose="020B0609020204030204" pitchFamily="49" charset="0"/>
-              </a:rPr>
-              <a:t>w’,y</a:t>
-            </a:r>
-            <a:r>
-              <a:rPr lang="en-US" sz="1200" b="1" dirty="0">
-                <a:latin typeface="Consolas" panose="020B0609020204030204" pitchFamily="49" charset="0"/>
-              </a:rPr>
-              <a:t>=‘h’)</a:t>
+              <a:t>(x='w', y='h')</a:t>
             </a:r>
           </a:p>
           <a:p>
@@ -29004,7 +28819,7 @@
         </p:nvSpPr>
         <p:spPr>
           <a:xfrm>
-            <a:off x="5862320" y="741193"/>
+            <a:off x="5774763" y="596413"/>
             <a:ext cx="2494279" cy="461665"/>
           </a:xfrm>
           <a:prstGeom prst="rect">
@@ -29022,26 +28837,33 @@
               <a:rPr lang="en-US" sz="1200" b="1" dirty="0" err="1">
                 <a:latin typeface="Consolas" panose="020B0609020204030204" pitchFamily="49" charset="0"/>
               </a:rPr>
-              <a:t>df.plot</a:t>
+              <a:t>df.</a:t>
+            </a:r>
+            <a:r>
+              <a:rPr lang="en-US" sz="1200" b="1" dirty="0" err="1">
+                <a:latin typeface="Consolas" panose="020B0609020204030204" pitchFamily="49" charset="0"/>
+                <a:hlinkClick r:id="rId10"/>
+              </a:rPr>
+              <a:t>plot</a:t>
+            </a:r>
+            <a:r>
+              <a:rPr lang="en-US" sz="1200" b="1" dirty="0" err="1">
+                <a:latin typeface="Consolas" panose="020B0609020204030204" pitchFamily="49" charset="0"/>
+              </a:rPr>
+              <a:t>.</a:t>
+            </a:r>
+            <a:r>
+              <a:rPr lang="en-US" sz="1200" b="1" dirty="0" err="1">
+                <a:latin typeface="Consolas" panose="020B0609020204030204" pitchFamily="49" charset="0"/>
+                <a:hlinkClick r:id="rId14"/>
+              </a:rPr>
+              <a:t>hist</a:t>
             </a:r>
             <a:r>
               <a:rPr lang="en-US" sz="1200" b="1" dirty="0">
                 <a:latin typeface="Consolas" panose="020B0609020204030204" pitchFamily="49" charset="0"/>
               </a:rPr>
-              <a:t>(</a:t>
-            </a:r>
-            <a:r>
-              <a:rPr lang="en-US" sz="1200" b="1" dirty="0">
-                <a:latin typeface="Consolas" panose="020B0609020204030204" pitchFamily="49" charset="0"/>
-                <a:hlinkClick r:id="rId9"/>
-              </a:rPr>
-              <a:t>kind=‘hist’</a:t>
-            </a:r>
-            <a:r>
-              <a:rPr lang="en-US" sz="1200" b="1" dirty="0">
-                <a:latin typeface="Consolas" panose="020B0609020204030204" pitchFamily="49" charset="0"/>
-              </a:rPr>
-              <a:t>)</a:t>
+              <a:t>()</a:t>
             </a:r>
           </a:p>
           <a:p>
@@ -29075,7 +28897,7 @@
         </p:nvSpPr>
         <p:spPr>
           <a:xfrm>
-            <a:off x="8356599" y="741193"/>
+            <a:off x="8227059" y="596413"/>
             <a:ext cx="2494279" cy="461665"/>
           </a:xfrm>
           <a:prstGeom prst="rect">
@@ -29090,30 +28912,43 @@
           <a:lstStyle/>
           <a:p>
             <a:r>
+              <a:rPr lang="en-US" sz="1200" b="1" dirty="0" err="1">
+                <a:latin typeface="Consolas" panose="020B0609020204030204" pitchFamily="49" charset="0"/>
+              </a:rPr>
+              <a:t>df.</a:t>
+            </a:r>
+            <a:r>
+              <a:rPr lang="en-US" sz="1200" b="1" dirty="0" err="1">
+                <a:latin typeface="Consolas" panose="020B0609020204030204" pitchFamily="49" charset="0"/>
+                <a:hlinkClick r:id="rId10"/>
+              </a:rPr>
+              <a:t>plot</a:t>
+            </a:r>
+            <a:r>
+              <a:rPr lang="en-US" sz="1200" b="1" dirty="0" err="1">
+                <a:latin typeface="Consolas" panose="020B0609020204030204" pitchFamily="49" charset="0"/>
+              </a:rPr>
+              <a:t>.</a:t>
+            </a:r>
+            <a:r>
+              <a:rPr lang="en-US" sz="1200" b="1" dirty="0" err="1">
+                <a:latin typeface="Consolas" panose="020B0609020204030204" pitchFamily="49" charset="0"/>
+                <a:hlinkClick r:id="rId15"/>
+              </a:rPr>
+              <a:t>pie</a:t>
+            </a:r>
+            <a:r>
               <a:rPr lang="en-US" sz="1200" b="1" dirty="0">
                 <a:latin typeface="Consolas" panose="020B0609020204030204" pitchFamily="49" charset="0"/>
               </a:rPr>
-              <a:t>df.plot(</a:t>
-            </a:r>
-            <a:r>
-              <a:rPr lang="en-US" sz="1200" b="1" dirty="0">
-                <a:latin typeface="Consolas" panose="020B0609020204030204" pitchFamily="49" charset="0"/>
-                <a:hlinkClick r:id="rId10"/>
-              </a:rPr>
-              <a:t>kind=‘pie’</a:t>
-            </a:r>
-            <a:r>
-              <a:rPr lang="en-US" sz="1200" b="1" dirty="0">
-                <a:latin typeface="Consolas" panose="020B0609020204030204" pitchFamily="49" charset="0"/>
-              </a:rPr>
-              <a:t>)</a:t>
+              <a:t>()</a:t>
             </a:r>
           </a:p>
           <a:p>
             <a:pPr marL="93600"/>
             <a:r>
               <a:rPr lang="en-US" sz="1200" dirty="0"/>
-              <a:t>Plot a histogram of the </a:t>
+              <a:t>Plot a pie chart of the </a:t>
             </a:r>
             <a:r>
               <a:rPr lang="en-US" sz="1200" dirty="0" err="1"/>
@@ -29140,10 +28975,10 @@
         </p:nvGrpSpPr>
         <p:grpSpPr>
           <a:xfrm>
-            <a:off x="5525670" y="4184606"/>
-            <a:ext cx="5305091" cy="3014422"/>
+            <a:off x="5495291" y="7800649"/>
+            <a:ext cx="5305091" cy="2933142"/>
             <a:chOff x="139854" y="3045615"/>
-            <a:chExt cx="5305091" cy="3014422"/>
+            <a:chExt cx="5305091" cy="2933142"/>
           </a:xfrm>
         </p:grpSpPr>
         <p:sp>
@@ -29193,7 +29028,7 @@
                   <a:solidFill>
                     <a:schemeClr val="bg1"/>
                   </a:solidFill>
-                  <a:hlinkClick r:id="rId11">
+                  <a:hlinkClick r:id="rId16">
                     <a:extLst>
                       <a:ext uri="{A12FA001-AC4F-418D-AE19-62706E023703}">
                         <ahyp:hlinkClr xmlns:ahyp="http://schemas.microsoft.com/office/drawing/2018/hyperlinkcolor" val="tx"/>
@@ -29225,7 +29060,7 @@
           </p:nvSpPr>
           <p:spPr>
             <a:xfrm>
-              <a:off x="139854" y="4121045"/>
+              <a:off x="139854" y="4039765"/>
               <a:ext cx="2654146" cy="1938992"/>
             </a:xfrm>
             <a:prstGeom prst="rect">
@@ -29254,7 +29089,13 @@
               <a:r>
                 <a:rPr lang="en-US" sz="1200" b="1" dirty="0" err="1">
                   <a:latin typeface="Consolas" panose="020B0609020204030204" pitchFamily="49" charset="0"/>
-                  <a:hlinkClick r:id="rId12"/>
+                </a:rPr>
+                <a:t>pd.</a:t>
+              </a:r>
+              <a:r>
+                <a:rPr lang="en-US" sz="1200" b="1" dirty="0" err="1">
+                  <a:latin typeface="Consolas" panose="020B0609020204030204" pitchFamily="49" charset="0"/>
+                  <a:hlinkClick r:id="rId17"/>
                 </a:rPr>
                 <a:t>read_csv</a:t>
               </a:r>
@@ -29300,7 +29141,13 @@
               <a:r>
                 <a:rPr lang="en-US" sz="1200" b="1" dirty="0" err="1">
                   <a:latin typeface="Consolas" panose="020B0609020204030204" pitchFamily="49" charset="0"/>
-                  <a:hlinkClick r:id="rId13"/>
+                </a:rPr>
+                <a:t>pd.</a:t>
+              </a:r>
+              <a:r>
+                <a:rPr lang="en-US" sz="1200" b="1" dirty="0" err="1">
+                  <a:latin typeface="Consolas" panose="020B0609020204030204" pitchFamily="49" charset="0"/>
+                  <a:hlinkClick r:id="rId18"/>
                 </a:rPr>
                 <a:t>read_html</a:t>
               </a:r>
@@ -29346,7 +29193,13 @@
               <a:r>
                 <a:rPr lang="en-US" sz="1200" b="1" dirty="0" err="1">
                   <a:latin typeface="Consolas" panose="020B0609020204030204" pitchFamily="49" charset="0"/>
-                  <a:hlinkClick r:id="rId14"/>
+                </a:rPr>
+                <a:t>pd.</a:t>
+              </a:r>
+              <a:r>
+                <a:rPr lang="en-US" sz="1200" b="1" dirty="0" err="1">
+                  <a:latin typeface="Consolas" panose="020B0609020204030204" pitchFamily="49" charset="0"/>
+                  <a:hlinkClick r:id="rId19"/>
                 </a:rPr>
                 <a:t>read_excel</a:t>
               </a:r>
@@ -29400,7 +29253,13 @@
               <a:r>
                 <a:rPr lang="en-US" sz="1200" b="1" dirty="0" err="1">
                   <a:latin typeface="Consolas" panose="020B0609020204030204" pitchFamily="49" charset="0"/>
-                  <a:hlinkClick r:id="rId15"/>
+                </a:rPr>
+                <a:t>pd.</a:t>
+              </a:r>
+              <a:r>
+                <a:rPr lang="en-US" sz="1200" b="1" dirty="0" err="1">
+                  <a:latin typeface="Consolas" panose="020B0609020204030204" pitchFamily="49" charset="0"/>
+                  <a:hlinkClick r:id="rId20"/>
                 </a:rPr>
                 <a:t>read_sql</a:t>
               </a:r>
@@ -29439,10 +29298,32 @@
               </a:r>
             </a:p>
             <a:p>
-              <a:endParaRPr lang="en-US" sz="1200" dirty="0"/>
+              <a:r>
+                <a:rPr lang="en-US" sz="1200" b="1" dirty="0" err="1">
+                  <a:latin typeface="Consolas" panose="020B0609020204030204" pitchFamily="49" charset="0"/>
+                </a:rPr>
+                <a:t>pd.</a:t>
+              </a:r>
+              <a:r>
+                <a:rPr lang="en-US" sz="1200" b="1" dirty="0" err="1">
+                  <a:latin typeface="Consolas" panose="020B0609020204030204" pitchFamily="49" charset="0"/>
+                  <a:hlinkClick r:id="rId21"/>
+                </a:rPr>
+                <a:t>read_clipboard</a:t>
+              </a:r>
+              <a:r>
+                <a:rPr lang="en-US" sz="1200" b="1" dirty="0">
+                  <a:latin typeface="Consolas" panose="020B0609020204030204" pitchFamily="49" charset="0"/>
+                </a:rPr>
+                <a:t>()</a:t>
+              </a:r>
             </a:p>
             <a:p>
-              <a:endParaRPr lang="en-US" sz="1200" dirty="0"/>
+              <a:pPr marL="93600"/>
+              <a:r>
+                <a:rPr lang="en-US" sz="1200" dirty="0"/>
+                <a:t>Read text from clipboard</a:t>
+              </a:r>
             </a:p>
           </p:txBody>
         </p:sp>
@@ -29460,8 +29341,8 @@
           </p:nvSpPr>
           <p:spPr>
             <a:xfrm>
-              <a:off x="2790799" y="4121045"/>
-              <a:ext cx="2654146" cy="1384995"/>
+              <a:off x="2790799" y="4039765"/>
+              <a:ext cx="2654146" cy="1754326"/>
             </a:xfrm>
             <a:prstGeom prst="rect">
               <a:avLst/>
@@ -29478,18 +29359,12 @@
                 <a:rPr lang="en-US" sz="1200" b="1" dirty="0" err="1">
                   <a:latin typeface="Consolas" panose="020B0609020204030204" pitchFamily="49" charset="0"/>
                 </a:rPr>
-                <a:t>df</a:t>
-              </a:r>
-              <a:r>
-                <a:rPr lang="en-US" sz="1200" b="1" dirty="0">
-                  <a:latin typeface="Consolas" panose="020B0609020204030204" pitchFamily="49" charset="0"/>
-                </a:rPr>
-                <a:t> = </a:t>
+                <a:t>df.</a:t>
               </a:r>
               <a:r>
                 <a:rPr lang="en-US" sz="1200" b="1" dirty="0" err="1">
                   <a:latin typeface="Consolas" panose="020B0609020204030204" pitchFamily="49" charset="0"/>
-                  <a:hlinkClick r:id="rId16"/>
+                  <a:hlinkClick r:id="rId22"/>
                 </a:rPr>
                 <a:t>to_parquet</a:t>
               </a:r>
@@ -29524,18 +29399,12 @@
                 <a:rPr lang="en-US" sz="1200" b="1" dirty="0" err="1">
                   <a:latin typeface="Consolas" panose="020B0609020204030204" pitchFamily="49" charset="0"/>
                 </a:rPr>
-                <a:t>df</a:t>
-              </a:r>
-              <a:r>
-                <a:rPr lang="en-US" sz="1200" b="1" dirty="0">
-                  <a:latin typeface="Consolas" panose="020B0609020204030204" pitchFamily="49" charset="0"/>
-                </a:rPr>
-                <a:t> = </a:t>
+                <a:t>df.</a:t>
               </a:r>
               <a:r>
                 <a:rPr lang="en-US" sz="1200" b="1" dirty="0" err="1">
                   <a:latin typeface="Consolas" panose="020B0609020204030204" pitchFamily="49" charset="0"/>
-                  <a:hlinkClick r:id="rId17"/>
+                  <a:hlinkClick r:id="rId23"/>
                 </a:rPr>
                 <a:t>to_feather</a:t>
               </a:r>
@@ -29570,18 +29439,12 @@
                 <a:rPr lang="en-US" sz="1200" b="1" dirty="0" err="1">
                   <a:latin typeface="Consolas" panose="020B0609020204030204" pitchFamily="49" charset="0"/>
                 </a:rPr>
-                <a:t>df</a:t>
-              </a:r>
-              <a:r>
-                <a:rPr lang="en-US" sz="1200" b="1" dirty="0">
-                  <a:latin typeface="Consolas" panose="020B0609020204030204" pitchFamily="49" charset="0"/>
-                </a:rPr>
-                <a:t> = </a:t>
+                <a:t>df.</a:t>
               </a:r>
               <a:r>
                 <a:rPr lang="en-US" sz="1200" b="1" dirty="0" err="1">
                   <a:latin typeface="Consolas" panose="020B0609020204030204" pitchFamily="49" charset="0"/>
-                  <a:hlinkClick r:id="rId18"/>
+                  <a:hlinkClick r:id="rId24"/>
                 </a:rPr>
                 <a:t>to_hdf</a:t>
               </a:r>
@@ -29612,6 +29475,35 @@
               </a:r>
             </a:p>
             <a:p>
+              <a:r>
+                <a:rPr lang="en-US" sz="1200" b="1" dirty="0" err="1">
+                  <a:latin typeface="Consolas" panose="020B0609020204030204" pitchFamily="49" charset="0"/>
+                </a:rPr>
+                <a:t>pd.</a:t>
+              </a:r>
+              <a:r>
+                <a:rPr lang="en-US" sz="1200" b="1" dirty="0" err="1">
+                  <a:latin typeface="Consolas" panose="020B0609020204030204" pitchFamily="49" charset="0"/>
+                  <a:hlinkClick r:id="rId25"/>
+                </a:rPr>
+                <a:t>to_clipboard</a:t>
+              </a:r>
+              <a:r>
+                <a:rPr lang="en-US" sz="1200" b="1" dirty="0">
+                  <a:latin typeface="Consolas" panose="020B0609020204030204" pitchFamily="49" charset="0"/>
+                </a:rPr>
+                <a:t>()</a:t>
+              </a:r>
+            </a:p>
+            <a:p>
+              <a:pPr marL="93600"/>
+              <a:r>
+                <a:rPr lang="en-US" sz="1200" dirty="0"/>
+                <a:t>Copy object to the system clipboard</a:t>
+              </a:r>
+            </a:p>
+            <a:p>
+              <a:pPr marL="93600"/>
               <a:endParaRPr lang="en-US" sz="1200" dirty="0"/>
             </a:p>
           </p:txBody>
@@ -29630,7 +29522,7 @@
           </p:nvSpPr>
           <p:spPr>
             <a:xfrm>
-              <a:off x="139854" y="3513231"/>
+              <a:off x="139854" y="3472591"/>
               <a:ext cx="5305091" cy="646331"/>
             </a:xfrm>
             <a:prstGeom prst="rect">
@@ -29699,7 +29591,7 @@
                 <a:solidFill>
                   <a:schemeClr val="bg1"/>
                 </a:solidFill>
-                <a:hlinkClick r:id="rId19">
+                <a:hlinkClick r:id="rId26">
                   <a:extLst>
                     <a:ext uri="{A12FA001-AC4F-418D-AE19-62706E023703}">
                       <ahyp:hlinkClr xmlns:ahyp="http://schemas.microsoft.com/office/drawing/2018/hyperlinkcolor" val="tx"/>
@@ -30071,330 +29963,6 @@
           </a:p>
         </p:txBody>
       </p:sp>
-      <p:grpSp>
-        <p:nvGrpSpPr>
-          <p:cNvPr id="49" name="Group 48">
-            <a:extLst>
-              <a:ext uri="{FF2B5EF4-FFF2-40B4-BE49-F238E27FC236}">
-                <a16:creationId xmlns:a16="http://schemas.microsoft.com/office/drawing/2014/main" id="{723DD55A-6D4F-4125-C823-F3B5B3ADE67B}"/>
-              </a:ext>
-            </a:extLst>
-          </p:cNvPr>
-          <p:cNvGrpSpPr/>
-          <p:nvPr/>
-        </p:nvGrpSpPr>
-        <p:grpSpPr>
-          <a:xfrm>
-            <a:off x="140669" y="4184606"/>
-            <a:ext cx="5305091" cy="2506422"/>
-            <a:chOff x="139854" y="3045615"/>
-            <a:chExt cx="5305091" cy="2506422"/>
-          </a:xfrm>
-        </p:grpSpPr>
-        <p:sp>
-          <p:nvSpPr>
-            <p:cNvPr id="50" name="Rounded Rectangle 80">
-              <a:extLst>
-                <a:ext uri="{FF2B5EF4-FFF2-40B4-BE49-F238E27FC236}">
-                  <a16:creationId xmlns:a16="http://schemas.microsoft.com/office/drawing/2014/main" id="{A5E842E6-4526-202F-B621-BC165A1B6376}"/>
-                </a:ext>
-              </a:extLst>
-            </p:cNvPr>
-            <p:cNvSpPr/>
-            <p:nvPr/>
-          </p:nvSpPr>
-          <p:spPr>
-            <a:xfrm>
-              <a:off x="139854" y="3045615"/>
-              <a:ext cx="5305091" cy="461665"/>
-            </a:xfrm>
-            <a:prstGeom prst="roundRect">
-              <a:avLst/>
-            </a:prstGeom>
-          </p:spPr>
-          <p:style>
-            <a:lnRef idx="2">
-              <a:schemeClr val="accent1">
-                <a:shade val="50000"/>
-              </a:schemeClr>
-            </a:lnRef>
-            <a:fillRef idx="1">
-              <a:schemeClr val="accent1"/>
-            </a:fillRef>
-            <a:effectRef idx="0">
-              <a:schemeClr val="accent1"/>
-            </a:effectRef>
-            <a:fontRef idx="minor">
-              <a:schemeClr val="lt1"/>
-            </a:fontRef>
-          </p:style>
-          <p:txBody>
-            <a:bodyPr rtlCol="0" anchor="ctr"/>
-            <a:lstStyle/>
-            <a:p>
-              <a:pPr algn="ctr"/>
-              <a:r>
-                <a:rPr lang="en-US" sz="2800" b="1" dirty="0">
-                  <a:solidFill>
-                    <a:schemeClr val="bg1"/>
-                  </a:solidFill>
-                </a:rPr>
-                <a:t>Changing Type</a:t>
-              </a:r>
-            </a:p>
-          </p:txBody>
-        </p:sp>
-        <p:sp>
-          <p:nvSpPr>
-            <p:cNvPr id="51" name="TextBox 50">
-              <a:extLst>
-                <a:ext uri="{FF2B5EF4-FFF2-40B4-BE49-F238E27FC236}">
-                  <a16:creationId xmlns:a16="http://schemas.microsoft.com/office/drawing/2014/main" id="{9AA3EAA8-0C5D-C222-489A-793708C1E1B1}"/>
-                </a:ext>
-              </a:extLst>
-            </p:cNvPr>
-            <p:cNvSpPr txBox="1"/>
-            <p:nvPr/>
-          </p:nvSpPr>
-          <p:spPr>
-            <a:xfrm>
-              <a:off x="139854" y="3613045"/>
-              <a:ext cx="2654146" cy="1938992"/>
-            </a:xfrm>
-            <a:prstGeom prst="rect">
-              <a:avLst/>
-            </a:prstGeom>
-            <a:noFill/>
-          </p:spPr>
-          <p:txBody>
-            <a:bodyPr wrap="square" rtlCol="0">
-              <a:spAutoFit/>
-            </a:bodyPr>
-            <a:lstStyle/>
-            <a:p>
-              <a:r>
-                <a:rPr lang="en-US" sz="1200" b="1" dirty="0" err="1">
-                  <a:latin typeface="Consolas" panose="020B0609020204030204" pitchFamily="49" charset="0"/>
-                </a:rPr>
-                <a:t>pd.</a:t>
-              </a:r>
-              <a:r>
-                <a:rPr lang="en-US" sz="1200" b="1" dirty="0" err="1">
-                  <a:latin typeface="Consolas" panose="020B0609020204030204" pitchFamily="49" charset="0"/>
-                  <a:hlinkClick r:id="rId20"/>
-                </a:rPr>
-                <a:t>to_numeric</a:t>
-              </a:r>
-              <a:r>
-                <a:rPr lang="en-US" sz="1200" b="1" dirty="0">
-                  <a:latin typeface="Consolas" panose="020B0609020204030204" pitchFamily="49" charset="0"/>
-                </a:rPr>
-                <a:t>(data)</a:t>
-              </a:r>
-            </a:p>
-            <a:p>
-              <a:pPr marL="93600"/>
-              <a:r>
-                <a:rPr lang="en-US" sz="1200" dirty="0"/>
-                <a:t>convert non-numeric types to numeric. </a:t>
-              </a:r>
-            </a:p>
-            <a:p>
-              <a:r>
-                <a:rPr lang="en-US" sz="1200" b="1" dirty="0" err="1">
-                  <a:latin typeface="Consolas" panose="020B0609020204030204" pitchFamily="49" charset="0"/>
-                </a:rPr>
-                <a:t>pd.</a:t>
-              </a:r>
-              <a:r>
-                <a:rPr lang="en-US" sz="1200" b="1" dirty="0" err="1">
-                  <a:latin typeface="Consolas" panose="020B0609020204030204" pitchFamily="49" charset="0"/>
-                  <a:hlinkClick r:id="rId21"/>
-                </a:rPr>
-                <a:t>to_datetime</a:t>
-              </a:r>
-              <a:r>
-                <a:rPr lang="en-US" sz="1200" b="1" dirty="0">
-                  <a:latin typeface="Consolas" panose="020B0609020204030204" pitchFamily="49" charset="0"/>
-                </a:rPr>
-                <a:t>(data)</a:t>
-              </a:r>
-            </a:p>
-            <a:p>
-              <a:pPr marL="93600"/>
-              <a:r>
-                <a:rPr lang="en-US" sz="1200" dirty="0"/>
-                <a:t>convert non-datetime types to datetime type</a:t>
-              </a:r>
-            </a:p>
-            <a:p>
-              <a:r>
-                <a:rPr lang="en-US" sz="1200" b="1" dirty="0" err="1">
-                  <a:latin typeface="Consolas" panose="020B0609020204030204" pitchFamily="49" charset="0"/>
-                </a:rPr>
-                <a:t>pd.</a:t>
-              </a:r>
-              <a:r>
-                <a:rPr lang="en-US" sz="1200" b="1" dirty="0" err="1">
-                  <a:latin typeface="Consolas" panose="020B0609020204030204" pitchFamily="49" charset="0"/>
-                  <a:hlinkClick r:id="rId22"/>
-                </a:rPr>
-                <a:t>to_timedelta</a:t>
-              </a:r>
-              <a:r>
-                <a:rPr lang="en-US" sz="1200" b="1" dirty="0">
-                  <a:latin typeface="Consolas" panose="020B0609020204030204" pitchFamily="49" charset="0"/>
-                </a:rPr>
-                <a:t>(data)</a:t>
-              </a:r>
-            </a:p>
-            <a:p>
-              <a:pPr marL="93600"/>
-              <a:r>
-                <a:rPr lang="en-US" sz="1200" dirty="0"/>
-                <a:t>convert non- </a:t>
-              </a:r>
-              <a:r>
-                <a:rPr lang="en-US" sz="1200" dirty="0" err="1"/>
-                <a:t>timedelta</a:t>
-              </a:r>
-              <a:r>
-                <a:rPr lang="en-US" sz="1200" dirty="0"/>
-                <a:t> types to </a:t>
-              </a:r>
-              <a:r>
-                <a:rPr lang="en-US" sz="1200" dirty="0" err="1"/>
-                <a:t>timedelta</a:t>
-              </a:r>
-              <a:endParaRPr lang="en-US" sz="1200" dirty="0"/>
-            </a:p>
-            <a:p>
-              <a:endParaRPr lang="en-US" sz="1200" dirty="0"/>
-            </a:p>
-          </p:txBody>
-        </p:sp>
-        <p:sp>
-          <p:nvSpPr>
-            <p:cNvPr id="52" name="TextBox 51">
-              <a:extLst>
-                <a:ext uri="{FF2B5EF4-FFF2-40B4-BE49-F238E27FC236}">
-                  <a16:creationId xmlns:a16="http://schemas.microsoft.com/office/drawing/2014/main" id="{76761F18-E4DC-228A-20CB-87FAE256A0E2}"/>
-                </a:ext>
-              </a:extLst>
-            </p:cNvPr>
-            <p:cNvSpPr txBox="1"/>
-            <p:nvPr/>
-          </p:nvSpPr>
-          <p:spPr>
-            <a:xfrm>
-              <a:off x="2790799" y="3613045"/>
-              <a:ext cx="2654146" cy="1938992"/>
-            </a:xfrm>
-            <a:prstGeom prst="rect">
-              <a:avLst/>
-            </a:prstGeom>
-            <a:noFill/>
-          </p:spPr>
-          <p:txBody>
-            <a:bodyPr wrap="square" rtlCol="0">
-              <a:spAutoFit/>
-            </a:bodyPr>
-            <a:lstStyle/>
-            <a:p>
-              <a:r>
-                <a:rPr lang="en-US" sz="1200" b="1" dirty="0" err="1">
-                  <a:latin typeface="Consolas" panose="020B0609020204030204" pitchFamily="49" charset="0"/>
-                </a:rPr>
-                <a:t>df.</a:t>
-              </a:r>
-              <a:r>
-                <a:rPr lang="en-US" sz="1200" b="1" dirty="0" err="1">
-                  <a:latin typeface="Consolas" panose="020B0609020204030204" pitchFamily="49" charset="0"/>
-                  <a:hlinkClick r:id="rId23"/>
-                </a:rPr>
-                <a:t>as_type</a:t>
-              </a:r>
-              <a:r>
-                <a:rPr lang="en-US" sz="1200" b="1" dirty="0">
-                  <a:latin typeface="Consolas" panose="020B0609020204030204" pitchFamily="49" charset="0"/>
-                </a:rPr>
-                <a:t>(type)</a:t>
-              </a:r>
-            </a:p>
-            <a:p>
-              <a:pPr marL="93600"/>
-              <a:r>
-                <a:rPr lang="en-US" sz="1200" dirty="0"/>
-                <a:t>convert data to (almost) any given type including categorical</a:t>
-              </a:r>
-            </a:p>
-            <a:p>
-              <a:r>
-                <a:rPr lang="en-US" sz="1200" b="1" dirty="0" err="1">
-                  <a:latin typeface="Consolas" panose="020B0609020204030204" pitchFamily="49" charset="0"/>
-                </a:rPr>
-                <a:t>df.</a:t>
-              </a:r>
-              <a:r>
-                <a:rPr lang="en-US" sz="1200" b="1" dirty="0" err="1">
-                  <a:latin typeface="Consolas" panose="020B0609020204030204" pitchFamily="49" charset="0"/>
-                  <a:hlinkClick r:id="rId24"/>
-                </a:rPr>
-                <a:t>infer_objects</a:t>
-              </a:r>
-              <a:r>
-                <a:rPr lang="en-US" sz="1200" b="1" dirty="0">
-                  <a:latin typeface="Consolas" panose="020B0609020204030204" pitchFamily="49" charset="0"/>
-                </a:rPr>
-                <a:t>()</a:t>
-              </a:r>
-            </a:p>
-            <a:p>
-              <a:pPr marL="93600"/>
-              <a:r>
-                <a:rPr lang="en-US" sz="1200" dirty="0"/>
-                <a:t>attempts to infer a better type for object type data.</a:t>
-              </a:r>
-            </a:p>
-            <a:p>
-              <a:r>
-                <a:rPr lang="en-US" sz="1200" b="1" dirty="0" err="1">
-                  <a:latin typeface="Consolas" panose="020B0609020204030204" pitchFamily="49" charset="0"/>
-                </a:rPr>
-                <a:t>df.</a:t>
-              </a:r>
-              <a:r>
-                <a:rPr lang="en-US" sz="1200" b="1" dirty="0" err="1">
-                  <a:latin typeface="Consolas" panose="020B0609020204030204" pitchFamily="49" charset="0"/>
-                  <a:hlinkClick r:id="rId25"/>
-                </a:rPr>
-                <a:t>convert_dtypes</a:t>
-              </a:r>
-              <a:r>
-                <a:rPr lang="en-US" sz="1200" b="1" dirty="0">
-                  <a:latin typeface="Consolas" panose="020B0609020204030204" pitchFamily="49" charset="0"/>
-                </a:rPr>
-                <a:t>()</a:t>
-              </a:r>
-            </a:p>
-            <a:p>
-              <a:pPr marL="93600"/>
-              <a:r>
-                <a:rPr lang="en-US" sz="1200" dirty="0"/>
-                <a:t>convert columns to best possible </a:t>
-              </a:r>
-              <a:r>
-                <a:rPr lang="en-US" sz="1200" dirty="0" err="1"/>
-                <a:t>dtypes</a:t>
-              </a:r>
-              <a:endParaRPr lang="en-US" sz="1200" dirty="0"/>
-            </a:p>
-            <a:p>
-              <a:endParaRPr lang="en-US" sz="1200" dirty="0"/>
-            </a:p>
-          </p:txBody>
-        </p:sp>
-      </p:grpSp>
       <p:sp>
         <p:nvSpPr>
           <p:cNvPr id="8" name="TextBox 7">
@@ -30409,7 +29977,7 @@
         </p:nvSpPr>
         <p:spPr>
           <a:xfrm>
-            <a:off x="140669" y="1910808"/>
+            <a:off x="140669" y="1537428"/>
             <a:ext cx="2572052" cy="461665"/>
           </a:xfrm>
           <a:prstGeom prst="rect">
@@ -30427,26 +29995,33 @@
               <a:rPr lang="en-US" sz="1200" b="1" dirty="0" err="1">
                 <a:latin typeface="Consolas" panose="020B0609020204030204" pitchFamily="49" charset="0"/>
               </a:rPr>
-              <a:t>df.plot</a:t>
+              <a:t>df.</a:t>
+            </a:r>
+            <a:r>
+              <a:rPr lang="en-US" sz="1200" b="1" dirty="0" err="1">
+                <a:latin typeface="Consolas" panose="020B0609020204030204" pitchFamily="49" charset="0"/>
+                <a:hlinkClick r:id="rId10"/>
+              </a:rPr>
+              <a:t>plot</a:t>
+            </a:r>
+            <a:r>
+              <a:rPr lang="en-US" sz="1200" b="1" dirty="0" err="1">
+                <a:latin typeface="Consolas" panose="020B0609020204030204" pitchFamily="49" charset="0"/>
+              </a:rPr>
+              <a:t>.</a:t>
+            </a:r>
+            <a:r>
+              <a:rPr lang="en-US" sz="1200" b="1" dirty="0" err="1">
+                <a:latin typeface="Consolas" panose="020B0609020204030204" pitchFamily="49" charset="0"/>
+                <a:hlinkClick r:id="rId27"/>
+              </a:rPr>
+              <a:t>bar</a:t>
             </a:r>
             <a:r>
               <a:rPr lang="en-US" sz="1200" b="1" dirty="0">
                 <a:latin typeface="Consolas" panose="020B0609020204030204" pitchFamily="49" charset="0"/>
               </a:rPr>
-              <a:t>(</a:t>
-            </a:r>
-            <a:r>
-              <a:rPr lang="en-US" sz="1200" b="1" dirty="0">
-                <a:latin typeface="Consolas" panose="020B0609020204030204" pitchFamily="49" charset="0"/>
-                <a:hlinkClick r:id="rId26"/>
-              </a:rPr>
-              <a:t>kind=‘bar’</a:t>
-            </a:r>
-            <a:r>
-              <a:rPr lang="en-US" sz="1200" b="1" dirty="0">
-                <a:latin typeface="Consolas" panose="020B0609020204030204" pitchFamily="49" charset="0"/>
-              </a:rPr>
-              <a:t>)</a:t>
+              <a:t>()</a:t>
             </a:r>
           </a:p>
           <a:p>
@@ -30480,8 +30055,8 @@
         </p:nvSpPr>
         <p:spPr>
           <a:xfrm>
-            <a:off x="2716310" y="1910808"/>
-            <a:ext cx="3146010" cy="461665"/>
+            <a:off x="7358878" y="2547558"/>
+            <a:ext cx="3492000" cy="1015663"/>
           </a:xfrm>
           <a:prstGeom prst="rect">
             <a:avLst/>
@@ -30498,41 +30073,63 @@
               <a:rPr lang="en-US" sz="1200" b="1" dirty="0" err="1">
                 <a:latin typeface="Consolas" panose="020B0609020204030204" pitchFamily="49" charset="0"/>
               </a:rPr>
-              <a:t>df.plot</a:t>
+              <a:t>df.</a:t>
+            </a:r>
+            <a:r>
+              <a:rPr lang="en-US" sz="1200" b="1" dirty="0" err="1">
+                <a:latin typeface="Consolas" panose="020B0609020204030204" pitchFamily="49" charset="0"/>
+                <a:hlinkClick r:id="rId10"/>
+              </a:rPr>
+              <a:t>plot</a:t>
             </a:r>
             <a:r>
               <a:rPr lang="en-US" sz="1200" b="1" dirty="0">
                 <a:latin typeface="Consolas" panose="020B0609020204030204" pitchFamily="49" charset="0"/>
               </a:rPr>
-              <a:t>(</a:t>
+              <a:t>(stacked=True)</a:t>
+            </a:r>
+          </a:p>
+          <a:p>
+            <a:pPr marL="93600"/>
+            <a:r>
+              <a:rPr lang="en-US" sz="1200" dirty="0"/>
+              <a:t>Stacks the data for the columns on top of each other. (bar, </a:t>
+            </a:r>
+            <a:r>
+              <a:rPr lang="en-US" sz="1200" dirty="0" err="1"/>
+              <a:t>barh</a:t>
+            </a:r>
+            <a:r>
+              <a:rPr lang="en-US" sz="1200" dirty="0"/>
+              <a:t> and area only)</a:t>
+            </a:r>
+          </a:p>
+          <a:p>
+            <a:r>
+              <a:rPr lang="en-US" sz="1200" b="1" dirty="0" err="1">
+                <a:latin typeface="Consolas" panose="020B0609020204030204" pitchFamily="49" charset="0"/>
+              </a:rPr>
+              <a:t>df.</a:t>
+            </a:r>
+            <a:r>
+              <a:rPr lang="en-US" sz="1200" b="1" dirty="0" err="1">
+                <a:latin typeface="Consolas" panose="020B0609020204030204" pitchFamily="49" charset="0"/>
+                <a:hlinkClick r:id="rId10"/>
+              </a:rPr>
+              <a:t>plot</a:t>
             </a:r>
             <a:r>
               <a:rPr lang="en-US" sz="1200" b="1" dirty="0">
                 <a:latin typeface="Consolas" panose="020B0609020204030204" pitchFamily="49" charset="0"/>
-                <a:hlinkClick r:id="rId27"/>
-              </a:rPr>
-              <a:t>kind=‘boxplot’</a:t>
-            </a:r>
-            <a:r>
-              <a:rPr lang="en-US" sz="1200" b="1" dirty="0">
-                <a:latin typeface="Consolas" panose="020B0609020204030204" pitchFamily="49" charset="0"/>
-              </a:rPr>
-              <a:t>)</a:t>
+              </a:rPr>
+              <a:t>(alpha=0.5)</a:t>
             </a:r>
           </a:p>
           <a:p>
             <a:pPr marL="93600"/>
             <a:r>
               <a:rPr lang="en-US" sz="1200" dirty="0"/>
-              <a:t>Plot a scatter graph of the </a:t>
-            </a:r>
-            <a:r>
-              <a:rPr lang="en-US" sz="1200" dirty="0" err="1"/>
-              <a:t>DataFrame</a:t>
-            </a:r>
-            <a:r>
-              <a:rPr lang="en-US" sz="1200" dirty="0"/>
-              <a:t>.</a:t>
+              <a:t>Sets the transparency of the plot to 50%.</a:t>
             </a:r>
           </a:p>
         </p:txBody>
@@ -30551,7 +30148,7 @@
         </p:nvSpPr>
         <p:spPr>
           <a:xfrm>
-            <a:off x="5862320" y="1910808"/>
+            <a:off x="5774763" y="1537428"/>
             <a:ext cx="2494279" cy="461665"/>
           </a:xfrm>
           <a:prstGeom prst="rect">
@@ -30569,33 +30166,40 @@
               <a:rPr lang="en-US" sz="1200" b="1" dirty="0" err="1">
                 <a:latin typeface="Consolas" panose="020B0609020204030204" pitchFamily="49" charset="0"/>
               </a:rPr>
-              <a:t>df.plot</a:t>
+              <a:t>df.</a:t>
+            </a:r>
+            <a:r>
+              <a:rPr lang="en-US" sz="1200" b="1" dirty="0" err="1">
+                <a:latin typeface="Consolas" panose="020B0609020204030204" pitchFamily="49" charset="0"/>
+                <a:hlinkClick r:id="rId10"/>
+              </a:rPr>
+              <a:t>plot</a:t>
+            </a:r>
+            <a:r>
+              <a:rPr lang="en-US" sz="1200" b="1" dirty="0" err="1">
+                <a:latin typeface="Consolas" panose="020B0609020204030204" pitchFamily="49" charset="0"/>
+              </a:rPr>
+              <a:t>.</a:t>
+            </a:r>
+            <a:r>
+              <a:rPr lang="en-US" sz="1200" b="1" dirty="0" err="1">
+                <a:latin typeface="Consolas" panose="020B0609020204030204" pitchFamily="49" charset="0"/>
+                <a:hlinkClick r:id="rId28"/>
+              </a:rPr>
+              <a:t>area</a:t>
             </a:r>
             <a:r>
               <a:rPr lang="en-US" sz="1200" b="1" dirty="0">
                 <a:latin typeface="Consolas" panose="020B0609020204030204" pitchFamily="49" charset="0"/>
               </a:rPr>
-              <a:t>(</a:t>
-            </a:r>
-            <a:r>
-              <a:rPr lang="en-US" sz="1200" b="1" dirty="0">
-                <a:latin typeface="Consolas" panose="020B0609020204030204" pitchFamily="49" charset="0"/>
-                <a:hlinkClick r:id="rId28"/>
-              </a:rPr>
-              <a:t>kind=‘area’</a:t>
-            </a:r>
-            <a:r>
-              <a:rPr lang="en-US" sz="1200" b="1" dirty="0">
-                <a:latin typeface="Consolas" panose="020B0609020204030204" pitchFamily="49" charset="0"/>
-              </a:rPr>
-              <a:t>)</a:t>
+              <a:t>()</a:t>
             </a:r>
           </a:p>
           <a:p>
             <a:pPr marL="93600"/>
             <a:r>
               <a:rPr lang="en-US" sz="1200" dirty="0"/>
-              <a:t>Plot a histogram of the </a:t>
+              <a:t>Plot a area graph of the </a:t>
             </a:r>
             <a:r>
               <a:rPr lang="en-US" sz="1200" dirty="0" err="1"/>
@@ -30622,8 +30226,8 @@
         </p:nvSpPr>
         <p:spPr>
           <a:xfrm>
-            <a:off x="8356599" y="1910808"/>
-            <a:ext cx="2494279" cy="461665"/>
+            <a:off x="8227059" y="1537428"/>
+            <a:ext cx="2647234" cy="461665"/>
           </a:xfrm>
           <a:prstGeom prst="rect">
             <a:avLst/>
@@ -30637,44 +30241,51 @@
           <a:lstStyle/>
           <a:p>
             <a:r>
+              <a:rPr lang="en-US" sz="1200" b="1" dirty="0" err="1">
+                <a:latin typeface="Consolas" panose="020B0609020204030204" pitchFamily="49" charset="0"/>
+              </a:rPr>
+              <a:t>df.</a:t>
+            </a:r>
+            <a:r>
+              <a:rPr lang="en-US" sz="1200" b="1" dirty="0" err="1">
+                <a:latin typeface="Consolas" panose="020B0609020204030204" pitchFamily="49" charset="0"/>
+                <a:hlinkClick r:id="rId10"/>
+              </a:rPr>
+              <a:t>plot</a:t>
+            </a:r>
+            <a:r>
+              <a:rPr lang="en-US" sz="1200" b="1" dirty="0" err="1">
+                <a:latin typeface="Consolas" panose="020B0609020204030204" pitchFamily="49" charset="0"/>
+              </a:rPr>
+              <a:t>.</a:t>
+            </a:r>
+            <a:r>
+              <a:rPr lang="en-US" sz="1200" b="1" dirty="0" err="1">
+                <a:latin typeface="Consolas" panose="020B0609020204030204" pitchFamily="49" charset="0"/>
+                <a:hlinkClick r:id="rId15"/>
+              </a:rPr>
+              <a:t>hexbin</a:t>
+            </a:r>
+            <a:r>
               <a:rPr lang="en-US" sz="1200" b="1" dirty="0">
                 <a:latin typeface="Consolas" panose="020B0609020204030204" pitchFamily="49" charset="0"/>
               </a:rPr>
-              <a:t>df.plot(</a:t>
-            </a:r>
-            <a:r>
-              <a:rPr lang="en-US" sz="1200" b="1" dirty="0">
-                <a:latin typeface="Consolas" panose="020B0609020204030204" pitchFamily="49" charset="0"/>
-                <a:hlinkClick r:id="rId10"/>
-              </a:rPr>
-              <a:t>kind=‘</a:t>
-            </a:r>
-            <a:r>
-              <a:rPr lang="en-US" sz="1200" b="1" dirty="0" err="1">
-                <a:latin typeface="Consolas" panose="020B0609020204030204" pitchFamily="49" charset="0"/>
-                <a:hlinkClick r:id="rId10"/>
-              </a:rPr>
+              <a:t>()</a:t>
+            </a:r>
+          </a:p>
+          <a:p>
+            <a:pPr marL="93600"/>
+            <a:r>
+              <a:rPr lang="en-US" sz="1200" dirty="0"/>
+              <a:t>Plot a </a:t>
+            </a:r>
+            <a:r>
+              <a:rPr lang="en-US" sz="1200" dirty="0" err="1"/>
               <a:t>hexbin</a:t>
             </a:r>
             <a:r>
-              <a:rPr lang="en-US" sz="1200" b="1" dirty="0">
-                <a:latin typeface="Consolas" panose="020B0609020204030204" pitchFamily="49" charset="0"/>
-                <a:hlinkClick r:id="rId10"/>
-              </a:rPr>
-              <a:t>’</a:t>
-            </a:r>
-            <a:r>
-              <a:rPr lang="en-US" sz="1200" b="1" dirty="0">
-                <a:latin typeface="Consolas" panose="020B0609020204030204" pitchFamily="49" charset="0"/>
-              </a:rPr>
-              <a:t>)</a:t>
-            </a:r>
-          </a:p>
-          <a:p>
-            <a:pPr marL="93600"/>
-            <a:r>
               <a:rPr lang="en-US" sz="1200" dirty="0"/>
-              <a:t>Plot a histogram of the </a:t>
+              <a:t> graph of the </a:t>
             </a:r>
             <a:r>
               <a:rPr lang="en-US" sz="1200" dirty="0" err="1"/>
@@ -30709,7 +30320,7 @@
         </p:blipFill>
         <p:spPr>
           <a:xfrm>
-            <a:off x="1170612" y="2422637"/>
+            <a:off x="1170612" y="1980677"/>
             <a:ext cx="698208" cy="540000"/>
           </a:xfrm>
           <a:prstGeom prst="rect">
@@ -30739,7 +30350,7 @@
         </p:blipFill>
         <p:spPr>
           <a:xfrm>
-            <a:off x="6616268" y="2422637"/>
+            <a:off x="6616268" y="1980677"/>
             <a:ext cx="745278" cy="540000"/>
           </a:xfrm>
           <a:prstGeom prst="rect">
@@ -30776,7 +30387,7 @@
         </p:blipFill>
         <p:spPr bwMode="auto">
           <a:xfrm>
-            <a:off x="9194769" y="2422637"/>
+            <a:off x="9194769" y="1980677"/>
             <a:ext cx="720000" cy="540000"/>
           </a:xfrm>
           <a:prstGeom prst="rect">
@@ -30823,7 +30434,7 @@
         </p:blipFill>
         <p:spPr bwMode="auto">
           <a:xfrm>
-            <a:off x="3800990" y="2422637"/>
+            <a:off x="3800990" y="1980677"/>
             <a:ext cx="720000" cy="540000"/>
           </a:xfrm>
           <a:prstGeom prst="rect">
@@ -30843,627 +30454,6 @@
       </p:pic>
       <p:grpSp>
         <p:nvGrpSpPr>
-          <p:cNvPr id="27" name="Group 26">
-            <a:extLst>
-              <a:ext uri="{FF2B5EF4-FFF2-40B4-BE49-F238E27FC236}">
-                <a16:creationId xmlns:a16="http://schemas.microsoft.com/office/drawing/2014/main" id="{D94A7B71-4B8F-939F-C30F-C25E7205BF93}"/>
-              </a:ext>
-            </a:extLst>
-          </p:cNvPr>
-          <p:cNvGrpSpPr/>
-          <p:nvPr/>
-        </p:nvGrpSpPr>
-        <p:grpSpPr>
-          <a:xfrm>
-            <a:off x="5495291" y="6954229"/>
-            <a:ext cx="5305091" cy="3765032"/>
-            <a:chOff x="139854" y="3045615"/>
-            <a:chExt cx="5305091" cy="3765032"/>
-          </a:xfrm>
-        </p:grpSpPr>
-        <p:sp>
-          <p:nvSpPr>
-            <p:cNvPr id="28" name="Rounded Rectangle 80">
-              <a:extLst>
-                <a:ext uri="{FF2B5EF4-FFF2-40B4-BE49-F238E27FC236}">
-                  <a16:creationId xmlns:a16="http://schemas.microsoft.com/office/drawing/2014/main" id="{5E9102C2-FD55-79ED-6A28-BF90775207CE}"/>
-                </a:ext>
-              </a:extLst>
-            </p:cNvPr>
-            <p:cNvSpPr/>
-            <p:nvPr/>
-          </p:nvSpPr>
-          <p:spPr>
-            <a:xfrm>
-              <a:off x="139854" y="3045615"/>
-              <a:ext cx="5305091" cy="461665"/>
-            </a:xfrm>
-            <a:prstGeom prst="roundRect">
-              <a:avLst/>
-            </a:prstGeom>
-          </p:spPr>
-          <p:style>
-            <a:lnRef idx="2">
-              <a:schemeClr val="accent1">
-                <a:shade val="50000"/>
-              </a:schemeClr>
-            </a:lnRef>
-            <a:fillRef idx="1">
-              <a:schemeClr val="accent1"/>
-            </a:fillRef>
-            <a:effectRef idx="0">
-              <a:schemeClr val="accent1"/>
-            </a:effectRef>
-            <a:fontRef idx="minor">
-              <a:schemeClr val="lt1"/>
-            </a:fontRef>
-          </p:style>
-          <p:txBody>
-            <a:bodyPr rtlCol="0" anchor="ctr"/>
-            <a:lstStyle/>
-            <a:p>
-              <a:pPr algn="ctr"/>
-              <a:r>
-                <a:rPr lang="en-US" sz="2800" b="1" dirty="0">
-                  <a:solidFill>
-                    <a:schemeClr val="bg1"/>
-                  </a:solidFill>
-                </a:rPr>
-                <a:t>Series String Operations</a:t>
-              </a:r>
-            </a:p>
-          </p:txBody>
-        </p:sp>
-        <p:sp>
-          <p:nvSpPr>
-            <p:cNvPr id="29" name="TextBox 28">
-              <a:extLst>
-                <a:ext uri="{FF2B5EF4-FFF2-40B4-BE49-F238E27FC236}">
-                  <a16:creationId xmlns:a16="http://schemas.microsoft.com/office/drawing/2014/main" id="{6A9DDEB4-B962-5750-C1FB-5D0E489B11C6}"/>
-                </a:ext>
-              </a:extLst>
-            </p:cNvPr>
-            <p:cNvSpPr txBox="1"/>
-            <p:nvPr/>
-          </p:nvSpPr>
-          <p:spPr>
-            <a:xfrm>
-              <a:off x="139854" y="3948325"/>
-              <a:ext cx="2654146" cy="2862322"/>
-            </a:xfrm>
-            <a:prstGeom prst="rect">
-              <a:avLst/>
-            </a:prstGeom>
-            <a:noFill/>
-          </p:spPr>
-          <p:txBody>
-            <a:bodyPr wrap="square" rtlCol="0">
-              <a:spAutoFit/>
-            </a:bodyPr>
-            <a:lstStyle/>
-            <a:p>
-              <a:r>
-                <a:rPr lang="en-US" sz="1200" b="1" dirty="0" err="1">
-                  <a:latin typeface="Consolas" panose="020B0609020204030204" pitchFamily="49" charset="0"/>
-                </a:rPr>
-                <a:t>s.str.</a:t>
-              </a:r>
-              <a:r>
-                <a:rPr lang="en-US" sz="1200" b="1" dirty="0" err="1">
-                  <a:latin typeface="Consolas" panose="020B0609020204030204" pitchFamily="49" charset="0"/>
-                  <a:hlinkClick r:id="rId33"/>
-                </a:rPr>
-                <a:t>count</a:t>
-              </a:r>
-              <a:r>
-                <a:rPr lang="en-US" sz="1200" b="1" dirty="0">
-                  <a:latin typeface="Consolas" panose="020B0609020204030204" pitchFamily="49" charset="0"/>
-                </a:rPr>
-                <a:t>(pattern)</a:t>
-              </a:r>
-            </a:p>
-            <a:p>
-              <a:pPr marL="93600"/>
-              <a:r>
-                <a:rPr lang="en-US" sz="1200" dirty="0"/>
-                <a:t>Returns a series with the integer counts in each element.</a:t>
-              </a:r>
-            </a:p>
-            <a:p>
-              <a:r>
-                <a:rPr lang="en-US" sz="1200" b="1" dirty="0" err="1">
-                  <a:latin typeface="Consolas" panose="020B0609020204030204" pitchFamily="49" charset="0"/>
-                </a:rPr>
-                <a:t>s.str.</a:t>
-              </a:r>
-              <a:r>
-                <a:rPr lang="en-US" sz="1200" b="1" dirty="0" err="1">
-                  <a:latin typeface="Consolas" panose="020B0609020204030204" pitchFamily="49" charset="0"/>
-                  <a:hlinkClick r:id="rId34"/>
-                </a:rPr>
-                <a:t>get</a:t>
-              </a:r>
-              <a:r>
-                <a:rPr lang="en-US" sz="1200" b="1" dirty="0">
-                  <a:latin typeface="Consolas" panose="020B0609020204030204" pitchFamily="49" charset="0"/>
-                </a:rPr>
-                <a:t>(index)</a:t>
-              </a:r>
-            </a:p>
-            <a:p>
-              <a:pPr marL="93600"/>
-              <a:r>
-                <a:rPr lang="en-US" sz="1200" dirty="0"/>
-                <a:t>Returns a series with the data at the given index for each element.</a:t>
-              </a:r>
-            </a:p>
-            <a:p>
-              <a:r>
-                <a:rPr lang="en-US" sz="1200" b="1" dirty="0" err="1">
-                  <a:latin typeface="Consolas" panose="020B0609020204030204" pitchFamily="49" charset="0"/>
-                </a:rPr>
-                <a:t>s.str.</a:t>
-              </a:r>
-              <a:r>
-                <a:rPr lang="en-US" sz="1200" b="1" dirty="0" err="1">
-                  <a:latin typeface="Consolas" panose="020B0609020204030204" pitchFamily="49" charset="0"/>
-                  <a:hlinkClick r:id="rId35"/>
-                </a:rPr>
-                <a:t>join</a:t>
-              </a:r>
-              <a:r>
-                <a:rPr lang="en-US" sz="1200" b="1" dirty="0">
-                  <a:latin typeface="Consolas" panose="020B0609020204030204" pitchFamily="49" charset="0"/>
-                </a:rPr>
-                <a:t>(</a:t>
-              </a:r>
-              <a:r>
-                <a:rPr lang="en-US" sz="1200" b="1" dirty="0" err="1">
-                  <a:latin typeface="Consolas" panose="020B0609020204030204" pitchFamily="49" charset="0"/>
-                </a:rPr>
-                <a:t>sep</a:t>
-              </a:r>
-              <a:r>
-                <a:rPr lang="en-US" sz="1200" b="1" dirty="0">
-                  <a:latin typeface="Consolas" panose="020B0609020204030204" pitchFamily="49" charset="0"/>
-                </a:rPr>
-                <a:t>)</a:t>
-              </a:r>
-            </a:p>
-            <a:p>
-              <a:pPr marL="93600"/>
-              <a:r>
-                <a:rPr lang="en-US" sz="1200" dirty="0"/>
-                <a:t>Returns a series where each element has been concatenated.</a:t>
-              </a:r>
-            </a:p>
-            <a:p>
-              <a:r>
-                <a:rPr lang="en-US" sz="1200" b="1" dirty="0" err="1">
-                  <a:latin typeface="Consolas" panose="020B0609020204030204" pitchFamily="49" charset="0"/>
-                </a:rPr>
-                <a:t>s.str.</a:t>
-              </a:r>
-              <a:r>
-                <a:rPr lang="en-US" sz="1200" b="1" dirty="0" err="1">
-                  <a:latin typeface="Consolas" panose="020B0609020204030204" pitchFamily="49" charset="0"/>
-                  <a:hlinkClick r:id="rId36"/>
-                </a:rPr>
-                <a:t>title</a:t>
-              </a:r>
-              <a:r>
-                <a:rPr lang="en-US" sz="1200" b="1" dirty="0">
-                  <a:latin typeface="Consolas" panose="020B0609020204030204" pitchFamily="49" charset="0"/>
-                </a:rPr>
-                <a:t>()</a:t>
-              </a:r>
-            </a:p>
-            <a:p>
-              <a:pPr marL="93600"/>
-              <a:r>
-                <a:rPr lang="en-US" sz="1200" dirty="0"/>
-                <a:t>Converts the first character of each word to be a capital.</a:t>
-              </a:r>
-            </a:p>
-            <a:p>
-              <a:r>
-                <a:rPr lang="en-US" sz="1200" b="1" dirty="0" err="1">
-                  <a:latin typeface="Consolas" panose="020B0609020204030204" pitchFamily="49" charset="0"/>
-                </a:rPr>
-                <a:t>s.str.</a:t>
-              </a:r>
-              <a:r>
-                <a:rPr lang="en-US" sz="1200" b="1" dirty="0" err="1">
-                  <a:latin typeface="Consolas" panose="020B0609020204030204" pitchFamily="49" charset="0"/>
-                  <a:hlinkClick r:id="rId37"/>
-                </a:rPr>
-                <a:t>len</a:t>
-              </a:r>
-              <a:r>
-                <a:rPr lang="en-US" sz="1200" b="1" dirty="0">
-                  <a:latin typeface="Consolas" panose="020B0609020204030204" pitchFamily="49" charset="0"/>
-                </a:rPr>
-                <a:t>()</a:t>
-              </a:r>
-            </a:p>
-            <a:p>
-              <a:pPr marL="93600"/>
-              <a:r>
-                <a:rPr lang="en-US" sz="1200" dirty="0"/>
-                <a:t>Returns a series with the lengths of each element.</a:t>
-              </a:r>
-            </a:p>
-          </p:txBody>
-        </p:sp>
-        <p:sp>
-          <p:nvSpPr>
-            <p:cNvPr id="32" name="TextBox 31">
-              <a:extLst>
-                <a:ext uri="{FF2B5EF4-FFF2-40B4-BE49-F238E27FC236}">
-                  <a16:creationId xmlns:a16="http://schemas.microsoft.com/office/drawing/2014/main" id="{BC3DADEE-9235-CBEA-B132-376B17AC7870}"/>
-                </a:ext>
-              </a:extLst>
-            </p:cNvPr>
-            <p:cNvSpPr txBox="1"/>
-            <p:nvPr/>
-          </p:nvSpPr>
-          <p:spPr>
-            <a:xfrm>
-              <a:off x="2790799" y="3948325"/>
-              <a:ext cx="2654146" cy="2862322"/>
-            </a:xfrm>
-            <a:prstGeom prst="rect">
-              <a:avLst/>
-            </a:prstGeom>
-            <a:noFill/>
-          </p:spPr>
-          <p:txBody>
-            <a:bodyPr wrap="square" rtlCol="0">
-              <a:spAutoFit/>
-            </a:bodyPr>
-            <a:lstStyle/>
-            <a:p>
-              <a:r>
-                <a:rPr lang="en-US" sz="1200" b="1" dirty="0">
-                  <a:latin typeface="Consolas" panose="020B0609020204030204" pitchFamily="49" charset="0"/>
-                </a:rPr>
-                <a:t>s.str.</a:t>
-              </a:r>
-              <a:r>
-                <a:rPr lang="en-US" sz="1200" b="1" dirty="0">
-                  <a:latin typeface="Consolas" panose="020B0609020204030204" pitchFamily="49" charset="0"/>
-                  <a:hlinkClick r:id="rId38"/>
-                </a:rPr>
-                <a:t>cat</a:t>
-              </a:r>
-              <a:r>
-                <a:rPr lang="en-US" sz="1200" b="1" dirty="0">
-                  <a:latin typeface="Consolas" panose="020B0609020204030204" pitchFamily="49" charset="0"/>
-                </a:rPr>
-                <a:t>()</a:t>
-              </a:r>
-            </a:p>
-            <a:p>
-              <a:pPr marL="93600"/>
-              <a:r>
-                <a:rPr lang="en-US" sz="1200" dirty="0"/>
-                <a:t>Concatenate elements into a single string</a:t>
-              </a:r>
-            </a:p>
-            <a:p>
-              <a:r>
-                <a:rPr lang="en-US" sz="1200" b="1" dirty="0" err="1">
-                  <a:latin typeface="Consolas" panose="020B0609020204030204" pitchFamily="49" charset="0"/>
-                </a:rPr>
-                <a:t>s.str.</a:t>
-              </a:r>
-              <a:r>
-                <a:rPr lang="en-US" sz="1200" b="1" dirty="0" err="1">
-                  <a:latin typeface="Consolas" panose="020B0609020204030204" pitchFamily="49" charset="0"/>
-                  <a:hlinkClick r:id="rId39"/>
-                </a:rPr>
-                <a:t>partition</a:t>
-              </a:r>
-              <a:r>
-                <a:rPr lang="en-US" sz="1200" b="1" dirty="0">
-                  <a:latin typeface="Consolas" panose="020B0609020204030204" pitchFamily="49" charset="0"/>
-                </a:rPr>
-                <a:t>(</a:t>
-              </a:r>
-              <a:r>
-                <a:rPr lang="en-US" sz="1200" b="1" dirty="0" err="1">
-                  <a:latin typeface="Consolas" panose="020B0609020204030204" pitchFamily="49" charset="0"/>
-                </a:rPr>
-                <a:t>sep</a:t>
-              </a:r>
-              <a:r>
-                <a:rPr lang="en-US" sz="1200" b="1" dirty="0">
-                  <a:latin typeface="Consolas" panose="020B0609020204030204" pitchFamily="49" charset="0"/>
-                </a:rPr>
-                <a:t>)</a:t>
-              </a:r>
-            </a:p>
-            <a:p>
-              <a:pPr marL="93600"/>
-              <a:r>
-                <a:rPr lang="en-US" sz="1200" dirty="0"/>
-                <a:t>Splits the string on the first instance of the separator</a:t>
-              </a:r>
-            </a:p>
-            <a:p>
-              <a:r>
-                <a:rPr lang="en-US" sz="1200" b="1" dirty="0" err="1">
-                  <a:latin typeface="Consolas" panose="020B0609020204030204" pitchFamily="49" charset="0"/>
-                </a:rPr>
-                <a:t>s.str.</a:t>
-              </a:r>
-              <a:r>
-                <a:rPr lang="en-US" sz="1200" b="1" dirty="0" err="1">
-                  <a:latin typeface="Consolas" panose="020B0609020204030204" pitchFamily="49" charset="0"/>
-                  <a:hlinkClick r:id="rId40"/>
-                </a:rPr>
-                <a:t>slice</a:t>
-              </a:r>
-              <a:r>
-                <a:rPr lang="en-US" sz="1200" b="1" dirty="0">
-                  <a:latin typeface="Consolas" panose="020B0609020204030204" pitchFamily="49" charset="0"/>
-                </a:rPr>
-                <a:t>(start, stop, step)</a:t>
-              </a:r>
-            </a:p>
-            <a:p>
-              <a:pPr marL="93600"/>
-              <a:r>
-                <a:rPr lang="en-US" sz="1200" dirty="0"/>
-                <a:t>Slices each string</a:t>
-              </a:r>
-            </a:p>
-            <a:p>
-              <a:r>
-                <a:rPr lang="en-US" sz="1200" b="1" dirty="0" err="1">
-                  <a:latin typeface="Consolas" panose="020B0609020204030204" pitchFamily="49" charset="0"/>
-                </a:rPr>
-                <a:t>s.str.</a:t>
-              </a:r>
-              <a:r>
-                <a:rPr lang="en-US" sz="1200" b="1" dirty="0" err="1">
-                  <a:latin typeface="Consolas" panose="020B0609020204030204" pitchFamily="49" charset="0"/>
-                  <a:hlinkClick r:id="rId41"/>
-                </a:rPr>
-                <a:t>replace</a:t>
-              </a:r>
-              <a:r>
-                <a:rPr lang="en-US" sz="1200" b="1" dirty="0">
-                  <a:latin typeface="Consolas" panose="020B0609020204030204" pitchFamily="49" charset="0"/>
-                </a:rPr>
-                <a:t>(pat, rep)</a:t>
-              </a:r>
-            </a:p>
-            <a:p>
-              <a:pPr marL="93600"/>
-              <a:r>
-                <a:rPr lang="en-US" sz="1200" dirty="0"/>
-                <a:t>Use regex to replace patterns in each string.</a:t>
-              </a:r>
-            </a:p>
-            <a:p>
-              <a:r>
-                <a:rPr lang="en-US" sz="1200" b="1" dirty="0" err="1">
-                  <a:latin typeface="Consolas" panose="020B0609020204030204" pitchFamily="49" charset="0"/>
-                </a:rPr>
-                <a:t>s.str.</a:t>
-              </a:r>
-              <a:r>
-                <a:rPr lang="en-US" sz="1200" b="1" dirty="0" err="1">
-                  <a:latin typeface="Consolas" panose="020B0609020204030204" pitchFamily="49" charset="0"/>
-                  <a:hlinkClick r:id="rId42"/>
-                </a:rPr>
-                <a:t>isalnum</a:t>
-              </a:r>
-              <a:r>
-                <a:rPr lang="en-US" sz="1200" b="1" dirty="0">
-                  <a:latin typeface="Consolas" panose="020B0609020204030204" pitchFamily="49" charset="0"/>
-                </a:rPr>
-                <a:t>()</a:t>
-              </a:r>
-            </a:p>
-            <a:p>
-              <a:pPr marL="93600"/>
-              <a:r>
-                <a:rPr lang="en-US" sz="1200" dirty="0"/>
-                <a:t>Checks whether each element is alpha-numeric</a:t>
-              </a:r>
-            </a:p>
-          </p:txBody>
-        </p:sp>
-        <p:sp>
-          <p:nvSpPr>
-            <p:cNvPr id="33" name="TextBox 32">
-              <a:extLst>
-                <a:ext uri="{FF2B5EF4-FFF2-40B4-BE49-F238E27FC236}">
-                  <a16:creationId xmlns:a16="http://schemas.microsoft.com/office/drawing/2014/main" id="{C8214C2B-AA1C-2323-1176-3D074557CAA1}"/>
-                </a:ext>
-              </a:extLst>
-            </p:cNvPr>
-            <p:cNvSpPr txBox="1"/>
-            <p:nvPr/>
-          </p:nvSpPr>
-          <p:spPr>
-            <a:xfrm>
-              <a:off x="139854" y="3513231"/>
-              <a:ext cx="5305091" cy="461665"/>
-            </a:xfrm>
-            <a:prstGeom prst="rect">
-              <a:avLst/>
-            </a:prstGeom>
-            <a:noFill/>
-          </p:spPr>
-          <p:txBody>
-            <a:bodyPr wrap="square" rtlCol="0">
-              <a:spAutoFit/>
-            </a:bodyPr>
-            <a:lstStyle/>
-            <a:p>
-              <a:r>
-                <a:rPr lang="en-US" sz="1200" dirty="0"/>
-                <a:t>Similar to python string operations, except these are vectorized to apply to the entire Series efficiently.</a:t>
-              </a:r>
-            </a:p>
-          </p:txBody>
-        </p:sp>
-      </p:grpSp>
-      <p:grpSp>
-        <p:nvGrpSpPr>
-          <p:cNvPr id="37" name="Group 36">
-            <a:extLst>
-              <a:ext uri="{FF2B5EF4-FFF2-40B4-BE49-F238E27FC236}">
-                <a16:creationId xmlns:a16="http://schemas.microsoft.com/office/drawing/2014/main" id="{5865B909-DD40-3ECF-F607-5A19656F6B05}"/>
-              </a:ext>
-            </a:extLst>
-          </p:cNvPr>
-          <p:cNvGrpSpPr/>
-          <p:nvPr/>
-        </p:nvGrpSpPr>
-        <p:grpSpPr>
-          <a:xfrm>
-            <a:off x="10830762" y="9447091"/>
-            <a:ext cx="3140826" cy="1304371"/>
-            <a:chOff x="39680" y="3045615"/>
-            <a:chExt cx="5640005" cy="1304371"/>
-          </a:xfrm>
-        </p:grpSpPr>
-        <p:sp>
-          <p:nvSpPr>
-            <p:cNvPr id="41" name="Rounded Rectangle 80">
-              <a:extLst>
-                <a:ext uri="{FF2B5EF4-FFF2-40B4-BE49-F238E27FC236}">
-                  <a16:creationId xmlns:a16="http://schemas.microsoft.com/office/drawing/2014/main" id="{8690D32F-8CB5-C44D-CD48-86FC1782DB50}"/>
-                </a:ext>
-              </a:extLst>
-            </p:cNvPr>
-            <p:cNvSpPr/>
-            <p:nvPr/>
-          </p:nvSpPr>
-          <p:spPr>
-            <a:xfrm>
-              <a:off x="139854" y="3045615"/>
-              <a:ext cx="5305091" cy="461665"/>
-            </a:xfrm>
-            <a:prstGeom prst="roundRect">
-              <a:avLst/>
-            </a:prstGeom>
-          </p:spPr>
-          <p:style>
-            <a:lnRef idx="2">
-              <a:schemeClr val="accent1">
-                <a:shade val="50000"/>
-              </a:schemeClr>
-            </a:lnRef>
-            <a:fillRef idx="1">
-              <a:schemeClr val="accent1"/>
-            </a:fillRef>
-            <a:effectRef idx="0">
-              <a:schemeClr val="accent1"/>
-            </a:effectRef>
-            <a:fontRef idx="minor">
-              <a:schemeClr val="lt1"/>
-            </a:fontRef>
-          </p:style>
-          <p:txBody>
-            <a:bodyPr rtlCol="0" anchor="ctr"/>
-            <a:lstStyle/>
-            <a:p>
-              <a:pPr algn="ctr"/>
-              <a:r>
-                <a:rPr lang="en-US" sz="2800" b="1" dirty="0">
-                  <a:solidFill>
-                    <a:schemeClr val="bg1"/>
-                  </a:solidFill>
-                </a:rPr>
-                <a:t>Clipboard</a:t>
-              </a:r>
-            </a:p>
-          </p:txBody>
-        </p:sp>
-        <p:sp>
-          <p:nvSpPr>
-            <p:cNvPr id="44" name="TextBox 43">
-              <a:extLst>
-                <a:ext uri="{FF2B5EF4-FFF2-40B4-BE49-F238E27FC236}">
-                  <a16:creationId xmlns:a16="http://schemas.microsoft.com/office/drawing/2014/main" id="{7FF5F6B5-C5F0-E554-0319-E901E1182FB1}"/>
-                </a:ext>
-              </a:extLst>
-            </p:cNvPr>
-            <p:cNvSpPr txBox="1"/>
-            <p:nvPr/>
-          </p:nvSpPr>
-          <p:spPr>
-            <a:xfrm>
-              <a:off x="39680" y="3518989"/>
-              <a:ext cx="5640005" cy="830997"/>
-            </a:xfrm>
-            <a:prstGeom prst="rect">
-              <a:avLst/>
-            </a:prstGeom>
-            <a:noFill/>
-          </p:spPr>
-          <p:txBody>
-            <a:bodyPr wrap="square" rtlCol="0">
-              <a:spAutoFit/>
-            </a:bodyPr>
-            <a:lstStyle/>
-            <a:p>
-              <a:r>
-                <a:rPr lang="en-US" sz="1200" b="1" dirty="0" err="1">
-                  <a:latin typeface="Consolas" panose="020B0609020204030204" pitchFamily="49" charset="0"/>
-                </a:rPr>
-                <a:t>df.to_clipboard</a:t>
-              </a:r>
-              <a:r>
-                <a:rPr lang="en-US" sz="1200" b="1" dirty="0">
-                  <a:latin typeface="Consolas" panose="020B0609020204030204" pitchFamily="49" charset="0"/>
-                </a:rPr>
-                <a:t>()</a:t>
-              </a:r>
-            </a:p>
-            <a:p>
-              <a:pPr marL="93600"/>
-              <a:r>
-                <a:rPr lang="en-US" sz="1200" dirty="0"/>
-                <a:t>Copy object to the system clipboard</a:t>
-              </a:r>
-            </a:p>
-            <a:p>
-              <a:r>
-                <a:rPr lang="en-US" sz="1200" b="1" dirty="0" err="1">
-                  <a:latin typeface="Consolas" panose="020B0609020204030204" pitchFamily="49" charset="0"/>
-                </a:rPr>
-                <a:t>df.read_clipboard</a:t>
-              </a:r>
-              <a:r>
-                <a:rPr lang="en-US" sz="1200" b="1" dirty="0">
-                  <a:latin typeface="Consolas" panose="020B0609020204030204" pitchFamily="49" charset="0"/>
-                </a:rPr>
-                <a:t>()</a:t>
-              </a:r>
-            </a:p>
-            <a:p>
-              <a:pPr marL="93600"/>
-              <a:r>
-                <a:rPr lang="en-US" sz="1200" dirty="0"/>
-                <a:t>Read text from clipboard and pass to </a:t>
-              </a:r>
-              <a:r>
-                <a:rPr lang="en-US" sz="1200" dirty="0" err="1"/>
-                <a:t>read_csv</a:t>
-              </a:r>
-              <a:endParaRPr lang="en-US" sz="1200" dirty="0"/>
-            </a:p>
-          </p:txBody>
-        </p:sp>
-      </p:grpSp>
-      <p:grpSp>
-        <p:nvGrpSpPr>
           <p:cNvPr id="59" name="Group 58">
             <a:extLst>
               <a:ext uri="{FF2B5EF4-FFF2-40B4-BE49-F238E27FC236}">
@@ -31476,10 +30466,10 @@
         </p:nvGrpSpPr>
         <p:grpSpPr>
           <a:xfrm>
-            <a:off x="140668" y="8237055"/>
-            <a:ext cx="2571361" cy="2768796"/>
-            <a:chOff x="139854" y="3045615"/>
-            <a:chExt cx="5305091" cy="2768796"/>
+            <a:off x="125428" y="8732355"/>
+            <a:ext cx="5208572" cy="1885353"/>
+            <a:chOff x="139854" y="3190395"/>
+            <a:chExt cx="5305091" cy="1885353"/>
           </a:xfrm>
         </p:grpSpPr>
         <p:sp>
@@ -31496,7 +30486,7 @@
           </p:nvSpPr>
           <p:spPr>
             <a:xfrm>
-              <a:off x="139854" y="3045615"/>
+              <a:off x="139854" y="3190395"/>
               <a:ext cx="5305091" cy="461665"/>
             </a:xfrm>
             <a:prstGeom prst="roundRect">
@@ -31550,7 +30540,7 @@
           <p:spPr>
             <a:xfrm>
               <a:off x="139854" y="4060085"/>
-              <a:ext cx="5305091" cy="1754326"/>
+              <a:ext cx="5305091" cy="1015663"/>
             </a:xfrm>
             <a:prstGeom prst="rect">
               <a:avLst/>
@@ -31567,12 +30557,12 @@
                 <a:rPr lang="en-US" sz="1200" b="1" dirty="0" err="1">
                   <a:latin typeface="Consolas" panose="020B0609020204030204" pitchFamily="49" charset="0"/>
                 </a:rPr>
-                <a:t>df.</a:t>
+                <a:t>s.</a:t>
               </a:r>
               <a:r>
                 <a:rPr lang="en-US" sz="1200" b="1" dirty="0" err="1">
                   <a:latin typeface="Consolas" panose="020B0609020204030204" pitchFamily="49" charset="0"/>
-                  <a:hlinkClick r:id="rId43"/>
+                  <a:hlinkClick r:id="rId33"/>
                 </a:rPr>
                 <a:t>map</a:t>
               </a:r>
@@ -31580,19 +30570,35 @@
                 <a:rPr lang="en-US" sz="1200" b="1" dirty="0">
                   <a:latin typeface="Consolas" panose="020B0609020204030204" pitchFamily="49" charset="0"/>
                 </a:rPr>
-                <a:t>(</a:t>
+                <a:t>(lambda x: 2*x)</a:t>
+              </a:r>
+            </a:p>
+            <a:p>
+              <a:pPr marL="93600"/>
+              <a:r>
+                <a:rPr lang="en-US" sz="1200" dirty="0"/>
+                <a:t>Returns a copy of the series where every entry is doubled</a:t>
+              </a:r>
+            </a:p>
+            <a:p>
+              <a:r>
+                <a:rPr lang="en-US" sz="1200" b="1" dirty="0" err="1">
+                  <a:latin typeface="Consolas" panose="020B0609020204030204" pitchFamily="49" charset="0"/>
+                </a:rPr>
+                <a:t>s.</a:t>
               </a:r>
               <a:r>
                 <a:rPr lang="en-US" sz="1200" b="1" dirty="0" err="1">
                   <a:latin typeface="Consolas" panose="020B0609020204030204" pitchFamily="49" charset="0"/>
+                  <a:hlinkClick r:id="rId34"/>
                 </a:rPr>
-                <a:t>func</a:t>
+                <a:t>apply</a:t>
               </a:r>
               <a:r>
                 <a:rPr lang="en-US" sz="1200" b="1" dirty="0">
                   <a:latin typeface="Consolas" panose="020B0609020204030204" pitchFamily="49" charset="0"/>
                 </a:rPr>
-                <a:t>)</a:t>
+                <a:t>(lambda x: [1, 2], axis=1)</a:t>
               </a:r>
             </a:p>
             <a:p>
@@ -31607,60 +30613,8 @@
               </a:r>
               <a:r>
                 <a:rPr lang="en-US" sz="1200" dirty="0"/>
-                <a:t> with the mapping applies</a:t>
+                <a:t> with each element replaced with [1, 2], used when the logic is more complex per element.</a:t>
               </a:r>
-            </a:p>
-            <a:p>
-              <a:r>
-                <a:rPr lang="en-US" sz="1200" b="1" dirty="0" err="1">
-                  <a:latin typeface="Consolas" panose="020B0609020204030204" pitchFamily="49" charset="0"/>
-                </a:rPr>
-                <a:t>df.</a:t>
-              </a:r>
-              <a:r>
-                <a:rPr lang="en-US" sz="1200" b="1" dirty="0" err="1">
-                  <a:latin typeface="Consolas" panose="020B0609020204030204" pitchFamily="49" charset="0"/>
-                  <a:hlinkClick r:id="rId44"/>
-                </a:rPr>
-                <a:t>apply</a:t>
-              </a:r>
-              <a:r>
-                <a:rPr lang="en-US" sz="1200" b="1" dirty="0">
-                  <a:latin typeface="Consolas" panose="020B0609020204030204" pitchFamily="49" charset="0"/>
-                </a:rPr>
-                <a:t>(</a:t>
-              </a:r>
-              <a:r>
-                <a:rPr lang="en-US" sz="1200" b="1" dirty="0" err="1">
-                  <a:latin typeface="Consolas" panose="020B0609020204030204" pitchFamily="49" charset="0"/>
-                </a:rPr>
-                <a:t>func</a:t>
-              </a:r>
-              <a:r>
-                <a:rPr lang="en-US" sz="1200" b="1" dirty="0">
-                  <a:latin typeface="Consolas" panose="020B0609020204030204" pitchFamily="49" charset="0"/>
-                </a:rPr>
-                <a:t>)</a:t>
-              </a:r>
-            </a:p>
-            <a:p>
-              <a:pPr marL="93600"/>
-              <a:r>
-                <a:rPr lang="en-US" sz="1200" dirty="0"/>
-                <a:t>Returns a copy of the </a:t>
-              </a:r>
-              <a:r>
-                <a:rPr lang="en-US" sz="1200" dirty="0" err="1"/>
-                <a:t>dataframe</a:t>
-              </a:r>
-              <a:r>
-                <a:rPr lang="en-US" sz="1200" dirty="0"/>
-                <a:t> with the function applies, used when the logic is more complex per element</a:t>
-              </a:r>
-            </a:p>
-            <a:p>
-              <a:pPr marL="93600"/>
-              <a:endParaRPr lang="en-US" sz="1200" dirty="0"/>
             </a:p>
           </p:txBody>
         </p:sp>
@@ -31678,7 +30632,7 @@
           </p:nvSpPr>
           <p:spPr>
             <a:xfrm>
-              <a:off x="139854" y="3482751"/>
+              <a:off x="139854" y="3650391"/>
               <a:ext cx="5305091" cy="461665"/>
             </a:xfrm>
             <a:prstGeom prst="rect">
@@ -31702,56 +30656,18 @@
               </a:r>
               <a:r>
                 <a:rPr lang="en-US" sz="1200" dirty="0"/>
-                <a:t>, useful for recategorizing or transforming data</a:t>
+                <a:t>, useful for recategorizing or transforming data.</a:t>
               </a:r>
             </a:p>
           </p:txBody>
         </p:sp>
       </p:grpSp>
-      <p:cxnSp>
-        <p:nvCxnSpPr>
-          <p:cNvPr id="69" name="Straight Connector 68">
+      <p:sp>
+        <p:nvSpPr>
+          <p:cNvPr id="5" name="TextBox 4">
             <a:extLst>
               <a:ext uri="{FF2B5EF4-FFF2-40B4-BE49-F238E27FC236}">
-                <a16:creationId xmlns:a16="http://schemas.microsoft.com/office/drawing/2014/main" id="{6C34E450-5A07-700F-8ED1-096B9C1CB878}"/>
-              </a:ext>
-            </a:extLst>
-          </p:cNvPr>
-          <p:cNvCxnSpPr>
-            <a:cxnSpLocks/>
-          </p:cNvCxnSpPr>
-          <p:nvPr/>
-        </p:nvCxnSpPr>
-        <p:spPr>
-          <a:xfrm>
-            <a:off x="135695" y="6628529"/>
-            <a:ext cx="5310064" cy="0"/>
-          </a:xfrm>
-          <a:prstGeom prst="line">
-            <a:avLst/>
-          </a:prstGeom>
-        </p:spPr>
-        <p:style>
-          <a:lnRef idx="1">
-            <a:schemeClr val="accent1"/>
-          </a:lnRef>
-          <a:fillRef idx="0">
-            <a:schemeClr val="accent1"/>
-          </a:fillRef>
-          <a:effectRef idx="0">
-            <a:schemeClr val="accent1"/>
-          </a:effectRef>
-          <a:fontRef idx="minor">
-            <a:schemeClr val="tx1"/>
-          </a:fontRef>
-        </p:style>
-      </p:cxnSp>
-      <p:sp>
-        <p:nvSpPr>
-          <p:cNvPr id="71" name="TextBox 70">
-            <a:extLst>
-              <a:ext uri="{FF2B5EF4-FFF2-40B4-BE49-F238E27FC236}">
-                <a16:creationId xmlns:a16="http://schemas.microsoft.com/office/drawing/2014/main" id="{13845956-2C47-A783-1FBC-4E7C4D54C2C6}"/>
+                <a16:creationId xmlns:a16="http://schemas.microsoft.com/office/drawing/2014/main" id="{31BD94D3-03F1-6642-4E43-5500C31DE006}"/>
               </a:ext>
             </a:extLst>
           </p:cNvPr>
@@ -31760,8 +30676,8 @@
         </p:nvSpPr>
         <p:spPr>
           <a:xfrm>
-            <a:off x="142571" y="6419773"/>
-            <a:ext cx="2649041" cy="1754326"/>
+            <a:off x="2670737" y="1537428"/>
+            <a:ext cx="3146010" cy="461665"/>
           </a:xfrm>
           <a:prstGeom prst="rect">
             <a:avLst/>
@@ -31775,94 +30691,61 @@
           <a:lstStyle/>
           <a:p>
             <a:r>
-              <a:rPr lang="en-US" sz="1200" dirty="0">
-                <a:solidFill>
-                  <a:schemeClr val="accent5"/>
-                </a:solidFill>
-              </a:rPr>
-              <a:t>More on datetime</a:t>
-            </a:r>
-          </a:p>
-          <a:p>
-            <a:r>
               <a:rPr lang="en-US" sz="1200" b="1" dirty="0" err="1">
                 <a:latin typeface="Consolas" panose="020B0609020204030204" pitchFamily="49" charset="0"/>
               </a:rPr>
-              <a:t>s.dt.year</a:t>
-            </a:r>
-            <a:endParaRPr lang="en-US" sz="1200" b="1" dirty="0">
-              <a:latin typeface="Consolas" panose="020B0609020204030204" pitchFamily="49" charset="0"/>
-            </a:endParaRPr>
+              <a:t>df.</a:t>
+            </a:r>
+            <a:r>
+              <a:rPr lang="en-US" sz="1200" b="1" dirty="0" err="1">
+                <a:latin typeface="Consolas" panose="020B0609020204030204" pitchFamily="49" charset="0"/>
+                <a:hlinkClick r:id="rId10"/>
+              </a:rPr>
+              <a:t>plot</a:t>
+            </a:r>
+            <a:r>
+              <a:rPr lang="en-US" sz="1200" b="1" dirty="0" err="1">
+                <a:latin typeface="Consolas" panose="020B0609020204030204" pitchFamily="49" charset="0"/>
+              </a:rPr>
+              <a:t>.</a:t>
+            </a:r>
+            <a:r>
+              <a:rPr lang="en-US" sz="1200" b="1" dirty="0" err="1">
+                <a:latin typeface="Consolas" panose="020B0609020204030204" pitchFamily="49" charset="0"/>
+                <a:hlinkClick r:id="rId35"/>
+              </a:rPr>
+              <a:t>boxplot</a:t>
+            </a:r>
+            <a:r>
+              <a:rPr lang="en-US" sz="1200" b="1" dirty="0">
+                <a:latin typeface="Consolas" panose="020B0609020204030204" pitchFamily="49" charset="0"/>
+              </a:rPr>
+              <a:t>()</a:t>
+            </a:r>
           </a:p>
           <a:p>
             <a:pPr marL="93600"/>
             <a:r>
               <a:rPr lang="en-US" sz="1200" dirty="0"/>
-              <a:t>Extract the year.</a:t>
-            </a:r>
-          </a:p>
-          <a:p>
-            <a:r>
-              <a:rPr lang="en-US" sz="1200" b="1" dirty="0" err="1">
-                <a:latin typeface="Consolas" panose="020B0609020204030204" pitchFamily="49" charset="0"/>
-              </a:rPr>
-              <a:t>s.dt.month</a:t>
-            </a:r>
-            <a:endParaRPr lang="en-US" sz="1200" b="1" dirty="0">
-              <a:latin typeface="Consolas" panose="020B0609020204030204" pitchFamily="49" charset="0"/>
-            </a:endParaRPr>
-          </a:p>
-          <a:p>
-            <a:pPr marL="93600"/>
+              <a:t>Plot a scatter graph of the </a:t>
+            </a:r>
+            <a:r>
+              <a:rPr lang="en-US" sz="1200" dirty="0" err="1"/>
+              <a:t>DataFrame</a:t>
+            </a:r>
             <a:r>
               <a:rPr lang="en-US" sz="1200" dirty="0"/>
-              <a:t>Extract the month as an integer.</a:t>
-            </a:r>
-          </a:p>
-          <a:p>
-            <a:r>
-              <a:rPr lang="en-US" sz="1200" b="1" dirty="0" err="1">
-                <a:latin typeface="Consolas" panose="020B0609020204030204" pitchFamily="49" charset="0"/>
-              </a:rPr>
-              <a:t>s.dt.day</a:t>
-            </a:r>
-            <a:endParaRPr lang="en-US" sz="1200" b="1" dirty="0">
-              <a:latin typeface="Consolas" panose="020B0609020204030204" pitchFamily="49" charset="0"/>
-            </a:endParaRPr>
-          </a:p>
-          <a:p>
-            <a:pPr marL="93600"/>
-            <a:r>
-              <a:rPr lang="en-US" sz="1200" dirty="0"/>
-              <a:t>Extract the day (int) from the date.</a:t>
-            </a:r>
-          </a:p>
-          <a:p>
-            <a:r>
-              <a:rPr lang="en-US" sz="1200" b="1" dirty="0" err="1">
-                <a:latin typeface="Consolas" panose="020B0609020204030204" pitchFamily="49" charset="0"/>
-              </a:rPr>
-              <a:t>s.dt.dayofweek</a:t>
-            </a:r>
-            <a:endParaRPr lang="en-US" sz="1200" b="1" dirty="0">
-              <a:latin typeface="Consolas" panose="020B0609020204030204" pitchFamily="49" charset="0"/>
-            </a:endParaRPr>
-          </a:p>
-          <a:p>
-            <a:pPr marL="93600"/>
-            <a:r>
-              <a:rPr lang="en-US" sz="1200" dirty="0"/>
-              <a:t>Extract the day, 0=Mon, 6=Sun</a:t>
+              <a:t>.</a:t>
             </a:r>
           </a:p>
         </p:txBody>
       </p:sp>
       <p:sp>
         <p:nvSpPr>
-          <p:cNvPr id="72" name="TextBox 71">
+          <p:cNvPr id="12" name="TextBox 11">
             <a:extLst>
               <a:ext uri="{FF2B5EF4-FFF2-40B4-BE49-F238E27FC236}">
-                <a16:creationId xmlns:a16="http://schemas.microsoft.com/office/drawing/2014/main" id="{9CA54CB9-315A-2308-D88A-21C2BFBE73C9}"/>
+                <a16:creationId xmlns:a16="http://schemas.microsoft.com/office/drawing/2014/main" id="{6D24F30B-4D6D-16B5-565F-B1CC9B8F20CD}"/>
               </a:ext>
             </a:extLst>
           </p:cNvPr>
@@ -31871,8 +30754,8 @@
         </p:nvSpPr>
         <p:spPr>
           <a:xfrm>
-            <a:off x="2836469" y="6419773"/>
-            <a:ext cx="2649041" cy="1754326"/>
+            <a:off x="3752260" y="2547558"/>
+            <a:ext cx="3492000" cy="1015663"/>
           </a:xfrm>
           <a:prstGeom prst="rect">
             <a:avLst/>
@@ -31885,28 +30768,31 @@
           </a:bodyPr>
           <a:lstStyle/>
           <a:p>
-            <a:endParaRPr lang="en-US" sz="1200" dirty="0">
-              <a:solidFill>
-                <a:schemeClr val="accent5"/>
-              </a:solidFill>
-            </a:endParaRPr>
-          </a:p>
-          <a:p>
             <a:r>
               <a:rPr lang="en-US" sz="1200" b="1" dirty="0" err="1">
                 <a:latin typeface="Consolas" panose="020B0609020204030204" pitchFamily="49" charset="0"/>
               </a:rPr>
-              <a:t>s.dt.hour</a:t>
-            </a:r>
-            <a:endParaRPr lang="en-US" sz="1200" b="1" dirty="0">
-              <a:latin typeface="Consolas" panose="020B0609020204030204" pitchFamily="49" charset="0"/>
-            </a:endParaRPr>
+              <a:t>df.</a:t>
+            </a:r>
+            <a:r>
+              <a:rPr lang="en-US" sz="1200" b="1" dirty="0" err="1">
+                <a:latin typeface="Consolas" panose="020B0609020204030204" pitchFamily="49" charset="0"/>
+                <a:hlinkClick r:id="rId10"/>
+              </a:rPr>
+              <a:t>plot</a:t>
+            </a:r>
+            <a:r>
+              <a:rPr lang="en-US" sz="1200" b="1" dirty="0">
+                <a:latin typeface="Consolas" panose="020B0609020204030204" pitchFamily="49" charset="0"/>
+              </a:rPr>
+              <a:t>(cumulative=True)</a:t>
+            </a:r>
           </a:p>
           <a:p>
             <a:pPr marL="93600"/>
             <a:r>
               <a:rPr lang="en-US" sz="1200" dirty="0"/>
-              <a:t>Extract the hour.</a:t>
+              <a:t>Creates a cumulative plot</a:t>
             </a:r>
           </a:p>
           <a:p>
@@ -31914,63 +30800,102 @@
               <a:rPr lang="en-US" sz="1200" b="1" dirty="0" err="1">
                 <a:latin typeface="Consolas" panose="020B0609020204030204" pitchFamily="49" charset="0"/>
               </a:rPr>
-              <a:t>s.dt.minute</a:t>
-            </a:r>
-            <a:endParaRPr lang="en-US" sz="1200" b="1" dirty="0">
-              <a:latin typeface="Consolas" panose="020B0609020204030204" pitchFamily="49" charset="0"/>
-            </a:endParaRPr>
+              <a:t>df.</a:t>
+            </a:r>
+            <a:r>
+              <a:rPr lang="en-US" sz="1200" b="1" dirty="0" err="1">
+                <a:latin typeface="Consolas" panose="020B0609020204030204" pitchFamily="49" charset="0"/>
+                <a:hlinkClick r:id="rId10"/>
+              </a:rPr>
+              <a:t>plot</a:t>
+            </a:r>
+            <a:r>
+              <a:rPr lang="en-US" sz="1200" b="1" dirty="0">
+                <a:latin typeface="Consolas" panose="020B0609020204030204" pitchFamily="49" charset="0"/>
+              </a:rPr>
+              <a:t>(bins=30)</a:t>
+            </a:r>
           </a:p>
           <a:p>
             <a:pPr marL="93600"/>
             <a:r>
               <a:rPr lang="en-US" sz="1200" dirty="0"/>
-              <a:t>Extract the minute.</a:t>
-            </a:r>
-          </a:p>
+              <a:t>Set the number of bins into which data is grouped (histograms)</a:t>
+            </a:r>
+          </a:p>
+        </p:txBody>
+      </p:sp>
+      <p:sp>
+        <p:nvSpPr>
+          <p:cNvPr id="14" name="TextBox 13">
+            <a:extLst>
+              <a:ext uri="{FF2B5EF4-FFF2-40B4-BE49-F238E27FC236}">
+                <a16:creationId xmlns:a16="http://schemas.microsoft.com/office/drawing/2014/main" id="{7D5B0F56-AF72-8A94-52CC-FD1210556B4B}"/>
+              </a:ext>
+            </a:extLst>
+          </p:cNvPr>
+          <p:cNvSpPr txBox="1"/>
+          <p:nvPr/>
+        </p:nvSpPr>
+        <p:spPr>
+          <a:xfrm>
+            <a:off x="140667" y="3528756"/>
+            <a:ext cx="10659715" cy="646331"/>
+          </a:xfrm>
+          <a:prstGeom prst="rect">
+            <a:avLst/>
+          </a:prstGeom>
+          <a:noFill/>
+        </p:spPr>
+        <p:txBody>
+          <a:bodyPr wrap="square" rtlCol="0">
+            <a:spAutoFit/>
+          </a:bodyPr>
+          <a:lstStyle/>
           <a:p>
             <a:r>
               <a:rPr lang="en-US" sz="1200" b="1" dirty="0" err="1">
                 <a:latin typeface="Consolas" panose="020B0609020204030204" pitchFamily="49" charset="0"/>
               </a:rPr>
-              <a:t>s.dt.second</a:t>
-            </a:r>
-            <a:endParaRPr lang="en-US" sz="1200" b="1" dirty="0">
-              <a:latin typeface="Consolas" panose="020B0609020204030204" pitchFamily="49" charset="0"/>
-            </a:endParaRPr>
+              <a:t>df.</a:t>
+            </a:r>
+            <a:r>
+              <a:rPr lang="en-US" sz="1200" b="1" dirty="0" err="1">
+                <a:latin typeface="Consolas" panose="020B0609020204030204" pitchFamily="49" charset="0"/>
+                <a:hlinkClick r:id="rId10"/>
+              </a:rPr>
+              <a:t>plot</a:t>
+            </a:r>
+            <a:r>
+              <a:rPr lang="en-US" sz="1200" b="1" dirty="0">
+                <a:latin typeface="Consolas" panose="020B0609020204030204" pitchFamily="49" charset="0"/>
+              </a:rPr>
+              <a:t>(subplots=True, title=['col1', 'col2', 'col3'])</a:t>
+            </a:r>
           </a:p>
           <a:p>
             <a:pPr marL="93600"/>
             <a:r>
               <a:rPr lang="en-US" sz="1200" dirty="0"/>
-              <a:t>Extract the second.</a:t>
-            </a:r>
-          </a:p>
-          <a:p>
-            <a:r>
-              <a:rPr lang="en-US" sz="1200" b="1" dirty="0" err="1">
-                <a:latin typeface="Consolas" panose="020B0609020204030204" pitchFamily="49" charset="0"/>
-              </a:rPr>
-              <a:t>s.dt.quarter</a:t>
-            </a:r>
-            <a:endParaRPr lang="en-US" sz="1200" b="1" dirty="0">
-              <a:latin typeface="Consolas" panose="020B0609020204030204" pitchFamily="49" charset="0"/>
-            </a:endParaRPr>
-          </a:p>
-          <a:p>
-            <a:pPr marL="93600"/>
+              <a:t>Arguments can be combined for more flexibility when graphing, this would plot a separate line graph for of column of a 3-columned </a:t>
+            </a:r>
+            <a:r>
+              <a:rPr lang="en-US" sz="1200" dirty="0" err="1"/>
+              <a:t>DataFrame</a:t>
+            </a:r>
             <a:r>
               <a:rPr lang="en-US" sz="1200" dirty="0"/>
-              <a:t>Extract the quarter of the date</a:t>
+              <a:t>. The first string in the list of titles applies to the graph of the left-most column.</a:t>
             </a:r>
           </a:p>
         </p:txBody>
       </p:sp>
       <p:grpSp>
         <p:nvGrpSpPr>
-          <p:cNvPr id="74" name="Group 73">
+          <p:cNvPr id="78" name="Group 77">
             <a:extLst>
               <a:ext uri="{FF2B5EF4-FFF2-40B4-BE49-F238E27FC236}">
-                <a16:creationId xmlns:a16="http://schemas.microsoft.com/office/drawing/2014/main" id="{5C0D5FA8-39AC-BAB3-0E91-BD173B529193}"/>
+                <a16:creationId xmlns:a16="http://schemas.microsoft.com/office/drawing/2014/main" id="{E88DFEEA-0FA5-E656-FB6C-43B7878D04D3}"/>
               </a:ext>
             </a:extLst>
           </p:cNvPr>
@@ -31979,18 +30904,564 @@
         </p:nvGrpSpPr>
         <p:grpSpPr>
           <a:xfrm>
-            <a:off x="2836225" y="8237055"/>
-            <a:ext cx="2611011" cy="1865578"/>
-            <a:chOff x="123304" y="3045615"/>
-            <a:chExt cx="5321641" cy="1865578"/>
+            <a:off x="5495291" y="4187881"/>
+            <a:ext cx="5305091" cy="3632952"/>
+            <a:chOff x="5495291" y="4187881"/>
+            <a:chExt cx="5305091" cy="3632952"/>
           </a:xfrm>
         </p:grpSpPr>
         <p:sp>
           <p:nvSpPr>
-            <p:cNvPr id="75" name="Rounded Rectangle 80">
+            <p:cNvPr id="77" name="Rounded Rectangle 48">
               <a:extLst>
                 <a:ext uri="{FF2B5EF4-FFF2-40B4-BE49-F238E27FC236}">
-                  <a16:creationId xmlns:a16="http://schemas.microsoft.com/office/drawing/2014/main" id="{3C6C94C1-8EDA-62FF-08C2-803262CDC124}"/>
+                  <a16:creationId xmlns:a16="http://schemas.microsoft.com/office/drawing/2014/main" id="{2C264735-B18D-87B6-15E3-DA28F5F967AE}"/>
+                </a:ext>
+              </a:extLst>
+            </p:cNvPr>
+            <p:cNvSpPr/>
+            <p:nvPr/>
+          </p:nvSpPr>
+          <p:spPr>
+            <a:xfrm>
+              <a:off x="5495291" y="4618646"/>
+              <a:ext cx="5305091" cy="3132000"/>
+            </a:xfrm>
+            <a:prstGeom prst="roundRect">
+              <a:avLst>
+                <a:gd name="adj" fmla="val 1508"/>
+              </a:avLst>
+            </a:prstGeom>
+            <a:solidFill>
+              <a:schemeClr val="accent1">
+                <a:lumMod val="20000"/>
+                <a:lumOff val="80000"/>
+              </a:schemeClr>
+            </a:solidFill>
+          </p:spPr>
+          <p:style>
+            <a:lnRef idx="2">
+              <a:schemeClr val="accent1">
+                <a:shade val="50000"/>
+              </a:schemeClr>
+            </a:lnRef>
+            <a:fillRef idx="1">
+              <a:schemeClr val="accent1"/>
+            </a:fillRef>
+            <a:effectRef idx="0">
+              <a:schemeClr val="accent1"/>
+            </a:effectRef>
+            <a:fontRef idx="minor">
+              <a:schemeClr val="lt1"/>
+            </a:fontRef>
+          </p:style>
+          <p:txBody>
+            <a:bodyPr rtlCol="0" anchor="ctr"/>
+            <a:lstStyle/>
+            <a:p>
+              <a:pPr algn="ctr"/>
+              <a:endParaRPr lang="en-US" sz="2683" dirty="0"/>
+            </a:p>
+          </p:txBody>
+        </p:sp>
+        <p:grpSp>
+          <p:nvGrpSpPr>
+            <p:cNvPr id="56" name="Group 55">
+              <a:extLst>
+                <a:ext uri="{FF2B5EF4-FFF2-40B4-BE49-F238E27FC236}">
+                  <a16:creationId xmlns:a16="http://schemas.microsoft.com/office/drawing/2014/main" id="{B6A38DE3-05EC-CA9A-84BD-274AB0CC0B86}"/>
+                </a:ext>
+              </a:extLst>
+            </p:cNvPr>
+            <p:cNvGrpSpPr/>
+            <p:nvPr/>
+          </p:nvGrpSpPr>
+          <p:grpSpPr>
+            <a:xfrm>
+              <a:off x="5495291" y="4187881"/>
+              <a:ext cx="5305091" cy="3632952"/>
+              <a:chOff x="139854" y="3045615"/>
+              <a:chExt cx="5305091" cy="3632952"/>
+            </a:xfrm>
+          </p:grpSpPr>
+          <p:sp>
+            <p:nvSpPr>
+              <p:cNvPr id="57" name="Rounded Rectangle 80">
+                <a:extLst>
+                  <a:ext uri="{FF2B5EF4-FFF2-40B4-BE49-F238E27FC236}">
+                    <a16:creationId xmlns:a16="http://schemas.microsoft.com/office/drawing/2014/main" id="{22974F59-49A2-AE72-7FBA-5884B871D2C6}"/>
+                  </a:ext>
+                </a:extLst>
+              </p:cNvPr>
+              <p:cNvSpPr/>
+              <p:nvPr/>
+            </p:nvSpPr>
+            <p:spPr>
+              <a:xfrm>
+                <a:off x="139854" y="3045615"/>
+                <a:ext cx="5305091" cy="461665"/>
+              </a:xfrm>
+              <a:prstGeom prst="roundRect">
+                <a:avLst/>
+              </a:prstGeom>
+            </p:spPr>
+            <p:style>
+              <a:lnRef idx="2">
+                <a:schemeClr val="accent1">
+                  <a:shade val="50000"/>
+                </a:schemeClr>
+              </a:lnRef>
+              <a:fillRef idx="1">
+                <a:schemeClr val="accent1"/>
+              </a:fillRef>
+              <a:effectRef idx="0">
+                <a:schemeClr val="accent1"/>
+              </a:effectRef>
+              <a:fontRef idx="minor">
+                <a:schemeClr val="lt1"/>
+              </a:fontRef>
+            </p:style>
+            <p:txBody>
+              <a:bodyPr rtlCol="0" anchor="ctr"/>
+              <a:lstStyle/>
+              <a:p>
+                <a:pPr algn="ctr"/>
+                <a:r>
+                  <a:rPr lang="en-US" sz="2800" b="1" dirty="0">
+                    <a:solidFill>
+                      <a:schemeClr val="bg1"/>
+                    </a:solidFill>
+                  </a:rPr>
+                  <a:t>Series String Operations</a:t>
+                </a:r>
+              </a:p>
+            </p:txBody>
+          </p:sp>
+          <p:sp>
+            <p:nvSpPr>
+              <p:cNvPr id="58" name="TextBox 57">
+                <a:extLst>
+                  <a:ext uri="{FF2B5EF4-FFF2-40B4-BE49-F238E27FC236}">
+                    <a16:creationId xmlns:a16="http://schemas.microsoft.com/office/drawing/2014/main" id="{EE72E99E-B519-1022-DB85-C048621814A3}"/>
+                  </a:ext>
+                </a:extLst>
+              </p:cNvPr>
+              <p:cNvSpPr txBox="1"/>
+              <p:nvPr/>
+            </p:nvSpPr>
+            <p:spPr>
+              <a:xfrm>
+                <a:off x="139854" y="3816245"/>
+                <a:ext cx="2654146" cy="2862322"/>
+              </a:xfrm>
+              <a:prstGeom prst="rect">
+                <a:avLst/>
+              </a:prstGeom>
+              <a:noFill/>
+            </p:spPr>
+            <p:txBody>
+              <a:bodyPr wrap="square" rtlCol="0">
+                <a:spAutoFit/>
+              </a:bodyPr>
+              <a:lstStyle/>
+              <a:p>
+                <a:r>
+                  <a:rPr lang="en-US" sz="1200" b="1" dirty="0" err="1">
+                    <a:latin typeface="Consolas" panose="020B0609020204030204" pitchFamily="49" charset="0"/>
+                  </a:rPr>
+                  <a:t>s.str.</a:t>
+                </a:r>
+                <a:r>
+                  <a:rPr lang="en-US" sz="1200" b="1" dirty="0" err="1">
+                    <a:latin typeface="Consolas" panose="020B0609020204030204" pitchFamily="49" charset="0"/>
+                    <a:hlinkClick r:id="rId36"/>
+                  </a:rPr>
+                  <a:t>count</a:t>
+                </a:r>
+                <a:r>
+                  <a:rPr lang="en-US" sz="1200" b="1" dirty="0">
+                    <a:latin typeface="Consolas" panose="020B0609020204030204" pitchFamily="49" charset="0"/>
+                  </a:rPr>
+                  <a:t>(pattern)</a:t>
+                </a:r>
+              </a:p>
+              <a:p>
+                <a:pPr marL="93600"/>
+                <a:r>
+                  <a:rPr lang="en-US" sz="1200" dirty="0"/>
+                  <a:t>Returns a series with the integer counts in each element.</a:t>
+                </a:r>
+              </a:p>
+              <a:p>
+                <a:r>
+                  <a:rPr lang="en-US" sz="1200" b="1" dirty="0" err="1">
+                    <a:latin typeface="Consolas" panose="020B0609020204030204" pitchFamily="49" charset="0"/>
+                  </a:rPr>
+                  <a:t>s.str.</a:t>
+                </a:r>
+                <a:r>
+                  <a:rPr lang="en-US" sz="1200" b="1" dirty="0" err="1">
+                    <a:latin typeface="Consolas" panose="020B0609020204030204" pitchFamily="49" charset="0"/>
+                    <a:hlinkClick r:id="rId37"/>
+                  </a:rPr>
+                  <a:t>get</a:t>
+                </a:r>
+                <a:r>
+                  <a:rPr lang="en-US" sz="1200" b="1" dirty="0">
+                    <a:latin typeface="Consolas" panose="020B0609020204030204" pitchFamily="49" charset="0"/>
+                  </a:rPr>
+                  <a:t>(index)</a:t>
+                </a:r>
+              </a:p>
+              <a:p>
+                <a:pPr marL="93600"/>
+                <a:r>
+                  <a:rPr lang="en-US" sz="1200" dirty="0"/>
+                  <a:t>Returns a series with the data at the given index for each element.</a:t>
+                </a:r>
+              </a:p>
+              <a:p>
+                <a:r>
+                  <a:rPr lang="en-US" sz="1200" b="1" dirty="0" err="1">
+                    <a:latin typeface="Consolas" panose="020B0609020204030204" pitchFamily="49" charset="0"/>
+                  </a:rPr>
+                  <a:t>s.str.</a:t>
+                </a:r>
+                <a:r>
+                  <a:rPr lang="en-US" sz="1200" b="1" dirty="0" err="1">
+                    <a:latin typeface="Consolas" panose="020B0609020204030204" pitchFamily="49" charset="0"/>
+                    <a:hlinkClick r:id="rId38"/>
+                  </a:rPr>
+                  <a:t>join</a:t>
+                </a:r>
+                <a:r>
+                  <a:rPr lang="en-US" sz="1200" b="1" dirty="0">
+                    <a:latin typeface="Consolas" panose="020B0609020204030204" pitchFamily="49" charset="0"/>
+                  </a:rPr>
+                  <a:t>(</a:t>
+                </a:r>
+                <a:r>
+                  <a:rPr lang="en-US" sz="1200" b="1" dirty="0" err="1">
+                    <a:latin typeface="Consolas" panose="020B0609020204030204" pitchFamily="49" charset="0"/>
+                  </a:rPr>
+                  <a:t>sep</a:t>
+                </a:r>
+                <a:r>
+                  <a:rPr lang="en-US" sz="1200" b="1" dirty="0">
+                    <a:latin typeface="Consolas" panose="020B0609020204030204" pitchFamily="49" charset="0"/>
+                  </a:rPr>
+                  <a:t>)</a:t>
+                </a:r>
+              </a:p>
+              <a:p>
+                <a:pPr marL="93600"/>
+                <a:r>
+                  <a:rPr lang="en-US" sz="1200" dirty="0"/>
+                  <a:t>Returns a series where each element has been concatenated.</a:t>
+                </a:r>
+              </a:p>
+              <a:p>
+                <a:r>
+                  <a:rPr lang="en-US" sz="1200" b="1" dirty="0" err="1">
+                    <a:latin typeface="Consolas" panose="020B0609020204030204" pitchFamily="49" charset="0"/>
+                  </a:rPr>
+                  <a:t>s.str.</a:t>
+                </a:r>
+                <a:r>
+                  <a:rPr lang="en-US" sz="1200" b="1" dirty="0" err="1">
+                    <a:latin typeface="Consolas" panose="020B0609020204030204" pitchFamily="49" charset="0"/>
+                    <a:hlinkClick r:id="rId39"/>
+                  </a:rPr>
+                  <a:t>title</a:t>
+                </a:r>
+                <a:r>
+                  <a:rPr lang="en-US" sz="1200" b="1" dirty="0">
+                    <a:latin typeface="Consolas" panose="020B0609020204030204" pitchFamily="49" charset="0"/>
+                  </a:rPr>
+                  <a:t>()</a:t>
+                </a:r>
+              </a:p>
+              <a:p>
+                <a:pPr marL="93600"/>
+                <a:r>
+                  <a:rPr lang="en-US" sz="1200" dirty="0"/>
+                  <a:t>Converts the first character of each word to be a capital.</a:t>
+                </a:r>
+              </a:p>
+              <a:p>
+                <a:r>
+                  <a:rPr lang="en-US" sz="1200" b="1" dirty="0" err="1">
+                    <a:latin typeface="Consolas" panose="020B0609020204030204" pitchFamily="49" charset="0"/>
+                  </a:rPr>
+                  <a:t>s.str.</a:t>
+                </a:r>
+                <a:r>
+                  <a:rPr lang="en-US" sz="1200" b="1" dirty="0" err="1">
+                    <a:latin typeface="Consolas" panose="020B0609020204030204" pitchFamily="49" charset="0"/>
+                    <a:hlinkClick r:id="rId40"/>
+                  </a:rPr>
+                  <a:t>len</a:t>
+                </a:r>
+                <a:r>
+                  <a:rPr lang="en-US" sz="1200" b="1" dirty="0">
+                    <a:latin typeface="Consolas" panose="020B0609020204030204" pitchFamily="49" charset="0"/>
+                  </a:rPr>
+                  <a:t>()</a:t>
+                </a:r>
+              </a:p>
+              <a:p>
+                <a:pPr marL="93600"/>
+                <a:r>
+                  <a:rPr lang="en-US" sz="1200" dirty="0"/>
+                  <a:t>Returns a series with the lengths of each element.</a:t>
+                </a:r>
+              </a:p>
+            </p:txBody>
+          </p:sp>
+          <p:sp>
+            <p:nvSpPr>
+              <p:cNvPr id="62" name="TextBox 61">
+                <a:extLst>
+                  <a:ext uri="{FF2B5EF4-FFF2-40B4-BE49-F238E27FC236}">
+                    <a16:creationId xmlns:a16="http://schemas.microsoft.com/office/drawing/2014/main" id="{140AE2C8-F53F-EBA5-8F37-CE9FBA2F47EB}"/>
+                  </a:ext>
+                </a:extLst>
+              </p:cNvPr>
+              <p:cNvSpPr txBox="1"/>
+              <p:nvPr/>
+            </p:nvSpPr>
+            <p:spPr>
+              <a:xfrm>
+                <a:off x="2790799" y="3816245"/>
+                <a:ext cx="2654146" cy="2862322"/>
+              </a:xfrm>
+              <a:prstGeom prst="rect">
+                <a:avLst/>
+              </a:prstGeom>
+              <a:noFill/>
+            </p:spPr>
+            <p:txBody>
+              <a:bodyPr wrap="square" rtlCol="0">
+                <a:spAutoFit/>
+              </a:bodyPr>
+              <a:lstStyle/>
+              <a:p>
+                <a:r>
+                  <a:rPr lang="en-US" sz="1200" b="1" dirty="0">
+                    <a:latin typeface="Consolas" panose="020B0609020204030204" pitchFamily="49" charset="0"/>
+                  </a:rPr>
+                  <a:t>s.str.</a:t>
+                </a:r>
+                <a:r>
+                  <a:rPr lang="en-US" sz="1200" b="1" dirty="0">
+                    <a:latin typeface="Consolas" panose="020B0609020204030204" pitchFamily="49" charset="0"/>
+                    <a:hlinkClick r:id="rId41"/>
+                  </a:rPr>
+                  <a:t>cat</a:t>
+                </a:r>
+                <a:r>
+                  <a:rPr lang="en-US" sz="1200" b="1" dirty="0">
+                    <a:latin typeface="Consolas" panose="020B0609020204030204" pitchFamily="49" charset="0"/>
+                  </a:rPr>
+                  <a:t>()</a:t>
+                </a:r>
+              </a:p>
+              <a:p>
+                <a:pPr marL="93600"/>
+                <a:r>
+                  <a:rPr lang="en-US" sz="1200" dirty="0"/>
+                  <a:t>Concatenate elements into a single string</a:t>
+                </a:r>
+              </a:p>
+              <a:p>
+                <a:r>
+                  <a:rPr lang="en-US" sz="1200" b="1" dirty="0" err="1">
+                    <a:latin typeface="Consolas" panose="020B0609020204030204" pitchFamily="49" charset="0"/>
+                  </a:rPr>
+                  <a:t>s.str.</a:t>
+                </a:r>
+                <a:r>
+                  <a:rPr lang="en-US" sz="1200" b="1" dirty="0" err="1">
+                    <a:latin typeface="Consolas" panose="020B0609020204030204" pitchFamily="49" charset="0"/>
+                    <a:hlinkClick r:id="rId42"/>
+                  </a:rPr>
+                  <a:t>partition</a:t>
+                </a:r>
+                <a:r>
+                  <a:rPr lang="en-US" sz="1200" b="1" dirty="0">
+                    <a:latin typeface="Consolas" panose="020B0609020204030204" pitchFamily="49" charset="0"/>
+                  </a:rPr>
+                  <a:t>(</a:t>
+                </a:r>
+                <a:r>
+                  <a:rPr lang="en-US" sz="1200" b="1" dirty="0" err="1">
+                    <a:latin typeface="Consolas" panose="020B0609020204030204" pitchFamily="49" charset="0"/>
+                  </a:rPr>
+                  <a:t>sep</a:t>
+                </a:r>
+                <a:r>
+                  <a:rPr lang="en-US" sz="1200" b="1" dirty="0">
+                    <a:latin typeface="Consolas" panose="020B0609020204030204" pitchFamily="49" charset="0"/>
+                  </a:rPr>
+                  <a:t>)</a:t>
+                </a:r>
+              </a:p>
+              <a:p>
+                <a:pPr marL="93600"/>
+                <a:r>
+                  <a:rPr lang="en-US" sz="1200" dirty="0"/>
+                  <a:t>Splits the string on the first instance of the separator</a:t>
+                </a:r>
+              </a:p>
+              <a:p>
+                <a:r>
+                  <a:rPr lang="en-US" sz="1200" b="1" dirty="0" err="1">
+                    <a:latin typeface="Consolas" panose="020B0609020204030204" pitchFamily="49" charset="0"/>
+                  </a:rPr>
+                  <a:t>s.str.</a:t>
+                </a:r>
+                <a:r>
+                  <a:rPr lang="en-US" sz="1200" b="1" dirty="0" err="1">
+                    <a:latin typeface="Consolas" panose="020B0609020204030204" pitchFamily="49" charset="0"/>
+                    <a:hlinkClick r:id="rId43"/>
+                  </a:rPr>
+                  <a:t>slice</a:t>
+                </a:r>
+                <a:r>
+                  <a:rPr lang="en-US" sz="1200" b="1" dirty="0">
+                    <a:latin typeface="Consolas" panose="020B0609020204030204" pitchFamily="49" charset="0"/>
+                  </a:rPr>
+                  <a:t>(start, stop, step)</a:t>
+                </a:r>
+              </a:p>
+              <a:p>
+                <a:pPr marL="93600"/>
+                <a:r>
+                  <a:rPr lang="en-US" sz="1200" dirty="0"/>
+                  <a:t>Slices each string</a:t>
+                </a:r>
+              </a:p>
+              <a:p>
+                <a:r>
+                  <a:rPr lang="en-US" sz="1200" b="1" dirty="0" err="1">
+                    <a:latin typeface="Consolas" panose="020B0609020204030204" pitchFamily="49" charset="0"/>
+                  </a:rPr>
+                  <a:t>s.str.</a:t>
+                </a:r>
+                <a:r>
+                  <a:rPr lang="en-US" sz="1200" b="1" dirty="0" err="1">
+                    <a:latin typeface="Consolas" panose="020B0609020204030204" pitchFamily="49" charset="0"/>
+                    <a:hlinkClick r:id="rId44"/>
+                  </a:rPr>
+                  <a:t>replace</a:t>
+                </a:r>
+                <a:r>
+                  <a:rPr lang="en-US" sz="1200" b="1" dirty="0">
+                    <a:latin typeface="Consolas" panose="020B0609020204030204" pitchFamily="49" charset="0"/>
+                  </a:rPr>
+                  <a:t>(pat, rep)</a:t>
+                </a:r>
+              </a:p>
+              <a:p>
+                <a:pPr marL="93600"/>
+                <a:r>
+                  <a:rPr lang="en-US" sz="1200" dirty="0"/>
+                  <a:t>Use regex to replace patterns in each string.</a:t>
+                </a:r>
+              </a:p>
+              <a:p>
+                <a:r>
+                  <a:rPr lang="en-US" sz="1200" b="1" dirty="0" err="1">
+                    <a:latin typeface="Consolas" panose="020B0609020204030204" pitchFamily="49" charset="0"/>
+                  </a:rPr>
+                  <a:t>s.str.</a:t>
+                </a:r>
+                <a:r>
+                  <a:rPr lang="en-US" sz="1200" b="1" dirty="0" err="1">
+                    <a:latin typeface="Consolas" panose="020B0609020204030204" pitchFamily="49" charset="0"/>
+                    <a:hlinkClick r:id="rId45"/>
+                  </a:rPr>
+                  <a:t>isalnum</a:t>
+                </a:r>
+                <a:r>
+                  <a:rPr lang="en-US" sz="1200" b="1" dirty="0">
+                    <a:latin typeface="Consolas" panose="020B0609020204030204" pitchFamily="49" charset="0"/>
+                  </a:rPr>
+                  <a:t>()</a:t>
+                </a:r>
+              </a:p>
+              <a:p>
+                <a:pPr marL="93600"/>
+                <a:r>
+                  <a:rPr lang="en-US" sz="1200" dirty="0"/>
+                  <a:t>Checks whether each element is alpha-numeric</a:t>
+                </a:r>
+              </a:p>
+            </p:txBody>
+          </p:sp>
+          <p:sp>
+            <p:nvSpPr>
+              <p:cNvPr id="64" name="TextBox 63">
+                <a:extLst>
+                  <a:ext uri="{FF2B5EF4-FFF2-40B4-BE49-F238E27FC236}">
+                    <a16:creationId xmlns:a16="http://schemas.microsoft.com/office/drawing/2014/main" id="{3E73FD19-8460-E272-6181-C2631BDBE3AD}"/>
+                  </a:ext>
+                </a:extLst>
+              </p:cNvPr>
+              <p:cNvSpPr txBox="1"/>
+              <p:nvPr/>
+            </p:nvSpPr>
+            <p:spPr>
+              <a:xfrm>
+                <a:off x="139854" y="3513231"/>
+                <a:ext cx="5305091" cy="461665"/>
+              </a:xfrm>
+              <a:prstGeom prst="rect">
+                <a:avLst/>
+              </a:prstGeom>
+              <a:noFill/>
+            </p:spPr>
+            <p:txBody>
+              <a:bodyPr wrap="square" rtlCol="0">
+                <a:spAutoFit/>
+              </a:bodyPr>
+              <a:lstStyle/>
+              <a:p>
+                <a:r>
+                  <a:rPr lang="en-US" sz="1200" dirty="0"/>
+                  <a:t>Similar to python string operations, except these are vectorized to apply to the entire Series efficiently.</a:t>
+                </a:r>
+              </a:p>
+            </p:txBody>
+          </p:sp>
+        </p:grpSp>
+      </p:grpSp>
+      <p:grpSp>
+        <p:nvGrpSpPr>
+          <p:cNvPr id="66" name="Group 65">
+            <a:extLst>
+              <a:ext uri="{FF2B5EF4-FFF2-40B4-BE49-F238E27FC236}">
+                <a16:creationId xmlns:a16="http://schemas.microsoft.com/office/drawing/2014/main" id="{723DD55A-6D4F-4125-C823-F3B5B3ADE67B}"/>
+              </a:ext>
+            </a:extLst>
+          </p:cNvPr>
+          <p:cNvGrpSpPr/>
+          <p:nvPr/>
+        </p:nvGrpSpPr>
+        <p:grpSpPr>
+          <a:xfrm>
+            <a:off x="140669" y="4184606"/>
+            <a:ext cx="5305091" cy="2321756"/>
+            <a:chOff x="139854" y="3045615"/>
+            <a:chExt cx="5305091" cy="2321756"/>
+          </a:xfrm>
+        </p:grpSpPr>
+        <p:sp>
+          <p:nvSpPr>
+            <p:cNvPr id="67" name="Rounded Rectangle 80">
+              <a:extLst>
+                <a:ext uri="{FF2B5EF4-FFF2-40B4-BE49-F238E27FC236}">
+                  <a16:creationId xmlns:a16="http://schemas.microsoft.com/office/drawing/2014/main" id="{A5E842E6-4526-202F-B621-BC165A1B6376}"/>
                 </a:ext>
               </a:extLst>
             </p:cNvPr>
@@ -32032,30 +31503,18 @@
                   <a:solidFill>
                     <a:schemeClr val="bg1"/>
                   </a:solidFill>
-                  <a:hlinkClick r:id="rId45">
-                    <a:extLst>
-                      <a:ext uri="{A12FA001-AC4F-418D-AE19-62706E023703}">
-                        <ahyp:hlinkClr xmlns:ahyp="http://schemas.microsoft.com/office/drawing/2018/hyperlinkcolor" val="tx"/>
-                      </a:ext>
-                    </a:extLst>
-                  </a:hlinkClick>
                 </a:rPr>
-                <a:t>Pivot Tables</a:t>
+                <a:t>Changing Type</a:t>
               </a:r>
-              <a:endParaRPr lang="en-US" sz="2800" b="1" dirty="0">
-                <a:solidFill>
-                  <a:schemeClr val="bg1"/>
-                </a:solidFill>
-              </a:endParaRPr>
             </a:p>
           </p:txBody>
         </p:sp>
         <p:sp>
           <p:nvSpPr>
-            <p:cNvPr id="76" name="TextBox 75">
+            <p:cNvPr id="70" name="TextBox 69">
               <a:extLst>
                 <a:ext uri="{FF2B5EF4-FFF2-40B4-BE49-F238E27FC236}">
-                  <a16:creationId xmlns:a16="http://schemas.microsoft.com/office/drawing/2014/main" id="{56CACD81-CA04-5925-4C01-B6D62B9B228C}"/>
+                  <a16:creationId xmlns:a16="http://schemas.microsoft.com/office/drawing/2014/main" id="{9AA3EAA8-0C5D-C222-489A-793708C1E1B1}"/>
                 </a:ext>
               </a:extLst>
             </p:cNvPr>
@@ -32064,8 +31523,8 @@
           </p:nvSpPr>
           <p:spPr>
             <a:xfrm>
-              <a:off x="123304" y="4080196"/>
-              <a:ext cx="5305089" cy="830997"/>
+              <a:off x="139854" y="3613045"/>
+              <a:ext cx="2654146" cy="1754326"/>
             </a:xfrm>
             <a:prstGeom prst="rect">
               <a:avLst/>
@@ -32089,689 +31548,584 @@
                   <a:latin typeface="Consolas" panose="020B0609020204030204" pitchFamily="49" charset="0"/>
                   <a:hlinkClick r:id="rId46"/>
                 </a:rPr>
-                <a:t>pivot_table</a:t>
+                <a:t>to_numeric</a:t>
               </a:r>
               <a:r>
                 <a:rPr lang="en-US" sz="1200" b="1" dirty="0">
                   <a:latin typeface="Consolas" panose="020B0609020204030204" pitchFamily="49" charset="0"/>
                 </a:rPr>
-                <a:t>(</a:t>
-              </a:r>
-              <a:r>
-                <a:rPr lang="en-US" sz="1200" b="1" dirty="0" err="1">
-                  <a:latin typeface="Consolas" panose="020B0609020204030204" pitchFamily="49" charset="0"/>
-                </a:rPr>
-                <a:t>df</a:t>
-              </a:r>
-              <a:r>
-                <a:rPr lang="en-US" sz="1200" b="1" dirty="0">
-                  <a:latin typeface="Consolas" panose="020B0609020204030204" pitchFamily="49" charset="0"/>
-                </a:rPr>
-                <a:t>, values, index, columns, </a:t>
-              </a:r>
-              <a:r>
-                <a:rPr lang="en-US" sz="1200" b="1" dirty="0" err="1">
-                  <a:latin typeface="Consolas" panose="020B0609020204030204" pitchFamily="49" charset="0"/>
-                </a:rPr>
-                <a:t>aggfunc</a:t>
-              </a:r>
-              <a:r>
-                <a:rPr lang="en-US" sz="1200" b="1" dirty="0">
-                  <a:latin typeface="Consolas" panose="020B0609020204030204" pitchFamily="49" charset="0"/>
-                </a:rPr>
-                <a:t>)</a:t>
+                <a:t>(data)</a:t>
               </a:r>
             </a:p>
             <a:p>
               <a:pPr marL="93600"/>
               <a:r>
                 <a:rPr lang="en-US" sz="1200" dirty="0"/>
-                <a:t>Creates a pivot table from the given </a:t>
+                <a:t>convert non-numeric types to numeric. </a:t>
+              </a:r>
+            </a:p>
+            <a:p>
+              <a:r>
+                <a:rPr lang="en-US" sz="1200" b="1" dirty="0" err="1">
+                  <a:latin typeface="Consolas" panose="020B0609020204030204" pitchFamily="49" charset="0"/>
+                </a:rPr>
+                <a:t>pd.</a:t>
+              </a:r>
+              <a:r>
+                <a:rPr lang="en-US" sz="1200" b="1" dirty="0" err="1">
+                  <a:latin typeface="Consolas" panose="020B0609020204030204" pitchFamily="49" charset="0"/>
+                  <a:hlinkClick r:id="rId47"/>
+                </a:rPr>
+                <a:t>to_datetime</a:t>
+              </a:r>
+              <a:r>
+                <a:rPr lang="en-US" sz="1200" b="1" dirty="0">
+                  <a:latin typeface="Consolas" panose="020B0609020204030204" pitchFamily="49" charset="0"/>
+                </a:rPr>
+                <a:t>(data)</a:t>
+              </a:r>
+            </a:p>
+            <a:p>
+              <a:pPr marL="93600"/>
+              <a:r>
+                <a:rPr lang="en-US" sz="1200" dirty="0"/>
+                <a:t>convert non-datetime types to datetime type</a:t>
+              </a:r>
+            </a:p>
+            <a:p>
+              <a:r>
+                <a:rPr lang="en-US" sz="1200" b="1" dirty="0" err="1">
+                  <a:latin typeface="Consolas" panose="020B0609020204030204" pitchFamily="49" charset="0"/>
+                </a:rPr>
+                <a:t>pd.</a:t>
+              </a:r>
+              <a:r>
+                <a:rPr lang="en-US" sz="1200" b="1" dirty="0" err="1">
+                  <a:latin typeface="Consolas" panose="020B0609020204030204" pitchFamily="49" charset="0"/>
+                  <a:hlinkClick r:id="rId48"/>
+                </a:rPr>
+                <a:t>to_timedelta</a:t>
+              </a:r>
+              <a:r>
+                <a:rPr lang="en-US" sz="1200" b="1" dirty="0">
+                  <a:latin typeface="Consolas" panose="020B0609020204030204" pitchFamily="49" charset="0"/>
+                </a:rPr>
+                <a:t>(data)</a:t>
+              </a:r>
+            </a:p>
+            <a:p>
+              <a:pPr marL="93600"/>
+              <a:r>
+                <a:rPr lang="en-US" sz="1200" dirty="0"/>
+                <a:t>convert non- </a:t>
               </a:r>
               <a:r>
                 <a:rPr lang="en-US" sz="1200" dirty="0" err="1"/>
-                <a:t>dataframe</a:t>
+                <a:t>timedelta</a:t>
               </a:r>
               <a:r>
                 <a:rPr lang="en-US" sz="1200" dirty="0"/>
-                <a:t>.</a:t>
+                <a:t> types to </a:t>
               </a:r>
+              <a:r>
+                <a:rPr lang="en-US" sz="1200" dirty="0" err="1"/>
+                <a:t>timedelta</a:t>
+              </a:r>
+              <a:endParaRPr lang="en-US" sz="1200" dirty="0"/>
+            </a:p>
+          </p:txBody>
+        </p:sp>
+        <p:sp>
+          <p:nvSpPr>
+            <p:cNvPr id="73" name="TextBox 72">
+              <a:extLst>
+                <a:ext uri="{FF2B5EF4-FFF2-40B4-BE49-F238E27FC236}">
+                  <a16:creationId xmlns:a16="http://schemas.microsoft.com/office/drawing/2014/main" id="{76761F18-E4DC-228A-20CB-87FAE256A0E2}"/>
+                </a:ext>
+              </a:extLst>
+            </p:cNvPr>
+            <p:cNvSpPr txBox="1"/>
+            <p:nvPr/>
+          </p:nvSpPr>
+          <p:spPr>
+            <a:xfrm>
+              <a:off x="2790799" y="3613045"/>
+              <a:ext cx="2654146" cy="1754326"/>
+            </a:xfrm>
+            <a:prstGeom prst="rect">
+              <a:avLst/>
+            </a:prstGeom>
+            <a:noFill/>
+          </p:spPr>
+          <p:txBody>
+            <a:bodyPr wrap="square" rtlCol="0">
+              <a:spAutoFit/>
+            </a:bodyPr>
+            <a:lstStyle/>
+            <a:p>
+              <a:r>
+                <a:rPr lang="en-US" sz="1200" b="1" dirty="0" err="1">
+                  <a:latin typeface="Consolas" panose="020B0609020204030204" pitchFamily="49" charset="0"/>
+                </a:rPr>
+                <a:t>df.</a:t>
+              </a:r>
+              <a:r>
+                <a:rPr lang="en-US" sz="1200" b="1" dirty="0" err="1">
+                  <a:latin typeface="Consolas" panose="020B0609020204030204" pitchFamily="49" charset="0"/>
+                  <a:hlinkClick r:id="rId49"/>
+                </a:rPr>
+                <a:t>as_type</a:t>
+              </a:r>
+              <a:r>
+                <a:rPr lang="en-US" sz="1200" b="1" dirty="0">
+                  <a:latin typeface="Consolas" panose="020B0609020204030204" pitchFamily="49" charset="0"/>
+                </a:rPr>
+                <a:t>(type)</a:t>
+              </a:r>
+            </a:p>
+            <a:p>
+              <a:pPr marL="93600"/>
+              <a:r>
+                <a:rPr lang="en-US" sz="1200" dirty="0"/>
+                <a:t>convert data to (almost) any given type including categorical</a:t>
+              </a:r>
+            </a:p>
+            <a:p>
+              <a:r>
+                <a:rPr lang="en-US" sz="1200" b="1" dirty="0" err="1">
+                  <a:latin typeface="Consolas" panose="020B0609020204030204" pitchFamily="49" charset="0"/>
+                </a:rPr>
+                <a:t>df.</a:t>
+              </a:r>
+              <a:r>
+                <a:rPr lang="en-US" sz="1200" b="1" dirty="0" err="1">
+                  <a:latin typeface="Consolas" panose="020B0609020204030204" pitchFamily="49" charset="0"/>
+                  <a:hlinkClick r:id="rId50"/>
+                </a:rPr>
+                <a:t>infer_objects</a:t>
+              </a:r>
+              <a:r>
+                <a:rPr lang="en-US" sz="1200" b="1" dirty="0">
+                  <a:latin typeface="Consolas" panose="020B0609020204030204" pitchFamily="49" charset="0"/>
+                </a:rPr>
+                <a:t>()</a:t>
+              </a:r>
+            </a:p>
+            <a:p>
+              <a:pPr marL="93600"/>
+              <a:r>
+                <a:rPr lang="en-US" sz="1200" dirty="0"/>
+                <a:t>attempts to infer a better type for object type data.</a:t>
+              </a:r>
+            </a:p>
+            <a:p>
+              <a:r>
+                <a:rPr lang="en-US" sz="1200" b="1" dirty="0" err="1">
+                  <a:latin typeface="Consolas" panose="020B0609020204030204" pitchFamily="49" charset="0"/>
+                </a:rPr>
+                <a:t>df.</a:t>
+              </a:r>
+              <a:r>
+                <a:rPr lang="en-US" sz="1200" b="1" dirty="0" err="1">
+                  <a:latin typeface="Consolas" panose="020B0609020204030204" pitchFamily="49" charset="0"/>
+                  <a:hlinkClick r:id="rId51"/>
+                </a:rPr>
+                <a:t>convert_dtypes</a:t>
+              </a:r>
+              <a:r>
+                <a:rPr lang="en-US" sz="1200" b="1" dirty="0">
+                  <a:latin typeface="Consolas" panose="020B0609020204030204" pitchFamily="49" charset="0"/>
+                </a:rPr>
+                <a:t>()</a:t>
+              </a:r>
+            </a:p>
+            <a:p>
+              <a:pPr marL="93600"/>
+              <a:r>
+                <a:rPr lang="en-US" sz="1200" dirty="0"/>
+                <a:t>convert columns to best possible </a:t>
+              </a:r>
+              <a:r>
+                <a:rPr lang="en-US" sz="1200" dirty="0" err="1"/>
+                <a:t>dtypes</a:t>
+              </a:r>
+              <a:endParaRPr lang="en-US" sz="1200" dirty="0"/>
             </a:p>
           </p:txBody>
         </p:sp>
       </p:grpSp>
-      <p:graphicFrame>
-        <p:nvGraphicFramePr>
-          <p:cNvPr id="79" name="Table 78">
+      <p:grpSp>
+        <p:nvGrpSpPr>
+          <p:cNvPr id="91" name="Group 90">
             <a:extLst>
               <a:ext uri="{FF2B5EF4-FFF2-40B4-BE49-F238E27FC236}">
-                <a16:creationId xmlns:a16="http://schemas.microsoft.com/office/drawing/2014/main" id="{8379014E-BE82-EA0A-02D2-A4EA1A936C4D}"/>
+                <a16:creationId xmlns:a16="http://schemas.microsoft.com/office/drawing/2014/main" id="{A017D6B9-847C-822B-100E-D42389B3E182}"/>
               </a:ext>
             </a:extLst>
           </p:cNvPr>
-          <p:cNvGraphicFramePr>
-            <a:graphicFrameLocks noGrp="1"/>
-          </p:cNvGraphicFramePr>
-          <p:nvPr>
-            <p:extLst>
-              <p:ext uri="{D42A27DB-BD31-4B8C-83A1-F6EECF244321}">
-                <p14:modId xmlns:p14="http://schemas.microsoft.com/office/powerpoint/2010/main" val="965934937"/>
-              </p:ext>
-            </p:extLst>
-          </p:nvPr>
-        </p:nvGraphicFramePr>
-        <p:xfrm>
-          <a:off x="2984263" y="10120672"/>
-          <a:ext cx="822960" cy="548640"/>
-        </p:xfrm>
-        <a:graphic>
-          <a:graphicData uri="http://schemas.openxmlformats.org/drawingml/2006/table">
-            <a:tbl>
-              <a:tblPr bandRow="1">
-                <a:tableStyleId>{5C22544A-7EE6-4342-B048-85BDC9FD1C3A}</a:tableStyleId>
-              </a:tblPr>
-              <a:tblGrid>
-                <a:gridCol w="274320">
-                  <a:extLst>
-                    <a:ext uri="{9D8B030D-6E8A-4147-A177-3AD203B41FA5}">
-                      <a16:colId xmlns:a16="http://schemas.microsoft.com/office/drawing/2014/main" val="20000"/>
-                    </a:ext>
-                  </a:extLst>
-                </a:gridCol>
-                <a:gridCol w="274320">
-                  <a:extLst>
-                    <a:ext uri="{9D8B030D-6E8A-4147-A177-3AD203B41FA5}">
-                      <a16:colId xmlns:a16="http://schemas.microsoft.com/office/drawing/2014/main" val="20001"/>
-                    </a:ext>
-                  </a:extLst>
-                </a:gridCol>
-                <a:gridCol w="274320">
-                  <a:extLst>
-                    <a:ext uri="{9D8B030D-6E8A-4147-A177-3AD203B41FA5}">
-                      <a16:colId xmlns:a16="http://schemas.microsoft.com/office/drawing/2014/main" val="20002"/>
-                    </a:ext>
-                  </a:extLst>
-                </a:gridCol>
-              </a:tblGrid>
-              <a:tr h="137160">
-                <a:tc>
-                  <a:txBody>
-                    <a:bodyPr/>
-                    <a:lstStyle/>
-                    <a:p>
-                      <a:endParaRPr lang="en-US" sz="500" dirty="0"/>
-                    </a:p>
-                  </a:txBody>
-                  <a:tcPr marL="0" marR="0" marT="0" marB="0">
-                    <a:solidFill>
-                      <a:schemeClr val="bg2">
-                        <a:lumMod val="75000"/>
-                      </a:schemeClr>
-                    </a:solidFill>
-                  </a:tcPr>
-                </a:tc>
-                <a:tc>
-                  <a:txBody>
-                    <a:bodyPr/>
-                    <a:lstStyle/>
-                    <a:p>
-                      <a:endParaRPr lang="en-US" sz="500" dirty="0"/>
-                    </a:p>
-                  </a:txBody>
-                  <a:tcPr marL="0" marR="0" marT="0" marB="0">
-                    <a:solidFill>
-                      <a:schemeClr val="accent6"/>
-                    </a:solidFill>
-                  </a:tcPr>
-                </a:tc>
-                <a:tc>
-                  <a:txBody>
-                    <a:bodyPr/>
-                    <a:lstStyle/>
-                    <a:p>
-                      <a:endParaRPr lang="en-US" sz="500" dirty="0"/>
-                    </a:p>
-                  </a:txBody>
-                  <a:tcPr marL="0" marR="0" marT="0" marB="0">
-                    <a:solidFill>
-                      <a:schemeClr val="accent2"/>
-                    </a:solidFill>
-                  </a:tcPr>
-                </a:tc>
+          <p:cNvGrpSpPr/>
+          <p:nvPr/>
+        </p:nvGrpSpPr>
+        <p:grpSpPr>
+          <a:xfrm>
+            <a:off x="68156" y="6564645"/>
+            <a:ext cx="5357283" cy="2244372"/>
+            <a:chOff x="68156" y="6564645"/>
+            <a:chExt cx="5357283" cy="2244372"/>
+          </a:xfrm>
+        </p:grpSpPr>
+        <p:sp>
+          <p:nvSpPr>
+            <p:cNvPr id="54" name="Rounded Rectangle 48">
+              <a:extLst>
+                <a:ext uri="{FF2B5EF4-FFF2-40B4-BE49-F238E27FC236}">
+                  <a16:creationId xmlns:a16="http://schemas.microsoft.com/office/drawing/2014/main" id="{72D85AA0-12BA-B3DC-5032-993B59C82B1B}"/>
+                </a:ext>
+              </a:extLst>
+            </p:cNvPr>
+            <p:cNvSpPr/>
+            <p:nvPr/>
+          </p:nvSpPr>
+          <p:spPr>
+            <a:xfrm>
+              <a:off x="120348" y="6689521"/>
+              <a:ext cx="5305091" cy="1896463"/>
+            </a:xfrm>
+            <a:prstGeom prst="roundRect">
+              <a:avLst>
+                <a:gd name="adj" fmla="val 1508"/>
+              </a:avLst>
+            </a:prstGeom>
+            <a:solidFill>
+              <a:schemeClr val="accent1">
+                <a:lumMod val="20000"/>
+                <a:lumOff val="80000"/>
+              </a:schemeClr>
+            </a:solidFill>
+          </p:spPr>
+          <p:style>
+            <a:lnRef idx="2">
+              <a:schemeClr val="accent1">
+                <a:shade val="50000"/>
+              </a:schemeClr>
+            </a:lnRef>
+            <a:fillRef idx="1">
+              <a:schemeClr val="accent1"/>
+            </a:fillRef>
+            <a:effectRef idx="0">
+              <a:schemeClr val="accent1"/>
+            </a:effectRef>
+            <a:fontRef idx="minor">
+              <a:schemeClr val="lt1"/>
+            </a:fontRef>
+          </p:style>
+          <p:txBody>
+            <a:bodyPr rtlCol="0" anchor="ctr"/>
+            <a:lstStyle/>
+            <a:p>
+              <a:pPr algn="ctr"/>
+              <a:endParaRPr lang="en-US" sz="2683" dirty="0"/>
+            </a:p>
+          </p:txBody>
+        </p:sp>
+        <p:grpSp>
+          <p:nvGrpSpPr>
+            <p:cNvPr id="84" name="Group 83">
+              <a:extLst>
+                <a:ext uri="{FF2B5EF4-FFF2-40B4-BE49-F238E27FC236}">
+                  <a16:creationId xmlns:a16="http://schemas.microsoft.com/office/drawing/2014/main" id="{17DD23A4-2B73-D0DF-E7BD-EB6F79315B5F}"/>
+                </a:ext>
+              </a:extLst>
+            </p:cNvPr>
+            <p:cNvGrpSpPr/>
+            <p:nvPr/>
+          </p:nvGrpSpPr>
+          <p:grpSpPr>
+            <a:xfrm>
+              <a:off x="68156" y="6564645"/>
+              <a:ext cx="5338768" cy="2244372"/>
+              <a:chOff x="68156" y="6534165"/>
+              <a:chExt cx="5338768" cy="2244372"/>
+            </a:xfrm>
+          </p:grpSpPr>
+          <p:sp>
+            <p:nvSpPr>
+              <p:cNvPr id="85" name="TextBox 84">
                 <a:extLst>
-                  <a:ext uri="{0D108BD9-81ED-4DB2-BD59-A6C34878D82A}">
-                    <a16:rowId xmlns:a16="http://schemas.microsoft.com/office/drawing/2014/main" val="10000"/>
+                  <a:ext uri="{FF2B5EF4-FFF2-40B4-BE49-F238E27FC236}">
+                    <a16:creationId xmlns:a16="http://schemas.microsoft.com/office/drawing/2014/main" id="{13845956-2C47-A783-1FBC-4E7C4D54C2C6}"/>
                   </a:ext>
                 </a:extLst>
-              </a:tr>
-              <a:tr h="137160">
-                <a:tc>
-                  <a:txBody>
-                    <a:bodyPr/>
-                    <a:lstStyle/>
-                    <a:p>
-                      <a:endParaRPr lang="en-US" sz="500" dirty="0"/>
-                    </a:p>
-                  </a:txBody>
-                  <a:tcPr marL="0" marR="0" marT="0" marB="0">
-                    <a:solidFill>
-                      <a:schemeClr val="bg2"/>
-                    </a:solidFill>
-                  </a:tcPr>
-                </a:tc>
-                <a:tc>
-                  <a:txBody>
-                    <a:bodyPr/>
-                    <a:lstStyle/>
-                    <a:p>
-                      <a:endParaRPr lang="en-US" sz="500" dirty="0"/>
-                    </a:p>
-                  </a:txBody>
-                  <a:tcPr marL="0" marR="0" marT="0" marB="0">
-                    <a:solidFill>
-                      <a:schemeClr val="accent6">
-                        <a:lumMod val="40000"/>
-                        <a:lumOff val="60000"/>
-                      </a:schemeClr>
-                    </a:solidFill>
-                  </a:tcPr>
-                </a:tc>
-                <a:tc>
-                  <a:txBody>
-                    <a:bodyPr/>
-                    <a:lstStyle/>
-                    <a:p>
-                      <a:endParaRPr lang="en-US" sz="500" dirty="0"/>
-                    </a:p>
-                  </a:txBody>
-                  <a:tcPr marL="0" marR="0" marT="0" marB="0">
-                    <a:solidFill>
-                      <a:schemeClr val="accent2">
-                        <a:lumMod val="40000"/>
-                        <a:lumOff val="60000"/>
-                      </a:schemeClr>
-                    </a:solidFill>
-                  </a:tcPr>
-                </a:tc>
+              </p:cNvPr>
+              <p:cNvSpPr txBox="1"/>
+              <p:nvPr/>
+            </p:nvSpPr>
+            <p:spPr>
+              <a:xfrm>
+                <a:off x="2757883" y="6654879"/>
+                <a:ext cx="2649041" cy="2123658"/>
+              </a:xfrm>
+              <a:prstGeom prst="rect">
+                <a:avLst/>
+              </a:prstGeom>
+              <a:noFill/>
+            </p:spPr>
+            <p:txBody>
+              <a:bodyPr wrap="square" rtlCol="0">
+                <a:spAutoFit/>
+              </a:bodyPr>
+              <a:lstStyle/>
+              <a:p>
+                <a:r>
+                  <a:rPr lang="en-US" sz="1200" b="1" dirty="0" err="1">
+                    <a:latin typeface="Consolas" panose="020B0609020204030204" pitchFamily="49" charset="0"/>
+                  </a:rPr>
+                  <a:t>s.dt.day</a:t>
+                </a:r>
+                <a:endParaRPr lang="en-US" sz="1200" b="1" dirty="0">
+                  <a:latin typeface="Consolas" panose="020B0609020204030204" pitchFamily="49" charset="0"/>
+                </a:endParaRPr>
+              </a:p>
+              <a:p>
+                <a:pPr marL="93600"/>
+                <a:r>
+                  <a:rPr lang="en-US" sz="1200" dirty="0"/>
+                  <a:t>Extract the day (int) from the date.</a:t>
+                </a:r>
+              </a:p>
+              <a:p>
+                <a:r>
+                  <a:rPr lang="en-US" sz="1200" b="1" dirty="0" err="1">
+                    <a:latin typeface="Consolas" panose="020B0609020204030204" pitchFamily="49" charset="0"/>
+                  </a:rPr>
+                  <a:t>s.dt.quarter</a:t>
+                </a:r>
+                <a:endParaRPr lang="en-US" sz="1200" b="1" dirty="0">
+                  <a:latin typeface="Consolas" panose="020B0609020204030204" pitchFamily="49" charset="0"/>
+                </a:endParaRPr>
+              </a:p>
+              <a:p>
+                <a:pPr marL="93600"/>
+                <a:r>
+                  <a:rPr lang="en-US" sz="1200" dirty="0"/>
+                  <a:t>Find which quarter the date lies in.</a:t>
+                </a:r>
+              </a:p>
+              <a:p>
+                <a:r>
+                  <a:rPr lang="en-US" sz="1200" b="1" dirty="0" err="1">
+                    <a:latin typeface="Consolas" panose="020B0609020204030204" pitchFamily="49" charset="0"/>
+                  </a:rPr>
+                  <a:t>s.dt.hour</a:t>
+                </a:r>
+                <a:endParaRPr lang="en-US" sz="1200" b="1" dirty="0">
+                  <a:latin typeface="Consolas" panose="020B0609020204030204" pitchFamily="49" charset="0"/>
+                </a:endParaRPr>
+              </a:p>
+              <a:p>
+                <a:pPr marL="93600"/>
+                <a:r>
+                  <a:rPr lang="en-US" sz="1200" dirty="0"/>
+                  <a:t>Extract the hour.</a:t>
+                </a:r>
+              </a:p>
+              <a:p>
+                <a:r>
+                  <a:rPr lang="en-US" sz="1200" b="1" dirty="0" err="1">
+                    <a:latin typeface="Consolas" panose="020B0609020204030204" pitchFamily="49" charset="0"/>
+                  </a:rPr>
+                  <a:t>s.dt.minute</a:t>
+                </a:r>
+                <a:endParaRPr lang="en-US" sz="1200" b="1" dirty="0">
+                  <a:latin typeface="Consolas" panose="020B0609020204030204" pitchFamily="49" charset="0"/>
+                </a:endParaRPr>
+              </a:p>
+              <a:p>
+                <a:pPr marL="93600"/>
+                <a:r>
+                  <a:rPr lang="en-US" sz="1200" dirty="0"/>
+                  <a:t>Extract the minute.</a:t>
+                </a:r>
+              </a:p>
+              <a:p>
+                <a:r>
+                  <a:rPr lang="en-US" sz="1200" b="1" dirty="0" err="1">
+                    <a:latin typeface="Consolas" panose="020B0609020204030204" pitchFamily="49" charset="0"/>
+                  </a:rPr>
+                  <a:t>s.dt.second</a:t>
+                </a:r>
+                <a:endParaRPr lang="en-US" sz="1200" b="1" dirty="0">
+                  <a:latin typeface="Consolas" panose="020B0609020204030204" pitchFamily="49" charset="0"/>
+                </a:endParaRPr>
+              </a:p>
+              <a:p>
+                <a:pPr marL="93600"/>
+                <a:r>
+                  <a:rPr lang="en-US" sz="1200" dirty="0"/>
+                  <a:t>Extract the second.</a:t>
+                </a:r>
+              </a:p>
+              <a:p>
+                <a:pPr marL="93600"/>
+                <a:endParaRPr lang="en-US" sz="1200" dirty="0"/>
+              </a:p>
+            </p:txBody>
+          </p:sp>
+          <p:sp>
+            <p:nvSpPr>
+              <p:cNvPr id="87" name="Rounded Rectangle 80">
                 <a:extLst>
-                  <a:ext uri="{0D108BD9-81ED-4DB2-BD59-A6C34878D82A}">
-                    <a16:rowId xmlns:a16="http://schemas.microsoft.com/office/drawing/2014/main" val="10001"/>
+                  <a:ext uri="{FF2B5EF4-FFF2-40B4-BE49-F238E27FC236}">
+                    <a16:creationId xmlns:a16="http://schemas.microsoft.com/office/drawing/2014/main" id="{00349599-F429-0A79-04A0-F9594DC4E15C}"/>
                   </a:ext>
                 </a:extLst>
-              </a:tr>
-              <a:tr h="137160">
-                <a:tc>
-                  <a:txBody>
-                    <a:bodyPr/>
-                    <a:lstStyle/>
-                    <a:p>
-                      <a:endParaRPr lang="en-US" sz="500" dirty="0"/>
-                    </a:p>
-                  </a:txBody>
-                  <a:tcPr marL="0" marR="0" marT="0" marB="0">
-                    <a:solidFill>
-                      <a:schemeClr val="bg2"/>
-                    </a:solidFill>
-                  </a:tcPr>
-                </a:tc>
-                <a:tc>
-                  <a:txBody>
-                    <a:bodyPr/>
-                    <a:lstStyle/>
-                    <a:p>
-                      <a:endParaRPr lang="en-US" sz="500" dirty="0"/>
-                    </a:p>
-                  </a:txBody>
-                  <a:tcPr marL="0" marR="0" marT="0" marB="0">
-                    <a:solidFill>
-                      <a:schemeClr val="accent6">
-                        <a:lumMod val="40000"/>
-                        <a:lumOff val="60000"/>
-                      </a:schemeClr>
-                    </a:solidFill>
-                  </a:tcPr>
-                </a:tc>
-                <a:tc>
-                  <a:txBody>
-                    <a:bodyPr/>
-                    <a:lstStyle/>
-                    <a:p>
-                      <a:endParaRPr lang="en-US" sz="500" dirty="0"/>
-                    </a:p>
-                  </a:txBody>
-                  <a:tcPr marL="0" marR="0" marT="0" marB="0">
-                    <a:solidFill>
-                      <a:schemeClr val="accent2">
-                        <a:lumMod val="40000"/>
-                        <a:lumOff val="60000"/>
-                      </a:schemeClr>
-                    </a:solidFill>
-                  </a:tcPr>
-                </a:tc>
+              </p:cNvPr>
+              <p:cNvSpPr/>
+              <p:nvPr/>
+            </p:nvSpPr>
+            <p:spPr>
+              <a:xfrm>
+                <a:off x="120349" y="6534165"/>
+                <a:ext cx="2571361" cy="461665"/>
+              </a:xfrm>
+              <a:prstGeom prst="roundRect">
+                <a:avLst/>
+              </a:prstGeom>
+            </p:spPr>
+            <p:style>
+              <a:lnRef idx="2">
+                <a:schemeClr val="accent1">
+                  <a:shade val="50000"/>
+                </a:schemeClr>
+              </a:lnRef>
+              <a:fillRef idx="1">
+                <a:schemeClr val="accent1"/>
+              </a:fillRef>
+              <a:effectRef idx="0">
+                <a:schemeClr val="accent1"/>
+              </a:effectRef>
+              <a:fontRef idx="minor">
+                <a:schemeClr val="lt1"/>
+              </a:fontRef>
+            </p:style>
+            <p:txBody>
+              <a:bodyPr rtlCol="0" anchor="ctr"/>
+              <a:lstStyle/>
+              <a:p>
+                <a:pPr algn="ctr"/>
+                <a:r>
+                  <a:rPr lang="en-US" sz="2800" b="1" dirty="0">
+                    <a:solidFill>
+                      <a:schemeClr val="bg1"/>
+                    </a:solidFill>
+                  </a:rPr>
+                  <a:t>Datetime</a:t>
+                </a:r>
+              </a:p>
+            </p:txBody>
+          </p:sp>
+          <p:sp>
+            <p:nvSpPr>
+              <p:cNvPr id="89" name="TextBox 88">
                 <a:extLst>
-                  <a:ext uri="{0D108BD9-81ED-4DB2-BD59-A6C34878D82A}">
-                    <a16:rowId xmlns:a16="http://schemas.microsoft.com/office/drawing/2014/main" val="10002"/>
+                  <a:ext uri="{FF2B5EF4-FFF2-40B4-BE49-F238E27FC236}">
+                    <a16:creationId xmlns:a16="http://schemas.microsoft.com/office/drawing/2014/main" id="{495B4978-804C-4BB9-C37A-49A482F54933}"/>
                   </a:ext>
                 </a:extLst>
-              </a:tr>
-              <a:tr h="137160">
-                <a:tc>
-                  <a:txBody>
-                    <a:bodyPr/>
-                    <a:lstStyle/>
-                    <a:p>
-                      <a:endParaRPr lang="en-US" sz="500" dirty="0"/>
-                    </a:p>
-                  </a:txBody>
-                  <a:tcPr marL="0" marR="0" marT="0" marB="0">
-                    <a:solidFill>
-                      <a:schemeClr val="bg2"/>
-                    </a:solidFill>
-                  </a:tcPr>
-                </a:tc>
-                <a:tc>
-                  <a:txBody>
-                    <a:bodyPr/>
-                    <a:lstStyle/>
-                    <a:p>
-                      <a:endParaRPr lang="en-US" sz="500" dirty="0"/>
-                    </a:p>
-                  </a:txBody>
-                  <a:tcPr marL="0" marR="0" marT="0" marB="0">
-                    <a:solidFill>
-                      <a:schemeClr val="accent6">
-                        <a:lumMod val="40000"/>
-                        <a:lumOff val="60000"/>
-                      </a:schemeClr>
-                    </a:solidFill>
-                  </a:tcPr>
-                </a:tc>
-                <a:tc>
-                  <a:txBody>
-                    <a:bodyPr/>
-                    <a:lstStyle/>
-                    <a:p>
-                      <a:endParaRPr lang="en-US" sz="500" dirty="0"/>
-                    </a:p>
-                  </a:txBody>
-                  <a:tcPr marL="0" marR="0" marT="0" marB="0">
-                    <a:solidFill>
-                      <a:schemeClr val="accent2">
-                        <a:lumMod val="40000"/>
-                        <a:lumOff val="60000"/>
-                      </a:schemeClr>
-                    </a:solidFill>
-                  </a:tcPr>
-                </a:tc>
+              </p:cNvPr>
+              <p:cNvSpPr txBox="1"/>
+              <p:nvPr/>
+            </p:nvSpPr>
+            <p:spPr>
+              <a:xfrm>
+                <a:off x="69627" y="6989169"/>
+                <a:ext cx="2649041" cy="830997"/>
+              </a:xfrm>
+              <a:prstGeom prst="rect">
+                <a:avLst/>
+              </a:prstGeom>
+              <a:noFill/>
+            </p:spPr>
+            <p:txBody>
+              <a:bodyPr wrap="square" rtlCol="0">
+                <a:spAutoFit/>
+              </a:bodyPr>
+              <a:lstStyle/>
+              <a:p>
+                <a:r>
+                  <a:rPr lang="en-US" sz="1200" dirty="0"/>
+                  <a:t>If you have a Series, s, containing data of type datetime, use can use the dt accessor to get various sections of the value:</a:t>
+                </a:r>
+              </a:p>
+            </p:txBody>
+          </p:sp>
+          <p:sp>
+            <p:nvSpPr>
+              <p:cNvPr id="90" name="TextBox 89">
                 <a:extLst>
-                  <a:ext uri="{0D108BD9-81ED-4DB2-BD59-A6C34878D82A}">
-                    <a16:rowId xmlns:a16="http://schemas.microsoft.com/office/drawing/2014/main" val="10003"/>
+                  <a:ext uri="{FF2B5EF4-FFF2-40B4-BE49-F238E27FC236}">
+                    <a16:creationId xmlns:a16="http://schemas.microsoft.com/office/drawing/2014/main" id="{CC3F058E-4EB6-74C2-323F-625A013FAAA1}"/>
                   </a:ext>
                 </a:extLst>
-              </a:tr>
-            </a:tbl>
-          </a:graphicData>
-        </a:graphic>
-      </p:graphicFrame>
-      <p:cxnSp>
-        <p:nvCxnSpPr>
-          <p:cNvPr id="80" name="Straight Arrow Connector 79">
-            <a:extLst>
-              <a:ext uri="{FF2B5EF4-FFF2-40B4-BE49-F238E27FC236}">
-                <a16:creationId xmlns:a16="http://schemas.microsoft.com/office/drawing/2014/main" id="{8D3258D4-D0AF-E1DC-7E80-B738D8B320FB}"/>
-              </a:ext>
-            </a:extLst>
-          </p:cNvPr>
-          <p:cNvCxnSpPr/>
-          <p:nvPr/>
-        </p:nvCxnSpPr>
-        <p:spPr>
-          <a:xfrm>
-            <a:off x="3909194" y="10395530"/>
-            <a:ext cx="363152" cy="0"/>
-          </a:xfrm>
-          <a:prstGeom prst="straightConnector1">
-            <a:avLst/>
-          </a:prstGeom>
-          <a:ln w="63500">
-            <a:solidFill>
-              <a:schemeClr val="tx1"/>
-            </a:solidFill>
-            <a:tailEnd type="stealth"/>
-          </a:ln>
-        </p:spPr>
-        <p:style>
-          <a:lnRef idx="1">
-            <a:schemeClr val="accent1"/>
-          </a:lnRef>
-          <a:fillRef idx="0">
-            <a:schemeClr val="accent1"/>
-          </a:fillRef>
-          <a:effectRef idx="0">
-            <a:schemeClr val="accent1"/>
-          </a:effectRef>
-          <a:fontRef idx="minor">
-            <a:schemeClr val="tx1"/>
-          </a:fontRef>
-        </p:style>
-      </p:cxnSp>
-      <p:graphicFrame>
-        <p:nvGraphicFramePr>
-          <p:cNvPr id="81" name="Table 80">
-            <a:extLst>
-              <a:ext uri="{FF2B5EF4-FFF2-40B4-BE49-F238E27FC236}">
-                <a16:creationId xmlns:a16="http://schemas.microsoft.com/office/drawing/2014/main" id="{83CA82DE-28C8-069C-D448-1152CDE5E8D4}"/>
-              </a:ext>
-            </a:extLst>
-          </p:cNvPr>
-          <p:cNvGraphicFramePr>
-            <a:graphicFrameLocks noGrp="1"/>
-          </p:cNvGraphicFramePr>
-          <p:nvPr>
-            <p:extLst>
-              <p:ext uri="{D42A27DB-BD31-4B8C-83A1-F6EECF244321}">
-                <p14:modId xmlns:p14="http://schemas.microsoft.com/office/powerpoint/2010/main" val="1637696863"/>
-              </p:ext>
-            </p:extLst>
-          </p:nvPr>
-        </p:nvGraphicFramePr>
-        <p:xfrm>
-          <a:off x="4374317" y="10120672"/>
-          <a:ext cx="822960" cy="548640"/>
-        </p:xfrm>
-        <a:graphic>
-          <a:graphicData uri="http://schemas.openxmlformats.org/drawingml/2006/table">
-            <a:tbl>
-              <a:tblPr bandRow="1">
-                <a:tableStyleId>{5C22544A-7EE6-4342-B048-85BDC9FD1C3A}</a:tableStyleId>
-              </a:tblPr>
-              <a:tblGrid>
-                <a:gridCol w="274320">
-                  <a:extLst>
-                    <a:ext uri="{9D8B030D-6E8A-4147-A177-3AD203B41FA5}">
-                      <a16:colId xmlns:a16="http://schemas.microsoft.com/office/drawing/2014/main" val="20000"/>
-                    </a:ext>
-                  </a:extLst>
-                </a:gridCol>
-                <a:gridCol w="274320">
-                  <a:extLst>
-                    <a:ext uri="{9D8B030D-6E8A-4147-A177-3AD203B41FA5}">
-                      <a16:colId xmlns:a16="http://schemas.microsoft.com/office/drawing/2014/main" val="20001"/>
-                    </a:ext>
-                  </a:extLst>
-                </a:gridCol>
-                <a:gridCol w="274320">
-                  <a:extLst>
-                    <a:ext uri="{9D8B030D-6E8A-4147-A177-3AD203B41FA5}">
-                      <a16:colId xmlns:a16="http://schemas.microsoft.com/office/drawing/2014/main" val="20002"/>
-                    </a:ext>
-                  </a:extLst>
-                </a:gridCol>
-              </a:tblGrid>
-              <a:tr h="137160">
-                <a:tc>
-                  <a:txBody>
-                    <a:bodyPr/>
-                    <a:lstStyle/>
-                    <a:p>
-                      <a:endParaRPr lang="en-US" sz="500" dirty="0"/>
-                    </a:p>
-                  </a:txBody>
-                  <a:tcPr marL="0" marR="0" marT="0" marB="0">
-                    <a:solidFill>
-                      <a:schemeClr val="bg2">
-                        <a:lumMod val="75000"/>
-                      </a:schemeClr>
-                    </a:solidFill>
-                  </a:tcPr>
-                </a:tc>
-                <a:tc>
-                  <a:txBody>
-                    <a:bodyPr/>
-                    <a:lstStyle/>
-                    <a:p>
-                      <a:endParaRPr lang="en-US" sz="500" dirty="0"/>
-                    </a:p>
-                  </a:txBody>
-                  <a:tcPr marL="0" marR="0" marT="0" marB="0">
-                    <a:solidFill>
-                      <a:schemeClr val="bg2"/>
-                    </a:solidFill>
-                  </a:tcPr>
-                </a:tc>
-                <a:tc>
-                  <a:txBody>
-                    <a:bodyPr/>
-                    <a:lstStyle/>
-                    <a:p>
-                      <a:endParaRPr lang="en-US" sz="500" dirty="0"/>
-                    </a:p>
-                  </a:txBody>
-                  <a:tcPr marL="0" marR="0" marT="0" marB="0">
-                    <a:solidFill>
-                      <a:schemeClr val="bg2"/>
-                    </a:solidFill>
-                  </a:tcPr>
-                </a:tc>
-                <a:extLst>
-                  <a:ext uri="{0D108BD9-81ED-4DB2-BD59-A6C34878D82A}">
-                    <a16:rowId xmlns:a16="http://schemas.microsoft.com/office/drawing/2014/main" val="10000"/>
-                  </a:ext>
-                </a:extLst>
-              </a:tr>
-              <a:tr h="137160">
-                <a:tc>
-                  <a:txBody>
-                    <a:bodyPr/>
-                    <a:lstStyle/>
-                    <a:p>
-                      <a:endParaRPr lang="en-US" sz="500" dirty="0"/>
-                    </a:p>
-                  </a:txBody>
-                  <a:tcPr marL="0" marR="0" marT="0" marB="0">
-                    <a:solidFill>
-                      <a:schemeClr val="accent6">
-                        <a:lumMod val="40000"/>
-                        <a:lumOff val="60000"/>
-                      </a:schemeClr>
-                    </a:solidFill>
-                  </a:tcPr>
-                </a:tc>
-                <a:tc>
-                  <a:txBody>
-                    <a:bodyPr/>
-                    <a:lstStyle/>
-                    <a:p>
-                      <a:endParaRPr lang="en-US" sz="500" dirty="0"/>
-                    </a:p>
-                  </a:txBody>
-                  <a:tcPr marL="0" marR="0" marT="0" marB="0">
-                    <a:solidFill>
-                      <a:schemeClr val="accent2">
-                        <a:lumMod val="40000"/>
-                        <a:lumOff val="60000"/>
-                      </a:schemeClr>
-                    </a:solidFill>
-                  </a:tcPr>
-                </a:tc>
-                <a:tc>
-                  <a:txBody>
-                    <a:bodyPr/>
-                    <a:lstStyle/>
-                    <a:p>
-                      <a:endParaRPr lang="en-US" sz="500" dirty="0"/>
-                    </a:p>
-                  </a:txBody>
-                  <a:tcPr marL="0" marR="0" marT="0" marB="0">
-                    <a:solidFill>
-                      <a:schemeClr val="accent2">
-                        <a:lumMod val="40000"/>
-                        <a:lumOff val="60000"/>
-                      </a:schemeClr>
-                    </a:solidFill>
-                  </a:tcPr>
-                </a:tc>
-                <a:extLst>
-                  <a:ext uri="{0D108BD9-81ED-4DB2-BD59-A6C34878D82A}">
-                    <a16:rowId xmlns:a16="http://schemas.microsoft.com/office/drawing/2014/main" val="10001"/>
-                  </a:ext>
-                </a:extLst>
-              </a:tr>
-              <a:tr h="137160">
-                <a:tc>
-                  <a:txBody>
-                    <a:bodyPr/>
-                    <a:lstStyle/>
-                    <a:p>
-                      <a:endParaRPr lang="en-US" sz="500" dirty="0"/>
-                    </a:p>
-                  </a:txBody>
-                  <a:tcPr marL="0" marR="0" marT="0" marB="0">
-                    <a:solidFill>
-                      <a:schemeClr val="accent6">
-                        <a:lumMod val="40000"/>
-                        <a:lumOff val="60000"/>
-                      </a:schemeClr>
-                    </a:solidFill>
-                  </a:tcPr>
-                </a:tc>
-                <a:tc>
-                  <a:txBody>
-                    <a:bodyPr/>
-                    <a:lstStyle/>
-                    <a:p>
-                      <a:endParaRPr lang="en-US" sz="500" dirty="0"/>
-                    </a:p>
-                  </a:txBody>
-                  <a:tcPr marL="0" marR="0" marT="0" marB="0">
-                    <a:solidFill>
-                      <a:schemeClr val="accent2">
-                        <a:lumMod val="40000"/>
-                        <a:lumOff val="60000"/>
-                      </a:schemeClr>
-                    </a:solidFill>
-                  </a:tcPr>
-                </a:tc>
-                <a:tc>
-                  <a:txBody>
-                    <a:bodyPr/>
-                    <a:lstStyle/>
-                    <a:p>
-                      <a:endParaRPr lang="en-US" sz="500" dirty="0"/>
-                    </a:p>
-                  </a:txBody>
-                  <a:tcPr marL="0" marR="0" marT="0" marB="0">
-                    <a:solidFill>
-                      <a:schemeClr val="accent2">
-                        <a:lumMod val="40000"/>
-                        <a:lumOff val="60000"/>
-                      </a:schemeClr>
-                    </a:solidFill>
-                  </a:tcPr>
-                </a:tc>
-                <a:extLst>
-                  <a:ext uri="{0D108BD9-81ED-4DB2-BD59-A6C34878D82A}">
-                    <a16:rowId xmlns:a16="http://schemas.microsoft.com/office/drawing/2014/main" val="10002"/>
-                  </a:ext>
-                </a:extLst>
-              </a:tr>
-              <a:tr h="137160">
-                <a:tc>
-                  <a:txBody>
-                    <a:bodyPr/>
-                    <a:lstStyle/>
-                    <a:p>
-                      <a:endParaRPr lang="en-US" sz="500" dirty="0"/>
-                    </a:p>
-                  </a:txBody>
-                  <a:tcPr marL="0" marR="0" marT="0" marB="0">
-                    <a:solidFill>
-                      <a:schemeClr val="accent6">
-                        <a:lumMod val="40000"/>
-                        <a:lumOff val="60000"/>
-                      </a:schemeClr>
-                    </a:solidFill>
-                  </a:tcPr>
-                </a:tc>
-                <a:tc>
-                  <a:txBody>
-                    <a:bodyPr/>
-                    <a:lstStyle/>
-                    <a:p>
-                      <a:endParaRPr lang="en-US" sz="500" dirty="0"/>
-                    </a:p>
-                  </a:txBody>
-                  <a:tcPr marL="0" marR="0" marT="0" marB="0">
-                    <a:solidFill>
-                      <a:schemeClr val="accent2">
-                        <a:lumMod val="40000"/>
-                        <a:lumOff val="60000"/>
-                      </a:schemeClr>
-                    </a:solidFill>
-                  </a:tcPr>
-                </a:tc>
-                <a:tc>
-                  <a:txBody>
-                    <a:bodyPr/>
-                    <a:lstStyle/>
-                    <a:p>
-                      <a:endParaRPr lang="en-US" sz="500" dirty="0"/>
-                    </a:p>
-                  </a:txBody>
-                  <a:tcPr marL="0" marR="0" marT="0" marB="0">
-                    <a:solidFill>
-                      <a:schemeClr val="accent2">
-                        <a:lumMod val="40000"/>
-                        <a:lumOff val="60000"/>
-                      </a:schemeClr>
-                    </a:solidFill>
-                  </a:tcPr>
-                </a:tc>
-                <a:extLst>
-                  <a:ext uri="{0D108BD9-81ED-4DB2-BD59-A6C34878D82A}">
-                    <a16:rowId xmlns:a16="http://schemas.microsoft.com/office/drawing/2014/main" val="10003"/>
-                  </a:ext>
-                </a:extLst>
-              </a:tr>
-            </a:tbl>
-          </a:graphicData>
-        </a:graphic>
-      </p:graphicFrame>
-      <p:sp>
-        <p:nvSpPr>
-          <p:cNvPr id="83" name="TextBox 82">
-            <a:extLst>
-              <a:ext uri="{FF2B5EF4-FFF2-40B4-BE49-F238E27FC236}">
-                <a16:creationId xmlns:a16="http://schemas.microsoft.com/office/drawing/2014/main" id="{9A2EB994-D8A7-48A9-2872-C37A1227E120}"/>
-              </a:ext>
-            </a:extLst>
-          </p:cNvPr>
-          <p:cNvSpPr txBox="1"/>
-          <p:nvPr/>
-        </p:nvSpPr>
-        <p:spPr>
-          <a:xfrm>
-            <a:off x="2853759" y="8693319"/>
-            <a:ext cx="2571361" cy="646331"/>
-          </a:xfrm>
-          <a:prstGeom prst="rect">
-            <a:avLst/>
-          </a:prstGeom>
-          <a:noFill/>
-        </p:spPr>
-        <p:txBody>
-          <a:bodyPr wrap="square" rtlCol="0">
-            <a:spAutoFit/>
-          </a:bodyPr>
-          <a:lstStyle/>
-          <a:p>
-            <a:r>
-              <a:rPr lang="en-US" sz="1200" dirty="0"/>
-              <a:t>Rearranges the layout of the table to make it easier to read the data a different way.</a:t>
-            </a:r>
-          </a:p>
-        </p:txBody>
-      </p:sp>
+              </p:cNvPr>
+              <p:cNvSpPr txBox="1"/>
+              <p:nvPr/>
+            </p:nvSpPr>
+            <p:spPr>
+              <a:xfrm>
+                <a:off x="68156" y="7762874"/>
+                <a:ext cx="2649041" cy="830997"/>
+              </a:xfrm>
+              <a:prstGeom prst="rect">
+                <a:avLst/>
+              </a:prstGeom>
+              <a:noFill/>
+            </p:spPr>
+            <p:txBody>
+              <a:bodyPr wrap="square" rtlCol="0">
+                <a:spAutoFit/>
+              </a:bodyPr>
+              <a:lstStyle/>
+              <a:p>
+                <a:r>
+                  <a:rPr lang="en-US" sz="1200" b="1" dirty="0" err="1">
+                    <a:latin typeface="Consolas" panose="020B0609020204030204" pitchFamily="49" charset="0"/>
+                  </a:rPr>
+                  <a:t>s.dt.year</a:t>
+                </a:r>
+                <a:endParaRPr lang="en-US" sz="1200" b="1" dirty="0">
+                  <a:latin typeface="Consolas" panose="020B0609020204030204" pitchFamily="49" charset="0"/>
+                </a:endParaRPr>
+              </a:p>
+              <a:p>
+                <a:pPr marL="93600"/>
+                <a:r>
+                  <a:rPr lang="en-US" sz="1200" dirty="0"/>
+                  <a:t>Extract the year</a:t>
+                </a:r>
+              </a:p>
+              <a:p>
+                <a:r>
+                  <a:rPr lang="en-US" sz="1200" b="1" dirty="0" err="1">
+                    <a:latin typeface="Consolas" panose="020B0609020204030204" pitchFamily="49" charset="0"/>
+                  </a:rPr>
+                  <a:t>s.dt.month</a:t>
+                </a:r>
+                <a:endParaRPr lang="en-US" sz="1200" b="1" dirty="0">
+                  <a:latin typeface="Consolas" panose="020B0609020204030204" pitchFamily="49" charset="0"/>
+                </a:endParaRPr>
+              </a:p>
+              <a:p>
+                <a:pPr marL="93600"/>
+                <a:r>
+                  <a:rPr lang="en-US" sz="1200" dirty="0"/>
+                  <a:t>Extract the month as an integer.</a:t>
+                </a:r>
+              </a:p>
+            </p:txBody>
+          </p:sp>
+        </p:grpSp>
+      </p:grpSp>
     </p:spTree>
     <p:extLst>
       <p:ext uri="{BB962C8B-B14F-4D97-AF65-F5344CB8AC3E}">

--- a/doc/cheatsheet/Pandas_Cheat_Sheet.pptx
+++ b/doc/cheatsheet/Pandas_Cheat_Sheet.pptx
@@ -9664,14 +9664,14 @@
           <a:effectLst/>
           <a:extLst>
             <a:ext uri="{909E8E84-426E-40dd-AFC4-6F175D3DCCD1}">
-              <a14:hiddenFill xmlns:a14="http://schemas.microsoft.com/office/drawing/2010/main" xmlns="">
+              <a14:hiddenFill xmlns="" xmlns:a14="http://schemas.microsoft.com/office/drawing/2010/main">
                 <a:solidFill>
                   <a:schemeClr val="accent1"/>
                 </a:solidFill>
               </a14:hiddenFill>
             </a:ext>
             <a:ext uri="{91240B29-F687-4f45-9708-019B960494DF}">
-              <a14:hiddenLine xmlns:a14="http://schemas.microsoft.com/office/drawing/2010/main" xmlns="" w="9525">
+              <a14:hiddenLine xmlns="" xmlns:a14="http://schemas.microsoft.com/office/drawing/2010/main" w="9525">
                 <a:solidFill>
                   <a:schemeClr val="tx1"/>
                 </a:solidFill>
@@ -9681,7 +9681,7 @@
               </a14:hiddenLine>
             </a:ext>
             <a:ext uri="{AF507438-7753-43e0-B8FC-AC1667EBCBE1}">
-              <a14:hiddenEffects xmlns:a14="http://schemas.microsoft.com/office/drawing/2010/main" xmlns="">
+              <a14:hiddenEffects xmlns="" xmlns:a14="http://schemas.microsoft.com/office/drawing/2010/main">
                 <a:effectLst>
                   <a:outerShdw dist="35921" dir="2700000" algn="ctr" rotWithShape="0">
                     <a:schemeClr val="bg2"/>
@@ -28192,8 +28192,8 @@
         </p:nvSpPr>
         <p:spPr>
           <a:xfrm>
-            <a:off x="10891520" y="940630"/>
-            <a:ext cx="2934426" cy="8376568"/>
+            <a:off x="10891520" y="940629"/>
+            <a:ext cx="2934426" cy="9399711"/>
           </a:xfrm>
           <a:prstGeom prst="roundRect">
             <a:avLst>
@@ -28249,7 +28249,7 @@
         </p:nvSpPr>
         <p:spPr>
           <a:xfrm>
-            <a:off x="10886547" y="1482565"/>
+            <a:off x="10886547" y="2522089"/>
             <a:ext cx="2944372" cy="2677656"/>
           </a:xfrm>
           <a:prstGeom prst="rect">
@@ -28291,7 +28291,7 @@
             <a:pPr marL="93600"/>
             <a:r>
               <a:rPr lang="en-US" sz="1200" dirty="0"/>
-              <a:t>fetch the value of the given option.</a:t>
+              <a:t>Fetch the value of the given option.</a:t>
             </a:r>
           </a:p>
           <a:p>
@@ -28313,7 +28313,7 @@
             <a:pPr marL="93600"/>
             <a:r>
               <a:rPr lang="en-US" sz="1200" dirty="0"/>
-              <a:t>set the value of the given option.</a:t>
+              <a:t>Set the value of the given option.</a:t>
             </a:r>
           </a:p>
           <a:p>
@@ -28357,7 +28357,7 @@
             <a:pPr marL="93600"/>
             <a:r>
               <a:rPr lang="en-US" sz="1200" dirty="0"/>
-              <a:t>print descriptions of given options.</a:t>
+              <a:t>Print descriptions of given options.</a:t>
             </a:r>
           </a:p>
           <a:p>
@@ -28379,7 +28379,7 @@
             <a:pPr marL="93600"/>
             <a:r>
               <a:rPr lang="en-US" sz="1200" dirty="0"/>
-              <a:t>execute code with temporary option settings that revert to prior settings after execution.</a:t>
+              <a:t>Execute code with temporary option settings that revert to prior settings after execution.</a:t>
             </a:r>
           </a:p>
         </p:txBody>
@@ -28714,7 +28714,7 @@
             <a:pPr marL="93600"/>
             <a:r>
               <a:rPr lang="en-US" sz="1200" dirty="0"/>
-              <a:t>plot a line graph for the </a:t>
+              <a:t>Plot a line graph for the </a:t>
             </a:r>
             <a:r>
               <a:rPr lang="en-US" sz="1200" dirty="0" err="1"/>
@@ -29122,7 +29122,7 @@
               <a:pPr marL="93600"/>
               <a:r>
                 <a:rPr lang="en-US" sz="1200" dirty="0"/>
-                <a:t>read data from csv file</a:t>
+                <a:t>Read data from csv file</a:t>
               </a:r>
             </a:p>
             <a:p>
@@ -29174,7 +29174,7 @@
               <a:pPr marL="93600"/>
               <a:r>
                 <a:rPr lang="en-US" sz="1200" dirty="0"/>
-                <a:t>read data from html file</a:t>
+                <a:t>Read data from html file</a:t>
               </a:r>
             </a:p>
             <a:p>
@@ -29226,7 +29226,7 @@
               <a:pPr marL="93600"/>
               <a:r>
                 <a:rPr lang="en-US" sz="1200" dirty="0"/>
-                <a:t>read data from </a:t>
+                <a:t>Read data from </a:t>
               </a:r>
               <a:r>
                 <a:rPr lang="en-US" sz="1200" dirty="0" err="1"/>
@@ -29286,7 +29286,7 @@
               <a:pPr marL="93600"/>
               <a:r>
                 <a:rPr lang="en-US" sz="1200" dirty="0"/>
-                <a:t>read data from </a:t>
+                <a:t>Read data from </a:t>
               </a:r>
               <a:r>
                 <a:rPr lang="en-US" sz="1200" dirty="0" err="1"/>
@@ -29391,7 +29391,7 @@
               <a:pPr marL="93600"/>
               <a:r>
                 <a:rPr lang="en-US" sz="1200" dirty="0"/>
-                <a:t>write data to parquet file</a:t>
+                <a:t>Write data to parquet file</a:t>
               </a:r>
             </a:p>
             <a:p>
@@ -29431,7 +29431,7 @@
               <a:pPr marL="93600"/>
               <a:r>
                 <a:rPr lang="en-US" sz="1200" dirty="0"/>
-                <a:t>write data to feather file</a:t>
+                <a:t>Write data to feather file</a:t>
               </a:r>
             </a:p>
             <a:p>
@@ -29471,7 +29471,7 @@
               <a:pPr marL="93600"/>
               <a:r>
                 <a:rPr lang="en-US" sz="1200" dirty="0"/>
-                <a:t>write data to HDF file</a:t>
+                <a:t>Write data to HDF file</a:t>
               </a:r>
             </a:p>
             <a:p>
@@ -29479,7 +29479,7 @@
                 <a:rPr lang="en-US" sz="1200" b="1" dirty="0" err="1">
                   <a:latin typeface="Consolas" panose="020B0609020204030204" pitchFamily="49" charset="0"/>
                 </a:rPr>
-                <a:t>pd.</a:t>
+                <a:t>df.</a:t>
               </a:r>
               <a:r>
                 <a:rPr lang="en-US" sz="1200" b="1" dirty="0" err="1">
@@ -29624,7 +29624,7 @@
         <p:spPr>
           <a:xfrm>
             <a:off x="10886548" y="938596"/>
-            <a:ext cx="2934426" cy="646331"/>
+            <a:ext cx="2934426" cy="1938992"/>
           </a:xfrm>
           <a:prstGeom prst="rect">
             <a:avLst/>
@@ -29639,16 +29639,79 @@
           <a:p>
             <a:r>
               <a:rPr lang="en-US" sz="1200" dirty="0"/>
-              <a:t>Pandas offers some ‘options’ to globally control how </a:t>
+              <a:t>Pandas offers some ‘options’ to globally control how Pandas behaves, display etc.</a:t>
+            </a:r>
+          </a:p>
+          <a:p>
+            <a:r>
+              <a:rPr lang="en-US" sz="1200" dirty="0"/>
+              <a:t>Options can be queried and set via: </a:t>
+            </a:r>
+            <a:r>
+              <a:rPr lang="en-US" sz="1200" b="1" dirty="0">
+                <a:latin typeface="Consolas" panose="020B0609020204030204" pitchFamily="49" charset="0"/>
+              </a:rPr>
+              <a:t>pd.options._</a:t>
+            </a:r>
+            <a:r>
+              <a:rPr lang="en-US" sz="1200" b="1" dirty="0" err="1">
+                <a:latin typeface="Consolas" panose="020B0609020204030204" pitchFamily="49" charset="0"/>
+              </a:rPr>
+              <a:t>option_name</a:t>
+            </a:r>
+            <a:r>
+              <a:rPr lang="en-US" sz="1200" b="1" dirty="0">
+                <a:latin typeface="Consolas" panose="020B0609020204030204" pitchFamily="49" charset="0"/>
+              </a:rPr>
+              <a:t>_</a:t>
+            </a:r>
+            <a:r>
+              <a:rPr lang="en-US" sz="1200" dirty="0"/>
+              <a:t> (where _</a:t>
             </a:r>
             <a:r>
               <a:rPr lang="en-US" sz="1200" dirty="0" err="1"/>
-              <a:t>DataFrames</a:t>
+              <a:t>option_name</a:t>
             </a:r>
             <a:r>
               <a:rPr lang="en-US" sz="1200" dirty="0"/>
-              <a:t> behave, display etc.</a:t>
-            </a:r>
+              <a:t>_ is the name of an option). For example:</a:t>
+            </a:r>
+          </a:p>
+          <a:p>
+            <a:r>
+              <a:rPr lang="en-US" sz="1200" b="1" dirty="0" err="1">
+                <a:latin typeface="Consolas" panose="020B0609020204030204" pitchFamily="49" charset="0"/>
+              </a:rPr>
+              <a:t>Pd.options.display.max_rows</a:t>
+            </a:r>
+            <a:r>
+              <a:rPr lang="en-US" sz="1200" b="1" dirty="0">
+                <a:latin typeface="Consolas" panose="020B0609020204030204" pitchFamily="49" charset="0"/>
+              </a:rPr>
+              <a:t> = 20</a:t>
+            </a:r>
+          </a:p>
+          <a:p>
+            <a:pPr marL="93600"/>
+            <a:r>
+              <a:rPr lang="en-US" sz="1200" dirty="0"/>
+              <a:t>‘</a:t>
+            </a:r>
+            <a:r>
+              <a:rPr lang="en-US" sz="1200" dirty="0" err="1"/>
+              <a:t>max_rows</a:t>
+            </a:r>
+            <a:r>
+              <a:rPr lang="en-US" sz="1200" dirty="0"/>
+              <a:t>’ option is currently set to 20</a:t>
+            </a:r>
+          </a:p>
+          <a:p>
+            <a:endParaRPr lang="en-US" sz="1200" dirty="0"/>
+          </a:p>
+          <a:p>
+            <a:endParaRPr lang="en-US" sz="1200" dirty="0"/>
           </a:p>
         </p:txBody>
       </p:sp>
@@ -29668,7 +29731,7 @@
         </p:nvCxnSpPr>
         <p:spPr>
           <a:xfrm flipV="1">
-            <a:off x="10891520" y="1688836"/>
+            <a:off x="10891520" y="2728360"/>
             <a:ext cx="2927815" cy="7703"/>
           </a:xfrm>
           <a:prstGeom prst="line">
@@ -29706,7 +29769,7 @@
         </p:nvCxnSpPr>
         <p:spPr>
           <a:xfrm flipV="1">
-            <a:off x="10889853" y="4259116"/>
+            <a:off x="10889853" y="5314687"/>
             <a:ext cx="2927815" cy="7703"/>
           </a:xfrm>
           <a:prstGeom prst="line">
@@ -29742,7 +29805,7 @@
         </p:nvSpPr>
         <p:spPr>
           <a:xfrm>
-            <a:off x="10896493" y="4051233"/>
+            <a:off x="10896493" y="5106804"/>
             <a:ext cx="2944372" cy="5447645"/>
           </a:xfrm>
           <a:prstGeom prst="rect">
@@ -29780,7 +29843,7 @@
             <a:pPr marL="93600"/>
             <a:r>
               <a:rPr lang="en-US" sz="1200" dirty="0"/>
-              <a:t>the maximum number of rows displayed in pretty-print.</a:t>
+              <a:t>The maximum number of rows displayed in pretty-print.</a:t>
             </a:r>
           </a:p>
           <a:p>
@@ -29798,7 +29861,7 @@
             <a:pPr marL="93600"/>
             <a:r>
               <a:rPr lang="en-US" sz="1200" dirty="0"/>
-              <a:t> the maximum number of columns displayed in pretty-print.</a:t>
+              <a:t> The maximum number of columns displayed in pretty-print.</a:t>
             </a:r>
           </a:p>
           <a:p>
@@ -29816,7 +29879,7 @@
             <a:pPr marL="93600"/>
             <a:r>
               <a:rPr lang="en-US" sz="1200" dirty="0"/>
-              <a:t>controls whether the </a:t>
+              <a:t>Controls whether the </a:t>
             </a:r>
             <a:r>
               <a:rPr lang="en-US" sz="1200" dirty="0" err="1"/>
@@ -29842,7 +29905,7 @@
             <a:pPr marL="93600"/>
             <a:r>
               <a:rPr lang="en-US" sz="1200" dirty="0"/>
-              <a:t>controls whether a </a:t>
+              <a:t>Controls whether a </a:t>
             </a:r>
             <a:r>
               <a:rPr lang="en-US" sz="1200" dirty="0" err="1"/>
@@ -29868,7 +29931,7 @@
             <a:pPr marL="93600"/>
             <a:r>
               <a:rPr lang="en-US" sz="1200" dirty="0"/>
-              <a:t>the output display precision in decimal places.</a:t>
+              <a:t>The output display precision in decimal places.</a:t>
             </a:r>
           </a:p>
           <a:p>
@@ -29886,7 +29949,7 @@
             <a:pPr marL="93600"/>
             <a:r>
               <a:rPr lang="en-US" sz="1200" dirty="0"/>
-              <a:t>the maximum width of columns, longer cells will be truncated.</a:t>
+              <a:t>The maximum width of columns, longer cells will be truncated.</a:t>
             </a:r>
           </a:p>
           <a:p>
@@ -29904,7 +29967,7 @@
             <a:pPr marL="93600"/>
             <a:r>
               <a:rPr lang="en-US" sz="1200" dirty="0"/>
-              <a:t>the maximum number of columns displayed after calling </a:t>
+              <a:t>The maximum number of columns displayed after calling </a:t>
             </a:r>
             <a:r>
               <a:rPr lang="en-US" sz="1200" b="1" dirty="0">
@@ -29932,7 +29995,7 @@
             <a:pPr marL="93600"/>
             <a:r>
               <a:rPr lang="en-US" sz="1200" dirty="0"/>
-              <a:t>sets the rounding threshold to zero when displaying a Series/</a:t>
+              <a:t>Sets the rounding threshold to zero when displaying a Series/</a:t>
             </a:r>
             <a:r>
               <a:rPr lang="en-US" sz="1200" dirty="0" err="1"/>
@@ -29958,7 +30021,7 @@
             <a:pPr marL="93600"/>
             <a:r>
               <a:rPr lang="en-US" sz="1200" dirty="0"/>
-              <a:t>controls how column headers are justified</a:t>
+              <a:t>Controls how column headers are justified.</a:t>
             </a:r>
           </a:p>
         </p:txBody>
@@ -30028,7 +30091,7 @@
             <a:pPr marL="93600"/>
             <a:r>
               <a:rPr lang="en-US" sz="1200" dirty="0"/>
-              <a:t>plot a line graph for the </a:t>
+              <a:t>Plot a line graph for the </a:t>
             </a:r>
             <a:r>
               <a:rPr lang="en-US" sz="1200" dirty="0" err="1"/>
@@ -30149,7 +30212,7 @@
         <p:spPr>
           <a:xfrm>
             <a:off x="5774763" y="1537428"/>
-            <a:ext cx="2494279" cy="461665"/>
+            <a:ext cx="2647234" cy="461665"/>
           </a:xfrm>
           <a:prstGeom prst="rect">
             <a:avLst/>
@@ -30199,7 +30262,7 @@
             <a:pPr marL="93600"/>
             <a:r>
               <a:rPr lang="en-US" sz="1200" dirty="0"/>
-              <a:t>Plot a area graph of the </a:t>
+              <a:t>Plot an area graph of the </a:t>
             </a:r>
             <a:r>
               <a:rPr lang="en-US" sz="1200" dirty="0" err="1"/>
@@ -30585,7 +30648,7 @@
                 <a:rPr lang="en-US" sz="1200" b="1" dirty="0" err="1">
                   <a:latin typeface="Consolas" panose="020B0609020204030204" pitchFamily="49" charset="0"/>
                 </a:rPr>
-                <a:t>s.</a:t>
+                <a:t>df.</a:t>
               </a:r>
               <a:r>
                 <a:rPr lang="en-US" sz="1200" b="1" dirty="0" err="1">
@@ -30598,23 +30661,56 @@
                 <a:rPr lang="en-US" sz="1200" b="1" dirty="0">
                   <a:latin typeface="Consolas" panose="020B0609020204030204" pitchFamily="49" charset="0"/>
                 </a:rPr>
-                <a:t>(lambda x: [1, 2], axis=1)</a:t>
+                <a:t>(</a:t>
+              </a:r>
+              <a:r>
+                <a:rPr lang="en-GB" sz="1200" b="1" dirty="0">
+                  <a:latin typeface="Consolas" panose="020B0609020204030204" pitchFamily="49" charset="0"/>
+                </a:rPr>
+                <a:t>lambda s: </a:t>
+              </a:r>
+              <a:r>
+                <a:rPr lang="en-GB" sz="1200" b="1" dirty="0" err="1">
+                  <a:latin typeface="Consolas" panose="020B0609020204030204" pitchFamily="49" charset="0"/>
+                </a:rPr>
+                <a:t>s.max</a:t>
+              </a:r>
+              <a:r>
+                <a:rPr lang="en-GB" sz="1200" b="1" dirty="0">
+                  <a:latin typeface="Consolas" panose="020B0609020204030204" pitchFamily="49" charset="0"/>
+                </a:rPr>
+                <a:t>() - </a:t>
+              </a:r>
+              <a:r>
+                <a:rPr lang="en-GB" sz="1200" b="1" dirty="0" err="1">
+                  <a:latin typeface="Consolas" panose="020B0609020204030204" pitchFamily="49" charset="0"/>
+                </a:rPr>
+                <a:t>s.min</a:t>
+              </a:r>
+              <a:r>
+                <a:rPr lang="en-GB" sz="1200" b="1" dirty="0">
+                  <a:latin typeface="Consolas" panose="020B0609020204030204" pitchFamily="49" charset="0"/>
+                </a:rPr>
+                <a:t>(), axis=1</a:t>
+              </a:r>
+              <a:r>
+                <a:rPr lang="en-US" sz="1200" b="1" dirty="0">
+                  <a:latin typeface="Consolas" panose="020B0609020204030204" pitchFamily="49" charset="0"/>
+                </a:rPr>
+                <a:t>)</a:t>
               </a:r>
             </a:p>
             <a:p>
               <a:pPr marL="93600"/>
               <a:r>
                 <a:rPr lang="en-US" sz="1200" dirty="0"/>
-                <a:t>Returns a copy of the </a:t>
+                <a:t>Returns a Series with the difference of the maximum and minimum values of each row of the </a:t>
               </a:r>
               <a:r>
                 <a:rPr lang="en-US" sz="1200" dirty="0" err="1"/>
-                <a:t>dataframe</a:t>
+                <a:t>DataFrame</a:t>
               </a:r>
-              <a:r>
-                <a:rPr lang="en-US" sz="1200" dirty="0"/>
-                <a:t> with each element replaced with [1, 2], used when the logic is more complex per element.</a:t>
-              </a:r>
+              <a:endParaRPr lang="en-US" sz="1200" dirty="0"/>
             </a:p>
           </p:txBody>
         </p:sp>
@@ -30656,7 +30752,7 @@
               </a:r>
               <a:r>
                 <a:rPr lang="en-US" sz="1200" dirty="0"/>
-                <a:t>, useful for recategorizing or transforming data.</a:t>
+                <a:t> or Series, useful for recategorizing or transforming data.</a:t>
               </a:r>
             </a:p>
           </p:txBody>
@@ -31561,7 +31657,7 @@
               <a:pPr marL="93600"/>
               <a:r>
                 <a:rPr lang="en-US" sz="1200" dirty="0"/>
-                <a:t>convert non-numeric types to numeric. </a:t>
+                <a:t>Convert non-numeric types to numeric. </a:t>
               </a:r>
             </a:p>
             <a:p>
@@ -31589,7 +31685,7 @@
               <a:pPr marL="93600"/>
               <a:r>
                 <a:rPr lang="en-US" sz="1200" dirty="0"/>
-                <a:t>convert non-datetime types to datetime type</a:t>
+                <a:t>Convert non-datetime types to datetime type</a:t>
               </a:r>
             </a:p>
             <a:p>
@@ -31617,7 +31713,7 @@
               <a:pPr marL="93600"/>
               <a:r>
                 <a:rPr lang="en-US" sz="1200" dirty="0"/>
-                <a:t>convert non- </a:t>
+                <a:t>Convert non- </a:t>
               </a:r>
               <a:r>
                 <a:rPr lang="en-US" sz="1200" dirty="0" err="1"/>
@@ -31687,7 +31783,7 @@
               <a:pPr marL="93600"/>
               <a:r>
                 <a:rPr lang="en-US" sz="1200" dirty="0"/>
-                <a:t>convert data to (almost) any given type including categorical</a:t>
+                <a:t>Convert data to (almost) any given type including categorical</a:t>
               </a:r>
             </a:p>
             <a:p>
@@ -31715,7 +31811,7 @@
               <a:pPr marL="93600"/>
               <a:r>
                 <a:rPr lang="en-US" sz="1200" dirty="0"/>
-                <a:t>attempts to infer a better type for object type data.</a:t>
+                <a:t>Attempts to infer a better type for object type data.</a:t>
               </a:r>
             </a:p>
             <a:p>
@@ -31743,7 +31839,7 @@
               <a:pPr marL="93600"/>
               <a:r>
                 <a:rPr lang="en-US" sz="1200" dirty="0"/>
-                <a:t>convert columns to best possible </a:t>
+                <a:t>Convert columns to best possible </a:t>
               </a:r>
               <a:r>
                 <a:rPr lang="en-US" sz="1200" dirty="0" err="1"/>
@@ -32038,8 +32134,8 @@
             </p:nvSpPr>
             <p:spPr>
               <a:xfrm>
-                <a:off x="69627" y="6989169"/>
-                <a:ext cx="2649041" cy="830997"/>
+                <a:off x="133795" y="6989169"/>
+                <a:ext cx="2320647" cy="738664"/>
               </a:xfrm>
               <a:prstGeom prst="rect">
                 <a:avLst/>
@@ -32053,9 +32149,16 @@
               <a:lstStyle/>
               <a:p>
                 <a:r>
-                  <a:rPr lang="en-US" sz="1200" dirty="0"/>
-                  <a:t>If you have a Series, s, containing data of type datetime, use can use the dt accessor to get various sections of the value:</a:t>
+                  <a:rPr lang="en-US" sz="1050" b="0" i="0" dirty="0">
+                    <a:solidFill>
+                      <a:srgbClr val="1F2328"/>
+                    </a:solidFill>
+                    <a:effectLst/>
+                    <a:latin typeface="-apple-system"/>
+                  </a:rPr>
+                  <a:t>With a Series containing data of type datetime, the dt accessor is used to get various components of the datetime values:</a:t>
                 </a:r>
+                <a:endParaRPr lang="en-US" sz="1200" dirty="0"/>
               </a:p>
             </p:txBody>
           </p:sp>
@@ -32073,7 +32176,7 @@
             </p:nvSpPr>
             <p:spPr>
               <a:xfrm>
-                <a:off x="68156" y="7762874"/>
+                <a:off x="68156" y="7682664"/>
                 <a:ext cx="2649041" cy="830997"/>
               </a:xfrm>
               <a:prstGeom prst="rect">

--- a/doc/cheatsheet/Pandas_Cheat_Sheet.pptx
+++ b/doc/cheatsheet/Pandas_Cheat_Sheet.pptx
@@ -262,7 +262,7 @@
           <a:p>
             <a:fld id="{79278B33-2949-49BE-B3B0-3F16CAF906FE}" type="datetimeFigureOut">
               <a:rPr lang="en-US" smtClean="0"/>
-              <a:t>4/30/2025</a:t>
+              <a:t>5/10/2025</a:t>
             </a:fld>
             <a:endParaRPr lang="en-US"/>
           </a:p>
@@ -432,7 +432,7 @@
           <a:p>
             <a:fld id="{79278B33-2949-49BE-B3B0-3F16CAF906FE}" type="datetimeFigureOut">
               <a:rPr lang="en-US" smtClean="0"/>
-              <a:t>4/30/2025</a:t>
+              <a:t>5/10/2025</a:t>
             </a:fld>
             <a:endParaRPr lang="en-US"/>
           </a:p>
@@ -612,7 +612,7 @@
           <a:p>
             <a:fld id="{79278B33-2949-49BE-B3B0-3F16CAF906FE}" type="datetimeFigureOut">
               <a:rPr lang="en-US" smtClean="0"/>
-              <a:t>4/30/2025</a:t>
+              <a:t>5/10/2025</a:t>
             </a:fld>
             <a:endParaRPr lang="en-US"/>
           </a:p>
@@ -782,7 +782,7 @@
           <a:p>
             <a:fld id="{79278B33-2949-49BE-B3B0-3F16CAF906FE}" type="datetimeFigureOut">
               <a:rPr lang="en-US" smtClean="0"/>
-              <a:t>4/30/2025</a:t>
+              <a:t>5/10/2025</a:t>
             </a:fld>
             <a:endParaRPr lang="en-US"/>
           </a:p>
@@ -1026,7 +1026,7 @@
           <a:p>
             <a:fld id="{79278B33-2949-49BE-B3B0-3F16CAF906FE}" type="datetimeFigureOut">
               <a:rPr lang="en-US" smtClean="0"/>
-              <a:t>4/30/2025</a:t>
+              <a:t>5/10/2025</a:t>
             </a:fld>
             <a:endParaRPr lang="en-US"/>
           </a:p>
@@ -1258,7 +1258,7 @@
           <a:p>
             <a:fld id="{79278B33-2949-49BE-B3B0-3F16CAF906FE}" type="datetimeFigureOut">
               <a:rPr lang="en-US" smtClean="0"/>
-              <a:t>4/30/2025</a:t>
+              <a:t>5/10/2025</a:t>
             </a:fld>
             <a:endParaRPr lang="en-US"/>
           </a:p>
@@ -1625,7 +1625,7 @@
           <a:p>
             <a:fld id="{79278B33-2949-49BE-B3B0-3F16CAF906FE}" type="datetimeFigureOut">
               <a:rPr lang="en-US" smtClean="0"/>
-              <a:t>4/30/2025</a:t>
+              <a:t>5/10/2025</a:t>
             </a:fld>
             <a:endParaRPr lang="en-US"/>
           </a:p>
@@ -1743,7 +1743,7 @@
           <a:p>
             <a:fld id="{79278B33-2949-49BE-B3B0-3F16CAF906FE}" type="datetimeFigureOut">
               <a:rPr lang="en-US" smtClean="0"/>
-              <a:t>4/30/2025</a:t>
+              <a:t>5/10/2025</a:t>
             </a:fld>
             <a:endParaRPr lang="en-US"/>
           </a:p>
@@ -1838,7 +1838,7 @@
           <a:p>
             <a:fld id="{79278B33-2949-49BE-B3B0-3F16CAF906FE}" type="datetimeFigureOut">
               <a:rPr lang="en-US" smtClean="0"/>
-              <a:t>4/30/2025</a:t>
+              <a:t>5/10/2025</a:t>
             </a:fld>
             <a:endParaRPr lang="en-US"/>
           </a:p>
@@ -2115,7 +2115,7 @@
           <a:p>
             <a:fld id="{79278B33-2949-49BE-B3B0-3F16CAF906FE}" type="datetimeFigureOut">
               <a:rPr lang="en-US" smtClean="0"/>
-              <a:t>4/30/2025</a:t>
+              <a:t>5/10/2025</a:t>
             </a:fld>
             <a:endParaRPr lang="en-US"/>
           </a:p>
@@ -2372,7 +2372,7 @@
           <a:p>
             <a:fld id="{79278B33-2949-49BE-B3B0-3F16CAF906FE}" type="datetimeFigureOut">
               <a:rPr lang="en-US" smtClean="0"/>
-              <a:t>4/30/2025</a:t>
+              <a:t>5/10/2025</a:t>
             </a:fld>
             <a:endParaRPr lang="en-US"/>
           </a:p>
@@ -2585,7 +2585,7 @@
           <a:p>
             <a:fld id="{79278B33-2949-49BE-B3B0-3F16CAF906FE}" type="datetimeFigureOut">
               <a:rPr lang="en-US" smtClean="0"/>
-              <a:t>4/30/2025</a:t>
+              <a:t>5/10/2025</a:t>
             </a:fld>
             <a:endParaRPr lang="en-US"/>
           </a:p>
@@ -9664,14 +9664,14 @@
           <a:effectLst/>
           <a:extLst>
             <a:ext uri="{909E8E84-426E-40dd-AFC4-6F175D3DCCD1}">
-              <a14:hiddenFill xmlns="" xmlns:a14="http://schemas.microsoft.com/office/drawing/2010/main">
+              <a14:hiddenFill xmlns:a14="http://schemas.microsoft.com/office/drawing/2010/main" xmlns="">
                 <a:solidFill>
                   <a:schemeClr val="accent1"/>
                 </a:solidFill>
               </a14:hiddenFill>
             </a:ext>
             <a:ext uri="{91240B29-F687-4f45-9708-019B960494DF}">
-              <a14:hiddenLine xmlns="" xmlns:a14="http://schemas.microsoft.com/office/drawing/2010/main" w="9525">
+              <a14:hiddenLine xmlns:a14="http://schemas.microsoft.com/office/drawing/2010/main" xmlns="" w="9525">
                 <a:solidFill>
                   <a:schemeClr val="tx1"/>
                 </a:solidFill>
@@ -9681,7 +9681,7 @@
               </a14:hiddenLine>
             </a:ext>
             <a:ext uri="{AF507438-7753-43e0-B8FC-AC1667EBCBE1}">
-              <a14:hiddenEffects xmlns="" xmlns:a14="http://schemas.microsoft.com/office/drawing/2010/main">
+              <a14:hiddenEffects xmlns:a14="http://schemas.microsoft.com/office/drawing/2010/main" xmlns="">
                 <a:effectLst>
                   <a:outerShdw dist="35921" dir="2700000" algn="ctr" rotWithShape="0">
                     <a:schemeClr val="bg2"/>
@@ -29648,64 +29648,65 @@
               <a:t>Options can be queried and set via: </a:t>
             </a:r>
             <a:r>
+              <a:rPr lang="en-US" sz="1200" b="1" dirty="0" err="1">
+                <a:latin typeface="Consolas" panose="020B0609020204030204" pitchFamily="49" charset="0"/>
+              </a:rPr>
+              <a:t>pd.options.</a:t>
+            </a:r>
+            <a:r>
+              <a:rPr lang="en-US" sz="1200" b="1" i="1" dirty="0" err="1">
+                <a:latin typeface="Consolas" panose="020B0609020204030204" pitchFamily="49" charset="0"/>
+              </a:rPr>
+              <a:t>option_name</a:t>
+            </a:r>
+            <a:r>
+              <a:rPr lang="en-US" sz="1200" dirty="0"/>
+              <a:t> (where </a:t>
+            </a:r>
+            <a:r>
+              <a:rPr lang="en-US" sz="1200" i="1" dirty="0" err="1"/>
+              <a:t>option_name</a:t>
+            </a:r>
+            <a:r>
+              <a:rPr lang="en-US" sz="1200" dirty="0"/>
+              <a:t> is the name of an option). For example:</a:t>
+            </a:r>
+          </a:p>
+          <a:p>
+            <a:r>
+              <a:rPr lang="en-US" sz="1200" b="1" dirty="0" err="1">
+                <a:latin typeface="Consolas" panose="020B0609020204030204" pitchFamily="49" charset="0"/>
+              </a:rPr>
+              <a:t>pd.options.display.max_rows</a:t>
+            </a:r>
+            <a:r>
               <a:rPr lang="en-US" sz="1200" b="1" dirty="0">
                 <a:latin typeface="Consolas" panose="020B0609020204030204" pitchFamily="49" charset="0"/>
               </a:rPr>
-              <a:t>pd.options._</a:t>
+              <a:t> = 20</a:t>
+            </a:r>
+          </a:p>
+          <a:p>
+            <a:pPr marL="93600"/>
+            <a:r>
+              <a:rPr lang="en-US" sz="1200" dirty="0"/>
+              <a:t>Set the </a:t>
             </a:r>
             <a:r>
               <a:rPr lang="en-US" sz="1200" b="1" dirty="0" err="1">
                 <a:latin typeface="Consolas" panose="020B0609020204030204" pitchFamily="49" charset="0"/>
               </a:rPr>
-              <a:t>option_name</a:t>
-            </a:r>
-            <a:r>
-              <a:rPr lang="en-US" sz="1200" b="1" dirty="0">
-                <a:latin typeface="Consolas" panose="020B0609020204030204" pitchFamily="49" charset="0"/>
-              </a:rPr>
-              <a:t>_</a:t>
+              <a:t>display.max_rows</a:t>
             </a:r>
             <a:r>
               <a:rPr lang="en-US" sz="1200" dirty="0"/>
-              <a:t> (where _</a:t>
-            </a:r>
-            <a:r>
-              <a:rPr lang="en-US" sz="1200" dirty="0" err="1"/>
-              <a:t>option_name</a:t>
-            </a:r>
-            <a:r>
-              <a:rPr lang="en-US" sz="1200" dirty="0"/>
-              <a:t>_ is the name of an option). For example:</a:t>
-            </a:r>
-          </a:p>
-          <a:p>
-            <a:r>
-              <a:rPr lang="en-US" sz="1200" b="1" dirty="0" err="1">
-                <a:latin typeface="Consolas" panose="020B0609020204030204" pitchFamily="49" charset="0"/>
-              </a:rPr>
-              <a:t>Pd.options.display.max_rows</a:t>
-            </a:r>
-            <a:r>
-              <a:rPr lang="en-US" sz="1200" b="1" dirty="0">
-                <a:latin typeface="Consolas" panose="020B0609020204030204" pitchFamily="49" charset="0"/>
-              </a:rPr>
-              <a:t> = 20</a:t>
-            </a:r>
-          </a:p>
-          <a:p>
-            <a:pPr marL="93600"/>
-            <a:r>
-              <a:rPr lang="en-US" sz="1200" dirty="0"/>
-              <a:t>‘</a:t>
-            </a:r>
-            <a:r>
-              <a:rPr lang="en-US" sz="1200" dirty="0" err="1"/>
-              <a:t>max_rows</a:t>
-            </a:r>
-            <a:r>
-              <a:rPr lang="en-US" sz="1200" dirty="0"/>
-              <a:t>’ option is currently set to 20</a:t>
-            </a:r>
+              <a:t> option </a:t>
+            </a:r>
+            <a:r>
+              <a:rPr lang="en-US" sz="1200"/>
+              <a:t>to 20.</a:t>
+            </a:r>
+            <a:endParaRPr lang="en-US" sz="1200" dirty="0"/>
           </a:p>
           <a:p>
             <a:endParaRPr lang="en-US" sz="1200" dirty="0"/>

--- a/doc/cheatsheet/Pandas_Cheat_Sheet.pptx
+++ b/doc/cheatsheet/Pandas_Cheat_Sheet.pptx
@@ -262,7 +262,7 @@
           <a:p>
             <a:fld id="{79278B33-2949-49BE-B3B0-3F16CAF906FE}" type="datetimeFigureOut">
               <a:rPr lang="en-US" smtClean="0"/>
-              <a:t>5/10/2025</a:t>
+              <a:t>5/30/25</a:t>
             </a:fld>
             <a:endParaRPr lang="en-US"/>
           </a:p>
@@ -432,7 +432,7 @@
           <a:p>
             <a:fld id="{79278B33-2949-49BE-B3B0-3F16CAF906FE}" type="datetimeFigureOut">
               <a:rPr lang="en-US" smtClean="0"/>
-              <a:t>5/10/2025</a:t>
+              <a:t>5/30/25</a:t>
             </a:fld>
             <a:endParaRPr lang="en-US"/>
           </a:p>
@@ -612,7 +612,7 @@
           <a:p>
             <a:fld id="{79278B33-2949-49BE-B3B0-3F16CAF906FE}" type="datetimeFigureOut">
               <a:rPr lang="en-US" smtClean="0"/>
-              <a:t>5/10/2025</a:t>
+              <a:t>5/30/25</a:t>
             </a:fld>
             <a:endParaRPr lang="en-US"/>
           </a:p>
@@ -782,7 +782,7 @@
           <a:p>
             <a:fld id="{79278B33-2949-49BE-B3B0-3F16CAF906FE}" type="datetimeFigureOut">
               <a:rPr lang="en-US" smtClean="0"/>
-              <a:t>5/10/2025</a:t>
+              <a:t>5/30/25</a:t>
             </a:fld>
             <a:endParaRPr lang="en-US"/>
           </a:p>
@@ -1026,7 +1026,7 @@
           <a:p>
             <a:fld id="{79278B33-2949-49BE-B3B0-3F16CAF906FE}" type="datetimeFigureOut">
               <a:rPr lang="en-US" smtClean="0"/>
-              <a:t>5/10/2025</a:t>
+              <a:t>5/30/25</a:t>
             </a:fld>
             <a:endParaRPr lang="en-US"/>
           </a:p>
@@ -1258,7 +1258,7 @@
           <a:p>
             <a:fld id="{79278B33-2949-49BE-B3B0-3F16CAF906FE}" type="datetimeFigureOut">
               <a:rPr lang="en-US" smtClean="0"/>
-              <a:t>5/10/2025</a:t>
+              <a:t>5/30/25</a:t>
             </a:fld>
             <a:endParaRPr lang="en-US"/>
           </a:p>
@@ -1625,7 +1625,7 @@
           <a:p>
             <a:fld id="{79278B33-2949-49BE-B3B0-3F16CAF906FE}" type="datetimeFigureOut">
               <a:rPr lang="en-US" smtClean="0"/>
-              <a:t>5/10/2025</a:t>
+              <a:t>5/30/25</a:t>
             </a:fld>
             <a:endParaRPr lang="en-US"/>
           </a:p>
@@ -1743,7 +1743,7 @@
           <a:p>
             <a:fld id="{79278B33-2949-49BE-B3B0-3F16CAF906FE}" type="datetimeFigureOut">
               <a:rPr lang="en-US" smtClean="0"/>
-              <a:t>5/10/2025</a:t>
+              <a:t>5/30/25</a:t>
             </a:fld>
             <a:endParaRPr lang="en-US"/>
           </a:p>
@@ -1838,7 +1838,7 @@
           <a:p>
             <a:fld id="{79278B33-2949-49BE-B3B0-3F16CAF906FE}" type="datetimeFigureOut">
               <a:rPr lang="en-US" smtClean="0"/>
-              <a:t>5/10/2025</a:t>
+              <a:t>5/30/25</a:t>
             </a:fld>
             <a:endParaRPr lang="en-US"/>
           </a:p>
@@ -2115,7 +2115,7 @@
           <a:p>
             <a:fld id="{79278B33-2949-49BE-B3B0-3F16CAF906FE}" type="datetimeFigureOut">
               <a:rPr lang="en-US" smtClean="0"/>
-              <a:t>5/10/2025</a:t>
+              <a:t>5/30/25</a:t>
             </a:fld>
             <a:endParaRPr lang="en-US"/>
           </a:p>
@@ -2372,7 +2372,7 @@
           <a:p>
             <a:fld id="{79278B33-2949-49BE-B3B0-3F16CAF906FE}" type="datetimeFigureOut">
               <a:rPr lang="en-US" smtClean="0"/>
-              <a:t>5/10/2025</a:t>
+              <a:t>5/30/25</a:t>
             </a:fld>
             <a:endParaRPr lang="en-US"/>
           </a:p>
@@ -2585,7 +2585,7 @@
           <a:p>
             <a:fld id="{79278B33-2949-49BE-B3B0-3F16CAF906FE}" type="datetimeFigureOut">
               <a:rPr lang="en-US" smtClean="0"/>
-              <a:t>5/10/2025</a:t>
+              <a:t>5/30/25</a:t>
             </a:fld>
             <a:endParaRPr lang="en-US"/>
           </a:p>
@@ -9664,14 +9664,14 @@
           <a:effectLst/>
           <a:extLst>
             <a:ext uri="{909E8E84-426E-40dd-AFC4-6F175D3DCCD1}">
-              <a14:hiddenFill xmlns:a14="http://schemas.microsoft.com/office/drawing/2010/main" xmlns="">
+              <a14:hiddenFill xmlns="" xmlns:a14="http://schemas.microsoft.com/office/drawing/2010/main">
                 <a:solidFill>
                   <a:schemeClr val="accent1"/>
                 </a:solidFill>
               </a14:hiddenFill>
             </a:ext>
             <a:ext uri="{91240B29-F687-4f45-9708-019B960494DF}">
-              <a14:hiddenLine xmlns:a14="http://schemas.microsoft.com/office/drawing/2010/main" xmlns="" w="9525">
+              <a14:hiddenLine xmlns="" xmlns:a14="http://schemas.microsoft.com/office/drawing/2010/main" w="9525">
                 <a:solidFill>
                   <a:schemeClr val="tx1"/>
                 </a:solidFill>
@@ -9681,7 +9681,7 @@
               </a14:hiddenLine>
             </a:ext>
             <a:ext uri="{AF507438-7753-43e0-B8FC-AC1667EBCBE1}">
-              <a14:hiddenEffects xmlns:a14="http://schemas.microsoft.com/office/drawing/2010/main" xmlns="">
+              <a14:hiddenEffects xmlns="" xmlns:a14="http://schemas.microsoft.com/office/drawing/2010/main">
                 <a:effectLst>
                   <a:outerShdw dist="35921" dir="2700000" algn="ctr" rotWithShape="0">
                     <a:schemeClr val="bg2"/>
@@ -31764,14 +31764,20 @@
                 <a:rPr lang="en-US" sz="1200" b="1" dirty="0" err="1">
                   <a:latin typeface="Consolas" panose="020B0609020204030204" pitchFamily="49" charset="0"/>
                 </a:rPr>
-                <a:t>df.</a:t>
+                <a:t>df</a:t>
               </a:r>
               <a:r>
-                <a:rPr lang="en-US" sz="1200" b="1" dirty="0" err="1">
+                <a:rPr lang="en-US" sz="1200" b="1" err="1">
+                  <a:latin typeface="Consolas" panose="020B0609020204030204" pitchFamily="49" charset="0"/>
+                </a:rPr>
+                <a:t>.</a:t>
+              </a:r>
+              <a:r>
+                <a:rPr lang="en-US" sz="1200" b="1">
                   <a:latin typeface="Consolas" panose="020B0609020204030204" pitchFamily="49" charset="0"/>
                   <a:hlinkClick r:id="rId49"/>
                 </a:rPr>
-                <a:t>as_type</a:t>
+                <a:t>astype</a:t>
               </a:r>
               <a:r>
                 <a:rPr lang="en-US" sz="1200" b="1" dirty="0">
